--- a/docs/diagrams/EditPaymentSequenceDiagram.pptx
+++ b/docs/diagrams/EditPaymentSequenceDiagram.pptx
@@ -3909,8 +3909,8 @@
         </p:nvSpPr>
         <p:spPr>
           <a:xfrm>
-            <a:off x="395482" y="907628"/>
-            <a:ext cx="1557488" cy="338554"/>
+            <a:off x="72851" y="968516"/>
+            <a:ext cx="1880119" cy="169277"/>
           </a:xfrm>
           <a:prstGeom prst="rect">
             <a:avLst/>
@@ -3929,23 +3929,7 @@
                   <a:srgbClr val="0070C0"/>
                 </a:solidFill>
               </a:rPr>
-              <a:t>execute( “paid </a:t>
-            </a:r>
-            <a:r>
-              <a:rPr lang="en-US" sz="1100" dirty="0" err="1">
-                <a:solidFill>
-                  <a:srgbClr val="0070C0"/>
-                </a:solidFill>
-              </a:rPr>
-              <a:t>idx</a:t>
-            </a:r>
-            <a:r>
-              <a:rPr lang="en-US" sz="1100" dirty="0">
-                <a:solidFill>
-                  <a:srgbClr val="0070C0"/>
-                </a:solidFill>
-              </a:rPr>
-              <a:t>/1 amt/200 m/8 y/2018”)</a:t>
+              <a:t>execute( “paid 1 200 8 2018”)</a:t>
             </a:r>
           </a:p>
         </p:txBody>
@@ -4209,7 +4193,7 @@
         <p:spPr>
           <a:xfrm>
             <a:off x="2028316" y="995423"/>
-            <a:ext cx="2211727" cy="338554"/>
+            <a:ext cx="2211727" cy="169277"/>
           </a:xfrm>
           <a:prstGeom prst="rect">
             <a:avLst/>
@@ -4240,15 +4224,7 @@
             </a:r>
             <a:r>
               <a:rPr lang="en-US" sz="1100" dirty="0"/>
-              <a:t>(“paid </a:t>
-            </a:r>
-            <a:r>
-              <a:rPr lang="en-US" sz="1100" dirty="0" err="1"/>
-              <a:t>idx</a:t>
-            </a:r>
-            <a:r>
-              <a:rPr lang="en-US" sz="1100" dirty="0"/>
-              <a:t>/1 amt/200 m/8 y/2018”)</a:t>
+              <a:t>(“paid 1 200 8 2018”)</a:t>
             </a:r>
           </a:p>
         </p:txBody>
@@ -5585,7 +5561,7 @@
         <p:spPr>
           <a:xfrm>
             <a:off x="4343881" y="2084332"/>
-            <a:ext cx="1078458" cy="646331"/>
+            <a:ext cx="1078458" cy="461665"/>
           </a:xfrm>
           <a:prstGeom prst="rect">
             <a:avLst/>
@@ -5598,29 +5574,21 @@
           </a:bodyPr>
           <a:lstStyle/>
           <a:p>
+            <a:r>
+              <a:rPr lang="en-GB" sz="1200">
+                <a:solidFill>
+                  <a:schemeClr val="accent1"/>
+                </a:solidFill>
+              </a:rPr>
+              <a:t>Parse(“1 200 8 2018</a:t>
+            </a:r>
             <a:r>
               <a:rPr lang="en-GB" sz="1200" dirty="0">
                 <a:solidFill>
                   <a:schemeClr val="accent1"/>
                 </a:solidFill>
               </a:rPr>
-              <a:t>Parse(“</a:t>
-            </a:r>
-            <a:r>
-              <a:rPr lang="en-GB" sz="1200" dirty="0" err="1">
-                <a:solidFill>
-                  <a:schemeClr val="accent1"/>
-                </a:solidFill>
-              </a:rPr>
-              <a:t>idx</a:t>
-            </a:r>
-            <a:r>
-              <a:rPr lang="en-GB" sz="1200" dirty="0">
-                <a:solidFill>
-                  <a:schemeClr val="accent1"/>
-                </a:solidFill>
-              </a:rPr>
-              <a:t>/1 amt/200 m/8 y/2018”)</a:t>
+              <a:t>”)</a:t>
             </a:r>
           </a:p>
         </p:txBody>

--- a/docs/diagrams/EditPaymentSequenceDiagram.pptx
+++ b/docs/diagrams/EditPaymentSequenceDiagram.pptx
@@ -2,13 +2,13 @@
 <file path=ppt/presentation.xml><?xml version="1.0" encoding="utf-8"?>
 <p:presentation xmlns:a="http://schemas.openxmlformats.org/drawingml/2006/main" xmlns:r="http://schemas.openxmlformats.org/officeDocument/2006/relationships" xmlns:p="http://schemas.openxmlformats.org/presentationml/2006/main" saveSubsetFonts="1">
   <p:sldMasterIdLst>
-    <p:sldMasterId id="2147483648" r:id="rId1"/>
+    <p:sldMasterId id="2147483660" r:id="rId1"/>
   </p:sldMasterIdLst>
   <p:notesMasterIdLst>
     <p:notesMasterId r:id="rId3"/>
   </p:notesMasterIdLst>
   <p:sldIdLst>
-    <p:sldId id="257" r:id="rId2"/>
+    <p:sldId id="262" r:id="rId2"/>
   </p:sldIdLst>
   <p:sldSz cx="12192000" cy="6858000"/>
   <p:notesSz cx="6858000" cy="9144000"/>
@@ -197,7 +197,7 @@
           <a:p>
             <a:fld id="{62511F6D-3957-4073-A6EA-8AA084D57D2E}" type="datetimeFigureOut">
               <a:rPr lang="en-US" smtClean="0"/>
-              <a:t>10/20/2018</a:t>
+              <a:t>10/23/2018</a:t>
             </a:fld>
             <a:endParaRPr lang="en-US"/>
           </a:p>
@@ -510,7 +510,11 @@
           <a:p>
             <a:r>
               <a:rPr lang="en-SG" dirty="0"/>
-              <a:t>Group Sequence Diagram</a:t>
+              <a:t>Logic</a:t>
+            </a:r>
+            <a:r>
+              <a:rPr lang="en-SG" baseline="0" dirty="0"/>
+              <a:t> Component Sequence Diagram</a:t>
             </a:r>
             <a:endParaRPr lang="en-US" dirty="0"/>
           </a:p>
@@ -531,18 +535,78 @@
           <a:bodyPr/>
           <a:lstStyle/>
           <a:p>
+            <a:pPr marL="0" marR="0" lvl="0" indent="0" algn="r" defTabSz="914400" rtl="0" eaLnBrk="1" fontAlgn="auto" latinLnBrk="0" hangingPunct="1">
+              <a:lnSpc>
+                <a:spcPct val="100000"/>
+              </a:lnSpc>
+              <a:spcBef>
+                <a:spcPts val="0"/>
+              </a:spcBef>
+              <a:spcAft>
+                <a:spcPts val="0"/>
+              </a:spcAft>
+              <a:buClrTx/>
+              <a:buSzTx/>
+              <a:buFontTx/>
+              <a:buNone/>
+              <a:tabLst/>
+              <a:defRPr/>
+            </a:pPr>
             <a:fld id="{5A7AB025-77E3-4BD1-A2FD-B3183DBA47A3}" type="slidenum">
-              <a:rPr lang="en-US" smtClean="0"/>
+              <a:rPr kumimoji="0" lang="en-US" sz="1200" b="0" i="0" u="none" strike="noStrike" kern="1200" cap="none" spc="0" normalizeH="0" baseline="0" noProof="0" smtClean="0">
+                <a:ln>
+                  <a:noFill/>
+                </a:ln>
+                <a:solidFill>
+                  <a:prstClr val="black"/>
+                </a:solidFill>
+                <a:effectLst/>
+                <a:uLnTx/>
+                <a:uFillTx/>
+                <a:latin typeface="Calibri"/>
+                <a:ea typeface="+mn-ea"/>
+                <a:cs typeface="+mn-cs"/>
+              </a:rPr>
+              <a:pPr marL="0" marR="0" lvl="0" indent="0" algn="r" defTabSz="914400" rtl="0" eaLnBrk="1" fontAlgn="auto" latinLnBrk="0" hangingPunct="1">
+                <a:lnSpc>
+                  <a:spcPct val="100000"/>
+                </a:lnSpc>
+                <a:spcBef>
+                  <a:spcPts val="0"/>
+                </a:spcBef>
+                <a:spcAft>
+                  <a:spcPts val="0"/>
+                </a:spcAft>
+                <a:buClrTx/>
+                <a:buSzTx/>
+                <a:buFontTx/>
+                <a:buNone/>
+                <a:tabLst/>
+                <a:defRPr/>
+              </a:pPr>
               <a:t>1</a:t>
             </a:fld>
-            <a:endParaRPr lang="en-US"/>
+            <a:endParaRPr kumimoji="0" lang="en-US" sz="1200" b="0" i="0" u="none" strike="noStrike" kern="1200" cap="none" spc="0" normalizeH="0" baseline="0" noProof="0">
+              <a:ln>
+                <a:noFill/>
+              </a:ln>
+              <a:solidFill>
+                <a:prstClr val="black"/>
+              </a:solidFill>
+              <a:effectLst/>
+              <a:uLnTx/>
+              <a:uFillTx/>
+              <a:latin typeface="Calibri"/>
+              <a:ea typeface="+mn-ea"/>
+              <a:cs typeface="+mn-cs"/>
+            </a:endParaRPr>
           </a:p>
         </p:txBody>
       </p:sp>
     </p:spTree>
     <p:extLst>
       <p:ext uri="{BB962C8B-B14F-4D97-AF65-F5344CB8AC3E}">
-        <p14:creationId xmlns:p14="http://schemas.microsoft.com/office/powerpoint/2010/main" val="2217512897"/>
+        <p14:creationId xmlns:p14="http://schemas.microsoft.com/office/powerpoint/2010/main" val="4236532344"/>
       </p:ext>
     </p:extLst>
   </p:cSld>
@@ -581,17 +645,13 @@
         </p:nvSpPr>
         <p:spPr>
           <a:xfrm>
-            <a:off x="1524000" y="1122363"/>
-            <a:ext cx="9144000" cy="2387600"/>
-          </a:xfrm>
-        </p:spPr>
-        <p:txBody>
-          <a:bodyPr anchor="b"/>
-          <a:lstStyle>
-            <a:lvl1pPr algn="ctr">
-              <a:defRPr sz="6000"/>
-            </a:lvl1pPr>
-          </a:lstStyle>
+            <a:off x="914400" y="2130426"/>
+            <a:ext cx="10363200" cy="1470025"/>
+          </a:xfrm>
+        </p:spPr>
+        <p:txBody>
+          <a:bodyPr/>
+          <a:lstStyle/>
           <a:p>
             <a:r>
               <a:rPr lang="en-US"/>
@@ -612,8 +672,8 @@
         </p:nvSpPr>
         <p:spPr>
           <a:xfrm>
-            <a:off x="1524000" y="3602038"/>
-            <a:ext cx="9144000" cy="1655762"/>
+            <a:off x="1828800" y="3886200"/>
+            <a:ext cx="8534400" cy="1752600"/>
           </a:xfrm>
         </p:spPr>
         <p:txBody>
@@ -621,39 +681,93 @@
           <a:lstStyle>
             <a:lvl1pPr marL="0" indent="0" algn="ctr">
               <a:buNone/>
-              <a:defRPr sz="2400"/>
+              <a:defRPr>
+                <a:solidFill>
+                  <a:schemeClr val="tx1">
+                    <a:tint val="75000"/>
+                  </a:schemeClr>
+                </a:solidFill>
+              </a:defRPr>
             </a:lvl1pPr>
             <a:lvl2pPr marL="457200" indent="0" algn="ctr">
               <a:buNone/>
-              <a:defRPr sz="2000"/>
+              <a:defRPr>
+                <a:solidFill>
+                  <a:schemeClr val="tx1">
+                    <a:tint val="75000"/>
+                  </a:schemeClr>
+                </a:solidFill>
+              </a:defRPr>
             </a:lvl2pPr>
             <a:lvl3pPr marL="914400" indent="0" algn="ctr">
               <a:buNone/>
-              <a:defRPr sz="1800"/>
+              <a:defRPr>
+                <a:solidFill>
+                  <a:schemeClr val="tx1">
+                    <a:tint val="75000"/>
+                  </a:schemeClr>
+                </a:solidFill>
+              </a:defRPr>
             </a:lvl3pPr>
             <a:lvl4pPr marL="1371600" indent="0" algn="ctr">
               <a:buNone/>
-              <a:defRPr sz="1600"/>
+              <a:defRPr>
+                <a:solidFill>
+                  <a:schemeClr val="tx1">
+                    <a:tint val="75000"/>
+                  </a:schemeClr>
+                </a:solidFill>
+              </a:defRPr>
             </a:lvl4pPr>
             <a:lvl5pPr marL="1828800" indent="0" algn="ctr">
               <a:buNone/>
-              <a:defRPr sz="1600"/>
+              <a:defRPr>
+                <a:solidFill>
+                  <a:schemeClr val="tx1">
+                    <a:tint val="75000"/>
+                  </a:schemeClr>
+                </a:solidFill>
+              </a:defRPr>
             </a:lvl5pPr>
             <a:lvl6pPr marL="2286000" indent="0" algn="ctr">
               <a:buNone/>
-              <a:defRPr sz="1600"/>
+              <a:defRPr>
+                <a:solidFill>
+                  <a:schemeClr val="tx1">
+                    <a:tint val="75000"/>
+                  </a:schemeClr>
+                </a:solidFill>
+              </a:defRPr>
             </a:lvl6pPr>
             <a:lvl7pPr marL="2743200" indent="0" algn="ctr">
               <a:buNone/>
-              <a:defRPr sz="1600"/>
+              <a:defRPr>
+                <a:solidFill>
+                  <a:schemeClr val="tx1">
+                    <a:tint val="75000"/>
+                  </a:schemeClr>
+                </a:solidFill>
+              </a:defRPr>
             </a:lvl7pPr>
             <a:lvl8pPr marL="3200400" indent="0" algn="ctr">
               <a:buNone/>
-              <a:defRPr sz="1600"/>
+              <a:defRPr>
+                <a:solidFill>
+                  <a:schemeClr val="tx1">
+                    <a:tint val="75000"/>
+                  </a:schemeClr>
+                </a:solidFill>
+              </a:defRPr>
             </a:lvl8pPr>
             <a:lvl9pPr marL="3657600" indent="0" algn="ctr">
               <a:buNone/>
-              <a:defRPr sz="1600"/>
+              <a:defRPr>
+                <a:solidFill>
+                  <a:schemeClr val="tx1">
+                    <a:tint val="75000"/>
+                  </a:schemeClr>
+                </a:solidFill>
+              </a:defRPr>
             </a:lvl9pPr>
           </a:lstStyle>
           <a:p>
@@ -679,9 +793,9 @@
           <a:bodyPr/>
           <a:lstStyle/>
           <a:p>
-            <a:fld id="{56380CDC-2C67-42AA-B1DF-B7373BF777ED}" type="datetimeFigureOut">
+            <a:fld id="{78C97017-6FC3-485B-9764-EAC9E56C1D49}" type="datetimeFigureOut">
               <a:rPr lang="en-US" smtClean="0"/>
-              <a:t>10/20/2018</a:t>
+              <a:t>10/23/2018</a:t>
             </a:fld>
             <a:endParaRPr lang="en-US"/>
           </a:p>
@@ -721,7 +835,7 @@
           <a:bodyPr/>
           <a:lstStyle/>
           <a:p>
-            <a:fld id="{18691285-52DD-4FE1-8B96-1A8C6FEC2E14}" type="slidenum">
+            <a:fld id="{FB34683C-161B-4520-BF45-B179E228CF2A}" type="slidenum">
               <a:rPr lang="en-US" smtClean="0"/>
               <a:t>‹#›</a:t>
             </a:fld>
@@ -732,7 +846,7 @@
     </p:spTree>
     <p:extLst>
       <p:ext uri="{BB962C8B-B14F-4D97-AF65-F5344CB8AC3E}">
-        <p14:creationId xmlns:p14="http://schemas.microsoft.com/office/powerpoint/2010/main" val="1730679859"/>
+        <p14:creationId xmlns:p14="http://schemas.microsoft.com/office/powerpoint/2010/main" val="1297144645"/>
       </p:ext>
     </p:extLst>
   </p:cSld>
@@ -847,9 +961,9 @@
           <a:bodyPr/>
           <a:lstStyle/>
           <a:p>
-            <a:fld id="{56380CDC-2C67-42AA-B1DF-B7373BF777ED}" type="datetimeFigureOut">
+            <a:fld id="{78C97017-6FC3-485B-9764-EAC9E56C1D49}" type="datetimeFigureOut">
               <a:rPr lang="en-US" smtClean="0"/>
-              <a:t>10/20/2018</a:t>
+              <a:t>10/23/2018</a:t>
             </a:fld>
             <a:endParaRPr lang="en-US"/>
           </a:p>
@@ -889,7 +1003,7 @@
           <a:bodyPr/>
           <a:lstStyle/>
           <a:p>
-            <a:fld id="{18691285-52DD-4FE1-8B96-1A8C6FEC2E14}" type="slidenum">
+            <a:fld id="{FB34683C-161B-4520-BF45-B179E228CF2A}" type="slidenum">
               <a:rPr lang="en-US" smtClean="0"/>
               <a:t>‹#›</a:t>
             </a:fld>
@@ -900,7 +1014,7 @@
     </p:spTree>
     <p:extLst>
       <p:ext uri="{BB962C8B-B14F-4D97-AF65-F5344CB8AC3E}">
-        <p14:creationId xmlns:p14="http://schemas.microsoft.com/office/powerpoint/2010/main" val="247808040"/>
+        <p14:creationId xmlns:p14="http://schemas.microsoft.com/office/powerpoint/2010/main" val="2271781929"/>
       </p:ext>
     </p:extLst>
   </p:cSld>
@@ -939,8 +1053,8 @@
         </p:nvSpPr>
         <p:spPr>
           <a:xfrm>
-            <a:off x="8724900" y="365125"/>
-            <a:ext cx="2628900" cy="5811838"/>
+            <a:off x="8839200" y="274639"/>
+            <a:ext cx="2743200" cy="5851525"/>
           </a:xfrm>
         </p:spPr>
         <p:txBody>
@@ -966,8 +1080,8 @@
         </p:nvSpPr>
         <p:spPr>
           <a:xfrm>
-            <a:off x="838200" y="365125"/>
-            <a:ext cx="7734300" cy="5811838"/>
+            <a:off x="609600" y="274639"/>
+            <a:ext cx="8026400" cy="5851525"/>
           </a:xfrm>
         </p:spPr>
         <p:txBody>
@@ -1025,9 +1139,9 @@
           <a:bodyPr/>
           <a:lstStyle/>
           <a:p>
-            <a:fld id="{56380CDC-2C67-42AA-B1DF-B7373BF777ED}" type="datetimeFigureOut">
+            <a:fld id="{78C97017-6FC3-485B-9764-EAC9E56C1D49}" type="datetimeFigureOut">
               <a:rPr lang="en-US" smtClean="0"/>
-              <a:t>10/20/2018</a:t>
+              <a:t>10/23/2018</a:t>
             </a:fld>
             <a:endParaRPr lang="en-US"/>
           </a:p>
@@ -1067,7 +1181,7 @@
           <a:bodyPr/>
           <a:lstStyle/>
           <a:p>
-            <a:fld id="{18691285-52DD-4FE1-8B96-1A8C6FEC2E14}" type="slidenum">
+            <a:fld id="{FB34683C-161B-4520-BF45-B179E228CF2A}" type="slidenum">
               <a:rPr lang="en-US" smtClean="0"/>
               <a:t>‹#›</a:t>
             </a:fld>
@@ -1078,7 +1192,7 @@
     </p:spTree>
     <p:extLst>
       <p:ext uri="{BB962C8B-B14F-4D97-AF65-F5344CB8AC3E}">
-        <p14:creationId xmlns:p14="http://schemas.microsoft.com/office/powerpoint/2010/main" val="2995720134"/>
+        <p14:creationId xmlns:p14="http://schemas.microsoft.com/office/powerpoint/2010/main" val="2811475915"/>
       </p:ext>
     </p:extLst>
   </p:cSld>
@@ -1193,9 +1307,9 @@
           <a:bodyPr/>
           <a:lstStyle/>
           <a:p>
-            <a:fld id="{56380CDC-2C67-42AA-B1DF-B7373BF777ED}" type="datetimeFigureOut">
+            <a:fld id="{78C97017-6FC3-485B-9764-EAC9E56C1D49}" type="datetimeFigureOut">
               <a:rPr lang="en-US" smtClean="0"/>
-              <a:t>10/20/2018</a:t>
+              <a:t>10/23/2018</a:t>
             </a:fld>
             <a:endParaRPr lang="en-US"/>
           </a:p>
@@ -1235,7 +1349,7 @@
           <a:bodyPr/>
           <a:lstStyle/>
           <a:p>
-            <a:fld id="{18691285-52DD-4FE1-8B96-1A8C6FEC2E14}" type="slidenum">
+            <a:fld id="{FB34683C-161B-4520-BF45-B179E228CF2A}" type="slidenum">
               <a:rPr lang="en-US" smtClean="0"/>
               <a:t>‹#›</a:t>
             </a:fld>
@@ -1246,7 +1360,7 @@
     </p:spTree>
     <p:extLst>
       <p:ext uri="{BB962C8B-B14F-4D97-AF65-F5344CB8AC3E}">
-        <p14:creationId xmlns:p14="http://schemas.microsoft.com/office/powerpoint/2010/main" val="1073502023"/>
+        <p14:creationId xmlns:p14="http://schemas.microsoft.com/office/powerpoint/2010/main" val="1035524047"/>
       </p:ext>
     </p:extLst>
   </p:cSld>
@@ -1285,15 +1399,15 @@
         </p:nvSpPr>
         <p:spPr>
           <a:xfrm>
-            <a:off x="831850" y="1709738"/>
-            <a:ext cx="10515600" cy="2852737"/>
-          </a:xfrm>
-        </p:spPr>
-        <p:txBody>
-          <a:bodyPr anchor="b"/>
+            <a:off x="963084" y="4406901"/>
+            <a:ext cx="10363200" cy="1362075"/>
+          </a:xfrm>
+        </p:spPr>
+        <p:txBody>
+          <a:bodyPr anchor="t"/>
           <a:lstStyle>
-            <a:lvl1pPr>
-              <a:defRPr sz="6000"/>
+            <a:lvl1pPr algn="l">
+              <a:defRPr sz="4000" b="1" cap="all"/>
             </a:lvl1pPr>
           </a:lstStyle>
           <a:p>
@@ -1316,16 +1430,16 @@
         </p:nvSpPr>
         <p:spPr>
           <a:xfrm>
-            <a:off x="831850" y="4589463"/>
-            <a:ext cx="10515600" cy="1500187"/>
-          </a:xfrm>
-        </p:spPr>
-        <p:txBody>
-          <a:bodyPr/>
+            <a:off x="963084" y="2906713"/>
+            <a:ext cx="10363200" cy="1500187"/>
+          </a:xfrm>
+        </p:spPr>
+        <p:txBody>
+          <a:bodyPr anchor="b"/>
           <a:lstStyle>
             <a:lvl1pPr marL="0" indent="0">
               <a:buNone/>
-              <a:defRPr sz="2400">
+              <a:defRPr sz="2000">
                 <a:solidFill>
                   <a:schemeClr val="tx1">
                     <a:tint val="75000"/>
@@ -1335,7 +1449,7 @@
             </a:lvl1pPr>
             <a:lvl2pPr marL="457200" indent="0">
               <a:buNone/>
-              <a:defRPr sz="2000">
+              <a:defRPr sz="1800">
                 <a:solidFill>
                   <a:schemeClr val="tx1">
                     <a:tint val="75000"/>
@@ -1345,7 +1459,7 @@
             </a:lvl2pPr>
             <a:lvl3pPr marL="914400" indent="0">
               <a:buNone/>
-              <a:defRPr sz="1800">
+              <a:defRPr sz="1600">
                 <a:solidFill>
                   <a:schemeClr val="tx1">
                     <a:tint val="75000"/>
@@ -1355,7 +1469,7 @@
             </a:lvl3pPr>
             <a:lvl4pPr marL="1371600" indent="0">
               <a:buNone/>
-              <a:defRPr sz="1600">
+              <a:defRPr sz="1400">
                 <a:solidFill>
                   <a:schemeClr val="tx1">
                     <a:tint val="75000"/>
@@ -1365,7 +1479,7 @@
             </a:lvl4pPr>
             <a:lvl5pPr marL="1828800" indent="0">
               <a:buNone/>
-              <a:defRPr sz="1600">
+              <a:defRPr sz="1400">
                 <a:solidFill>
                   <a:schemeClr val="tx1">
                     <a:tint val="75000"/>
@@ -1375,7 +1489,7 @@
             </a:lvl5pPr>
             <a:lvl6pPr marL="2286000" indent="0">
               <a:buNone/>
-              <a:defRPr sz="1600">
+              <a:defRPr sz="1400">
                 <a:solidFill>
                   <a:schemeClr val="tx1">
                     <a:tint val="75000"/>
@@ -1385,7 +1499,7 @@
             </a:lvl6pPr>
             <a:lvl7pPr marL="2743200" indent="0">
               <a:buNone/>
-              <a:defRPr sz="1600">
+              <a:defRPr sz="1400">
                 <a:solidFill>
                   <a:schemeClr val="tx1">
                     <a:tint val="75000"/>
@@ -1395,7 +1509,7 @@
             </a:lvl7pPr>
             <a:lvl8pPr marL="3200400" indent="0">
               <a:buNone/>
-              <a:defRPr sz="1600">
+              <a:defRPr sz="1400">
                 <a:solidFill>
                   <a:schemeClr val="tx1">
                     <a:tint val="75000"/>
@@ -1405,7 +1519,7 @@
             </a:lvl8pPr>
             <a:lvl9pPr marL="3657600" indent="0">
               <a:buNone/>
-              <a:defRPr sz="1600">
+              <a:defRPr sz="1400">
                 <a:solidFill>
                   <a:schemeClr val="tx1">
                     <a:tint val="75000"/>
@@ -1438,9 +1552,9 @@
           <a:bodyPr/>
           <a:lstStyle/>
           <a:p>
-            <a:fld id="{56380CDC-2C67-42AA-B1DF-B7373BF777ED}" type="datetimeFigureOut">
+            <a:fld id="{78C97017-6FC3-485B-9764-EAC9E56C1D49}" type="datetimeFigureOut">
               <a:rPr lang="en-US" smtClean="0"/>
-              <a:t>10/20/2018</a:t>
+              <a:t>10/23/2018</a:t>
             </a:fld>
             <a:endParaRPr lang="en-US"/>
           </a:p>
@@ -1480,7 +1594,7 @@
           <a:bodyPr/>
           <a:lstStyle/>
           <a:p>
-            <a:fld id="{18691285-52DD-4FE1-8B96-1A8C6FEC2E14}" type="slidenum">
+            <a:fld id="{FB34683C-161B-4520-BF45-B179E228CF2A}" type="slidenum">
               <a:rPr lang="en-US" smtClean="0"/>
               <a:t>‹#›</a:t>
             </a:fld>
@@ -1491,7 +1605,7 @@
     </p:spTree>
     <p:extLst>
       <p:ext uri="{BB962C8B-B14F-4D97-AF65-F5344CB8AC3E}">
-        <p14:creationId xmlns:p14="http://schemas.microsoft.com/office/powerpoint/2010/main" val="2814066671"/>
+        <p14:creationId xmlns:p14="http://schemas.microsoft.com/office/powerpoint/2010/main" val="1172084891"/>
       </p:ext>
     </p:extLst>
   </p:cSld>
@@ -1552,13 +1666,41 @@
         </p:nvSpPr>
         <p:spPr>
           <a:xfrm>
-            <a:off x="838200" y="1825625"/>
-            <a:ext cx="5181600" cy="4351338"/>
+            <a:off x="609600" y="1600201"/>
+            <a:ext cx="5384800" cy="4525963"/>
           </a:xfrm>
         </p:spPr>
         <p:txBody>
           <a:bodyPr/>
-          <a:lstStyle/>
+          <a:lstStyle>
+            <a:lvl1pPr>
+              <a:defRPr sz="2800"/>
+            </a:lvl1pPr>
+            <a:lvl2pPr>
+              <a:defRPr sz="2400"/>
+            </a:lvl2pPr>
+            <a:lvl3pPr>
+              <a:defRPr sz="2000"/>
+            </a:lvl3pPr>
+            <a:lvl4pPr>
+              <a:defRPr sz="1800"/>
+            </a:lvl4pPr>
+            <a:lvl5pPr>
+              <a:defRPr sz="1800"/>
+            </a:lvl5pPr>
+            <a:lvl6pPr>
+              <a:defRPr sz="1800"/>
+            </a:lvl6pPr>
+            <a:lvl7pPr>
+              <a:defRPr sz="1800"/>
+            </a:lvl7pPr>
+            <a:lvl8pPr>
+              <a:defRPr sz="1800"/>
+            </a:lvl8pPr>
+            <a:lvl9pPr>
+              <a:defRPr sz="1800"/>
+            </a:lvl9pPr>
+          </a:lstStyle>
           <a:p>
             <a:pPr lvl="0"/>
             <a:r>
@@ -1608,13 +1750,41 @@
         </p:nvSpPr>
         <p:spPr>
           <a:xfrm>
-            <a:off x="6172200" y="1825625"/>
-            <a:ext cx="5181600" cy="4351338"/>
+            <a:off x="6197600" y="1600201"/>
+            <a:ext cx="5384800" cy="4525963"/>
           </a:xfrm>
         </p:spPr>
         <p:txBody>
           <a:bodyPr/>
-          <a:lstStyle/>
+          <a:lstStyle>
+            <a:lvl1pPr>
+              <a:defRPr sz="2800"/>
+            </a:lvl1pPr>
+            <a:lvl2pPr>
+              <a:defRPr sz="2400"/>
+            </a:lvl2pPr>
+            <a:lvl3pPr>
+              <a:defRPr sz="2000"/>
+            </a:lvl3pPr>
+            <a:lvl4pPr>
+              <a:defRPr sz="1800"/>
+            </a:lvl4pPr>
+            <a:lvl5pPr>
+              <a:defRPr sz="1800"/>
+            </a:lvl5pPr>
+            <a:lvl6pPr>
+              <a:defRPr sz="1800"/>
+            </a:lvl6pPr>
+            <a:lvl7pPr>
+              <a:defRPr sz="1800"/>
+            </a:lvl7pPr>
+            <a:lvl8pPr>
+              <a:defRPr sz="1800"/>
+            </a:lvl8pPr>
+            <a:lvl9pPr>
+              <a:defRPr sz="1800"/>
+            </a:lvl9pPr>
+          </a:lstStyle>
           <a:p>
             <a:pPr lvl="0"/>
             <a:r>
@@ -1667,9 +1837,9 @@
           <a:bodyPr/>
           <a:lstStyle/>
           <a:p>
-            <a:fld id="{56380CDC-2C67-42AA-B1DF-B7373BF777ED}" type="datetimeFigureOut">
+            <a:fld id="{78C97017-6FC3-485B-9764-EAC9E56C1D49}" type="datetimeFigureOut">
               <a:rPr lang="en-US" smtClean="0"/>
-              <a:t>10/20/2018</a:t>
+              <a:t>10/23/2018</a:t>
             </a:fld>
             <a:endParaRPr lang="en-US"/>
           </a:p>
@@ -1709,7 +1879,7 @@
           <a:bodyPr/>
           <a:lstStyle/>
           <a:p>
-            <a:fld id="{18691285-52DD-4FE1-8B96-1A8C6FEC2E14}" type="slidenum">
+            <a:fld id="{FB34683C-161B-4520-BF45-B179E228CF2A}" type="slidenum">
               <a:rPr lang="en-US" smtClean="0"/>
               <a:t>‹#›</a:t>
             </a:fld>
@@ -1720,7 +1890,7 @@
     </p:spTree>
     <p:extLst>
       <p:ext uri="{BB962C8B-B14F-4D97-AF65-F5344CB8AC3E}">
-        <p14:creationId xmlns:p14="http://schemas.microsoft.com/office/powerpoint/2010/main" val="1534438697"/>
+        <p14:creationId xmlns:p14="http://schemas.microsoft.com/office/powerpoint/2010/main" val="3256973111"/>
       </p:ext>
     </p:extLst>
   </p:cSld>
@@ -1757,15 +1927,14 @@
             <p:ph type="title"/>
           </p:nvPr>
         </p:nvSpPr>
-        <p:spPr>
-          <a:xfrm>
-            <a:off x="839788" y="365125"/>
-            <a:ext cx="10515600" cy="1325563"/>
-          </a:xfrm>
-        </p:spPr>
+        <p:spPr/>
         <p:txBody>
           <a:bodyPr/>
-          <a:lstStyle/>
+          <a:lstStyle>
+            <a:lvl1pPr>
+              <a:defRPr/>
+            </a:lvl1pPr>
+          </a:lstStyle>
           <a:p>
             <a:r>
               <a:rPr lang="en-US"/>
@@ -1786,8 +1955,8 @@
         </p:nvSpPr>
         <p:spPr>
           <a:xfrm>
-            <a:off x="839788" y="1681163"/>
-            <a:ext cx="5157787" cy="823912"/>
+            <a:off x="609600" y="1535113"/>
+            <a:ext cx="5386917" cy="639762"/>
           </a:xfrm>
         </p:spPr>
         <p:txBody>
@@ -1851,13 +2020,41 @@
         </p:nvSpPr>
         <p:spPr>
           <a:xfrm>
-            <a:off x="839788" y="2505075"/>
-            <a:ext cx="5157787" cy="3684588"/>
+            <a:off x="609600" y="2174875"/>
+            <a:ext cx="5386917" cy="3951288"/>
           </a:xfrm>
         </p:spPr>
         <p:txBody>
           <a:bodyPr/>
-          <a:lstStyle/>
+          <a:lstStyle>
+            <a:lvl1pPr>
+              <a:defRPr sz="2400"/>
+            </a:lvl1pPr>
+            <a:lvl2pPr>
+              <a:defRPr sz="2000"/>
+            </a:lvl2pPr>
+            <a:lvl3pPr>
+              <a:defRPr sz="1800"/>
+            </a:lvl3pPr>
+            <a:lvl4pPr>
+              <a:defRPr sz="1600"/>
+            </a:lvl4pPr>
+            <a:lvl5pPr>
+              <a:defRPr sz="1600"/>
+            </a:lvl5pPr>
+            <a:lvl6pPr>
+              <a:defRPr sz="1600"/>
+            </a:lvl6pPr>
+            <a:lvl7pPr>
+              <a:defRPr sz="1600"/>
+            </a:lvl7pPr>
+            <a:lvl8pPr>
+              <a:defRPr sz="1600"/>
+            </a:lvl8pPr>
+            <a:lvl9pPr>
+              <a:defRPr sz="1600"/>
+            </a:lvl9pPr>
+          </a:lstStyle>
           <a:p>
             <a:pPr lvl="0"/>
             <a:r>
@@ -1907,8 +2104,8 @@
         </p:nvSpPr>
         <p:spPr>
           <a:xfrm>
-            <a:off x="6172200" y="1681163"/>
-            <a:ext cx="5183188" cy="823912"/>
+            <a:off x="6193368" y="1535113"/>
+            <a:ext cx="5389033" cy="639762"/>
           </a:xfrm>
         </p:spPr>
         <p:txBody>
@@ -1972,13 +2169,41 @@
         </p:nvSpPr>
         <p:spPr>
           <a:xfrm>
-            <a:off x="6172200" y="2505075"/>
-            <a:ext cx="5183188" cy="3684588"/>
+            <a:off x="6193368" y="2174875"/>
+            <a:ext cx="5389033" cy="3951288"/>
           </a:xfrm>
         </p:spPr>
         <p:txBody>
           <a:bodyPr/>
-          <a:lstStyle/>
+          <a:lstStyle>
+            <a:lvl1pPr>
+              <a:defRPr sz="2400"/>
+            </a:lvl1pPr>
+            <a:lvl2pPr>
+              <a:defRPr sz="2000"/>
+            </a:lvl2pPr>
+            <a:lvl3pPr>
+              <a:defRPr sz="1800"/>
+            </a:lvl3pPr>
+            <a:lvl4pPr>
+              <a:defRPr sz="1600"/>
+            </a:lvl4pPr>
+            <a:lvl5pPr>
+              <a:defRPr sz="1600"/>
+            </a:lvl5pPr>
+            <a:lvl6pPr>
+              <a:defRPr sz="1600"/>
+            </a:lvl6pPr>
+            <a:lvl7pPr>
+              <a:defRPr sz="1600"/>
+            </a:lvl7pPr>
+            <a:lvl8pPr>
+              <a:defRPr sz="1600"/>
+            </a:lvl8pPr>
+            <a:lvl9pPr>
+              <a:defRPr sz="1600"/>
+            </a:lvl9pPr>
+          </a:lstStyle>
           <a:p>
             <a:pPr lvl="0"/>
             <a:r>
@@ -2031,9 +2256,9 @@
           <a:bodyPr/>
           <a:lstStyle/>
           <a:p>
-            <a:fld id="{56380CDC-2C67-42AA-B1DF-B7373BF777ED}" type="datetimeFigureOut">
+            <a:fld id="{78C97017-6FC3-485B-9764-EAC9E56C1D49}" type="datetimeFigureOut">
               <a:rPr lang="en-US" smtClean="0"/>
-              <a:t>10/20/2018</a:t>
+              <a:t>10/23/2018</a:t>
             </a:fld>
             <a:endParaRPr lang="en-US"/>
           </a:p>
@@ -2073,7 +2298,7 @@
           <a:bodyPr/>
           <a:lstStyle/>
           <a:p>
-            <a:fld id="{18691285-52DD-4FE1-8B96-1A8C6FEC2E14}" type="slidenum">
+            <a:fld id="{FB34683C-161B-4520-BF45-B179E228CF2A}" type="slidenum">
               <a:rPr lang="en-US" smtClean="0"/>
               <a:t>‹#›</a:t>
             </a:fld>
@@ -2084,7 +2309,7 @@
     </p:spTree>
     <p:extLst>
       <p:ext uri="{BB962C8B-B14F-4D97-AF65-F5344CB8AC3E}">
-        <p14:creationId xmlns:p14="http://schemas.microsoft.com/office/powerpoint/2010/main" val="368254483"/>
+        <p14:creationId xmlns:p14="http://schemas.microsoft.com/office/powerpoint/2010/main" val="3750082885"/>
       </p:ext>
     </p:extLst>
   </p:cSld>
@@ -2148,9 +2373,9 @@
           <a:bodyPr/>
           <a:lstStyle/>
           <a:p>
-            <a:fld id="{56380CDC-2C67-42AA-B1DF-B7373BF777ED}" type="datetimeFigureOut">
+            <a:fld id="{78C97017-6FC3-485B-9764-EAC9E56C1D49}" type="datetimeFigureOut">
               <a:rPr lang="en-US" smtClean="0"/>
-              <a:t>10/20/2018</a:t>
+              <a:t>10/23/2018</a:t>
             </a:fld>
             <a:endParaRPr lang="en-US"/>
           </a:p>
@@ -2190,7 +2415,7 @@
           <a:bodyPr/>
           <a:lstStyle/>
           <a:p>
-            <a:fld id="{18691285-52DD-4FE1-8B96-1A8C6FEC2E14}" type="slidenum">
+            <a:fld id="{FB34683C-161B-4520-BF45-B179E228CF2A}" type="slidenum">
               <a:rPr lang="en-US" smtClean="0"/>
               <a:t>‹#›</a:t>
             </a:fld>
@@ -2201,7 +2426,7 @@
     </p:spTree>
     <p:extLst>
       <p:ext uri="{BB962C8B-B14F-4D97-AF65-F5344CB8AC3E}">
-        <p14:creationId xmlns:p14="http://schemas.microsoft.com/office/powerpoint/2010/main" val="3087377561"/>
+        <p14:creationId xmlns:p14="http://schemas.microsoft.com/office/powerpoint/2010/main" val="997223824"/>
       </p:ext>
     </p:extLst>
   </p:cSld>
@@ -2243,9 +2468,9 @@
           <a:bodyPr/>
           <a:lstStyle/>
           <a:p>
-            <a:fld id="{56380CDC-2C67-42AA-B1DF-B7373BF777ED}" type="datetimeFigureOut">
+            <a:fld id="{78C97017-6FC3-485B-9764-EAC9E56C1D49}" type="datetimeFigureOut">
               <a:rPr lang="en-US" smtClean="0"/>
-              <a:t>10/20/2018</a:t>
+              <a:t>10/23/2018</a:t>
             </a:fld>
             <a:endParaRPr lang="en-US"/>
           </a:p>
@@ -2285,7 +2510,7 @@
           <a:bodyPr/>
           <a:lstStyle/>
           <a:p>
-            <a:fld id="{18691285-52DD-4FE1-8B96-1A8C6FEC2E14}" type="slidenum">
+            <a:fld id="{FB34683C-161B-4520-BF45-B179E228CF2A}" type="slidenum">
               <a:rPr lang="en-US" smtClean="0"/>
               <a:t>‹#›</a:t>
             </a:fld>
@@ -2296,7 +2521,7 @@
     </p:spTree>
     <p:extLst>
       <p:ext uri="{BB962C8B-B14F-4D97-AF65-F5344CB8AC3E}">
-        <p14:creationId xmlns:p14="http://schemas.microsoft.com/office/powerpoint/2010/main" val="2699716182"/>
+        <p14:creationId xmlns:p14="http://schemas.microsoft.com/office/powerpoint/2010/main" val="1243970195"/>
       </p:ext>
     </p:extLst>
   </p:cSld>
@@ -2335,15 +2560,15 @@
         </p:nvSpPr>
         <p:spPr>
           <a:xfrm>
-            <a:off x="839788" y="457200"/>
-            <a:ext cx="3932237" cy="1600200"/>
+            <a:off x="609601" y="273050"/>
+            <a:ext cx="4011084" cy="1162050"/>
           </a:xfrm>
         </p:spPr>
         <p:txBody>
           <a:bodyPr anchor="b"/>
           <a:lstStyle>
-            <a:lvl1pPr>
-              <a:defRPr sz="3200"/>
+            <a:lvl1pPr algn="l">
+              <a:defRPr sz="2000" b="1"/>
             </a:lvl1pPr>
           </a:lstStyle>
           <a:p>
@@ -2366,8 +2591,8 @@
         </p:nvSpPr>
         <p:spPr>
           <a:xfrm>
-            <a:off x="5183188" y="987425"/>
-            <a:ext cx="6172200" cy="4873625"/>
+            <a:off x="4766733" y="273051"/>
+            <a:ext cx="6815667" cy="5853113"/>
           </a:xfrm>
         </p:spPr>
         <p:txBody>
@@ -2450,8 +2675,8 @@
         </p:nvSpPr>
         <p:spPr>
           <a:xfrm>
-            <a:off x="839788" y="2057400"/>
-            <a:ext cx="3932237" cy="3811588"/>
+            <a:off x="609601" y="1435101"/>
+            <a:ext cx="4011084" cy="4691063"/>
           </a:xfrm>
         </p:spPr>
         <p:txBody>
@@ -2459,39 +2684,39 @@
           <a:lstStyle>
             <a:lvl1pPr marL="0" indent="0">
               <a:buNone/>
-              <a:defRPr sz="1600"/>
+              <a:defRPr sz="1400"/>
             </a:lvl1pPr>
             <a:lvl2pPr marL="457200" indent="0">
               <a:buNone/>
-              <a:defRPr sz="1400"/>
+              <a:defRPr sz="1200"/>
             </a:lvl2pPr>
             <a:lvl3pPr marL="914400" indent="0">
               <a:buNone/>
-              <a:defRPr sz="1200"/>
+              <a:defRPr sz="1000"/>
             </a:lvl3pPr>
             <a:lvl4pPr marL="1371600" indent="0">
               <a:buNone/>
-              <a:defRPr sz="1000"/>
+              <a:defRPr sz="900"/>
             </a:lvl4pPr>
             <a:lvl5pPr marL="1828800" indent="0">
               <a:buNone/>
-              <a:defRPr sz="1000"/>
+              <a:defRPr sz="900"/>
             </a:lvl5pPr>
             <a:lvl6pPr marL="2286000" indent="0">
               <a:buNone/>
-              <a:defRPr sz="1000"/>
+              <a:defRPr sz="900"/>
             </a:lvl6pPr>
             <a:lvl7pPr marL="2743200" indent="0">
               <a:buNone/>
-              <a:defRPr sz="1000"/>
+              <a:defRPr sz="900"/>
             </a:lvl7pPr>
             <a:lvl8pPr marL="3200400" indent="0">
               <a:buNone/>
-              <a:defRPr sz="1000"/>
+              <a:defRPr sz="900"/>
             </a:lvl8pPr>
             <a:lvl9pPr marL="3657600" indent="0">
               <a:buNone/>
-              <a:defRPr sz="1000"/>
+              <a:defRPr sz="900"/>
             </a:lvl9pPr>
           </a:lstStyle>
           <a:p>
@@ -2518,9 +2743,9 @@
           <a:bodyPr/>
           <a:lstStyle/>
           <a:p>
-            <a:fld id="{56380CDC-2C67-42AA-B1DF-B7373BF777ED}" type="datetimeFigureOut">
+            <a:fld id="{78C97017-6FC3-485B-9764-EAC9E56C1D49}" type="datetimeFigureOut">
               <a:rPr lang="en-US" smtClean="0"/>
-              <a:t>10/20/2018</a:t>
+              <a:t>10/23/2018</a:t>
             </a:fld>
             <a:endParaRPr lang="en-US"/>
           </a:p>
@@ -2560,7 +2785,7 @@
           <a:bodyPr/>
           <a:lstStyle/>
           <a:p>
-            <a:fld id="{18691285-52DD-4FE1-8B96-1A8C6FEC2E14}" type="slidenum">
+            <a:fld id="{FB34683C-161B-4520-BF45-B179E228CF2A}" type="slidenum">
               <a:rPr lang="en-US" smtClean="0"/>
               <a:t>‹#›</a:t>
             </a:fld>
@@ -2571,7 +2796,7 @@
     </p:spTree>
     <p:extLst>
       <p:ext uri="{BB962C8B-B14F-4D97-AF65-F5344CB8AC3E}">
-        <p14:creationId xmlns:p14="http://schemas.microsoft.com/office/powerpoint/2010/main" val="3693146384"/>
+        <p14:creationId xmlns:p14="http://schemas.microsoft.com/office/powerpoint/2010/main" val="1932481373"/>
       </p:ext>
     </p:extLst>
   </p:cSld>
@@ -2610,15 +2835,15 @@
         </p:nvSpPr>
         <p:spPr>
           <a:xfrm>
-            <a:off x="839788" y="457200"/>
-            <a:ext cx="3932237" cy="1600200"/>
+            <a:off x="2389717" y="4800600"/>
+            <a:ext cx="7315200" cy="566738"/>
           </a:xfrm>
         </p:spPr>
         <p:txBody>
           <a:bodyPr anchor="b"/>
           <a:lstStyle>
-            <a:lvl1pPr>
-              <a:defRPr sz="3200"/>
+            <a:lvl1pPr algn="l">
+              <a:defRPr sz="2000" b="1"/>
             </a:lvl1pPr>
           </a:lstStyle>
           <a:p>
@@ -2641,8 +2866,8 @@
         </p:nvSpPr>
         <p:spPr>
           <a:xfrm>
-            <a:off x="5183188" y="987425"/>
-            <a:ext cx="6172200" cy="4873625"/>
+            <a:off x="2389717" y="612775"/>
+            <a:ext cx="7315200" cy="4114800"/>
           </a:xfrm>
         </p:spPr>
         <p:txBody>
@@ -2702,8 +2927,8 @@
         </p:nvSpPr>
         <p:spPr>
           <a:xfrm>
-            <a:off x="839788" y="2057400"/>
-            <a:ext cx="3932237" cy="3811588"/>
+            <a:off x="2389717" y="5367338"/>
+            <a:ext cx="7315200" cy="804862"/>
           </a:xfrm>
         </p:spPr>
         <p:txBody>
@@ -2711,39 +2936,39 @@
           <a:lstStyle>
             <a:lvl1pPr marL="0" indent="0">
               <a:buNone/>
-              <a:defRPr sz="1600"/>
+              <a:defRPr sz="1400"/>
             </a:lvl1pPr>
             <a:lvl2pPr marL="457200" indent="0">
               <a:buNone/>
-              <a:defRPr sz="1400"/>
+              <a:defRPr sz="1200"/>
             </a:lvl2pPr>
             <a:lvl3pPr marL="914400" indent="0">
               <a:buNone/>
-              <a:defRPr sz="1200"/>
+              <a:defRPr sz="1000"/>
             </a:lvl3pPr>
             <a:lvl4pPr marL="1371600" indent="0">
               <a:buNone/>
-              <a:defRPr sz="1000"/>
+              <a:defRPr sz="900"/>
             </a:lvl4pPr>
             <a:lvl5pPr marL="1828800" indent="0">
               <a:buNone/>
-              <a:defRPr sz="1000"/>
+              <a:defRPr sz="900"/>
             </a:lvl5pPr>
             <a:lvl6pPr marL="2286000" indent="0">
               <a:buNone/>
-              <a:defRPr sz="1000"/>
+              <a:defRPr sz="900"/>
             </a:lvl6pPr>
             <a:lvl7pPr marL="2743200" indent="0">
               <a:buNone/>
-              <a:defRPr sz="1000"/>
+              <a:defRPr sz="900"/>
             </a:lvl7pPr>
             <a:lvl8pPr marL="3200400" indent="0">
               <a:buNone/>
-              <a:defRPr sz="1000"/>
+              <a:defRPr sz="900"/>
             </a:lvl8pPr>
             <a:lvl9pPr marL="3657600" indent="0">
               <a:buNone/>
-              <a:defRPr sz="1000"/>
+              <a:defRPr sz="900"/>
             </a:lvl9pPr>
           </a:lstStyle>
           <a:p>
@@ -2770,9 +2995,9 @@
           <a:bodyPr/>
           <a:lstStyle/>
           <a:p>
-            <a:fld id="{56380CDC-2C67-42AA-B1DF-B7373BF777ED}" type="datetimeFigureOut">
+            <a:fld id="{78C97017-6FC3-485B-9764-EAC9E56C1D49}" type="datetimeFigureOut">
               <a:rPr lang="en-US" smtClean="0"/>
-              <a:t>10/20/2018</a:t>
+              <a:t>10/23/2018</a:t>
             </a:fld>
             <a:endParaRPr lang="en-US"/>
           </a:p>
@@ -2812,7 +3037,7 @@
           <a:bodyPr/>
           <a:lstStyle/>
           <a:p>
-            <a:fld id="{18691285-52DD-4FE1-8B96-1A8C6FEC2E14}" type="slidenum">
+            <a:fld id="{FB34683C-161B-4520-BF45-B179E228CF2A}" type="slidenum">
               <a:rPr lang="en-US" smtClean="0"/>
               <a:t>‹#›</a:t>
             </a:fld>
@@ -2823,7 +3048,7 @@
     </p:spTree>
     <p:extLst>
       <p:ext uri="{BB962C8B-B14F-4D97-AF65-F5344CB8AC3E}">
-        <p14:creationId xmlns:p14="http://schemas.microsoft.com/office/powerpoint/2010/main" val="2173049730"/>
+        <p14:creationId xmlns:p14="http://schemas.microsoft.com/office/powerpoint/2010/main" val="3334522062"/>
       </p:ext>
     </p:extLst>
   </p:cSld>
@@ -2867,8 +3092,8 @@
         </p:nvSpPr>
         <p:spPr>
           <a:xfrm>
-            <a:off x="838200" y="365125"/>
-            <a:ext cx="10515600" cy="1325563"/>
+            <a:off x="609600" y="274638"/>
+            <a:ext cx="10972800" cy="1143000"/>
           </a:xfrm>
           <a:prstGeom prst="rect">
             <a:avLst/>
@@ -2899,8 +3124,8 @@
         </p:nvSpPr>
         <p:spPr>
           <a:xfrm>
-            <a:off x="838200" y="1825625"/>
-            <a:ext cx="10515600" cy="4351338"/>
+            <a:off x="609600" y="1600201"/>
+            <a:ext cx="10972800" cy="4525963"/>
           </a:xfrm>
           <a:prstGeom prst="rect">
             <a:avLst/>
@@ -2960,8 +3185,8 @@
         </p:nvSpPr>
         <p:spPr>
           <a:xfrm>
-            <a:off x="838200" y="6356350"/>
-            <a:ext cx="2743200" cy="365125"/>
+            <a:off x="609600" y="6356351"/>
+            <a:ext cx="2844800" cy="365125"/>
           </a:xfrm>
           <a:prstGeom prst="rect">
             <a:avLst/>
@@ -2981,9 +3206,9 @@
             </a:lvl1pPr>
           </a:lstStyle>
           <a:p>
-            <a:fld id="{56380CDC-2C67-42AA-B1DF-B7373BF777ED}" type="datetimeFigureOut">
+            <a:fld id="{78C97017-6FC3-485B-9764-EAC9E56C1D49}" type="datetimeFigureOut">
               <a:rPr lang="en-US" smtClean="0"/>
-              <a:t>10/20/2018</a:t>
+              <a:t>10/23/2018</a:t>
             </a:fld>
             <a:endParaRPr lang="en-US"/>
           </a:p>
@@ -3001,8 +3226,8 @@
         </p:nvSpPr>
         <p:spPr>
           <a:xfrm>
-            <a:off x="4038600" y="6356350"/>
-            <a:ext cx="4114800" cy="365125"/>
+            <a:off x="4165600" y="6356351"/>
+            <a:ext cx="3860800" cy="365125"/>
           </a:xfrm>
           <a:prstGeom prst="rect">
             <a:avLst/>
@@ -3038,8 +3263,8 @@
         </p:nvSpPr>
         <p:spPr>
           <a:xfrm>
-            <a:off x="8610600" y="6356350"/>
-            <a:ext cx="2743200" cy="365125"/>
+            <a:off x="8737600" y="6356351"/>
+            <a:ext cx="2844800" cy="365125"/>
           </a:xfrm>
           <a:prstGeom prst="rect">
             <a:avLst/>
@@ -3059,7 +3284,7 @@
             </a:lvl1pPr>
           </a:lstStyle>
           <a:p>
-            <a:fld id="{18691285-52DD-4FE1-8B96-1A8C6FEC2E14}" type="slidenum">
+            <a:fld id="{FB34683C-161B-4520-BF45-B179E228CF2A}" type="slidenum">
               <a:rPr lang="en-US" smtClean="0"/>
               <a:t>‹#›</a:t>
             </a:fld>
@@ -3070,30 +3295,27 @@
     </p:spTree>
     <p:extLst>
       <p:ext uri="{BB962C8B-B14F-4D97-AF65-F5344CB8AC3E}">
-        <p14:creationId xmlns:p14="http://schemas.microsoft.com/office/powerpoint/2010/main" val="4202305763"/>
+        <p14:creationId xmlns:p14="http://schemas.microsoft.com/office/powerpoint/2010/main" val="2296188419"/>
       </p:ext>
     </p:extLst>
   </p:cSld>
   <p:clrMap bg1="lt1" tx1="dk1" bg2="lt2" tx2="dk2" accent1="accent1" accent2="accent2" accent3="accent3" accent4="accent4" accent5="accent5" accent6="accent6" hlink="hlink" folHlink="folHlink"/>
   <p:sldLayoutIdLst>
-    <p:sldLayoutId id="2147483649" r:id="rId1"/>
-    <p:sldLayoutId id="2147483650" r:id="rId2"/>
-    <p:sldLayoutId id="2147483651" r:id="rId3"/>
-    <p:sldLayoutId id="2147483652" r:id="rId4"/>
-    <p:sldLayoutId id="2147483653" r:id="rId5"/>
-    <p:sldLayoutId id="2147483654" r:id="rId6"/>
-    <p:sldLayoutId id="2147483655" r:id="rId7"/>
-    <p:sldLayoutId id="2147483656" r:id="rId8"/>
-    <p:sldLayoutId id="2147483657" r:id="rId9"/>
-    <p:sldLayoutId id="2147483658" r:id="rId10"/>
-    <p:sldLayoutId id="2147483659" r:id="rId11"/>
+    <p:sldLayoutId id="2147483661" r:id="rId1"/>
+    <p:sldLayoutId id="2147483662" r:id="rId2"/>
+    <p:sldLayoutId id="2147483663" r:id="rId3"/>
+    <p:sldLayoutId id="2147483664" r:id="rId4"/>
+    <p:sldLayoutId id="2147483665" r:id="rId5"/>
+    <p:sldLayoutId id="2147483666" r:id="rId6"/>
+    <p:sldLayoutId id="2147483667" r:id="rId7"/>
+    <p:sldLayoutId id="2147483668" r:id="rId8"/>
+    <p:sldLayoutId id="2147483669" r:id="rId9"/>
+    <p:sldLayoutId id="2147483670" r:id="rId10"/>
+    <p:sldLayoutId id="2147483671" r:id="rId11"/>
   </p:sldLayoutIdLst>
   <p:txStyles>
     <p:titleStyle>
-      <a:lvl1pPr algn="l" defTabSz="914400" rtl="0" eaLnBrk="1" latinLnBrk="0" hangingPunct="1">
-        <a:lnSpc>
-          <a:spcPct val="90000"/>
-        </a:lnSpc>
+      <a:lvl1pPr algn="ctr" defTabSz="914400" rtl="0" eaLnBrk="1" latinLnBrk="0" hangingPunct="1">
         <a:spcBef>
           <a:spcPct val="0"/>
         </a:spcBef>
@@ -3109,15 +3331,27 @@
       </a:lvl1pPr>
     </p:titleStyle>
     <p:bodyStyle>
-      <a:lvl1pPr marL="228600" indent="-228600" algn="l" defTabSz="914400" rtl="0" eaLnBrk="1" latinLnBrk="0" hangingPunct="1">
-        <a:lnSpc>
-          <a:spcPct val="90000"/>
-        </a:lnSpc>
+      <a:lvl1pPr marL="342900" indent="-342900" algn="l" defTabSz="914400" rtl="0" eaLnBrk="1" latinLnBrk="0" hangingPunct="1">
         <a:spcBef>
-          <a:spcPts val="1000"/>
+          <a:spcPct val="20000"/>
         </a:spcBef>
         <a:buFont typeface="Arial" panose="020B0604020202020204" pitchFamily="34" charset="0"/>
         <a:buChar char="•"/>
+        <a:defRPr sz="3200" kern="1200">
+          <a:solidFill>
+            <a:schemeClr val="tx1"/>
+          </a:solidFill>
+          <a:latin typeface="+mn-lt"/>
+          <a:ea typeface="+mn-ea"/>
+          <a:cs typeface="+mn-cs"/>
+        </a:defRPr>
+      </a:lvl1pPr>
+      <a:lvl2pPr marL="742950" indent="-285750" algn="l" defTabSz="914400" rtl="0" eaLnBrk="1" latinLnBrk="0" hangingPunct="1">
+        <a:spcBef>
+          <a:spcPct val="20000"/>
+        </a:spcBef>
+        <a:buFont typeface="Arial" panose="020B0604020202020204" pitchFamily="34" charset="0"/>
+        <a:buChar char="–"/>
         <a:defRPr sz="2800" kern="1200">
           <a:solidFill>
             <a:schemeClr val="tx1"/>
@@ -3126,13 +3360,10 @@
           <a:ea typeface="+mn-ea"/>
           <a:cs typeface="+mn-cs"/>
         </a:defRPr>
-      </a:lvl1pPr>
-      <a:lvl2pPr marL="685800" indent="-228600" algn="l" defTabSz="914400" rtl="0" eaLnBrk="1" latinLnBrk="0" hangingPunct="1">
-        <a:lnSpc>
-          <a:spcPct val="90000"/>
-        </a:lnSpc>
+      </a:lvl2pPr>
+      <a:lvl3pPr marL="1143000" indent="-228600" algn="l" defTabSz="914400" rtl="0" eaLnBrk="1" latinLnBrk="0" hangingPunct="1">
         <a:spcBef>
-          <a:spcPts val="500"/>
+          <a:spcPct val="20000"/>
         </a:spcBef>
         <a:buFont typeface="Arial" panose="020B0604020202020204" pitchFamily="34" charset="0"/>
         <a:buChar char="•"/>
@@ -3144,13 +3375,40 @@
           <a:ea typeface="+mn-ea"/>
           <a:cs typeface="+mn-cs"/>
         </a:defRPr>
-      </a:lvl2pPr>
-      <a:lvl3pPr marL="1143000" indent="-228600" algn="l" defTabSz="914400" rtl="0" eaLnBrk="1" latinLnBrk="0" hangingPunct="1">
-        <a:lnSpc>
-          <a:spcPct val="90000"/>
-        </a:lnSpc>
+      </a:lvl3pPr>
+      <a:lvl4pPr marL="1600200" indent="-228600" algn="l" defTabSz="914400" rtl="0" eaLnBrk="1" latinLnBrk="0" hangingPunct="1">
         <a:spcBef>
-          <a:spcPts val="500"/>
+          <a:spcPct val="20000"/>
+        </a:spcBef>
+        <a:buFont typeface="Arial" panose="020B0604020202020204" pitchFamily="34" charset="0"/>
+        <a:buChar char="–"/>
+        <a:defRPr sz="2000" kern="1200">
+          <a:solidFill>
+            <a:schemeClr val="tx1"/>
+          </a:solidFill>
+          <a:latin typeface="+mn-lt"/>
+          <a:ea typeface="+mn-ea"/>
+          <a:cs typeface="+mn-cs"/>
+        </a:defRPr>
+      </a:lvl4pPr>
+      <a:lvl5pPr marL="2057400" indent="-228600" algn="l" defTabSz="914400" rtl="0" eaLnBrk="1" latinLnBrk="0" hangingPunct="1">
+        <a:spcBef>
+          <a:spcPct val="20000"/>
+        </a:spcBef>
+        <a:buFont typeface="Arial" panose="020B0604020202020204" pitchFamily="34" charset="0"/>
+        <a:buChar char="»"/>
+        <a:defRPr sz="2000" kern="1200">
+          <a:solidFill>
+            <a:schemeClr val="tx1"/>
+          </a:solidFill>
+          <a:latin typeface="+mn-lt"/>
+          <a:ea typeface="+mn-ea"/>
+          <a:cs typeface="+mn-cs"/>
+        </a:defRPr>
+      </a:lvl5pPr>
+      <a:lvl6pPr marL="2514600" indent="-228600" algn="l" defTabSz="914400" rtl="0" eaLnBrk="1" latinLnBrk="0" hangingPunct="1">
+        <a:spcBef>
+          <a:spcPct val="20000"/>
         </a:spcBef>
         <a:buFont typeface="Arial" panose="020B0604020202020204" pitchFamily="34" charset="0"/>
         <a:buChar char="•"/>
@@ -3162,71 +3420,14 @@
           <a:ea typeface="+mn-ea"/>
           <a:cs typeface="+mn-cs"/>
         </a:defRPr>
-      </a:lvl3pPr>
-      <a:lvl4pPr marL="1600200" indent="-228600" algn="l" defTabSz="914400" rtl="0" eaLnBrk="1" latinLnBrk="0" hangingPunct="1">
-        <a:lnSpc>
-          <a:spcPct val="90000"/>
-        </a:lnSpc>
+      </a:lvl6pPr>
+      <a:lvl7pPr marL="2971800" indent="-228600" algn="l" defTabSz="914400" rtl="0" eaLnBrk="1" latinLnBrk="0" hangingPunct="1">
         <a:spcBef>
-          <a:spcPts val="500"/>
+          <a:spcPct val="20000"/>
         </a:spcBef>
         <a:buFont typeface="Arial" panose="020B0604020202020204" pitchFamily="34" charset="0"/>
         <a:buChar char="•"/>
-        <a:defRPr sz="1800" kern="1200">
-          <a:solidFill>
-            <a:schemeClr val="tx1"/>
-          </a:solidFill>
-          <a:latin typeface="+mn-lt"/>
-          <a:ea typeface="+mn-ea"/>
-          <a:cs typeface="+mn-cs"/>
-        </a:defRPr>
-      </a:lvl4pPr>
-      <a:lvl5pPr marL="2057400" indent="-228600" algn="l" defTabSz="914400" rtl="0" eaLnBrk="1" latinLnBrk="0" hangingPunct="1">
-        <a:lnSpc>
-          <a:spcPct val="90000"/>
-        </a:lnSpc>
-        <a:spcBef>
-          <a:spcPts val="500"/>
-        </a:spcBef>
-        <a:buFont typeface="Arial" panose="020B0604020202020204" pitchFamily="34" charset="0"/>
-        <a:buChar char="•"/>
-        <a:defRPr sz="1800" kern="1200">
-          <a:solidFill>
-            <a:schemeClr val="tx1"/>
-          </a:solidFill>
-          <a:latin typeface="+mn-lt"/>
-          <a:ea typeface="+mn-ea"/>
-          <a:cs typeface="+mn-cs"/>
-        </a:defRPr>
-      </a:lvl5pPr>
-      <a:lvl6pPr marL="2514600" indent="-228600" algn="l" defTabSz="914400" rtl="0" eaLnBrk="1" latinLnBrk="0" hangingPunct="1">
-        <a:lnSpc>
-          <a:spcPct val="90000"/>
-        </a:lnSpc>
-        <a:spcBef>
-          <a:spcPts val="500"/>
-        </a:spcBef>
-        <a:buFont typeface="Arial" panose="020B0604020202020204" pitchFamily="34" charset="0"/>
-        <a:buChar char="•"/>
-        <a:defRPr sz="1800" kern="1200">
-          <a:solidFill>
-            <a:schemeClr val="tx1"/>
-          </a:solidFill>
-          <a:latin typeface="+mn-lt"/>
-          <a:ea typeface="+mn-ea"/>
-          <a:cs typeface="+mn-cs"/>
-        </a:defRPr>
-      </a:lvl6pPr>
-      <a:lvl7pPr marL="2971800" indent="-228600" algn="l" defTabSz="914400" rtl="0" eaLnBrk="1" latinLnBrk="0" hangingPunct="1">
-        <a:lnSpc>
-          <a:spcPct val="90000"/>
-        </a:lnSpc>
-        <a:spcBef>
-          <a:spcPts val="500"/>
-        </a:spcBef>
-        <a:buFont typeface="Arial" panose="020B0604020202020204" pitchFamily="34" charset="0"/>
-        <a:buChar char="•"/>
-        <a:defRPr sz="1800" kern="1200">
+        <a:defRPr sz="2000" kern="1200">
           <a:solidFill>
             <a:schemeClr val="tx1"/>
           </a:solidFill>
@@ -3236,15 +3437,12 @@
         </a:defRPr>
       </a:lvl7pPr>
       <a:lvl8pPr marL="3429000" indent="-228600" algn="l" defTabSz="914400" rtl="0" eaLnBrk="1" latinLnBrk="0" hangingPunct="1">
-        <a:lnSpc>
-          <a:spcPct val="90000"/>
-        </a:lnSpc>
         <a:spcBef>
-          <a:spcPts val="500"/>
+          <a:spcPct val="20000"/>
         </a:spcBef>
         <a:buFont typeface="Arial" panose="020B0604020202020204" pitchFamily="34" charset="0"/>
         <a:buChar char="•"/>
-        <a:defRPr sz="1800" kern="1200">
+        <a:defRPr sz="2000" kern="1200">
           <a:solidFill>
             <a:schemeClr val="tx1"/>
           </a:solidFill>
@@ -3254,15 +3452,12 @@
         </a:defRPr>
       </a:lvl8pPr>
       <a:lvl9pPr marL="3886200" indent="-228600" algn="l" defTabSz="914400" rtl="0" eaLnBrk="1" latinLnBrk="0" hangingPunct="1">
-        <a:lnSpc>
-          <a:spcPct val="90000"/>
-        </a:lnSpc>
         <a:spcBef>
-          <a:spcPts val="500"/>
+          <a:spcPct val="20000"/>
         </a:spcBef>
         <a:buFont typeface="Arial" panose="020B0604020202020204" pitchFamily="34" charset="0"/>
         <a:buChar char="•"/>
-        <a:defRPr sz="1800" kern="1200">
+        <a:defRPr sz="2000" kern="1200">
           <a:solidFill>
             <a:schemeClr val="tx1"/>
           </a:solidFill>
@@ -3390,14 +3585,20 @@
       </p:grpSpPr>
       <p:sp>
         <p:nvSpPr>
-          <p:cNvPr id="56" name="Rectangle 65"/>
+          <p:cNvPr id="105" name="Rectangle 65">
+            <a:extLst>
+              <a:ext uri="{FF2B5EF4-FFF2-40B4-BE49-F238E27FC236}">
+                <a16:creationId xmlns:a16="http://schemas.microsoft.com/office/drawing/2014/main" id="{981BAB82-1001-4589-964D-BF49702CEBB9}"/>
+              </a:ext>
+            </a:extLst>
+          </p:cNvPr>
           <p:cNvSpPr/>
           <p:nvPr/>
         </p:nvSpPr>
         <p:spPr>
           <a:xfrm>
-            <a:off x="9830245" y="392931"/>
-            <a:ext cx="3399544" cy="4818321"/>
+            <a:off x="9208697" y="851007"/>
+            <a:ext cx="1357863" cy="5859923"/>
           </a:xfrm>
           <a:prstGeom prst="roundRect">
             <a:avLst>
@@ -3435,6 +3636,7 @@
                 <a:solidFill>
                   <a:srgbClr val="7030A0"/>
                 </a:solidFill>
+                <a:latin typeface="Calibri"/>
               </a:rPr>
               <a:t>Model</a:t>
             </a:r>
@@ -3442,6 +3644,7 @@
               <a:solidFill>
                 <a:srgbClr val="7030A0"/>
               </a:solidFill>
+              <a:latin typeface="Calibri"/>
             </a:endParaRPr>
           </a:p>
         </p:txBody>
@@ -3454,8 +3657,8 @@
         </p:nvSpPr>
         <p:spPr>
           <a:xfrm>
-            <a:off x="181924" y="392931"/>
-            <a:ext cx="9598634" cy="4757168"/>
+            <a:off x="2135733" y="847633"/>
+            <a:ext cx="7012450" cy="5859923"/>
           </a:xfrm>
           <a:prstGeom prst="roundRect">
             <a:avLst>
@@ -3496,6 +3699,7 @@
                 <a:solidFill>
                   <a:srgbClr val="0070C0"/>
                 </a:solidFill>
+                <a:latin typeface="Calibri"/>
               </a:rPr>
               <a:t>Logic</a:t>
             </a:r>
@@ -3503,6 +3707,7 @@
               <a:solidFill>
                 <a:srgbClr val="0070C0"/>
               </a:solidFill>
+              <a:latin typeface="Calibri"/>
             </a:endParaRPr>
           </a:p>
         </p:txBody>
@@ -3515,7 +3720,7 @@
         </p:nvSpPr>
         <p:spPr>
           <a:xfrm>
-            <a:off x="1077113" y="543946"/>
+            <a:off x="2369046" y="1260237"/>
             <a:ext cx="1455629" cy="346760"/>
           </a:xfrm>
           <a:prstGeom prst="rect">
@@ -3553,23 +3758,26 @@
             <a:r>
               <a:rPr lang="en-US" sz="1600" dirty="0">
                 <a:solidFill>
-                  <a:schemeClr val="bg1"/>
+                  <a:prstClr val="white"/>
                 </a:solidFill>
+                <a:latin typeface="Calibri"/>
               </a:rPr>
               <a:t>:</a:t>
             </a:r>
             <a:r>
               <a:rPr lang="en-US" sz="1600" dirty="0" err="1">
                 <a:solidFill>
-                  <a:schemeClr val="bg1"/>
+                  <a:prstClr val="white"/>
                 </a:solidFill>
+                <a:latin typeface="Calibri"/>
               </a:rPr>
               <a:t>LogicManager</a:t>
             </a:r>
             <a:endParaRPr lang="en-SG" sz="1600" dirty="0">
               <a:solidFill>
-                <a:schemeClr val="bg1"/>
+                <a:prstClr val="white"/>
               </a:solidFill>
+              <a:latin typeface="Calibri"/>
             </a:endParaRPr>
           </a:p>
         </p:txBody>
@@ -3579,13 +3787,14 @@
           <p:cNvPr id="5" name="Straight Connector 4"/>
           <p:cNvCxnSpPr>
             <a:cxnSpLocks/>
+            <a:stCxn id="2" idx="2"/>
           </p:cNvCxnSpPr>
           <p:nvPr/>
         </p:nvCxnSpPr>
         <p:spPr>
-          <a:xfrm flipH="1">
-            <a:off x="1778637" y="907618"/>
-            <a:ext cx="26289" cy="4306639"/>
+          <a:xfrm>
+            <a:off x="3096860" y="1606998"/>
+            <a:ext cx="0" cy="3650803"/>
           </a:xfrm>
           <a:prstGeom prst="line">
             <a:avLst/>
@@ -3621,8 +3830,8 @@
         </p:nvSpPr>
         <p:spPr>
           <a:xfrm>
-            <a:off x="1732918" y="1258311"/>
-            <a:ext cx="133805" cy="3378647"/>
+            <a:off x="3024850" y="1600201"/>
+            <a:ext cx="121416" cy="4860666"/>
           </a:xfrm>
           <a:prstGeom prst="rect">
             <a:avLst/>
@@ -3656,7 +3865,12 @@
           <a:lstStyle/>
           <a:p>
             <a:pPr algn="ctr"/>
-            <a:endParaRPr lang="en-SG" sz="1400"/>
+            <a:endParaRPr lang="en-SG" sz="1400">
+              <a:solidFill>
+                <a:prstClr val="black"/>
+              </a:solidFill>
+              <a:latin typeface="Calibri"/>
+            </a:endParaRPr>
           </a:p>
         </p:txBody>
       </p:sp>
@@ -3668,7 +3882,7 @@
         </p:nvSpPr>
         <p:spPr>
           <a:xfrm>
-            <a:off x="3631155" y="423022"/>
+            <a:off x="4267200" y="1143000"/>
             <a:ext cx="1219200" cy="467684"/>
           </a:xfrm>
           <a:prstGeom prst="rect">
@@ -3706,8 +3920,9 @@
             <a:r>
               <a:rPr lang="en-US" sz="1600" dirty="0">
                 <a:solidFill>
-                  <a:schemeClr val="bg1"/>
+                  <a:prstClr val="white"/>
                 </a:solidFill>
+                <a:latin typeface="Calibri"/>
               </a:rPr>
               <a:t>:Address</a:t>
             </a:r>
@@ -3717,15 +3932,17 @@
             <a:r>
               <a:rPr lang="en-US" sz="1600" dirty="0" err="1">
                 <a:solidFill>
-                  <a:schemeClr val="bg1"/>
+                  <a:prstClr val="white"/>
                 </a:solidFill>
+                <a:latin typeface="Calibri"/>
               </a:rPr>
               <a:t>BookParser</a:t>
             </a:r>
             <a:endParaRPr lang="en-SG" sz="1600" dirty="0">
               <a:solidFill>
-                <a:schemeClr val="bg1"/>
+                <a:prstClr val="white"/>
               </a:solidFill>
+              <a:latin typeface="Calibri"/>
             </a:endParaRPr>
           </a:p>
         </p:txBody>
@@ -3735,13 +3952,14 @@
           <p:cNvPr id="17" name="Straight Connector 16"/>
           <p:cNvCxnSpPr>
             <a:cxnSpLocks/>
+            <a:stCxn id="16" idx="2"/>
           </p:cNvCxnSpPr>
           <p:nvPr/>
         </p:nvCxnSpPr>
         <p:spPr>
           <a:xfrm>
-            <a:off x="4244554" y="907617"/>
-            <a:ext cx="29222" cy="2521383"/>
+            <a:off x="4876801" y="1610684"/>
+            <a:ext cx="3799" cy="2748594"/>
           </a:xfrm>
           <a:prstGeom prst="line">
             <a:avLst/>
@@ -3777,8 +3995,8 @@
         </p:nvSpPr>
         <p:spPr>
           <a:xfrm>
-            <a:off x="4172548" y="1365809"/>
-            <a:ext cx="189075" cy="1988453"/>
+            <a:off x="4769945" y="1626318"/>
+            <a:ext cx="224682" cy="2489871"/>
           </a:xfrm>
           <a:prstGeom prst="rect">
             <a:avLst/>
@@ -3812,10 +4030,115 @@
           <a:lstStyle/>
           <a:p>
             <a:pPr algn="ctr"/>
-            <a:endParaRPr lang="en-SG" sz="1400"/>
-          </a:p>
-        </p:txBody>
-      </p:sp>
+            <a:endParaRPr lang="en-SG" sz="1400">
+              <a:solidFill>
+                <a:prstClr val="black"/>
+              </a:solidFill>
+              <a:latin typeface="Calibri"/>
+            </a:endParaRPr>
+          </a:p>
+        </p:txBody>
+      </p:sp>
+      <p:sp>
+        <p:nvSpPr>
+          <p:cNvPr id="19" name="Rectangle 62"/>
+          <p:cNvSpPr/>
+          <p:nvPr/>
+        </p:nvSpPr>
+        <p:spPr>
+          <a:xfrm>
+            <a:off x="6737821" y="2343862"/>
+            <a:ext cx="850026" cy="358365"/>
+          </a:xfrm>
+          <a:prstGeom prst="rect">
+            <a:avLst/>
+          </a:prstGeom>
+          <a:solidFill>
+            <a:srgbClr val="0070C0"/>
+          </a:solidFill>
+          <a:ln w="19050">
+            <a:solidFill>
+              <a:srgbClr val="0070C0"/>
+            </a:solidFill>
+          </a:ln>
+          <a:effectLst/>
+        </p:spPr>
+        <p:style>
+          <a:lnRef idx="1">
+            <a:schemeClr val="accent2"/>
+          </a:lnRef>
+          <a:fillRef idx="2">
+            <a:schemeClr val="accent2"/>
+          </a:fillRef>
+          <a:effectRef idx="1">
+            <a:schemeClr val="accent2"/>
+          </a:effectRef>
+          <a:fontRef idx="minor">
+            <a:schemeClr val="dk1"/>
+          </a:fontRef>
+        </p:style>
+        <p:txBody>
+          <a:bodyPr rtlCol="0" anchor="ctr"/>
+          <a:lstStyle/>
+          <a:p>
+            <a:pPr algn="ctr"/>
+            <a:r>
+              <a:rPr lang="en-US" sz="1200" dirty="0">
+                <a:solidFill>
+                  <a:prstClr val="white"/>
+                </a:solidFill>
+                <a:latin typeface="Calibri"/>
+              </a:rPr>
+              <a:t>p:Payment</a:t>
+            </a:r>
+            <a:endParaRPr lang="en-SG" sz="1200" dirty="0">
+              <a:solidFill>
+                <a:prstClr val="white"/>
+              </a:solidFill>
+              <a:latin typeface="Calibri"/>
+            </a:endParaRPr>
+          </a:p>
+        </p:txBody>
+      </p:sp>
+      <p:cxnSp>
+        <p:nvCxnSpPr>
+          <p:cNvPr id="20" name="Straight Connector 19"/>
+          <p:cNvCxnSpPr>
+            <a:cxnSpLocks/>
+          </p:cNvCxnSpPr>
+          <p:nvPr/>
+        </p:nvCxnSpPr>
+        <p:spPr>
+          <a:xfrm>
+            <a:off x="7151253" y="2681425"/>
+            <a:ext cx="28210" cy="2686588"/>
+          </a:xfrm>
+          <a:prstGeom prst="line">
+            <a:avLst/>
+          </a:prstGeom>
+          <a:ln w="19050">
+            <a:solidFill>
+              <a:srgbClr val="0070C0"/>
+            </a:solidFill>
+            <a:prstDash val="sysDash"/>
+          </a:ln>
+          <a:effectLst/>
+        </p:spPr>
+        <p:style>
+          <a:lnRef idx="1">
+            <a:schemeClr val="accent1"/>
+          </a:lnRef>
+          <a:fillRef idx="2">
+            <a:schemeClr val="accent1"/>
+          </a:fillRef>
+          <a:effectRef idx="1">
+            <a:schemeClr val="accent1"/>
+          </a:effectRef>
+          <a:fontRef idx="minor">
+            <a:schemeClr val="dk1"/>
+          </a:fontRef>
+        </p:style>
+      </p:cxnSp>
       <p:sp>
         <p:nvSpPr>
           <p:cNvPr id="21" name="Rectangle 20"/>
@@ -3824,8 +4147,8 @@
         </p:nvSpPr>
         <p:spPr>
           <a:xfrm>
-            <a:off x="5340752" y="1613635"/>
-            <a:ext cx="134128" cy="310788"/>
+            <a:off x="7086601" y="2673980"/>
+            <a:ext cx="117613" cy="185051"/>
           </a:xfrm>
           <a:prstGeom prst="rect">
             <a:avLst/>
@@ -3859,7 +4182,12 @@
           <a:lstStyle/>
           <a:p>
             <a:pPr algn="ctr"/>
-            <a:endParaRPr lang="en-SG" sz="1400"/>
+            <a:endParaRPr lang="en-SG" sz="1400">
+              <a:solidFill>
+                <a:prstClr val="black"/>
+              </a:solidFill>
+              <a:latin typeface="Calibri"/>
+            </a:endParaRPr>
           </a:p>
         </p:txBody>
       </p:sp>
@@ -3873,8 +4201,8 @@
         </p:nvCxnSpPr>
         <p:spPr>
           <a:xfrm>
-            <a:off x="-241462" y="1258312"/>
-            <a:ext cx="1974381" cy="3687"/>
+            <a:off x="1905001" y="1978290"/>
+            <a:ext cx="1119851" cy="0"/>
           </a:xfrm>
           <a:prstGeom prst="straightConnector1">
             <a:avLst/>
@@ -3901,51 +4229,18 @@
           </a:fontRef>
         </p:style>
       </p:cxnSp>
-      <p:sp>
-        <p:nvSpPr>
-          <p:cNvPr id="26" name="TextBox 25"/>
-          <p:cNvSpPr txBox="1"/>
-          <p:nvPr/>
-        </p:nvSpPr>
-        <p:spPr>
-          <a:xfrm>
-            <a:off x="72851" y="968516"/>
-            <a:ext cx="1880119" cy="169277"/>
-          </a:xfrm>
-          <a:prstGeom prst="rect">
-            <a:avLst/>
-          </a:prstGeom>
-          <a:noFill/>
-        </p:spPr>
-        <p:txBody>
-          <a:bodyPr wrap="square" lIns="0" tIns="0" rIns="0" bIns="0" rtlCol="0">
-            <a:spAutoFit/>
-          </a:bodyPr>
-          <a:lstStyle/>
-          <a:p>
-            <a:r>
-              <a:rPr lang="en-US" sz="1100" dirty="0">
-                <a:solidFill>
-                  <a:srgbClr val="0070C0"/>
-                </a:solidFill>
-              </a:rPr>
-              <a:t>execute( “paid 1 200 8 2018”)</a:t>
-            </a:r>
-          </a:p>
-        </p:txBody>
-      </p:sp>
       <p:cxnSp>
         <p:nvCxnSpPr>
-          <p:cNvPr id="28" name="Straight Arrow Connector 27"/>
+          <p:cNvPr id="25" name="Straight Arrow Connector 24"/>
           <p:cNvCxnSpPr>
             <a:cxnSpLocks/>
           </p:cNvCxnSpPr>
           <p:nvPr/>
         </p:nvCxnSpPr>
         <p:spPr>
-          <a:xfrm>
-            <a:off x="4272033" y="1506301"/>
-            <a:ext cx="601201" cy="6041"/>
+          <a:xfrm flipV="1">
+            <a:off x="3177251" y="1902898"/>
+            <a:ext cx="1596514" cy="1"/>
           </a:xfrm>
           <a:prstGeom prst="straightConnector1">
             <a:avLst/>
@@ -3974,13 +4269,122 @@
       </p:cxnSp>
       <p:sp>
         <p:nvSpPr>
+          <p:cNvPr id="26" name="TextBox 25"/>
+          <p:cNvSpPr txBox="1"/>
+          <p:nvPr/>
+        </p:nvSpPr>
+        <p:spPr>
+          <a:xfrm>
+            <a:off x="1524000" y="2051160"/>
+            <a:ext cx="1424846" cy="369332"/>
+          </a:xfrm>
+          <a:prstGeom prst="rect">
+            <a:avLst/>
+          </a:prstGeom>
+          <a:noFill/>
+        </p:spPr>
+        <p:txBody>
+          <a:bodyPr wrap="square" lIns="0" tIns="0" rIns="0" bIns="0" rtlCol="0">
+            <a:spAutoFit/>
+          </a:bodyPr>
+          <a:lstStyle/>
+          <a:p>
+            <a:pPr algn="r"/>
+            <a:r>
+              <a:rPr lang="en-US" sz="1200" dirty="0">
+                <a:solidFill>
+                  <a:srgbClr val="0070C0"/>
+                </a:solidFill>
+                <a:latin typeface="Calibri"/>
+              </a:rPr>
+              <a:t>execute(“paid </a:t>
+            </a:r>
+            <a:r>
+              <a:rPr lang="en-US" sz="1200" dirty="0" err="1">
+                <a:solidFill>
+                  <a:srgbClr val="0070C0"/>
+                </a:solidFill>
+                <a:latin typeface="Calibri"/>
+              </a:rPr>
+              <a:t>idx</a:t>
+            </a:r>
+            <a:r>
+              <a:rPr lang="en-US" sz="1200" dirty="0">
+                <a:solidFill>
+                  <a:srgbClr val="0070C0"/>
+                </a:solidFill>
+                <a:latin typeface="Calibri"/>
+              </a:rPr>
+              <a:t>/1 </a:t>
+            </a:r>
+            <a:r>
+              <a:rPr lang="en-US" sz="1200" dirty="0" err="1">
+                <a:solidFill>
+                  <a:srgbClr val="0070C0"/>
+                </a:solidFill>
+                <a:latin typeface="Calibri"/>
+              </a:rPr>
+              <a:t>amt</a:t>
+            </a:r>
+            <a:r>
+              <a:rPr lang="en-US" sz="1200" dirty="0">
+                <a:solidFill>
+                  <a:srgbClr val="0070C0"/>
+                </a:solidFill>
+                <a:latin typeface="Calibri"/>
+              </a:rPr>
+              <a:t>/200 m/8 y/2018”)</a:t>
+            </a:r>
+          </a:p>
+        </p:txBody>
+      </p:sp>
+      <p:cxnSp>
+        <p:nvCxnSpPr>
+          <p:cNvPr id="28" name="Straight Arrow Connector 27"/>
+          <p:cNvCxnSpPr>
+            <a:cxnSpLocks/>
+          </p:cNvCxnSpPr>
+          <p:nvPr/>
+        </p:nvCxnSpPr>
+        <p:spPr>
+          <a:xfrm>
+            <a:off x="6342085" y="2551312"/>
+            <a:ext cx="383077" cy="0"/>
+          </a:xfrm>
+          <a:prstGeom prst="straightConnector1">
+            <a:avLst/>
+          </a:prstGeom>
+          <a:ln w="19050">
+            <a:solidFill>
+              <a:srgbClr val="0070C0"/>
+            </a:solidFill>
+            <a:tailEnd type="arrow"/>
+          </a:ln>
+        </p:spPr>
+        <p:style>
+          <a:lnRef idx="1">
+            <a:schemeClr val="accent1"/>
+          </a:lnRef>
+          <a:fillRef idx="0">
+            <a:schemeClr val="accent1"/>
+          </a:fillRef>
+          <a:effectRef idx="0">
+            <a:schemeClr val="accent1"/>
+          </a:effectRef>
+          <a:fontRef idx="minor">
+            <a:schemeClr val="tx1"/>
+          </a:fontRef>
+        </p:style>
+      </p:cxnSp>
+      <p:sp>
+        <p:nvSpPr>
           <p:cNvPr id="29" name="TextBox 28"/>
           <p:cNvSpPr txBox="1"/>
           <p:nvPr/>
         </p:nvSpPr>
         <p:spPr>
           <a:xfrm>
-            <a:off x="2921521" y="3619709"/>
+            <a:off x="4876801" y="4191000"/>
             <a:ext cx="855809" cy="215444"/>
           </a:xfrm>
           <a:prstGeom prst="rect">
@@ -4006,7 +4410,9 @@
           </a:lstStyle>
           <a:p>
             <a:r>
-              <a:rPr lang="en-US" dirty="0"/>
+              <a:rPr lang="en-US" dirty="0">
+                <a:latin typeface="Calibri"/>
+              </a:rPr>
               <a:t>execute()</a:t>
             </a:r>
           </a:p>
@@ -4022,8 +4428,8 @@
         </p:nvCxnSpPr>
         <p:spPr>
           <a:xfrm>
-            <a:off x="4376274" y="3170703"/>
-            <a:ext cx="1080000" cy="0"/>
+            <a:off x="6350241" y="2854331"/>
+            <a:ext cx="809294" cy="2043"/>
           </a:xfrm>
           <a:prstGeom prst="straightConnector1">
             <a:avLst/>
@@ -4061,9 +4467,9 @@
           <p:nvPr/>
         </p:nvCxnSpPr>
         <p:spPr>
-          <a:xfrm>
-            <a:off x="1856531" y="3260234"/>
-            <a:ext cx="2348067" cy="0"/>
+          <a:xfrm flipV="1">
+            <a:off x="3159848" y="4109422"/>
+            <a:ext cx="1630852" cy="13156"/>
           </a:xfrm>
           <a:prstGeom prst="straightConnector1">
             <a:avLst/>
@@ -4102,7 +4508,7 @@
         </p:nvCxnSpPr>
         <p:spPr>
           <a:xfrm>
-            <a:off x="574967" y="4561116"/>
+            <a:off x="1828801" y="6324600"/>
             <a:ext cx="1196051" cy="0"/>
           </a:xfrm>
           <a:prstGeom prst="straightConnector1">
@@ -4134,14 +4540,396 @@
       </p:cxnSp>
       <p:sp>
         <p:nvSpPr>
-          <p:cNvPr id="79" name="TextBox 78"/>
+          <p:cNvPr id="39" name="Rectangle 62"/>
+          <p:cNvSpPr/>
+          <p:nvPr/>
+        </p:nvSpPr>
+        <p:spPr>
+          <a:xfrm>
+            <a:off x="9470411" y="5486400"/>
+            <a:ext cx="878029" cy="228600"/>
+          </a:xfrm>
+          <a:prstGeom prst="rect">
+            <a:avLst/>
+          </a:prstGeom>
+          <a:solidFill>
+            <a:schemeClr val="accent4">
+              <a:lumMod val="60000"/>
+              <a:lumOff val="40000"/>
+            </a:schemeClr>
+          </a:solidFill>
+          <a:ln w="19050">
+            <a:solidFill>
+              <a:schemeClr val="accent4">
+                <a:lumMod val="60000"/>
+                <a:lumOff val="40000"/>
+              </a:schemeClr>
+            </a:solidFill>
+          </a:ln>
+          <a:effectLst/>
+        </p:spPr>
+        <p:style>
+          <a:lnRef idx="1">
+            <a:schemeClr val="accent2"/>
+          </a:lnRef>
+          <a:fillRef idx="2">
+            <a:schemeClr val="accent2"/>
+          </a:fillRef>
+          <a:effectRef idx="1">
+            <a:schemeClr val="accent2"/>
+          </a:effectRef>
+          <a:fontRef idx="minor">
+            <a:schemeClr val="dk1"/>
+          </a:fontRef>
+        </p:style>
+        <p:txBody>
+          <a:bodyPr rtlCol="0" anchor="ctr"/>
+          <a:lstStyle/>
+          <a:p>
+            <a:pPr algn="ctr"/>
+            <a:r>
+              <a:rPr lang="en-US" sz="1600" dirty="0">
+                <a:solidFill>
+                  <a:prstClr val="white"/>
+                </a:solidFill>
+                <a:latin typeface="Calibri"/>
+              </a:rPr>
+              <a:t>:Model</a:t>
+            </a:r>
+            <a:endParaRPr lang="en-SG" sz="1600" dirty="0">
+              <a:solidFill>
+                <a:prstClr val="white"/>
+              </a:solidFill>
+              <a:latin typeface="Calibri"/>
+            </a:endParaRPr>
+          </a:p>
+        </p:txBody>
+      </p:sp>
+      <p:cxnSp>
+        <p:nvCxnSpPr>
+          <p:cNvPr id="64" name="Straight Arrow Connector 63"/>
+          <p:cNvCxnSpPr>
+            <a:cxnSpLocks/>
+          </p:cNvCxnSpPr>
+          <p:nvPr/>
+        </p:nvCxnSpPr>
+        <p:spPr>
+          <a:xfrm>
+            <a:off x="3146266" y="4429348"/>
+            <a:ext cx="3972124" cy="4742"/>
+          </a:xfrm>
+          <a:prstGeom prst="straightConnector1">
+            <a:avLst/>
+          </a:prstGeom>
+          <a:ln w="19050">
+            <a:solidFill>
+              <a:srgbClr val="0070C0"/>
+            </a:solidFill>
+            <a:tailEnd type="arrow"/>
+          </a:ln>
+        </p:spPr>
+        <p:style>
+          <a:lnRef idx="1">
+            <a:schemeClr val="accent1"/>
+          </a:lnRef>
+          <a:fillRef idx="0">
+            <a:schemeClr val="accent1"/>
+          </a:fillRef>
+          <a:effectRef idx="0">
+            <a:schemeClr val="accent1"/>
+          </a:effectRef>
+          <a:fontRef idx="minor">
+            <a:schemeClr val="tx1"/>
+          </a:fontRef>
+        </p:style>
+      </p:cxnSp>
+      <p:sp>
+        <p:nvSpPr>
+          <p:cNvPr id="65" name="Rectangle 64"/>
+          <p:cNvSpPr/>
+          <p:nvPr/>
+        </p:nvSpPr>
+        <p:spPr>
+          <a:xfrm>
+            <a:off x="7123895" y="4417678"/>
+            <a:ext cx="108529" cy="1942402"/>
+          </a:xfrm>
+          <a:prstGeom prst="rect">
+            <a:avLst/>
+          </a:prstGeom>
+          <a:solidFill>
+            <a:srgbClr val="0070C0"/>
+          </a:solidFill>
+          <a:ln>
+            <a:solidFill>
+              <a:srgbClr val="0070C0"/>
+            </a:solidFill>
+          </a:ln>
+          <a:effectLst/>
+        </p:spPr>
+        <p:style>
+          <a:lnRef idx="1">
+            <a:schemeClr val="accent3"/>
+          </a:lnRef>
+          <a:fillRef idx="2">
+            <a:schemeClr val="accent3"/>
+          </a:fillRef>
+          <a:effectRef idx="1">
+            <a:schemeClr val="accent3"/>
+          </a:effectRef>
+          <a:fontRef idx="minor">
+            <a:schemeClr val="dk1"/>
+          </a:fontRef>
+        </p:style>
+        <p:txBody>
+          <a:bodyPr rtlCol="0" anchor="ctr"/>
+          <a:lstStyle/>
+          <a:p>
+            <a:pPr algn="ctr"/>
+            <a:endParaRPr lang="en-SG" sz="1400">
+              <a:solidFill>
+                <a:prstClr val="black"/>
+              </a:solidFill>
+              <a:latin typeface="Calibri"/>
+            </a:endParaRPr>
+          </a:p>
+        </p:txBody>
+      </p:sp>
+      <p:cxnSp>
+        <p:nvCxnSpPr>
+          <p:cNvPr id="71" name="Straight Connector 70"/>
+          <p:cNvCxnSpPr>
+            <a:cxnSpLocks/>
+            <a:stCxn id="39" idx="2"/>
+          </p:cNvCxnSpPr>
+          <p:nvPr/>
+        </p:nvCxnSpPr>
+        <p:spPr>
+          <a:xfrm>
+            <a:off x="9909425" y="5715001"/>
+            <a:ext cx="13180" cy="904239"/>
+          </a:xfrm>
+          <a:prstGeom prst="line">
+            <a:avLst/>
+          </a:prstGeom>
+          <a:ln w="19050">
+            <a:solidFill>
+              <a:schemeClr val="accent4">
+                <a:lumMod val="60000"/>
+                <a:lumOff val="40000"/>
+              </a:schemeClr>
+            </a:solidFill>
+            <a:prstDash val="sysDash"/>
+          </a:ln>
+          <a:effectLst/>
+        </p:spPr>
+        <p:style>
+          <a:lnRef idx="1">
+            <a:schemeClr val="accent1"/>
+          </a:lnRef>
+          <a:fillRef idx="2">
+            <a:schemeClr val="accent1"/>
+          </a:fillRef>
+          <a:effectRef idx="1">
+            <a:schemeClr val="accent1"/>
+          </a:effectRef>
+          <a:fontRef idx="minor">
+            <a:schemeClr val="dk1"/>
+          </a:fontRef>
+        </p:style>
+      </p:cxnSp>
+      <p:sp>
+        <p:nvSpPr>
+          <p:cNvPr id="73" name="Rectangle 72"/>
+          <p:cNvSpPr/>
+          <p:nvPr/>
+        </p:nvSpPr>
+        <p:spPr>
+          <a:xfrm>
+            <a:off x="9849698" y="5769495"/>
+            <a:ext cx="119322" cy="45719"/>
+          </a:xfrm>
+          <a:prstGeom prst="rect">
+            <a:avLst/>
+          </a:prstGeom>
+          <a:solidFill>
+            <a:schemeClr val="accent4">
+              <a:lumMod val="60000"/>
+              <a:lumOff val="40000"/>
+            </a:schemeClr>
+          </a:solidFill>
+          <a:ln>
+            <a:solidFill>
+              <a:schemeClr val="accent4">
+                <a:lumMod val="60000"/>
+                <a:lumOff val="40000"/>
+              </a:schemeClr>
+            </a:solidFill>
+          </a:ln>
+          <a:effectLst/>
+        </p:spPr>
+        <p:style>
+          <a:lnRef idx="1">
+            <a:schemeClr val="accent3"/>
+          </a:lnRef>
+          <a:fillRef idx="2">
+            <a:schemeClr val="accent3"/>
+          </a:fillRef>
+          <a:effectRef idx="1">
+            <a:schemeClr val="accent3"/>
+          </a:effectRef>
+          <a:fontRef idx="minor">
+            <a:schemeClr val="dk1"/>
+          </a:fontRef>
+        </p:style>
+        <p:txBody>
+          <a:bodyPr rtlCol="0" anchor="ctr"/>
+          <a:lstStyle/>
+          <a:p>
+            <a:pPr algn="ctr"/>
+            <a:endParaRPr lang="en-SG" sz="1400">
+              <a:solidFill>
+                <a:prstClr val="black"/>
+              </a:solidFill>
+              <a:latin typeface="Calibri"/>
+            </a:endParaRPr>
+          </a:p>
+        </p:txBody>
+      </p:sp>
+      <p:cxnSp>
+        <p:nvCxnSpPr>
+          <p:cNvPr id="75" name="Straight Arrow Connector 74"/>
+          <p:cNvCxnSpPr>
+            <a:cxnSpLocks/>
+            <a:endCxn id="84" idx="1"/>
+          </p:cNvCxnSpPr>
+          <p:nvPr/>
+        </p:nvCxnSpPr>
+        <p:spPr>
+          <a:xfrm>
+            <a:off x="7202960" y="5948151"/>
+            <a:ext cx="183778" cy="5627"/>
+          </a:xfrm>
+          <a:prstGeom prst="straightConnector1">
+            <a:avLst/>
+          </a:prstGeom>
+          <a:ln w="19050">
+            <a:solidFill>
+              <a:srgbClr val="0070C0"/>
+            </a:solidFill>
+            <a:tailEnd type="arrow"/>
+          </a:ln>
+        </p:spPr>
+        <p:style>
+          <a:lnRef idx="1">
+            <a:schemeClr val="accent1"/>
+          </a:lnRef>
+          <a:fillRef idx="0">
+            <a:schemeClr val="accent1"/>
+          </a:fillRef>
+          <a:effectRef idx="0">
+            <a:schemeClr val="accent1"/>
+          </a:effectRef>
+          <a:fontRef idx="minor">
+            <a:schemeClr val="tx1"/>
+          </a:fontRef>
+        </p:style>
+      </p:cxnSp>
+      <p:cxnSp>
+        <p:nvCxnSpPr>
+          <p:cNvPr id="76" name="Straight Arrow Connector 75"/>
+          <p:cNvCxnSpPr>
+            <a:cxnSpLocks/>
+            <a:endCxn id="73" idx="2"/>
+          </p:cNvCxnSpPr>
+          <p:nvPr/>
+        </p:nvCxnSpPr>
+        <p:spPr>
+          <a:xfrm>
+            <a:off x="7232423" y="5792593"/>
+            <a:ext cx="2676936" cy="22620"/>
+          </a:xfrm>
+          <a:prstGeom prst="straightConnector1">
+            <a:avLst/>
+          </a:prstGeom>
+          <a:ln w="19050">
+            <a:solidFill>
+              <a:schemeClr val="accent4">
+                <a:lumMod val="60000"/>
+                <a:lumOff val="40000"/>
+              </a:schemeClr>
+            </a:solidFill>
+            <a:prstDash val="sysDash"/>
+            <a:headEnd type="arrow" w="med" len="med"/>
+            <a:tailEnd type="none" w="med" len="med"/>
+          </a:ln>
+        </p:spPr>
+        <p:style>
+          <a:lnRef idx="1">
+            <a:schemeClr val="accent1"/>
+          </a:lnRef>
+          <a:fillRef idx="0">
+            <a:schemeClr val="accent1"/>
+          </a:fillRef>
+          <a:effectRef idx="0">
+            <a:schemeClr val="accent1"/>
+          </a:effectRef>
+          <a:fontRef idx="minor">
+            <a:schemeClr val="tx1"/>
+          </a:fontRef>
+        </p:style>
+      </p:cxnSp>
+      <p:cxnSp>
+        <p:nvCxnSpPr>
+          <p:cNvPr id="77" name="Straight Arrow Connector 76"/>
+          <p:cNvCxnSpPr>
+            <a:cxnSpLocks/>
+            <a:endCxn id="65" idx="2"/>
+          </p:cNvCxnSpPr>
+          <p:nvPr/>
+        </p:nvCxnSpPr>
+        <p:spPr>
+          <a:xfrm flipV="1">
+            <a:off x="2749771" y="6360080"/>
+            <a:ext cx="4428389" cy="2"/>
+          </a:xfrm>
+          <a:prstGeom prst="straightConnector1">
+            <a:avLst/>
+          </a:prstGeom>
+          <a:ln w="19050">
+            <a:solidFill>
+              <a:srgbClr val="0070C0"/>
+            </a:solidFill>
+            <a:prstDash val="sysDash"/>
+            <a:headEnd type="arrow" w="med" len="med"/>
+            <a:tailEnd type="none" w="med" len="med"/>
+          </a:ln>
+        </p:spPr>
+        <p:style>
+          <a:lnRef idx="1">
+            <a:schemeClr val="accent1"/>
+          </a:lnRef>
+          <a:fillRef idx="0">
+            <a:schemeClr val="accent1"/>
+          </a:fillRef>
+          <a:effectRef idx="0">
+            <a:schemeClr val="accent1"/>
+          </a:effectRef>
+          <a:fontRef idx="minor">
+            <a:schemeClr val="tx1"/>
+          </a:fontRef>
+        </p:style>
+      </p:cxnSp>
+      <p:sp>
+        <p:nvSpPr>
+          <p:cNvPr id="78" name="TextBox 77"/>
           <p:cNvSpPr txBox="1"/>
           <p:nvPr/>
         </p:nvSpPr>
         <p:spPr>
           <a:xfrm>
-            <a:off x="7970316" y="3475226"/>
-            <a:ext cx="1835085" cy="153888"/>
+            <a:off x="7588715" y="5466040"/>
+            <a:ext cx="1424846" cy="123111"/>
           </a:xfrm>
           <a:prstGeom prst="rect">
             <a:avLst/>
@@ -4166,34 +4954,36 @@
           </a:lstStyle>
           <a:p>
             <a:r>
-              <a:rPr lang="en-US" sz="1000" dirty="0" err="1">
+              <a:rPr lang="en-US" sz="800" dirty="0" err="1">
                 <a:solidFill>
                   <a:srgbClr val="7030A0"/>
                 </a:solidFill>
+                <a:latin typeface="Calibri"/>
               </a:rPr>
               <a:t>updatePerson</a:t>
             </a:r>
             <a:r>
-              <a:rPr lang="en-US" sz="1000" dirty="0">
+              <a:rPr lang="en-US" sz="800" dirty="0">
                 <a:solidFill>
                   <a:srgbClr val="7030A0"/>
                 </a:solidFill>
+                <a:latin typeface="Calibri"/>
               </a:rPr>
-              <a:t>(p)</a:t>
-            </a:r>
-          </a:p>
-        </p:txBody>
-      </p:sp>
-      <p:sp>
-        <p:nvSpPr>
-          <p:cNvPr id="80" name="TextBox 79"/>
+              <a:t>(edited)</a:t>
+            </a:r>
+          </a:p>
+        </p:txBody>
+      </p:sp>
+      <p:sp>
+        <p:nvSpPr>
+          <p:cNvPr id="79" name="TextBox 78"/>
           <p:cNvSpPr txBox="1"/>
           <p:nvPr/>
         </p:nvSpPr>
         <p:spPr>
           <a:xfrm>
-            <a:off x="2028316" y="995423"/>
-            <a:ext cx="2211727" cy="169277"/>
+            <a:off x="5076696" y="2525773"/>
+            <a:ext cx="884073" cy="553998"/>
           </a:xfrm>
           <a:prstGeom prst="rect">
             <a:avLst/>
@@ -4217,28 +5007,49 @@
             </a:lvl1pPr>
           </a:lstStyle>
           <a:p>
-            <a:pPr algn="l"/>
-            <a:r>
-              <a:rPr lang="en-US" sz="1100" dirty="0" err="1"/>
-              <a:t>parseCommand</a:t>
-            </a:r>
-            <a:r>
-              <a:rPr lang="en-US" sz="1100" dirty="0"/>
-              <a:t>(“paid 1 200 8 2018”)</a:t>
-            </a:r>
-          </a:p>
-        </p:txBody>
-      </p:sp>
-      <p:sp>
-        <p:nvSpPr>
-          <p:cNvPr id="82" name="TextBox 81"/>
+            <a:r>
+              <a:rPr lang="en-US" sz="1200" dirty="0">
+                <a:latin typeface="Calibri"/>
+              </a:rPr>
+              <a:t>parse(“</a:t>
+            </a:r>
+            <a:r>
+              <a:rPr lang="en-US" sz="1200" dirty="0" err="1">
+                <a:latin typeface="Calibri"/>
+              </a:rPr>
+              <a:t>idx</a:t>
+            </a:r>
+            <a:r>
+              <a:rPr lang="en-US" sz="1200" dirty="0">
+                <a:latin typeface="Calibri"/>
+              </a:rPr>
+              <a:t>/1 </a:t>
+            </a:r>
+            <a:r>
+              <a:rPr lang="en-US" sz="1200" dirty="0" err="1">
+                <a:latin typeface="Calibri"/>
+              </a:rPr>
+              <a:t>amt</a:t>
+            </a:r>
+            <a:r>
+              <a:rPr lang="en-US" sz="1200" dirty="0">
+                <a:latin typeface="Calibri"/>
+              </a:rPr>
+              <a:t>/200 m/8 y/2018”)</a:t>
+            </a:r>
+          </a:p>
+        </p:txBody>
+      </p:sp>
+      <p:sp>
+        <p:nvSpPr>
+          <p:cNvPr id="80" name="TextBox 79"/>
           <p:cNvSpPr txBox="1"/>
           <p:nvPr/>
         </p:nvSpPr>
         <p:spPr>
           <a:xfrm>
-            <a:off x="3466722" y="4010985"/>
-            <a:ext cx="621216" cy="215444"/>
+            <a:off x="3266982" y="1676401"/>
+            <a:ext cx="1424846" cy="646331"/>
           </a:xfrm>
           <a:prstGeom prst="rect">
             <a:avLst/>
@@ -4263,22 +5074,48 @@
           </a:lstStyle>
           <a:p>
             <a:r>
-              <a:rPr lang="en-US" dirty="0"/>
-              <a:t>result</a:t>
-            </a:r>
-          </a:p>
-        </p:txBody>
-      </p:sp>
-      <p:sp>
-        <p:nvSpPr>
-          <p:cNvPr id="83" name="TextBox 82"/>
+              <a:rPr lang="en-US" dirty="0">
+                <a:latin typeface="Calibri"/>
+              </a:rPr>
+              <a:t>parse (“paid </a:t>
+            </a:r>
+            <a:r>
+              <a:rPr lang="en-US" dirty="0" err="1">
+                <a:latin typeface="Calibri"/>
+              </a:rPr>
+              <a:t>idx</a:t>
+            </a:r>
+            <a:r>
+              <a:rPr lang="en-US" dirty="0">
+                <a:latin typeface="Calibri"/>
+              </a:rPr>
+              <a:t>/1 </a:t>
+            </a:r>
+            <a:r>
+              <a:rPr lang="en-US" dirty="0" err="1">
+                <a:latin typeface="Calibri"/>
+              </a:rPr>
+              <a:t>amt</a:t>
+            </a:r>
+            <a:r>
+              <a:rPr lang="en-US" dirty="0">
+                <a:latin typeface="Calibri"/>
+              </a:rPr>
+              <a:t>/200 m/8 y/2018”)</a:t>
+            </a:r>
+          </a:p>
+        </p:txBody>
+      </p:sp>
+      <p:sp>
+        <p:nvSpPr>
+          <p:cNvPr id="82" name="TextBox 81"/>
           <p:cNvSpPr txBox="1"/>
           <p:nvPr/>
         </p:nvSpPr>
         <p:spPr>
           <a:xfrm>
-            <a:off x="839237" y="4316017"/>
-            <a:ext cx="762000" cy="215444"/>
+            <a:off x="5864137" y="6093523"/>
+            <a:ext cx="621216" cy="215444"/>
           </a:xfrm>
           <a:prstGeom prst="rect">
             <a:avLst/>
@@ -4303,7 +5140,9 @@
           </a:lstStyle>
           <a:p>
             <a:r>
-              <a:rPr lang="en-US" dirty="0"/>
+              <a:rPr lang="en-US" dirty="0">
+                <a:latin typeface="Calibri"/>
+              </a:rPr>
               <a:t>result</a:t>
             </a:r>
           </a:p>
@@ -4311,1482 +5150,14 @@
       </p:sp>
       <p:sp>
         <p:nvSpPr>
-          <p:cNvPr id="40" name="Rectangle 62"/>
-          <p:cNvSpPr/>
-          <p:nvPr/>
-        </p:nvSpPr>
-        <p:spPr>
-          <a:xfrm>
-            <a:off x="9857918" y="731520"/>
-            <a:ext cx="841636" cy="229476"/>
-          </a:xfrm>
-          <a:prstGeom prst="rect">
-            <a:avLst/>
-          </a:prstGeom>
-          <a:solidFill>
-            <a:srgbClr val="7030A0"/>
-          </a:solidFill>
-          <a:ln w="19050">
-            <a:solidFill>
-              <a:srgbClr val="7030A0"/>
-            </a:solidFill>
-          </a:ln>
-          <a:effectLst/>
-        </p:spPr>
-        <p:style>
-          <a:lnRef idx="1">
-            <a:schemeClr val="accent2"/>
-          </a:lnRef>
-          <a:fillRef idx="2">
-            <a:schemeClr val="accent2"/>
-          </a:fillRef>
-          <a:effectRef idx="1">
-            <a:schemeClr val="accent2"/>
-          </a:effectRef>
-          <a:fontRef idx="minor">
-            <a:schemeClr val="dk1"/>
-          </a:fontRef>
-        </p:style>
-        <p:txBody>
-          <a:bodyPr rtlCol="0" anchor="ctr"/>
-          <a:lstStyle/>
-          <a:p>
-            <a:pPr algn="ctr"/>
-            <a:r>
-              <a:rPr lang="en-US" sz="1600" dirty="0">
-                <a:solidFill>
-                  <a:schemeClr val="bg1"/>
-                </a:solidFill>
-              </a:rPr>
-              <a:t>: Model</a:t>
-            </a:r>
-            <a:endParaRPr lang="en-SG" sz="1600" dirty="0">
-              <a:solidFill>
-                <a:schemeClr val="bg1"/>
-              </a:solidFill>
-            </a:endParaRPr>
-          </a:p>
-        </p:txBody>
-      </p:sp>
-      <p:cxnSp>
-        <p:nvCxnSpPr>
-          <p:cNvPr id="46" name="Straight Connector 45"/>
-          <p:cNvCxnSpPr>
-            <a:cxnSpLocks/>
-          </p:cNvCxnSpPr>
-          <p:nvPr/>
-        </p:nvCxnSpPr>
-        <p:spPr>
-          <a:xfrm>
-            <a:off x="10265067" y="1056121"/>
-            <a:ext cx="3164" cy="3332895"/>
-          </a:xfrm>
-          <a:prstGeom prst="line">
-            <a:avLst/>
-          </a:prstGeom>
-          <a:ln w="19050">
-            <a:solidFill>
-              <a:srgbClr val="7030A0"/>
-            </a:solidFill>
-            <a:prstDash val="sysDash"/>
-          </a:ln>
-          <a:effectLst/>
-        </p:spPr>
-        <p:style>
-          <a:lnRef idx="1">
-            <a:schemeClr val="accent1"/>
-          </a:lnRef>
-          <a:fillRef idx="2">
-            <a:schemeClr val="accent1"/>
-          </a:fillRef>
-          <a:effectRef idx="1">
-            <a:schemeClr val="accent1"/>
-          </a:effectRef>
-          <a:fontRef idx="minor">
-            <a:schemeClr val="dk1"/>
-          </a:fontRef>
-        </p:style>
-      </p:cxnSp>
-      <p:sp>
-        <p:nvSpPr>
-          <p:cNvPr id="49" name="Rectangle 48"/>
-          <p:cNvSpPr/>
-          <p:nvPr/>
-        </p:nvSpPr>
-        <p:spPr>
-          <a:xfrm>
-            <a:off x="10140854" y="3650162"/>
-            <a:ext cx="183432" cy="135612"/>
-          </a:xfrm>
-          <a:prstGeom prst="rect">
-            <a:avLst/>
-          </a:prstGeom>
-          <a:solidFill>
-            <a:srgbClr val="7030A0"/>
-          </a:solidFill>
-          <a:ln>
-            <a:solidFill>
-              <a:srgbClr val="7030A0"/>
-            </a:solidFill>
-          </a:ln>
-          <a:effectLst/>
-        </p:spPr>
-        <p:style>
-          <a:lnRef idx="1">
-            <a:schemeClr val="accent3"/>
-          </a:lnRef>
-          <a:fillRef idx="2">
-            <a:schemeClr val="accent3"/>
-          </a:fillRef>
-          <a:effectRef idx="1">
-            <a:schemeClr val="accent3"/>
-          </a:effectRef>
-          <a:fontRef idx="minor">
-            <a:schemeClr val="dk1"/>
-          </a:fontRef>
-        </p:style>
-        <p:txBody>
-          <a:bodyPr rtlCol="0" anchor="ctr"/>
-          <a:lstStyle/>
-          <a:p>
-            <a:pPr algn="ctr"/>
-            <a:endParaRPr lang="en-SG" sz="1400"/>
-          </a:p>
-        </p:txBody>
-      </p:sp>
-      <p:cxnSp>
-        <p:nvCxnSpPr>
-          <p:cNvPr id="50" name="Straight Arrow Connector 49"/>
-          <p:cNvCxnSpPr>
-            <a:cxnSpLocks/>
-          </p:cNvCxnSpPr>
-          <p:nvPr/>
-        </p:nvCxnSpPr>
-        <p:spPr>
-          <a:xfrm flipV="1">
-            <a:off x="8287093" y="3650162"/>
-            <a:ext cx="1854552" cy="3046"/>
-          </a:xfrm>
-          <a:prstGeom prst="straightConnector1">
-            <a:avLst/>
-          </a:prstGeom>
-          <a:ln w="19050">
-            <a:solidFill>
-              <a:srgbClr val="0070C0"/>
-            </a:solidFill>
-            <a:tailEnd type="arrow"/>
-          </a:ln>
-        </p:spPr>
-        <p:style>
-          <a:lnRef idx="1">
-            <a:schemeClr val="accent1"/>
-          </a:lnRef>
-          <a:fillRef idx="0">
-            <a:schemeClr val="accent1"/>
-          </a:fillRef>
-          <a:effectRef idx="0">
-            <a:schemeClr val="accent1"/>
-          </a:effectRef>
-          <a:fontRef idx="minor">
-            <a:schemeClr val="tx1"/>
-          </a:fontRef>
-        </p:style>
-      </p:cxnSp>
-      <p:sp>
-        <p:nvSpPr>
-          <p:cNvPr id="19" name="Rectangle 62"/>
-          <p:cNvSpPr/>
-          <p:nvPr/>
-        </p:nvSpPr>
-        <p:spPr>
-          <a:xfrm>
-            <a:off x="4850846" y="1260268"/>
-            <a:ext cx="1093635" cy="461538"/>
-          </a:xfrm>
-          <a:prstGeom prst="rect">
-            <a:avLst/>
-          </a:prstGeom>
-          <a:solidFill>
-            <a:srgbClr val="0070C0"/>
-          </a:solidFill>
-          <a:ln w="19050">
-            <a:solidFill>
-              <a:srgbClr val="0070C0"/>
-            </a:solidFill>
-          </a:ln>
-          <a:effectLst/>
-        </p:spPr>
-        <p:style>
-          <a:lnRef idx="1">
-            <a:schemeClr val="accent2"/>
-          </a:lnRef>
-          <a:fillRef idx="2">
-            <a:schemeClr val="accent2"/>
-          </a:fillRef>
-          <a:effectRef idx="1">
-            <a:schemeClr val="accent2"/>
-          </a:effectRef>
-          <a:fontRef idx="minor">
-            <a:schemeClr val="dk1"/>
-          </a:fontRef>
-        </p:style>
-        <p:txBody>
-          <a:bodyPr rtlCol="0" anchor="ctr"/>
-          <a:lstStyle/>
-          <a:p>
-            <a:pPr algn="ctr"/>
-            <a:r>
-              <a:rPr lang="en-US" sz="1050" dirty="0">
-                <a:solidFill>
-                  <a:schemeClr val="bg1"/>
-                </a:solidFill>
-              </a:rPr>
-              <a:t>:Pay</a:t>
-            </a:r>
-            <a:br>
-              <a:rPr lang="en-US" sz="1050" dirty="0">
-                <a:solidFill>
-                  <a:schemeClr val="bg1"/>
-                </a:solidFill>
-              </a:rPr>
-            </a:br>
-            <a:r>
-              <a:rPr lang="en-US" sz="1050" dirty="0" err="1">
-                <a:solidFill>
-                  <a:schemeClr val="bg1"/>
-                </a:solidFill>
-              </a:rPr>
-              <a:t>CommandParser</a:t>
-            </a:r>
-            <a:endParaRPr lang="en-SG" sz="1050" dirty="0">
-              <a:solidFill>
-                <a:schemeClr val="bg1"/>
-              </a:solidFill>
-            </a:endParaRPr>
-          </a:p>
-        </p:txBody>
-      </p:sp>
-      <p:cxnSp>
-        <p:nvCxnSpPr>
-          <p:cNvPr id="66" name="Straight Arrow Connector 65">
-            <a:extLst>
-              <a:ext uri="{FF2B5EF4-FFF2-40B4-BE49-F238E27FC236}">
-                <a16:creationId xmlns:a16="http://schemas.microsoft.com/office/drawing/2014/main" id="{39916E2E-195A-4DC8-B025-B05FA87E6796}"/>
-              </a:ext>
-            </a:extLst>
-          </p:cNvPr>
-          <p:cNvCxnSpPr>
-            <a:cxnSpLocks/>
-          </p:cNvCxnSpPr>
-          <p:nvPr/>
-        </p:nvCxnSpPr>
-        <p:spPr>
-          <a:xfrm>
-            <a:off x="1799633" y="3863764"/>
-            <a:ext cx="6363216" cy="0"/>
-          </a:xfrm>
-          <a:prstGeom prst="straightConnector1">
-            <a:avLst/>
-          </a:prstGeom>
-          <a:ln w="19050">
-            <a:solidFill>
-              <a:srgbClr val="0070C0"/>
-            </a:solidFill>
-            <a:tailEnd type="arrow"/>
-          </a:ln>
-        </p:spPr>
-        <p:style>
-          <a:lnRef idx="1">
-            <a:schemeClr val="accent1"/>
-          </a:lnRef>
-          <a:fillRef idx="0">
-            <a:schemeClr val="accent1"/>
-          </a:fillRef>
-          <a:effectRef idx="0">
-            <a:schemeClr val="accent1"/>
-          </a:effectRef>
-          <a:fontRef idx="minor">
-            <a:schemeClr val="tx1"/>
-          </a:fontRef>
-        </p:style>
-      </p:cxnSp>
-      <p:cxnSp>
-        <p:nvCxnSpPr>
-          <p:cNvPr id="67" name="Straight Arrow Connector 66">
-            <a:extLst>
-              <a:ext uri="{FF2B5EF4-FFF2-40B4-BE49-F238E27FC236}">
-                <a16:creationId xmlns:a16="http://schemas.microsoft.com/office/drawing/2014/main" id="{D881596E-177C-4FDC-8E60-CAB90B3D5FAB}"/>
-              </a:ext>
-            </a:extLst>
-          </p:cNvPr>
-          <p:cNvCxnSpPr>
-            <a:cxnSpLocks/>
-          </p:cNvCxnSpPr>
-          <p:nvPr/>
-        </p:nvCxnSpPr>
-        <p:spPr>
-          <a:xfrm>
-            <a:off x="1902213" y="1363919"/>
-            <a:ext cx="2256705" cy="1"/>
-          </a:xfrm>
-          <a:prstGeom prst="straightConnector1">
-            <a:avLst/>
-          </a:prstGeom>
-          <a:ln w="19050">
-            <a:solidFill>
-              <a:srgbClr val="0070C0"/>
-            </a:solidFill>
-            <a:tailEnd type="arrow"/>
-          </a:ln>
-        </p:spPr>
-        <p:style>
-          <a:lnRef idx="1">
-            <a:schemeClr val="accent1"/>
-          </a:lnRef>
-          <a:fillRef idx="0">
-            <a:schemeClr val="accent1"/>
-          </a:fillRef>
-          <a:effectRef idx="0">
-            <a:schemeClr val="accent1"/>
-          </a:effectRef>
-          <a:fontRef idx="minor">
-            <a:schemeClr val="tx1"/>
-          </a:fontRef>
-        </p:style>
-      </p:cxnSp>
-      <p:cxnSp>
-        <p:nvCxnSpPr>
-          <p:cNvPr id="69" name="Straight Arrow Connector 68">
-            <a:extLst>
-              <a:ext uri="{FF2B5EF4-FFF2-40B4-BE49-F238E27FC236}">
-                <a16:creationId xmlns:a16="http://schemas.microsoft.com/office/drawing/2014/main" id="{7C9F21BC-13A9-471F-825A-2621FD36355F}"/>
-              </a:ext>
-            </a:extLst>
-          </p:cNvPr>
-          <p:cNvCxnSpPr>
-            <a:cxnSpLocks/>
-          </p:cNvCxnSpPr>
-          <p:nvPr/>
-        </p:nvCxnSpPr>
-        <p:spPr>
-          <a:xfrm flipV="1">
-            <a:off x="1850644" y="4316017"/>
-            <a:ext cx="6379603" cy="15909"/>
-          </a:xfrm>
-          <a:prstGeom prst="straightConnector1">
-            <a:avLst/>
-          </a:prstGeom>
-          <a:ln w="19050">
-            <a:solidFill>
-              <a:srgbClr val="0070C0"/>
-            </a:solidFill>
-            <a:prstDash val="sysDash"/>
-            <a:headEnd type="arrow" w="med" len="med"/>
-            <a:tailEnd type="none" w="med" len="med"/>
-          </a:ln>
-        </p:spPr>
-        <p:style>
-          <a:lnRef idx="1">
-            <a:schemeClr val="accent1"/>
-          </a:lnRef>
-          <a:fillRef idx="0">
-            <a:schemeClr val="accent1"/>
-          </a:fillRef>
-          <a:effectRef idx="0">
-            <a:schemeClr val="accent1"/>
-          </a:effectRef>
-          <a:fontRef idx="minor">
-            <a:schemeClr val="tx1"/>
-          </a:fontRef>
-        </p:style>
-      </p:cxnSp>
-      <p:cxnSp>
-        <p:nvCxnSpPr>
-          <p:cNvPr id="63" name="Straight Arrow Connector 62">
-            <a:extLst>
-              <a:ext uri="{FF2B5EF4-FFF2-40B4-BE49-F238E27FC236}">
-                <a16:creationId xmlns:a16="http://schemas.microsoft.com/office/drawing/2014/main" id="{7C9F21BC-13A9-471F-825A-2621FD36355F}"/>
-              </a:ext>
-            </a:extLst>
-          </p:cNvPr>
-          <p:cNvCxnSpPr>
-            <a:cxnSpLocks/>
-          </p:cNvCxnSpPr>
-          <p:nvPr/>
-        </p:nvCxnSpPr>
-        <p:spPr>
-          <a:xfrm>
-            <a:off x="8307874" y="3801292"/>
-            <a:ext cx="1824684" cy="0"/>
-          </a:xfrm>
-          <a:prstGeom prst="straightConnector1">
-            <a:avLst/>
-          </a:prstGeom>
-          <a:ln w="19050">
-            <a:solidFill>
-              <a:srgbClr val="7030A0"/>
-            </a:solidFill>
-            <a:prstDash val="sysDash"/>
-            <a:headEnd type="arrow" w="med" len="med"/>
-            <a:tailEnd type="none" w="med" len="med"/>
-          </a:ln>
-        </p:spPr>
-        <p:style>
-          <a:lnRef idx="1">
-            <a:schemeClr val="accent1"/>
-          </a:lnRef>
-          <a:fillRef idx="0">
-            <a:schemeClr val="accent1"/>
-          </a:fillRef>
-          <a:effectRef idx="0">
-            <a:schemeClr val="accent1"/>
-          </a:effectRef>
-          <a:fontRef idx="minor">
-            <a:schemeClr val="tx1"/>
-          </a:fontRef>
-        </p:style>
-      </p:cxnSp>
-      <p:sp>
-        <p:nvSpPr>
-          <p:cNvPr id="43" name="Rectangle 62"/>
-          <p:cNvSpPr/>
-          <p:nvPr/>
-        </p:nvSpPr>
-        <p:spPr>
-          <a:xfrm>
-            <a:off x="7693655" y="2071268"/>
-            <a:ext cx="1093635" cy="461538"/>
-          </a:xfrm>
-          <a:prstGeom prst="rect">
-            <a:avLst/>
-          </a:prstGeom>
-          <a:solidFill>
-            <a:srgbClr val="0070C0"/>
-          </a:solidFill>
-          <a:ln w="19050">
-            <a:solidFill>
-              <a:srgbClr val="0070C0"/>
-            </a:solidFill>
-          </a:ln>
-          <a:effectLst/>
-        </p:spPr>
-        <p:style>
-          <a:lnRef idx="1">
-            <a:schemeClr val="accent2"/>
-          </a:lnRef>
-          <a:fillRef idx="2">
-            <a:schemeClr val="accent2"/>
-          </a:fillRef>
-          <a:effectRef idx="1">
-            <a:schemeClr val="accent2"/>
-          </a:effectRef>
-          <a:fontRef idx="minor">
-            <a:schemeClr val="dk1"/>
-          </a:fontRef>
-        </p:style>
-        <p:txBody>
-          <a:bodyPr rtlCol="0" anchor="ctr"/>
-          <a:lstStyle/>
-          <a:p>
-            <a:pPr algn="ctr"/>
-            <a:r>
-              <a:rPr lang="en-US" sz="1050" dirty="0">
-                <a:solidFill>
-                  <a:schemeClr val="bg1"/>
-                </a:solidFill>
-              </a:rPr>
-              <a:t>:Pay</a:t>
-            </a:r>
-            <a:br>
-              <a:rPr lang="en-US" sz="1050" dirty="0">
-                <a:solidFill>
-                  <a:schemeClr val="bg1"/>
-                </a:solidFill>
-              </a:rPr>
-            </a:br>
-            <a:r>
-              <a:rPr lang="en-US" sz="1050" dirty="0">
-                <a:solidFill>
-                  <a:schemeClr val="bg1"/>
-                </a:solidFill>
-              </a:rPr>
-              <a:t>Command</a:t>
-            </a:r>
-            <a:endParaRPr lang="en-SG" sz="1050" dirty="0">
-              <a:solidFill>
-                <a:schemeClr val="bg1"/>
-              </a:solidFill>
-            </a:endParaRPr>
-          </a:p>
-        </p:txBody>
-      </p:sp>
-      <p:cxnSp>
-        <p:nvCxnSpPr>
-          <p:cNvPr id="44" name="Straight Arrow Connector 43"/>
-          <p:cNvCxnSpPr>
-            <a:cxnSpLocks/>
-          </p:cNvCxnSpPr>
-          <p:nvPr/>
-        </p:nvCxnSpPr>
-        <p:spPr>
-          <a:xfrm>
-            <a:off x="5474882" y="2334213"/>
-            <a:ext cx="2218773" cy="0"/>
-          </a:xfrm>
-          <a:prstGeom prst="straightConnector1">
-            <a:avLst/>
-          </a:prstGeom>
-          <a:ln w="19050">
-            <a:solidFill>
-              <a:srgbClr val="0070C0"/>
-            </a:solidFill>
-            <a:tailEnd type="arrow"/>
-          </a:ln>
-        </p:spPr>
-        <p:style>
-          <a:lnRef idx="1">
-            <a:schemeClr val="accent1"/>
-          </a:lnRef>
-          <a:fillRef idx="0">
-            <a:schemeClr val="accent1"/>
-          </a:fillRef>
-          <a:effectRef idx="0">
-            <a:schemeClr val="accent1"/>
-          </a:effectRef>
-          <a:fontRef idx="minor">
-            <a:schemeClr val="tx1"/>
-          </a:fontRef>
-        </p:style>
-      </p:cxnSp>
-      <p:sp>
-        <p:nvSpPr>
-          <p:cNvPr id="47" name="Rectangle 46"/>
-          <p:cNvSpPr/>
-          <p:nvPr/>
-        </p:nvSpPr>
-        <p:spPr>
-          <a:xfrm>
-            <a:off x="8145448" y="3581147"/>
-            <a:ext cx="156720" cy="1049718"/>
-          </a:xfrm>
-          <a:prstGeom prst="rect">
-            <a:avLst/>
-          </a:prstGeom>
-          <a:solidFill>
-            <a:srgbClr val="0070C0"/>
-          </a:solidFill>
-          <a:ln>
-            <a:solidFill>
-              <a:srgbClr val="0070C0"/>
-            </a:solidFill>
-          </a:ln>
-          <a:effectLst/>
-        </p:spPr>
-        <p:style>
-          <a:lnRef idx="1">
-            <a:schemeClr val="accent3"/>
-          </a:lnRef>
-          <a:fillRef idx="2">
-            <a:schemeClr val="accent3"/>
-          </a:fillRef>
-          <a:effectRef idx="1">
-            <a:schemeClr val="accent3"/>
-          </a:effectRef>
-          <a:fontRef idx="minor">
-            <a:schemeClr val="dk1"/>
-          </a:fontRef>
-        </p:style>
-        <p:txBody>
-          <a:bodyPr rtlCol="0" anchor="ctr"/>
-          <a:lstStyle/>
-          <a:p>
-            <a:pPr algn="ctr"/>
-            <a:endParaRPr lang="en-SG" sz="1400"/>
-          </a:p>
-        </p:txBody>
-      </p:sp>
-      <p:cxnSp>
-        <p:nvCxnSpPr>
-          <p:cNvPr id="48" name="Straight Arrow Connector 47"/>
-          <p:cNvCxnSpPr>
-            <a:cxnSpLocks/>
-          </p:cNvCxnSpPr>
-          <p:nvPr/>
-        </p:nvCxnSpPr>
-        <p:spPr>
-          <a:xfrm flipV="1">
-            <a:off x="5479646" y="3051271"/>
-            <a:ext cx="2678691" cy="11411"/>
-          </a:xfrm>
-          <a:prstGeom prst="straightConnector1">
-            <a:avLst/>
-          </a:prstGeom>
-          <a:ln w="19050">
-            <a:solidFill>
-              <a:srgbClr val="0070C0"/>
-            </a:solidFill>
-            <a:prstDash val="sysDash"/>
-            <a:headEnd type="arrow" w="med" len="med"/>
-            <a:tailEnd type="none" w="med" len="med"/>
-          </a:ln>
-        </p:spPr>
-        <p:style>
-          <a:lnRef idx="1">
-            <a:schemeClr val="accent1"/>
-          </a:lnRef>
-          <a:fillRef idx="0">
-            <a:schemeClr val="accent1"/>
-          </a:fillRef>
-          <a:effectRef idx="0">
-            <a:schemeClr val="accent1"/>
-          </a:effectRef>
-          <a:fontRef idx="minor">
-            <a:schemeClr val="tx1"/>
-          </a:fontRef>
-        </p:style>
-      </p:cxnSp>
-      <p:sp>
-        <p:nvSpPr>
-          <p:cNvPr id="38" name="Rectangle 62">
-            <a:extLst>
-              <a:ext uri="{FF2B5EF4-FFF2-40B4-BE49-F238E27FC236}">
-                <a16:creationId xmlns:a16="http://schemas.microsoft.com/office/drawing/2014/main" id="{B8802F0A-4D78-47F0-8DFB-89576A4731C3}"/>
-              </a:ext>
-            </a:extLst>
-          </p:cNvPr>
-          <p:cNvSpPr/>
-          <p:nvPr/>
-        </p:nvSpPr>
-        <p:spPr>
-          <a:xfrm>
-            <a:off x="8487906" y="3886303"/>
-            <a:ext cx="1275707" cy="461538"/>
-          </a:xfrm>
-          <a:prstGeom prst="rect">
-            <a:avLst/>
-          </a:prstGeom>
-          <a:solidFill>
-            <a:srgbClr val="0070C0"/>
-          </a:solidFill>
-          <a:ln w="19050">
-            <a:solidFill>
-              <a:srgbClr val="0070C0"/>
-            </a:solidFill>
-          </a:ln>
-          <a:effectLst/>
-        </p:spPr>
-        <p:style>
-          <a:lnRef idx="1">
-            <a:schemeClr val="accent2"/>
-          </a:lnRef>
-          <a:fillRef idx="2">
-            <a:schemeClr val="accent2"/>
-          </a:fillRef>
-          <a:effectRef idx="1">
-            <a:schemeClr val="accent2"/>
-          </a:effectRef>
-          <a:fontRef idx="minor">
-            <a:schemeClr val="dk1"/>
-          </a:fontRef>
-        </p:style>
-        <p:txBody>
-          <a:bodyPr rtlCol="0" anchor="ctr"/>
-          <a:lstStyle/>
-          <a:p>
-            <a:pPr algn="ctr"/>
-            <a:r>
-              <a:rPr lang="en-US" sz="1200" dirty="0" err="1">
-                <a:solidFill>
-                  <a:schemeClr val="bg1"/>
-                </a:solidFill>
-              </a:rPr>
-              <a:t>result:Command</a:t>
-            </a:r>
-            <a:r>
-              <a:rPr lang="en-US" sz="1200" dirty="0">
-                <a:solidFill>
-                  <a:schemeClr val="bg1"/>
-                </a:solidFill>
-              </a:rPr>
-              <a:t> Result</a:t>
-            </a:r>
-            <a:endParaRPr lang="en-SG" sz="1200" dirty="0">
-              <a:solidFill>
-                <a:schemeClr val="bg1"/>
-              </a:solidFill>
-            </a:endParaRPr>
-          </a:p>
-        </p:txBody>
-      </p:sp>
-      <p:sp>
-        <p:nvSpPr>
-          <p:cNvPr id="39" name="Rectangle 38">
-            <a:extLst>
-              <a:ext uri="{FF2B5EF4-FFF2-40B4-BE49-F238E27FC236}">
-                <a16:creationId xmlns:a16="http://schemas.microsoft.com/office/drawing/2014/main" id="{8E4BE5F9-EB9B-4D28-A1DC-AB55BF8245AE}"/>
-              </a:ext>
-            </a:extLst>
-          </p:cNvPr>
-          <p:cNvSpPr/>
-          <p:nvPr/>
-        </p:nvSpPr>
-        <p:spPr>
-          <a:xfrm>
-            <a:off x="9038543" y="4350624"/>
-            <a:ext cx="152400" cy="171376"/>
-          </a:xfrm>
-          <a:prstGeom prst="rect">
-            <a:avLst/>
-          </a:prstGeom>
-          <a:solidFill>
-            <a:srgbClr val="0070C0"/>
-          </a:solidFill>
-          <a:ln>
-            <a:solidFill>
-              <a:srgbClr val="0070C0"/>
-            </a:solidFill>
-          </a:ln>
-          <a:effectLst/>
-        </p:spPr>
-        <p:style>
-          <a:lnRef idx="1">
-            <a:schemeClr val="accent3"/>
-          </a:lnRef>
-          <a:fillRef idx="2">
-            <a:schemeClr val="accent3"/>
-          </a:fillRef>
-          <a:effectRef idx="1">
-            <a:schemeClr val="accent3"/>
-          </a:effectRef>
-          <a:fontRef idx="minor">
-            <a:schemeClr val="dk1"/>
-          </a:fontRef>
-        </p:style>
-        <p:txBody>
-          <a:bodyPr rtlCol="0" anchor="ctr"/>
-          <a:lstStyle/>
-          <a:p>
-            <a:pPr algn="ctr"/>
-            <a:endParaRPr lang="en-SG" sz="1400"/>
-          </a:p>
-        </p:txBody>
-      </p:sp>
-      <p:cxnSp>
-        <p:nvCxnSpPr>
-          <p:cNvPr id="41" name="Straight Arrow Connector 40">
-            <a:extLst>
-              <a:ext uri="{FF2B5EF4-FFF2-40B4-BE49-F238E27FC236}">
-                <a16:creationId xmlns:a16="http://schemas.microsoft.com/office/drawing/2014/main" id="{D9B939C0-01B7-4875-BD2B-2E3D2CD16665}"/>
-              </a:ext>
-            </a:extLst>
-          </p:cNvPr>
-          <p:cNvCxnSpPr>
-            <a:cxnSpLocks/>
-          </p:cNvCxnSpPr>
-          <p:nvPr/>
-        </p:nvCxnSpPr>
-        <p:spPr>
-          <a:xfrm>
-            <a:off x="8292940" y="4533588"/>
-            <a:ext cx="762000" cy="0"/>
-          </a:xfrm>
-          <a:prstGeom prst="straightConnector1">
-            <a:avLst/>
-          </a:prstGeom>
-          <a:ln w="19050">
-            <a:solidFill>
-              <a:srgbClr val="0070C0"/>
-            </a:solidFill>
-            <a:prstDash val="sysDash"/>
-            <a:headEnd type="arrow" w="med" len="med"/>
-            <a:tailEnd type="none" w="med" len="med"/>
-          </a:ln>
-        </p:spPr>
-        <p:style>
-          <a:lnRef idx="1">
-            <a:schemeClr val="accent1"/>
-          </a:lnRef>
-          <a:fillRef idx="0">
-            <a:schemeClr val="accent1"/>
-          </a:fillRef>
-          <a:effectRef idx="0">
-            <a:schemeClr val="accent1"/>
-          </a:effectRef>
-          <a:fontRef idx="minor">
-            <a:schemeClr val="tx1"/>
-          </a:fontRef>
-        </p:style>
-      </p:cxnSp>
-      <p:cxnSp>
-        <p:nvCxnSpPr>
-          <p:cNvPr id="42" name="Straight Arrow Connector 41">
-            <a:extLst>
-              <a:ext uri="{FF2B5EF4-FFF2-40B4-BE49-F238E27FC236}">
-                <a16:creationId xmlns:a16="http://schemas.microsoft.com/office/drawing/2014/main" id="{FDEEDB0E-2FB7-44C0-B44A-8E7035A95B3F}"/>
-              </a:ext>
-            </a:extLst>
-          </p:cNvPr>
-          <p:cNvCxnSpPr>
-            <a:cxnSpLocks/>
-          </p:cNvCxnSpPr>
-          <p:nvPr/>
-        </p:nvCxnSpPr>
-        <p:spPr>
-          <a:xfrm>
-            <a:off x="8320909" y="4065220"/>
-            <a:ext cx="162246" cy="0"/>
-          </a:xfrm>
-          <a:prstGeom prst="straightConnector1">
-            <a:avLst/>
-          </a:prstGeom>
-          <a:ln w="19050">
-            <a:headEnd type="none" w="med" len="med"/>
-            <a:tailEnd type="arrow" w="med" len="med"/>
-          </a:ln>
-        </p:spPr>
-        <p:style>
-          <a:lnRef idx="1">
-            <a:schemeClr val="accent1"/>
-          </a:lnRef>
-          <a:fillRef idx="0">
-            <a:schemeClr val="accent1"/>
-          </a:fillRef>
-          <a:effectRef idx="0">
-            <a:schemeClr val="accent1"/>
-          </a:effectRef>
-          <a:fontRef idx="minor">
-            <a:schemeClr val="tx1"/>
-          </a:fontRef>
-        </p:style>
-      </p:cxnSp>
-      <p:sp>
-        <p:nvSpPr>
-          <p:cNvPr id="52" name="Rectangle 62">
-            <a:extLst>
-              <a:ext uri="{FF2B5EF4-FFF2-40B4-BE49-F238E27FC236}">
-                <a16:creationId xmlns:a16="http://schemas.microsoft.com/office/drawing/2014/main" id="{6A1D0364-4BDF-411F-911D-187CA4EA1850}"/>
-              </a:ext>
-            </a:extLst>
-          </p:cNvPr>
-          <p:cNvSpPr/>
-          <p:nvPr/>
-        </p:nvSpPr>
-        <p:spPr>
-          <a:xfrm>
-            <a:off x="6249188" y="1569264"/>
-            <a:ext cx="979128" cy="409793"/>
-          </a:xfrm>
-          <a:prstGeom prst="rect">
-            <a:avLst/>
-          </a:prstGeom>
-          <a:solidFill>
-            <a:srgbClr val="0070C0"/>
-          </a:solidFill>
-          <a:ln w="19050">
-            <a:solidFill>
-              <a:srgbClr val="0070C0"/>
-            </a:solidFill>
-          </a:ln>
-          <a:effectLst/>
-        </p:spPr>
-        <p:style>
-          <a:lnRef idx="1">
-            <a:schemeClr val="accent2"/>
-          </a:lnRef>
-          <a:fillRef idx="2">
-            <a:schemeClr val="accent2"/>
-          </a:fillRef>
-          <a:effectRef idx="1">
-            <a:schemeClr val="accent2"/>
-          </a:effectRef>
-          <a:fontRef idx="minor">
-            <a:schemeClr val="dk1"/>
-          </a:fontRef>
-        </p:style>
-        <p:txBody>
-          <a:bodyPr rtlCol="0" anchor="ctr"/>
-          <a:lstStyle/>
-          <a:p>
-            <a:pPr algn="ctr"/>
-            <a:r>
-              <a:rPr lang="en-US" sz="1050" dirty="0">
-                <a:solidFill>
-                  <a:schemeClr val="bg1"/>
-                </a:solidFill>
-              </a:rPr>
-              <a:t>P: Payment</a:t>
-            </a:r>
-            <a:endParaRPr lang="en-SG" sz="1050" dirty="0">
-              <a:solidFill>
-                <a:schemeClr val="bg1"/>
-              </a:solidFill>
-            </a:endParaRPr>
-          </a:p>
-        </p:txBody>
-      </p:sp>
-      <p:sp>
-        <p:nvSpPr>
-          <p:cNvPr id="53" name="Rectangle 52">
-            <a:extLst>
-              <a:ext uri="{FF2B5EF4-FFF2-40B4-BE49-F238E27FC236}">
-                <a16:creationId xmlns:a16="http://schemas.microsoft.com/office/drawing/2014/main" id="{E922A84B-EAD4-4E25-B347-00C33DF5D08D}"/>
-              </a:ext>
-            </a:extLst>
-          </p:cNvPr>
-          <p:cNvSpPr/>
-          <p:nvPr/>
-        </p:nvSpPr>
-        <p:spPr>
-          <a:xfrm>
-            <a:off x="6626199" y="1928679"/>
-            <a:ext cx="143630" cy="310649"/>
-          </a:xfrm>
-          <a:prstGeom prst="rect">
-            <a:avLst/>
-          </a:prstGeom>
-          <a:solidFill>
-            <a:srgbClr val="0070C0"/>
-          </a:solidFill>
-          <a:ln>
-            <a:solidFill>
-              <a:srgbClr val="0070C0"/>
-            </a:solidFill>
-          </a:ln>
-          <a:effectLst/>
-        </p:spPr>
-        <p:style>
-          <a:lnRef idx="1">
-            <a:schemeClr val="accent3"/>
-          </a:lnRef>
-          <a:fillRef idx="2">
-            <a:schemeClr val="accent3"/>
-          </a:fillRef>
-          <a:effectRef idx="1">
-            <a:schemeClr val="accent3"/>
-          </a:effectRef>
-          <a:fontRef idx="minor">
-            <a:schemeClr val="dk1"/>
-          </a:fontRef>
-        </p:style>
-        <p:txBody>
-          <a:bodyPr rtlCol="0" anchor="ctr"/>
-          <a:lstStyle/>
-          <a:p>
-            <a:pPr algn="ctr"/>
-            <a:endParaRPr lang="en-SG" sz="1400"/>
-          </a:p>
-        </p:txBody>
-      </p:sp>
-      <p:cxnSp>
-        <p:nvCxnSpPr>
-          <p:cNvPr id="54" name="Straight Arrow Connector 53">
-            <a:extLst>
-              <a:ext uri="{FF2B5EF4-FFF2-40B4-BE49-F238E27FC236}">
-                <a16:creationId xmlns:a16="http://schemas.microsoft.com/office/drawing/2014/main" id="{68E02869-8AE2-4DA3-9C3B-4085F75CD77B}"/>
-              </a:ext>
-            </a:extLst>
-          </p:cNvPr>
-          <p:cNvCxnSpPr>
-            <a:cxnSpLocks/>
-          </p:cNvCxnSpPr>
-          <p:nvPr/>
-        </p:nvCxnSpPr>
-        <p:spPr>
-          <a:xfrm>
-            <a:off x="5403976" y="1868202"/>
-            <a:ext cx="845212" cy="12369"/>
-          </a:xfrm>
-          <a:prstGeom prst="straightConnector1">
-            <a:avLst/>
-          </a:prstGeom>
-          <a:ln w="19050">
-            <a:solidFill>
-              <a:srgbClr val="0070C0"/>
-            </a:solidFill>
-            <a:tailEnd type="arrow"/>
-          </a:ln>
-        </p:spPr>
-        <p:style>
-          <a:lnRef idx="1">
-            <a:schemeClr val="accent1"/>
-          </a:lnRef>
-          <a:fillRef idx="0">
-            <a:schemeClr val="accent1"/>
-          </a:fillRef>
-          <a:effectRef idx="0">
-            <a:schemeClr val="accent1"/>
-          </a:effectRef>
-          <a:fontRef idx="minor">
-            <a:schemeClr val="tx1"/>
-          </a:fontRef>
-        </p:style>
-      </p:cxnSp>
-      <p:cxnSp>
-        <p:nvCxnSpPr>
-          <p:cNvPr id="55" name="Straight Arrow Connector 54">
-            <a:extLst>
-              <a:ext uri="{FF2B5EF4-FFF2-40B4-BE49-F238E27FC236}">
-                <a16:creationId xmlns:a16="http://schemas.microsoft.com/office/drawing/2014/main" id="{516EFCFF-EA47-432E-BF91-8090EFAF55F7}"/>
-              </a:ext>
-            </a:extLst>
-          </p:cNvPr>
-          <p:cNvCxnSpPr>
-            <a:cxnSpLocks/>
-          </p:cNvCxnSpPr>
-          <p:nvPr/>
-        </p:nvCxnSpPr>
-        <p:spPr>
-          <a:xfrm>
-            <a:off x="5456274" y="2240783"/>
-            <a:ext cx="1313555" cy="0"/>
-          </a:xfrm>
-          <a:prstGeom prst="straightConnector1">
-            <a:avLst/>
-          </a:prstGeom>
-          <a:ln w="19050">
-            <a:solidFill>
-              <a:srgbClr val="0070C0"/>
-            </a:solidFill>
-            <a:prstDash val="sysDash"/>
-            <a:headEnd type="arrow" w="med" len="med"/>
-            <a:tailEnd type="none" w="med" len="med"/>
-          </a:ln>
-        </p:spPr>
-        <p:style>
-          <a:lnRef idx="1">
-            <a:schemeClr val="accent1"/>
-          </a:lnRef>
-          <a:fillRef idx="0">
-            <a:schemeClr val="accent1"/>
-          </a:fillRef>
-          <a:effectRef idx="0">
-            <a:schemeClr val="accent1"/>
-          </a:effectRef>
-          <a:fontRef idx="minor">
-            <a:schemeClr val="tx1"/>
-          </a:fontRef>
-        </p:style>
-      </p:cxnSp>
-      <p:sp>
-        <p:nvSpPr>
-          <p:cNvPr id="20" name="TextBox 19">
-            <a:extLst>
-              <a:ext uri="{FF2B5EF4-FFF2-40B4-BE49-F238E27FC236}">
-                <a16:creationId xmlns:a16="http://schemas.microsoft.com/office/drawing/2014/main" id="{A4D5E1EA-0195-4C60-AB00-3C0D1BB805B2}"/>
-              </a:ext>
-            </a:extLst>
-          </p:cNvPr>
+          <p:cNvPr id="83" name="TextBox 82"/>
           <p:cNvSpPr txBox="1"/>
           <p:nvPr/>
         </p:nvSpPr>
         <p:spPr>
           <a:xfrm>
-            <a:off x="7260197" y="1982316"/>
-            <a:ext cx="562857" cy="369332"/>
-          </a:xfrm>
-          <a:prstGeom prst="rect">
-            <a:avLst/>
-          </a:prstGeom>
-          <a:noFill/>
-        </p:spPr>
-        <p:txBody>
-          <a:bodyPr wrap="square" rtlCol="0">
-            <a:spAutoFit/>
-          </a:bodyPr>
-          <a:lstStyle/>
-          <a:p>
-            <a:r>
-              <a:rPr lang="en-GB" dirty="0"/>
-              <a:t>p</a:t>
-            </a:r>
-          </a:p>
-        </p:txBody>
-      </p:sp>
-      <p:sp>
-        <p:nvSpPr>
-          <p:cNvPr id="57" name="Rectangle 56">
-            <a:extLst>
-              <a:ext uri="{FF2B5EF4-FFF2-40B4-BE49-F238E27FC236}">
-                <a16:creationId xmlns:a16="http://schemas.microsoft.com/office/drawing/2014/main" id="{0C58539E-A8E2-4604-A4D0-B7F73982717A}"/>
-              </a:ext>
-            </a:extLst>
-          </p:cNvPr>
-          <p:cNvSpPr/>
-          <p:nvPr/>
-        </p:nvSpPr>
-        <p:spPr>
-          <a:xfrm>
-            <a:off x="5340751" y="2094533"/>
-            <a:ext cx="135142" cy="1165701"/>
-          </a:xfrm>
-          <a:prstGeom prst="rect">
-            <a:avLst/>
-          </a:prstGeom>
-          <a:solidFill>
-            <a:srgbClr val="0070C0"/>
-          </a:solidFill>
-          <a:ln>
-            <a:solidFill>
-              <a:srgbClr val="0070C0"/>
-            </a:solidFill>
-          </a:ln>
-          <a:effectLst/>
-        </p:spPr>
-        <p:style>
-          <a:lnRef idx="1">
-            <a:schemeClr val="accent3"/>
-          </a:lnRef>
-          <a:fillRef idx="2">
-            <a:schemeClr val="accent3"/>
-          </a:fillRef>
-          <a:effectRef idx="1">
-            <a:schemeClr val="accent3"/>
-          </a:effectRef>
-          <a:fontRef idx="minor">
-            <a:schemeClr val="dk1"/>
-          </a:fontRef>
-        </p:style>
-        <p:txBody>
-          <a:bodyPr rtlCol="0" anchor="ctr"/>
-          <a:lstStyle/>
-          <a:p>
-            <a:pPr algn="ctr"/>
-            <a:endParaRPr lang="en-SG" sz="1400"/>
-          </a:p>
-        </p:txBody>
-      </p:sp>
-      <p:cxnSp>
-        <p:nvCxnSpPr>
-          <p:cNvPr id="68" name="Straight Arrow Connector 67">
-            <a:extLst>
-              <a:ext uri="{FF2B5EF4-FFF2-40B4-BE49-F238E27FC236}">
-                <a16:creationId xmlns:a16="http://schemas.microsoft.com/office/drawing/2014/main" id="{784D8127-7490-4748-9E09-567FA6BC66A2}"/>
-              </a:ext>
-            </a:extLst>
-          </p:cNvPr>
-          <p:cNvCxnSpPr>
-            <a:cxnSpLocks/>
-            <a:endCxn id="21" idx="2"/>
-          </p:cNvCxnSpPr>
-          <p:nvPr/>
-        </p:nvCxnSpPr>
-        <p:spPr>
-          <a:xfrm flipV="1">
-            <a:off x="4323566" y="1924423"/>
-            <a:ext cx="1084250" cy="4254"/>
-          </a:xfrm>
-          <a:prstGeom prst="straightConnector1">
-            <a:avLst/>
-          </a:prstGeom>
-          <a:ln w="19050">
-            <a:solidFill>
-              <a:srgbClr val="0070C0"/>
-            </a:solidFill>
-            <a:prstDash val="sysDash"/>
-            <a:headEnd type="arrow" w="med" len="med"/>
-            <a:tailEnd type="none" w="med" len="med"/>
-          </a:ln>
-        </p:spPr>
-        <p:style>
-          <a:lnRef idx="1">
-            <a:schemeClr val="accent1"/>
-          </a:lnRef>
-          <a:fillRef idx="0">
-            <a:schemeClr val="accent1"/>
-          </a:fillRef>
-          <a:effectRef idx="0">
-            <a:schemeClr val="accent1"/>
-          </a:effectRef>
-          <a:fontRef idx="minor">
-            <a:schemeClr val="tx1"/>
-          </a:fontRef>
-        </p:style>
-      </p:cxnSp>
-      <p:cxnSp>
-        <p:nvCxnSpPr>
-          <p:cNvPr id="70" name="Straight Arrow Connector 69">
-            <a:extLst>
-              <a:ext uri="{FF2B5EF4-FFF2-40B4-BE49-F238E27FC236}">
-                <a16:creationId xmlns:a16="http://schemas.microsoft.com/office/drawing/2014/main" id="{13452121-4A02-4BAD-B9D1-18E483B42BA2}"/>
-              </a:ext>
-            </a:extLst>
-          </p:cNvPr>
-          <p:cNvCxnSpPr>
-            <a:cxnSpLocks/>
-          </p:cNvCxnSpPr>
-          <p:nvPr/>
-        </p:nvCxnSpPr>
-        <p:spPr>
-          <a:xfrm>
-            <a:off x="4323566" y="2122667"/>
-            <a:ext cx="998578" cy="10931"/>
-          </a:xfrm>
-          <a:prstGeom prst="straightConnector1">
-            <a:avLst/>
-          </a:prstGeom>
-          <a:ln w="19050">
-            <a:solidFill>
-              <a:srgbClr val="0070C0"/>
-            </a:solidFill>
-            <a:tailEnd type="arrow"/>
-          </a:ln>
-        </p:spPr>
-        <p:style>
-          <a:lnRef idx="1">
-            <a:schemeClr val="accent1"/>
-          </a:lnRef>
-          <a:fillRef idx="0">
-            <a:schemeClr val="accent1"/>
-          </a:fillRef>
-          <a:effectRef idx="0">
-            <a:schemeClr val="accent1"/>
-          </a:effectRef>
-          <a:fontRef idx="minor">
-            <a:schemeClr val="tx1"/>
-          </a:fontRef>
-        </p:style>
-      </p:cxnSp>
-      <p:sp>
-        <p:nvSpPr>
-          <p:cNvPr id="61" name="TextBox 60">
-            <a:extLst>
-              <a:ext uri="{FF2B5EF4-FFF2-40B4-BE49-F238E27FC236}">
-                <a16:creationId xmlns:a16="http://schemas.microsoft.com/office/drawing/2014/main" id="{D832BB2C-1548-4BBC-A1E4-6B11C460EE99}"/>
-              </a:ext>
-            </a:extLst>
-          </p:cNvPr>
-          <p:cNvSpPr txBox="1"/>
-          <p:nvPr/>
-        </p:nvSpPr>
-        <p:spPr>
-          <a:xfrm>
-            <a:off x="4343881" y="2084332"/>
-            <a:ext cx="1078458" cy="461665"/>
-          </a:xfrm>
-          <a:prstGeom prst="rect">
-            <a:avLst/>
-          </a:prstGeom>
-          <a:noFill/>
-        </p:spPr>
-        <p:txBody>
-          <a:bodyPr wrap="square" rtlCol="0">
-            <a:spAutoFit/>
-          </a:bodyPr>
-          <a:lstStyle/>
-          <a:p>
-            <a:r>
-              <a:rPr lang="en-GB" sz="1200">
-                <a:solidFill>
-                  <a:schemeClr val="accent1"/>
-                </a:solidFill>
-              </a:rPr>
-              <a:t>Parse(“1 200 8 2018</a:t>
-            </a:r>
-            <a:r>
-              <a:rPr lang="en-GB" sz="1200" dirty="0">
-                <a:solidFill>
-                  <a:schemeClr val="accent1"/>
-                </a:solidFill>
-              </a:rPr>
-              <a:t>”)</a:t>
-            </a:r>
-          </a:p>
-        </p:txBody>
-      </p:sp>
-      <p:sp>
-        <p:nvSpPr>
-          <p:cNvPr id="73" name="Rectangle 72">
-            <a:extLst>
-              <a:ext uri="{FF2B5EF4-FFF2-40B4-BE49-F238E27FC236}">
-                <a16:creationId xmlns:a16="http://schemas.microsoft.com/office/drawing/2014/main" id="{59DFDFF8-E427-436A-9825-D4F263743AB5}"/>
-              </a:ext>
-            </a:extLst>
-          </p:cNvPr>
-          <p:cNvSpPr/>
-          <p:nvPr/>
-        </p:nvSpPr>
-        <p:spPr>
-          <a:xfrm>
-            <a:off x="8145448" y="2475510"/>
-            <a:ext cx="164154" cy="1008348"/>
-          </a:xfrm>
-          <a:prstGeom prst="rect">
-            <a:avLst/>
-          </a:prstGeom>
-          <a:solidFill>
-            <a:srgbClr val="0070C0"/>
-          </a:solidFill>
-          <a:ln>
-            <a:solidFill>
-              <a:srgbClr val="0070C0"/>
-            </a:solidFill>
-          </a:ln>
-          <a:effectLst/>
-        </p:spPr>
-        <p:style>
-          <a:lnRef idx="1">
-            <a:schemeClr val="accent3"/>
-          </a:lnRef>
-          <a:fillRef idx="2">
-            <a:schemeClr val="accent3"/>
-          </a:fillRef>
-          <a:effectRef idx="1">
-            <a:schemeClr val="accent3"/>
-          </a:effectRef>
-          <a:fontRef idx="minor">
-            <a:schemeClr val="dk1"/>
-          </a:fontRef>
-        </p:style>
-        <p:txBody>
-          <a:bodyPr rtlCol="0" anchor="ctr"/>
-          <a:lstStyle/>
-          <a:p>
-            <a:pPr algn="ctr"/>
-            <a:endParaRPr lang="en-SG" sz="1400"/>
-          </a:p>
-        </p:txBody>
-      </p:sp>
-      <p:cxnSp>
-        <p:nvCxnSpPr>
-          <p:cNvPr id="74" name="Straight Connector 73">
-            <a:extLst>
-              <a:ext uri="{FF2B5EF4-FFF2-40B4-BE49-F238E27FC236}">
-                <a16:creationId xmlns:a16="http://schemas.microsoft.com/office/drawing/2014/main" id="{6D61171D-A796-40B7-8618-668933958BCB}"/>
-              </a:ext>
-            </a:extLst>
-          </p:cNvPr>
-          <p:cNvCxnSpPr>
-            <a:cxnSpLocks/>
-          </p:cNvCxnSpPr>
-          <p:nvPr/>
-        </p:nvCxnSpPr>
-        <p:spPr>
-          <a:xfrm>
-            <a:off x="8230247" y="2407497"/>
-            <a:ext cx="7159" cy="1783503"/>
-          </a:xfrm>
-          <a:prstGeom prst="line">
-            <a:avLst/>
-          </a:prstGeom>
-          <a:ln w="19050">
-            <a:solidFill>
-              <a:srgbClr val="0070C0"/>
-            </a:solidFill>
-            <a:prstDash val="sysDash"/>
-          </a:ln>
-          <a:effectLst/>
-        </p:spPr>
-        <p:style>
-          <a:lnRef idx="1">
-            <a:schemeClr val="accent1"/>
-          </a:lnRef>
-          <a:fillRef idx="2">
-            <a:schemeClr val="accent1"/>
-          </a:fillRef>
-          <a:effectRef idx="1">
-            <a:schemeClr val="accent1"/>
-          </a:effectRef>
-          <a:fontRef idx="minor">
-            <a:schemeClr val="dk1"/>
-          </a:fontRef>
-        </p:style>
-      </p:cxnSp>
-      <p:sp>
-        <p:nvSpPr>
-          <p:cNvPr id="75" name="TextBox 74">
-            <a:extLst>
-              <a:ext uri="{FF2B5EF4-FFF2-40B4-BE49-F238E27FC236}">
-                <a16:creationId xmlns:a16="http://schemas.microsoft.com/office/drawing/2014/main" id="{61ACFF58-B838-4DB7-8A59-9B515DD18CF6}"/>
-              </a:ext>
-            </a:extLst>
-          </p:cNvPr>
-          <p:cNvSpPr txBox="1"/>
-          <p:nvPr/>
-        </p:nvSpPr>
-        <p:spPr>
-          <a:xfrm>
-            <a:off x="5257296" y="3170703"/>
-            <a:ext cx="378333" cy="369332"/>
-          </a:xfrm>
-          <a:prstGeom prst="rect">
-            <a:avLst/>
-          </a:prstGeom>
-          <a:noFill/>
-        </p:spPr>
-        <p:txBody>
-          <a:bodyPr wrap="square" rtlCol="0">
-            <a:spAutoFit/>
-          </a:bodyPr>
-          <a:lstStyle/>
-          <a:p>
-            <a:r>
-              <a:rPr lang="en-GB" dirty="0"/>
-              <a:t>x</a:t>
-            </a:r>
-          </a:p>
-        </p:txBody>
-      </p:sp>
-      <p:cxnSp>
-        <p:nvCxnSpPr>
-          <p:cNvPr id="84" name="Straight Connector 83">
-            <a:extLst>
-              <a:ext uri="{FF2B5EF4-FFF2-40B4-BE49-F238E27FC236}">
-                <a16:creationId xmlns:a16="http://schemas.microsoft.com/office/drawing/2014/main" id="{A51D9882-A8EA-418E-8D3A-1A3930F2B6F0}"/>
-              </a:ext>
-            </a:extLst>
-          </p:cNvPr>
-          <p:cNvCxnSpPr>
-            <a:cxnSpLocks/>
-          </p:cNvCxnSpPr>
-          <p:nvPr/>
-        </p:nvCxnSpPr>
-        <p:spPr>
-          <a:xfrm>
-            <a:off x="5390504" y="1721806"/>
-            <a:ext cx="15687" cy="1587907"/>
-          </a:xfrm>
-          <a:prstGeom prst="line">
-            <a:avLst/>
-          </a:prstGeom>
-          <a:ln w="19050">
-            <a:solidFill>
-              <a:srgbClr val="0070C0"/>
-            </a:solidFill>
-            <a:prstDash val="sysDash"/>
-          </a:ln>
-          <a:effectLst/>
-        </p:spPr>
-        <p:style>
-          <a:lnRef idx="1">
-            <a:schemeClr val="accent1"/>
-          </a:lnRef>
-          <a:fillRef idx="2">
-            <a:schemeClr val="accent1"/>
-          </a:fillRef>
-          <a:effectRef idx="1">
-            <a:schemeClr val="accent1"/>
-          </a:effectRef>
-          <a:fontRef idx="minor">
-            <a:schemeClr val="dk1"/>
-          </a:fontRef>
-        </p:style>
-      </p:cxnSp>
-      <p:sp>
-        <p:nvSpPr>
-          <p:cNvPr id="86" name="TextBox 85">
-            <a:extLst>
-              <a:ext uri="{FF2B5EF4-FFF2-40B4-BE49-F238E27FC236}">
-                <a16:creationId xmlns:a16="http://schemas.microsoft.com/office/drawing/2014/main" id="{16B828A8-2BAE-4C38-BD51-8D48EF853468}"/>
-              </a:ext>
-            </a:extLst>
-          </p:cNvPr>
-          <p:cNvSpPr txBox="1"/>
-          <p:nvPr/>
-        </p:nvSpPr>
-        <p:spPr>
-          <a:xfrm>
-            <a:off x="3099592" y="3016732"/>
-            <a:ext cx="855809" cy="215444"/>
+            <a:off x="2123983" y="6071888"/>
+            <a:ext cx="762000" cy="215444"/>
           </a:xfrm>
           <a:prstGeom prst="rect">
             <a:avLst/>
@@ -5811,38 +5182,34 @@
           </a:lstStyle>
           <a:p>
             <a:r>
-              <a:rPr lang="en-US" dirty="0"/>
-              <a:t>d</a:t>
-            </a:r>
-          </a:p>
-        </p:txBody>
-      </p:sp>
-      <p:sp>
-        <p:nvSpPr>
-          <p:cNvPr id="58" name="Rectangle 62">
-            <a:extLst>
-              <a:ext uri="{FF2B5EF4-FFF2-40B4-BE49-F238E27FC236}">
-                <a16:creationId xmlns:a16="http://schemas.microsoft.com/office/drawing/2014/main" id="{0A80E6A7-4879-404B-8824-8008751426CE}"/>
-              </a:ext>
-            </a:extLst>
-          </p:cNvPr>
+              <a:rPr lang="en-US" dirty="0">
+                <a:latin typeface="Calibri"/>
+              </a:rPr>
+              <a:t>result</a:t>
+            </a:r>
+          </a:p>
+        </p:txBody>
+      </p:sp>
+      <p:sp>
+        <p:nvSpPr>
+          <p:cNvPr id="84" name="Rectangle 62"/>
           <p:cNvSpPr/>
           <p:nvPr/>
         </p:nvSpPr>
         <p:spPr>
           <a:xfrm>
-            <a:off x="10377304" y="1258311"/>
-            <a:ext cx="1246135" cy="371698"/>
+            <a:off x="7386738" y="5837588"/>
+            <a:ext cx="1676400" cy="232379"/>
           </a:xfrm>
           <a:prstGeom prst="rect">
             <a:avLst/>
           </a:prstGeom>
           <a:solidFill>
-            <a:srgbClr val="7030A0"/>
+            <a:srgbClr val="0070C0"/>
           </a:solidFill>
           <a:ln w="19050">
             <a:solidFill>
-              <a:srgbClr val="7030A0"/>
+              <a:srgbClr val="0070C0"/>
             </a:solidFill>
           </a:ln>
           <a:effectLst/>
@@ -5867,136 +5234,52 @@
           <a:p>
             <a:pPr algn="ctr"/>
             <a:r>
-              <a:rPr lang="en-US" sz="1600" dirty="0" err="1">
+              <a:rPr lang="en-US" sz="1200" dirty="0" err="1">
                 <a:solidFill>
-                  <a:schemeClr val="bg1"/>
+                  <a:prstClr val="white"/>
                 </a:solidFill>
+                <a:latin typeface="Calibri"/>
               </a:rPr>
-              <a:t>Alice:Person</a:t>
-            </a:r>
-            <a:endParaRPr lang="en-SG" sz="1600" dirty="0">
+              <a:t>result:Command</a:t>
+            </a:r>
+            <a:r>
+              <a:rPr lang="en-US" sz="1200" dirty="0">
+                <a:solidFill>
+                  <a:prstClr val="white"/>
+                </a:solidFill>
+                <a:latin typeface="Calibri"/>
+              </a:rPr>
+              <a:t> Result</a:t>
+            </a:r>
+            <a:endParaRPr lang="en-SG" sz="1200" dirty="0">
               <a:solidFill>
-                <a:schemeClr val="bg1"/>
+                <a:prstClr val="white"/>
               </a:solidFill>
+              <a:latin typeface="Calibri"/>
             </a:endParaRPr>
           </a:p>
         </p:txBody>
       </p:sp>
-      <p:cxnSp>
-        <p:nvCxnSpPr>
-          <p:cNvPr id="59" name="Straight Connector 58">
-            <a:extLst>
-              <a:ext uri="{FF2B5EF4-FFF2-40B4-BE49-F238E27FC236}">
-                <a16:creationId xmlns:a16="http://schemas.microsoft.com/office/drawing/2014/main" id="{626B114B-2CE7-4DB9-BB7D-58003E021B00}"/>
-              </a:ext>
-            </a:extLst>
-          </p:cNvPr>
-          <p:cNvCxnSpPr>
-            <a:cxnSpLocks/>
-          </p:cNvCxnSpPr>
-          <p:nvPr/>
-        </p:nvCxnSpPr>
-        <p:spPr>
-          <a:xfrm flipH="1">
-            <a:off x="10873090" y="1646747"/>
-            <a:ext cx="7309" cy="2677224"/>
-          </a:xfrm>
-          <a:prstGeom prst="line">
-            <a:avLst/>
-          </a:prstGeom>
-          <a:ln w="19050">
-            <a:solidFill>
-              <a:srgbClr val="7030A0"/>
-            </a:solidFill>
-            <a:prstDash val="sysDash"/>
-          </a:ln>
-          <a:effectLst/>
-        </p:spPr>
-        <p:style>
-          <a:lnRef idx="1">
-            <a:schemeClr val="accent1"/>
-          </a:lnRef>
-          <a:fillRef idx="2">
-            <a:schemeClr val="accent1"/>
-          </a:fillRef>
-          <a:effectRef idx="1">
-            <a:schemeClr val="accent1"/>
-          </a:effectRef>
-          <a:fontRef idx="minor">
-            <a:schemeClr val="dk1"/>
-          </a:fontRef>
-        </p:style>
-      </p:cxnSp>
-      <p:cxnSp>
-        <p:nvCxnSpPr>
-          <p:cNvPr id="60" name="Straight Arrow Connector 59">
-            <a:extLst>
-              <a:ext uri="{FF2B5EF4-FFF2-40B4-BE49-F238E27FC236}">
-                <a16:creationId xmlns:a16="http://schemas.microsoft.com/office/drawing/2014/main" id="{EDAB63AE-BF6E-4FC7-A810-257D2DE727F7}"/>
-              </a:ext>
-            </a:extLst>
-          </p:cNvPr>
-          <p:cNvCxnSpPr>
-            <a:cxnSpLocks/>
-          </p:cNvCxnSpPr>
-          <p:nvPr/>
-        </p:nvCxnSpPr>
-        <p:spPr>
-          <a:xfrm flipV="1">
-            <a:off x="8302168" y="2660073"/>
-            <a:ext cx="2421250" cy="17311"/>
-          </a:xfrm>
-          <a:prstGeom prst="straightConnector1">
-            <a:avLst/>
-          </a:prstGeom>
-          <a:ln w="19050">
-            <a:solidFill>
-              <a:srgbClr val="0070C0"/>
-            </a:solidFill>
-            <a:tailEnd type="arrow"/>
-          </a:ln>
-        </p:spPr>
-        <p:style>
-          <a:lnRef idx="1">
-            <a:schemeClr val="accent1"/>
-          </a:lnRef>
-          <a:fillRef idx="0">
-            <a:schemeClr val="accent1"/>
-          </a:fillRef>
-          <a:effectRef idx="0">
-            <a:schemeClr val="accent1"/>
-          </a:effectRef>
-          <a:fontRef idx="minor">
-            <a:schemeClr val="tx1"/>
-          </a:fontRef>
-        </p:style>
-      </p:cxnSp>
-      <p:sp>
-        <p:nvSpPr>
-          <p:cNvPr id="62" name="Rectangle 61">
-            <a:extLst>
-              <a:ext uri="{FF2B5EF4-FFF2-40B4-BE49-F238E27FC236}">
-                <a16:creationId xmlns:a16="http://schemas.microsoft.com/office/drawing/2014/main" id="{2CD054E9-337B-414A-9700-1EDFE1CAAD62}"/>
-              </a:ext>
-            </a:extLst>
-          </p:cNvPr>
+      <p:sp>
+        <p:nvSpPr>
+          <p:cNvPr id="86" name="Rectangle 85"/>
           <p:cNvSpPr/>
           <p:nvPr/>
         </p:nvSpPr>
         <p:spPr>
           <a:xfrm>
-            <a:off x="10750038" y="2593484"/>
-            <a:ext cx="216508" cy="744788"/>
+            <a:off x="8148738" y="6078283"/>
+            <a:ext cx="152400" cy="171376"/>
           </a:xfrm>
           <a:prstGeom prst="rect">
             <a:avLst/>
           </a:prstGeom>
           <a:solidFill>
-            <a:srgbClr val="7030A0"/>
+            <a:srgbClr val="0070C0"/>
           </a:solidFill>
           <a:ln>
             <a:solidFill>
-              <a:srgbClr val="7030A0"/>
+              <a:srgbClr val="0070C0"/>
             </a:solidFill>
           </a:ln>
           <a:effectLst/>
@@ -6020,26 +5303,65 @@
           <a:lstStyle/>
           <a:p>
             <a:pPr algn="ctr"/>
-            <a:endParaRPr lang="en-SG" sz="1400"/>
-          </a:p>
-        </p:txBody>
-      </p:sp>
-      <p:sp>
-        <p:nvSpPr>
-          <p:cNvPr id="65" name="TextBox 64">
-            <a:extLst>
-              <a:ext uri="{FF2B5EF4-FFF2-40B4-BE49-F238E27FC236}">
-                <a16:creationId xmlns:a16="http://schemas.microsoft.com/office/drawing/2014/main" id="{D17B19A8-CBE2-4AA7-A6B6-E0B320A4CA71}"/>
-              </a:ext>
-            </a:extLst>
-          </p:cNvPr>
+            <a:endParaRPr lang="en-SG" sz="1400">
+              <a:solidFill>
+                <a:prstClr val="black"/>
+              </a:solidFill>
+              <a:latin typeface="Calibri"/>
+            </a:endParaRPr>
+          </a:p>
+        </p:txBody>
+      </p:sp>
+      <p:cxnSp>
+        <p:nvCxnSpPr>
+          <p:cNvPr id="90" name="Straight Arrow Connector 89"/>
+          <p:cNvCxnSpPr>
+            <a:cxnSpLocks/>
+          </p:cNvCxnSpPr>
+          <p:nvPr/>
+        </p:nvCxnSpPr>
+        <p:spPr>
+          <a:xfrm>
+            <a:off x="7237928" y="6260524"/>
+            <a:ext cx="910811" cy="0"/>
+          </a:xfrm>
+          <a:prstGeom prst="straightConnector1">
+            <a:avLst/>
+          </a:prstGeom>
+          <a:ln w="19050">
+            <a:solidFill>
+              <a:srgbClr val="0070C0"/>
+            </a:solidFill>
+            <a:prstDash val="sysDash"/>
+            <a:headEnd type="arrow" w="med" len="med"/>
+            <a:tailEnd type="none" w="med" len="med"/>
+          </a:ln>
+        </p:spPr>
+        <p:style>
+          <a:lnRef idx="1">
+            <a:schemeClr val="accent1"/>
+          </a:lnRef>
+          <a:fillRef idx="0">
+            <a:schemeClr val="accent1"/>
+          </a:fillRef>
+          <a:effectRef idx="0">
+            <a:schemeClr val="accent1"/>
+          </a:effectRef>
+          <a:fontRef idx="minor">
+            <a:schemeClr val="tx1"/>
+          </a:fontRef>
+        </p:style>
+      </p:cxnSp>
+      <p:sp>
+        <p:nvSpPr>
+          <p:cNvPr id="93" name="TextBox 92"/>
           <p:cNvSpPr txBox="1"/>
           <p:nvPr/>
         </p:nvSpPr>
         <p:spPr>
           <a:xfrm>
-            <a:off x="8320909" y="2438815"/>
-            <a:ext cx="1835085" cy="153888"/>
+            <a:off x="4197846" y="3893978"/>
+            <a:ext cx="220343" cy="215444"/>
           </a:xfrm>
           <a:prstGeom prst="rect">
             <a:avLst/>
@@ -6064,67 +5386,121 @@
           </a:lstStyle>
           <a:p>
             <a:r>
-              <a:rPr lang="en-US" sz="1000" dirty="0" err="1">
+              <a:rPr lang="en-US" dirty="0">
+                <a:latin typeface="Calibri"/>
+              </a:rPr>
+              <a:t>d</a:t>
+            </a:r>
+          </a:p>
+        </p:txBody>
+      </p:sp>
+      <p:sp>
+        <p:nvSpPr>
+          <p:cNvPr id="40" name="Rectangle 62"/>
+          <p:cNvSpPr/>
+          <p:nvPr/>
+        </p:nvSpPr>
+        <p:spPr>
+          <a:xfrm>
+            <a:off x="5308400" y="1752601"/>
+            <a:ext cx="1778201" cy="432035"/>
+          </a:xfrm>
+          <a:prstGeom prst="rect">
+            <a:avLst/>
+          </a:prstGeom>
+          <a:solidFill>
+            <a:srgbClr val="0070C0"/>
+          </a:solidFill>
+          <a:ln w="19050">
+            <a:solidFill>
+              <a:srgbClr val="0070C0"/>
+            </a:solidFill>
+          </a:ln>
+          <a:effectLst/>
+        </p:spPr>
+        <p:style>
+          <a:lnRef idx="1">
+            <a:schemeClr val="accent2"/>
+          </a:lnRef>
+          <a:fillRef idx="2">
+            <a:schemeClr val="accent2"/>
+          </a:fillRef>
+          <a:effectRef idx="1">
+            <a:schemeClr val="accent2"/>
+          </a:effectRef>
+          <a:fontRef idx="minor">
+            <a:schemeClr val="dk1"/>
+          </a:fontRef>
+        </p:style>
+        <p:txBody>
+          <a:bodyPr rtlCol="0" anchor="ctr"/>
+          <a:lstStyle/>
+          <a:p>
+            <a:pPr algn="ctr"/>
+            <a:r>
+              <a:rPr lang="en-US" sz="1600" dirty="0">
                 <a:solidFill>
-                  <a:srgbClr val="7030A0"/>
+                  <a:prstClr val="white"/>
                 </a:solidFill>
+                <a:latin typeface="Calibri"/>
               </a:rPr>
-              <a:t>lastShownList.get</a:t>
-            </a:r>
-            <a:r>
-              <a:rPr lang="en-US" sz="1000" dirty="0">
+              <a:t>:</a:t>
+            </a:r>
+            <a:r>
+              <a:rPr lang="en-US" sz="1600" dirty="0" err="1">
                 <a:solidFill>
-                  <a:srgbClr val="7030A0"/>
+                  <a:prstClr val="white"/>
                 </a:solidFill>
+                <a:latin typeface="Calibri"/>
               </a:rPr>
-              <a:t>(</a:t>
-            </a:r>
-            <a:r>
-              <a:rPr lang="en-US" sz="1000" dirty="0" err="1">
+              <a:t>PayCommand</a:t>
+            </a:r>
+            <a:endParaRPr lang="en-US" sz="1600" dirty="0">
+              <a:solidFill>
+                <a:prstClr val="white"/>
+              </a:solidFill>
+              <a:latin typeface="Calibri"/>
+            </a:endParaRPr>
+          </a:p>
+          <a:p>
+            <a:pPr algn="ctr"/>
+            <a:r>
+              <a:rPr lang="en-US" sz="1600" dirty="0">
                 <a:solidFill>
-                  <a:srgbClr val="7030A0"/>
+                  <a:prstClr val="white"/>
                 </a:solidFill>
+                <a:latin typeface="Calibri"/>
               </a:rPr>
-              <a:t>idx</a:t>
-            </a:r>
-            <a:r>
-              <a:rPr lang="en-US" sz="1000" dirty="0">
-                <a:solidFill>
-                  <a:srgbClr val="7030A0"/>
-                </a:solidFill>
-              </a:rPr>
-              <a:t>)</a:t>
-            </a:r>
+              <a:t>Parser</a:t>
+            </a:r>
+            <a:endParaRPr lang="en-SG" sz="1600" dirty="0">
+              <a:solidFill>
+                <a:prstClr val="white"/>
+              </a:solidFill>
+              <a:latin typeface="Calibri"/>
+            </a:endParaRPr>
           </a:p>
         </p:txBody>
       </p:sp>
       <p:cxnSp>
         <p:nvCxnSpPr>
-          <p:cNvPr id="71" name="Straight Arrow Connector 70">
-            <a:extLst>
-              <a:ext uri="{FF2B5EF4-FFF2-40B4-BE49-F238E27FC236}">
-                <a16:creationId xmlns:a16="http://schemas.microsoft.com/office/drawing/2014/main" id="{B6554D28-9ED8-485E-A009-F0A0FB964D0A}"/>
-              </a:ext>
-            </a:extLst>
-          </p:cNvPr>
+          <p:cNvPr id="8" name="Straight Arrow Connector 7"/>
           <p:cNvCxnSpPr>
             <a:cxnSpLocks/>
           </p:cNvCxnSpPr>
           <p:nvPr/>
         </p:nvCxnSpPr>
         <p:spPr>
-          <a:xfrm flipV="1">
-            <a:off x="10938214" y="2715042"/>
-            <a:ext cx="1036566" cy="15621"/>
+          <a:xfrm>
+            <a:off x="4967981" y="2539328"/>
+            <a:ext cx="1176315" cy="0"/>
           </a:xfrm>
           <a:prstGeom prst="straightConnector1">
             <a:avLst/>
           </a:prstGeom>
           <a:ln w="19050">
-            <a:solidFill>
-              <a:srgbClr val="7030A0"/>
-            </a:solidFill>
-            <a:tailEnd type="arrow"/>
+            <a:headEnd type="none" w="med" len="med"/>
+            <a:tailEnd type="arrow" w="med" len="med"/>
           </a:ln>
         </p:spPr>
         <p:style>
@@ -6144,10 +5520,487 @@
       </p:cxnSp>
       <p:sp>
         <p:nvSpPr>
-          <p:cNvPr id="72" name="TextBox 71">
+          <p:cNvPr id="45" name="Rectangle 44"/>
+          <p:cNvSpPr/>
+          <p:nvPr/>
+        </p:nvSpPr>
+        <p:spPr>
+          <a:xfrm>
+            <a:off x="6136242" y="2183423"/>
+            <a:ext cx="205843" cy="123165"/>
+          </a:xfrm>
+          <a:prstGeom prst="rect">
+            <a:avLst/>
+          </a:prstGeom>
+          <a:solidFill>
+            <a:srgbClr val="0070C0"/>
+          </a:solidFill>
+          <a:ln>
+            <a:solidFill>
+              <a:srgbClr val="0070C0"/>
+            </a:solidFill>
+          </a:ln>
+          <a:effectLst/>
+        </p:spPr>
+        <p:style>
+          <a:lnRef idx="1">
+            <a:schemeClr val="accent3"/>
+          </a:lnRef>
+          <a:fillRef idx="2">
+            <a:schemeClr val="accent3"/>
+          </a:fillRef>
+          <a:effectRef idx="1">
+            <a:schemeClr val="accent3"/>
+          </a:effectRef>
+          <a:fontRef idx="minor">
+            <a:schemeClr val="dk1"/>
+          </a:fontRef>
+        </p:style>
+        <p:txBody>
+          <a:bodyPr rtlCol="0" anchor="ctr"/>
+          <a:lstStyle/>
+          <a:p>
+            <a:pPr algn="ctr"/>
+            <a:endParaRPr lang="en-SG" sz="1400">
+              <a:solidFill>
+                <a:prstClr val="black"/>
+              </a:solidFill>
+              <a:latin typeface="Calibri"/>
+            </a:endParaRPr>
+          </a:p>
+        </p:txBody>
+      </p:sp>
+      <p:cxnSp>
+        <p:nvCxnSpPr>
+          <p:cNvPr id="46" name="Straight Connector 45"/>
+          <p:cNvCxnSpPr>
+            <a:cxnSpLocks/>
+          </p:cNvCxnSpPr>
+          <p:nvPr/>
+        </p:nvCxnSpPr>
+        <p:spPr>
+          <a:xfrm>
+            <a:off x="6239288" y="2175562"/>
+            <a:ext cx="3799" cy="2135303"/>
+          </a:xfrm>
+          <a:prstGeom prst="line">
+            <a:avLst/>
+          </a:prstGeom>
+          <a:ln w="19050">
+            <a:solidFill>
+              <a:srgbClr val="0070C0"/>
+            </a:solidFill>
+            <a:prstDash val="sysDash"/>
+          </a:ln>
+          <a:effectLst/>
+        </p:spPr>
+        <p:style>
+          <a:lnRef idx="1">
+            <a:schemeClr val="accent1"/>
+          </a:lnRef>
+          <a:fillRef idx="2">
+            <a:schemeClr val="accent1"/>
+          </a:fillRef>
+          <a:effectRef idx="1">
+            <a:schemeClr val="accent1"/>
+          </a:effectRef>
+          <a:fontRef idx="minor">
+            <a:schemeClr val="dk1"/>
+          </a:fontRef>
+        </p:style>
+      </p:cxnSp>
+      <p:sp>
+        <p:nvSpPr>
+          <p:cNvPr id="49" name="Rectangle 48"/>
+          <p:cNvSpPr/>
+          <p:nvPr/>
+        </p:nvSpPr>
+        <p:spPr>
+          <a:xfrm>
+            <a:off x="6144592" y="2539330"/>
+            <a:ext cx="201395" cy="1575470"/>
+          </a:xfrm>
+          <a:prstGeom prst="rect">
+            <a:avLst/>
+          </a:prstGeom>
+          <a:solidFill>
+            <a:srgbClr val="0070C0"/>
+          </a:solidFill>
+          <a:ln>
+            <a:solidFill>
+              <a:srgbClr val="0070C0"/>
+            </a:solidFill>
+          </a:ln>
+          <a:effectLst/>
+        </p:spPr>
+        <p:style>
+          <a:lnRef idx="1">
+            <a:schemeClr val="accent3"/>
+          </a:lnRef>
+          <a:fillRef idx="2">
+            <a:schemeClr val="accent3"/>
+          </a:fillRef>
+          <a:effectRef idx="1">
+            <a:schemeClr val="accent3"/>
+          </a:effectRef>
+          <a:fontRef idx="minor">
+            <a:schemeClr val="dk1"/>
+          </a:fontRef>
+        </p:style>
+        <p:txBody>
+          <a:bodyPr rtlCol="0" anchor="ctr"/>
+          <a:lstStyle/>
+          <a:p>
+            <a:pPr algn="ctr"/>
+            <a:endParaRPr lang="en-SG" sz="1400">
+              <a:solidFill>
+                <a:prstClr val="black"/>
+              </a:solidFill>
+              <a:latin typeface="Calibri"/>
+            </a:endParaRPr>
+          </a:p>
+        </p:txBody>
+      </p:sp>
+      <p:cxnSp>
+        <p:nvCxnSpPr>
+          <p:cNvPr id="51" name="Straight Arrow Connector 50"/>
+          <p:cNvCxnSpPr>
+            <a:cxnSpLocks/>
+          </p:cNvCxnSpPr>
+          <p:nvPr/>
+        </p:nvCxnSpPr>
+        <p:spPr>
+          <a:xfrm>
+            <a:off x="4983520" y="4109061"/>
+            <a:ext cx="1165315" cy="1"/>
+          </a:xfrm>
+          <a:prstGeom prst="straightConnector1">
+            <a:avLst/>
+          </a:prstGeom>
+          <a:ln w="19050">
+            <a:solidFill>
+              <a:srgbClr val="0070C0"/>
+            </a:solidFill>
+            <a:prstDash val="sysDash"/>
+            <a:headEnd type="arrow" w="med" len="med"/>
+            <a:tailEnd type="none" w="med" len="med"/>
+          </a:ln>
+        </p:spPr>
+        <p:style>
+          <a:lnRef idx="1">
+            <a:schemeClr val="accent1"/>
+          </a:lnRef>
+          <a:fillRef idx="0">
+            <a:schemeClr val="accent1"/>
+          </a:fillRef>
+          <a:effectRef idx="0">
+            <a:schemeClr val="accent1"/>
+          </a:effectRef>
+          <a:fontRef idx="minor">
+            <a:schemeClr val="tx1"/>
+          </a:fontRef>
+        </p:style>
+      </p:cxnSp>
+      <p:cxnSp>
+        <p:nvCxnSpPr>
+          <p:cNvPr id="50" name="Straight Arrow Connector 49"/>
+          <p:cNvCxnSpPr>
+            <a:cxnSpLocks/>
+          </p:cNvCxnSpPr>
+          <p:nvPr/>
+        </p:nvCxnSpPr>
+        <p:spPr>
+          <a:xfrm flipV="1">
+            <a:off x="4953001" y="2019751"/>
+            <a:ext cx="358137" cy="3411"/>
+          </a:xfrm>
+          <a:prstGeom prst="straightConnector1">
+            <a:avLst/>
+          </a:prstGeom>
+          <a:ln w="19050">
+            <a:solidFill>
+              <a:srgbClr val="0070C0"/>
+            </a:solidFill>
+            <a:tailEnd type="arrow"/>
+          </a:ln>
+        </p:spPr>
+        <p:style>
+          <a:lnRef idx="1">
+            <a:schemeClr val="accent1"/>
+          </a:lnRef>
+          <a:fillRef idx="0">
+            <a:schemeClr val="accent1"/>
+          </a:fillRef>
+          <a:effectRef idx="0">
+            <a:schemeClr val="accent1"/>
+          </a:effectRef>
+          <a:fontRef idx="minor">
+            <a:schemeClr val="tx1"/>
+          </a:fontRef>
+        </p:style>
+      </p:cxnSp>
+      <p:cxnSp>
+        <p:nvCxnSpPr>
+          <p:cNvPr id="52" name="Straight Arrow Connector 51"/>
+          <p:cNvCxnSpPr>
+            <a:cxnSpLocks/>
+          </p:cNvCxnSpPr>
+          <p:nvPr/>
+        </p:nvCxnSpPr>
+        <p:spPr>
+          <a:xfrm>
+            <a:off x="4983519" y="2298726"/>
+            <a:ext cx="1152846" cy="0"/>
+          </a:xfrm>
+          <a:prstGeom prst="straightConnector1">
+            <a:avLst/>
+          </a:prstGeom>
+          <a:ln w="19050">
+            <a:solidFill>
+              <a:srgbClr val="0070C0"/>
+            </a:solidFill>
+            <a:prstDash val="sysDash"/>
+            <a:headEnd type="arrow" w="med" len="med"/>
+            <a:tailEnd type="none" w="med" len="med"/>
+          </a:ln>
+        </p:spPr>
+        <p:style>
+          <a:lnRef idx="1">
+            <a:schemeClr val="accent1"/>
+          </a:lnRef>
+          <a:fillRef idx="0">
+            <a:schemeClr val="accent1"/>
+          </a:fillRef>
+          <a:effectRef idx="0">
+            <a:schemeClr val="accent1"/>
+          </a:effectRef>
+          <a:fontRef idx="minor">
+            <a:schemeClr val="tx1"/>
+          </a:fontRef>
+        </p:style>
+      </p:cxnSp>
+      <p:sp>
+        <p:nvSpPr>
+          <p:cNvPr id="4" name="TextBox 3"/>
+          <p:cNvSpPr txBox="1"/>
+          <p:nvPr/>
+        </p:nvSpPr>
+        <p:spPr>
+          <a:xfrm>
+            <a:off x="6015902" y="4156741"/>
+            <a:ext cx="463460" cy="261610"/>
+          </a:xfrm>
+          <a:prstGeom prst="rect">
+            <a:avLst/>
+          </a:prstGeom>
+          <a:noFill/>
+        </p:spPr>
+        <p:txBody>
+          <a:bodyPr wrap="square" rtlCol="0">
+            <a:spAutoFit/>
+          </a:bodyPr>
+          <a:lstStyle/>
+          <a:p>
+            <a:r>
+              <a:rPr lang="en-SG" sz="1100" dirty="0">
+                <a:solidFill>
+                  <a:srgbClr val="002060"/>
+                </a:solidFill>
+                <a:latin typeface="Calibri"/>
+              </a:rPr>
+              <a:t>   X</a:t>
+            </a:r>
+          </a:p>
+        </p:txBody>
+      </p:sp>
+      <p:sp>
+        <p:nvSpPr>
+          <p:cNvPr id="74" name="Rectangle 62">
             <a:extLst>
               <a:ext uri="{FF2B5EF4-FFF2-40B4-BE49-F238E27FC236}">
-                <a16:creationId xmlns:a16="http://schemas.microsoft.com/office/drawing/2014/main" id="{ABF2CCCA-9035-421F-A7C6-60B90F96929D}"/>
+                <a16:creationId xmlns:a16="http://schemas.microsoft.com/office/drawing/2014/main" id="{BA39474E-F597-4E14-95A8-87E16492EE8F}"/>
+              </a:ext>
+            </a:extLst>
+          </p:cNvPr>
+          <p:cNvSpPr/>
+          <p:nvPr/>
+        </p:nvSpPr>
+        <p:spPr>
+          <a:xfrm>
+            <a:off x="6743907" y="2942828"/>
+            <a:ext cx="850026" cy="335501"/>
+          </a:xfrm>
+          <a:prstGeom prst="rect">
+            <a:avLst/>
+          </a:prstGeom>
+          <a:solidFill>
+            <a:srgbClr val="0070C0"/>
+          </a:solidFill>
+          <a:ln w="19050">
+            <a:solidFill>
+              <a:srgbClr val="0070C0"/>
+            </a:solidFill>
+          </a:ln>
+          <a:effectLst/>
+        </p:spPr>
+        <p:style>
+          <a:lnRef idx="1">
+            <a:schemeClr val="accent2"/>
+          </a:lnRef>
+          <a:fillRef idx="2">
+            <a:schemeClr val="accent2"/>
+          </a:fillRef>
+          <a:effectRef idx="1">
+            <a:schemeClr val="accent2"/>
+          </a:effectRef>
+          <a:fontRef idx="minor">
+            <a:schemeClr val="dk1"/>
+          </a:fontRef>
+        </p:style>
+        <p:txBody>
+          <a:bodyPr rtlCol="0" anchor="ctr"/>
+          <a:lstStyle/>
+          <a:p>
+            <a:pPr algn="ctr"/>
+            <a:r>
+              <a:rPr lang="en-US" sz="1200" dirty="0">
+                <a:solidFill>
+                  <a:prstClr val="white"/>
+                </a:solidFill>
+                <a:latin typeface="Calibri"/>
+              </a:rPr>
+              <a:t>d:Pay </a:t>
+            </a:r>
+          </a:p>
+          <a:p>
+            <a:pPr algn="ctr"/>
+            <a:r>
+              <a:rPr lang="en-US" sz="1200" dirty="0">
+                <a:solidFill>
+                  <a:prstClr val="white"/>
+                </a:solidFill>
+                <a:latin typeface="Calibri"/>
+              </a:rPr>
+              <a:t>Command</a:t>
+            </a:r>
+            <a:endParaRPr lang="en-SG" sz="1200" dirty="0">
+              <a:solidFill>
+                <a:prstClr val="white"/>
+              </a:solidFill>
+              <a:latin typeface="Calibri"/>
+            </a:endParaRPr>
+          </a:p>
+        </p:txBody>
+      </p:sp>
+      <p:sp>
+        <p:nvSpPr>
+          <p:cNvPr id="85" name="Rectangle 84">
+            <a:extLst>
+              <a:ext uri="{FF2B5EF4-FFF2-40B4-BE49-F238E27FC236}">
+                <a16:creationId xmlns:a16="http://schemas.microsoft.com/office/drawing/2014/main" id="{9DDA8590-D36F-4FBD-868D-D18A142A6461}"/>
+              </a:ext>
+            </a:extLst>
+          </p:cNvPr>
+          <p:cNvSpPr/>
+          <p:nvPr/>
+        </p:nvSpPr>
+        <p:spPr>
+          <a:xfrm>
+            <a:off x="7108920" y="3285313"/>
+            <a:ext cx="125330" cy="847461"/>
+          </a:xfrm>
+          <a:prstGeom prst="rect">
+            <a:avLst/>
+          </a:prstGeom>
+          <a:solidFill>
+            <a:srgbClr val="0070C0"/>
+          </a:solidFill>
+          <a:ln>
+            <a:solidFill>
+              <a:srgbClr val="0070C0"/>
+            </a:solidFill>
+          </a:ln>
+          <a:effectLst/>
+        </p:spPr>
+        <p:style>
+          <a:lnRef idx="1">
+            <a:schemeClr val="accent3"/>
+          </a:lnRef>
+          <a:fillRef idx="2">
+            <a:schemeClr val="accent3"/>
+          </a:fillRef>
+          <a:effectRef idx="1">
+            <a:schemeClr val="accent3"/>
+          </a:effectRef>
+          <a:fontRef idx="minor">
+            <a:schemeClr val="dk1"/>
+          </a:fontRef>
+        </p:style>
+        <p:txBody>
+          <a:bodyPr rtlCol="0" anchor="ctr"/>
+          <a:lstStyle/>
+          <a:p>
+            <a:pPr algn="ctr"/>
+            <a:endParaRPr lang="en-SG" sz="1400">
+              <a:solidFill>
+                <a:prstClr val="black"/>
+              </a:solidFill>
+              <a:latin typeface="Calibri"/>
+            </a:endParaRPr>
+          </a:p>
+        </p:txBody>
+      </p:sp>
+      <p:cxnSp>
+        <p:nvCxnSpPr>
+          <p:cNvPr id="87" name="Straight Arrow Connector 86">
+            <a:extLst>
+              <a:ext uri="{FF2B5EF4-FFF2-40B4-BE49-F238E27FC236}">
+                <a16:creationId xmlns:a16="http://schemas.microsoft.com/office/drawing/2014/main" id="{C1F56654-5A16-4CE7-ADF7-F9BEB172A431}"/>
+              </a:ext>
+            </a:extLst>
+          </p:cNvPr>
+          <p:cNvCxnSpPr>
+            <a:cxnSpLocks/>
+            <a:endCxn id="74" idx="1"/>
+          </p:cNvCxnSpPr>
+          <p:nvPr/>
+        </p:nvCxnSpPr>
+        <p:spPr>
+          <a:xfrm>
+            <a:off x="6369315" y="3108444"/>
+            <a:ext cx="374592" cy="2134"/>
+          </a:xfrm>
+          <a:prstGeom prst="straightConnector1">
+            <a:avLst/>
+          </a:prstGeom>
+          <a:ln w="19050">
+            <a:solidFill>
+              <a:srgbClr val="0070C0"/>
+            </a:solidFill>
+            <a:tailEnd type="arrow"/>
+          </a:ln>
+        </p:spPr>
+        <p:style>
+          <a:lnRef idx="1">
+            <a:schemeClr val="accent1"/>
+          </a:lnRef>
+          <a:fillRef idx="0">
+            <a:schemeClr val="accent1"/>
+          </a:fillRef>
+          <a:effectRef idx="0">
+            <a:schemeClr val="accent1"/>
+          </a:effectRef>
+          <a:fontRef idx="minor">
+            <a:schemeClr val="tx1"/>
+          </a:fontRef>
+        </p:style>
+      </p:cxnSp>
+      <p:sp>
+        <p:nvSpPr>
+          <p:cNvPr id="88" name="TextBox 87">
+            <a:extLst>
+              <a:ext uri="{FF2B5EF4-FFF2-40B4-BE49-F238E27FC236}">
+                <a16:creationId xmlns:a16="http://schemas.microsoft.com/office/drawing/2014/main" id="{2B651A5F-1952-4628-979F-89973D058CC1}"/>
               </a:ext>
             </a:extLst>
           </p:cNvPr>
@@ -6156,8 +6009,8 @@
         </p:nvSpPr>
         <p:spPr>
           <a:xfrm>
-            <a:off x="10999028" y="2525740"/>
-            <a:ext cx="783884" cy="153888"/>
+            <a:off x="6103945" y="3136520"/>
+            <a:ext cx="621216" cy="215444"/>
           </a:xfrm>
           <a:prstGeom prst="rect">
             <a:avLst/>
@@ -6182,30 +6035,111 @@
           </a:lstStyle>
           <a:p>
             <a:r>
-              <a:rPr lang="en-US" sz="1000" dirty="0" err="1">
-                <a:solidFill>
-                  <a:srgbClr val="7030A0"/>
-                </a:solidFill>
+              <a:rPr lang="en-US" dirty="0">
+                <a:latin typeface="Calibri"/>
               </a:rPr>
-              <a:t>getPayment</a:t>
-            </a:r>
-            <a:r>
-              <a:rPr lang="en-US" sz="1000" dirty="0">
-                <a:solidFill>
-                  <a:srgbClr val="7030A0"/>
-                </a:solidFill>
-              </a:rPr>
-              <a:t>()</a:t>
-            </a:r>
-          </a:p>
-        </p:txBody>
-      </p:sp>
-      <p:sp>
-        <p:nvSpPr>
-          <p:cNvPr id="76" name="Rectangle 62">
+              <a:t>P</a:t>
+            </a:r>
+          </a:p>
+        </p:txBody>
+      </p:sp>
+      <p:cxnSp>
+        <p:nvCxnSpPr>
+          <p:cNvPr id="106" name="Straight Arrow Connector 105">
             <a:extLst>
               <a:ext uri="{FF2B5EF4-FFF2-40B4-BE49-F238E27FC236}">
-                <a16:creationId xmlns:a16="http://schemas.microsoft.com/office/drawing/2014/main" id="{CFC2A875-FEAB-432E-8CCF-C1A3DD4EF5FF}"/>
+                <a16:creationId xmlns:a16="http://schemas.microsoft.com/office/drawing/2014/main" id="{864F3666-358B-4E3C-8BA7-F4A36DAA2D3E}"/>
+              </a:ext>
+            </a:extLst>
+          </p:cNvPr>
+          <p:cNvCxnSpPr>
+            <a:cxnSpLocks/>
+            <a:endCxn id="39" idx="1"/>
+          </p:cNvCxnSpPr>
+          <p:nvPr/>
+        </p:nvCxnSpPr>
+        <p:spPr>
+          <a:xfrm flipV="1">
+            <a:off x="7202960" y="5600700"/>
+            <a:ext cx="2267450" cy="13998"/>
+          </a:xfrm>
+          <a:prstGeom prst="straightConnector1">
+            <a:avLst/>
+          </a:prstGeom>
+          <a:ln w="19050">
+            <a:solidFill>
+              <a:srgbClr val="0070C0"/>
+            </a:solidFill>
+            <a:tailEnd type="arrow"/>
+          </a:ln>
+        </p:spPr>
+        <p:style>
+          <a:lnRef idx="1">
+            <a:schemeClr val="accent1"/>
+          </a:lnRef>
+          <a:fillRef idx="0">
+            <a:schemeClr val="accent1"/>
+          </a:fillRef>
+          <a:effectRef idx="0">
+            <a:schemeClr val="accent1"/>
+          </a:effectRef>
+          <a:fontRef idx="minor">
+            <a:schemeClr val="tx1"/>
+          </a:fontRef>
+        </p:style>
+      </p:cxnSp>
+      <p:cxnSp>
+        <p:nvCxnSpPr>
+          <p:cNvPr id="113" name="Straight Arrow Connector 112">
+            <a:extLst>
+              <a:ext uri="{FF2B5EF4-FFF2-40B4-BE49-F238E27FC236}">
+                <a16:creationId xmlns:a16="http://schemas.microsoft.com/office/drawing/2014/main" id="{E9D9E9E0-6F9C-489E-BED1-EEBD1F163A1E}"/>
+              </a:ext>
+            </a:extLst>
+          </p:cNvPr>
+          <p:cNvCxnSpPr>
+            <a:cxnSpLocks/>
+          </p:cNvCxnSpPr>
+          <p:nvPr/>
+        </p:nvCxnSpPr>
+        <p:spPr>
+          <a:xfrm>
+            <a:off x="6361669" y="4109060"/>
+            <a:ext cx="733069" cy="6940"/>
+          </a:xfrm>
+          <a:prstGeom prst="straightConnector1">
+            <a:avLst/>
+          </a:prstGeom>
+          <a:ln w="19050">
+            <a:solidFill>
+              <a:srgbClr val="0070C0"/>
+            </a:solidFill>
+            <a:prstDash val="sysDash"/>
+            <a:headEnd type="arrow" w="med" len="med"/>
+            <a:tailEnd type="none" w="med" len="med"/>
+          </a:ln>
+        </p:spPr>
+        <p:style>
+          <a:lnRef idx="1">
+            <a:schemeClr val="accent1"/>
+          </a:lnRef>
+          <a:fillRef idx="0">
+            <a:schemeClr val="accent1"/>
+          </a:fillRef>
+          <a:effectRef idx="0">
+            <a:schemeClr val="accent1"/>
+          </a:effectRef>
+          <a:fontRef idx="minor">
+            <a:schemeClr val="tx1"/>
+          </a:fontRef>
+        </p:style>
+      </p:cxnSp>
+      <p:sp>
+        <p:nvSpPr>
+          <p:cNvPr id="110" name="Rectangle 62">
+            <a:extLst>
+              <a:ext uri="{FF2B5EF4-FFF2-40B4-BE49-F238E27FC236}">
+                <a16:creationId xmlns:a16="http://schemas.microsoft.com/office/drawing/2014/main" id="{6C968E01-7754-4342-9297-E2BA5581E60B}"/>
               </a:ext>
             </a:extLst>
           </p:cNvPr>
@@ -6214,18 +6148,18 @@
         </p:nvSpPr>
         <p:spPr>
           <a:xfrm>
-            <a:off x="11274249" y="1808638"/>
-            <a:ext cx="1700374" cy="371698"/>
+            <a:off x="8161050" y="4362517"/>
+            <a:ext cx="926621" cy="230693"/>
           </a:xfrm>
           <a:prstGeom prst="rect">
             <a:avLst/>
           </a:prstGeom>
           <a:solidFill>
-            <a:srgbClr val="7030A0"/>
+            <a:srgbClr val="0070C0"/>
           </a:solidFill>
           <a:ln w="19050">
             <a:solidFill>
-              <a:srgbClr val="7030A0"/>
+              <a:srgbClr val="0070C0"/>
             </a:solidFill>
           </a:ln>
           <a:effectLst/>
@@ -6250,72 +6184,29 @@
           <a:p>
             <a:pPr algn="ctr"/>
             <a:r>
-              <a:rPr lang="en-US" sz="1600" dirty="0">
+              <a:rPr lang="en-US" sz="1200" dirty="0">
                 <a:solidFill>
-                  <a:schemeClr val="bg1"/>
+                  <a:prstClr val="white"/>
                 </a:solidFill>
+                <a:latin typeface="Calibri"/>
               </a:rPr>
-              <a:t>p:List&lt;Payment&gt;</a:t>
-            </a:r>
-            <a:endParaRPr lang="en-SG" sz="1600" dirty="0">
+              <a:t>t:Person</a:t>
+            </a:r>
+            <a:endParaRPr lang="en-SG" sz="1200" dirty="0">
               <a:solidFill>
-                <a:schemeClr val="bg1"/>
+                <a:prstClr val="white"/>
               </a:solidFill>
+              <a:latin typeface="Calibri"/>
             </a:endParaRPr>
           </a:p>
         </p:txBody>
       </p:sp>
-      <p:cxnSp>
-        <p:nvCxnSpPr>
-          <p:cNvPr id="77" name="Straight Connector 76">
+      <p:sp>
+        <p:nvSpPr>
+          <p:cNvPr id="111" name="Rectangle 110">
             <a:extLst>
               <a:ext uri="{FF2B5EF4-FFF2-40B4-BE49-F238E27FC236}">
-                <a16:creationId xmlns:a16="http://schemas.microsoft.com/office/drawing/2014/main" id="{BA8BECD2-0CA1-4FEB-A3A2-965466DD5954}"/>
-              </a:ext>
-            </a:extLst>
-          </p:cNvPr>
-          <p:cNvCxnSpPr>
-            <a:cxnSpLocks/>
-          </p:cNvCxnSpPr>
-          <p:nvPr/>
-        </p:nvCxnSpPr>
-        <p:spPr>
-          <a:xfrm flipH="1">
-            <a:off x="12081207" y="2148280"/>
-            <a:ext cx="7309" cy="2677224"/>
-          </a:xfrm>
-          <a:prstGeom prst="line">
-            <a:avLst/>
-          </a:prstGeom>
-          <a:ln w="19050">
-            <a:solidFill>
-              <a:srgbClr val="7030A0"/>
-            </a:solidFill>
-            <a:prstDash val="sysDash"/>
-          </a:ln>
-          <a:effectLst/>
-        </p:spPr>
-        <p:style>
-          <a:lnRef idx="1">
-            <a:schemeClr val="accent1"/>
-          </a:lnRef>
-          <a:fillRef idx="2">
-            <a:schemeClr val="accent1"/>
-          </a:fillRef>
-          <a:effectRef idx="1">
-            <a:schemeClr val="accent1"/>
-          </a:effectRef>
-          <a:fontRef idx="minor">
-            <a:schemeClr val="dk1"/>
-          </a:fontRef>
-        </p:style>
-      </p:cxnSp>
-      <p:sp>
-        <p:nvSpPr>
-          <p:cNvPr id="78" name="Rectangle 77">
-            <a:extLst>
-              <a:ext uri="{FF2B5EF4-FFF2-40B4-BE49-F238E27FC236}">
-                <a16:creationId xmlns:a16="http://schemas.microsoft.com/office/drawing/2014/main" id="{A6A13538-91B9-46F6-97E4-AACC3867F20E}"/>
+                <a16:creationId xmlns:a16="http://schemas.microsoft.com/office/drawing/2014/main" id="{A4F5D6F6-860A-4BB1-995A-ABEB11B7279E}"/>
               </a:ext>
             </a:extLst>
           </p:cNvPr>
@@ -6324,18 +6215,18 @@
         </p:nvSpPr>
         <p:spPr>
           <a:xfrm>
-            <a:off x="11974780" y="2180613"/>
-            <a:ext cx="212693" cy="1134430"/>
+            <a:off x="8529165" y="4593752"/>
+            <a:ext cx="144923" cy="102175"/>
           </a:xfrm>
           <a:prstGeom prst="rect">
             <a:avLst/>
           </a:prstGeom>
           <a:solidFill>
-            <a:srgbClr val="7030A0"/>
+            <a:srgbClr val="0070C0"/>
           </a:solidFill>
           <a:ln>
             <a:solidFill>
-              <a:srgbClr val="7030A0"/>
+              <a:srgbClr val="0070C0"/>
             </a:solidFill>
           </a:ln>
           <a:effectLst/>
@@ -6359,16 +6250,167 @@
           <a:lstStyle/>
           <a:p>
             <a:pPr algn="ctr"/>
-            <a:endParaRPr lang="en-SG" sz="1400"/>
-          </a:p>
-        </p:txBody>
-      </p:sp>
-      <p:sp>
-        <p:nvSpPr>
-          <p:cNvPr id="14" name="Rectangle: Rounded Corners 13">
+            <a:endParaRPr lang="en-SG" sz="1400">
+              <a:solidFill>
+                <a:prstClr val="black"/>
+              </a:solidFill>
+              <a:latin typeface="Calibri"/>
+            </a:endParaRPr>
+          </a:p>
+        </p:txBody>
+      </p:sp>
+      <p:cxnSp>
+        <p:nvCxnSpPr>
+          <p:cNvPr id="112" name="Straight Arrow Connector 111">
             <a:extLst>
               <a:ext uri="{FF2B5EF4-FFF2-40B4-BE49-F238E27FC236}">
-                <a16:creationId xmlns:a16="http://schemas.microsoft.com/office/drawing/2014/main" id="{30D12409-DDF4-414C-BDA3-64859131FEFE}"/>
+                <a16:creationId xmlns:a16="http://schemas.microsoft.com/office/drawing/2014/main" id="{FEE17AA2-658D-481B-B7CA-63854583D595}"/>
+              </a:ext>
+            </a:extLst>
+          </p:cNvPr>
+          <p:cNvCxnSpPr>
+            <a:cxnSpLocks/>
+            <a:endCxn id="110" idx="1"/>
+          </p:cNvCxnSpPr>
+          <p:nvPr/>
+        </p:nvCxnSpPr>
+        <p:spPr>
+          <a:xfrm>
+            <a:off x="7235979" y="4476947"/>
+            <a:ext cx="925070" cy="916"/>
+          </a:xfrm>
+          <a:prstGeom prst="straightConnector1">
+            <a:avLst/>
+          </a:prstGeom>
+          <a:ln w="19050">
+            <a:solidFill>
+              <a:srgbClr val="0070C0"/>
+            </a:solidFill>
+            <a:tailEnd type="arrow"/>
+          </a:ln>
+        </p:spPr>
+        <p:style>
+          <a:lnRef idx="1">
+            <a:schemeClr val="accent1"/>
+          </a:lnRef>
+          <a:fillRef idx="0">
+            <a:schemeClr val="accent1"/>
+          </a:fillRef>
+          <a:effectRef idx="0">
+            <a:schemeClr val="accent1"/>
+          </a:effectRef>
+          <a:fontRef idx="minor">
+            <a:schemeClr val="tx1"/>
+          </a:fontRef>
+        </p:style>
+      </p:cxnSp>
+      <p:sp>
+        <p:nvSpPr>
+          <p:cNvPr id="117" name="TextBox 116">
+            <a:extLst>
+              <a:ext uri="{FF2B5EF4-FFF2-40B4-BE49-F238E27FC236}">
+                <a16:creationId xmlns:a16="http://schemas.microsoft.com/office/drawing/2014/main" id="{024BEC88-DBB1-4E3E-B95C-397D4C80ABF8}"/>
+              </a:ext>
+            </a:extLst>
+          </p:cNvPr>
+          <p:cNvSpPr txBox="1"/>
+          <p:nvPr/>
+        </p:nvSpPr>
+        <p:spPr>
+          <a:xfrm>
+            <a:off x="6989880" y="4308655"/>
+            <a:ext cx="1150818" cy="107722"/>
+          </a:xfrm>
+          <a:prstGeom prst="rect">
+            <a:avLst/>
+          </a:prstGeom>
+          <a:noFill/>
+        </p:spPr>
+        <p:txBody>
+          <a:bodyPr wrap="square" lIns="0" tIns="0" rIns="0" bIns="0" rtlCol="0">
+            <a:spAutoFit/>
+          </a:bodyPr>
+          <a:lstStyle>
+            <a:defPPr>
+              <a:defRPr lang="en-US"/>
+            </a:defPPr>
+            <a:lvl1pPr algn="r">
+              <a:defRPr sz="1400">
+                <a:solidFill>
+                  <a:srgbClr val="0070C0"/>
+                </a:solidFill>
+              </a:defRPr>
+            </a:lvl1pPr>
+          </a:lstStyle>
+          <a:p>
+            <a:r>
+              <a:rPr lang="en-US" sz="700" dirty="0" err="1">
+                <a:latin typeface="Calibri"/>
+              </a:rPr>
+              <a:t>lastShownList.get</a:t>
+            </a:r>
+            <a:r>
+              <a:rPr lang="en-US" sz="700" dirty="0">
+                <a:latin typeface="Calibri"/>
+              </a:rPr>
+              <a:t>(index)</a:t>
+            </a:r>
+          </a:p>
+        </p:txBody>
+      </p:sp>
+      <p:cxnSp>
+        <p:nvCxnSpPr>
+          <p:cNvPr id="120" name="Straight Arrow Connector 119">
+            <a:extLst>
+              <a:ext uri="{FF2B5EF4-FFF2-40B4-BE49-F238E27FC236}">
+                <a16:creationId xmlns:a16="http://schemas.microsoft.com/office/drawing/2014/main" id="{7589CB95-3C96-4E2E-A917-2029539A6549}"/>
+              </a:ext>
+            </a:extLst>
+          </p:cNvPr>
+          <p:cNvCxnSpPr>
+            <a:cxnSpLocks/>
+            <a:endCxn id="111" idx="2"/>
+          </p:cNvCxnSpPr>
+          <p:nvPr/>
+        </p:nvCxnSpPr>
+        <p:spPr>
+          <a:xfrm>
+            <a:off x="7244116" y="4692004"/>
+            <a:ext cx="1357510" cy="3923"/>
+          </a:xfrm>
+          <a:prstGeom prst="straightConnector1">
+            <a:avLst/>
+          </a:prstGeom>
+          <a:ln w="19050">
+            <a:solidFill>
+              <a:srgbClr val="0070C0"/>
+            </a:solidFill>
+            <a:prstDash val="sysDash"/>
+            <a:headEnd type="arrow" w="med" len="med"/>
+            <a:tailEnd type="none" w="med" len="med"/>
+          </a:ln>
+        </p:spPr>
+        <p:style>
+          <a:lnRef idx="1">
+            <a:schemeClr val="accent1"/>
+          </a:lnRef>
+          <a:fillRef idx="0">
+            <a:schemeClr val="accent1"/>
+          </a:fillRef>
+          <a:effectRef idx="0">
+            <a:schemeClr val="accent1"/>
+          </a:effectRef>
+          <a:fontRef idx="minor">
+            <a:schemeClr val="tx1"/>
+          </a:fontRef>
+        </p:style>
+      </p:cxnSp>
+      <p:sp>
+        <p:nvSpPr>
+          <p:cNvPr id="124" name="Rectangle 123">
+            <a:extLst>
+              <a:ext uri="{FF2B5EF4-FFF2-40B4-BE49-F238E27FC236}">
+                <a16:creationId xmlns:a16="http://schemas.microsoft.com/office/drawing/2014/main" id="{01771306-C7F0-43DF-8B5E-58AE678F2DD3}"/>
               </a:ext>
             </a:extLst>
           </p:cNvPr>
@@ -6377,123 +6419,34 @@
         </p:nvSpPr>
         <p:spPr>
           <a:xfrm>
-            <a:off x="11377270" y="2793079"/>
-            <a:ext cx="1297488" cy="461529"/>
-          </a:xfrm>
-          <a:prstGeom prst="roundRect">
-            <a:avLst/>
-          </a:prstGeom>
-          <a:solidFill>
-            <a:schemeClr val="accent4">
-              <a:lumMod val="20000"/>
-              <a:lumOff val="80000"/>
-            </a:schemeClr>
-          </a:solidFill>
-          <a:ln>
-            <a:noFill/>
-          </a:ln>
-        </p:spPr>
-        <p:style>
-          <a:lnRef idx="2">
-            <a:schemeClr val="accent1">
-              <a:shade val="50000"/>
-            </a:schemeClr>
-          </a:lnRef>
-          <a:fillRef idx="1">
-            <a:schemeClr val="accent1"/>
-          </a:fillRef>
-          <a:effectRef idx="0">
-            <a:schemeClr val="accent1"/>
-          </a:effectRef>
-          <a:fontRef idx="minor">
-            <a:schemeClr val="lt1"/>
-          </a:fontRef>
-        </p:style>
-        <p:txBody>
-          <a:bodyPr rtlCol="0" anchor="ctr"/>
-          <a:lstStyle/>
-          <a:p>
-            <a:pPr algn="ctr"/>
-            <a:endParaRPr lang="en-GB"/>
-          </a:p>
-        </p:txBody>
-      </p:sp>
-      <p:sp>
-        <p:nvSpPr>
-          <p:cNvPr id="15" name="TextBox 14">
-            <a:extLst>
-              <a:ext uri="{FF2B5EF4-FFF2-40B4-BE49-F238E27FC236}">
-                <a16:creationId xmlns:a16="http://schemas.microsoft.com/office/drawing/2014/main" id="{5D379D9B-D7E5-493E-9F93-1D7C0E3BE2D6}"/>
-              </a:ext>
-            </a:extLst>
-          </p:cNvPr>
-          <p:cNvSpPr txBox="1"/>
-          <p:nvPr/>
-        </p:nvSpPr>
-        <p:spPr>
-          <a:xfrm>
-            <a:off x="11357527" y="2749779"/>
-            <a:ext cx="708001" cy="215444"/>
-          </a:xfrm>
-          <a:prstGeom prst="rect">
-            <a:avLst/>
-          </a:prstGeom>
-          <a:noFill/>
-        </p:spPr>
-        <p:txBody>
-          <a:bodyPr wrap="square" rtlCol="0">
-            <a:spAutoFit/>
-          </a:bodyPr>
-          <a:lstStyle/>
-          <a:p>
-            <a:r>
-              <a:rPr lang="en-GB" sz="800" dirty="0"/>
-              <a:t>[Loop]</a:t>
-            </a:r>
-          </a:p>
-        </p:txBody>
-      </p:sp>
-      <p:sp>
-        <p:nvSpPr>
-          <p:cNvPr id="22" name="Rectangle 21">
-            <a:extLst>
-              <a:ext uri="{FF2B5EF4-FFF2-40B4-BE49-F238E27FC236}">
-                <a16:creationId xmlns:a16="http://schemas.microsoft.com/office/drawing/2014/main" id="{50F34A36-EB50-48EC-9F9E-715B6A699E73}"/>
-              </a:ext>
-            </a:extLst>
-          </p:cNvPr>
-          <p:cNvSpPr/>
-          <p:nvPr/>
-        </p:nvSpPr>
-        <p:spPr>
-          <a:xfrm>
-            <a:off x="11527012" y="2919553"/>
-            <a:ext cx="1097082" cy="263435"/>
+            <a:off x="8548015" y="5077292"/>
+            <a:ext cx="135553" cy="327233"/>
           </a:xfrm>
           <a:prstGeom prst="rect">
             <a:avLst/>
           </a:prstGeom>
           <a:solidFill>
-            <a:schemeClr val="accent2">
-              <a:lumMod val="20000"/>
-              <a:lumOff val="80000"/>
-            </a:schemeClr>
+            <a:srgbClr val="0070C0"/>
           </a:solidFill>
+          <a:ln>
+            <a:solidFill>
+              <a:srgbClr val="0070C0"/>
+            </a:solidFill>
+          </a:ln>
+          <a:effectLst/>
         </p:spPr>
         <p:style>
-          <a:lnRef idx="2">
-            <a:schemeClr val="accent1">
-              <a:shade val="50000"/>
-            </a:schemeClr>
+          <a:lnRef idx="1">
+            <a:schemeClr val="accent3"/>
           </a:lnRef>
-          <a:fillRef idx="1">
-            <a:schemeClr val="accent1"/>
+          <a:fillRef idx="2">
+            <a:schemeClr val="accent3"/>
           </a:fillRef>
-          <a:effectRef idx="0">
-            <a:schemeClr val="accent1"/>
+          <a:effectRef idx="1">
+            <a:schemeClr val="accent3"/>
           </a:effectRef>
           <a:fontRef idx="minor">
-            <a:schemeClr val="lt1"/>
+            <a:schemeClr val="dk1"/>
           </a:fontRef>
         </p:style>
         <p:txBody>
@@ -6501,54 +6454,43 @@
           <a:lstStyle/>
           <a:p>
             <a:pPr algn="ctr"/>
-            <a:r>
-              <a:rPr lang="en-GB" sz="1000" dirty="0" err="1">
-                <a:solidFill>
-                  <a:schemeClr val="tx1"/>
-                </a:solidFill>
-              </a:rPr>
-              <a:t>Opt</a:t>
-            </a:r>
-            <a:r>
-              <a:rPr lang="en-GB" sz="1000" dirty="0">
-                <a:solidFill>
-                  <a:schemeClr val="tx1"/>
-                </a:solidFill>
-              </a:rPr>
-              <a:t>[day/month equals]</a:t>
-            </a:r>
+            <a:endParaRPr lang="en-SG" sz="1400">
+              <a:solidFill>
+                <a:prstClr val="black"/>
+              </a:solidFill>
+              <a:latin typeface="Calibri"/>
+            </a:endParaRPr>
           </a:p>
         </p:txBody>
       </p:sp>
       <p:cxnSp>
         <p:nvCxnSpPr>
-          <p:cNvPr id="85" name="Straight Arrow Connector 84">
+          <p:cNvPr id="127" name="Straight Arrow Connector 126">
             <a:extLst>
               <a:ext uri="{FF2B5EF4-FFF2-40B4-BE49-F238E27FC236}">
-                <a16:creationId xmlns:a16="http://schemas.microsoft.com/office/drawing/2014/main" id="{330F3581-D24F-47C7-ABB1-2EAB14A360B8}"/>
+                <a16:creationId xmlns:a16="http://schemas.microsoft.com/office/drawing/2014/main" id="{A8591612-65D1-4A60-B224-1C58D3BA2529}"/>
               </a:ext>
             </a:extLst>
           </p:cNvPr>
           <p:cNvCxnSpPr>
             <a:cxnSpLocks/>
+            <a:endCxn id="151" idx="1"/>
           </p:cNvCxnSpPr>
           <p:nvPr/>
         </p:nvCxnSpPr>
         <p:spPr>
-          <a:xfrm>
-            <a:off x="10970916" y="3260234"/>
-            <a:ext cx="1003864" cy="1"/>
+          <a:xfrm flipV="1">
+            <a:off x="7235979" y="4948093"/>
+            <a:ext cx="925070" cy="4908"/>
           </a:xfrm>
           <a:prstGeom prst="straightConnector1">
             <a:avLst/>
           </a:prstGeom>
           <a:ln w="19050">
             <a:solidFill>
-              <a:srgbClr val="7030A0"/>
+              <a:srgbClr val="0070C0"/>
             </a:solidFill>
-            <a:prstDash val="sysDash"/>
-            <a:headEnd type="arrow" w="med" len="med"/>
-            <a:tailEnd type="none" w="med" len="med"/>
+            <a:tailEnd type="arrow"/>
           </a:ln>
         </p:spPr>
         <p:style>
@@ -6568,29 +6510,30 @@
       </p:cxnSp>
       <p:cxnSp>
         <p:nvCxnSpPr>
-          <p:cNvPr id="87" name="Straight Arrow Connector 86">
+          <p:cNvPr id="128" name="Straight Arrow Connector 127">
             <a:extLst>
               <a:ext uri="{FF2B5EF4-FFF2-40B4-BE49-F238E27FC236}">
-                <a16:creationId xmlns:a16="http://schemas.microsoft.com/office/drawing/2014/main" id="{19CF7CD8-7E40-44F5-86E9-B6BEE4F52E48}"/>
+                <a16:creationId xmlns:a16="http://schemas.microsoft.com/office/drawing/2014/main" id="{097DD719-DCCB-41D3-B322-B838EE20C18C}"/>
               </a:ext>
             </a:extLst>
           </p:cNvPr>
           <p:cNvCxnSpPr>
             <a:cxnSpLocks/>
+            <a:endCxn id="124" idx="2"/>
           </p:cNvCxnSpPr>
           <p:nvPr/>
         </p:nvCxnSpPr>
         <p:spPr>
           <a:xfrm>
-            <a:off x="8307874" y="3309713"/>
-            <a:ext cx="2442164" cy="0"/>
+            <a:off x="7244117" y="5404524"/>
+            <a:ext cx="1371675" cy="0"/>
           </a:xfrm>
           <a:prstGeom prst="straightConnector1">
             <a:avLst/>
           </a:prstGeom>
           <a:ln w="19050">
             <a:solidFill>
-              <a:srgbClr val="7030A0"/>
+              <a:srgbClr val="0070C0"/>
             </a:solidFill>
             <a:prstDash val="sysDash"/>
             <a:headEnd type="arrow" w="med" len="med"/>
@@ -6612,10 +6555,77 @@
           </a:fontRef>
         </p:style>
       </p:cxnSp>
+      <p:sp>
+        <p:nvSpPr>
+          <p:cNvPr id="151" name="Rectangle 62">
+            <a:extLst>
+              <a:ext uri="{FF2B5EF4-FFF2-40B4-BE49-F238E27FC236}">
+                <a16:creationId xmlns:a16="http://schemas.microsoft.com/office/drawing/2014/main" id="{E6B25D8A-1B38-49D7-B8F6-23AAE389A47C}"/>
+              </a:ext>
+            </a:extLst>
+          </p:cNvPr>
+          <p:cNvSpPr/>
+          <p:nvPr/>
+        </p:nvSpPr>
+        <p:spPr>
+          <a:xfrm>
+            <a:off x="8161050" y="4832747"/>
+            <a:ext cx="926621" cy="230693"/>
+          </a:xfrm>
+          <a:prstGeom prst="rect">
+            <a:avLst/>
+          </a:prstGeom>
+          <a:solidFill>
+            <a:srgbClr val="0070C0"/>
+          </a:solidFill>
+          <a:ln w="19050">
+            <a:solidFill>
+              <a:srgbClr val="0070C0"/>
+            </a:solidFill>
+          </a:ln>
+          <a:effectLst/>
+        </p:spPr>
+        <p:style>
+          <a:lnRef idx="1">
+            <a:schemeClr val="accent2"/>
+          </a:lnRef>
+          <a:fillRef idx="2">
+            <a:schemeClr val="accent2"/>
+          </a:fillRef>
+          <a:effectRef idx="1">
+            <a:schemeClr val="accent2"/>
+          </a:effectRef>
+          <a:fontRef idx="minor">
+            <a:schemeClr val="dk1"/>
+          </a:fontRef>
+        </p:style>
+        <p:txBody>
+          <a:bodyPr rtlCol="0" anchor="ctr"/>
+          <a:lstStyle/>
+          <a:p>
+            <a:pPr algn="ctr"/>
+            <a:r>
+              <a:rPr lang="en-US" sz="1000" dirty="0" err="1">
+                <a:solidFill>
+                  <a:prstClr val="white"/>
+                </a:solidFill>
+                <a:latin typeface="Calibri"/>
+              </a:rPr>
+              <a:t>edited:Person</a:t>
+            </a:r>
+            <a:endParaRPr lang="en-SG" sz="1000" dirty="0">
+              <a:solidFill>
+                <a:prstClr val="white"/>
+              </a:solidFill>
+              <a:latin typeface="Calibri"/>
+            </a:endParaRPr>
+          </a:p>
+        </p:txBody>
+      </p:sp>
     </p:spTree>
     <p:extLst>
       <p:ext uri="{BB962C8B-B14F-4D97-AF65-F5344CB8AC3E}">
-        <p14:creationId xmlns:p14="http://schemas.microsoft.com/office/powerpoint/2010/main" val="1184656832"/>
+        <p14:creationId xmlns:p14="http://schemas.microsoft.com/office/powerpoint/2010/main" val="698901311"/>
       </p:ext>
     </p:extLst>
   </p:cSld>
@@ -6626,7 +6636,7 @@
 </file>
 
 <file path=ppt/theme/theme1.xml><?xml version="1.0" encoding="utf-8"?>
-<a:theme xmlns:a="http://schemas.openxmlformats.org/drawingml/2006/main" name="Office Theme">
+<a:theme xmlns:a="http://schemas.openxmlformats.org/drawingml/2006/main" name="1_Office Theme">
   <a:themeElements>
     <a:clrScheme name="Office">
       <a:dk1>
@@ -6636,39 +6646,39 @@
         <a:sysClr val="window" lastClr="FFFFFF"/>
       </a:lt1>
       <a:dk2>
-        <a:srgbClr val="44546A"/>
+        <a:srgbClr val="1F497D"/>
       </a:dk2>
       <a:lt2>
-        <a:srgbClr val="E7E6E6"/>
+        <a:srgbClr val="EEECE1"/>
       </a:lt2>
       <a:accent1>
-        <a:srgbClr val="5B9BD5"/>
+        <a:srgbClr val="4F81BD"/>
       </a:accent1>
       <a:accent2>
-        <a:srgbClr val="ED7D31"/>
+        <a:srgbClr val="C0504D"/>
       </a:accent2>
       <a:accent3>
-        <a:srgbClr val="A5A5A5"/>
+        <a:srgbClr val="9BBB59"/>
       </a:accent3>
       <a:accent4>
-        <a:srgbClr val="FFC000"/>
+        <a:srgbClr val="8064A2"/>
       </a:accent4>
       <a:accent5>
-        <a:srgbClr val="4472C4"/>
+        <a:srgbClr val="4BACC6"/>
       </a:accent5>
       <a:accent6>
-        <a:srgbClr val="70AD47"/>
+        <a:srgbClr val="F79646"/>
       </a:accent6>
       <a:hlink>
-        <a:srgbClr val="0563C1"/>
+        <a:srgbClr val="0000FF"/>
       </a:hlink>
       <a:folHlink>
-        <a:srgbClr val="954F72"/>
+        <a:srgbClr val="800080"/>
       </a:folHlink>
     </a:clrScheme>
     <a:fontScheme name="Office">
       <a:majorFont>
-        <a:latin typeface="Calibri Light" panose="020F0302020204030204"/>
+        <a:latin typeface="Calibri"/>
         <a:ea typeface=""/>
         <a:cs typeface=""/>
         <a:font script="Jpan" typeface="ＭＳ Ｐゴシック"/>
@@ -6703,7 +6713,7 @@
         <a:font script="Geor" typeface="Sylfaen"/>
       </a:majorFont>
       <a:minorFont>
-        <a:latin typeface="Calibri" panose="020F0502020204030204"/>
+        <a:latin typeface="Calibri"/>
         <a:ea typeface=""/>
         <a:cs typeface=""/>
         <a:font script="Jpan" typeface="ＭＳ Ｐゴシック"/>
@@ -6747,142 +6757,166 @@
           <a:gsLst>
             <a:gs pos="0">
               <a:schemeClr val="phClr">
-                <a:lumMod val="110000"/>
-                <a:satMod val="105000"/>
-                <a:tint val="67000"/>
+                <a:tint val="50000"/>
+                <a:satMod val="300000"/>
               </a:schemeClr>
             </a:gs>
-            <a:gs pos="50000">
+            <a:gs pos="35000">
               <a:schemeClr val="phClr">
-                <a:lumMod val="105000"/>
-                <a:satMod val="103000"/>
-                <a:tint val="73000"/>
+                <a:tint val="37000"/>
+                <a:satMod val="300000"/>
               </a:schemeClr>
             </a:gs>
             <a:gs pos="100000">
               <a:schemeClr val="phClr">
-                <a:lumMod val="105000"/>
-                <a:satMod val="109000"/>
-                <a:tint val="81000"/>
+                <a:tint val="15000"/>
+                <a:satMod val="350000"/>
               </a:schemeClr>
             </a:gs>
           </a:gsLst>
-          <a:lin ang="5400000" scaled="0"/>
+          <a:lin ang="16200000" scaled="1"/>
         </a:gradFill>
         <a:gradFill rotWithShape="1">
           <a:gsLst>
             <a:gs pos="0">
               <a:schemeClr val="phClr">
-                <a:satMod val="103000"/>
-                <a:lumMod val="102000"/>
-                <a:tint val="94000"/>
+                <a:shade val="51000"/>
+                <a:satMod val="130000"/>
               </a:schemeClr>
             </a:gs>
-            <a:gs pos="50000">
+            <a:gs pos="80000">
               <a:schemeClr val="phClr">
-                <a:satMod val="110000"/>
-                <a:lumMod val="100000"/>
-                <a:shade val="100000"/>
+                <a:shade val="93000"/>
+                <a:satMod val="130000"/>
               </a:schemeClr>
             </a:gs>
             <a:gs pos="100000">
               <a:schemeClr val="phClr">
-                <a:lumMod val="99000"/>
-                <a:satMod val="120000"/>
-                <a:shade val="78000"/>
+                <a:shade val="94000"/>
+                <a:satMod val="135000"/>
               </a:schemeClr>
             </a:gs>
           </a:gsLst>
-          <a:lin ang="5400000" scaled="0"/>
+          <a:lin ang="16200000" scaled="0"/>
         </a:gradFill>
       </a:fillStyleLst>
       <a:lnStyleLst>
-        <a:ln w="6350" cap="flat" cmpd="sng" algn="ctr">
+        <a:ln w="9525" cap="flat" cmpd="sng" algn="ctr">
+          <a:solidFill>
+            <a:schemeClr val="phClr">
+              <a:shade val="95000"/>
+              <a:satMod val="105000"/>
+            </a:schemeClr>
+          </a:solidFill>
+          <a:prstDash val="solid"/>
+        </a:ln>
+        <a:ln w="25400" cap="flat" cmpd="sng" algn="ctr">
           <a:solidFill>
             <a:schemeClr val="phClr"/>
           </a:solidFill>
           <a:prstDash val="solid"/>
-          <a:miter lim="800000"/>
         </a:ln>
-        <a:ln w="12700" cap="flat" cmpd="sng" algn="ctr">
+        <a:ln w="38100" cap="flat" cmpd="sng" algn="ctr">
           <a:solidFill>
             <a:schemeClr val="phClr"/>
           </a:solidFill>
           <a:prstDash val="solid"/>
-          <a:miter lim="800000"/>
-        </a:ln>
-        <a:ln w="19050" cap="flat" cmpd="sng" algn="ctr">
-          <a:solidFill>
-            <a:schemeClr val="phClr"/>
-          </a:solidFill>
-          <a:prstDash val="solid"/>
-          <a:miter lim="800000"/>
         </a:ln>
       </a:lnStyleLst>
       <a:effectStyleLst>
         <a:effectStyle>
-          <a:effectLst/>
-        </a:effectStyle>
-        <a:effectStyle>
-          <a:effectLst/>
+          <a:effectLst>
+            <a:outerShdw blurRad="40000" dist="20000" dir="5400000" rotWithShape="0">
+              <a:srgbClr val="000000">
+                <a:alpha val="38000"/>
+              </a:srgbClr>
+            </a:outerShdw>
+          </a:effectLst>
         </a:effectStyle>
         <a:effectStyle>
           <a:effectLst>
-            <a:outerShdw blurRad="57150" dist="19050" dir="5400000" algn="ctr" rotWithShape="0">
+            <a:outerShdw blurRad="40000" dist="23000" dir="5400000" rotWithShape="0">
               <a:srgbClr val="000000">
-                <a:alpha val="63000"/>
+                <a:alpha val="35000"/>
               </a:srgbClr>
             </a:outerShdw>
           </a:effectLst>
+        </a:effectStyle>
+        <a:effectStyle>
+          <a:effectLst>
+            <a:outerShdw blurRad="40000" dist="23000" dir="5400000" rotWithShape="0">
+              <a:srgbClr val="000000">
+                <a:alpha val="35000"/>
+              </a:srgbClr>
+            </a:outerShdw>
+          </a:effectLst>
+          <a:scene3d>
+            <a:camera prst="orthographicFront">
+              <a:rot lat="0" lon="0" rev="0"/>
+            </a:camera>
+            <a:lightRig rig="threePt" dir="t">
+              <a:rot lat="0" lon="0" rev="1200000"/>
+            </a:lightRig>
+          </a:scene3d>
+          <a:sp3d>
+            <a:bevelT w="63500" h="25400"/>
+          </a:sp3d>
         </a:effectStyle>
       </a:effectStyleLst>
       <a:bgFillStyleLst>
         <a:solidFill>
           <a:schemeClr val="phClr"/>
         </a:solidFill>
-        <a:solidFill>
-          <a:schemeClr val="phClr">
-            <a:tint val="95000"/>
-            <a:satMod val="170000"/>
-          </a:schemeClr>
-        </a:solidFill>
         <a:gradFill rotWithShape="1">
           <a:gsLst>
             <a:gs pos="0">
               <a:schemeClr val="phClr">
-                <a:tint val="93000"/>
-                <a:satMod val="150000"/>
-                <a:shade val="98000"/>
-                <a:lumMod val="102000"/>
+                <a:tint val="40000"/>
+                <a:satMod val="350000"/>
               </a:schemeClr>
             </a:gs>
-            <a:gs pos="50000">
+            <a:gs pos="40000">
               <a:schemeClr val="phClr">
-                <a:tint val="98000"/>
-                <a:satMod val="130000"/>
-                <a:shade val="90000"/>
-                <a:lumMod val="103000"/>
+                <a:tint val="45000"/>
+                <a:shade val="99000"/>
+                <a:satMod val="350000"/>
               </a:schemeClr>
             </a:gs>
             <a:gs pos="100000">
               <a:schemeClr val="phClr">
-                <a:shade val="63000"/>
-                <a:satMod val="120000"/>
+                <a:shade val="20000"/>
+                <a:satMod val="255000"/>
               </a:schemeClr>
             </a:gs>
           </a:gsLst>
-          <a:lin ang="5400000" scaled="0"/>
+          <a:path path="circle">
+            <a:fillToRect l="50000" t="-80000" r="50000" b="180000"/>
+          </a:path>
+        </a:gradFill>
+        <a:gradFill rotWithShape="1">
+          <a:gsLst>
+            <a:gs pos="0">
+              <a:schemeClr val="phClr">
+                <a:tint val="80000"/>
+                <a:satMod val="300000"/>
+              </a:schemeClr>
+            </a:gs>
+            <a:gs pos="100000">
+              <a:schemeClr val="phClr">
+                <a:shade val="30000"/>
+                <a:satMod val="200000"/>
+              </a:schemeClr>
+            </a:gs>
+          </a:gsLst>
+          <a:path path="circle">
+            <a:fillToRect l="50000" t="50000" r="50000" b="50000"/>
+          </a:path>
         </a:gradFill>
       </a:bgFillStyleLst>
     </a:fmtScheme>
   </a:themeElements>
   <a:objectDefaults/>
   <a:extraClrSchemeLst/>
-  <a:extLst>
-    <a:ext uri="{05A4C25C-085E-4340-85A3-A5531E510DB2}">
-      <thm15:themeFamily xmlns:thm15="http://schemas.microsoft.com/office/thememl/2012/main" name="Office Theme" id="{62F939B6-93AF-4DB8-9C6B-D6C7DFDC589F}" vid="{4A3C46E8-61CC-4603-A589-7422A47A8E4A}"/>
-    </a:ext>
-  </a:extLst>
 </a:theme>
 </file>
 

--- a/docs/diagrams/EditPaymentSequenceDiagram.pptx
+++ b/docs/diagrams/EditPaymentSequenceDiagram.pptx
@@ -197,7 +197,7 @@
           <a:p>
             <a:fld id="{62511F6D-3957-4073-A6EA-8AA084D57D2E}" type="datetimeFigureOut">
               <a:rPr lang="en-US" smtClean="0"/>
-              <a:t>10/23/2018</a:t>
+              <a:t>11/10/2018</a:t>
             </a:fld>
             <a:endParaRPr lang="en-US"/>
           </a:p>
@@ -795,7 +795,7 @@
           <a:p>
             <a:fld id="{78C97017-6FC3-485B-9764-EAC9E56C1D49}" type="datetimeFigureOut">
               <a:rPr lang="en-US" smtClean="0"/>
-              <a:t>10/23/2018</a:t>
+              <a:t>11/10/2018</a:t>
             </a:fld>
             <a:endParaRPr lang="en-US"/>
           </a:p>
@@ -963,7 +963,7 @@
           <a:p>
             <a:fld id="{78C97017-6FC3-485B-9764-EAC9E56C1D49}" type="datetimeFigureOut">
               <a:rPr lang="en-US" smtClean="0"/>
-              <a:t>10/23/2018</a:t>
+              <a:t>11/10/2018</a:t>
             </a:fld>
             <a:endParaRPr lang="en-US"/>
           </a:p>
@@ -1141,7 +1141,7 @@
           <a:p>
             <a:fld id="{78C97017-6FC3-485B-9764-EAC9E56C1D49}" type="datetimeFigureOut">
               <a:rPr lang="en-US" smtClean="0"/>
-              <a:t>10/23/2018</a:t>
+              <a:t>11/10/2018</a:t>
             </a:fld>
             <a:endParaRPr lang="en-US"/>
           </a:p>
@@ -1309,7 +1309,7 @@
           <a:p>
             <a:fld id="{78C97017-6FC3-485B-9764-EAC9E56C1D49}" type="datetimeFigureOut">
               <a:rPr lang="en-US" smtClean="0"/>
-              <a:t>10/23/2018</a:t>
+              <a:t>11/10/2018</a:t>
             </a:fld>
             <a:endParaRPr lang="en-US"/>
           </a:p>
@@ -1554,7 +1554,7 @@
           <a:p>
             <a:fld id="{78C97017-6FC3-485B-9764-EAC9E56C1D49}" type="datetimeFigureOut">
               <a:rPr lang="en-US" smtClean="0"/>
-              <a:t>10/23/2018</a:t>
+              <a:t>11/10/2018</a:t>
             </a:fld>
             <a:endParaRPr lang="en-US"/>
           </a:p>
@@ -1839,7 +1839,7 @@
           <a:p>
             <a:fld id="{78C97017-6FC3-485B-9764-EAC9E56C1D49}" type="datetimeFigureOut">
               <a:rPr lang="en-US" smtClean="0"/>
-              <a:t>10/23/2018</a:t>
+              <a:t>11/10/2018</a:t>
             </a:fld>
             <a:endParaRPr lang="en-US"/>
           </a:p>
@@ -2258,7 +2258,7 @@
           <a:p>
             <a:fld id="{78C97017-6FC3-485B-9764-EAC9E56C1D49}" type="datetimeFigureOut">
               <a:rPr lang="en-US" smtClean="0"/>
-              <a:t>10/23/2018</a:t>
+              <a:t>11/10/2018</a:t>
             </a:fld>
             <a:endParaRPr lang="en-US"/>
           </a:p>
@@ -2375,7 +2375,7 @@
           <a:p>
             <a:fld id="{78C97017-6FC3-485B-9764-EAC9E56C1D49}" type="datetimeFigureOut">
               <a:rPr lang="en-US" smtClean="0"/>
-              <a:t>10/23/2018</a:t>
+              <a:t>11/10/2018</a:t>
             </a:fld>
             <a:endParaRPr lang="en-US"/>
           </a:p>
@@ -2470,7 +2470,7 @@
           <a:p>
             <a:fld id="{78C97017-6FC3-485B-9764-EAC9E56C1D49}" type="datetimeFigureOut">
               <a:rPr lang="en-US" smtClean="0"/>
-              <a:t>10/23/2018</a:t>
+              <a:t>11/10/2018</a:t>
             </a:fld>
             <a:endParaRPr lang="en-US"/>
           </a:p>
@@ -2745,7 +2745,7 @@
           <a:p>
             <a:fld id="{78C97017-6FC3-485B-9764-EAC9E56C1D49}" type="datetimeFigureOut">
               <a:rPr lang="en-US" smtClean="0"/>
-              <a:t>10/23/2018</a:t>
+              <a:t>11/10/2018</a:t>
             </a:fld>
             <a:endParaRPr lang="en-US"/>
           </a:p>
@@ -2997,7 +2997,7 @@
           <a:p>
             <a:fld id="{78C97017-6FC3-485B-9764-EAC9E56C1D49}" type="datetimeFigureOut">
               <a:rPr lang="en-US" smtClean="0"/>
-              <a:t>10/23/2018</a:t>
+              <a:t>11/10/2018</a:t>
             </a:fld>
             <a:endParaRPr lang="en-US"/>
           </a:p>
@@ -3208,7 +3208,7 @@
           <a:p>
             <a:fld id="{78C97017-6FC3-485B-9764-EAC9E56C1D49}" type="datetimeFigureOut">
               <a:rPr lang="en-US" smtClean="0"/>
-              <a:t>10/23/2018</a:t>
+              <a:t>11/10/2018</a:t>
             </a:fld>
             <a:endParaRPr lang="en-US"/>
           </a:p>
@@ -3597,8 +3597,8 @@
         </p:nvSpPr>
         <p:spPr>
           <a:xfrm>
-            <a:off x="9208697" y="851007"/>
-            <a:ext cx="1357863" cy="5859923"/>
+            <a:off x="9513560" y="137181"/>
+            <a:ext cx="1357863" cy="6029200"/>
           </a:xfrm>
           <a:prstGeom prst="roundRect">
             <a:avLst>
@@ -3657,8 +3657,8 @@
         </p:nvSpPr>
         <p:spPr>
           <a:xfrm>
-            <a:off x="2135733" y="847633"/>
-            <a:ext cx="7012450" cy="5859923"/>
+            <a:off x="611732" y="137181"/>
+            <a:ext cx="8837067" cy="6029200"/>
           </a:xfrm>
           <a:prstGeom prst="roundRect">
             <a:avLst>
@@ -3720,7 +3720,7 @@
         </p:nvSpPr>
         <p:spPr>
           <a:xfrm>
-            <a:off x="2369046" y="1260237"/>
+            <a:off x="845046" y="482841"/>
             <a:ext cx="1455629" cy="346760"/>
           </a:xfrm>
           <a:prstGeom prst="rect">
@@ -3793,7 +3793,7 @@
         </p:nvCxnSpPr>
         <p:spPr>
           <a:xfrm>
-            <a:off x="3096860" y="1606998"/>
+            <a:off x="1572860" y="829602"/>
             <a:ext cx="0" cy="3650803"/>
           </a:xfrm>
           <a:prstGeom prst="line">
@@ -3830,8 +3830,8 @@
         </p:nvSpPr>
         <p:spPr>
           <a:xfrm>
-            <a:off x="3024850" y="1600201"/>
-            <a:ext cx="121416" cy="4860666"/>
+            <a:off x="1500850" y="912165"/>
+            <a:ext cx="134932" cy="5007526"/>
           </a:xfrm>
           <a:prstGeom prst="rect">
             <a:avLst/>
@@ -3882,7 +3882,7 @@
         </p:nvSpPr>
         <p:spPr>
           <a:xfrm>
-            <a:off x="4267200" y="1143000"/>
+            <a:off x="2743200" y="365604"/>
             <a:ext cx="1219200" cy="467684"/>
           </a:xfrm>
           <a:prstGeom prst="rect">
@@ -3958,8 +3958,8 @@
         </p:nvCxnSpPr>
         <p:spPr>
           <a:xfrm>
-            <a:off x="4876801" y="1610684"/>
-            <a:ext cx="3799" cy="2748594"/>
+            <a:off x="3352800" y="833288"/>
+            <a:ext cx="0" cy="2213910"/>
           </a:xfrm>
           <a:prstGeom prst="line">
             <a:avLst/>
@@ -3995,8 +3995,8 @@
         </p:nvSpPr>
         <p:spPr>
           <a:xfrm>
-            <a:off x="4769945" y="1626318"/>
-            <a:ext cx="224682" cy="2489871"/>
+            <a:off x="3272374" y="917791"/>
+            <a:ext cx="155699" cy="1999143"/>
           </a:xfrm>
           <a:prstGeom prst="rect">
             <a:avLst/>
@@ -4047,8 +4047,8 @@
         </p:nvSpPr>
         <p:spPr>
           <a:xfrm>
-            <a:off x="6737821" y="2343862"/>
-            <a:ext cx="850026" cy="358365"/>
+            <a:off x="5213820" y="1566467"/>
+            <a:ext cx="852827" cy="317402"/>
           </a:xfrm>
           <a:prstGeom prst="rect">
             <a:avLst/>
@@ -4110,7 +4110,7 @@
         </p:nvCxnSpPr>
         <p:spPr>
           <a:xfrm>
-            <a:off x="7151253" y="2681425"/>
+            <a:off x="5627253" y="2140249"/>
             <a:ext cx="28210" cy="2686588"/>
           </a:xfrm>
           <a:prstGeom prst="line">
@@ -4147,7 +4147,7 @@
         </p:nvSpPr>
         <p:spPr>
           <a:xfrm>
-            <a:off x="7086601" y="2673980"/>
+            <a:off x="5562601" y="1896584"/>
             <a:ext cx="117613" cy="185051"/>
           </a:xfrm>
           <a:prstGeom prst="rect">
@@ -4201,7 +4201,7 @@
         </p:nvCxnSpPr>
         <p:spPr>
           <a:xfrm>
-            <a:off x="1905001" y="1978290"/>
+            <a:off x="380999" y="929330"/>
             <a:ext cx="1119851" cy="0"/>
           </a:xfrm>
           <a:prstGeom prst="straightConnector1">
@@ -4239,8 +4239,8 @@
         </p:nvCxnSpPr>
         <p:spPr>
           <a:xfrm flipV="1">
-            <a:off x="3177251" y="1902898"/>
-            <a:ext cx="1596514" cy="1"/>
+            <a:off x="1653251" y="1125503"/>
+            <a:ext cx="1619123" cy="1"/>
           </a:xfrm>
           <a:prstGeom prst="straightConnector1">
             <a:avLst/>
@@ -4275,7 +4275,7 @@
         </p:nvSpPr>
         <p:spPr>
           <a:xfrm>
-            <a:off x="1524000" y="2051160"/>
+            <a:off x="13336" y="990595"/>
             <a:ext cx="1424846" cy="369332"/>
           </a:xfrm>
           <a:prstGeom prst="rect">
@@ -4348,7 +4348,7 @@
         </p:nvCxnSpPr>
         <p:spPr>
           <a:xfrm>
-            <a:off x="6342085" y="2551312"/>
+            <a:off x="4818085" y="1773916"/>
             <a:ext cx="383077" cy="0"/>
           </a:xfrm>
           <a:prstGeom prst="straightConnector1">
@@ -4384,7 +4384,7 @@
         </p:nvSpPr>
         <p:spPr>
           <a:xfrm>
-            <a:off x="4876801" y="4191000"/>
+            <a:off x="3352801" y="2918304"/>
             <a:ext cx="855809" cy="215444"/>
           </a:xfrm>
           <a:prstGeom prst="rect">
@@ -4428,7 +4428,7 @@
         </p:nvCxnSpPr>
         <p:spPr>
           <a:xfrm>
-            <a:off x="6350241" y="2854331"/>
+            <a:off x="4826241" y="2076935"/>
             <a:ext cx="809294" cy="2043"/>
           </a:xfrm>
           <a:prstGeom prst="straightConnector1">
@@ -4468,7 +4468,7 @@
         </p:nvCxnSpPr>
         <p:spPr>
           <a:xfrm flipV="1">
-            <a:off x="3159848" y="4109422"/>
+            <a:off x="1635848" y="2903782"/>
             <a:ext cx="1630852" cy="13156"/>
           </a:xfrm>
           <a:prstGeom prst="straightConnector1">
@@ -4508,7 +4508,7 @@
         </p:nvCxnSpPr>
         <p:spPr>
           <a:xfrm>
-            <a:off x="1828801" y="6324600"/>
+            <a:off x="304801" y="5783424"/>
             <a:ext cx="1196051" cy="0"/>
           </a:xfrm>
           <a:prstGeom prst="straightConnector1">
@@ -4546,7 +4546,7 @@
         </p:nvSpPr>
         <p:spPr>
           <a:xfrm>
-            <a:off x="9470411" y="5486400"/>
+            <a:off x="9808430" y="4945224"/>
             <a:ext cx="878029" cy="228600"/>
           </a:xfrm>
           <a:prstGeom prst="rect">
@@ -4615,7 +4615,7 @@
         </p:nvCxnSpPr>
         <p:spPr>
           <a:xfrm>
-            <a:off x="3146266" y="4429348"/>
+            <a:off x="1622266" y="3156652"/>
             <a:ext cx="3972124" cy="4742"/>
           </a:xfrm>
           <a:prstGeom prst="straightConnector1">
@@ -4651,8 +4651,8 @@
         </p:nvSpPr>
         <p:spPr>
           <a:xfrm>
-            <a:off x="7123895" y="4417678"/>
-            <a:ext cx="108529" cy="1942402"/>
+            <a:off x="5599895" y="3155974"/>
+            <a:ext cx="88177" cy="2662930"/>
           </a:xfrm>
           <a:prstGeom prst="rect">
             <a:avLst/>
@@ -4706,7 +4706,7 @@
         </p:nvCxnSpPr>
         <p:spPr>
           <a:xfrm>
-            <a:off x="9909425" y="5715001"/>
+            <a:off x="10247444" y="5173825"/>
             <a:ext cx="13180" cy="904239"/>
           </a:xfrm>
           <a:prstGeom prst="line">
@@ -4746,7 +4746,7 @@
         </p:nvSpPr>
         <p:spPr>
           <a:xfrm>
-            <a:off x="9849698" y="5769495"/>
+            <a:off x="10187717" y="5250693"/>
             <a:ext cx="119322" cy="45719"/>
           </a:xfrm>
           <a:prstGeom prst="rect">
@@ -4807,7 +4807,7 @@
         </p:nvCxnSpPr>
         <p:spPr>
           <a:xfrm>
-            <a:off x="7202960" y="5948151"/>
+            <a:off x="5678960" y="5475555"/>
             <a:ext cx="183778" cy="5627"/>
           </a:xfrm>
           <a:prstGeom prst="straightConnector1">
@@ -4840,14 +4840,13 @@
           <p:cNvPr id="76" name="Straight Arrow Connector 75"/>
           <p:cNvCxnSpPr>
             <a:cxnSpLocks/>
-            <a:endCxn id="73" idx="2"/>
           </p:cNvCxnSpPr>
           <p:nvPr/>
         </p:nvCxnSpPr>
         <p:spPr>
           <a:xfrm>
-            <a:off x="7232423" y="5792593"/>
-            <a:ext cx="2676936" cy="22620"/>
+            <a:off x="5708424" y="5274037"/>
+            <a:ext cx="4538954" cy="0"/>
           </a:xfrm>
           <a:prstGeom prst="straightConnector1">
             <a:avLst/>
@@ -4890,8 +4889,8 @@
         </p:nvCxnSpPr>
         <p:spPr>
           <a:xfrm flipV="1">
-            <a:off x="2749771" y="6360080"/>
-            <a:ext cx="4428389" cy="2"/>
+            <a:off x="1225771" y="5818904"/>
+            <a:ext cx="4418213" cy="2"/>
           </a:xfrm>
           <a:prstGeom prst="straightConnector1">
             <a:avLst/>
@@ -4928,8 +4927,8 @@
         </p:nvSpPr>
         <p:spPr>
           <a:xfrm>
-            <a:off x="7588715" y="5466040"/>
-            <a:ext cx="1424846" cy="123111"/>
+            <a:off x="6136076" y="4927294"/>
+            <a:ext cx="1800153" cy="123111"/>
           </a:xfrm>
           <a:prstGeom prst="rect">
             <a:avLst/>
@@ -4960,7 +4959,7 @@
                 </a:solidFill>
                 <a:latin typeface="Calibri"/>
               </a:rPr>
-              <a:t>updatePerson</a:t>
+              <a:t>updateStudentInternalField</a:t>
             </a:r>
             <a:r>
               <a:rPr lang="en-US" sz="800" dirty="0">
@@ -4969,7 +4968,7 @@
                 </a:solidFill>
                 <a:latin typeface="Calibri"/>
               </a:rPr>
-              <a:t>(edited)</a:t>
+              <a:t>(t, edited)</a:t>
             </a:r>
           </a:p>
         </p:txBody>
@@ -4982,7 +4981,7 @@
         </p:nvSpPr>
         <p:spPr>
           <a:xfrm>
-            <a:off x="5076696" y="2525773"/>
+            <a:off x="3552696" y="1620361"/>
             <a:ext cx="884073" cy="553998"/>
           </a:xfrm>
           <a:prstGeom prst="rect">
@@ -5048,7 +5047,7 @@
         </p:nvSpPr>
         <p:spPr>
           <a:xfrm>
-            <a:off x="3266982" y="1676401"/>
+            <a:off x="1742982" y="899005"/>
             <a:ext cx="1424846" cy="646331"/>
           </a:xfrm>
           <a:prstGeom prst="rect">
@@ -5114,7 +5113,7 @@
         </p:nvSpPr>
         <p:spPr>
           <a:xfrm>
-            <a:off x="5864137" y="6093523"/>
+            <a:off x="4340137" y="5552347"/>
             <a:ext cx="621216" cy="215444"/>
           </a:xfrm>
           <a:prstGeom prst="rect">
@@ -5156,7 +5155,7 @@
         </p:nvSpPr>
         <p:spPr>
           <a:xfrm>
-            <a:off x="2123983" y="6071888"/>
+            <a:off x="599983" y="5530712"/>
             <a:ext cx="762000" cy="215444"/>
           </a:xfrm>
           <a:prstGeom prst="rect">
@@ -5198,7 +5197,7 @@
         </p:nvSpPr>
         <p:spPr>
           <a:xfrm>
-            <a:off x="7386738" y="5837588"/>
+            <a:off x="5862738" y="5364992"/>
             <a:ext cx="1676400" cy="232379"/>
           </a:xfrm>
           <a:prstGeom prst="rect">
@@ -5240,16 +5239,7 @@
                 </a:solidFill>
                 <a:latin typeface="Calibri"/>
               </a:rPr>
-              <a:t>result:Command</a:t>
-            </a:r>
-            <a:r>
-              <a:rPr lang="en-US" sz="1200" dirty="0">
-                <a:solidFill>
-                  <a:prstClr val="white"/>
-                </a:solidFill>
-                <a:latin typeface="Calibri"/>
-              </a:rPr>
-              <a:t> Result</a:t>
+              <a:t>result:CommandResult</a:t>
             </a:r>
             <a:endParaRPr lang="en-SG" sz="1200" dirty="0">
               <a:solidFill>
@@ -5268,8 +5258,8 @@
         </p:nvSpPr>
         <p:spPr>
           <a:xfrm>
-            <a:off x="8148738" y="6078283"/>
-            <a:ext cx="152400" cy="171376"/>
+            <a:off x="6624738" y="5610087"/>
+            <a:ext cx="152400" cy="113636"/>
           </a:xfrm>
           <a:prstGeom prst="rect">
             <a:avLst/>
@@ -5322,7 +5312,7 @@
         </p:nvCxnSpPr>
         <p:spPr>
           <a:xfrm>
-            <a:off x="7237928" y="6260524"/>
+            <a:off x="5713928" y="5719348"/>
             <a:ext cx="910811" cy="0"/>
           </a:xfrm>
           <a:prstGeom prst="straightConnector1">
@@ -5360,7 +5350,7 @@
         </p:nvSpPr>
         <p:spPr>
           <a:xfrm>
-            <a:off x="4197846" y="3893978"/>
+            <a:off x="2673846" y="2688338"/>
             <a:ext cx="220343" cy="215444"/>
           </a:xfrm>
           <a:prstGeom prst="rect">
@@ -5402,7 +5392,7 @@
         </p:nvSpPr>
         <p:spPr>
           <a:xfrm>
-            <a:off x="5308400" y="1752601"/>
+            <a:off x="3784400" y="975205"/>
             <a:ext cx="1778201" cy="432035"/>
           </a:xfrm>
           <a:prstGeom prst="rect">
@@ -5492,8 +5482,8 @@
         </p:nvCxnSpPr>
         <p:spPr>
           <a:xfrm>
-            <a:off x="4967981" y="2539328"/>
-            <a:ext cx="1176315" cy="0"/>
+            <a:off x="3429001" y="1633916"/>
+            <a:ext cx="1191295" cy="0"/>
           </a:xfrm>
           <a:prstGeom prst="straightConnector1">
             <a:avLst/>
@@ -5526,7 +5516,7 @@
         </p:nvSpPr>
         <p:spPr>
           <a:xfrm>
-            <a:off x="6136242" y="2183423"/>
+            <a:off x="4612242" y="1406027"/>
             <a:ext cx="205843" cy="123165"/>
           </a:xfrm>
           <a:prstGeom prst="rect">
@@ -5580,8 +5570,8 @@
         </p:nvCxnSpPr>
         <p:spPr>
           <a:xfrm>
-            <a:off x="6239288" y="2175562"/>
-            <a:ext cx="3799" cy="2135303"/>
+            <a:off x="4715288" y="1408834"/>
+            <a:ext cx="0" cy="1657839"/>
           </a:xfrm>
           <a:prstGeom prst="line">
             <a:avLst/>
@@ -5617,8 +5607,8 @@
         </p:nvSpPr>
         <p:spPr>
           <a:xfrm>
-            <a:off x="6144592" y="2539330"/>
-            <a:ext cx="201395" cy="1575470"/>
+            <a:off x="4620592" y="1620202"/>
+            <a:ext cx="198331" cy="1290158"/>
           </a:xfrm>
           <a:prstGeom prst="rect">
             <a:avLst/>
@@ -5671,7 +5661,7 @@
         </p:nvCxnSpPr>
         <p:spPr>
           <a:xfrm>
-            <a:off x="4983520" y="4109061"/>
+            <a:off x="3459520" y="2903421"/>
             <a:ext cx="1165315" cy="1"/>
           </a:xfrm>
           <a:prstGeom prst="straightConnector1">
@@ -5711,7 +5701,7 @@
         </p:nvCxnSpPr>
         <p:spPr>
           <a:xfrm flipV="1">
-            <a:off x="4953001" y="2019751"/>
+            <a:off x="3429001" y="1242355"/>
             <a:ext cx="358137" cy="3411"/>
           </a:xfrm>
           <a:prstGeom prst="straightConnector1">
@@ -5749,8 +5739,8 @@
         </p:nvCxnSpPr>
         <p:spPr>
           <a:xfrm>
-            <a:off x="4983519" y="2298726"/>
-            <a:ext cx="1152846" cy="0"/>
+            <a:off x="3439965" y="1521330"/>
+            <a:ext cx="1172400" cy="0"/>
           </a:xfrm>
           <a:prstGeom prst="straightConnector1">
             <a:avLst/>
@@ -5787,7 +5777,7 @@
         </p:nvSpPr>
         <p:spPr>
           <a:xfrm>
-            <a:off x="6015902" y="4156741"/>
+            <a:off x="4500623" y="2916393"/>
             <a:ext cx="463460" cy="261610"/>
           </a:xfrm>
           <a:prstGeom prst="rect">
@@ -5827,7 +5817,7 @@
         </p:nvSpPr>
         <p:spPr>
           <a:xfrm>
-            <a:off x="6743907" y="2942828"/>
+            <a:off x="5219907" y="2165432"/>
             <a:ext cx="850026" cy="335501"/>
           </a:xfrm>
           <a:prstGeom prst="rect">
@@ -5906,8 +5896,8 @@
         </p:nvSpPr>
         <p:spPr>
           <a:xfrm>
-            <a:off x="7108920" y="3285313"/>
-            <a:ext cx="125330" cy="847461"/>
+            <a:off x="5584920" y="2591737"/>
+            <a:ext cx="100601" cy="318257"/>
           </a:xfrm>
           <a:prstGeom prst="rect">
             <a:avLst/>
@@ -5961,14 +5951,13 @@
           </p:cNvPr>
           <p:cNvCxnSpPr>
             <a:cxnSpLocks/>
-            <a:endCxn id="74" idx="1"/>
           </p:cNvCxnSpPr>
           <p:nvPr/>
         </p:nvCxnSpPr>
         <p:spPr>
-          <a:xfrm>
-            <a:off x="6369315" y="3108444"/>
-            <a:ext cx="374592" cy="2134"/>
+          <a:xfrm flipV="1">
+            <a:off x="4725418" y="2328883"/>
+            <a:ext cx="497670" cy="3325"/>
           </a:xfrm>
           <a:prstGeom prst="straightConnector1">
             <a:avLst/>
@@ -6009,7 +5998,7 @@
         </p:nvSpPr>
         <p:spPr>
           <a:xfrm>
-            <a:off x="6103945" y="3136520"/>
+            <a:off x="4426913" y="2319867"/>
             <a:ext cx="621216" cy="215444"/>
           </a:xfrm>
           <a:prstGeom prst="rect">
@@ -6060,8 +6049,8 @@
         </p:nvCxnSpPr>
         <p:spPr>
           <a:xfrm flipV="1">
-            <a:off x="7202960" y="5600700"/>
-            <a:ext cx="2267450" cy="13998"/>
+            <a:off x="5678960" y="5059524"/>
+            <a:ext cx="4129470" cy="22620"/>
           </a:xfrm>
           <a:prstGeom prst="straightConnector1">
             <a:avLst/>
@@ -6104,7 +6093,7 @@
         </p:nvCxnSpPr>
         <p:spPr>
           <a:xfrm>
-            <a:off x="6361669" y="4109060"/>
+            <a:off x="4837669" y="2903420"/>
             <a:ext cx="733069" cy="6940"/>
           </a:xfrm>
           <a:prstGeom prst="straightConnector1">
@@ -6148,7 +6137,7 @@
         </p:nvSpPr>
         <p:spPr>
           <a:xfrm>
-            <a:off x="8161050" y="4362517"/>
+            <a:off x="6637050" y="3089821"/>
             <a:ext cx="926621" cy="230693"/>
           </a:xfrm>
           <a:prstGeom prst="rect">
@@ -6190,7 +6179,7 @@
                 </a:solidFill>
                 <a:latin typeface="Calibri"/>
               </a:rPr>
-              <a:t>t:Person</a:t>
+              <a:t>t:Student</a:t>
             </a:r>
             <a:endParaRPr lang="en-SG" sz="1200" dirty="0">
               <a:solidFill>
@@ -6215,7 +6204,7 @@
         </p:nvSpPr>
         <p:spPr>
           <a:xfrm>
-            <a:off x="8529165" y="4593752"/>
+            <a:off x="7005165" y="3321056"/>
             <a:ext cx="144923" cy="102175"/>
           </a:xfrm>
           <a:prstGeom prst="rect">
@@ -6270,14 +6259,13 @@
           </p:cNvPr>
           <p:cNvCxnSpPr>
             <a:cxnSpLocks/>
-            <a:endCxn id="110" idx="1"/>
           </p:cNvCxnSpPr>
           <p:nvPr/>
         </p:nvCxnSpPr>
         <p:spPr>
           <a:xfrm>
-            <a:off x="7235979" y="4476947"/>
-            <a:ext cx="925070" cy="916"/>
+            <a:off x="5635220" y="3197778"/>
+            <a:ext cx="989518" cy="1090"/>
           </a:xfrm>
           <a:prstGeom prst="straightConnector1">
             <a:avLst/>
@@ -6318,7 +6306,7 @@
         </p:nvSpPr>
         <p:spPr>
           <a:xfrm>
-            <a:off x="6989880" y="4308655"/>
+            <a:off x="5465880" y="3035959"/>
             <a:ext cx="1150818" cy="107722"/>
           </a:xfrm>
           <a:prstGeom prst="rect">
@@ -6375,8 +6363,8 @@
         </p:nvCxnSpPr>
         <p:spPr>
           <a:xfrm>
-            <a:off x="7244116" y="4692004"/>
-            <a:ext cx="1357510" cy="3923"/>
+            <a:off x="5685521" y="3418323"/>
+            <a:ext cx="1392106" cy="4908"/>
           </a:xfrm>
           <a:prstGeom prst="straightConnector1">
             <a:avLst/>
@@ -6419,8 +6407,8 @@
         </p:nvSpPr>
         <p:spPr>
           <a:xfrm>
-            <a:off x="8548015" y="5077292"/>
-            <a:ext cx="135553" cy="327233"/>
+            <a:off x="7024015" y="4723781"/>
+            <a:ext cx="187553" cy="102797"/>
           </a:xfrm>
           <a:prstGeom prst="rect">
             <a:avLst/>
@@ -6479,9 +6467,9 @@
           <p:nvPr/>
         </p:nvCxnSpPr>
         <p:spPr>
-          <a:xfrm flipV="1">
-            <a:off x="7235979" y="4948093"/>
-            <a:ext cx="925070" cy="4908"/>
+          <a:xfrm>
+            <a:off x="5655463" y="4620278"/>
+            <a:ext cx="981587" cy="0"/>
           </a:xfrm>
           <a:prstGeom prst="straightConnector1">
             <a:avLst/>
@@ -6525,8 +6513,8 @@
         </p:nvCxnSpPr>
         <p:spPr>
           <a:xfrm>
-            <a:off x="7244117" y="5404524"/>
-            <a:ext cx="1371675" cy="0"/>
+            <a:off x="5667212" y="4826578"/>
+            <a:ext cx="1450580" cy="0"/>
           </a:xfrm>
           <a:prstGeom prst="straightConnector1">
             <a:avLst/>
@@ -6569,8 +6557,8 @@
         </p:nvSpPr>
         <p:spPr>
           <a:xfrm>
-            <a:off x="8161050" y="4832747"/>
-            <a:ext cx="926621" cy="230693"/>
+            <a:off x="6637050" y="4504931"/>
+            <a:ext cx="989046" cy="230693"/>
           </a:xfrm>
           <a:prstGeom prst="rect">
             <a:avLst/>
@@ -6611,7 +6599,7 @@
                 </a:solidFill>
                 <a:latin typeface="Calibri"/>
               </a:rPr>
-              <a:t>edited:Person</a:t>
+              <a:t>edited:Student</a:t>
             </a:r>
             <a:endParaRPr lang="en-SG" sz="1000" dirty="0">
               <a:solidFill>
@@ -6619,6 +6607,767 @@
               </a:solidFill>
               <a:latin typeface="Calibri"/>
             </a:endParaRPr>
+          </a:p>
+        </p:txBody>
+      </p:sp>
+      <p:cxnSp>
+        <p:nvCxnSpPr>
+          <p:cNvPr id="89" name="Straight Connector 88">
+            <a:extLst>
+              <a:ext uri="{FF2B5EF4-FFF2-40B4-BE49-F238E27FC236}">
+                <a16:creationId xmlns:a16="http://schemas.microsoft.com/office/drawing/2014/main" id="{3C52FF72-1AFF-4CFD-B58A-8AA853F51E06}"/>
+              </a:ext>
+            </a:extLst>
+          </p:cNvPr>
+          <p:cNvCxnSpPr>
+            <a:cxnSpLocks/>
+          </p:cNvCxnSpPr>
+          <p:nvPr/>
+        </p:nvCxnSpPr>
+        <p:spPr>
+          <a:xfrm>
+            <a:off x="7077627" y="3299962"/>
+            <a:ext cx="0" cy="728478"/>
+          </a:xfrm>
+          <a:prstGeom prst="line">
+            <a:avLst/>
+          </a:prstGeom>
+          <a:ln w="19050">
+            <a:solidFill>
+              <a:srgbClr val="0070C0"/>
+            </a:solidFill>
+            <a:prstDash val="sysDash"/>
+          </a:ln>
+          <a:effectLst/>
+        </p:spPr>
+        <p:style>
+          <a:lnRef idx="1">
+            <a:schemeClr val="accent1"/>
+          </a:lnRef>
+          <a:fillRef idx="2">
+            <a:schemeClr val="accent1"/>
+          </a:fillRef>
+          <a:effectRef idx="1">
+            <a:schemeClr val="accent1"/>
+          </a:effectRef>
+          <a:fontRef idx="minor">
+            <a:schemeClr val="dk1"/>
+          </a:fontRef>
+        </p:style>
+      </p:cxnSp>
+      <p:sp>
+        <p:nvSpPr>
+          <p:cNvPr id="91" name="Rectangle 90">
+            <a:extLst>
+              <a:ext uri="{FF2B5EF4-FFF2-40B4-BE49-F238E27FC236}">
+                <a16:creationId xmlns:a16="http://schemas.microsoft.com/office/drawing/2014/main" id="{27739D36-84D0-4EC7-99BB-3DC63996C25E}"/>
+              </a:ext>
+            </a:extLst>
+          </p:cNvPr>
+          <p:cNvSpPr/>
+          <p:nvPr/>
+        </p:nvSpPr>
+        <p:spPr>
+          <a:xfrm>
+            <a:off x="7014536" y="3533248"/>
+            <a:ext cx="124308" cy="402673"/>
+          </a:xfrm>
+          <a:prstGeom prst="rect">
+            <a:avLst/>
+          </a:prstGeom>
+          <a:solidFill>
+            <a:srgbClr val="0070C0"/>
+          </a:solidFill>
+          <a:ln>
+            <a:solidFill>
+              <a:srgbClr val="0070C0"/>
+            </a:solidFill>
+          </a:ln>
+          <a:effectLst/>
+        </p:spPr>
+        <p:style>
+          <a:lnRef idx="1">
+            <a:schemeClr val="accent3"/>
+          </a:lnRef>
+          <a:fillRef idx="2">
+            <a:schemeClr val="accent3"/>
+          </a:fillRef>
+          <a:effectRef idx="1">
+            <a:schemeClr val="accent3"/>
+          </a:effectRef>
+          <a:fontRef idx="minor">
+            <a:schemeClr val="dk1"/>
+          </a:fontRef>
+        </p:style>
+        <p:txBody>
+          <a:bodyPr rtlCol="0" anchor="ctr"/>
+          <a:lstStyle/>
+          <a:p>
+            <a:pPr algn="ctr"/>
+            <a:endParaRPr lang="en-SG" sz="1400">
+              <a:solidFill>
+                <a:prstClr val="black"/>
+              </a:solidFill>
+              <a:latin typeface="Calibri"/>
+            </a:endParaRPr>
+          </a:p>
+        </p:txBody>
+      </p:sp>
+      <p:cxnSp>
+        <p:nvCxnSpPr>
+          <p:cNvPr id="94" name="Straight Arrow Connector 93">
+            <a:extLst>
+              <a:ext uri="{FF2B5EF4-FFF2-40B4-BE49-F238E27FC236}">
+                <a16:creationId xmlns:a16="http://schemas.microsoft.com/office/drawing/2014/main" id="{42384EDF-EAEC-4D9B-B300-246D17B69F64}"/>
+              </a:ext>
+            </a:extLst>
+          </p:cNvPr>
+          <p:cNvCxnSpPr>
+            <a:cxnSpLocks/>
+          </p:cNvCxnSpPr>
+          <p:nvPr/>
+        </p:nvCxnSpPr>
+        <p:spPr>
+          <a:xfrm>
+            <a:off x="5673586" y="3925537"/>
+            <a:ext cx="1392106" cy="4908"/>
+          </a:xfrm>
+          <a:prstGeom prst="straightConnector1">
+            <a:avLst/>
+          </a:prstGeom>
+          <a:ln w="19050">
+            <a:solidFill>
+              <a:srgbClr val="0070C0"/>
+            </a:solidFill>
+            <a:prstDash val="sysDash"/>
+            <a:headEnd type="arrow" w="med" len="med"/>
+            <a:tailEnd type="none" w="med" len="med"/>
+          </a:ln>
+        </p:spPr>
+        <p:style>
+          <a:lnRef idx="1">
+            <a:schemeClr val="accent1"/>
+          </a:lnRef>
+          <a:fillRef idx="0">
+            <a:schemeClr val="accent1"/>
+          </a:fillRef>
+          <a:effectRef idx="0">
+            <a:schemeClr val="accent1"/>
+          </a:effectRef>
+          <a:fontRef idx="minor">
+            <a:schemeClr val="tx1"/>
+          </a:fontRef>
+        </p:style>
+      </p:cxnSp>
+      <p:cxnSp>
+        <p:nvCxnSpPr>
+          <p:cNvPr id="96" name="Straight Arrow Connector 95">
+            <a:extLst>
+              <a:ext uri="{FF2B5EF4-FFF2-40B4-BE49-F238E27FC236}">
+                <a16:creationId xmlns:a16="http://schemas.microsoft.com/office/drawing/2014/main" id="{5C148ACD-B02E-4E4C-A941-E725C5C105DF}"/>
+              </a:ext>
+            </a:extLst>
+          </p:cNvPr>
+          <p:cNvCxnSpPr>
+            <a:cxnSpLocks/>
+          </p:cNvCxnSpPr>
+          <p:nvPr/>
+        </p:nvCxnSpPr>
+        <p:spPr>
+          <a:xfrm>
+            <a:off x="7140720" y="3602424"/>
+            <a:ext cx="591040" cy="141"/>
+          </a:xfrm>
+          <a:prstGeom prst="straightConnector1">
+            <a:avLst/>
+          </a:prstGeom>
+          <a:ln w="19050">
+            <a:solidFill>
+              <a:srgbClr val="0070C0"/>
+            </a:solidFill>
+            <a:tailEnd type="arrow"/>
+          </a:ln>
+        </p:spPr>
+        <p:style>
+          <a:lnRef idx="1">
+            <a:schemeClr val="accent1"/>
+          </a:lnRef>
+          <a:fillRef idx="0">
+            <a:schemeClr val="accent1"/>
+          </a:fillRef>
+          <a:effectRef idx="0">
+            <a:schemeClr val="accent1"/>
+          </a:effectRef>
+          <a:fontRef idx="minor">
+            <a:schemeClr val="tx1"/>
+          </a:fontRef>
+        </p:style>
+      </p:cxnSp>
+      <p:cxnSp>
+        <p:nvCxnSpPr>
+          <p:cNvPr id="97" name="Straight Arrow Connector 96">
+            <a:extLst>
+              <a:ext uri="{FF2B5EF4-FFF2-40B4-BE49-F238E27FC236}">
+                <a16:creationId xmlns:a16="http://schemas.microsoft.com/office/drawing/2014/main" id="{19ADF5F6-152B-4A86-9E88-3F66FD422235}"/>
+              </a:ext>
+            </a:extLst>
+          </p:cNvPr>
+          <p:cNvCxnSpPr>
+            <a:cxnSpLocks/>
+          </p:cNvCxnSpPr>
+          <p:nvPr/>
+        </p:nvCxnSpPr>
+        <p:spPr>
+          <a:xfrm>
+            <a:off x="7138843" y="3820487"/>
+            <a:ext cx="972781" cy="0"/>
+          </a:xfrm>
+          <a:prstGeom prst="straightConnector1">
+            <a:avLst/>
+          </a:prstGeom>
+          <a:ln w="19050">
+            <a:solidFill>
+              <a:srgbClr val="0070C0"/>
+            </a:solidFill>
+            <a:prstDash val="sysDash"/>
+            <a:headEnd type="arrow" w="med" len="med"/>
+            <a:tailEnd type="none" w="med" len="med"/>
+          </a:ln>
+        </p:spPr>
+        <p:style>
+          <a:lnRef idx="1">
+            <a:schemeClr val="accent1"/>
+          </a:lnRef>
+          <a:fillRef idx="0">
+            <a:schemeClr val="accent1"/>
+          </a:fillRef>
+          <a:effectRef idx="0">
+            <a:schemeClr val="accent1"/>
+          </a:effectRef>
+          <a:fontRef idx="minor">
+            <a:schemeClr val="tx1"/>
+          </a:fontRef>
+        </p:style>
+      </p:cxnSp>
+      <p:sp>
+        <p:nvSpPr>
+          <p:cNvPr id="98" name="TextBox 97">
+            <a:extLst>
+              <a:ext uri="{FF2B5EF4-FFF2-40B4-BE49-F238E27FC236}">
+                <a16:creationId xmlns:a16="http://schemas.microsoft.com/office/drawing/2014/main" id="{6BF14BD3-52B4-486D-8DBE-D7B6178D4C1A}"/>
+              </a:ext>
+            </a:extLst>
+          </p:cNvPr>
+          <p:cNvSpPr txBox="1"/>
+          <p:nvPr/>
+        </p:nvSpPr>
+        <p:spPr>
+          <a:xfrm>
+            <a:off x="6584159" y="3435937"/>
+            <a:ext cx="1150818" cy="107722"/>
+          </a:xfrm>
+          <a:prstGeom prst="rect">
+            <a:avLst/>
+          </a:prstGeom>
+          <a:noFill/>
+        </p:spPr>
+        <p:txBody>
+          <a:bodyPr wrap="square" lIns="0" tIns="0" rIns="0" bIns="0" rtlCol="0">
+            <a:spAutoFit/>
+          </a:bodyPr>
+          <a:lstStyle>
+            <a:defPPr>
+              <a:defRPr lang="en-US"/>
+            </a:defPPr>
+            <a:lvl1pPr algn="r">
+              <a:defRPr sz="1400">
+                <a:solidFill>
+                  <a:srgbClr val="0070C0"/>
+                </a:solidFill>
+              </a:defRPr>
+            </a:lvl1pPr>
+          </a:lstStyle>
+          <a:p>
+            <a:r>
+              <a:rPr lang="en-US" sz="700" dirty="0" err="1">
+                <a:latin typeface="Calibri"/>
+              </a:rPr>
+              <a:t>getPayments</a:t>
+            </a:r>
+            <a:r>
+              <a:rPr lang="en-US" sz="700" dirty="0">
+                <a:latin typeface="Calibri"/>
+              </a:rPr>
+              <a:t>()</a:t>
+            </a:r>
+          </a:p>
+        </p:txBody>
+      </p:sp>
+      <p:sp>
+        <p:nvSpPr>
+          <p:cNvPr id="99" name="Rectangle 62">
+            <a:extLst>
+              <a:ext uri="{FF2B5EF4-FFF2-40B4-BE49-F238E27FC236}">
+                <a16:creationId xmlns:a16="http://schemas.microsoft.com/office/drawing/2014/main" id="{FBE52BE1-83B1-4044-832A-21CFA28B823E}"/>
+              </a:ext>
+            </a:extLst>
+          </p:cNvPr>
+          <p:cNvSpPr/>
+          <p:nvPr/>
+        </p:nvSpPr>
+        <p:spPr>
+          <a:xfrm>
+            <a:off x="7743509" y="3487077"/>
+            <a:ext cx="926621" cy="230693"/>
+          </a:xfrm>
+          <a:prstGeom prst="rect">
+            <a:avLst/>
+          </a:prstGeom>
+          <a:solidFill>
+            <a:srgbClr val="0070C0"/>
+          </a:solidFill>
+          <a:ln w="19050">
+            <a:solidFill>
+              <a:srgbClr val="0070C0"/>
+            </a:solidFill>
+          </a:ln>
+          <a:effectLst/>
+        </p:spPr>
+        <p:style>
+          <a:lnRef idx="1">
+            <a:schemeClr val="accent2"/>
+          </a:lnRef>
+          <a:fillRef idx="2">
+            <a:schemeClr val="accent2"/>
+          </a:fillRef>
+          <a:effectRef idx="1">
+            <a:schemeClr val="accent2"/>
+          </a:effectRef>
+          <a:fontRef idx="minor">
+            <a:schemeClr val="dk1"/>
+          </a:fontRef>
+        </p:style>
+        <p:txBody>
+          <a:bodyPr rtlCol="0" anchor="ctr"/>
+          <a:lstStyle/>
+          <a:p>
+            <a:pPr algn="ctr"/>
+            <a:r>
+              <a:rPr lang="en-US" sz="800" dirty="0">
+                <a:solidFill>
+                  <a:prstClr val="white"/>
+                </a:solidFill>
+                <a:latin typeface="Calibri"/>
+              </a:rPr>
+              <a:t>l:List&lt;Payments&gt;</a:t>
+            </a:r>
+            <a:endParaRPr lang="en-SG" sz="800" dirty="0">
+              <a:solidFill>
+                <a:prstClr val="white"/>
+              </a:solidFill>
+              <a:latin typeface="Calibri"/>
+            </a:endParaRPr>
+          </a:p>
+        </p:txBody>
+      </p:sp>
+      <p:sp>
+        <p:nvSpPr>
+          <p:cNvPr id="100" name="Rectangle 99">
+            <a:extLst>
+              <a:ext uri="{FF2B5EF4-FFF2-40B4-BE49-F238E27FC236}">
+                <a16:creationId xmlns:a16="http://schemas.microsoft.com/office/drawing/2014/main" id="{D229B755-5805-4A80-91B2-FEDEE15C495C}"/>
+              </a:ext>
+            </a:extLst>
+          </p:cNvPr>
+          <p:cNvSpPr/>
+          <p:nvPr/>
+        </p:nvSpPr>
+        <p:spPr>
+          <a:xfrm>
+            <a:off x="8111624" y="3718312"/>
+            <a:ext cx="144923" cy="102175"/>
+          </a:xfrm>
+          <a:prstGeom prst="rect">
+            <a:avLst/>
+          </a:prstGeom>
+          <a:solidFill>
+            <a:srgbClr val="0070C0"/>
+          </a:solidFill>
+          <a:ln>
+            <a:solidFill>
+              <a:srgbClr val="0070C0"/>
+            </a:solidFill>
+          </a:ln>
+          <a:effectLst/>
+        </p:spPr>
+        <p:style>
+          <a:lnRef idx="1">
+            <a:schemeClr val="accent3"/>
+          </a:lnRef>
+          <a:fillRef idx="2">
+            <a:schemeClr val="accent3"/>
+          </a:fillRef>
+          <a:effectRef idx="1">
+            <a:schemeClr val="accent3"/>
+          </a:effectRef>
+          <a:fontRef idx="minor">
+            <a:schemeClr val="dk1"/>
+          </a:fontRef>
+        </p:style>
+        <p:txBody>
+          <a:bodyPr rtlCol="0" anchor="ctr"/>
+          <a:lstStyle/>
+          <a:p>
+            <a:pPr algn="ctr"/>
+            <a:endParaRPr lang="en-SG" sz="1400">
+              <a:solidFill>
+                <a:prstClr val="black"/>
+              </a:solidFill>
+              <a:latin typeface="Calibri"/>
+            </a:endParaRPr>
+          </a:p>
+        </p:txBody>
+      </p:sp>
+      <p:sp>
+        <p:nvSpPr>
+          <p:cNvPr id="101" name="TextBox 100">
+            <a:extLst>
+              <a:ext uri="{FF2B5EF4-FFF2-40B4-BE49-F238E27FC236}">
+                <a16:creationId xmlns:a16="http://schemas.microsoft.com/office/drawing/2014/main" id="{4FFDA7D7-5B61-4979-83C4-DE0F52D01109}"/>
+              </a:ext>
+            </a:extLst>
+          </p:cNvPr>
+          <p:cNvSpPr txBox="1"/>
+          <p:nvPr/>
+        </p:nvSpPr>
+        <p:spPr>
+          <a:xfrm>
+            <a:off x="6197815" y="3712105"/>
+            <a:ext cx="220343" cy="215444"/>
+          </a:xfrm>
+          <a:prstGeom prst="rect">
+            <a:avLst/>
+          </a:prstGeom>
+          <a:noFill/>
+        </p:spPr>
+        <p:txBody>
+          <a:bodyPr wrap="square" lIns="0" tIns="0" rIns="0" bIns="0" rtlCol="0">
+            <a:spAutoFit/>
+          </a:bodyPr>
+          <a:lstStyle>
+            <a:defPPr>
+              <a:defRPr lang="en-US"/>
+            </a:defPPr>
+            <a:lvl1pPr algn="r">
+              <a:defRPr sz="1400">
+                <a:solidFill>
+                  <a:srgbClr val="0070C0"/>
+                </a:solidFill>
+              </a:defRPr>
+            </a:lvl1pPr>
+          </a:lstStyle>
+          <a:p>
+            <a:r>
+              <a:rPr lang="en-US" dirty="0">
+                <a:latin typeface="Calibri"/>
+              </a:rPr>
+              <a:t>l</a:t>
+            </a:r>
+          </a:p>
+        </p:txBody>
+      </p:sp>
+      <p:cxnSp>
+        <p:nvCxnSpPr>
+          <p:cNvPr id="102" name="Straight Connector 101">
+            <a:extLst>
+              <a:ext uri="{FF2B5EF4-FFF2-40B4-BE49-F238E27FC236}">
+                <a16:creationId xmlns:a16="http://schemas.microsoft.com/office/drawing/2014/main" id="{347EB980-93F3-4661-BFCE-7572AC377838}"/>
+              </a:ext>
+            </a:extLst>
+          </p:cNvPr>
+          <p:cNvCxnSpPr>
+            <a:cxnSpLocks/>
+          </p:cNvCxnSpPr>
+          <p:nvPr/>
+        </p:nvCxnSpPr>
+        <p:spPr>
+          <a:xfrm>
+            <a:off x="8180668" y="3640396"/>
+            <a:ext cx="0" cy="723324"/>
+          </a:xfrm>
+          <a:prstGeom prst="line">
+            <a:avLst/>
+          </a:prstGeom>
+          <a:ln w="19050">
+            <a:solidFill>
+              <a:srgbClr val="0070C0"/>
+            </a:solidFill>
+            <a:prstDash val="sysDash"/>
+          </a:ln>
+          <a:effectLst/>
+        </p:spPr>
+        <p:style>
+          <a:lnRef idx="1">
+            <a:schemeClr val="accent1"/>
+          </a:lnRef>
+          <a:fillRef idx="2">
+            <a:schemeClr val="accent1"/>
+          </a:fillRef>
+          <a:effectRef idx="1">
+            <a:schemeClr val="accent1"/>
+          </a:effectRef>
+          <a:fontRef idx="minor">
+            <a:schemeClr val="dk1"/>
+          </a:fontRef>
+        </p:style>
+      </p:cxnSp>
+      <p:sp>
+        <p:nvSpPr>
+          <p:cNvPr id="103" name="Rectangle 102">
+            <a:extLst>
+              <a:ext uri="{FF2B5EF4-FFF2-40B4-BE49-F238E27FC236}">
+                <a16:creationId xmlns:a16="http://schemas.microsoft.com/office/drawing/2014/main" id="{A13B574E-3DBC-4EE8-ACDD-D66B11DFF994}"/>
+              </a:ext>
+            </a:extLst>
+          </p:cNvPr>
+          <p:cNvSpPr/>
+          <p:nvPr/>
+        </p:nvSpPr>
+        <p:spPr>
+          <a:xfrm>
+            <a:off x="8117578" y="4097316"/>
+            <a:ext cx="138942" cy="266402"/>
+          </a:xfrm>
+          <a:prstGeom prst="rect">
+            <a:avLst/>
+          </a:prstGeom>
+          <a:solidFill>
+            <a:srgbClr val="0070C0"/>
+          </a:solidFill>
+          <a:ln>
+            <a:solidFill>
+              <a:srgbClr val="0070C0"/>
+            </a:solidFill>
+          </a:ln>
+          <a:effectLst/>
+        </p:spPr>
+        <p:style>
+          <a:lnRef idx="1">
+            <a:schemeClr val="accent3"/>
+          </a:lnRef>
+          <a:fillRef idx="2">
+            <a:schemeClr val="accent3"/>
+          </a:fillRef>
+          <a:effectRef idx="1">
+            <a:schemeClr val="accent3"/>
+          </a:effectRef>
+          <a:fontRef idx="minor">
+            <a:schemeClr val="dk1"/>
+          </a:fontRef>
+        </p:style>
+        <p:txBody>
+          <a:bodyPr rtlCol="0" anchor="ctr"/>
+          <a:lstStyle/>
+          <a:p>
+            <a:pPr algn="ctr"/>
+            <a:endParaRPr lang="en-SG" sz="1400">
+              <a:solidFill>
+                <a:prstClr val="black"/>
+              </a:solidFill>
+              <a:latin typeface="Calibri"/>
+            </a:endParaRPr>
+          </a:p>
+        </p:txBody>
+      </p:sp>
+      <p:cxnSp>
+        <p:nvCxnSpPr>
+          <p:cNvPr id="107" name="Straight Arrow Connector 106">
+            <a:extLst>
+              <a:ext uri="{FF2B5EF4-FFF2-40B4-BE49-F238E27FC236}">
+                <a16:creationId xmlns:a16="http://schemas.microsoft.com/office/drawing/2014/main" id="{4E152355-9291-4494-9655-286C83458D28}"/>
+              </a:ext>
+            </a:extLst>
+          </p:cNvPr>
+          <p:cNvCxnSpPr>
+            <a:cxnSpLocks/>
+          </p:cNvCxnSpPr>
+          <p:nvPr/>
+        </p:nvCxnSpPr>
+        <p:spPr>
+          <a:xfrm>
+            <a:off x="5689976" y="4097316"/>
+            <a:ext cx="2421648" cy="0"/>
+          </a:xfrm>
+          <a:prstGeom prst="straightConnector1">
+            <a:avLst/>
+          </a:prstGeom>
+          <a:ln w="19050">
+            <a:solidFill>
+              <a:srgbClr val="0070C0"/>
+            </a:solidFill>
+            <a:tailEnd type="arrow"/>
+          </a:ln>
+        </p:spPr>
+        <p:style>
+          <a:lnRef idx="1">
+            <a:schemeClr val="accent1"/>
+          </a:lnRef>
+          <a:fillRef idx="0">
+            <a:schemeClr val="accent1"/>
+          </a:fillRef>
+          <a:effectRef idx="0">
+            <a:schemeClr val="accent1"/>
+          </a:effectRef>
+          <a:fontRef idx="minor">
+            <a:schemeClr val="tx1"/>
+          </a:fontRef>
+        </p:style>
+      </p:cxnSp>
+      <p:sp>
+        <p:nvSpPr>
+          <p:cNvPr id="114" name="TextBox 113">
+            <a:extLst>
+              <a:ext uri="{FF2B5EF4-FFF2-40B4-BE49-F238E27FC236}">
+                <a16:creationId xmlns:a16="http://schemas.microsoft.com/office/drawing/2014/main" id="{CED1B44B-EFE6-42B0-8D8B-B466893BD71D}"/>
+              </a:ext>
+            </a:extLst>
+          </p:cNvPr>
+          <p:cNvSpPr txBox="1"/>
+          <p:nvPr/>
+        </p:nvSpPr>
+        <p:spPr>
+          <a:xfrm>
+            <a:off x="6821720" y="3966195"/>
+            <a:ext cx="1150818" cy="107722"/>
+          </a:xfrm>
+          <a:prstGeom prst="rect">
+            <a:avLst/>
+          </a:prstGeom>
+          <a:noFill/>
+        </p:spPr>
+        <p:txBody>
+          <a:bodyPr wrap="square" lIns="0" tIns="0" rIns="0" bIns="0" rtlCol="0">
+            <a:spAutoFit/>
+          </a:bodyPr>
+          <a:lstStyle>
+            <a:defPPr>
+              <a:defRPr lang="en-US"/>
+            </a:defPPr>
+            <a:lvl1pPr algn="r">
+              <a:defRPr sz="1400">
+                <a:solidFill>
+                  <a:srgbClr val="0070C0"/>
+                </a:solidFill>
+              </a:defRPr>
+            </a:lvl1pPr>
+          </a:lstStyle>
+          <a:p>
+            <a:r>
+              <a:rPr lang="en-US" sz="700" dirty="0" err="1">
+                <a:latin typeface="Calibri"/>
+              </a:rPr>
+              <a:t>updatePayments</a:t>
+            </a:r>
+            <a:r>
+              <a:rPr lang="en-US" sz="700" dirty="0">
+                <a:latin typeface="Calibri"/>
+              </a:rPr>
+              <a:t>(l, p)</a:t>
+            </a:r>
+          </a:p>
+        </p:txBody>
+      </p:sp>
+      <p:cxnSp>
+        <p:nvCxnSpPr>
+          <p:cNvPr id="115" name="Straight Arrow Connector 114">
+            <a:extLst>
+              <a:ext uri="{FF2B5EF4-FFF2-40B4-BE49-F238E27FC236}">
+                <a16:creationId xmlns:a16="http://schemas.microsoft.com/office/drawing/2014/main" id="{2639CACC-CC7D-4331-AA72-1D1467FB44F6}"/>
+              </a:ext>
+            </a:extLst>
+          </p:cNvPr>
+          <p:cNvCxnSpPr>
+            <a:cxnSpLocks/>
+          </p:cNvCxnSpPr>
+          <p:nvPr/>
+        </p:nvCxnSpPr>
+        <p:spPr>
+          <a:xfrm>
+            <a:off x="5655463" y="4363718"/>
+            <a:ext cx="2456160" cy="0"/>
+          </a:xfrm>
+          <a:prstGeom prst="straightConnector1">
+            <a:avLst/>
+          </a:prstGeom>
+          <a:ln w="19050">
+            <a:solidFill>
+              <a:srgbClr val="0070C0"/>
+            </a:solidFill>
+            <a:prstDash val="sysDash"/>
+            <a:headEnd type="arrow" w="med" len="med"/>
+            <a:tailEnd type="none" w="med" len="med"/>
+          </a:ln>
+        </p:spPr>
+        <p:style>
+          <a:lnRef idx="1">
+            <a:schemeClr val="accent1"/>
+          </a:lnRef>
+          <a:fillRef idx="0">
+            <a:schemeClr val="accent1"/>
+          </a:fillRef>
+          <a:effectRef idx="0">
+            <a:schemeClr val="accent1"/>
+          </a:effectRef>
+          <a:fontRef idx="minor">
+            <a:schemeClr val="tx1"/>
+          </a:fontRef>
+        </p:style>
+      </p:cxnSp>
+      <p:sp>
+        <p:nvSpPr>
+          <p:cNvPr id="118" name="TextBox 117">
+            <a:extLst>
+              <a:ext uri="{FF2B5EF4-FFF2-40B4-BE49-F238E27FC236}">
+                <a16:creationId xmlns:a16="http://schemas.microsoft.com/office/drawing/2014/main" id="{B1018812-7701-4C64-9079-4B7D21DAB831}"/>
+              </a:ext>
+            </a:extLst>
+          </p:cNvPr>
+          <p:cNvSpPr txBox="1"/>
+          <p:nvPr/>
+        </p:nvSpPr>
+        <p:spPr>
+          <a:xfrm>
+            <a:off x="5956475" y="4421462"/>
+            <a:ext cx="220343" cy="215444"/>
+          </a:xfrm>
+          <a:prstGeom prst="rect">
+            <a:avLst/>
+          </a:prstGeom>
+          <a:noFill/>
+        </p:spPr>
+        <p:txBody>
+          <a:bodyPr wrap="square" lIns="0" tIns="0" rIns="0" bIns="0" rtlCol="0">
+            <a:spAutoFit/>
+          </a:bodyPr>
+          <a:lstStyle>
+            <a:defPPr>
+              <a:defRPr lang="en-US"/>
+            </a:defPPr>
+            <a:lvl1pPr algn="r">
+              <a:defRPr sz="1400">
+                <a:solidFill>
+                  <a:srgbClr val="0070C0"/>
+                </a:solidFill>
+              </a:defRPr>
+            </a:lvl1pPr>
+          </a:lstStyle>
+          <a:p>
+            <a:r>
+              <a:rPr lang="en-US" dirty="0">
+                <a:latin typeface="Calibri"/>
+              </a:rPr>
+              <a:t>l</a:t>
+            </a:r>
           </a:p>
         </p:txBody>
       </p:sp>

--- a/docs/diagrams/EditPaymentSequenceDiagram.pptx
+++ b/docs/diagrams/EditPaymentSequenceDiagram.pptx
@@ -3830,8 +3830,8 @@
         </p:nvSpPr>
         <p:spPr>
           <a:xfrm>
-            <a:off x="1500850" y="912165"/>
-            <a:ext cx="134932" cy="5007526"/>
+            <a:off x="1500850" y="912164"/>
+            <a:ext cx="133093" cy="5165899"/>
           </a:xfrm>
           <a:prstGeom prst="rect">
             <a:avLst/>
@@ -3882,8 +3882,8 @@
         </p:nvSpPr>
         <p:spPr>
           <a:xfrm>
-            <a:off x="2743200" y="365604"/>
-            <a:ext cx="1219200" cy="467684"/>
+            <a:off x="2697186" y="357729"/>
+            <a:ext cx="1278289" cy="467684"/>
           </a:xfrm>
           <a:prstGeom prst="rect">
             <a:avLst/>
@@ -3924,11 +3924,8 @@
                 </a:solidFill>
                 <a:latin typeface="Calibri"/>
               </a:rPr>
-              <a:t>:Address</a:t>
-            </a:r>
-          </a:p>
-          <a:p>
-            <a:pPr algn="ctr"/>
+              <a:t>:</a:t>
+            </a:r>
             <a:r>
               <a:rPr lang="en-US" sz="1600" dirty="0" err="1">
                 <a:solidFill>
@@ -3936,7 +3933,7 @@
                 </a:solidFill>
                 <a:latin typeface="Calibri"/>
               </a:rPr>
-              <a:t>BookParser</a:t>
+              <a:t>TutorHelperParser</a:t>
             </a:r>
             <a:endParaRPr lang="en-SG" sz="1600" dirty="0">
               <a:solidFill>
@@ -3952,14 +3949,13 @@
           <p:cNvPr id="17" name="Straight Connector 16"/>
           <p:cNvCxnSpPr>
             <a:cxnSpLocks/>
-            <a:stCxn id="16" idx="2"/>
           </p:cNvCxnSpPr>
           <p:nvPr/>
         </p:nvCxnSpPr>
         <p:spPr>
-          <a:xfrm>
-            <a:off x="3352800" y="833288"/>
-            <a:ext cx="0" cy="2213910"/>
+          <a:xfrm flipH="1">
+            <a:off x="3315939" y="825413"/>
+            <a:ext cx="29544" cy="2213910"/>
           </a:xfrm>
           <a:prstGeom prst="line">
             <a:avLst/>
@@ -4297,43 +4293,7 @@
                 </a:solidFill>
                 <a:latin typeface="Calibri"/>
               </a:rPr>
-              <a:t>execute(“paid </a:t>
-            </a:r>
-            <a:r>
-              <a:rPr lang="en-US" sz="1200" dirty="0" err="1">
-                <a:solidFill>
-                  <a:srgbClr val="0070C0"/>
-                </a:solidFill>
-                <a:latin typeface="Calibri"/>
-              </a:rPr>
-              <a:t>idx</a:t>
-            </a:r>
-            <a:r>
-              <a:rPr lang="en-US" sz="1200" dirty="0">
-                <a:solidFill>
-                  <a:srgbClr val="0070C0"/>
-                </a:solidFill>
-                <a:latin typeface="Calibri"/>
-              </a:rPr>
-              <a:t>/1 </a:t>
-            </a:r>
-            <a:r>
-              <a:rPr lang="en-US" sz="1200" dirty="0" err="1">
-                <a:solidFill>
-                  <a:srgbClr val="0070C0"/>
-                </a:solidFill>
-                <a:latin typeface="Calibri"/>
-              </a:rPr>
-              <a:t>amt</a:t>
-            </a:r>
-            <a:r>
-              <a:rPr lang="en-US" sz="1200" dirty="0">
-                <a:solidFill>
-                  <a:srgbClr val="0070C0"/>
-                </a:solidFill>
-                <a:latin typeface="Calibri"/>
-              </a:rPr>
-              <a:t>/200 m/8 y/2018”)</a:t>
+              <a:t>execute(“paid 1 200 8 2018”)</a:t>
             </a:r>
           </a:p>
         </p:txBody>
@@ -4508,7 +4468,7 @@
         </p:nvCxnSpPr>
         <p:spPr>
           <a:xfrm>
-            <a:off x="304801" y="5783424"/>
+            <a:off x="327666" y="6073660"/>
             <a:ext cx="1196051" cy="0"/>
           </a:xfrm>
           <a:prstGeom prst="straightConnector1">
@@ -4889,8 +4849,8 @@
         </p:nvCxnSpPr>
         <p:spPr>
           <a:xfrm flipV="1">
-            <a:off x="1225771" y="5818904"/>
-            <a:ext cx="4418213" cy="2"/>
+            <a:off x="1653251" y="5818904"/>
+            <a:ext cx="3990733" cy="31450"/>
           </a:xfrm>
           <a:prstGeom prst="straightConnector1">
             <a:avLst/>
@@ -4982,7 +4942,7 @@
         <p:spPr>
           <a:xfrm>
             <a:off x="3552696" y="1620361"/>
-            <a:ext cx="884073" cy="553998"/>
+            <a:ext cx="884073" cy="369332"/>
           </a:xfrm>
           <a:prstGeom prst="rect">
             <a:avLst/>
@@ -5010,31 +4970,7 @@
               <a:rPr lang="en-US" sz="1200" dirty="0">
                 <a:latin typeface="Calibri"/>
               </a:rPr>
-              <a:t>parse(“</a:t>
-            </a:r>
-            <a:r>
-              <a:rPr lang="en-US" sz="1200" dirty="0" err="1">
-                <a:latin typeface="Calibri"/>
-              </a:rPr>
-              <a:t>idx</a:t>
-            </a:r>
-            <a:r>
-              <a:rPr lang="en-US" sz="1200" dirty="0">
-                <a:latin typeface="Calibri"/>
-              </a:rPr>
-              <a:t>/1 </a:t>
-            </a:r>
-            <a:r>
-              <a:rPr lang="en-US" sz="1200" dirty="0" err="1">
-                <a:latin typeface="Calibri"/>
-              </a:rPr>
-              <a:t>amt</a:t>
-            </a:r>
-            <a:r>
-              <a:rPr lang="en-US" sz="1200" dirty="0">
-                <a:latin typeface="Calibri"/>
-              </a:rPr>
-              <a:t>/200 m/8 y/2018”)</a:t>
+              <a:t>parse(“1 200 82018”)</a:t>
             </a:r>
           </a:p>
         </p:txBody>
@@ -5048,7 +4984,7 @@
         <p:spPr>
           <a:xfrm>
             <a:off x="1742982" y="899005"/>
-            <a:ext cx="1424846" cy="646331"/>
+            <a:ext cx="1424846" cy="430887"/>
           </a:xfrm>
           <a:prstGeom prst="rect">
             <a:avLst/>
@@ -5076,31 +5012,7 @@
               <a:rPr lang="en-US" dirty="0">
                 <a:latin typeface="Calibri"/>
               </a:rPr>
-              <a:t>parse (“paid </a:t>
-            </a:r>
-            <a:r>
-              <a:rPr lang="en-US" dirty="0" err="1">
-                <a:latin typeface="Calibri"/>
-              </a:rPr>
-              <a:t>idx</a:t>
-            </a:r>
-            <a:r>
-              <a:rPr lang="en-US" dirty="0">
-                <a:latin typeface="Calibri"/>
-              </a:rPr>
-              <a:t>/1 </a:t>
-            </a:r>
-            <a:r>
-              <a:rPr lang="en-US" dirty="0" err="1">
-                <a:latin typeface="Calibri"/>
-              </a:rPr>
-              <a:t>amt</a:t>
-            </a:r>
-            <a:r>
-              <a:rPr lang="en-US" dirty="0">
-                <a:latin typeface="Calibri"/>
-              </a:rPr>
-              <a:t>/200 m/8 y/2018”)</a:t>
+              <a:t>parse (“paid 1 200 8 2018”)</a:t>
             </a:r>
           </a:p>
         </p:txBody>
@@ -5155,7 +5067,7 @@
         </p:nvSpPr>
         <p:spPr>
           <a:xfrm>
-            <a:off x="599983" y="5530712"/>
+            <a:off x="622848" y="5820948"/>
             <a:ext cx="762000" cy="215444"/>
           </a:xfrm>
           <a:prstGeom prst="rect">

--- a/docs/diagrams/EditPaymentSequenceDiagram.pptx
+++ b/docs/diagrams/EditPaymentSequenceDiagram.pptx
@@ -197,7 +197,7 @@
           <a:p>
             <a:fld id="{62511F6D-3957-4073-A6EA-8AA084D57D2E}" type="datetimeFigureOut">
               <a:rPr lang="en-US" smtClean="0"/>
-              <a:t>11/10/2018</a:t>
+              <a:t>10/23/2018</a:t>
             </a:fld>
             <a:endParaRPr lang="en-US"/>
           </a:p>
@@ -795,7 +795,7 @@
           <a:p>
             <a:fld id="{78C97017-6FC3-485B-9764-EAC9E56C1D49}" type="datetimeFigureOut">
               <a:rPr lang="en-US" smtClean="0"/>
-              <a:t>11/10/2018</a:t>
+              <a:t>10/23/2018</a:t>
             </a:fld>
             <a:endParaRPr lang="en-US"/>
           </a:p>
@@ -963,7 +963,7 @@
           <a:p>
             <a:fld id="{78C97017-6FC3-485B-9764-EAC9E56C1D49}" type="datetimeFigureOut">
               <a:rPr lang="en-US" smtClean="0"/>
-              <a:t>11/10/2018</a:t>
+              <a:t>10/23/2018</a:t>
             </a:fld>
             <a:endParaRPr lang="en-US"/>
           </a:p>
@@ -1141,7 +1141,7 @@
           <a:p>
             <a:fld id="{78C97017-6FC3-485B-9764-EAC9E56C1D49}" type="datetimeFigureOut">
               <a:rPr lang="en-US" smtClean="0"/>
-              <a:t>11/10/2018</a:t>
+              <a:t>10/23/2018</a:t>
             </a:fld>
             <a:endParaRPr lang="en-US"/>
           </a:p>
@@ -1309,7 +1309,7 @@
           <a:p>
             <a:fld id="{78C97017-6FC3-485B-9764-EAC9E56C1D49}" type="datetimeFigureOut">
               <a:rPr lang="en-US" smtClean="0"/>
-              <a:t>11/10/2018</a:t>
+              <a:t>10/23/2018</a:t>
             </a:fld>
             <a:endParaRPr lang="en-US"/>
           </a:p>
@@ -1554,7 +1554,7 @@
           <a:p>
             <a:fld id="{78C97017-6FC3-485B-9764-EAC9E56C1D49}" type="datetimeFigureOut">
               <a:rPr lang="en-US" smtClean="0"/>
-              <a:t>11/10/2018</a:t>
+              <a:t>10/23/2018</a:t>
             </a:fld>
             <a:endParaRPr lang="en-US"/>
           </a:p>
@@ -1839,7 +1839,7 @@
           <a:p>
             <a:fld id="{78C97017-6FC3-485B-9764-EAC9E56C1D49}" type="datetimeFigureOut">
               <a:rPr lang="en-US" smtClean="0"/>
-              <a:t>11/10/2018</a:t>
+              <a:t>10/23/2018</a:t>
             </a:fld>
             <a:endParaRPr lang="en-US"/>
           </a:p>
@@ -2258,7 +2258,7 @@
           <a:p>
             <a:fld id="{78C97017-6FC3-485B-9764-EAC9E56C1D49}" type="datetimeFigureOut">
               <a:rPr lang="en-US" smtClean="0"/>
-              <a:t>11/10/2018</a:t>
+              <a:t>10/23/2018</a:t>
             </a:fld>
             <a:endParaRPr lang="en-US"/>
           </a:p>
@@ -2375,7 +2375,7 @@
           <a:p>
             <a:fld id="{78C97017-6FC3-485B-9764-EAC9E56C1D49}" type="datetimeFigureOut">
               <a:rPr lang="en-US" smtClean="0"/>
-              <a:t>11/10/2018</a:t>
+              <a:t>10/23/2018</a:t>
             </a:fld>
             <a:endParaRPr lang="en-US"/>
           </a:p>
@@ -2470,7 +2470,7 @@
           <a:p>
             <a:fld id="{78C97017-6FC3-485B-9764-EAC9E56C1D49}" type="datetimeFigureOut">
               <a:rPr lang="en-US" smtClean="0"/>
-              <a:t>11/10/2018</a:t>
+              <a:t>10/23/2018</a:t>
             </a:fld>
             <a:endParaRPr lang="en-US"/>
           </a:p>
@@ -2745,7 +2745,7 @@
           <a:p>
             <a:fld id="{78C97017-6FC3-485B-9764-EAC9E56C1D49}" type="datetimeFigureOut">
               <a:rPr lang="en-US" smtClean="0"/>
-              <a:t>11/10/2018</a:t>
+              <a:t>10/23/2018</a:t>
             </a:fld>
             <a:endParaRPr lang="en-US"/>
           </a:p>
@@ -2997,7 +2997,7 @@
           <a:p>
             <a:fld id="{78C97017-6FC3-485B-9764-EAC9E56C1D49}" type="datetimeFigureOut">
               <a:rPr lang="en-US" smtClean="0"/>
-              <a:t>11/10/2018</a:t>
+              <a:t>10/23/2018</a:t>
             </a:fld>
             <a:endParaRPr lang="en-US"/>
           </a:p>
@@ -3208,7 +3208,7 @@
           <a:p>
             <a:fld id="{78C97017-6FC3-485B-9764-EAC9E56C1D49}" type="datetimeFigureOut">
               <a:rPr lang="en-US" smtClean="0"/>
-              <a:t>11/10/2018</a:t>
+              <a:t>10/23/2018</a:t>
             </a:fld>
             <a:endParaRPr lang="en-US"/>
           </a:p>
@@ -3597,8 +3597,8 @@
         </p:nvSpPr>
         <p:spPr>
           <a:xfrm>
-            <a:off x="9513560" y="137181"/>
-            <a:ext cx="1357863" cy="6029200"/>
+            <a:off x="9208697" y="851007"/>
+            <a:ext cx="1357863" cy="5859923"/>
           </a:xfrm>
           <a:prstGeom prst="roundRect">
             <a:avLst>
@@ -3657,8 +3657,8 @@
         </p:nvSpPr>
         <p:spPr>
           <a:xfrm>
-            <a:off x="611732" y="137181"/>
-            <a:ext cx="8837067" cy="6029200"/>
+            <a:off x="2135733" y="847633"/>
+            <a:ext cx="7012450" cy="5859923"/>
           </a:xfrm>
           <a:prstGeom prst="roundRect">
             <a:avLst>
@@ -3720,7 +3720,7 @@
         </p:nvSpPr>
         <p:spPr>
           <a:xfrm>
-            <a:off x="845046" y="482841"/>
+            <a:off x="2369046" y="1260237"/>
             <a:ext cx="1455629" cy="346760"/>
           </a:xfrm>
           <a:prstGeom prst="rect">
@@ -3793,7 +3793,7 @@
         </p:nvCxnSpPr>
         <p:spPr>
           <a:xfrm>
-            <a:off x="1572860" y="829602"/>
+            <a:off x="3096860" y="1606998"/>
             <a:ext cx="0" cy="3650803"/>
           </a:xfrm>
           <a:prstGeom prst="line">
@@ -3830,8 +3830,8 @@
         </p:nvSpPr>
         <p:spPr>
           <a:xfrm>
-            <a:off x="1500850" y="912164"/>
-            <a:ext cx="133093" cy="5165899"/>
+            <a:off x="3024850" y="1600201"/>
+            <a:ext cx="121416" cy="4860666"/>
           </a:xfrm>
           <a:prstGeom prst="rect">
             <a:avLst/>
@@ -3882,8 +3882,8 @@
         </p:nvSpPr>
         <p:spPr>
           <a:xfrm>
-            <a:off x="2697186" y="357729"/>
-            <a:ext cx="1278289" cy="467684"/>
+            <a:off x="4267200" y="1143000"/>
+            <a:ext cx="1219200" cy="467684"/>
           </a:xfrm>
           <a:prstGeom prst="rect">
             <a:avLst/>
@@ -3924,8 +3924,11 @@
                 </a:solidFill>
                 <a:latin typeface="Calibri"/>
               </a:rPr>
-              <a:t>:</a:t>
-            </a:r>
+              <a:t>:Address</a:t>
+            </a:r>
+          </a:p>
+          <a:p>
+            <a:pPr algn="ctr"/>
             <a:r>
               <a:rPr lang="en-US" sz="1600" dirty="0" err="1">
                 <a:solidFill>
@@ -3933,7 +3936,7 @@
                 </a:solidFill>
                 <a:latin typeface="Calibri"/>
               </a:rPr>
-              <a:t>TutorHelperParser</a:t>
+              <a:t>BookParser</a:t>
             </a:r>
             <a:endParaRPr lang="en-SG" sz="1600" dirty="0">
               <a:solidFill>
@@ -3949,13 +3952,14 @@
           <p:cNvPr id="17" name="Straight Connector 16"/>
           <p:cNvCxnSpPr>
             <a:cxnSpLocks/>
+            <a:stCxn id="16" idx="2"/>
           </p:cNvCxnSpPr>
           <p:nvPr/>
         </p:nvCxnSpPr>
         <p:spPr>
-          <a:xfrm flipH="1">
-            <a:off x="3315939" y="825413"/>
-            <a:ext cx="29544" cy="2213910"/>
+          <a:xfrm>
+            <a:off x="4876801" y="1610684"/>
+            <a:ext cx="3799" cy="2748594"/>
           </a:xfrm>
           <a:prstGeom prst="line">
             <a:avLst/>
@@ -3991,8 +3995,8 @@
         </p:nvSpPr>
         <p:spPr>
           <a:xfrm>
-            <a:off x="3272374" y="917791"/>
-            <a:ext cx="155699" cy="1999143"/>
+            <a:off x="4769945" y="1626318"/>
+            <a:ext cx="224682" cy="2489871"/>
           </a:xfrm>
           <a:prstGeom prst="rect">
             <a:avLst/>
@@ -4043,8 +4047,8 @@
         </p:nvSpPr>
         <p:spPr>
           <a:xfrm>
-            <a:off x="5213820" y="1566467"/>
-            <a:ext cx="852827" cy="317402"/>
+            <a:off x="6737821" y="2343862"/>
+            <a:ext cx="850026" cy="358365"/>
           </a:xfrm>
           <a:prstGeom prst="rect">
             <a:avLst/>
@@ -4106,7 +4110,7 @@
         </p:nvCxnSpPr>
         <p:spPr>
           <a:xfrm>
-            <a:off x="5627253" y="2140249"/>
+            <a:off x="7151253" y="2681425"/>
             <a:ext cx="28210" cy="2686588"/>
           </a:xfrm>
           <a:prstGeom prst="line">
@@ -4143,7 +4147,7 @@
         </p:nvSpPr>
         <p:spPr>
           <a:xfrm>
-            <a:off x="5562601" y="1896584"/>
+            <a:off x="7086601" y="2673980"/>
             <a:ext cx="117613" cy="185051"/>
           </a:xfrm>
           <a:prstGeom prst="rect">
@@ -4197,7 +4201,7 @@
         </p:nvCxnSpPr>
         <p:spPr>
           <a:xfrm>
-            <a:off x="380999" y="929330"/>
+            <a:off x="1905001" y="1978290"/>
             <a:ext cx="1119851" cy="0"/>
           </a:xfrm>
           <a:prstGeom prst="straightConnector1">
@@ -4235,8 +4239,8 @@
         </p:nvCxnSpPr>
         <p:spPr>
           <a:xfrm flipV="1">
-            <a:off x="1653251" y="1125503"/>
-            <a:ext cx="1619123" cy="1"/>
+            <a:off x="3177251" y="1902898"/>
+            <a:ext cx="1596514" cy="1"/>
           </a:xfrm>
           <a:prstGeom prst="straightConnector1">
             <a:avLst/>
@@ -4271,7 +4275,7 @@
         </p:nvSpPr>
         <p:spPr>
           <a:xfrm>
-            <a:off x="13336" y="990595"/>
+            <a:off x="1524000" y="2051160"/>
             <a:ext cx="1424846" cy="369332"/>
           </a:xfrm>
           <a:prstGeom prst="rect">
@@ -4293,7 +4297,43 @@
                 </a:solidFill>
                 <a:latin typeface="Calibri"/>
               </a:rPr>
-              <a:t>execute(“paid 1 200 8 2018”)</a:t>
+              <a:t>execute(“paid </a:t>
+            </a:r>
+            <a:r>
+              <a:rPr lang="en-US" sz="1200" dirty="0" err="1">
+                <a:solidFill>
+                  <a:srgbClr val="0070C0"/>
+                </a:solidFill>
+                <a:latin typeface="Calibri"/>
+              </a:rPr>
+              <a:t>idx</a:t>
+            </a:r>
+            <a:r>
+              <a:rPr lang="en-US" sz="1200" dirty="0">
+                <a:solidFill>
+                  <a:srgbClr val="0070C0"/>
+                </a:solidFill>
+                <a:latin typeface="Calibri"/>
+              </a:rPr>
+              <a:t>/1 </a:t>
+            </a:r>
+            <a:r>
+              <a:rPr lang="en-US" sz="1200" dirty="0" err="1">
+                <a:solidFill>
+                  <a:srgbClr val="0070C0"/>
+                </a:solidFill>
+                <a:latin typeface="Calibri"/>
+              </a:rPr>
+              <a:t>amt</a:t>
+            </a:r>
+            <a:r>
+              <a:rPr lang="en-US" sz="1200" dirty="0">
+                <a:solidFill>
+                  <a:srgbClr val="0070C0"/>
+                </a:solidFill>
+                <a:latin typeface="Calibri"/>
+              </a:rPr>
+              <a:t>/200 m/8 y/2018”)</a:t>
             </a:r>
           </a:p>
         </p:txBody>
@@ -4308,7 +4348,7 @@
         </p:nvCxnSpPr>
         <p:spPr>
           <a:xfrm>
-            <a:off x="4818085" y="1773916"/>
+            <a:off x="6342085" y="2551312"/>
             <a:ext cx="383077" cy="0"/>
           </a:xfrm>
           <a:prstGeom prst="straightConnector1">
@@ -4344,7 +4384,7 @@
         </p:nvSpPr>
         <p:spPr>
           <a:xfrm>
-            <a:off x="3352801" y="2918304"/>
+            <a:off x="4876801" y="4191000"/>
             <a:ext cx="855809" cy="215444"/>
           </a:xfrm>
           <a:prstGeom prst="rect">
@@ -4388,7 +4428,7 @@
         </p:nvCxnSpPr>
         <p:spPr>
           <a:xfrm>
-            <a:off x="4826241" y="2076935"/>
+            <a:off x="6350241" y="2854331"/>
             <a:ext cx="809294" cy="2043"/>
           </a:xfrm>
           <a:prstGeom prst="straightConnector1">
@@ -4428,7 +4468,7 @@
         </p:nvCxnSpPr>
         <p:spPr>
           <a:xfrm flipV="1">
-            <a:off x="1635848" y="2903782"/>
+            <a:off x="3159848" y="4109422"/>
             <a:ext cx="1630852" cy="13156"/>
           </a:xfrm>
           <a:prstGeom prst="straightConnector1">
@@ -4468,7 +4508,7 @@
         </p:nvCxnSpPr>
         <p:spPr>
           <a:xfrm>
-            <a:off x="327666" y="6073660"/>
+            <a:off x="1828801" y="6324600"/>
             <a:ext cx="1196051" cy="0"/>
           </a:xfrm>
           <a:prstGeom prst="straightConnector1">
@@ -4506,7 +4546,7 @@
         </p:nvSpPr>
         <p:spPr>
           <a:xfrm>
-            <a:off x="9808430" y="4945224"/>
+            <a:off x="9470411" y="5486400"/>
             <a:ext cx="878029" cy="228600"/>
           </a:xfrm>
           <a:prstGeom prst="rect">
@@ -4575,7 +4615,7 @@
         </p:nvCxnSpPr>
         <p:spPr>
           <a:xfrm>
-            <a:off x="1622266" y="3156652"/>
+            <a:off x="3146266" y="4429348"/>
             <a:ext cx="3972124" cy="4742"/>
           </a:xfrm>
           <a:prstGeom prst="straightConnector1">
@@ -4611,8 +4651,8 @@
         </p:nvSpPr>
         <p:spPr>
           <a:xfrm>
-            <a:off x="5599895" y="3155974"/>
-            <a:ext cx="88177" cy="2662930"/>
+            <a:off x="7123895" y="4417678"/>
+            <a:ext cx="108529" cy="1942402"/>
           </a:xfrm>
           <a:prstGeom prst="rect">
             <a:avLst/>
@@ -4666,7 +4706,7 @@
         </p:nvCxnSpPr>
         <p:spPr>
           <a:xfrm>
-            <a:off x="10247444" y="5173825"/>
+            <a:off x="9909425" y="5715001"/>
             <a:ext cx="13180" cy="904239"/>
           </a:xfrm>
           <a:prstGeom prst="line">
@@ -4706,7 +4746,7 @@
         </p:nvSpPr>
         <p:spPr>
           <a:xfrm>
-            <a:off x="10187717" y="5250693"/>
+            <a:off x="9849698" y="5769495"/>
             <a:ext cx="119322" cy="45719"/>
           </a:xfrm>
           <a:prstGeom prst="rect">
@@ -4767,7 +4807,7 @@
         </p:nvCxnSpPr>
         <p:spPr>
           <a:xfrm>
-            <a:off x="5678960" y="5475555"/>
+            <a:off x="7202960" y="5948151"/>
             <a:ext cx="183778" cy="5627"/>
           </a:xfrm>
           <a:prstGeom prst="straightConnector1">
@@ -4800,13 +4840,14 @@
           <p:cNvPr id="76" name="Straight Arrow Connector 75"/>
           <p:cNvCxnSpPr>
             <a:cxnSpLocks/>
+            <a:endCxn id="73" idx="2"/>
           </p:cNvCxnSpPr>
           <p:nvPr/>
         </p:nvCxnSpPr>
         <p:spPr>
           <a:xfrm>
-            <a:off x="5708424" y="5274037"/>
-            <a:ext cx="4538954" cy="0"/>
+            <a:off x="7232423" y="5792593"/>
+            <a:ext cx="2676936" cy="22620"/>
           </a:xfrm>
           <a:prstGeom prst="straightConnector1">
             <a:avLst/>
@@ -4849,8 +4890,8 @@
         </p:nvCxnSpPr>
         <p:spPr>
           <a:xfrm flipV="1">
-            <a:off x="1653251" y="5818904"/>
-            <a:ext cx="3990733" cy="31450"/>
+            <a:off x="2749771" y="6360080"/>
+            <a:ext cx="4428389" cy="2"/>
           </a:xfrm>
           <a:prstGeom prst="straightConnector1">
             <a:avLst/>
@@ -4887,8 +4928,8 @@
         </p:nvSpPr>
         <p:spPr>
           <a:xfrm>
-            <a:off x="6136076" y="4927294"/>
-            <a:ext cx="1800153" cy="123111"/>
+            <a:off x="7588715" y="5466040"/>
+            <a:ext cx="1424846" cy="123111"/>
           </a:xfrm>
           <a:prstGeom prst="rect">
             <a:avLst/>
@@ -4919,7 +4960,7 @@
                 </a:solidFill>
                 <a:latin typeface="Calibri"/>
               </a:rPr>
-              <a:t>updateStudentInternalField</a:t>
+              <a:t>updatePerson</a:t>
             </a:r>
             <a:r>
               <a:rPr lang="en-US" sz="800" dirty="0">
@@ -4928,7 +4969,7 @@
                 </a:solidFill>
                 <a:latin typeface="Calibri"/>
               </a:rPr>
-              <a:t>(t, edited)</a:t>
+              <a:t>(edited)</a:t>
             </a:r>
           </a:p>
         </p:txBody>
@@ -4941,8 +4982,8 @@
         </p:nvSpPr>
         <p:spPr>
           <a:xfrm>
-            <a:off x="3552696" y="1620361"/>
-            <a:ext cx="884073" cy="369332"/>
+            <a:off x="5076696" y="2525773"/>
+            <a:ext cx="884073" cy="553998"/>
           </a:xfrm>
           <a:prstGeom prst="rect">
             <a:avLst/>
@@ -4970,7 +5011,31 @@
               <a:rPr lang="en-US" sz="1200" dirty="0">
                 <a:latin typeface="Calibri"/>
               </a:rPr>
-              <a:t>parse(“1 200 82018”)</a:t>
+              <a:t>parse(“</a:t>
+            </a:r>
+            <a:r>
+              <a:rPr lang="en-US" sz="1200" dirty="0" err="1">
+                <a:latin typeface="Calibri"/>
+              </a:rPr>
+              <a:t>idx</a:t>
+            </a:r>
+            <a:r>
+              <a:rPr lang="en-US" sz="1200" dirty="0">
+                <a:latin typeface="Calibri"/>
+              </a:rPr>
+              <a:t>/1 </a:t>
+            </a:r>
+            <a:r>
+              <a:rPr lang="en-US" sz="1200" dirty="0" err="1">
+                <a:latin typeface="Calibri"/>
+              </a:rPr>
+              <a:t>amt</a:t>
+            </a:r>
+            <a:r>
+              <a:rPr lang="en-US" sz="1200" dirty="0">
+                <a:latin typeface="Calibri"/>
+              </a:rPr>
+              <a:t>/200 m/8 y/2018”)</a:t>
             </a:r>
           </a:p>
         </p:txBody>
@@ -4983,8 +5048,8 @@
         </p:nvSpPr>
         <p:spPr>
           <a:xfrm>
-            <a:off x="1742982" y="899005"/>
-            <a:ext cx="1424846" cy="430887"/>
+            <a:off x="3266982" y="1676401"/>
+            <a:ext cx="1424846" cy="646331"/>
           </a:xfrm>
           <a:prstGeom prst="rect">
             <a:avLst/>
@@ -5012,7 +5077,31 @@
               <a:rPr lang="en-US" dirty="0">
                 <a:latin typeface="Calibri"/>
               </a:rPr>
-              <a:t>parse (“paid 1 200 8 2018”)</a:t>
+              <a:t>parse (“paid </a:t>
+            </a:r>
+            <a:r>
+              <a:rPr lang="en-US" dirty="0" err="1">
+                <a:latin typeface="Calibri"/>
+              </a:rPr>
+              <a:t>idx</a:t>
+            </a:r>
+            <a:r>
+              <a:rPr lang="en-US" dirty="0">
+                <a:latin typeface="Calibri"/>
+              </a:rPr>
+              <a:t>/1 </a:t>
+            </a:r>
+            <a:r>
+              <a:rPr lang="en-US" dirty="0" err="1">
+                <a:latin typeface="Calibri"/>
+              </a:rPr>
+              <a:t>amt</a:t>
+            </a:r>
+            <a:r>
+              <a:rPr lang="en-US" dirty="0">
+                <a:latin typeface="Calibri"/>
+              </a:rPr>
+              <a:t>/200 m/8 y/2018”)</a:t>
             </a:r>
           </a:p>
         </p:txBody>
@@ -5025,7 +5114,7 @@
         </p:nvSpPr>
         <p:spPr>
           <a:xfrm>
-            <a:off x="4340137" y="5552347"/>
+            <a:off x="5864137" y="6093523"/>
             <a:ext cx="621216" cy="215444"/>
           </a:xfrm>
           <a:prstGeom prst="rect">
@@ -5067,7 +5156,7 @@
         </p:nvSpPr>
         <p:spPr>
           <a:xfrm>
-            <a:off x="622848" y="5820948"/>
+            <a:off x="2123983" y="6071888"/>
             <a:ext cx="762000" cy="215444"/>
           </a:xfrm>
           <a:prstGeom prst="rect">
@@ -5109,7 +5198,7 @@
         </p:nvSpPr>
         <p:spPr>
           <a:xfrm>
-            <a:off x="5862738" y="5364992"/>
+            <a:off x="7386738" y="5837588"/>
             <a:ext cx="1676400" cy="232379"/>
           </a:xfrm>
           <a:prstGeom prst="rect">
@@ -5151,7 +5240,16 @@
                 </a:solidFill>
                 <a:latin typeface="Calibri"/>
               </a:rPr>
-              <a:t>result:CommandResult</a:t>
+              <a:t>result:Command</a:t>
+            </a:r>
+            <a:r>
+              <a:rPr lang="en-US" sz="1200" dirty="0">
+                <a:solidFill>
+                  <a:prstClr val="white"/>
+                </a:solidFill>
+                <a:latin typeface="Calibri"/>
+              </a:rPr>
+              <a:t> Result</a:t>
             </a:r>
             <a:endParaRPr lang="en-SG" sz="1200" dirty="0">
               <a:solidFill>
@@ -5170,8 +5268,8 @@
         </p:nvSpPr>
         <p:spPr>
           <a:xfrm>
-            <a:off x="6624738" y="5610087"/>
-            <a:ext cx="152400" cy="113636"/>
+            <a:off x="8148738" y="6078283"/>
+            <a:ext cx="152400" cy="171376"/>
           </a:xfrm>
           <a:prstGeom prst="rect">
             <a:avLst/>
@@ -5224,7 +5322,7 @@
         </p:nvCxnSpPr>
         <p:spPr>
           <a:xfrm>
-            <a:off x="5713928" y="5719348"/>
+            <a:off x="7237928" y="6260524"/>
             <a:ext cx="910811" cy="0"/>
           </a:xfrm>
           <a:prstGeom prst="straightConnector1">
@@ -5262,7 +5360,7 @@
         </p:nvSpPr>
         <p:spPr>
           <a:xfrm>
-            <a:off x="2673846" y="2688338"/>
+            <a:off x="4197846" y="3893978"/>
             <a:ext cx="220343" cy="215444"/>
           </a:xfrm>
           <a:prstGeom prst="rect">
@@ -5304,7 +5402,7 @@
         </p:nvSpPr>
         <p:spPr>
           <a:xfrm>
-            <a:off x="3784400" y="975205"/>
+            <a:off x="5308400" y="1752601"/>
             <a:ext cx="1778201" cy="432035"/>
           </a:xfrm>
           <a:prstGeom prst="rect">
@@ -5394,8 +5492,8 @@
         </p:nvCxnSpPr>
         <p:spPr>
           <a:xfrm>
-            <a:off x="3429001" y="1633916"/>
-            <a:ext cx="1191295" cy="0"/>
+            <a:off x="4967981" y="2539328"/>
+            <a:ext cx="1176315" cy="0"/>
           </a:xfrm>
           <a:prstGeom prst="straightConnector1">
             <a:avLst/>
@@ -5428,7 +5526,7 @@
         </p:nvSpPr>
         <p:spPr>
           <a:xfrm>
-            <a:off x="4612242" y="1406027"/>
+            <a:off x="6136242" y="2183423"/>
             <a:ext cx="205843" cy="123165"/>
           </a:xfrm>
           <a:prstGeom prst="rect">
@@ -5482,8 +5580,8 @@
         </p:nvCxnSpPr>
         <p:spPr>
           <a:xfrm>
-            <a:off x="4715288" y="1408834"/>
-            <a:ext cx="0" cy="1657839"/>
+            <a:off x="6239288" y="2175562"/>
+            <a:ext cx="3799" cy="2135303"/>
           </a:xfrm>
           <a:prstGeom prst="line">
             <a:avLst/>
@@ -5519,8 +5617,8 @@
         </p:nvSpPr>
         <p:spPr>
           <a:xfrm>
-            <a:off x="4620592" y="1620202"/>
-            <a:ext cx="198331" cy="1290158"/>
+            <a:off x="6144592" y="2539330"/>
+            <a:ext cx="201395" cy="1575470"/>
           </a:xfrm>
           <a:prstGeom prst="rect">
             <a:avLst/>
@@ -5573,7 +5671,7 @@
         </p:nvCxnSpPr>
         <p:spPr>
           <a:xfrm>
-            <a:off x="3459520" y="2903421"/>
+            <a:off x="4983520" y="4109061"/>
             <a:ext cx="1165315" cy="1"/>
           </a:xfrm>
           <a:prstGeom prst="straightConnector1">
@@ -5613,7 +5711,7 @@
         </p:nvCxnSpPr>
         <p:spPr>
           <a:xfrm flipV="1">
-            <a:off x="3429001" y="1242355"/>
+            <a:off x="4953001" y="2019751"/>
             <a:ext cx="358137" cy="3411"/>
           </a:xfrm>
           <a:prstGeom prst="straightConnector1">
@@ -5651,8 +5749,8 @@
         </p:nvCxnSpPr>
         <p:spPr>
           <a:xfrm>
-            <a:off x="3439965" y="1521330"/>
-            <a:ext cx="1172400" cy="0"/>
+            <a:off x="4983519" y="2298726"/>
+            <a:ext cx="1152846" cy="0"/>
           </a:xfrm>
           <a:prstGeom prst="straightConnector1">
             <a:avLst/>
@@ -5689,7 +5787,7 @@
         </p:nvSpPr>
         <p:spPr>
           <a:xfrm>
-            <a:off x="4500623" y="2916393"/>
+            <a:off x="6015902" y="4156741"/>
             <a:ext cx="463460" cy="261610"/>
           </a:xfrm>
           <a:prstGeom prst="rect">
@@ -5729,7 +5827,7 @@
         </p:nvSpPr>
         <p:spPr>
           <a:xfrm>
-            <a:off x="5219907" y="2165432"/>
+            <a:off x="6743907" y="2942828"/>
             <a:ext cx="850026" cy="335501"/>
           </a:xfrm>
           <a:prstGeom prst="rect">
@@ -5808,8 +5906,8 @@
         </p:nvSpPr>
         <p:spPr>
           <a:xfrm>
-            <a:off x="5584920" y="2591737"/>
-            <a:ext cx="100601" cy="318257"/>
+            <a:off x="7108920" y="3285313"/>
+            <a:ext cx="125330" cy="847461"/>
           </a:xfrm>
           <a:prstGeom prst="rect">
             <a:avLst/>
@@ -5863,13 +5961,14 @@
           </p:cNvPr>
           <p:cNvCxnSpPr>
             <a:cxnSpLocks/>
+            <a:endCxn id="74" idx="1"/>
           </p:cNvCxnSpPr>
           <p:nvPr/>
         </p:nvCxnSpPr>
         <p:spPr>
-          <a:xfrm flipV="1">
-            <a:off x="4725418" y="2328883"/>
-            <a:ext cx="497670" cy="3325"/>
+          <a:xfrm>
+            <a:off x="6369315" y="3108444"/>
+            <a:ext cx="374592" cy="2134"/>
           </a:xfrm>
           <a:prstGeom prst="straightConnector1">
             <a:avLst/>
@@ -5910,7 +6009,7 @@
         </p:nvSpPr>
         <p:spPr>
           <a:xfrm>
-            <a:off x="4426913" y="2319867"/>
+            <a:off x="6103945" y="3136520"/>
             <a:ext cx="621216" cy="215444"/>
           </a:xfrm>
           <a:prstGeom prst="rect">
@@ -5961,8 +6060,8 @@
         </p:nvCxnSpPr>
         <p:spPr>
           <a:xfrm flipV="1">
-            <a:off x="5678960" y="5059524"/>
-            <a:ext cx="4129470" cy="22620"/>
+            <a:off x="7202960" y="5600700"/>
+            <a:ext cx="2267450" cy="13998"/>
           </a:xfrm>
           <a:prstGeom prst="straightConnector1">
             <a:avLst/>
@@ -6005,7 +6104,7 @@
         </p:nvCxnSpPr>
         <p:spPr>
           <a:xfrm>
-            <a:off x="4837669" y="2903420"/>
+            <a:off x="6361669" y="4109060"/>
             <a:ext cx="733069" cy="6940"/>
           </a:xfrm>
           <a:prstGeom prst="straightConnector1">
@@ -6049,7 +6148,7 @@
         </p:nvSpPr>
         <p:spPr>
           <a:xfrm>
-            <a:off x="6637050" y="3089821"/>
+            <a:off x="8161050" y="4362517"/>
             <a:ext cx="926621" cy="230693"/>
           </a:xfrm>
           <a:prstGeom prst="rect">
@@ -6091,7 +6190,7 @@
                 </a:solidFill>
                 <a:latin typeface="Calibri"/>
               </a:rPr>
-              <a:t>t:Student</a:t>
+              <a:t>t:Person</a:t>
             </a:r>
             <a:endParaRPr lang="en-SG" sz="1200" dirty="0">
               <a:solidFill>
@@ -6116,7 +6215,7 @@
         </p:nvSpPr>
         <p:spPr>
           <a:xfrm>
-            <a:off x="7005165" y="3321056"/>
+            <a:off x="8529165" y="4593752"/>
             <a:ext cx="144923" cy="102175"/>
           </a:xfrm>
           <a:prstGeom prst="rect">
@@ -6171,13 +6270,14 @@
           </p:cNvPr>
           <p:cNvCxnSpPr>
             <a:cxnSpLocks/>
+            <a:endCxn id="110" idx="1"/>
           </p:cNvCxnSpPr>
           <p:nvPr/>
         </p:nvCxnSpPr>
         <p:spPr>
           <a:xfrm>
-            <a:off x="5635220" y="3197778"/>
-            <a:ext cx="989518" cy="1090"/>
+            <a:off x="7235979" y="4476947"/>
+            <a:ext cx="925070" cy="916"/>
           </a:xfrm>
           <a:prstGeom prst="straightConnector1">
             <a:avLst/>
@@ -6218,7 +6318,7 @@
         </p:nvSpPr>
         <p:spPr>
           <a:xfrm>
-            <a:off x="5465880" y="3035959"/>
+            <a:off x="6989880" y="4308655"/>
             <a:ext cx="1150818" cy="107722"/>
           </a:xfrm>
           <a:prstGeom prst="rect">
@@ -6275,8 +6375,8 @@
         </p:nvCxnSpPr>
         <p:spPr>
           <a:xfrm>
-            <a:off x="5685521" y="3418323"/>
-            <a:ext cx="1392106" cy="4908"/>
+            <a:off x="7244116" y="4692004"/>
+            <a:ext cx="1357510" cy="3923"/>
           </a:xfrm>
           <a:prstGeom prst="straightConnector1">
             <a:avLst/>
@@ -6319,8 +6419,8 @@
         </p:nvSpPr>
         <p:spPr>
           <a:xfrm>
-            <a:off x="7024015" y="4723781"/>
-            <a:ext cx="187553" cy="102797"/>
+            <a:off x="8548015" y="5077292"/>
+            <a:ext cx="135553" cy="327233"/>
           </a:xfrm>
           <a:prstGeom prst="rect">
             <a:avLst/>
@@ -6379,9 +6479,9 @@
           <p:nvPr/>
         </p:nvCxnSpPr>
         <p:spPr>
-          <a:xfrm>
-            <a:off x="5655463" y="4620278"/>
-            <a:ext cx="981587" cy="0"/>
+          <a:xfrm flipV="1">
+            <a:off x="7235979" y="4948093"/>
+            <a:ext cx="925070" cy="4908"/>
           </a:xfrm>
           <a:prstGeom prst="straightConnector1">
             <a:avLst/>
@@ -6425,8 +6525,8 @@
         </p:nvCxnSpPr>
         <p:spPr>
           <a:xfrm>
-            <a:off x="5667212" y="4826578"/>
-            <a:ext cx="1450580" cy="0"/>
+            <a:off x="7244117" y="5404524"/>
+            <a:ext cx="1371675" cy="0"/>
           </a:xfrm>
           <a:prstGeom prst="straightConnector1">
             <a:avLst/>
@@ -6469,8 +6569,8 @@
         </p:nvSpPr>
         <p:spPr>
           <a:xfrm>
-            <a:off x="6637050" y="4504931"/>
-            <a:ext cx="989046" cy="230693"/>
+            <a:off x="8161050" y="4832747"/>
+            <a:ext cx="926621" cy="230693"/>
           </a:xfrm>
           <a:prstGeom prst="rect">
             <a:avLst/>
@@ -6511,7 +6611,7 @@
                 </a:solidFill>
                 <a:latin typeface="Calibri"/>
               </a:rPr>
-              <a:t>edited:Student</a:t>
+              <a:t>edited:Person</a:t>
             </a:r>
             <a:endParaRPr lang="en-SG" sz="1000" dirty="0">
               <a:solidFill>
@@ -6519,767 +6619,6 @@
               </a:solidFill>
               <a:latin typeface="Calibri"/>
             </a:endParaRPr>
-          </a:p>
-        </p:txBody>
-      </p:sp>
-      <p:cxnSp>
-        <p:nvCxnSpPr>
-          <p:cNvPr id="89" name="Straight Connector 88">
-            <a:extLst>
-              <a:ext uri="{FF2B5EF4-FFF2-40B4-BE49-F238E27FC236}">
-                <a16:creationId xmlns:a16="http://schemas.microsoft.com/office/drawing/2014/main" id="{3C52FF72-1AFF-4CFD-B58A-8AA853F51E06}"/>
-              </a:ext>
-            </a:extLst>
-          </p:cNvPr>
-          <p:cNvCxnSpPr>
-            <a:cxnSpLocks/>
-          </p:cNvCxnSpPr>
-          <p:nvPr/>
-        </p:nvCxnSpPr>
-        <p:spPr>
-          <a:xfrm>
-            <a:off x="7077627" y="3299962"/>
-            <a:ext cx="0" cy="728478"/>
-          </a:xfrm>
-          <a:prstGeom prst="line">
-            <a:avLst/>
-          </a:prstGeom>
-          <a:ln w="19050">
-            <a:solidFill>
-              <a:srgbClr val="0070C0"/>
-            </a:solidFill>
-            <a:prstDash val="sysDash"/>
-          </a:ln>
-          <a:effectLst/>
-        </p:spPr>
-        <p:style>
-          <a:lnRef idx="1">
-            <a:schemeClr val="accent1"/>
-          </a:lnRef>
-          <a:fillRef idx="2">
-            <a:schemeClr val="accent1"/>
-          </a:fillRef>
-          <a:effectRef idx="1">
-            <a:schemeClr val="accent1"/>
-          </a:effectRef>
-          <a:fontRef idx="minor">
-            <a:schemeClr val="dk1"/>
-          </a:fontRef>
-        </p:style>
-      </p:cxnSp>
-      <p:sp>
-        <p:nvSpPr>
-          <p:cNvPr id="91" name="Rectangle 90">
-            <a:extLst>
-              <a:ext uri="{FF2B5EF4-FFF2-40B4-BE49-F238E27FC236}">
-                <a16:creationId xmlns:a16="http://schemas.microsoft.com/office/drawing/2014/main" id="{27739D36-84D0-4EC7-99BB-3DC63996C25E}"/>
-              </a:ext>
-            </a:extLst>
-          </p:cNvPr>
-          <p:cNvSpPr/>
-          <p:nvPr/>
-        </p:nvSpPr>
-        <p:spPr>
-          <a:xfrm>
-            <a:off x="7014536" y="3533248"/>
-            <a:ext cx="124308" cy="402673"/>
-          </a:xfrm>
-          <a:prstGeom prst="rect">
-            <a:avLst/>
-          </a:prstGeom>
-          <a:solidFill>
-            <a:srgbClr val="0070C0"/>
-          </a:solidFill>
-          <a:ln>
-            <a:solidFill>
-              <a:srgbClr val="0070C0"/>
-            </a:solidFill>
-          </a:ln>
-          <a:effectLst/>
-        </p:spPr>
-        <p:style>
-          <a:lnRef idx="1">
-            <a:schemeClr val="accent3"/>
-          </a:lnRef>
-          <a:fillRef idx="2">
-            <a:schemeClr val="accent3"/>
-          </a:fillRef>
-          <a:effectRef idx="1">
-            <a:schemeClr val="accent3"/>
-          </a:effectRef>
-          <a:fontRef idx="minor">
-            <a:schemeClr val="dk1"/>
-          </a:fontRef>
-        </p:style>
-        <p:txBody>
-          <a:bodyPr rtlCol="0" anchor="ctr"/>
-          <a:lstStyle/>
-          <a:p>
-            <a:pPr algn="ctr"/>
-            <a:endParaRPr lang="en-SG" sz="1400">
-              <a:solidFill>
-                <a:prstClr val="black"/>
-              </a:solidFill>
-              <a:latin typeface="Calibri"/>
-            </a:endParaRPr>
-          </a:p>
-        </p:txBody>
-      </p:sp>
-      <p:cxnSp>
-        <p:nvCxnSpPr>
-          <p:cNvPr id="94" name="Straight Arrow Connector 93">
-            <a:extLst>
-              <a:ext uri="{FF2B5EF4-FFF2-40B4-BE49-F238E27FC236}">
-                <a16:creationId xmlns:a16="http://schemas.microsoft.com/office/drawing/2014/main" id="{42384EDF-EAEC-4D9B-B300-246D17B69F64}"/>
-              </a:ext>
-            </a:extLst>
-          </p:cNvPr>
-          <p:cNvCxnSpPr>
-            <a:cxnSpLocks/>
-          </p:cNvCxnSpPr>
-          <p:nvPr/>
-        </p:nvCxnSpPr>
-        <p:spPr>
-          <a:xfrm>
-            <a:off x="5673586" y="3925537"/>
-            <a:ext cx="1392106" cy="4908"/>
-          </a:xfrm>
-          <a:prstGeom prst="straightConnector1">
-            <a:avLst/>
-          </a:prstGeom>
-          <a:ln w="19050">
-            <a:solidFill>
-              <a:srgbClr val="0070C0"/>
-            </a:solidFill>
-            <a:prstDash val="sysDash"/>
-            <a:headEnd type="arrow" w="med" len="med"/>
-            <a:tailEnd type="none" w="med" len="med"/>
-          </a:ln>
-        </p:spPr>
-        <p:style>
-          <a:lnRef idx="1">
-            <a:schemeClr val="accent1"/>
-          </a:lnRef>
-          <a:fillRef idx="0">
-            <a:schemeClr val="accent1"/>
-          </a:fillRef>
-          <a:effectRef idx="0">
-            <a:schemeClr val="accent1"/>
-          </a:effectRef>
-          <a:fontRef idx="minor">
-            <a:schemeClr val="tx1"/>
-          </a:fontRef>
-        </p:style>
-      </p:cxnSp>
-      <p:cxnSp>
-        <p:nvCxnSpPr>
-          <p:cNvPr id="96" name="Straight Arrow Connector 95">
-            <a:extLst>
-              <a:ext uri="{FF2B5EF4-FFF2-40B4-BE49-F238E27FC236}">
-                <a16:creationId xmlns:a16="http://schemas.microsoft.com/office/drawing/2014/main" id="{5C148ACD-B02E-4E4C-A941-E725C5C105DF}"/>
-              </a:ext>
-            </a:extLst>
-          </p:cNvPr>
-          <p:cNvCxnSpPr>
-            <a:cxnSpLocks/>
-          </p:cNvCxnSpPr>
-          <p:nvPr/>
-        </p:nvCxnSpPr>
-        <p:spPr>
-          <a:xfrm>
-            <a:off x="7140720" y="3602424"/>
-            <a:ext cx="591040" cy="141"/>
-          </a:xfrm>
-          <a:prstGeom prst="straightConnector1">
-            <a:avLst/>
-          </a:prstGeom>
-          <a:ln w="19050">
-            <a:solidFill>
-              <a:srgbClr val="0070C0"/>
-            </a:solidFill>
-            <a:tailEnd type="arrow"/>
-          </a:ln>
-        </p:spPr>
-        <p:style>
-          <a:lnRef idx="1">
-            <a:schemeClr val="accent1"/>
-          </a:lnRef>
-          <a:fillRef idx="0">
-            <a:schemeClr val="accent1"/>
-          </a:fillRef>
-          <a:effectRef idx="0">
-            <a:schemeClr val="accent1"/>
-          </a:effectRef>
-          <a:fontRef idx="minor">
-            <a:schemeClr val="tx1"/>
-          </a:fontRef>
-        </p:style>
-      </p:cxnSp>
-      <p:cxnSp>
-        <p:nvCxnSpPr>
-          <p:cNvPr id="97" name="Straight Arrow Connector 96">
-            <a:extLst>
-              <a:ext uri="{FF2B5EF4-FFF2-40B4-BE49-F238E27FC236}">
-                <a16:creationId xmlns:a16="http://schemas.microsoft.com/office/drawing/2014/main" id="{19ADF5F6-152B-4A86-9E88-3F66FD422235}"/>
-              </a:ext>
-            </a:extLst>
-          </p:cNvPr>
-          <p:cNvCxnSpPr>
-            <a:cxnSpLocks/>
-          </p:cNvCxnSpPr>
-          <p:nvPr/>
-        </p:nvCxnSpPr>
-        <p:spPr>
-          <a:xfrm>
-            <a:off x="7138843" y="3820487"/>
-            <a:ext cx="972781" cy="0"/>
-          </a:xfrm>
-          <a:prstGeom prst="straightConnector1">
-            <a:avLst/>
-          </a:prstGeom>
-          <a:ln w="19050">
-            <a:solidFill>
-              <a:srgbClr val="0070C0"/>
-            </a:solidFill>
-            <a:prstDash val="sysDash"/>
-            <a:headEnd type="arrow" w="med" len="med"/>
-            <a:tailEnd type="none" w="med" len="med"/>
-          </a:ln>
-        </p:spPr>
-        <p:style>
-          <a:lnRef idx="1">
-            <a:schemeClr val="accent1"/>
-          </a:lnRef>
-          <a:fillRef idx="0">
-            <a:schemeClr val="accent1"/>
-          </a:fillRef>
-          <a:effectRef idx="0">
-            <a:schemeClr val="accent1"/>
-          </a:effectRef>
-          <a:fontRef idx="minor">
-            <a:schemeClr val="tx1"/>
-          </a:fontRef>
-        </p:style>
-      </p:cxnSp>
-      <p:sp>
-        <p:nvSpPr>
-          <p:cNvPr id="98" name="TextBox 97">
-            <a:extLst>
-              <a:ext uri="{FF2B5EF4-FFF2-40B4-BE49-F238E27FC236}">
-                <a16:creationId xmlns:a16="http://schemas.microsoft.com/office/drawing/2014/main" id="{6BF14BD3-52B4-486D-8DBE-D7B6178D4C1A}"/>
-              </a:ext>
-            </a:extLst>
-          </p:cNvPr>
-          <p:cNvSpPr txBox="1"/>
-          <p:nvPr/>
-        </p:nvSpPr>
-        <p:spPr>
-          <a:xfrm>
-            <a:off x="6584159" y="3435937"/>
-            <a:ext cx="1150818" cy="107722"/>
-          </a:xfrm>
-          <a:prstGeom prst="rect">
-            <a:avLst/>
-          </a:prstGeom>
-          <a:noFill/>
-        </p:spPr>
-        <p:txBody>
-          <a:bodyPr wrap="square" lIns="0" tIns="0" rIns="0" bIns="0" rtlCol="0">
-            <a:spAutoFit/>
-          </a:bodyPr>
-          <a:lstStyle>
-            <a:defPPr>
-              <a:defRPr lang="en-US"/>
-            </a:defPPr>
-            <a:lvl1pPr algn="r">
-              <a:defRPr sz="1400">
-                <a:solidFill>
-                  <a:srgbClr val="0070C0"/>
-                </a:solidFill>
-              </a:defRPr>
-            </a:lvl1pPr>
-          </a:lstStyle>
-          <a:p>
-            <a:r>
-              <a:rPr lang="en-US" sz="700" dirty="0" err="1">
-                <a:latin typeface="Calibri"/>
-              </a:rPr>
-              <a:t>getPayments</a:t>
-            </a:r>
-            <a:r>
-              <a:rPr lang="en-US" sz="700" dirty="0">
-                <a:latin typeface="Calibri"/>
-              </a:rPr>
-              <a:t>()</a:t>
-            </a:r>
-          </a:p>
-        </p:txBody>
-      </p:sp>
-      <p:sp>
-        <p:nvSpPr>
-          <p:cNvPr id="99" name="Rectangle 62">
-            <a:extLst>
-              <a:ext uri="{FF2B5EF4-FFF2-40B4-BE49-F238E27FC236}">
-                <a16:creationId xmlns:a16="http://schemas.microsoft.com/office/drawing/2014/main" id="{FBE52BE1-83B1-4044-832A-21CFA28B823E}"/>
-              </a:ext>
-            </a:extLst>
-          </p:cNvPr>
-          <p:cNvSpPr/>
-          <p:nvPr/>
-        </p:nvSpPr>
-        <p:spPr>
-          <a:xfrm>
-            <a:off x="7743509" y="3487077"/>
-            <a:ext cx="926621" cy="230693"/>
-          </a:xfrm>
-          <a:prstGeom prst="rect">
-            <a:avLst/>
-          </a:prstGeom>
-          <a:solidFill>
-            <a:srgbClr val="0070C0"/>
-          </a:solidFill>
-          <a:ln w="19050">
-            <a:solidFill>
-              <a:srgbClr val="0070C0"/>
-            </a:solidFill>
-          </a:ln>
-          <a:effectLst/>
-        </p:spPr>
-        <p:style>
-          <a:lnRef idx="1">
-            <a:schemeClr val="accent2"/>
-          </a:lnRef>
-          <a:fillRef idx="2">
-            <a:schemeClr val="accent2"/>
-          </a:fillRef>
-          <a:effectRef idx="1">
-            <a:schemeClr val="accent2"/>
-          </a:effectRef>
-          <a:fontRef idx="minor">
-            <a:schemeClr val="dk1"/>
-          </a:fontRef>
-        </p:style>
-        <p:txBody>
-          <a:bodyPr rtlCol="0" anchor="ctr"/>
-          <a:lstStyle/>
-          <a:p>
-            <a:pPr algn="ctr"/>
-            <a:r>
-              <a:rPr lang="en-US" sz="800" dirty="0">
-                <a:solidFill>
-                  <a:prstClr val="white"/>
-                </a:solidFill>
-                <a:latin typeface="Calibri"/>
-              </a:rPr>
-              <a:t>l:List&lt;Payments&gt;</a:t>
-            </a:r>
-            <a:endParaRPr lang="en-SG" sz="800" dirty="0">
-              <a:solidFill>
-                <a:prstClr val="white"/>
-              </a:solidFill>
-              <a:latin typeface="Calibri"/>
-            </a:endParaRPr>
-          </a:p>
-        </p:txBody>
-      </p:sp>
-      <p:sp>
-        <p:nvSpPr>
-          <p:cNvPr id="100" name="Rectangle 99">
-            <a:extLst>
-              <a:ext uri="{FF2B5EF4-FFF2-40B4-BE49-F238E27FC236}">
-                <a16:creationId xmlns:a16="http://schemas.microsoft.com/office/drawing/2014/main" id="{D229B755-5805-4A80-91B2-FEDEE15C495C}"/>
-              </a:ext>
-            </a:extLst>
-          </p:cNvPr>
-          <p:cNvSpPr/>
-          <p:nvPr/>
-        </p:nvSpPr>
-        <p:spPr>
-          <a:xfrm>
-            <a:off x="8111624" y="3718312"/>
-            <a:ext cx="144923" cy="102175"/>
-          </a:xfrm>
-          <a:prstGeom prst="rect">
-            <a:avLst/>
-          </a:prstGeom>
-          <a:solidFill>
-            <a:srgbClr val="0070C0"/>
-          </a:solidFill>
-          <a:ln>
-            <a:solidFill>
-              <a:srgbClr val="0070C0"/>
-            </a:solidFill>
-          </a:ln>
-          <a:effectLst/>
-        </p:spPr>
-        <p:style>
-          <a:lnRef idx="1">
-            <a:schemeClr val="accent3"/>
-          </a:lnRef>
-          <a:fillRef idx="2">
-            <a:schemeClr val="accent3"/>
-          </a:fillRef>
-          <a:effectRef idx="1">
-            <a:schemeClr val="accent3"/>
-          </a:effectRef>
-          <a:fontRef idx="minor">
-            <a:schemeClr val="dk1"/>
-          </a:fontRef>
-        </p:style>
-        <p:txBody>
-          <a:bodyPr rtlCol="0" anchor="ctr"/>
-          <a:lstStyle/>
-          <a:p>
-            <a:pPr algn="ctr"/>
-            <a:endParaRPr lang="en-SG" sz="1400">
-              <a:solidFill>
-                <a:prstClr val="black"/>
-              </a:solidFill>
-              <a:latin typeface="Calibri"/>
-            </a:endParaRPr>
-          </a:p>
-        </p:txBody>
-      </p:sp>
-      <p:sp>
-        <p:nvSpPr>
-          <p:cNvPr id="101" name="TextBox 100">
-            <a:extLst>
-              <a:ext uri="{FF2B5EF4-FFF2-40B4-BE49-F238E27FC236}">
-                <a16:creationId xmlns:a16="http://schemas.microsoft.com/office/drawing/2014/main" id="{4FFDA7D7-5B61-4979-83C4-DE0F52D01109}"/>
-              </a:ext>
-            </a:extLst>
-          </p:cNvPr>
-          <p:cNvSpPr txBox="1"/>
-          <p:nvPr/>
-        </p:nvSpPr>
-        <p:spPr>
-          <a:xfrm>
-            <a:off x="6197815" y="3712105"/>
-            <a:ext cx="220343" cy="215444"/>
-          </a:xfrm>
-          <a:prstGeom prst="rect">
-            <a:avLst/>
-          </a:prstGeom>
-          <a:noFill/>
-        </p:spPr>
-        <p:txBody>
-          <a:bodyPr wrap="square" lIns="0" tIns="0" rIns="0" bIns="0" rtlCol="0">
-            <a:spAutoFit/>
-          </a:bodyPr>
-          <a:lstStyle>
-            <a:defPPr>
-              <a:defRPr lang="en-US"/>
-            </a:defPPr>
-            <a:lvl1pPr algn="r">
-              <a:defRPr sz="1400">
-                <a:solidFill>
-                  <a:srgbClr val="0070C0"/>
-                </a:solidFill>
-              </a:defRPr>
-            </a:lvl1pPr>
-          </a:lstStyle>
-          <a:p>
-            <a:r>
-              <a:rPr lang="en-US" dirty="0">
-                <a:latin typeface="Calibri"/>
-              </a:rPr>
-              <a:t>l</a:t>
-            </a:r>
-          </a:p>
-        </p:txBody>
-      </p:sp>
-      <p:cxnSp>
-        <p:nvCxnSpPr>
-          <p:cNvPr id="102" name="Straight Connector 101">
-            <a:extLst>
-              <a:ext uri="{FF2B5EF4-FFF2-40B4-BE49-F238E27FC236}">
-                <a16:creationId xmlns:a16="http://schemas.microsoft.com/office/drawing/2014/main" id="{347EB980-93F3-4661-BFCE-7572AC377838}"/>
-              </a:ext>
-            </a:extLst>
-          </p:cNvPr>
-          <p:cNvCxnSpPr>
-            <a:cxnSpLocks/>
-          </p:cNvCxnSpPr>
-          <p:nvPr/>
-        </p:nvCxnSpPr>
-        <p:spPr>
-          <a:xfrm>
-            <a:off x="8180668" y="3640396"/>
-            <a:ext cx="0" cy="723324"/>
-          </a:xfrm>
-          <a:prstGeom prst="line">
-            <a:avLst/>
-          </a:prstGeom>
-          <a:ln w="19050">
-            <a:solidFill>
-              <a:srgbClr val="0070C0"/>
-            </a:solidFill>
-            <a:prstDash val="sysDash"/>
-          </a:ln>
-          <a:effectLst/>
-        </p:spPr>
-        <p:style>
-          <a:lnRef idx="1">
-            <a:schemeClr val="accent1"/>
-          </a:lnRef>
-          <a:fillRef idx="2">
-            <a:schemeClr val="accent1"/>
-          </a:fillRef>
-          <a:effectRef idx="1">
-            <a:schemeClr val="accent1"/>
-          </a:effectRef>
-          <a:fontRef idx="minor">
-            <a:schemeClr val="dk1"/>
-          </a:fontRef>
-        </p:style>
-      </p:cxnSp>
-      <p:sp>
-        <p:nvSpPr>
-          <p:cNvPr id="103" name="Rectangle 102">
-            <a:extLst>
-              <a:ext uri="{FF2B5EF4-FFF2-40B4-BE49-F238E27FC236}">
-                <a16:creationId xmlns:a16="http://schemas.microsoft.com/office/drawing/2014/main" id="{A13B574E-3DBC-4EE8-ACDD-D66B11DFF994}"/>
-              </a:ext>
-            </a:extLst>
-          </p:cNvPr>
-          <p:cNvSpPr/>
-          <p:nvPr/>
-        </p:nvSpPr>
-        <p:spPr>
-          <a:xfrm>
-            <a:off x="8117578" y="4097316"/>
-            <a:ext cx="138942" cy="266402"/>
-          </a:xfrm>
-          <a:prstGeom prst="rect">
-            <a:avLst/>
-          </a:prstGeom>
-          <a:solidFill>
-            <a:srgbClr val="0070C0"/>
-          </a:solidFill>
-          <a:ln>
-            <a:solidFill>
-              <a:srgbClr val="0070C0"/>
-            </a:solidFill>
-          </a:ln>
-          <a:effectLst/>
-        </p:spPr>
-        <p:style>
-          <a:lnRef idx="1">
-            <a:schemeClr val="accent3"/>
-          </a:lnRef>
-          <a:fillRef idx="2">
-            <a:schemeClr val="accent3"/>
-          </a:fillRef>
-          <a:effectRef idx="1">
-            <a:schemeClr val="accent3"/>
-          </a:effectRef>
-          <a:fontRef idx="minor">
-            <a:schemeClr val="dk1"/>
-          </a:fontRef>
-        </p:style>
-        <p:txBody>
-          <a:bodyPr rtlCol="0" anchor="ctr"/>
-          <a:lstStyle/>
-          <a:p>
-            <a:pPr algn="ctr"/>
-            <a:endParaRPr lang="en-SG" sz="1400">
-              <a:solidFill>
-                <a:prstClr val="black"/>
-              </a:solidFill>
-              <a:latin typeface="Calibri"/>
-            </a:endParaRPr>
-          </a:p>
-        </p:txBody>
-      </p:sp>
-      <p:cxnSp>
-        <p:nvCxnSpPr>
-          <p:cNvPr id="107" name="Straight Arrow Connector 106">
-            <a:extLst>
-              <a:ext uri="{FF2B5EF4-FFF2-40B4-BE49-F238E27FC236}">
-                <a16:creationId xmlns:a16="http://schemas.microsoft.com/office/drawing/2014/main" id="{4E152355-9291-4494-9655-286C83458D28}"/>
-              </a:ext>
-            </a:extLst>
-          </p:cNvPr>
-          <p:cNvCxnSpPr>
-            <a:cxnSpLocks/>
-          </p:cNvCxnSpPr>
-          <p:nvPr/>
-        </p:nvCxnSpPr>
-        <p:spPr>
-          <a:xfrm>
-            <a:off x="5689976" y="4097316"/>
-            <a:ext cx="2421648" cy="0"/>
-          </a:xfrm>
-          <a:prstGeom prst="straightConnector1">
-            <a:avLst/>
-          </a:prstGeom>
-          <a:ln w="19050">
-            <a:solidFill>
-              <a:srgbClr val="0070C0"/>
-            </a:solidFill>
-            <a:tailEnd type="arrow"/>
-          </a:ln>
-        </p:spPr>
-        <p:style>
-          <a:lnRef idx="1">
-            <a:schemeClr val="accent1"/>
-          </a:lnRef>
-          <a:fillRef idx="0">
-            <a:schemeClr val="accent1"/>
-          </a:fillRef>
-          <a:effectRef idx="0">
-            <a:schemeClr val="accent1"/>
-          </a:effectRef>
-          <a:fontRef idx="minor">
-            <a:schemeClr val="tx1"/>
-          </a:fontRef>
-        </p:style>
-      </p:cxnSp>
-      <p:sp>
-        <p:nvSpPr>
-          <p:cNvPr id="114" name="TextBox 113">
-            <a:extLst>
-              <a:ext uri="{FF2B5EF4-FFF2-40B4-BE49-F238E27FC236}">
-                <a16:creationId xmlns:a16="http://schemas.microsoft.com/office/drawing/2014/main" id="{CED1B44B-EFE6-42B0-8D8B-B466893BD71D}"/>
-              </a:ext>
-            </a:extLst>
-          </p:cNvPr>
-          <p:cNvSpPr txBox="1"/>
-          <p:nvPr/>
-        </p:nvSpPr>
-        <p:spPr>
-          <a:xfrm>
-            <a:off x="6821720" y="3966195"/>
-            <a:ext cx="1150818" cy="107722"/>
-          </a:xfrm>
-          <a:prstGeom prst="rect">
-            <a:avLst/>
-          </a:prstGeom>
-          <a:noFill/>
-        </p:spPr>
-        <p:txBody>
-          <a:bodyPr wrap="square" lIns="0" tIns="0" rIns="0" bIns="0" rtlCol="0">
-            <a:spAutoFit/>
-          </a:bodyPr>
-          <a:lstStyle>
-            <a:defPPr>
-              <a:defRPr lang="en-US"/>
-            </a:defPPr>
-            <a:lvl1pPr algn="r">
-              <a:defRPr sz="1400">
-                <a:solidFill>
-                  <a:srgbClr val="0070C0"/>
-                </a:solidFill>
-              </a:defRPr>
-            </a:lvl1pPr>
-          </a:lstStyle>
-          <a:p>
-            <a:r>
-              <a:rPr lang="en-US" sz="700" dirty="0" err="1">
-                <a:latin typeface="Calibri"/>
-              </a:rPr>
-              <a:t>updatePayments</a:t>
-            </a:r>
-            <a:r>
-              <a:rPr lang="en-US" sz="700" dirty="0">
-                <a:latin typeface="Calibri"/>
-              </a:rPr>
-              <a:t>(l, p)</a:t>
-            </a:r>
-          </a:p>
-        </p:txBody>
-      </p:sp>
-      <p:cxnSp>
-        <p:nvCxnSpPr>
-          <p:cNvPr id="115" name="Straight Arrow Connector 114">
-            <a:extLst>
-              <a:ext uri="{FF2B5EF4-FFF2-40B4-BE49-F238E27FC236}">
-                <a16:creationId xmlns:a16="http://schemas.microsoft.com/office/drawing/2014/main" id="{2639CACC-CC7D-4331-AA72-1D1467FB44F6}"/>
-              </a:ext>
-            </a:extLst>
-          </p:cNvPr>
-          <p:cNvCxnSpPr>
-            <a:cxnSpLocks/>
-          </p:cNvCxnSpPr>
-          <p:nvPr/>
-        </p:nvCxnSpPr>
-        <p:spPr>
-          <a:xfrm>
-            <a:off x="5655463" y="4363718"/>
-            <a:ext cx="2456160" cy="0"/>
-          </a:xfrm>
-          <a:prstGeom prst="straightConnector1">
-            <a:avLst/>
-          </a:prstGeom>
-          <a:ln w="19050">
-            <a:solidFill>
-              <a:srgbClr val="0070C0"/>
-            </a:solidFill>
-            <a:prstDash val="sysDash"/>
-            <a:headEnd type="arrow" w="med" len="med"/>
-            <a:tailEnd type="none" w="med" len="med"/>
-          </a:ln>
-        </p:spPr>
-        <p:style>
-          <a:lnRef idx="1">
-            <a:schemeClr val="accent1"/>
-          </a:lnRef>
-          <a:fillRef idx="0">
-            <a:schemeClr val="accent1"/>
-          </a:fillRef>
-          <a:effectRef idx="0">
-            <a:schemeClr val="accent1"/>
-          </a:effectRef>
-          <a:fontRef idx="minor">
-            <a:schemeClr val="tx1"/>
-          </a:fontRef>
-        </p:style>
-      </p:cxnSp>
-      <p:sp>
-        <p:nvSpPr>
-          <p:cNvPr id="118" name="TextBox 117">
-            <a:extLst>
-              <a:ext uri="{FF2B5EF4-FFF2-40B4-BE49-F238E27FC236}">
-                <a16:creationId xmlns:a16="http://schemas.microsoft.com/office/drawing/2014/main" id="{B1018812-7701-4C64-9079-4B7D21DAB831}"/>
-              </a:ext>
-            </a:extLst>
-          </p:cNvPr>
-          <p:cNvSpPr txBox="1"/>
-          <p:nvPr/>
-        </p:nvSpPr>
-        <p:spPr>
-          <a:xfrm>
-            <a:off x="5956475" y="4421462"/>
-            <a:ext cx="220343" cy="215444"/>
-          </a:xfrm>
-          <a:prstGeom prst="rect">
-            <a:avLst/>
-          </a:prstGeom>
-          <a:noFill/>
-        </p:spPr>
-        <p:txBody>
-          <a:bodyPr wrap="square" lIns="0" tIns="0" rIns="0" bIns="0" rtlCol="0">
-            <a:spAutoFit/>
-          </a:bodyPr>
-          <a:lstStyle>
-            <a:defPPr>
-              <a:defRPr lang="en-US"/>
-            </a:defPPr>
-            <a:lvl1pPr algn="r">
-              <a:defRPr sz="1400">
-                <a:solidFill>
-                  <a:srgbClr val="0070C0"/>
-                </a:solidFill>
-              </a:defRPr>
-            </a:lvl1pPr>
-          </a:lstStyle>
-          <a:p>
-            <a:r>
-              <a:rPr lang="en-US" dirty="0">
-                <a:latin typeface="Calibri"/>
-              </a:rPr>
-              <a:t>l</a:t>
-            </a:r>
           </a:p>
         </p:txBody>
       </p:sp>

--- a/docs/diagrams/EditPaymentSequenceDiagram.pptx
+++ b/docs/diagrams/EditPaymentSequenceDiagram.pptx
@@ -197,7 +197,7 @@
           <a:p>
             <a:fld id="{62511F6D-3957-4073-A6EA-8AA084D57D2E}" type="datetimeFigureOut">
               <a:rPr lang="en-US" smtClean="0"/>
-              <a:t>10/23/2018</a:t>
+              <a:t>11/10/2018</a:t>
             </a:fld>
             <a:endParaRPr lang="en-US"/>
           </a:p>
@@ -795,7 +795,7 @@
           <a:p>
             <a:fld id="{78C97017-6FC3-485B-9764-EAC9E56C1D49}" type="datetimeFigureOut">
               <a:rPr lang="en-US" smtClean="0"/>
-              <a:t>10/23/2018</a:t>
+              <a:t>11/10/2018</a:t>
             </a:fld>
             <a:endParaRPr lang="en-US"/>
           </a:p>
@@ -963,7 +963,7 @@
           <a:p>
             <a:fld id="{78C97017-6FC3-485B-9764-EAC9E56C1D49}" type="datetimeFigureOut">
               <a:rPr lang="en-US" smtClean="0"/>
-              <a:t>10/23/2018</a:t>
+              <a:t>11/10/2018</a:t>
             </a:fld>
             <a:endParaRPr lang="en-US"/>
           </a:p>
@@ -1141,7 +1141,7 @@
           <a:p>
             <a:fld id="{78C97017-6FC3-485B-9764-EAC9E56C1D49}" type="datetimeFigureOut">
               <a:rPr lang="en-US" smtClean="0"/>
-              <a:t>10/23/2018</a:t>
+              <a:t>11/10/2018</a:t>
             </a:fld>
             <a:endParaRPr lang="en-US"/>
           </a:p>
@@ -1309,7 +1309,7 @@
           <a:p>
             <a:fld id="{78C97017-6FC3-485B-9764-EAC9E56C1D49}" type="datetimeFigureOut">
               <a:rPr lang="en-US" smtClean="0"/>
-              <a:t>10/23/2018</a:t>
+              <a:t>11/10/2018</a:t>
             </a:fld>
             <a:endParaRPr lang="en-US"/>
           </a:p>
@@ -1554,7 +1554,7 @@
           <a:p>
             <a:fld id="{78C97017-6FC3-485B-9764-EAC9E56C1D49}" type="datetimeFigureOut">
               <a:rPr lang="en-US" smtClean="0"/>
-              <a:t>10/23/2018</a:t>
+              <a:t>11/10/2018</a:t>
             </a:fld>
             <a:endParaRPr lang="en-US"/>
           </a:p>
@@ -1839,7 +1839,7 @@
           <a:p>
             <a:fld id="{78C97017-6FC3-485B-9764-EAC9E56C1D49}" type="datetimeFigureOut">
               <a:rPr lang="en-US" smtClean="0"/>
-              <a:t>10/23/2018</a:t>
+              <a:t>11/10/2018</a:t>
             </a:fld>
             <a:endParaRPr lang="en-US"/>
           </a:p>
@@ -2258,7 +2258,7 @@
           <a:p>
             <a:fld id="{78C97017-6FC3-485B-9764-EAC9E56C1D49}" type="datetimeFigureOut">
               <a:rPr lang="en-US" smtClean="0"/>
-              <a:t>10/23/2018</a:t>
+              <a:t>11/10/2018</a:t>
             </a:fld>
             <a:endParaRPr lang="en-US"/>
           </a:p>
@@ -2375,7 +2375,7 @@
           <a:p>
             <a:fld id="{78C97017-6FC3-485B-9764-EAC9E56C1D49}" type="datetimeFigureOut">
               <a:rPr lang="en-US" smtClean="0"/>
-              <a:t>10/23/2018</a:t>
+              <a:t>11/10/2018</a:t>
             </a:fld>
             <a:endParaRPr lang="en-US"/>
           </a:p>
@@ -2470,7 +2470,7 @@
           <a:p>
             <a:fld id="{78C97017-6FC3-485B-9764-EAC9E56C1D49}" type="datetimeFigureOut">
               <a:rPr lang="en-US" smtClean="0"/>
-              <a:t>10/23/2018</a:t>
+              <a:t>11/10/2018</a:t>
             </a:fld>
             <a:endParaRPr lang="en-US"/>
           </a:p>
@@ -2745,7 +2745,7 @@
           <a:p>
             <a:fld id="{78C97017-6FC3-485B-9764-EAC9E56C1D49}" type="datetimeFigureOut">
               <a:rPr lang="en-US" smtClean="0"/>
-              <a:t>10/23/2018</a:t>
+              <a:t>11/10/2018</a:t>
             </a:fld>
             <a:endParaRPr lang="en-US"/>
           </a:p>
@@ -2997,7 +2997,7 @@
           <a:p>
             <a:fld id="{78C97017-6FC3-485B-9764-EAC9E56C1D49}" type="datetimeFigureOut">
               <a:rPr lang="en-US" smtClean="0"/>
-              <a:t>10/23/2018</a:t>
+              <a:t>11/10/2018</a:t>
             </a:fld>
             <a:endParaRPr lang="en-US"/>
           </a:p>
@@ -3208,7 +3208,7 @@
           <a:p>
             <a:fld id="{78C97017-6FC3-485B-9764-EAC9E56C1D49}" type="datetimeFigureOut">
               <a:rPr lang="en-US" smtClean="0"/>
-              <a:t>10/23/2018</a:t>
+              <a:t>11/10/2018</a:t>
             </a:fld>
             <a:endParaRPr lang="en-US"/>
           </a:p>
@@ -3597,8 +3597,8 @@
         </p:nvSpPr>
         <p:spPr>
           <a:xfrm>
-            <a:off x="9208697" y="851007"/>
-            <a:ext cx="1357863" cy="5859923"/>
+            <a:off x="9513560" y="137181"/>
+            <a:ext cx="1357863" cy="6029200"/>
           </a:xfrm>
           <a:prstGeom prst="roundRect">
             <a:avLst>
@@ -3657,8 +3657,8 @@
         </p:nvSpPr>
         <p:spPr>
           <a:xfrm>
-            <a:off x="2135733" y="847633"/>
-            <a:ext cx="7012450" cy="5859923"/>
+            <a:off x="611732" y="137181"/>
+            <a:ext cx="8837067" cy="6029200"/>
           </a:xfrm>
           <a:prstGeom prst="roundRect">
             <a:avLst>
@@ -3720,7 +3720,7 @@
         </p:nvSpPr>
         <p:spPr>
           <a:xfrm>
-            <a:off x="2369046" y="1260237"/>
+            <a:off x="845046" y="482841"/>
             <a:ext cx="1455629" cy="346760"/>
           </a:xfrm>
           <a:prstGeom prst="rect">
@@ -3793,7 +3793,7 @@
         </p:nvCxnSpPr>
         <p:spPr>
           <a:xfrm>
-            <a:off x="3096860" y="1606998"/>
+            <a:off x="1572860" y="829602"/>
             <a:ext cx="0" cy="3650803"/>
           </a:xfrm>
           <a:prstGeom prst="line">
@@ -3830,8 +3830,8 @@
         </p:nvSpPr>
         <p:spPr>
           <a:xfrm>
-            <a:off x="3024850" y="1600201"/>
-            <a:ext cx="121416" cy="4860666"/>
+            <a:off x="1500850" y="912164"/>
+            <a:ext cx="133093" cy="5165899"/>
           </a:xfrm>
           <a:prstGeom prst="rect">
             <a:avLst/>
@@ -3882,8 +3882,8 @@
         </p:nvSpPr>
         <p:spPr>
           <a:xfrm>
-            <a:off x="4267200" y="1143000"/>
-            <a:ext cx="1219200" cy="467684"/>
+            <a:off x="2697186" y="357729"/>
+            <a:ext cx="1278289" cy="467684"/>
           </a:xfrm>
           <a:prstGeom prst="rect">
             <a:avLst/>
@@ -3924,11 +3924,8 @@
                 </a:solidFill>
                 <a:latin typeface="Calibri"/>
               </a:rPr>
-              <a:t>:Address</a:t>
-            </a:r>
-          </a:p>
-          <a:p>
-            <a:pPr algn="ctr"/>
+              <a:t>:</a:t>
+            </a:r>
             <a:r>
               <a:rPr lang="en-US" sz="1600" dirty="0" err="1">
                 <a:solidFill>
@@ -3936,7 +3933,7 @@
                 </a:solidFill>
                 <a:latin typeface="Calibri"/>
               </a:rPr>
-              <a:t>BookParser</a:t>
+              <a:t>TutorHelperParser</a:t>
             </a:r>
             <a:endParaRPr lang="en-SG" sz="1600" dirty="0">
               <a:solidFill>
@@ -3952,14 +3949,13 @@
           <p:cNvPr id="17" name="Straight Connector 16"/>
           <p:cNvCxnSpPr>
             <a:cxnSpLocks/>
-            <a:stCxn id="16" idx="2"/>
           </p:cNvCxnSpPr>
           <p:nvPr/>
         </p:nvCxnSpPr>
         <p:spPr>
-          <a:xfrm>
-            <a:off x="4876801" y="1610684"/>
-            <a:ext cx="3799" cy="2748594"/>
+          <a:xfrm flipH="1">
+            <a:off x="3315939" y="825413"/>
+            <a:ext cx="29544" cy="2213910"/>
           </a:xfrm>
           <a:prstGeom prst="line">
             <a:avLst/>
@@ -3995,8 +3991,8 @@
         </p:nvSpPr>
         <p:spPr>
           <a:xfrm>
-            <a:off x="4769945" y="1626318"/>
-            <a:ext cx="224682" cy="2489871"/>
+            <a:off x="3272374" y="917791"/>
+            <a:ext cx="155699" cy="1999143"/>
           </a:xfrm>
           <a:prstGeom prst="rect">
             <a:avLst/>
@@ -4047,8 +4043,8 @@
         </p:nvSpPr>
         <p:spPr>
           <a:xfrm>
-            <a:off x="6737821" y="2343862"/>
-            <a:ext cx="850026" cy="358365"/>
+            <a:off x="5213820" y="1566467"/>
+            <a:ext cx="852827" cy="317402"/>
           </a:xfrm>
           <a:prstGeom prst="rect">
             <a:avLst/>
@@ -4110,7 +4106,7 @@
         </p:nvCxnSpPr>
         <p:spPr>
           <a:xfrm>
-            <a:off x="7151253" y="2681425"/>
+            <a:off x="5627253" y="2140249"/>
             <a:ext cx="28210" cy="2686588"/>
           </a:xfrm>
           <a:prstGeom prst="line">
@@ -4147,7 +4143,7 @@
         </p:nvSpPr>
         <p:spPr>
           <a:xfrm>
-            <a:off x="7086601" y="2673980"/>
+            <a:off x="5562601" y="1896584"/>
             <a:ext cx="117613" cy="185051"/>
           </a:xfrm>
           <a:prstGeom prst="rect">
@@ -4201,7 +4197,7 @@
         </p:nvCxnSpPr>
         <p:spPr>
           <a:xfrm>
-            <a:off x="1905001" y="1978290"/>
+            <a:off x="380999" y="929330"/>
             <a:ext cx="1119851" cy="0"/>
           </a:xfrm>
           <a:prstGeom prst="straightConnector1">
@@ -4239,8 +4235,8 @@
         </p:nvCxnSpPr>
         <p:spPr>
           <a:xfrm flipV="1">
-            <a:off x="3177251" y="1902898"/>
-            <a:ext cx="1596514" cy="1"/>
+            <a:off x="1653251" y="1125503"/>
+            <a:ext cx="1619123" cy="1"/>
           </a:xfrm>
           <a:prstGeom prst="straightConnector1">
             <a:avLst/>
@@ -4275,7 +4271,7 @@
         </p:nvSpPr>
         <p:spPr>
           <a:xfrm>
-            <a:off x="1524000" y="2051160"/>
+            <a:off x="13336" y="990595"/>
             <a:ext cx="1424846" cy="369332"/>
           </a:xfrm>
           <a:prstGeom prst="rect">
@@ -4297,43 +4293,7 @@
                 </a:solidFill>
                 <a:latin typeface="Calibri"/>
               </a:rPr>
-              <a:t>execute(“paid </a:t>
-            </a:r>
-            <a:r>
-              <a:rPr lang="en-US" sz="1200" dirty="0" err="1">
-                <a:solidFill>
-                  <a:srgbClr val="0070C0"/>
-                </a:solidFill>
-                <a:latin typeface="Calibri"/>
-              </a:rPr>
-              <a:t>idx</a:t>
-            </a:r>
-            <a:r>
-              <a:rPr lang="en-US" sz="1200" dirty="0">
-                <a:solidFill>
-                  <a:srgbClr val="0070C0"/>
-                </a:solidFill>
-                <a:latin typeface="Calibri"/>
-              </a:rPr>
-              <a:t>/1 </a:t>
-            </a:r>
-            <a:r>
-              <a:rPr lang="en-US" sz="1200" dirty="0" err="1">
-                <a:solidFill>
-                  <a:srgbClr val="0070C0"/>
-                </a:solidFill>
-                <a:latin typeface="Calibri"/>
-              </a:rPr>
-              <a:t>amt</a:t>
-            </a:r>
-            <a:r>
-              <a:rPr lang="en-US" sz="1200" dirty="0">
-                <a:solidFill>
-                  <a:srgbClr val="0070C0"/>
-                </a:solidFill>
-                <a:latin typeface="Calibri"/>
-              </a:rPr>
-              <a:t>/200 m/8 y/2018”)</a:t>
+              <a:t>execute(“paid 1 200 8 2018”)</a:t>
             </a:r>
           </a:p>
         </p:txBody>
@@ -4348,7 +4308,7 @@
         </p:nvCxnSpPr>
         <p:spPr>
           <a:xfrm>
-            <a:off x="6342085" y="2551312"/>
+            <a:off x="4818085" y="1773916"/>
             <a:ext cx="383077" cy="0"/>
           </a:xfrm>
           <a:prstGeom prst="straightConnector1">
@@ -4384,7 +4344,7 @@
         </p:nvSpPr>
         <p:spPr>
           <a:xfrm>
-            <a:off x="4876801" y="4191000"/>
+            <a:off x="3352801" y="2918304"/>
             <a:ext cx="855809" cy="215444"/>
           </a:xfrm>
           <a:prstGeom prst="rect">
@@ -4428,7 +4388,7 @@
         </p:nvCxnSpPr>
         <p:spPr>
           <a:xfrm>
-            <a:off x="6350241" y="2854331"/>
+            <a:off x="4826241" y="2076935"/>
             <a:ext cx="809294" cy="2043"/>
           </a:xfrm>
           <a:prstGeom prst="straightConnector1">
@@ -4468,7 +4428,7 @@
         </p:nvCxnSpPr>
         <p:spPr>
           <a:xfrm flipV="1">
-            <a:off x="3159848" y="4109422"/>
+            <a:off x="1635848" y="2903782"/>
             <a:ext cx="1630852" cy="13156"/>
           </a:xfrm>
           <a:prstGeom prst="straightConnector1">
@@ -4508,7 +4468,7 @@
         </p:nvCxnSpPr>
         <p:spPr>
           <a:xfrm>
-            <a:off x="1828801" y="6324600"/>
+            <a:off x="327666" y="6073660"/>
             <a:ext cx="1196051" cy="0"/>
           </a:xfrm>
           <a:prstGeom prst="straightConnector1">
@@ -4546,7 +4506,7 @@
         </p:nvSpPr>
         <p:spPr>
           <a:xfrm>
-            <a:off x="9470411" y="5486400"/>
+            <a:off x="9808430" y="4945224"/>
             <a:ext cx="878029" cy="228600"/>
           </a:xfrm>
           <a:prstGeom prst="rect">
@@ -4615,7 +4575,7 @@
         </p:nvCxnSpPr>
         <p:spPr>
           <a:xfrm>
-            <a:off x="3146266" y="4429348"/>
+            <a:off x="1622266" y="3156652"/>
             <a:ext cx="3972124" cy="4742"/>
           </a:xfrm>
           <a:prstGeom prst="straightConnector1">
@@ -4651,8 +4611,8 @@
         </p:nvSpPr>
         <p:spPr>
           <a:xfrm>
-            <a:off x="7123895" y="4417678"/>
-            <a:ext cx="108529" cy="1942402"/>
+            <a:off x="5599895" y="3155974"/>
+            <a:ext cx="88177" cy="2662930"/>
           </a:xfrm>
           <a:prstGeom prst="rect">
             <a:avLst/>
@@ -4706,7 +4666,7 @@
         </p:nvCxnSpPr>
         <p:spPr>
           <a:xfrm>
-            <a:off x="9909425" y="5715001"/>
+            <a:off x="10247444" y="5173825"/>
             <a:ext cx="13180" cy="904239"/>
           </a:xfrm>
           <a:prstGeom prst="line">
@@ -4746,7 +4706,7 @@
         </p:nvSpPr>
         <p:spPr>
           <a:xfrm>
-            <a:off x="9849698" y="5769495"/>
+            <a:off x="10187717" y="5250693"/>
             <a:ext cx="119322" cy="45719"/>
           </a:xfrm>
           <a:prstGeom prst="rect">
@@ -4807,7 +4767,7 @@
         </p:nvCxnSpPr>
         <p:spPr>
           <a:xfrm>
-            <a:off x="7202960" y="5948151"/>
+            <a:off x="5678960" y="5475555"/>
             <a:ext cx="183778" cy="5627"/>
           </a:xfrm>
           <a:prstGeom prst="straightConnector1">
@@ -4840,14 +4800,13 @@
           <p:cNvPr id="76" name="Straight Arrow Connector 75"/>
           <p:cNvCxnSpPr>
             <a:cxnSpLocks/>
-            <a:endCxn id="73" idx="2"/>
           </p:cNvCxnSpPr>
           <p:nvPr/>
         </p:nvCxnSpPr>
         <p:spPr>
           <a:xfrm>
-            <a:off x="7232423" y="5792593"/>
-            <a:ext cx="2676936" cy="22620"/>
+            <a:off x="5708424" y="5274037"/>
+            <a:ext cx="4538954" cy="0"/>
           </a:xfrm>
           <a:prstGeom prst="straightConnector1">
             <a:avLst/>
@@ -4890,8 +4849,8 @@
         </p:nvCxnSpPr>
         <p:spPr>
           <a:xfrm flipV="1">
-            <a:off x="2749771" y="6360080"/>
-            <a:ext cx="4428389" cy="2"/>
+            <a:off x="1653251" y="5818904"/>
+            <a:ext cx="3990733" cy="31450"/>
           </a:xfrm>
           <a:prstGeom prst="straightConnector1">
             <a:avLst/>
@@ -4928,8 +4887,8 @@
         </p:nvSpPr>
         <p:spPr>
           <a:xfrm>
-            <a:off x="7588715" y="5466040"/>
-            <a:ext cx="1424846" cy="123111"/>
+            <a:off x="6136076" y="4927294"/>
+            <a:ext cx="1800153" cy="123111"/>
           </a:xfrm>
           <a:prstGeom prst="rect">
             <a:avLst/>
@@ -4960,7 +4919,7 @@
                 </a:solidFill>
                 <a:latin typeface="Calibri"/>
               </a:rPr>
-              <a:t>updatePerson</a:t>
+              <a:t>updateStudentInternalField</a:t>
             </a:r>
             <a:r>
               <a:rPr lang="en-US" sz="800" dirty="0">
@@ -4969,7 +4928,7 @@
                 </a:solidFill>
                 <a:latin typeface="Calibri"/>
               </a:rPr>
-              <a:t>(edited)</a:t>
+              <a:t>(t, edited)</a:t>
             </a:r>
           </a:p>
         </p:txBody>
@@ -4982,8 +4941,8 @@
         </p:nvSpPr>
         <p:spPr>
           <a:xfrm>
-            <a:off x="5076696" y="2525773"/>
-            <a:ext cx="884073" cy="553998"/>
+            <a:off x="3552696" y="1620361"/>
+            <a:ext cx="884073" cy="369332"/>
           </a:xfrm>
           <a:prstGeom prst="rect">
             <a:avLst/>
@@ -5011,31 +4970,7 @@
               <a:rPr lang="en-US" sz="1200" dirty="0">
                 <a:latin typeface="Calibri"/>
               </a:rPr>
-              <a:t>parse(“</a:t>
-            </a:r>
-            <a:r>
-              <a:rPr lang="en-US" sz="1200" dirty="0" err="1">
-                <a:latin typeface="Calibri"/>
-              </a:rPr>
-              <a:t>idx</a:t>
-            </a:r>
-            <a:r>
-              <a:rPr lang="en-US" sz="1200" dirty="0">
-                <a:latin typeface="Calibri"/>
-              </a:rPr>
-              <a:t>/1 </a:t>
-            </a:r>
-            <a:r>
-              <a:rPr lang="en-US" sz="1200" dirty="0" err="1">
-                <a:latin typeface="Calibri"/>
-              </a:rPr>
-              <a:t>amt</a:t>
-            </a:r>
-            <a:r>
-              <a:rPr lang="en-US" sz="1200" dirty="0">
-                <a:latin typeface="Calibri"/>
-              </a:rPr>
-              <a:t>/200 m/8 y/2018”)</a:t>
+              <a:t>parse(“1 200 82018”)</a:t>
             </a:r>
           </a:p>
         </p:txBody>
@@ -5048,8 +4983,8 @@
         </p:nvSpPr>
         <p:spPr>
           <a:xfrm>
-            <a:off x="3266982" y="1676401"/>
-            <a:ext cx="1424846" cy="646331"/>
+            <a:off x="1742982" y="899005"/>
+            <a:ext cx="1424846" cy="430887"/>
           </a:xfrm>
           <a:prstGeom prst="rect">
             <a:avLst/>
@@ -5077,31 +5012,7 @@
               <a:rPr lang="en-US" dirty="0">
                 <a:latin typeface="Calibri"/>
               </a:rPr>
-              <a:t>parse (“paid </a:t>
-            </a:r>
-            <a:r>
-              <a:rPr lang="en-US" dirty="0" err="1">
-                <a:latin typeface="Calibri"/>
-              </a:rPr>
-              <a:t>idx</a:t>
-            </a:r>
-            <a:r>
-              <a:rPr lang="en-US" dirty="0">
-                <a:latin typeface="Calibri"/>
-              </a:rPr>
-              <a:t>/1 </a:t>
-            </a:r>
-            <a:r>
-              <a:rPr lang="en-US" dirty="0" err="1">
-                <a:latin typeface="Calibri"/>
-              </a:rPr>
-              <a:t>amt</a:t>
-            </a:r>
-            <a:r>
-              <a:rPr lang="en-US" dirty="0">
-                <a:latin typeface="Calibri"/>
-              </a:rPr>
-              <a:t>/200 m/8 y/2018”)</a:t>
+              <a:t>parse (“paid 1 200 8 2018”)</a:t>
             </a:r>
           </a:p>
         </p:txBody>
@@ -5114,7 +5025,7 @@
         </p:nvSpPr>
         <p:spPr>
           <a:xfrm>
-            <a:off x="5864137" y="6093523"/>
+            <a:off x="4340137" y="5552347"/>
             <a:ext cx="621216" cy="215444"/>
           </a:xfrm>
           <a:prstGeom prst="rect">
@@ -5156,7 +5067,7 @@
         </p:nvSpPr>
         <p:spPr>
           <a:xfrm>
-            <a:off x="2123983" y="6071888"/>
+            <a:off x="622848" y="5820948"/>
             <a:ext cx="762000" cy="215444"/>
           </a:xfrm>
           <a:prstGeom prst="rect">
@@ -5198,7 +5109,7 @@
         </p:nvSpPr>
         <p:spPr>
           <a:xfrm>
-            <a:off x="7386738" y="5837588"/>
+            <a:off x="5862738" y="5364992"/>
             <a:ext cx="1676400" cy="232379"/>
           </a:xfrm>
           <a:prstGeom prst="rect">
@@ -5240,16 +5151,7 @@
                 </a:solidFill>
                 <a:latin typeface="Calibri"/>
               </a:rPr>
-              <a:t>result:Command</a:t>
-            </a:r>
-            <a:r>
-              <a:rPr lang="en-US" sz="1200" dirty="0">
-                <a:solidFill>
-                  <a:prstClr val="white"/>
-                </a:solidFill>
-                <a:latin typeface="Calibri"/>
-              </a:rPr>
-              <a:t> Result</a:t>
+              <a:t>result:CommandResult</a:t>
             </a:r>
             <a:endParaRPr lang="en-SG" sz="1200" dirty="0">
               <a:solidFill>
@@ -5268,8 +5170,8 @@
         </p:nvSpPr>
         <p:spPr>
           <a:xfrm>
-            <a:off x="8148738" y="6078283"/>
-            <a:ext cx="152400" cy="171376"/>
+            <a:off x="6624738" y="5610087"/>
+            <a:ext cx="152400" cy="113636"/>
           </a:xfrm>
           <a:prstGeom prst="rect">
             <a:avLst/>
@@ -5322,7 +5224,7 @@
         </p:nvCxnSpPr>
         <p:spPr>
           <a:xfrm>
-            <a:off x="7237928" y="6260524"/>
+            <a:off x="5713928" y="5719348"/>
             <a:ext cx="910811" cy="0"/>
           </a:xfrm>
           <a:prstGeom prst="straightConnector1">
@@ -5360,7 +5262,7 @@
         </p:nvSpPr>
         <p:spPr>
           <a:xfrm>
-            <a:off x="4197846" y="3893978"/>
+            <a:off x="2673846" y="2688338"/>
             <a:ext cx="220343" cy="215444"/>
           </a:xfrm>
           <a:prstGeom prst="rect">
@@ -5402,7 +5304,7 @@
         </p:nvSpPr>
         <p:spPr>
           <a:xfrm>
-            <a:off x="5308400" y="1752601"/>
+            <a:off x="3784400" y="975205"/>
             <a:ext cx="1778201" cy="432035"/>
           </a:xfrm>
           <a:prstGeom prst="rect">
@@ -5492,8 +5394,8 @@
         </p:nvCxnSpPr>
         <p:spPr>
           <a:xfrm>
-            <a:off x="4967981" y="2539328"/>
-            <a:ext cx="1176315" cy="0"/>
+            <a:off x="3429001" y="1633916"/>
+            <a:ext cx="1191295" cy="0"/>
           </a:xfrm>
           <a:prstGeom prst="straightConnector1">
             <a:avLst/>
@@ -5526,7 +5428,7 @@
         </p:nvSpPr>
         <p:spPr>
           <a:xfrm>
-            <a:off x="6136242" y="2183423"/>
+            <a:off x="4612242" y="1406027"/>
             <a:ext cx="205843" cy="123165"/>
           </a:xfrm>
           <a:prstGeom prst="rect">
@@ -5580,8 +5482,8 @@
         </p:nvCxnSpPr>
         <p:spPr>
           <a:xfrm>
-            <a:off x="6239288" y="2175562"/>
-            <a:ext cx="3799" cy="2135303"/>
+            <a:off x="4715288" y="1408834"/>
+            <a:ext cx="0" cy="1657839"/>
           </a:xfrm>
           <a:prstGeom prst="line">
             <a:avLst/>
@@ -5617,8 +5519,8 @@
         </p:nvSpPr>
         <p:spPr>
           <a:xfrm>
-            <a:off x="6144592" y="2539330"/>
-            <a:ext cx="201395" cy="1575470"/>
+            <a:off x="4620592" y="1620202"/>
+            <a:ext cx="198331" cy="1290158"/>
           </a:xfrm>
           <a:prstGeom prst="rect">
             <a:avLst/>
@@ -5671,7 +5573,7 @@
         </p:nvCxnSpPr>
         <p:spPr>
           <a:xfrm>
-            <a:off x="4983520" y="4109061"/>
+            <a:off x="3459520" y="2903421"/>
             <a:ext cx="1165315" cy="1"/>
           </a:xfrm>
           <a:prstGeom prst="straightConnector1">
@@ -5711,7 +5613,7 @@
         </p:nvCxnSpPr>
         <p:spPr>
           <a:xfrm flipV="1">
-            <a:off x="4953001" y="2019751"/>
+            <a:off x="3429001" y="1242355"/>
             <a:ext cx="358137" cy="3411"/>
           </a:xfrm>
           <a:prstGeom prst="straightConnector1">
@@ -5749,8 +5651,8 @@
         </p:nvCxnSpPr>
         <p:spPr>
           <a:xfrm>
-            <a:off x="4983519" y="2298726"/>
-            <a:ext cx="1152846" cy="0"/>
+            <a:off x="3439965" y="1521330"/>
+            <a:ext cx="1172400" cy="0"/>
           </a:xfrm>
           <a:prstGeom prst="straightConnector1">
             <a:avLst/>
@@ -5787,7 +5689,7 @@
         </p:nvSpPr>
         <p:spPr>
           <a:xfrm>
-            <a:off x="6015902" y="4156741"/>
+            <a:off x="4500623" y="2916393"/>
             <a:ext cx="463460" cy="261610"/>
           </a:xfrm>
           <a:prstGeom prst="rect">
@@ -5827,7 +5729,7 @@
         </p:nvSpPr>
         <p:spPr>
           <a:xfrm>
-            <a:off x="6743907" y="2942828"/>
+            <a:off x="5219907" y="2165432"/>
             <a:ext cx="850026" cy="335501"/>
           </a:xfrm>
           <a:prstGeom prst="rect">
@@ -5906,8 +5808,8 @@
         </p:nvSpPr>
         <p:spPr>
           <a:xfrm>
-            <a:off x="7108920" y="3285313"/>
-            <a:ext cx="125330" cy="847461"/>
+            <a:off x="5584920" y="2591737"/>
+            <a:ext cx="100601" cy="318257"/>
           </a:xfrm>
           <a:prstGeom prst="rect">
             <a:avLst/>
@@ -5961,14 +5863,13 @@
           </p:cNvPr>
           <p:cNvCxnSpPr>
             <a:cxnSpLocks/>
-            <a:endCxn id="74" idx="1"/>
           </p:cNvCxnSpPr>
           <p:nvPr/>
         </p:nvCxnSpPr>
         <p:spPr>
-          <a:xfrm>
-            <a:off x="6369315" y="3108444"/>
-            <a:ext cx="374592" cy="2134"/>
+          <a:xfrm flipV="1">
+            <a:off x="4725418" y="2328883"/>
+            <a:ext cx="497670" cy="3325"/>
           </a:xfrm>
           <a:prstGeom prst="straightConnector1">
             <a:avLst/>
@@ -6009,7 +5910,7 @@
         </p:nvSpPr>
         <p:spPr>
           <a:xfrm>
-            <a:off x="6103945" y="3136520"/>
+            <a:off x="4426913" y="2319867"/>
             <a:ext cx="621216" cy="215444"/>
           </a:xfrm>
           <a:prstGeom prst="rect">
@@ -6060,8 +5961,8 @@
         </p:nvCxnSpPr>
         <p:spPr>
           <a:xfrm flipV="1">
-            <a:off x="7202960" y="5600700"/>
-            <a:ext cx="2267450" cy="13998"/>
+            <a:off x="5678960" y="5059524"/>
+            <a:ext cx="4129470" cy="22620"/>
           </a:xfrm>
           <a:prstGeom prst="straightConnector1">
             <a:avLst/>
@@ -6104,7 +6005,7 @@
         </p:nvCxnSpPr>
         <p:spPr>
           <a:xfrm>
-            <a:off x="6361669" y="4109060"/>
+            <a:off x="4837669" y="2903420"/>
             <a:ext cx="733069" cy="6940"/>
           </a:xfrm>
           <a:prstGeom prst="straightConnector1">
@@ -6148,7 +6049,7 @@
         </p:nvSpPr>
         <p:spPr>
           <a:xfrm>
-            <a:off x="8161050" y="4362517"/>
+            <a:off x="6637050" y="3089821"/>
             <a:ext cx="926621" cy="230693"/>
           </a:xfrm>
           <a:prstGeom prst="rect">
@@ -6190,7 +6091,7 @@
                 </a:solidFill>
                 <a:latin typeface="Calibri"/>
               </a:rPr>
-              <a:t>t:Person</a:t>
+              <a:t>t:Student</a:t>
             </a:r>
             <a:endParaRPr lang="en-SG" sz="1200" dirty="0">
               <a:solidFill>
@@ -6215,7 +6116,7 @@
         </p:nvSpPr>
         <p:spPr>
           <a:xfrm>
-            <a:off x="8529165" y="4593752"/>
+            <a:off x="7005165" y="3321056"/>
             <a:ext cx="144923" cy="102175"/>
           </a:xfrm>
           <a:prstGeom prst="rect">
@@ -6270,14 +6171,13 @@
           </p:cNvPr>
           <p:cNvCxnSpPr>
             <a:cxnSpLocks/>
-            <a:endCxn id="110" idx="1"/>
           </p:cNvCxnSpPr>
           <p:nvPr/>
         </p:nvCxnSpPr>
         <p:spPr>
           <a:xfrm>
-            <a:off x="7235979" y="4476947"/>
-            <a:ext cx="925070" cy="916"/>
+            <a:off x="5635220" y="3197778"/>
+            <a:ext cx="989518" cy="1090"/>
           </a:xfrm>
           <a:prstGeom prst="straightConnector1">
             <a:avLst/>
@@ -6318,7 +6218,7 @@
         </p:nvSpPr>
         <p:spPr>
           <a:xfrm>
-            <a:off x="6989880" y="4308655"/>
+            <a:off x="5465880" y="3035959"/>
             <a:ext cx="1150818" cy="107722"/>
           </a:xfrm>
           <a:prstGeom prst="rect">
@@ -6375,8 +6275,8 @@
         </p:nvCxnSpPr>
         <p:spPr>
           <a:xfrm>
-            <a:off x="7244116" y="4692004"/>
-            <a:ext cx="1357510" cy="3923"/>
+            <a:off x="5685521" y="3418323"/>
+            <a:ext cx="1392106" cy="4908"/>
           </a:xfrm>
           <a:prstGeom prst="straightConnector1">
             <a:avLst/>
@@ -6419,8 +6319,8 @@
         </p:nvSpPr>
         <p:spPr>
           <a:xfrm>
-            <a:off x="8548015" y="5077292"/>
-            <a:ext cx="135553" cy="327233"/>
+            <a:off x="7024015" y="4723781"/>
+            <a:ext cx="187553" cy="102797"/>
           </a:xfrm>
           <a:prstGeom prst="rect">
             <a:avLst/>
@@ -6479,9 +6379,9 @@
           <p:nvPr/>
         </p:nvCxnSpPr>
         <p:spPr>
-          <a:xfrm flipV="1">
-            <a:off x="7235979" y="4948093"/>
-            <a:ext cx="925070" cy="4908"/>
+          <a:xfrm>
+            <a:off x="5655463" y="4620278"/>
+            <a:ext cx="981587" cy="0"/>
           </a:xfrm>
           <a:prstGeom prst="straightConnector1">
             <a:avLst/>
@@ -6525,8 +6425,8 @@
         </p:nvCxnSpPr>
         <p:spPr>
           <a:xfrm>
-            <a:off x="7244117" y="5404524"/>
-            <a:ext cx="1371675" cy="0"/>
+            <a:off x="5667212" y="4826578"/>
+            <a:ext cx="1450580" cy="0"/>
           </a:xfrm>
           <a:prstGeom prst="straightConnector1">
             <a:avLst/>
@@ -6569,8 +6469,8 @@
         </p:nvSpPr>
         <p:spPr>
           <a:xfrm>
-            <a:off x="8161050" y="4832747"/>
-            <a:ext cx="926621" cy="230693"/>
+            <a:off x="6637050" y="4504931"/>
+            <a:ext cx="989046" cy="230693"/>
           </a:xfrm>
           <a:prstGeom prst="rect">
             <a:avLst/>
@@ -6611,7 +6511,7 @@
                 </a:solidFill>
                 <a:latin typeface="Calibri"/>
               </a:rPr>
-              <a:t>edited:Person</a:t>
+              <a:t>edited:Student</a:t>
             </a:r>
             <a:endParaRPr lang="en-SG" sz="1000" dirty="0">
               <a:solidFill>
@@ -6619,6 +6519,767 @@
               </a:solidFill>
               <a:latin typeface="Calibri"/>
             </a:endParaRPr>
+          </a:p>
+        </p:txBody>
+      </p:sp>
+      <p:cxnSp>
+        <p:nvCxnSpPr>
+          <p:cNvPr id="89" name="Straight Connector 88">
+            <a:extLst>
+              <a:ext uri="{FF2B5EF4-FFF2-40B4-BE49-F238E27FC236}">
+                <a16:creationId xmlns:a16="http://schemas.microsoft.com/office/drawing/2014/main" id="{3C52FF72-1AFF-4CFD-B58A-8AA853F51E06}"/>
+              </a:ext>
+            </a:extLst>
+          </p:cNvPr>
+          <p:cNvCxnSpPr>
+            <a:cxnSpLocks/>
+          </p:cNvCxnSpPr>
+          <p:nvPr/>
+        </p:nvCxnSpPr>
+        <p:spPr>
+          <a:xfrm>
+            <a:off x="7077627" y="3299962"/>
+            <a:ext cx="0" cy="728478"/>
+          </a:xfrm>
+          <a:prstGeom prst="line">
+            <a:avLst/>
+          </a:prstGeom>
+          <a:ln w="19050">
+            <a:solidFill>
+              <a:srgbClr val="0070C0"/>
+            </a:solidFill>
+            <a:prstDash val="sysDash"/>
+          </a:ln>
+          <a:effectLst/>
+        </p:spPr>
+        <p:style>
+          <a:lnRef idx="1">
+            <a:schemeClr val="accent1"/>
+          </a:lnRef>
+          <a:fillRef idx="2">
+            <a:schemeClr val="accent1"/>
+          </a:fillRef>
+          <a:effectRef idx="1">
+            <a:schemeClr val="accent1"/>
+          </a:effectRef>
+          <a:fontRef idx="minor">
+            <a:schemeClr val="dk1"/>
+          </a:fontRef>
+        </p:style>
+      </p:cxnSp>
+      <p:sp>
+        <p:nvSpPr>
+          <p:cNvPr id="91" name="Rectangle 90">
+            <a:extLst>
+              <a:ext uri="{FF2B5EF4-FFF2-40B4-BE49-F238E27FC236}">
+                <a16:creationId xmlns:a16="http://schemas.microsoft.com/office/drawing/2014/main" id="{27739D36-84D0-4EC7-99BB-3DC63996C25E}"/>
+              </a:ext>
+            </a:extLst>
+          </p:cNvPr>
+          <p:cNvSpPr/>
+          <p:nvPr/>
+        </p:nvSpPr>
+        <p:spPr>
+          <a:xfrm>
+            <a:off x="7014536" y="3533248"/>
+            <a:ext cx="124308" cy="402673"/>
+          </a:xfrm>
+          <a:prstGeom prst="rect">
+            <a:avLst/>
+          </a:prstGeom>
+          <a:solidFill>
+            <a:srgbClr val="0070C0"/>
+          </a:solidFill>
+          <a:ln>
+            <a:solidFill>
+              <a:srgbClr val="0070C0"/>
+            </a:solidFill>
+          </a:ln>
+          <a:effectLst/>
+        </p:spPr>
+        <p:style>
+          <a:lnRef idx="1">
+            <a:schemeClr val="accent3"/>
+          </a:lnRef>
+          <a:fillRef idx="2">
+            <a:schemeClr val="accent3"/>
+          </a:fillRef>
+          <a:effectRef idx="1">
+            <a:schemeClr val="accent3"/>
+          </a:effectRef>
+          <a:fontRef idx="minor">
+            <a:schemeClr val="dk1"/>
+          </a:fontRef>
+        </p:style>
+        <p:txBody>
+          <a:bodyPr rtlCol="0" anchor="ctr"/>
+          <a:lstStyle/>
+          <a:p>
+            <a:pPr algn="ctr"/>
+            <a:endParaRPr lang="en-SG" sz="1400">
+              <a:solidFill>
+                <a:prstClr val="black"/>
+              </a:solidFill>
+              <a:latin typeface="Calibri"/>
+            </a:endParaRPr>
+          </a:p>
+        </p:txBody>
+      </p:sp>
+      <p:cxnSp>
+        <p:nvCxnSpPr>
+          <p:cNvPr id="94" name="Straight Arrow Connector 93">
+            <a:extLst>
+              <a:ext uri="{FF2B5EF4-FFF2-40B4-BE49-F238E27FC236}">
+                <a16:creationId xmlns:a16="http://schemas.microsoft.com/office/drawing/2014/main" id="{42384EDF-EAEC-4D9B-B300-246D17B69F64}"/>
+              </a:ext>
+            </a:extLst>
+          </p:cNvPr>
+          <p:cNvCxnSpPr>
+            <a:cxnSpLocks/>
+          </p:cNvCxnSpPr>
+          <p:nvPr/>
+        </p:nvCxnSpPr>
+        <p:spPr>
+          <a:xfrm>
+            <a:off x="5673586" y="3925537"/>
+            <a:ext cx="1392106" cy="4908"/>
+          </a:xfrm>
+          <a:prstGeom prst="straightConnector1">
+            <a:avLst/>
+          </a:prstGeom>
+          <a:ln w="19050">
+            <a:solidFill>
+              <a:srgbClr val="0070C0"/>
+            </a:solidFill>
+            <a:prstDash val="sysDash"/>
+            <a:headEnd type="arrow" w="med" len="med"/>
+            <a:tailEnd type="none" w="med" len="med"/>
+          </a:ln>
+        </p:spPr>
+        <p:style>
+          <a:lnRef idx="1">
+            <a:schemeClr val="accent1"/>
+          </a:lnRef>
+          <a:fillRef idx="0">
+            <a:schemeClr val="accent1"/>
+          </a:fillRef>
+          <a:effectRef idx="0">
+            <a:schemeClr val="accent1"/>
+          </a:effectRef>
+          <a:fontRef idx="minor">
+            <a:schemeClr val="tx1"/>
+          </a:fontRef>
+        </p:style>
+      </p:cxnSp>
+      <p:cxnSp>
+        <p:nvCxnSpPr>
+          <p:cNvPr id="96" name="Straight Arrow Connector 95">
+            <a:extLst>
+              <a:ext uri="{FF2B5EF4-FFF2-40B4-BE49-F238E27FC236}">
+                <a16:creationId xmlns:a16="http://schemas.microsoft.com/office/drawing/2014/main" id="{5C148ACD-B02E-4E4C-A941-E725C5C105DF}"/>
+              </a:ext>
+            </a:extLst>
+          </p:cNvPr>
+          <p:cNvCxnSpPr>
+            <a:cxnSpLocks/>
+          </p:cNvCxnSpPr>
+          <p:nvPr/>
+        </p:nvCxnSpPr>
+        <p:spPr>
+          <a:xfrm>
+            <a:off x="7140720" y="3602424"/>
+            <a:ext cx="591040" cy="141"/>
+          </a:xfrm>
+          <a:prstGeom prst="straightConnector1">
+            <a:avLst/>
+          </a:prstGeom>
+          <a:ln w="19050">
+            <a:solidFill>
+              <a:srgbClr val="0070C0"/>
+            </a:solidFill>
+            <a:tailEnd type="arrow"/>
+          </a:ln>
+        </p:spPr>
+        <p:style>
+          <a:lnRef idx="1">
+            <a:schemeClr val="accent1"/>
+          </a:lnRef>
+          <a:fillRef idx="0">
+            <a:schemeClr val="accent1"/>
+          </a:fillRef>
+          <a:effectRef idx="0">
+            <a:schemeClr val="accent1"/>
+          </a:effectRef>
+          <a:fontRef idx="minor">
+            <a:schemeClr val="tx1"/>
+          </a:fontRef>
+        </p:style>
+      </p:cxnSp>
+      <p:cxnSp>
+        <p:nvCxnSpPr>
+          <p:cNvPr id="97" name="Straight Arrow Connector 96">
+            <a:extLst>
+              <a:ext uri="{FF2B5EF4-FFF2-40B4-BE49-F238E27FC236}">
+                <a16:creationId xmlns:a16="http://schemas.microsoft.com/office/drawing/2014/main" id="{19ADF5F6-152B-4A86-9E88-3F66FD422235}"/>
+              </a:ext>
+            </a:extLst>
+          </p:cNvPr>
+          <p:cNvCxnSpPr>
+            <a:cxnSpLocks/>
+          </p:cNvCxnSpPr>
+          <p:nvPr/>
+        </p:nvCxnSpPr>
+        <p:spPr>
+          <a:xfrm>
+            <a:off x="7138843" y="3820487"/>
+            <a:ext cx="972781" cy="0"/>
+          </a:xfrm>
+          <a:prstGeom prst="straightConnector1">
+            <a:avLst/>
+          </a:prstGeom>
+          <a:ln w="19050">
+            <a:solidFill>
+              <a:srgbClr val="0070C0"/>
+            </a:solidFill>
+            <a:prstDash val="sysDash"/>
+            <a:headEnd type="arrow" w="med" len="med"/>
+            <a:tailEnd type="none" w="med" len="med"/>
+          </a:ln>
+        </p:spPr>
+        <p:style>
+          <a:lnRef idx="1">
+            <a:schemeClr val="accent1"/>
+          </a:lnRef>
+          <a:fillRef idx="0">
+            <a:schemeClr val="accent1"/>
+          </a:fillRef>
+          <a:effectRef idx="0">
+            <a:schemeClr val="accent1"/>
+          </a:effectRef>
+          <a:fontRef idx="minor">
+            <a:schemeClr val="tx1"/>
+          </a:fontRef>
+        </p:style>
+      </p:cxnSp>
+      <p:sp>
+        <p:nvSpPr>
+          <p:cNvPr id="98" name="TextBox 97">
+            <a:extLst>
+              <a:ext uri="{FF2B5EF4-FFF2-40B4-BE49-F238E27FC236}">
+                <a16:creationId xmlns:a16="http://schemas.microsoft.com/office/drawing/2014/main" id="{6BF14BD3-52B4-486D-8DBE-D7B6178D4C1A}"/>
+              </a:ext>
+            </a:extLst>
+          </p:cNvPr>
+          <p:cNvSpPr txBox="1"/>
+          <p:nvPr/>
+        </p:nvSpPr>
+        <p:spPr>
+          <a:xfrm>
+            <a:off x="6584159" y="3435937"/>
+            <a:ext cx="1150818" cy="107722"/>
+          </a:xfrm>
+          <a:prstGeom prst="rect">
+            <a:avLst/>
+          </a:prstGeom>
+          <a:noFill/>
+        </p:spPr>
+        <p:txBody>
+          <a:bodyPr wrap="square" lIns="0" tIns="0" rIns="0" bIns="0" rtlCol="0">
+            <a:spAutoFit/>
+          </a:bodyPr>
+          <a:lstStyle>
+            <a:defPPr>
+              <a:defRPr lang="en-US"/>
+            </a:defPPr>
+            <a:lvl1pPr algn="r">
+              <a:defRPr sz="1400">
+                <a:solidFill>
+                  <a:srgbClr val="0070C0"/>
+                </a:solidFill>
+              </a:defRPr>
+            </a:lvl1pPr>
+          </a:lstStyle>
+          <a:p>
+            <a:r>
+              <a:rPr lang="en-US" sz="700" dirty="0" err="1">
+                <a:latin typeface="Calibri"/>
+              </a:rPr>
+              <a:t>getPayments</a:t>
+            </a:r>
+            <a:r>
+              <a:rPr lang="en-US" sz="700" dirty="0">
+                <a:latin typeface="Calibri"/>
+              </a:rPr>
+              <a:t>()</a:t>
+            </a:r>
+          </a:p>
+        </p:txBody>
+      </p:sp>
+      <p:sp>
+        <p:nvSpPr>
+          <p:cNvPr id="99" name="Rectangle 62">
+            <a:extLst>
+              <a:ext uri="{FF2B5EF4-FFF2-40B4-BE49-F238E27FC236}">
+                <a16:creationId xmlns:a16="http://schemas.microsoft.com/office/drawing/2014/main" id="{FBE52BE1-83B1-4044-832A-21CFA28B823E}"/>
+              </a:ext>
+            </a:extLst>
+          </p:cNvPr>
+          <p:cNvSpPr/>
+          <p:nvPr/>
+        </p:nvSpPr>
+        <p:spPr>
+          <a:xfrm>
+            <a:off x="7743509" y="3487077"/>
+            <a:ext cx="926621" cy="230693"/>
+          </a:xfrm>
+          <a:prstGeom prst="rect">
+            <a:avLst/>
+          </a:prstGeom>
+          <a:solidFill>
+            <a:srgbClr val="0070C0"/>
+          </a:solidFill>
+          <a:ln w="19050">
+            <a:solidFill>
+              <a:srgbClr val="0070C0"/>
+            </a:solidFill>
+          </a:ln>
+          <a:effectLst/>
+        </p:spPr>
+        <p:style>
+          <a:lnRef idx="1">
+            <a:schemeClr val="accent2"/>
+          </a:lnRef>
+          <a:fillRef idx="2">
+            <a:schemeClr val="accent2"/>
+          </a:fillRef>
+          <a:effectRef idx="1">
+            <a:schemeClr val="accent2"/>
+          </a:effectRef>
+          <a:fontRef idx="minor">
+            <a:schemeClr val="dk1"/>
+          </a:fontRef>
+        </p:style>
+        <p:txBody>
+          <a:bodyPr rtlCol="0" anchor="ctr"/>
+          <a:lstStyle/>
+          <a:p>
+            <a:pPr algn="ctr"/>
+            <a:r>
+              <a:rPr lang="en-US" sz="800" dirty="0">
+                <a:solidFill>
+                  <a:prstClr val="white"/>
+                </a:solidFill>
+                <a:latin typeface="Calibri"/>
+              </a:rPr>
+              <a:t>l:List&lt;Payments&gt;</a:t>
+            </a:r>
+            <a:endParaRPr lang="en-SG" sz="800" dirty="0">
+              <a:solidFill>
+                <a:prstClr val="white"/>
+              </a:solidFill>
+              <a:latin typeface="Calibri"/>
+            </a:endParaRPr>
+          </a:p>
+        </p:txBody>
+      </p:sp>
+      <p:sp>
+        <p:nvSpPr>
+          <p:cNvPr id="100" name="Rectangle 99">
+            <a:extLst>
+              <a:ext uri="{FF2B5EF4-FFF2-40B4-BE49-F238E27FC236}">
+                <a16:creationId xmlns:a16="http://schemas.microsoft.com/office/drawing/2014/main" id="{D229B755-5805-4A80-91B2-FEDEE15C495C}"/>
+              </a:ext>
+            </a:extLst>
+          </p:cNvPr>
+          <p:cNvSpPr/>
+          <p:nvPr/>
+        </p:nvSpPr>
+        <p:spPr>
+          <a:xfrm>
+            <a:off x="8111624" y="3718312"/>
+            <a:ext cx="144923" cy="102175"/>
+          </a:xfrm>
+          <a:prstGeom prst="rect">
+            <a:avLst/>
+          </a:prstGeom>
+          <a:solidFill>
+            <a:srgbClr val="0070C0"/>
+          </a:solidFill>
+          <a:ln>
+            <a:solidFill>
+              <a:srgbClr val="0070C0"/>
+            </a:solidFill>
+          </a:ln>
+          <a:effectLst/>
+        </p:spPr>
+        <p:style>
+          <a:lnRef idx="1">
+            <a:schemeClr val="accent3"/>
+          </a:lnRef>
+          <a:fillRef idx="2">
+            <a:schemeClr val="accent3"/>
+          </a:fillRef>
+          <a:effectRef idx="1">
+            <a:schemeClr val="accent3"/>
+          </a:effectRef>
+          <a:fontRef idx="minor">
+            <a:schemeClr val="dk1"/>
+          </a:fontRef>
+        </p:style>
+        <p:txBody>
+          <a:bodyPr rtlCol="0" anchor="ctr"/>
+          <a:lstStyle/>
+          <a:p>
+            <a:pPr algn="ctr"/>
+            <a:endParaRPr lang="en-SG" sz="1400">
+              <a:solidFill>
+                <a:prstClr val="black"/>
+              </a:solidFill>
+              <a:latin typeface="Calibri"/>
+            </a:endParaRPr>
+          </a:p>
+        </p:txBody>
+      </p:sp>
+      <p:sp>
+        <p:nvSpPr>
+          <p:cNvPr id="101" name="TextBox 100">
+            <a:extLst>
+              <a:ext uri="{FF2B5EF4-FFF2-40B4-BE49-F238E27FC236}">
+                <a16:creationId xmlns:a16="http://schemas.microsoft.com/office/drawing/2014/main" id="{4FFDA7D7-5B61-4979-83C4-DE0F52D01109}"/>
+              </a:ext>
+            </a:extLst>
+          </p:cNvPr>
+          <p:cNvSpPr txBox="1"/>
+          <p:nvPr/>
+        </p:nvSpPr>
+        <p:spPr>
+          <a:xfrm>
+            <a:off x="6197815" y="3712105"/>
+            <a:ext cx="220343" cy="215444"/>
+          </a:xfrm>
+          <a:prstGeom prst="rect">
+            <a:avLst/>
+          </a:prstGeom>
+          <a:noFill/>
+        </p:spPr>
+        <p:txBody>
+          <a:bodyPr wrap="square" lIns="0" tIns="0" rIns="0" bIns="0" rtlCol="0">
+            <a:spAutoFit/>
+          </a:bodyPr>
+          <a:lstStyle>
+            <a:defPPr>
+              <a:defRPr lang="en-US"/>
+            </a:defPPr>
+            <a:lvl1pPr algn="r">
+              <a:defRPr sz="1400">
+                <a:solidFill>
+                  <a:srgbClr val="0070C0"/>
+                </a:solidFill>
+              </a:defRPr>
+            </a:lvl1pPr>
+          </a:lstStyle>
+          <a:p>
+            <a:r>
+              <a:rPr lang="en-US" dirty="0">
+                <a:latin typeface="Calibri"/>
+              </a:rPr>
+              <a:t>l</a:t>
+            </a:r>
+          </a:p>
+        </p:txBody>
+      </p:sp>
+      <p:cxnSp>
+        <p:nvCxnSpPr>
+          <p:cNvPr id="102" name="Straight Connector 101">
+            <a:extLst>
+              <a:ext uri="{FF2B5EF4-FFF2-40B4-BE49-F238E27FC236}">
+                <a16:creationId xmlns:a16="http://schemas.microsoft.com/office/drawing/2014/main" id="{347EB980-93F3-4661-BFCE-7572AC377838}"/>
+              </a:ext>
+            </a:extLst>
+          </p:cNvPr>
+          <p:cNvCxnSpPr>
+            <a:cxnSpLocks/>
+          </p:cNvCxnSpPr>
+          <p:nvPr/>
+        </p:nvCxnSpPr>
+        <p:spPr>
+          <a:xfrm>
+            <a:off x="8180668" y="3640396"/>
+            <a:ext cx="0" cy="723324"/>
+          </a:xfrm>
+          <a:prstGeom prst="line">
+            <a:avLst/>
+          </a:prstGeom>
+          <a:ln w="19050">
+            <a:solidFill>
+              <a:srgbClr val="0070C0"/>
+            </a:solidFill>
+            <a:prstDash val="sysDash"/>
+          </a:ln>
+          <a:effectLst/>
+        </p:spPr>
+        <p:style>
+          <a:lnRef idx="1">
+            <a:schemeClr val="accent1"/>
+          </a:lnRef>
+          <a:fillRef idx="2">
+            <a:schemeClr val="accent1"/>
+          </a:fillRef>
+          <a:effectRef idx="1">
+            <a:schemeClr val="accent1"/>
+          </a:effectRef>
+          <a:fontRef idx="minor">
+            <a:schemeClr val="dk1"/>
+          </a:fontRef>
+        </p:style>
+      </p:cxnSp>
+      <p:sp>
+        <p:nvSpPr>
+          <p:cNvPr id="103" name="Rectangle 102">
+            <a:extLst>
+              <a:ext uri="{FF2B5EF4-FFF2-40B4-BE49-F238E27FC236}">
+                <a16:creationId xmlns:a16="http://schemas.microsoft.com/office/drawing/2014/main" id="{A13B574E-3DBC-4EE8-ACDD-D66B11DFF994}"/>
+              </a:ext>
+            </a:extLst>
+          </p:cNvPr>
+          <p:cNvSpPr/>
+          <p:nvPr/>
+        </p:nvSpPr>
+        <p:spPr>
+          <a:xfrm>
+            <a:off x="8117578" y="4097316"/>
+            <a:ext cx="138942" cy="266402"/>
+          </a:xfrm>
+          <a:prstGeom prst="rect">
+            <a:avLst/>
+          </a:prstGeom>
+          <a:solidFill>
+            <a:srgbClr val="0070C0"/>
+          </a:solidFill>
+          <a:ln>
+            <a:solidFill>
+              <a:srgbClr val="0070C0"/>
+            </a:solidFill>
+          </a:ln>
+          <a:effectLst/>
+        </p:spPr>
+        <p:style>
+          <a:lnRef idx="1">
+            <a:schemeClr val="accent3"/>
+          </a:lnRef>
+          <a:fillRef idx="2">
+            <a:schemeClr val="accent3"/>
+          </a:fillRef>
+          <a:effectRef idx="1">
+            <a:schemeClr val="accent3"/>
+          </a:effectRef>
+          <a:fontRef idx="minor">
+            <a:schemeClr val="dk1"/>
+          </a:fontRef>
+        </p:style>
+        <p:txBody>
+          <a:bodyPr rtlCol="0" anchor="ctr"/>
+          <a:lstStyle/>
+          <a:p>
+            <a:pPr algn="ctr"/>
+            <a:endParaRPr lang="en-SG" sz="1400">
+              <a:solidFill>
+                <a:prstClr val="black"/>
+              </a:solidFill>
+              <a:latin typeface="Calibri"/>
+            </a:endParaRPr>
+          </a:p>
+        </p:txBody>
+      </p:sp>
+      <p:cxnSp>
+        <p:nvCxnSpPr>
+          <p:cNvPr id="107" name="Straight Arrow Connector 106">
+            <a:extLst>
+              <a:ext uri="{FF2B5EF4-FFF2-40B4-BE49-F238E27FC236}">
+                <a16:creationId xmlns:a16="http://schemas.microsoft.com/office/drawing/2014/main" id="{4E152355-9291-4494-9655-286C83458D28}"/>
+              </a:ext>
+            </a:extLst>
+          </p:cNvPr>
+          <p:cNvCxnSpPr>
+            <a:cxnSpLocks/>
+          </p:cNvCxnSpPr>
+          <p:nvPr/>
+        </p:nvCxnSpPr>
+        <p:spPr>
+          <a:xfrm>
+            <a:off x="5689976" y="4097316"/>
+            <a:ext cx="2421648" cy="0"/>
+          </a:xfrm>
+          <a:prstGeom prst="straightConnector1">
+            <a:avLst/>
+          </a:prstGeom>
+          <a:ln w="19050">
+            <a:solidFill>
+              <a:srgbClr val="0070C0"/>
+            </a:solidFill>
+            <a:tailEnd type="arrow"/>
+          </a:ln>
+        </p:spPr>
+        <p:style>
+          <a:lnRef idx="1">
+            <a:schemeClr val="accent1"/>
+          </a:lnRef>
+          <a:fillRef idx="0">
+            <a:schemeClr val="accent1"/>
+          </a:fillRef>
+          <a:effectRef idx="0">
+            <a:schemeClr val="accent1"/>
+          </a:effectRef>
+          <a:fontRef idx="minor">
+            <a:schemeClr val="tx1"/>
+          </a:fontRef>
+        </p:style>
+      </p:cxnSp>
+      <p:sp>
+        <p:nvSpPr>
+          <p:cNvPr id="114" name="TextBox 113">
+            <a:extLst>
+              <a:ext uri="{FF2B5EF4-FFF2-40B4-BE49-F238E27FC236}">
+                <a16:creationId xmlns:a16="http://schemas.microsoft.com/office/drawing/2014/main" id="{CED1B44B-EFE6-42B0-8D8B-B466893BD71D}"/>
+              </a:ext>
+            </a:extLst>
+          </p:cNvPr>
+          <p:cNvSpPr txBox="1"/>
+          <p:nvPr/>
+        </p:nvSpPr>
+        <p:spPr>
+          <a:xfrm>
+            <a:off x="6821720" y="3966195"/>
+            <a:ext cx="1150818" cy="107722"/>
+          </a:xfrm>
+          <a:prstGeom prst="rect">
+            <a:avLst/>
+          </a:prstGeom>
+          <a:noFill/>
+        </p:spPr>
+        <p:txBody>
+          <a:bodyPr wrap="square" lIns="0" tIns="0" rIns="0" bIns="0" rtlCol="0">
+            <a:spAutoFit/>
+          </a:bodyPr>
+          <a:lstStyle>
+            <a:defPPr>
+              <a:defRPr lang="en-US"/>
+            </a:defPPr>
+            <a:lvl1pPr algn="r">
+              <a:defRPr sz="1400">
+                <a:solidFill>
+                  <a:srgbClr val="0070C0"/>
+                </a:solidFill>
+              </a:defRPr>
+            </a:lvl1pPr>
+          </a:lstStyle>
+          <a:p>
+            <a:r>
+              <a:rPr lang="en-US" sz="700" dirty="0" err="1">
+                <a:latin typeface="Calibri"/>
+              </a:rPr>
+              <a:t>updatePayments</a:t>
+            </a:r>
+            <a:r>
+              <a:rPr lang="en-US" sz="700" dirty="0">
+                <a:latin typeface="Calibri"/>
+              </a:rPr>
+              <a:t>(l, p)</a:t>
+            </a:r>
+          </a:p>
+        </p:txBody>
+      </p:sp>
+      <p:cxnSp>
+        <p:nvCxnSpPr>
+          <p:cNvPr id="115" name="Straight Arrow Connector 114">
+            <a:extLst>
+              <a:ext uri="{FF2B5EF4-FFF2-40B4-BE49-F238E27FC236}">
+                <a16:creationId xmlns:a16="http://schemas.microsoft.com/office/drawing/2014/main" id="{2639CACC-CC7D-4331-AA72-1D1467FB44F6}"/>
+              </a:ext>
+            </a:extLst>
+          </p:cNvPr>
+          <p:cNvCxnSpPr>
+            <a:cxnSpLocks/>
+          </p:cNvCxnSpPr>
+          <p:nvPr/>
+        </p:nvCxnSpPr>
+        <p:spPr>
+          <a:xfrm>
+            <a:off x="5655463" y="4363718"/>
+            <a:ext cx="2456160" cy="0"/>
+          </a:xfrm>
+          <a:prstGeom prst="straightConnector1">
+            <a:avLst/>
+          </a:prstGeom>
+          <a:ln w="19050">
+            <a:solidFill>
+              <a:srgbClr val="0070C0"/>
+            </a:solidFill>
+            <a:prstDash val="sysDash"/>
+            <a:headEnd type="arrow" w="med" len="med"/>
+            <a:tailEnd type="none" w="med" len="med"/>
+          </a:ln>
+        </p:spPr>
+        <p:style>
+          <a:lnRef idx="1">
+            <a:schemeClr val="accent1"/>
+          </a:lnRef>
+          <a:fillRef idx="0">
+            <a:schemeClr val="accent1"/>
+          </a:fillRef>
+          <a:effectRef idx="0">
+            <a:schemeClr val="accent1"/>
+          </a:effectRef>
+          <a:fontRef idx="minor">
+            <a:schemeClr val="tx1"/>
+          </a:fontRef>
+        </p:style>
+      </p:cxnSp>
+      <p:sp>
+        <p:nvSpPr>
+          <p:cNvPr id="118" name="TextBox 117">
+            <a:extLst>
+              <a:ext uri="{FF2B5EF4-FFF2-40B4-BE49-F238E27FC236}">
+                <a16:creationId xmlns:a16="http://schemas.microsoft.com/office/drawing/2014/main" id="{B1018812-7701-4C64-9079-4B7D21DAB831}"/>
+              </a:ext>
+            </a:extLst>
+          </p:cNvPr>
+          <p:cNvSpPr txBox="1"/>
+          <p:nvPr/>
+        </p:nvSpPr>
+        <p:spPr>
+          <a:xfrm>
+            <a:off x="5956475" y="4421462"/>
+            <a:ext cx="220343" cy="215444"/>
+          </a:xfrm>
+          <a:prstGeom prst="rect">
+            <a:avLst/>
+          </a:prstGeom>
+          <a:noFill/>
+        </p:spPr>
+        <p:txBody>
+          <a:bodyPr wrap="square" lIns="0" tIns="0" rIns="0" bIns="0" rtlCol="0">
+            <a:spAutoFit/>
+          </a:bodyPr>
+          <a:lstStyle>
+            <a:defPPr>
+              <a:defRPr lang="en-US"/>
+            </a:defPPr>
+            <a:lvl1pPr algn="r">
+              <a:defRPr sz="1400">
+                <a:solidFill>
+                  <a:srgbClr val="0070C0"/>
+                </a:solidFill>
+              </a:defRPr>
+            </a:lvl1pPr>
+          </a:lstStyle>
+          <a:p>
+            <a:r>
+              <a:rPr lang="en-US" dirty="0">
+                <a:latin typeface="Calibri"/>
+              </a:rPr>
+              <a:t>l</a:t>
+            </a:r>
           </a:p>
         </p:txBody>
       </p:sp>

--- a/docs/diagrams/EditPaymentSequenceDiagram.pptx
+++ b/docs/diagrams/EditPaymentSequenceDiagram.pptx
@@ -197,7 +197,7 @@
           <a:p>
             <a:fld id="{62511F6D-3957-4073-A6EA-8AA084D57D2E}" type="datetimeFigureOut">
               <a:rPr lang="en-US" smtClean="0"/>
-              <a:t>11/10/2018</a:t>
+              <a:t>11/12/2018</a:t>
             </a:fld>
             <a:endParaRPr lang="en-US"/>
           </a:p>
@@ -795,7 +795,7 @@
           <a:p>
             <a:fld id="{78C97017-6FC3-485B-9764-EAC9E56C1D49}" type="datetimeFigureOut">
               <a:rPr lang="en-US" smtClean="0"/>
-              <a:t>11/10/2018</a:t>
+              <a:t>11/12/2018</a:t>
             </a:fld>
             <a:endParaRPr lang="en-US"/>
           </a:p>
@@ -963,7 +963,7 @@
           <a:p>
             <a:fld id="{78C97017-6FC3-485B-9764-EAC9E56C1D49}" type="datetimeFigureOut">
               <a:rPr lang="en-US" smtClean="0"/>
-              <a:t>11/10/2018</a:t>
+              <a:t>11/12/2018</a:t>
             </a:fld>
             <a:endParaRPr lang="en-US"/>
           </a:p>
@@ -1141,7 +1141,7 @@
           <a:p>
             <a:fld id="{78C97017-6FC3-485B-9764-EAC9E56C1D49}" type="datetimeFigureOut">
               <a:rPr lang="en-US" smtClean="0"/>
-              <a:t>11/10/2018</a:t>
+              <a:t>11/12/2018</a:t>
             </a:fld>
             <a:endParaRPr lang="en-US"/>
           </a:p>
@@ -1309,7 +1309,7 @@
           <a:p>
             <a:fld id="{78C97017-6FC3-485B-9764-EAC9E56C1D49}" type="datetimeFigureOut">
               <a:rPr lang="en-US" smtClean="0"/>
-              <a:t>11/10/2018</a:t>
+              <a:t>11/12/2018</a:t>
             </a:fld>
             <a:endParaRPr lang="en-US"/>
           </a:p>
@@ -1554,7 +1554,7 @@
           <a:p>
             <a:fld id="{78C97017-6FC3-485B-9764-EAC9E56C1D49}" type="datetimeFigureOut">
               <a:rPr lang="en-US" smtClean="0"/>
-              <a:t>11/10/2018</a:t>
+              <a:t>11/12/2018</a:t>
             </a:fld>
             <a:endParaRPr lang="en-US"/>
           </a:p>
@@ -1839,7 +1839,7 @@
           <a:p>
             <a:fld id="{78C97017-6FC3-485B-9764-EAC9E56C1D49}" type="datetimeFigureOut">
               <a:rPr lang="en-US" smtClean="0"/>
-              <a:t>11/10/2018</a:t>
+              <a:t>11/12/2018</a:t>
             </a:fld>
             <a:endParaRPr lang="en-US"/>
           </a:p>
@@ -2258,7 +2258,7 @@
           <a:p>
             <a:fld id="{78C97017-6FC3-485B-9764-EAC9E56C1D49}" type="datetimeFigureOut">
               <a:rPr lang="en-US" smtClean="0"/>
-              <a:t>11/10/2018</a:t>
+              <a:t>11/12/2018</a:t>
             </a:fld>
             <a:endParaRPr lang="en-US"/>
           </a:p>
@@ -2375,7 +2375,7 @@
           <a:p>
             <a:fld id="{78C97017-6FC3-485B-9764-EAC9E56C1D49}" type="datetimeFigureOut">
               <a:rPr lang="en-US" smtClean="0"/>
-              <a:t>11/10/2018</a:t>
+              <a:t>11/12/2018</a:t>
             </a:fld>
             <a:endParaRPr lang="en-US"/>
           </a:p>
@@ -2470,7 +2470,7 @@
           <a:p>
             <a:fld id="{78C97017-6FC3-485B-9764-EAC9E56C1D49}" type="datetimeFigureOut">
               <a:rPr lang="en-US" smtClean="0"/>
-              <a:t>11/10/2018</a:t>
+              <a:t>11/12/2018</a:t>
             </a:fld>
             <a:endParaRPr lang="en-US"/>
           </a:p>
@@ -2745,7 +2745,7 @@
           <a:p>
             <a:fld id="{78C97017-6FC3-485B-9764-EAC9E56C1D49}" type="datetimeFigureOut">
               <a:rPr lang="en-US" smtClean="0"/>
-              <a:t>11/10/2018</a:t>
+              <a:t>11/12/2018</a:t>
             </a:fld>
             <a:endParaRPr lang="en-US"/>
           </a:p>
@@ -2997,7 +2997,7 @@
           <a:p>
             <a:fld id="{78C97017-6FC3-485B-9764-EAC9E56C1D49}" type="datetimeFigureOut">
               <a:rPr lang="en-US" smtClean="0"/>
-              <a:t>11/10/2018</a:t>
+              <a:t>11/12/2018</a:t>
             </a:fld>
             <a:endParaRPr lang="en-US"/>
           </a:p>
@@ -3208,7 +3208,7 @@
           <a:p>
             <a:fld id="{78C97017-6FC3-485B-9764-EAC9E56C1D49}" type="datetimeFigureOut">
               <a:rPr lang="en-US" smtClean="0"/>
-              <a:t>11/10/2018</a:t>
+              <a:t>11/12/2018</a:t>
             </a:fld>
             <a:endParaRPr lang="en-US"/>
           </a:p>
@@ -4513,10 +4513,7 @@
             <a:avLst/>
           </a:prstGeom>
           <a:solidFill>
-            <a:schemeClr val="accent4">
-              <a:lumMod val="60000"/>
-              <a:lumOff val="40000"/>
-            </a:schemeClr>
+            <a:srgbClr val="7030A0"/>
           </a:solidFill>
           <a:ln w="19050">
             <a:solidFill>
@@ -4674,10 +4671,7 @@
           </a:prstGeom>
           <a:ln w="19050">
             <a:solidFill>
-              <a:schemeClr val="accent4">
-                <a:lumMod val="60000"/>
-                <a:lumOff val="40000"/>
-              </a:schemeClr>
+              <a:srgbClr val="7030A0"/>
             </a:solidFill>
             <a:prstDash val="sysDash"/>
           </a:ln>
@@ -4713,10 +4707,7 @@
             <a:avLst/>
           </a:prstGeom>
           <a:solidFill>
-            <a:schemeClr val="accent4">
-              <a:lumMod val="60000"/>
-              <a:lumOff val="40000"/>
-            </a:schemeClr>
+            <a:srgbClr val="7030A0"/>
           </a:solidFill>
           <a:ln>
             <a:solidFill>
@@ -4813,10 +4804,7 @@
           </a:prstGeom>
           <a:ln w="19050">
             <a:solidFill>
-              <a:schemeClr val="accent4">
-                <a:lumMod val="60000"/>
-                <a:lumOff val="40000"/>
-              </a:schemeClr>
+              <a:srgbClr val="7030A0"/>
             </a:solidFill>
             <a:prstDash val="sysDash"/>
             <a:headEnd type="arrow" w="med" len="med"/>

--- a/docs/diagrams/EditPaymentSequenceDiagram.pptx
+++ b/docs/diagrams/EditPaymentSequenceDiagram.pptx
@@ -3583,3694 +3583,3736 @@
           <a:chExt cx="0" cy="0"/>
         </a:xfrm>
       </p:grpSpPr>
-      <p:sp>
-        <p:nvSpPr>
-          <p:cNvPr id="105" name="Rectangle 65">
+      <p:grpSp>
+        <p:nvGrpSpPr>
+          <p:cNvPr id="7" name="Group 6">
             <a:extLst>
               <a:ext uri="{FF2B5EF4-FFF2-40B4-BE49-F238E27FC236}">
-                <a16:creationId xmlns:a16="http://schemas.microsoft.com/office/drawing/2014/main" id="{981BAB82-1001-4589-964D-BF49702CEBB9}"/>
+                <a16:creationId xmlns:a16="http://schemas.microsoft.com/office/drawing/2014/main" id="{CEB7CDA8-FD52-400E-AE7E-71CCE8A03A00}"/>
               </a:ext>
             </a:extLst>
           </p:cNvPr>
-          <p:cNvSpPr/>
+          <p:cNvGrpSpPr/>
           <p:nvPr/>
-        </p:nvSpPr>
-        <p:spPr>
+        </p:nvGrpSpPr>
+        <p:grpSpPr>
           <a:xfrm>
-            <a:off x="9513560" y="137181"/>
-            <a:ext cx="1357863" cy="6029200"/>
+            <a:off x="660240" y="323612"/>
+            <a:ext cx="10871520" cy="6029200"/>
+            <a:chOff x="1110419" y="296979"/>
+            <a:chExt cx="10871520" cy="6029200"/>
           </a:xfrm>
-          <a:prstGeom prst="roundRect">
-            <a:avLst>
-              <a:gd name="adj" fmla="val 3484"/>
-            </a:avLst>
-          </a:prstGeom>
-          <a:solidFill>
-            <a:srgbClr val="E6E0EC"/>
-          </a:solidFill>
-          <a:ln w="19050">
-            <a:noFill/>
-          </a:ln>
-          <a:effectLst/>
-        </p:spPr>
-        <p:style>
-          <a:lnRef idx="1">
-            <a:schemeClr val="accent2"/>
-          </a:lnRef>
-          <a:fillRef idx="2">
-            <a:schemeClr val="accent2"/>
-          </a:fillRef>
-          <a:effectRef idx="1">
-            <a:schemeClr val="accent2"/>
-          </a:effectRef>
-          <a:fontRef idx="minor">
-            <a:schemeClr val="dk1"/>
-          </a:fontRef>
-        </p:style>
-        <p:txBody>
-          <a:bodyPr rtlCol="0" anchor="t"/>
-          <a:lstStyle/>
-          <a:p>
-            <a:r>
-              <a:rPr lang="en-US" sz="1200" b="1" dirty="0">
+        </p:grpSpPr>
+        <p:grpSp>
+          <p:nvGrpSpPr>
+            <p:cNvPr id="3" name="Group 2">
+              <a:extLst>
+                <a:ext uri="{FF2B5EF4-FFF2-40B4-BE49-F238E27FC236}">
+                  <a16:creationId xmlns:a16="http://schemas.microsoft.com/office/drawing/2014/main" id="{F6CD77DF-2732-4663-8DFD-903D28CE4A43}"/>
+                </a:ext>
+              </a:extLst>
+            </p:cNvPr>
+            <p:cNvGrpSpPr/>
+            <p:nvPr/>
+          </p:nvGrpSpPr>
+          <p:grpSpPr>
+            <a:xfrm>
+              <a:off x="1438182" y="296979"/>
+              <a:ext cx="10543757" cy="6029200"/>
+              <a:chOff x="327666" y="137181"/>
+              <a:chExt cx="10543757" cy="6029200"/>
+            </a:xfrm>
+          </p:grpSpPr>
+          <p:sp>
+            <p:nvSpPr>
+              <p:cNvPr id="105" name="Rectangle 65">
+                <a:extLst>
+                  <a:ext uri="{FF2B5EF4-FFF2-40B4-BE49-F238E27FC236}">
+                    <a16:creationId xmlns:a16="http://schemas.microsoft.com/office/drawing/2014/main" id="{981BAB82-1001-4589-964D-BF49702CEBB9}"/>
+                  </a:ext>
+                </a:extLst>
+              </p:cNvPr>
+              <p:cNvSpPr/>
+              <p:nvPr/>
+            </p:nvSpPr>
+            <p:spPr>
+              <a:xfrm>
+                <a:off x="9513560" y="137181"/>
+                <a:ext cx="1357863" cy="6029200"/>
+              </a:xfrm>
+              <a:prstGeom prst="roundRect">
+                <a:avLst>
+                  <a:gd name="adj" fmla="val 3484"/>
+                </a:avLst>
+              </a:prstGeom>
+              <a:solidFill>
+                <a:srgbClr val="E6E0EC"/>
+              </a:solidFill>
+              <a:ln w="19050">
+                <a:noFill/>
+              </a:ln>
+              <a:effectLst/>
+            </p:spPr>
+            <p:style>
+              <a:lnRef idx="1">
+                <a:schemeClr val="accent2"/>
+              </a:lnRef>
+              <a:fillRef idx="2">
+                <a:schemeClr val="accent2"/>
+              </a:fillRef>
+              <a:effectRef idx="1">
+                <a:schemeClr val="accent2"/>
+              </a:effectRef>
+              <a:fontRef idx="minor">
+                <a:schemeClr val="dk1"/>
+              </a:fontRef>
+            </p:style>
+            <p:txBody>
+              <a:bodyPr rtlCol="0" anchor="t"/>
+              <a:lstStyle/>
+              <a:p>
+                <a:r>
+                  <a:rPr lang="en-US" sz="1200" b="1" dirty="0">
+                    <a:solidFill>
+                      <a:srgbClr val="7030A0"/>
+                    </a:solidFill>
+                    <a:latin typeface="Calibri"/>
+                  </a:rPr>
+                  <a:t>Model</a:t>
+                </a:r>
+                <a:endParaRPr lang="en-SG" sz="1200" b="1" dirty="0">
+                  <a:solidFill>
+                    <a:srgbClr val="7030A0"/>
+                  </a:solidFill>
+                  <a:latin typeface="Calibri"/>
+                </a:endParaRPr>
+              </a:p>
+            </p:txBody>
+          </p:sp>
+          <p:sp>
+            <p:nvSpPr>
+              <p:cNvPr id="81" name="Rectangle 65"/>
+              <p:cNvSpPr/>
+              <p:nvPr/>
+            </p:nvSpPr>
+            <p:spPr>
+              <a:xfrm>
+                <a:off x="611732" y="137181"/>
+                <a:ext cx="8837067" cy="6029200"/>
+              </a:xfrm>
+              <a:prstGeom prst="roundRect">
+                <a:avLst>
+                  <a:gd name="adj" fmla="val 3484"/>
+                </a:avLst>
+              </a:prstGeom>
+              <a:solidFill>
+                <a:schemeClr val="accent1">
+                  <a:lumMod val="20000"/>
+                  <a:lumOff val="80000"/>
+                </a:schemeClr>
+              </a:solidFill>
+              <a:ln w="19050">
+                <a:noFill/>
+              </a:ln>
+              <a:effectLst/>
+            </p:spPr>
+            <p:style>
+              <a:lnRef idx="1">
+                <a:schemeClr val="accent2"/>
+              </a:lnRef>
+              <a:fillRef idx="2">
+                <a:schemeClr val="accent2"/>
+              </a:fillRef>
+              <a:effectRef idx="1">
+                <a:schemeClr val="accent2"/>
+              </a:effectRef>
+              <a:fontRef idx="minor">
+                <a:schemeClr val="dk1"/>
+              </a:fontRef>
+            </p:style>
+            <p:txBody>
+              <a:bodyPr rtlCol="0" anchor="t"/>
+              <a:lstStyle/>
+              <a:p>
+                <a:r>
+                  <a:rPr lang="en-US" sz="1200" b="1" dirty="0">
+                    <a:solidFill>
+                      <a:srgbClr val="0070C0"/>
+                    </a:solidFill>
+                    <a:latin typeface="Calibri"/>
+                  </a:rPr>
+                  <a:t>Logic</a:t>
+                </a:r>
+                <a:endParaRPr lang="en-SG" sz="1200" b="1" dirty="0">
+                  <a:solidFill>
+                    <a:srgbClr val="0070C0"/>
+                  </a:solidFill>
+                  <a:latin typeface="Calibri"/>
+                </a:endParaRPr>
+              </a:p>
+            </p:txBody>
+          </p:sp>
+          <p:sp>
+            <p:nvSpPr>
+              <p:cNvPr id="2" name="Rectangle 62"/>
+              <p:cNvSpPr/>
+              <p:nvPr/>
+            </p:nvSpPr>
+            <p:spPr>
+              <a:xfrm>
+                <a:off x="845046" y="482841"/>
+                <a:ext cx="1455629" cy="346760"/>
+              </a:xfrm>
+              <a:prstGeom prst="rect">
+                <a:avLst/>
+              </a:prstGeom>
+              <a:solidFill>
+                <a:srgbClr val="0070C0"/>
+              </a:solidFill>
+              <a:ln w="19050">
+                <a:solidFill>
+                  <a:srgbClr val="0070C0"/>
+                </a:solidFill>
+              </a:ln>
+              <a:effectLst/>
+            </p:spPr>
+            <p:style>
+              <a:lnRef idx="1">
+                <a:schemeClr val="accent2"/>
+              </a:lnRef>
+              <a:fillRef idx="2">
+                <a:schemeClr val="accent2"/>
+              </a:fillRef>
+              <a:effectRef idx="1">
+                <a:schemeClr val="accent2"/>
+              </a:effectRef>
+              <a:fontRef idx="minor">
+                <a:schemeClr val="dk1"/>
+              </a:fontRef>
+            </p:style>
+            <p:txBody>
+              <a:bodyPr rtlCol="0" anchor="ctr"/>
+              <a:lstStyle/>
+              <a:p>
+                <a:pPr algn="ctr"/>
+                <a:r>
+                  <a:rPr lang="en-US" sz="1600" dirty="0">
+                    <a:solidFill>
+                      <a:prstClr val="white"/>
+                    </a:solidFill>
+                    <a:latin typeface="Calibri"/>
+                  </a:rPr>
+                  <a:t>:</a:t>
+                </a:r>
+                <a:r>
+                  <a:rPr lang="en-US" sz="1600" dirty="0" err="1">
+                    <a:solidFill>
+                      <a:prstClr val="white"/>
+                    </a:solidFill>
+                    <a:latin typeface="Calibri"/>
+                  </a:rPr>
+                  <a:t>LogicManager</a:t>
+                </a:r>
+                <a:endParaRPr lang="en-SG" sz="1600" dirty="0">
+                  <a:solidFill>
+                    <a:prstClr val="white"/>
+                  </a:solidFill>
+                  <a:latin typeface="Calibri"/>
+                </a:endParaRPr>
+              </a:p>
+            </p:txBody>
+          </p:sp>
+          <p:cxnSp>
+            <p:nvCxnSpPr>
+              <p:cNvPr id="5" name="Straight Connector 4"/>
+              <p:cNvCxnSpPr>
+                <a:cxnSpLocks/>
+                <a:stCxn id="2" idx="2"/>
+              </p:cNvCxnSpPr>
+              <p:nvPr/>
+            </p:nvCxnSpPr>
+            <p:spPr>
+              <a:xfrm>
+                <a:off x="1572860" y="829602"/>
+                <a:ext cx="0" cy="3650803"/>
+              </a:xfrm>
+              <a:prstGeom prst="line">
+                <a:avLst/>
+              </a:prstGeom>
+              <a:ln w="19050">
+                <a:solidFill>
+                  <a:srgbClr val="0070C0"/>
+                </a:solidFill>
+                <a:prstDash val="sysDash"/>
+              </a:ln>
+              <a:effectLst/>
+            </p:spPr>
+            <p:style>
+              <a:lnRef idx="1">
+                <a:schemeClr val="accent1"/>
+              </a:lnRef>
+              <a:fillRef idx="2">
+                <a:schemeClr val="accent1"/>
+              </a:fillRef>
+              <a:effectRef idx="1">
+                <a:schemeClr val="accent1"/>
+              </a:effectRef>
+              <a:fontRef idx="minor">
+                <a:schemeClr val="dk1"/>
+              </a:fontRef>
+            </p:style>
+          </p:cxnSp>
+          <p:sp>
+            <p:nvSpPr>
+              <p:cNvPr id="6" name="Rectangle 5"/>
+              <p:cNvSpPr/>
+              <p:nvPr/>
+            </p:nvSpPr>
+            <p:spPr>
+              <a:xfrm>
+                <a:off x="1500850" y="912164"/>
+                <a:ext cx="133093" cy="5165899"/>
+              </a:xfrm>
+              <a:prstGeom prst="rect">
+                <a:avLst/>
+              </a:prstGeom>
+              <a:solidFill>
+                <a:srgbClr val="0070C0"/>
+              </a:solidFill>
+              <a:ln>
+                <a:solidFill>
+                  <a:srgbClr val="0070C0"/>
+                </a:solidFill>
+              </a:ln>
+              <a:effectLst/>
+            </p:spPr>
+            <p:style>
+              <a:lnRef idx="1">
+                <a:schemeClr val="accent3"/>
+              </a:lnRef>
+              <a:fillRef idx="2">
+                <a:schemeClr val="accent3"/>
+              </a:fillRef>
+              <a:effectRef idx="1">
+                <a:schemeClr val="accent3"/>
+              </a:effectRef>
+              <a:fontRef idx="minor">
+                <a:schemeClr val="dk1"/>
+              </a:fontRef>
+            </p:style>
+            <p:txBody>
+              <a:bodyPr rtlCol="0" anchor="ctr"/>
+              <a:lstStyle/>
+              <a:p>
+                <a:pPr algn="ctr"/>
+                <a:endParaRPr lang="en-SG" sz="1400">
+                  <a:solidFill>
+                    <a:prstClr val="black"/>
+                  </a:solidFill>
+                  <a:latin typeface="Calibri"/>
+                </a:endParaRPr>
+              </a:p>
+            </p:txBody>
+          </p:sp>
+          <p:sp>
+            <p:nvSpPr>
+              <p:cNvPr id="16" name="Rectangle 62"/>
+              <p:cNvSpPr/>
+              <p:nvPr/>
+            </p:nvSpPr>
+            <p:spPr>
+              <a:xfrm>
+                <a:off x="2697186" y="357729"/>
+                <a:ext cx="1278289" cy="467684"/>
+              </a:xfrm>
+              <a:prstGeom prst="rect">
+                <a:avLst/>
+              </a:prstGeom>
+              <a:solidFill>
+                <a:srgbClr val="0070C0"/>
+              </a:solidFill>
+              <a:ln w="19050">
+                <a:solidFill>
+                  <a:srgbClr val="0070C0"/>
+                </a:solidFill>
+              </a:ln>
+              <a:effectLst/>
+            </p:spPr>
+            <p:style>
+              <a:lnRef idx="1">
+                <a:schemeClr val="accent2"/>
+              </a:lnRef>
+              <a:fillRef idx="2">
+                <a:schemeClr val="accent2"/>
+              </a:fillRef>
+              <a:effectRef idx="1">
+                <a:schemeClr val="accent2"/>
+              </a:effectRef>
+              <a:fontRef idx="minor">
+                <a:schemeClr val="dk1"/>
+              </a:fontRef>
+            </p:style>
+            <p:txBody>
+              <a:bodyPr rtlCol="0" anchor="ctr"/>
+              <a:lstStyle/>
+              <a:p>
+                <a:pPr algn="ctr"/>
+                <a:r>
+                  <a:rPr lang="en-US" sz="1600" dirty="0">
+                    <a:solidFill>
+                      <a:prstClr val="white"/>
+                    </a:solidFill>
+                    <a:latin typeface="Calibri"/>
+                  </a:rPr>
+                  <a:t>:</a:t>
+                </a:r>
+                <a:r>
+                  <a:rPr lang="en-US" sz="1600" dirty="0" err="1">
+                    <a:solidFill>
+                      <a:prstClr val="white"/>
+                    </a:solidFill>
+                    <a:latin typeface="Calibri"/>
+                  </a:rPr>
+                  <a:t>TutorHelperParser</a:t>
+                </a:r>
+                <a:endParaRPr lang="en-SG" sz="1600" dirty="0">
+                  <a:solidFill>
+                    <a:prstClr val="white"/>
+                  </a:solidFill>
+                  <a:latin typeface="Calibri"/>
+                </a:endParaRPr>
+              </a:p>
+            </p:txBody>
+          </p:sp>
+          <p:cxnSp>
+            <p:nvCxnSpPr>
+              <p:cNvPr id="17" name="Straight Connector 16"/>
+              <p:cNvCxnSpPr>
+                <a:cxnSpLocks/>
+              </p:cNvCxnSpPr>
+              <p:nvPr/>
+            </p:nvCxnSpPr>
+            <p:spPr>
+              <a:xfrm flipH="1">
+                <a:off x="3315939" y="825413"/>
+                <a:ext cx="29544" cy="2213910"/>
+              </a:xfrm>
+              <a:prstGeom prst="line">
+                <a:avLst/>
+              </a:prstGeom>
+              <a:ln w="19050">
+                <a:solidFill>
+                  <a:srgbClr val="0070C0"/>
+                </a:solidFill>
+                <a:prstDash val="sysDash"/>
+              </a:ln>
+              <a:effectLst/>
+            </p:spPr>
+            <p:style>
+              <a:lnRef idx="1">
+                <a:schemeClr val="accent1"/>
+              </a:lnRef>
+              <a:fillRef idx="2">
+                <a:schemeClr val="accent1"/>
+              </a:fillRef>
+              <a:effectRef idx="1">
+                <a:schemeClr val="accent1"/>
+              </a:effectRef>
+              <a:fontRef idx="minor">
+                <a:schemeClr val="dk1"/>
+              </a:fontRef>
+            </p:style>
+          </p:cxnSp>
+          <p:sp>
+            <p:nvSpPr>
+              <p:cNvPr id="18" name="Rectangle 17"/>
+              <p:cNvSpPr/>
+              <p:nvPr/>
+            </p:nvSpPr>
+            <p:spPr>
+              <a:xfrm>
+                <a:off x="3272374" y="917791"/>
+                <a:ext cx="155699" cy="1999143"/>
+              </a:xfrm>
+              <a:prstGeom prst="rect">
+                <a:avLst/>
+              </a:prstGeom>
+              <a:solidFill>
+                <a:srgbClr val="0070C0"/>
+              </a:solidFill>
+              <a:ln>
+                <a:solidFill>
+                  <a:srgbClr val="0070C0"/>
+                </a:solidFill>
+              </a:ln>
+              <a:effectLst/>
+            </p:spPr>
+            <p:style>
+              <a:lnRef idx="1">
+                <a:schemeClr val="accent3"/>
+              </a:lnRef>
+              <a:fillRef idx="2">
+                <a:schemeClr val="accent3"/>
+              </a:fillRef>
+              <a:effectRef idx="1">
+                <a:schemeClr val="accent3"/>
+              </a:effectRef>
+              <a:fontRef idx="minor">
+                <a:schemeClr val="dk1"/>
+              </a:fontRef>
+            </p:style>
+            <p:txBody>
+              <a:bodyPr rtlCol="0" anchor="ctr"/>
+              <a:lstStyle/>
+              <a:p>
+                <a:pPr algn="ctr"/>
+                <a:endParaRPr lang="en-SG" sz="1400">
+                  <a:solidFill>
+                    <a:prstClr val="black"/>
+                  </a:solidFill>
+                  <a:latin typeface="Calibri"/>
+                </a:endParaRPr>
+              </a:p>
+            </p:txBody>
+          </p:sp>
+          <p:sp>
+            <p:nvSpPr>
+              <p:cNvPr id="19" name="Rectangle 62"/>
+              <p:cNvSpPr/>
+              <p:nvPr/>
+            </p:nvSpPr>
+            <p:spPr>
+              <a:xfrm>
+                <a:off x="5213820" y="1566467"/>
+                <a:ext cx="852827" cy="317402"/>
+              </a:xfrm>
+              <a:prstGeom prst="rect">
+                <a:avLst/>
+              </a:prstGeom>
+              <a:solidFill>
+                <a:srgbClr val="0070C0"/>
+              </a:solidFill>
+              <a:ln w="19050">
+                <a:solidFill>
+                  <a:srgbClr val="0070C0"/>
+                </a:solidFill>
+              </a:ln>
+              <a:effectLst/>
+            </p:spPr>
+            <p:style>
+              <a:lnRef idx="1">
+                <a:schemeClr val="accent2"/>
+              </a:lnRef>
+              <a:fillRef idx="2">
+                <a:schemeClr val="accent2"/>
+              </a:fillRef>
+              <a:effectRef idx="1">
+                <a:schemeClr val="accent2"/>
+              </a:effectRef>
+              <a:fontRef idx="minor">
+                <a:schemeClr val="dk1"/>
+              </a:fontRef>
+            </p:style>
+            <p:txBody>
+              <a:bodyPr rtlCol="0" anchor="ctr"/>
+              <a:lstStyle/>
+              <a:p>
+                <a:pPr algn="ctr"/>
+                <a:r>
+                  <a:rPr lang="en-US" sz="1200" dirty="0">
+                    <a:solidFill>
+                      <a:prstClr val="white"/>
+                    </a:solidFill>
+                    <a:latin typeface="Calibri"/>
+                  </a:rPr>
+                  <a:t>p:Payment</a:t>
+                </a:r>
+                <a:endParaRPr lang="en-SG" sz="1200" dirty="0">
+                  <a:solidFill>
+                    <a:prstClr val="white"/>
+                  </a:solidFill>
+                  <a:latin typeface="Calibri"/>
+                </a:endParaRPr>
+              </a:p>
+            </p:txBody>
+          </p:sp>
+          <p:cxnSp>
+            <p:nvCxnSpPr>
+              <p:cNvPr id="20" name="Straight Connector 19"/>
+              <p:cNvCxnSpPr>
+                <a:cxnSpLocks/>
+              </p:cNvCxnSpPr>
+              <p:nvPr/>
+            </p:nvCxnSpPr>
+            <p:spPr>
+              <a:xfrm>
+                <a:off x="5627253" y="2140249"/>
+                <a:ext cx="28210" cy="2686588"/>
+              </a:xfrm>
+              <a:prstGeom prst="line">
+                <a:avLst/>
+              </a:prstGeom>
+              <a:ln w="19050">
+                <a:solidFill>
+                  <a:srgbClr val="0070C0"/>
+                </a:solidFill>
+                <a:prstDash val="sysDash"/>
+              </a:ln>
+              <a:effectLst/>
+            </p:spPr>
+            <p:style>
+              <a:lnRef idx="1">
+                <a:schemeClr val="accent1"/>
+              </a:lnRef>
+              <a:fillRef idx="2">
+                <a:schemeClr val="accent1"/>
+              </a:fillRef>
+              <a:effectRef idx="1">
+                <a:schemeClr val="accent1"/>
+              </a:effectRef>
+              <a:fontRef idx="minor">
+                <a:schemeClr val="dk1"/>
+              </a:fontRef>
+            </p:style>
+          </p:cxnSp>
+          <p:sp>
+            <p:nvSpPr>
+              <p:cNvPr id="21" name="Rectangle 20"/>
+              <p:cNvSpPr/>
+              <p:nvPr/>
+            </p:nvSpPr>
+            <p:spPr>
+              <a:xfrm>
+                <a:off x="5562601" y="1896584"/>
+                <a:ext cx="117613" cy="185051"/>
+              </a:xfrm>
+              <a:prstGeom prst="rect">
+                <a:avLst/>
+              </a:prstGeom>
+              <a:solidFill>
+                <a:srgbClr val="0070C0"/>
+              </a:solidFill>
+              <a:ln>
+                <a:solidFill>
+                  <a:srgbClr val="0070C0"/>
+                </a:solidFill>
+              </a:ln>
+              <a:effectLst/>
+            </p:spPr>
+            <p:style>
+              <a:lnRef idx="1">
+                <a:schemeClr val="accent3"/>
+              </a:lnRef>
+              <a:fillRef idx="2">
+                <a:schemeClr val="accent3"/>
+              </a:fillRef>
+              <a:effectRef idx="1">
+                <a:schemeClr val="accent3"/>
+              </a:effectRef>
+              <a:fontRef idx="minor">
+                <a:schemeClr val="dk1"/>
+              </a:fontRef>
+            </p:style>
+            <p:txBody>
+              <a:bodyPr rtlCol="0" anchor="ctr"/>
+              <a:lstStyle/>
+              <a:p>
+                <a:pPr algn="ctr"/>
+                <a:endParaRPr lang="en-SG" sz="1400">
+                  <a:solidFill>
+                    <a:prstClr val="black"/>
+                  </a:solidFill>
+                  <a:latin typeface="Calibri"/>
+                </a:endParaRPr>
+              </a:p>
+            </p:txBody>
+          </p:sp>
+          <p:cxnSp>
+            <p:nvCxnSpPr>
+              <p:cNvPr id="23" name="Straight Arrow Connector 22"/>
+              <p:cNvCxnSpPr>
+                <a:cxnSpLocks/>
+              </p:cNvCxnSpPr>
+              <p:nvPr/>
+            </p:nvCxnSpPr>
+            <p:spPr>
+              <a:xfrm>
+                <a:off x="380999" y="929330"/>
+                <a:ext cx="1119851" cy="0"/>
+              </a:xfrm>
+              <a:prstGeom prst="straightConnector1">
+                <a:avLst/>
+              </a:prstGeom>
+              <a:ln w="19050">
+                <a:solidFill>
+                  <a:srgbClr val="00B050"/>
+                </a:solidFill>
+                <a:tailEnd type="arrow"/>
+              </a:ln>
+            </p:spPr>
+            <p:style>
+              <a:lnRef idx="1">
+                <a:schemeClr val="accent1"/>
+              </a:lnRef>
+              <a:fillRef idx="0">
+                <a:schemeClr val="accent1"/>
+              </a:fillRef>
+              <a:effectRef idx="0">
+                <a:schemeClr val="accent1"/>
+              </a:effectRef>
+              <a:fontRef idx="minor">
+                <a:schemeClr val="tx1"/>
+              </a:fontRef>
+            </p:style>
+          </p:cxnSp>
+          <p:cxnSp>
+            <p:nvCxnSpPr>
+              <p:cNvPr id="25" name="Straight Arrow Connector 24"/>
+              <p:cNvCxnSpPr>
+                <a:cxnSpLocks/>
+              </p:cNvCxnSpPr>
+              <p:nvPr/>
+            </p:nvCxnSpPr>
+            <p:spPr>
+              <a:xfrm flipV="1">
+                <a:off x="1653251" y="1125503"/>
+                <a:ext cx="1619123" cy="1"/>
+              </a:xfrm>
+              <a:prstGeom prst="straightConnector1">
+                <a:avLst/>
+              </a:prstGeom>
+              <a:ln w="19050">
+                <a:solidFill>
+                  <a:srgbClr val="0070C0"/>
+                </a:solidFill>
+                <a:tailEnd type="arrow"/>
+              </a:ln>
+            </p:spPr>
+            <p:style>
+              <a:lnRef idx="1">
+                <a:schemeClr val="accent1"/>
+              </a:lnRef>
+              <a:fillRef idx="0">
+                <a:schemeClr val="accent1"/>
+              </a:fillRef>
+              <a:effectRef idx="0">
+                <a:schemeClr val="accent1"/>
+              </a:effectRef>
+              <a:fontRef idx="minor">
+                <a:schemeClr val="tx1"/>
+              </a:fontRef>
+            </p:style>
+          </p:cxnSp>
+          <p:cxnSp>
+            <p:nvCxnSpPr>
+              <p:cNvPr id="28" name="Straight Arrow Connector 27"/>
+              <p:cNvCxnSpPr>
+                <a:cxnSpLocks/>
+              </p:cNvCxnSpPr>
+              <p:nvPr/>
+            </p:nvCxnSpPr>
+            <p:spPr>
+              <a:xfrm>
+                <a:off x="4818085" y="1773916"/>
+                <a:ext cx="383077" cy="0"/>
+              </a:xfrm>
+              <a:prstGeom prst="straightConnector1">
+                <a:avLst/>
+              </a:prstGeom>
+              <a:ln w="19050">
+                <a:solidFill>
+                  <a:srgbClr val="0070C0"/>
+                </a:solidFill>
+                <a:tailEnd type="arrow"/>
+              </a:ln>
+            </p:spPr>
+            <p:style>
+              <a:lnRef idx="1">
+                <a:schemeClr val="accent1"/>
+              </a:lnRef>
+              <a:fillRef idx="0">
+                <a:schemeClr val="accent1"/>
+              </a:fillRef>
+              <a:effectRef idx="0">
+                <a:schemeClr val="accent1"/>
+              </a:effectRef>
+              <a:fontRef idx="minor">
+                <a:schemeClr val="tx1"/>
+              </a:fontRef>
+            </p:style>
+          </p:cxnSp>
+          <p:sp>
+            <p:nvSpPr>
+              <p:cNvPr id="29" name="TextBox 28"/>
+              <p:cNvSpPr txBox="1"/>
+              <p:nvPr/>
+            </p:nvSpPr>
+            <p:spPr>
+              <a:xfrm>
+                <a:off x="3352801" y="2918304"/>
+                <a:ext cx="855809" cy="215444"/>
+              </a:xfrm>
+              <a:prstGeom prst="rect">
+                <a:avLst/>
+              </a:prstGeom>
+              <a:noFill/>
+            </p:spPr>
+            <p:txBody>
+              <a:bodyPr wrap="square" lIns="0" tIns="0" rIns="0" bIns="0" rtlCol="0">
+                <a:spAutoFit/>
+              </a:bodyPr>
+              <a:lstStyle>
+                <a:defPPr>
+                  <a:defRPr lang="en-US"/>
+                </a:defPPr>
+                <a:lvl1pPr algn="r">
+                  <a:defRPr sz="1400">
+                    <a:solidFill>
+                      <a:srgbClr val="0070C0"/>
+                    </a:solidFill>
+                  </a:defRPr>
+                </a:lvl1pPr>
+              </a:lstStyle>
+              <a:p>
+                <a:r>
+                  <a:rPr lang="en-US" dirty="0">
+                    <a:latin typeface="Calibri"/>
+                  </a:rPr>
+                  <a:t>execute()</a:t>
+                </a:r>
+              </a:p>
+            </p:txBody>
+          </p:sp>
+          <p:cxnSp>
+            <p:nvCxnSpPr>
+              <p:cNvPr id="34" name="Straight Arrow Connector 33"/>
+              <p:cNvCxnSpPr>
+                <a:cxnSpLocks/>
+              </p:cNvCxnSpPr>
+              <p:nvPr/>
+            </p:nvCxnSpPr>
+            <p:spPr>
+              <a:xfrm>
+                <a:off x="4826241" y="2076935"/>
+                <a:ext cx="809294" cy="2043"/>
+              </a:xfrm>
+              <a:prstGeom prst="straightConnector1">
+                <a:avLst/>
+              </a:prstGeom>
+              <a:ln w="19050">
+                <a:solidFill>
+                  <a:srgbClr val="0070C0"/>
+                </a:solidFill>
+                <a:prstDash val="sysDash"/>
+                <a:headEnd type="arrow" w="med" len="med"/>
+                <a:tailEnd type="none" w="med" len="med"/>
+              </a:ln>
+            </p:spPr>
+            <p:style>
+              <a:lnRef idx="1">
+                <a:schemeClr val="accent1"/>
+              </a:lnRef>
+              <a:fillRef idx="0">
+                <a:schemeClr val="accent1"/>
+              </a:fillRef>
+              <a:effectRef idx="0">
+                <a:schemeClr val="accent1"/>
+              </a:effectRef>
+              <a:fontRef idx="minor">
+                <a:schemeClr val="tx1"/>
+              </a:fontRef>
+            </p:style>
+          </p:cxnSp>
+          <p:cxnSp>
+            <p:nvCxnSpPr>
+              <p:cNvPr id="35" name="Straight Arrow Connector 34"/>
+              <p:cNvCxnSpPr>
+                <a:cxnSpLocks/>
+              </p:cNvCxnSpPr>
+              <p:nvPr/>
+            </p:nvCxnSpPr>
+            <p:spPr>
+              <a:xfrm flipV="1">
+                <a:off x="1635848" y="2903782"/>
+                <a:ext cx="1630852" cy="13156"/>
+              </a:xfrm>
+              <a:prstGeom prst="straightConnector1">
+                <a:avLst/>
+              </a:prstGeom>
+              <a:ln w="19050">
+                <a:solidFill>
+                  <a:srgbClr val="0070C0"/>
+                </a:solidFill>
+                <a:prstDash val="sysDash"/>
+                <a:headEnd type="arrow" w="med" len="med"/>
+                <a:tailEnd type="none" w="med" len="med"/>
+              </a:ln>
+            </p:spPr>
+            <p:style>
+              <a:lnRef idx="1">
+                <a:schemeClr val="accent1"/>
+              </a:lnRef>
+              <a:fillRef idx="0">
+                <a:schemeClr val="accent1"/>
+              </a:fillRef>
+              <a:effectRef idx="0">
+                <a:schemeClr val="accent1"/>
+              </a:effectRef>
+              <a:fontRef idx="minor">
+                <a:schemeClr val="tx1"/>
+              </a:fontRef>
+            </p:style>
+          </p:cxnSp>
+          <p:cxnSp>
+            <p:nvCxnSpPr>
+              <p:cNvPr id="37" name="Straight Arrow Connector 36"/>
+              <p:cNvCxnSpPr>
+                <a:cxnSpLocks/>
+              </p:cNvCxnSpPr>
+              <p:nvPr/>
+            </p:nvCxnSpPr>
+            <p:spPr>
+              <a:xfrm>
+                <a:off x="327666" y="6073660"/>
+                <a:ext cx="1196051" cy="0"/>
+              </a:xfrm>
+              <a:prstGeom prst="straightConnector1">
+                <a:avLst/>
+              </a:prstGeom>
+              <a:ln w="19050">
+                <a:solidFill>
+                  <a:schemeClr val="accent1"/>
+                </a:solidFill>
+                <a:prstDash val="sysDash"/>
+                <a:headEnd type="arrow" w="med" len="med"/>
+                <a:tailEnd type="none" w="med" len="med"/>
+              </a:ln>
+            </p:spPr>
+            <p:style>
+              <a:lnRef idx="1">
+                <a:schemeClr val="accent1"/>
+              </a:lnRef>
+              <a:fillRef idx="0">
+                <a:schemeClr val="accent1"/>
+              </a:fillRef>
+              <a:effectRef idx="0">
+                <a:schemeClr val="accent1"/>
+              </a:effectRef>
+              <a:fontRef idx="minor">
+                <a:schemeClr val="tx1"/>
+              </a:fontRef>
+            </p:style>
+          </p:cxnSp>
+          <p:sp>
+            <p:nvSpPr>
+              <p:cNvPr id="39" name="Rectangle 62"/>
+              <p:cNvSpPr/>
+              <p:nvPr/>
+            </p:nvSpPr>
+            <p:spPr>
+              <a:xfrm>
+                <a:off x="9808430" y="4945224"/>
+                <a:ext cx="878029" cy="228600"/>
+              </a:xfrm>
+              <a:prstGeom prst="rect">
+                <a:avLst/>
+              </a:prstGeom>
+              <a:solidFill>
+                <a:srgbClr val="7030A0"/>
+              </a:solidFill>
+              <a:ln w="19050">
+                <a:solidFill>
+                  <a:schemeClr val="accent4">
+                    <a:lumMod val="60000"/>
+                    <a:lumOff val="40000"/>
+                  </a:schemeClr>
+                </a:solidFill>
+              </a:ln>
+              <a:effectLst/>
+            </p:spPr>
+            <p:style>
+              <a:lnRef idx="1">
+                <a:schemeClr val="accent2"/>
+              </a:lnRef>
+              <a:fillRef idx="2">
+                <a:schemeClr val="accent2"/>
+              </a:fillRef>
+              <a:effectRef idx="1">
+                <a:schemeClr val="accent2"/>
+              </a:effectRef>
+              <a:fontRef idx="minor">
+                <a:schemeClr val="dk1"/>
+              </a:fontRef>
+            </p:style>
+            <p:txBody>
+              <a:bodyPr rtlCol="0" anchor="ctr"/>
+              <a:lstStyle/>
+              <a:p>
+                <a:pPr algn="ctr"/>
+                <a:r>
+                  <a:rPr lang="en-US" sz="1600" dirty="0">
+                    <a:solidFill>
+                      <a:prstClr val="white"/>
+                    </a:solidFill>
+                    <a:latin typeface="Calibri"/>
+                  </a:rPr>
+                  <a:t>:Model</a:t>
+                </a:r>
+                <a:endParaRPr lang="en-SG" sz="1600" dirty="0">
+                  <a:solidFill>
+                    <a:prstClr val="white"/>
+                  </a:solidFill>
+                  <a:latin typeface="Calibri"/>
+                </a:endParaRPr>
+              </a:p>
+            </p:txBody>
+          </p:sp>
+          <p:cxnSp>
+            <p:nvCxnSpPr>
+              <p:cNvPr id="64" name="Straight Arrow Connector 63"/>
+              <p:cNvCxnSpPr>
+                <a:cxnSpLocks/>
+              </p:cNvCxnSpPr>
+              <p:nvPr/>
+            </p:nvCxnSpPr>
+            <p:spPr>
+              <a:xfrm>
+                <a:off x="1622266" y="3156652"/>
+                <a:ext cx="3972124" cy="4742"/>
+              </a:xfrm>
+              <a:prstGeom prst="straightConnector1">
+                <a:avLst/>
+              </a:prstGeom>
+              <a:ln w="19050">
+                <a:solidFill>
+                  <a:srgbClr val="0070C0"/>
+                </a:solidFill>
+                <a:tailEnd type="arrow"/>
+              </a:ln>
+            </p:spPr>
+            <p:style>
+              <a:lnRef idx="1">
+                <a:schemeClr val="accent1"/>
+              </a:lnRef>
+              <a:fillRef idx="0">
+                <a:schemeClr val="accent1"/>
+              </a:fillRef>
+              <a:effectRef idx="0">
+                <a:schemeClr val="accent1"/>
+              </a:effectRef>
+              <a:fontRef idx="minor">
+                <a:schemeClr val="tx1"/>
+              </a:fontRef>
+            </p:style>
+          </p:cxnSp>
+          <p:sp>
+            <p:nvSpPr>
+              <p:cNvPr id="65" name="Rectangle 64"/>
+              <p:cNvSpPr/>
+              <p:nvPr/>
+            </p:nvSpPr>
+            <p:spPr>
+              <a:xfrm>
+                <a:off x="5599895" y="3155974"/>
+                <a:ext cx="88177" cy="2662930"/>
+              </a:xfrm>
+              <a:prstGeom prst="rect">
+                <a:avLst/>
+              </a:prstGeom>
+              <a:solidFill>
+                <a:srgbClr val="0070C0"/>
+              </a:solidFill>
+              <a:ln>
+                <a:solidFill>
+                  <a:srgbClr val="0070C0"/>
+                </a:solidFill>
+              </a:ln>
+              <a:effectLst/>
+            </p:spPr>
+            <p:style>
+              <a:lnRef idx="1">
+                <a:schemeClr val="accent3"/>
+              </a:lnRef>
+              <a:fillRef idx="2">
+                <a:schemeClr val="accent3"/>
+              </a:fillRef>
+              <a:effectRef idx="1">
+                <a:schemeClr val="accent3"/>
+              </a:effectRef>
+              <a:fontRef idx="minor">
+                <a:schemeClr val="dk1"/>
+              </a:fontRef>
+            </p:style>
+            <p:txBody>
+              <a:bodyPr rtlCol="0" anchor="ctr"/>
+              <a:lstStyle/>
+              <a:p>
+                <a:pPr algn="ctr"/>
+                <a:endParaRPr lang="en-SG" sz="1400">
+                  <a:solidFill>
+                    <a:prstClr val="black"/>
+                  </a:solidFill>
+                  <a:latin typeface="Calibri"/>
+                </a:endParaRPr>
+              </a:p>
+            </p:txBody>
+          </p:sp>
+          <p:cxnSp>
+            <p:nvCxnSpPr>
+              <p:cNvPr id="71" name="Straight Connector 70"/>
+              <p:cNvCxnSpPr>
+                <a:cxnSpLocks/>
+                <a:stCxn id="39" idx="2"/>
+              </p:cNvCxnSpPr>
+              <p:nvPr/>
+            </p:nvCxnSpPr>
+            <p:spPr>
+              <a:xfrm>
+                <a:off x="10247444" y="5173825"/>
+                <a:ext cx="13180" cy="904239"/>
+              </a:xfrm>
+              <a:prstGeom prst="line">
+                <a:avLst/>
+              </a:prstGeom>
+              <a:ln w="19050">
                 <a:solidFill>
                   <a:srgbClr val="7030A0"/>
                 </a:solidFill>
-                <a:latin typeface="Calibri"/>
-              </a:rPr>
-              <a:t>Model</a:t>
-            </a:r>
-            <a:endParaRPr lang="en-SG" sz="1200" b="1" dirty="0">
+                <a:prstDash val="sysDash"/>
+              </a:ln>
+              <a:effectLst/>
+            </p:spPr>
+            <p:style>
+              <a:lnRef idx="1">
+                <a:schemeClr val="accent1"/>
+              </a:lnRef>
+              <a:fillRef idx="2">
+                <a:schemeClr val="accent1"/>
+              </a:fillRef>
+              <a:effectRef idx="1">
+                <a:schemeClr val="accent1"/>
+              </a:effectRef>
+              <a:fontRef idx="minor">
+                <a:schemeClr val="dk1"/>
+              </a:fontRef>
+            </p:style>
+          </p:cxnSp>
+          <p:sp>
+            <p:nvSpPr>
+              <p:cNvPr id="73" name="Rectangle 72"/>
+              <p:cNvSpPr/>
+              <p:nvPr/>
+            </p:nvSpPr>
+            <p:spPr>
+              <a:xfrm>
+                <a:off x="10187717" y="5250693"/>
+                <a:ext cx="119322" cy="45719"/>
+              </a:xfrm>
+              <a:prstGeom prst="rect">
+                <a:avLst/>
+              </a:prstGeom>
               <a:solidFill>
                 <a:srgbClr val="7030A0"/>
               </a:solidFill>
-              <a:latin typeface="Calibri"/>
-            </a:endParaRPr>
-          </a:p>
-        </p:txBody>
-      </p:sp>
-      <p:sp>
-        <p:nvSpPr>
-          <p:cNvPr id="81" name="Rectangle 65"/>
-          <p:cNvSpPr/>
-          <p:nvPr/>
-        </p:nvSpPr>
-        <p:spPr>
-          <a:xfrm>
-            <a:off x="611732" y="137181"/>
-            <a:ext cx="8837067" cy="6029200"/>
-          </a:xfrm>
-          <a:prstGeom prst="roundRect">
-            <a:avLst>
-              <a:gd name="adj" fmla="val 3484"/>
-            </a:avLst>
-          </a:prstGeom>
-          <a:solidFill>
-            <a:schemeClr val="accent1">
-              <a:lumMod val="20000"/>
-              <a:lumOff val="80000"/>
-            </a:schemeClr>
-          </a:solidFill>
-          <a:ln w="19050">
-            <a:noFill/>
-          </a:ln>
-          <a:effectLst/>
-        </p:spPr>
-        <p:style>
-          <a:lnRef idx="1">
-            <a:schemeClr val="accent2"/>
-          </a:lnRef>
-          <a:fillRef idx="2">
-            <a:schemeClr val="accent2"/>
-          </a:fillRef>
-          <a:effectRef idx="1">
-            <a:schemeClr val="accent2"/>
-          </a:effectRef>
-          <a:fontRef idx="minor">
-            <a:schemeClr val="dk1"/>
-          </a:fontRef>
-        </p:style>
-        <p:txBody>
-          <a:bodyPr rtlCol="0" anchor="t"/>
-          <a:lstStyle/>
-          <a:p>
-            <a:r>
-              <a:rPr lang="en-US" sz="1200" b="1" dirty="0">
+              <a:ln>
+                <a:solidFill>
+                  <a:schemeClr val="accent4">
+                    <a:lumMod val="60000"/>
+                    <a:lumOff val="40000"/>
+                  </a:schemeClr>
+                </a:solidFill>
+              </a:ln>
+              <a:effectLst/>
+            </p:spPr>
+            <p:style>
+              <a:lnRef idx="1">
+                <a:schemeClr val="accent3"/>
+              </a:lnRef>
+              <a:fillRef idx="2">
+                <a:schemeClr val="accent3"/>
+              </a:fillRef>
+              <a:effectRef idx="1">
+                <a:schemeClr val="accent3"/>
+              </a:effectRef>
+              <a:fontRef idx="minor">
+                <a:schemeClr val="dk1"/>
+              </a:fontRef>
+            </p:style>
+            <p:txBody>
+              <a:bodyPr rtlCol="0" anchor="ctr"/>
+              <a:lstStyle/>
+              <a:p>
+                <a:pPr algn="ctr"/>
+                <a:endParaRPr lang="en-SG" sz="1400">
+                  <a:solidFill>
+                    <a:prstClr val="black"/>
+                  </a:solidFill>
+                  <a:latin typeface="Calibri"/>
+                </a:endParaRPr>
+              </a:p>
+            </p:txBody>
+          </p:sp>
+          <p:cxnSp>
+            <p:nvCxnSpPr>
+              <p:cNvPr id="75" name="Straight Arrow Connector 74"/>
+              <p:cNvCxnSpPr>
+                <a:cxnSpLocks/>
+                <a:endCxn id="84" idx="1"/>
+              </p:cNvCxnSpPr>
+              <p:nvPr/>
+            </p:nvCxnSpPr>
+            <p:spPr>
+              <a:xfrm>
+                <a:off x="5678960" y="5475555"/>
+                <a:ext cx="183778" cy="5627"/>
+              </a:xfrm>
+              <a:prstGeom prst="straightConnector1">
+                <a:avLst/>
+              </a:prstGeom>
+              <a:ln w="19050">
                 <a:solidFill>
                   <a:srgbClr val="0070C0"/>
                 </a:solidFill>
-                <a:latin typeface="Calibri"/>
-              </a:rPr>
-              <a:t>Logic</a:t>
-            </a:r>
-            <a:endParaRPr lang="en-SG" sz="1200" b="1" dirty="0">
+                <a:tailEnd type="arrow"/>
+              </a:ln>
+            </p:spPr>
+            <p:style>
+              <a:lnRef idx="1">
+                <a:schemeClr val="accent1"/>
+              </a:lnRef>
+              <a:fillRef idx="0">
+                <a:schemeClr val="accent1"/>
+              </a:fillRef>
+              <a:effectRef idx="0">
+                <a:schemeClr val="accent1"/>
+              </a:effectRef>
+              <a:fontRef idx="minor">
+                <a:schemeClr val="tx1"/>
+              </a:fontRef>
+            </p:style>
+          </p:cxnSp>
+          <p:cxnSp>
+            <p:nvCxnSpPr>
+              <p:cNvPr id="76" name="Straight Arrow Connector 75"/>
+              <p:cNvCxnSpPr>
+                <a:cxnSpLocks/>
+              </p:cNvCxnSpPr>
+              <p:nvPr/>
+            </p:nvCxnSpPr>
+            <p:spPr>
+              <a:xfrm>
+                <a:off x="5708424" y="5274037"/>
+                <a:ext cx="4538954" cy="0"/>
+              </a:xfrm>
+              <a:prstGeom prst="straightConnector1">
+                <a:avLst/>
+              </a:prstGeom>
+              <a:ln w="19050">
+                <a:solidFill>
+                  <a:srgbClr val="7030A0"/>
+                </a:solidFill>
+                <a:prstDash val="sysDash"/>
+                <a:headEnd type="arrow" w="med" len="med"/>
+                <a:tailEnd type="none" w="med" len="med"/>
+              </a:ln>
+            </p:spPr>
+            <p:style>
+              <a:lnRef idx="1">
+                <a:schemeClr val="accent1"/>
+              </a:lnRef>
+              <a:fillRef idx="0">
+                <a:schemeClr val="accent1"/>
+              </a:fillRef>
+              <a:effectRef idx="0">
+                <a:schemeClr val="accent1"/>
+              </a:effectRef>
+              <a:fontRef idx="minor">
+                <a:schemeClr val="tx1"/>
+              </a:fontRef>
+            </p:style>
+          </p:cxnSp>
+          <p:cxnSp>
+            <p:nvCxnSpPr>
+              <p:cNvPr id="77" name="Straight Arrow Connector 76"/>
+              <p:cNvCxnSpPr>
+                <a:cxnSpLocks/>
+                <a:endCxn id="65" idx="2"/>
+              </p:cNvCxnSpPr>
+              <p:nvPr/>
+            </p:nvCxnSpPr>
+            <p:spPr>
+              <a:xfrm flipV="1">
+                <a:off x="1653251" y="5818904"/>
+                <a:ext cx="3990733" cy="31450"/>
+              </a:xfrm>
+              <a:prstGeom prst="straightConnector1">
+                <a:avLst/>
+              </a:prstGeom>
+              <a:ln w="19050">
+                <a:solidFill>
+                  <a:srgbClr val="0070C0"/>
+                </a:solidFill>
+                <a:prstDash val="sysDash"/>
+                <a:headEnd type="arrow" w="med" len="med"/>
+                <a:tailEnd type="none" w="med" len="med"/>
+              </a:ln>
+            </p:spPr>
+            <p:style>
+              <a:lnRef idx="1">
+                <a:schemeClr val="accent1"/>
+              </a:lnRef>
+              <a:fillRef idx="0">
+                <a:schemeClr val="accent1"/>
+              </a:fillRef>
+              <a:effectRef idx="0">
+                <a:schemeClr val="accent1"/>
+              </a:effectRef>
+              <a:fontRef idx="minor">
+                <a:schemeClr val="tx1"/>
+              </a:fontRef>
+            </p:style>
+          </p:cxnSp>
+          <p:sp>
+            <p:nvSpPr>
+              <p:cNvPr id="78" name="TextBox 77"/>
+              <p:cNvSpPr txBox="1"/>
+              <p:nvPr/>
+            </p:nvSpPr>
+            <p:spPr>
+              <a:xfrm>
+                <a:off x="6136076" y="4927294"/>
+                <a:ext cx="1800153" cy="123111"/>
+              </a:xfrm>
+              <a:prstGeom prst="rect">
+                <a:avLst/>
+              </a:prstGeom>
+              <a:noFill/>
+            </p:spPr>
+            <p:txBody>
+              <a:bodyPr wrap="square" lIns="0" tIns="0" rIns="0" bIns="0" rtlCol="0">
+                <a:spAutoFit/>
+              </a:bodyPr>
+              <a:lstStyle>
+                <a:defPPr>
+                  <a:defRPr lang="en-US"/>
+                </a:defPPr>
+                <a:lvl1pPr algn="r">
+                  <a:defRPr sz="1400">
+                    <a:solidFill>
+                      <a:srgbClr val="0070C0"/>
+                    </a:solidFill>
+                  </a:defRPr>
+                </a:lvl1pPr>
+              </a:lstStyle>
+              <a:p>
+                <a:r>
+                  <a:rPr lang="en-US" sz="800" dirty="0" err="1">
+                    <a:solidFill>
+                      <a:srgbClr val="7030A0"/>
+                    </a:solidFill>
+                    <a:latin typeface="Calibri"/>
+                  </a:rPr>
+                  <a:t>updateStudentInternalField</a:t>
+                </a:r>
+                <a:r>
+                  <a:rPr lang="en-US" sz="800" dirty="0">
+                    <a:solidFill>
+                      <a:srgbClr val="7030A0"/>
+                    </a:solidFill>
+                    <a:latin typeface="Calibri"/>
+                  </a:rPr>
+                  <a:t>(t, edited)</a:t>
+                </a:r>
+              </a:p>
+            </p:txBody>
+          </p:sp>
+          <p:sp>
+            <p:nvSpPr>
+              <p:cNvPr id="79" name="TextBox 78"/>
+              <p:cNvSpPr txBox="1"/>
+              <p:nvPr/>
+            </p:nvSpPr>
+            <p:spPr>
+              <a:xfrm>
+                <a:off x="3552696" y="1620361"/>
+                <a:ext cx="884073" cy="369332"/>
+              </a:xfrm>
+              <a:prstGeom prst="rect">
+                <a:avLst/>
+              </a:prstGeom>
+              <a:noFill/>
+            </p:spPr>
+            <p:txBody>
+              <a:bodyPr wrap="square" lIns="0" tIns="0" rIns="0" bIns="0" rtlCol="0">
+                <a:spAutoFit/>
+              </a:bodyPr>
+              <a:lstStyle>
+                <a:defPPr>
+                  <a:defRPr lang="en-US"/>
+                </a:defPPr>
+                <a:lvl1pPr algn="r">
+                  <a:defRPr sz="1400">
+                    <a:solidFill>
+                      <a:srgbClr val="0070C0"/>
+                    </a:solidFill>
+                  </a:defRPr>
+                </a:lvl1pPr>
+              </a:lstStyle>
+              <a:p>
+                <a:r>
+                  <a:rPr lang="en-US" sz="1200" dirty="0">
+                    <a:latin typeface="Calibri"/>
+                  </a:rPr>
+                  <a:t>parse(“1 200 82018”)</a:t>
+                </a:r>
+              </a:p>
+            </p:txBody>
+          </p:sp>
+          <p:sp>
+            <p:nvSpPr>
+              <p:cNvPr id="80" name="TextBox 79"/>
+              <p:cNvSpPr txBox="1"/>
+              <p:nvPr/>
+            </p:nvSpPr>
+            <p:spPr>
+              <a:xfrm>
+                <a:off x="1742982" y="899005"/>
+                <a:ext cx="1424846" cy="430887"/>
+              </a:xfrm>
+              <a:prstGeom prst="rect">
+                <a:avLst/>
+              </a:prstGeom>
+              <a:noFill/>
+            </p:spPr>
+            <p:txBody>
+              <a:bodyPr wrap="square" lIns="0" tIns="0" rIns="0" bIns="0" rtlCol="0">
+                <a:spAutoFit/>
+              </a:bodyPr>
+              <a:lstStyle>
+                <a:defPPr>
+                  <a:defRPr lang="en-US"/>
+                </a:defPPr>
+                <a:lvl1pPr algn="r">
+                  <a:defRPr sz="1400">
+                    <a:solidFill>
+                      <a:srgbClr val="0070C0"/>
+                    </a:solidFill>
+                  </a:defRPr>
+                </a:lvl1pPr>
+              </a:lstStyle>
+              <a:p>
+                <a:r>
+                  <a:rPr lang="en-US" dirty="0">
+                    <a:latin typeface="Calibri"/>
+                  </a:rPr>
+                  <a:t>parse (“paid 1 200 8 2018”)</a:t>
+                </a:r>
+              </a:p>
+            </p:txBody>
+          </p:sp>
+          <p:sp>
+            <p:nvSpPr>
+              <p:cNvPr id="82" name="TextBox 81"/>
+              <p:cNvSpPr txBox="1"/>
+              <p:nvPr/>
+            </p:nvSpPr>
+            <p:spPr>
+              <a:xfrm>
+                <a:off x="4340137" y="5552347"/>
+                <a:ext cx="621216" cy="215444"/>
+              </a:xfrm>
+              <a:prstGeom prst="rect">
+                <a:avLst/>
+              </a:prstGeom>
+              <a:noFill/>
+            </p:spPr>
+            <p:txBody>
+              <a:bodyPr wrap="square" lIns="0" tIns="0" rIns="0" bIns="0" rtlCol="0">
+                <a:spAutoFit/>
+              </a:bodyPr>
+              <a:lstStyle>
+                <a:defPPr>
+                  <a:defRPr lang="en-US"/>
+                </a:defPPr>
+                <a:lvl1pPr algn="r">
+                  <a:defRPr sz="1400">
+                    <a:solidFill>
+                      <a:srgbClr val="0070C0"/>
+                    </a:solidFill>
+                  </a:defRPr>
+                </a:lvl1pPr>
+              </a:lstStyle>
+              <a:p>
+                <a:r>
+                  <a:rPr lang="en-US" dirty="0">
+                    <a:latin typeface="Calibri"/>
+                  </a:rPr>
+                  <a:t>result</a:t>
+                </a:r>
+              </a:p>
+            </p:txBody>
+          </p:sp>
+          <p:sp>
+            <p:nvSpPr>
+              <p:cNvPr id="83" name="TextBox 82"/>
+              <p:cNvSpPr txBox="1"/>
+              <p:nvPr/>
+            </p:nvSpPr>
+            <p:spPr>
+              <a:xfrm>
+                <a:off x="622848" y="5820948"/>
+                <a:ext cx="762000" cy="215444"/>
+              </a:xfrm>
+              <a:prstGeom prst="rect">
+                <a:avLst/>
+              </a:prstGeom>
+              <a:noFill/>
+            </p:spPr>
+            <p:txBody>
+              <a:bodyPr wrap="square" lIns="0" tIns="0" rIns="0" bIns="0" rtlCol="0">
+                <a:spAutoFit/>
+              </a:bodyPr>
+              <a:lstStyle>
+                <a:defPPr>
+                  <a:defRPr lang="en-US"/>
+                </a:defPPr>
+                <a:lvl1pPr algn="r">
+                  <a:defRPr sz="1400">
+                    <a:solidFill>
+                      <a:srgbClr val="0070C0"/>
+                    </a:solidFill>
+                  </a:defRPr>
+                </a:lvl1pPr>
+              </a:lstStyle>
+              <a:p>
+                <a:r>
+                  <a:rPr lang="en-US" dirty="0">
+                    <a:latin typeface="Calibri"/>
+                  </a:rPr>
+                  <a:t>result</a:t>
+                </a:r>
+              </a:p>
+            </p:txBody>
+          </p:sp>
+          <p:sp>
+            <p:nvSpPr>
+              <p:cNvPr id="84" name="Rectangle 62"/>
+              <p:cNvSpPr/>
+              <p:nvPr/>
+            </p:nvSpPr>
+            <p:spPr>
+              <a:xfrm>
+                <a:off x="5862738" y="5364992"/>
+                <a:ext cx="1676400" cy="232379"/>
+              </a:xfrm>
+              <a:prstGeom prst="rect">
+                <a:avLst/>
+              </a:prstGeom>
               <a:solidFill>
                 <a:srgbClr val="0070C0"/>
               </a:solidFill>
-              <a:latin typeface="Calibri"/>
-            </a:endParaRPr>
-          </a:p>
-        </p:txBody>
-      </p:sp>
-      <p:sp>
-        <p:nvSpPr>
-          <p:cNvPr id="2" name="Rectangle 62"/>
-          <p:cNvSpPr/>
-          <p:nvPr/>
-        </p:nvSpPr>
-        <p:spPr>
-          <a:xfrm>
-            <a:off x="845046" y="482841"/>
-            <a:ext cx="1455629" cy="346760"/>
-          </a:xfrm>
-          <a:prstGeom prst="rect">
-            <a:avLst/>
-          </a:prstGeom>
-          <a:solidFill>
-            <a:srgbClr val="0070C0"/>
-          </a:solidFill>
-          <a:ln w="19050">
-            <a:solidFill>
-              <a:srgbClr val="0070C0"/>
-            </a:solidFill>
-          </a:ln>
-          <a:effectLst/>
-        </p:spPr>
-        <p:style>
-          <a:lnRef idx="1">
-            <a:schemeClr val="accent2"/>
-          </a:lnRef>
-          <a:fillRef idx="2">
-            <a:schemeClr val="accent2"/>
-          </a:fillRef>
-          <a:effectRef idx="1">
-            <a:schemeClr val="accent2"/>
-          </a:effectRef>
-          <a:fontRef idx="minor">
-            <a:schemeClr val="dk1"/>
-          </a:fontRef>
-        </p:style>
-        <p:txBody>
-          <a:bodyPr rtlCol="0" anchor="ctr"/>
-          <a:lstStyle/>
-          <a:p>
-            <a:pPr algn="ctr"/>
-            <a:r>
-              <a:rPr lang="en-US" sz="1600" dirty="0">
-                <a:solidFill>
-                  <a:prstClr val="white"/>
-                </a:solidFill>
-                <a:latin typeface="Calibri"/>
-              </a:rPr>
-              <a:t>:</a:t>
-            </a:r>
-            <a:r>
-              <a:rPr lang="en-US" sz="1600" dirty="0" err="1">
-                <a:solidFill>
-                  <a:prstClr val="white"/>
-                </a:solidFill>
-                <a:latin typeface="Calibri"/>
-              </a:rPr>
-              <a:t>LogicManager</a:t>
-            </a:r>
-            <a:endParaRPr lang="en-SG" sz="1600" dirty="0">
-              <a:solidFill>
-                <a:prstClr val="white"/>
-              </a:solidFill>
-              <a:latin typeface="Calibri"/>
-            </a:endParaRPr>
-          </a:p>
-        </p:txBody>
-      </p:sp>
-      <p:cxnSp>
-        <p:nvCxnSpPr>
-          <p:cNvPr id="5" name="Straight Connector 4"/>
-          <p:cNvCxnSpPr>
-            <a:cxnSpLocks/>
-            <a:stCxn id="2" idx="2"/>
-          </p:cNvCxnSpPr>
-          <p:nvPr/>
-        </p:nvCxnSpPr>
-        <p:spPr>
-          <a:xfrm>
-            <a:off x="1572860" y="829602"/>
-            <a:ext cx="0" cy="3650803"/>
-          </a:xfrm>
-          <a:prstGeom prst="line">
-            <a:avLst/>
-          </a:prstGeom>
-          <a:ln w="19050">
-            <a:solidFill>
-              <a:srgbClr val="0070C0"/>
-            </a:solidFill>
-            <a:prstDash val="sysDash"/>
-          </a:ln>
-          <a:effectLst/>
-        </p:spPr>
-        <p:style>
-          <a:lnRef idx="1">
-            <a:schemeClr val="accent1"/>
-          </a:lnRef>
-          <a:fillRef idx="2">
-            <a:schemeClr val="accent1"/>
-          </a:fillRef>
-          <a:effectRef idx="1">
-            <a:schemeClr val="accent1"/>
-          </a:effectRef>
-          <a:fontRef idx="minor">
-            <a:schemeClr val="dk1"/>
-          </a:fontRef>
-        </p:style>
-      </p:cxnSp>
-      <p:sp>
-        <p:nvSpPr>
-          <p:cNvPr id="6" name="Rectangle 5"/>
-          <p:cNvSpPr/>
-          <p:nvPr/>
-        </p:nvSpPr>
-        <p:spPr>
-          <a:xfrm>
-            <a:off x="1500850" y="912164"/>
-            <a:ext cx="133093" cy="5165899"/>
-          </a:xfrm>
-          <a:prstGeom prst="rect">
-            <a:avLst/>
-          </a:prstGeom>
-          <a:solidFill>
-            <a:srgbClr val="0070C0"/>
-          </a:solidFill>
-          <a:ln>
-            <a:solidFill>
-              <a:srgbClr val="0070C0"/>
-            </a:solidFill>
-          </a:ln>
-          <a:effectLst/>
-        </p:spPr>
-        <p:style>
-          <a:lnRef idx="1">
-            <a:schemeClr val="accent3"/>
-          </a:lnRef>
-          <a:fillRef idx="2">
-            <a:schemeClr val="accent3"/>
-          </a:fillRef>
-          <a:effectRef idx="1">
-            <a:schemeClr val="accent3"/>
-          </a:effectRef>
-          <a:fontRef idx="minor">
-            <a:schemeClr val="dk1"/>
-          </a:fontRef>
-        </p:style>
-        <p:txBody>
-          <a:bodyPr rtlCol="0" anchor="ctr"/>
-          <a:lstStyle/>
-          <a:p>
-            <a:pPr algn="ctr"/>
-            <a:endParaRPr lang="en-SG" sz="1400">
-              <a:solidFill>
-                <a:prstClr val="black"/>
-              </a:solidFill>
-              <a:latin typeface="Calibri"/>
-            </a:endParaRPr>
-          </a:p>
-        </p:txBody>
-      </p:sp>
-      <p:sp>
-        <p:nvSpPr>
-          <p:cNvPr id="16" name="Rectangle 62"/>
-          <p:cNvSpPr/>
-          <p:nvPr/>
-        </p:nvSpPr>
-        <p:spPr>
-          <a:xfrm>
-            <a:off x="2697186" y="357729"/>
-            <a:ext cx="1278289" cy="467684"/>
-          </a:xfrm>
-          <a:prstGeom prst="rect">
-            <a:avLst/>
-          </a:prstGeom>
-          <a:solidFill>
-            <a:srgbClr val="0070C0"/>
-          </a:solidFill>
-          <a:ln w="19050">
-            <a:solidFill>
-              <a:srgbClr val="0070C0"/>
-            </a:solidFill>
-          </a:ln>
-          <a:effectLst/>
-        </p:spPr>
-        <p:style>
-          <a:lnRef idx="1">
-            <a:schemeClr val="accent2"/>
-          </a:lnRef>
-          <a:fillRef idx="2">
-            <a:schemeClr val="accent2"/>
-          </a:fillRef>
-          <a:effectRef idx="1">
-            <a:schemeClr val="accent2"/>
-          </a:effectRef>
-          <a:fontRef idx="minor">
-            <a:schemeClr val="dk1"/>
-          </a:fontRef>
-        </p:style>
-        <p:txBody>
-          <a:bodyPr rtlCol="0" anchor="ctr"/>
-          <a:lstStyle/>
-          <a:p>
-            <a:pPr algn="ctr"/>
-            <a:r>
-              <a:rPr lang="en-US" sz="1600" dirty="0">
-                <a:solidFill>
-                  <a:prstClr val="white"/>
-                </a:solidFill>
-                <a:latin typeface="Calibri"/>
-              </a:rPr>
-              <a:t>:</a:t>
-            </a:r>
-            <a:r>
-              <a:rPr lang="en-US" sz="1600" dirty="0" err="1">
-                <a:solidFill>
-                  <a:prstClr val="white"/>
-                </a:solidFill>
-                <a:latin typeface="Calibri"/>
-              </a:rPr>
-              <a:t>TutorHelperParser</a:t>
-            </a:r>
-            <a:endParaRPr lang="en-SG" sz="1600" dirty="0">
-              <a:solidFill>
-                <a:prstClr val="white"/>
-              </a:solidFill>
-              <a:latin typeface="Calibri"/>
-            </a:endParaRPr>
-          </a:p>
-        </p:txBody>
-      </p:sp>
-      <p:cxnSp>
-        <p:nvCxnSpPr>
-          <p:cNvPr id="17" name="Straight Connector 16"/>
-          <p:cNvCxnSpPr>
-            <a:cxnSpLocks/>
-          </p:cNvCxnSpPr>
-          <p:nvPr/>
-        </p:nvCxnSpPr>
-        <p:spPr>
-          <a:xfrm flipH="1">
-            <a:off x="3315939" y="825413"/>
-            <a:ext cx="29544" cy="2213910"/>
-          </a:xfrm>
-          <a:prstGeom prst="line">
-            <a:avLst/>
-          </a:prstGeom>
-          <a:ln w="19050">
-            <a:solidFill>
-              <a:srgbClr val="0070C0"/>
-            </a:solidFill>
-            <a:prstDash val="sysDash"/>
-          </a:ln>
-          <a:effectLst/>
-        </p:spPr>
-        <p:style>
-          <a:lnRef idx="1">
-            <a:schemeClr val="accent1"/>
-          </a:lnRef>
-          <a:fillRef idx="2">
-            <a:schemeClr val="accent1"/>
-          </a:fillRef>
-          <a:effectRef idx="1">
-            <a:schemeClr val="accent1"/>
-          </a:effectRef>
-          <a:fontRef idx="minor">
-            <a:schemeClr val="dk1"/>
-          </a:fontRef>
-        </p:style>
-      </p:cxnSp>
-      <p:sp>
-        <p:nvSpPr>
-          <p:cNvPr id="18" name="Rectangle 17"/>
-          <p:cNvSpPr/>
-          <p:nvPr/>
-        </p:nvSpPr>
-        <p:spPr>
-          <a:xfrm>
-            <a:off x="3272374" y="917791"/>
-            <a:ext cx="155699" cy="1999143"/>
-          </a:xfrm>
-          <a:prstGeom prst="rect">
-            <a:avLst/>
-          </a:prstGeom>
-          <a:solidFill>
-            <a:srgbClr val="0070C0"/>
-          </a:solidFill>
-          <a:ln>
-            <a:solidFill>
-              <a:srgbClr val="0070C0"/>
-            </a:solidFill>
-          </a:ln>
-          <a:effectLst/>
-        </p:spPr>
-        <p:style>
-          <a:lnRef idx="1">
-            <a:schemeClr val="accent3"/>
-          </a:lnRef>
-          <a:fillRef idx="2">
-            <a:schemeClr val="accent3"/>
-          </a:fillRef>
-          <a:effectRef idx="1">
-            <a:schemeClr val="accent3"/>
-          </a:effectRef>
-          <a:fontRef idx="minor">
-            <a:schemeClr val="dk1"/>
-          </a:fontRef>
-        </p:style>
-        <p:txBody>
-          <a:bodyPr rtlCol="0" anchor="ctr"/>
-          <a:lstStyle/>
-          <a:p>
-            <a:pPr algn="ctr"/>
-            <a:endParaRPr lang="en-SG" sz="1400">
-              <a:solidFill>
-                <a:prstClr val="black"/>
-              </a:solidFill>
-              <a:latin typeface="Calibri"/>
-            </a:endParaRPr>
-          </a:p>
-        </p:txBody>
-      </p:sp>
-      <p:sp>
-        <p:nvSpPr>
-          <p:cNvPr id="19" name="Rectangle 62"/>
-          <p:cNvSpPr/>
-          <p:nvPr/>
-        </p:nvSpPr>
-        <p:spPr>
-          <a:xfrm>
-            <a:off x="5213820" y="1566467"/>
-            <a:ext cx="852827" cy="317402"/>
-          </a:xfrm>
-          <a:prstGeom prst="rect">
-            <a:avLst/>
-          </a:prstGeom>
-          <a:solidFill>
-            <a:srgbClr val="0070C0"/>
-          </a:solidFill>
-          <a:ln w="19050">
-            <a:solidFill>
-              <a:srgbClr val="0070C0"/>
-            </a:solidFill>
-          </a:ln>
-          <a:effectLst/>
-        </p:spPr>
-        <p:style>
-          <a:lnRef idx="1">
-            <a:schemeClr val="accent2"/>
-          </a:lnRef>
-          <a:fillRef idx="2">
-            <a:schemeClr val="accent2"/>
-          </a:fillRef>
-          <a:effectRef idx="1">
-            <a:schemeClr val="accent2"/>
-          </a:effectRef>
-          <a:fontRef idx="minor">
-            <a:schemeClr val="dk1"/>
-          </a:fontRef>
-        </p:style>
-        <p:txBody>
-          <a:bodyPr rtlCol="0" anchor="ctr"/>
-          <a:lstStyle/>
-          <a:p>
-            <a:pPr algn="ctr"/>
-            <a:r>
-              <a:rPr lang="en-US" sz="1200" dirty="0">
-                <a:solidFill>
-                  <a:prstClr val="white"/>
-                </a:solidFill>
-                <a:latin typeface="Calibri"/>
-              </a:rPr>
-              <a:t>p:Payment</a:t>
-            </a:r>
-            <a:endParaRPr lang="en-SG" sz="1200" dirty="0">
-              <a:solidFill>
-                <a:prstClr val="white"/>
-              </a:solidFill>
-              <a:latin typeface="Calibri"/>
-            </a:endParaRPr>
-          </a:p>
-        </p:txBody>
-      </p:sp>
-      <p:cxnSp>
-        <p:nvCxnSpPr>
-          <p:cNvPr id="20" name="Straight Connector 19"/>
-          <p:cNvCxnSpPr>
-            <a:cxnSpLocks/>
-          </p:cNvCxnSpPr>
-          <p:nvPr/>
-        </p:nvCxnSpPr>
-        <p:spPr>
-          <a:xfrm>
-            <a:off x="5627253" y="2140249"/>
-            <a:ext cx="28210" cy="2686588"/>
-          </a:xfrm>
-          <a:prstGeom prst="line">
-            <a:avLst/>
-          </a:prstGeom>
-          <a:ln w="19050">
-            <a:solidFill>
-              <a:srgbClr val="0070C0"/>
-            </a:solidFill>
-            <a:prstDash val="sysDash"/>
-          </a:ln>
-          <a:effectLst/>
-        </p:spPr>
-        <p:style>
-          <a:lnRef idx="1">
-            <a:schemeClr val="accent1"/>
-          </a:lnRef>
-          <a:fillRef idx="2">
-            <a:schemeClr val="accent1"/>
-          </a:fillRef>
-          <a:effectRef idx="1">
-            <a:schemeClr val="accent1"/>
-          </a:effectRef>
-          <a:fontRef idx="minor">
-            <a:schemeClr val="dk1"/>
-          </a:fontRef>
-        </p:style>
-      </p:cxnSp>
-      <p:sp>
-        <p:nvSpPr>
-          <p:cNvPr id="21" name="Rectangle 20"/>
-          <p:cNvSpPr/>
-          <p:nvPr/>
-        </p:nvSpPr>
-        <p:spPr>
-          <a:xfrm>
-            <a:off x="5562601" y="1896584"/>
-            <a:ext cx="117613" cy="185051"/>
-          </a:xfrm>
-          <a:prstGeom prst="rect">
-            <a:avLst/>
-          </a:prstGeom>
-          <a:solidFill>
-            <a:srgbClr val="0070C0"/>
-          </a:solidFill>
-          <a:ln>
-            <a:solidFill>
-              <a:srgbClr val="0070C0"/>
-            </a:solidFill>
-          </a:ln>
-          <a:effectLst/>
-        </p:spPr>
-        <p:style>
-          <a:lnRef idx="1">
-            <a:schemeClr val="accent3"/>
-          </a:lnRef>
-          <a:fillRef idx="2">
-            <a:schemeClr val="accent3"/>
-          </a:fillRef>
-          <a:effectRef idx="1">
-            <a:schemeClr val="accent3"/>
-          </a:effectRef>
-          <a:fontRef idx="minor">
-            <a:schemeClr val="dk1"/>
-          </a:fontRef>
-        </p:style>
-        <p:txBody>
-          <a:bodyPr rtlCol="0" anchor="ctr"/>
-          <a:lstStyle/>
-          <a:p>
-            <a:pPr algn="ctr"/>
-            <a:endParaRPr lang="en-SG" sz="1400">
-              <a:solidFill>
-                <a:prstClr val="black"/>
-              </a:solidFill>
-              <a:latin typeface="Calibri"/>
-            </a:endParaRPr>
-          </a:p>
-        </p:txBody>
-      </p:sp>
-      <p:cxnSp>
-        <p:nvCxnSpPr>
-          <p:cNvPr id="23" name="Straight Arrow Connector 22"/>
-          <p:cNvCxnSpPr>
-            <a:cxnSpLocks/>
-          </p:cNvCxnSpPr>
-          <p:nvPr/>
-        </p:nvCxnSpPr>
-        <p:spPr>
-          <a:xfrm>
-            <a:off x="380999" y="929330"/>
-            <a:ext cx="1119851" cy="0"/>
-          </a:xfrm>
-          <a:prstGeom prst="straightConnector1">
-            <a:avLst/>
-          </a:prstGeom>
-          <a:ln w="19050">
-            <a:solidFill>
-              <a:srgbClr val="00B050"/>
-            </a:solidFill>
-            <a:tailEnd type="arrow"/>
-          </a:ln>
-        </p:spPr>
-        <p:style>
-          <a:lnRef idx="1">
-            <a:schemeClr val="accent1"/>
-          </a:lnRef>
-          <a:fillRef idx="0">
-            <a:schemeClr val="accent1"/>
-          </a:fillRef>
-          <a:effectRef idx="0">
-            <a:schemeClr val="accent1"/>
-          </a:effectRef>
-          <a:fontRef idx="minor">
-            <a:schemeClr val="tx1"/>
-          </a:fontRef>
-        </p:style>
-      </p:cxnSp>
-      <p:cxnSp>
-        <p:nvCxnSpPr>
-          <p:cNvPr id="25" name="Straight Arrow Connector 24"/>
-          <p:cNvCxnSpPr>
-            <a:cxnSpLocks/>
-          </p:cNvCxnSpPr>
-          <p:nvPr/>
-        </p:nvCxnSpPr>
-        <p:spPr>
-          <a:xfrm flipV="1">
-            <a:off x="1653251" y="1125503"/>
-            <a:ext cx="1619123" cy="1"/>
-          </a:xfrm>
-          <a:prstGeom prst="straightConnector1">
-            <a:avLst/>
-          </a:prstGeom>
-          <a:ln w="19050">
-            <a:solidFill>
-              <a:srgbClr val="0070C0"/>
-            </a:solidFill>
-            <a:tailEnd type="arrow"/>
-          </a:ln>
-        </p:spPr>
-        <p:style>
-          <a:lnRef idx="1">
-            <a:schemeClr val="accent1"/>
-          </a:lnRef>
-          <a:fillRef idx="0">
-            <a:schemeClr val="accent1"/>
-          </a:fillRef>
-          <a:effectRef idx="0">
-            <a:schemeClr val="accent1"/>
-          </a:effectRef>
-          <a:fontRef idx="minor">
-            <a:schemeClr val="tx1"/>
-          </a:fontRef>
-        </p:style>
-      </p:cxnSp>
-      <p:sp>
-        <p:nvSpPr>
-          <p:cNvPr id="26" name="TextBox 25"/>
-          <p:cNvSpPr txBox="1"/>
-          <p:nvPr/>
-        </p:nvSpPr>
-        <p:spPr>
-          <a:xfrm>
-            <a:off x="13336" y="990595"/>
-            <a:ext cx="1424846" cy="369332"/>
-          </a:xfrm>
-          <a:prstGeom prst="rect">
-            <a:avLst/>
-          </a:prstGeom>
-          <a:noFill/>
-        </p:spPr>
-        <p:txBody>
-          <a:bodyPr wrap="square" lIns="0" tIns="0" rIns="0" bIns="0" rtlCol="0">
-            <a:spAutoFit/>
-          </a:bodyPr>
-          <a:lstStyle/>
-          <a:p>
-            <a:pPr algn="r"/>
-            <a:r>
-              <a:rPr lang="en-US" sz="1200" dirty="0">
+              <a:ln w="19050">
                 <a:solidFill>
                   <a:srgbClr val="0070C0"/>
                 </a:solidFill>
-                <a:latin typeface="Calibri"/>
-              </a:rPr>
-              <a:t>execute(“paid 1 200 8 2018”)</a:t>
-            </a:r>
-          </a:p>
-        </p:txBody>
-      </p:sp>
-      <p:cxnSp>
-        <p:nvCxnSpPr>
-          <p:cNvPr id="28" name="Straight Arrow Connector 27"/>
-          <p:cNvCxnSpPr>
-            <a:cxnSpLocks/>
-          </p:cNvCxnSpPr>
-          <p:nvPr/>
-        </p:nvCxnSpPr>
-        <p:spPr>
-          <a:xfrm>
-            <a:off x="4818085" y="1773916"/>
-            <a:ext cx="383077" cy="0"/>
-          </a:xfrm>
-          <a:prstGeom prst="straightConnector1">
-            <a:avLst/>
-          </a:prstGeom>
-          <a:ln w="19050">
-            <a:solidFill>
-              <a:srgbClr val="0070C0"/>
-            </a:solidFill>
-            <a:tailEnd type="arrow"/>
-          </a:ln>
-        </p:spPr>
-        <p:style>
-          <a:lnRef idx="1">
-            <a:schemeClr val="accent1"/>
-          </a:lnRef>
-          <a:fillRef idx="0">
-            <a:schemeClr val="accent1"/>
-          </a:fillRef>
-          <a:effectRef idx="0">
-            <a:schemeClr val="accent1"/>
-          </a:effectRef>
-          <a:fontRef idx="minor">
-            <a:schemeClr val="tx1"/>
-          </a:fontRef>
-        </p:style>
-      </p:cxnSp>
-      <p:sp>
-        <p:nvSpPr>
-          <p:cNvPr id="29" name="TextBox 28"/>
-          <p:cNvSpPr txBox="1"/>
-          <p:nvPr/>
-        </p:nvSpPr>
-        <p:spPr>
-          <a:xfrm>
-            <a:off x="3352801" y="2918304"/>
-            <a:ext cx="855809" cy="215444"/>
-          </a:xfrm>
-          <a:prstGeom prst="rect">
-            <a:avLst/>
-          </a:prstGeom>
-          <a:noFill/>
-        </p:spPr>
-        <p:txBody>
-          <a:bodyPr wrap="square" lIns="0" tIns="0" rIns="0" bIns="0" rtlCol="0">
-            <a:spAutoFit/>
-          </a:bodyPr>
-          <a:lstStyle>
-            <a:defPPr>
-              <a:defRPr lang="en-US"/>
-            </a:defPPr>
-            <a:lvl1pPr algn="r">
-              <a:defRPr sz="1400">
+              </a:ln>
+              <a:effectLst/>
+            </p:spPr>
+            <p:style>
+              <a:lnRef idx="1">
+                <a:schemeClr val="accent2"/>
+              </a:lnRef>
+              <a:fillRef idx="2">
+                <a:schemeClr val="accent2"/>
+              </a:fillRef>
+              <a:effectRef idx="1">
+                <a:schemeClr val="accent2"/>
+              </a:effectRef>
+              <a:fontRef idx="minor">
+                <a:schemeClr val="dk1"/>
+              </a:fontRef>
+            </p:style>
+            <p:txBody>
+              <a:bodyPr rtlCol="0" anchor="ctr"/>
+              <a:lstStyle/>
+              <a:p>
+                <a:pPr algn="ctr"/>
+                <a:r>
+                  <a:rPr lang="en-US" sz="1200" dirty="0" err="1">
+                    <a:solidFill>
+                      <a:prstClr val="white"/>
+                    </a:solidFill>
+                    <a:latin typeface="Calibri"/>
+                  </a:rPr>
+                  <a:t>result:CommandResult</a:t>
+                </a:r>
+                <a:endParaRPr lang="en-SG" sz="1200" dirty="0">
+                  <a:solidFill>
+                    <a:prstClr val="white"/>
+                  </a:solidFill>
+                  <a:latin typeface="Calibri"/>
+                </a:endParaRPr>
+              </a:p>
+            </p:txBody>
+          </p:sp>
+          <p:sp>
+            <p:nvSpPr>
+              <p:cNvPr id="86" name="Rectangle 85"/>
+              <p:cNvSpPr/>
+              <p:nvPr/>
+            </p:nvSpPr>
+            <p:spPr>
+              <a:xfrm>
+                <a:off x="6624738" y="5610087"/>
+                <a:ext cx="152400" cy="113636"/>
+              </a:xfrm>
+              <a:prstGeom prst="rect">
+                <a:avLst/>
+              </a:prstGeom>
+              <a:solidFill>
+                <a:srgbClr val="0070C0"/>
+              </a:solidFill>
+              <a:ln>
                 <a:solidFill>
                   <a:srgbClr val="0070C0"/>
                 </a:solidFill>
-              </a:defRPr>
-            </a:lvl1pPr>
-          </a:lstStyle>
-          <a:p>
-            <a:r>
-              <a:rPr lang="en-US" dirty="0">
-                <a:latin typeface="Calibri"/>
-              </a:rPr>
-              <a:t>execute()</a:t>
-            </a:r>
-          </a:p>
-        </p:txBody>
-      </p:sp>
-      <p:cxnSp>
-        <p:nvCxnSpPr>
-          <p:cNvPr id="34" name="Straight Arrow Connector 33"/>
-          <p:cNvCxnSpPr>
-            <a:cxnSpLocks/>
-          </p:cNvCxnSpPr>
-          <p:nvPr/>
-        </p:nvCxnSpPr>
-        <p:spPr>
-          <a:xfrm>
-            <a:off x="4826241" y="2076935"/>
-            <a:ext cx="809294" cy="2043"/>
-          </a:xfrm>
-          <a:prstGeom prst="straightConnector1">
-            <a:avLst/>
-          </a:prstGeom>
-          <a:ln w="19050">
-            <a:solidFill>
-              <a:srgbClr val="0070C0"/>
-            </a:solidFill>
-            <a:prstDash val="sysDash"/>
-            <a:headEnd type="arrow" w="med" len="med"/>
-            <a:tailEnd type="none" w="med" len="med"/>
-          </a:ln>
-        </p:spPr>
-        <p:style>
-          <a:lnRef idx="1">
-            <a:schemeClr val="accent1"/>
-          </a:lnRef>
-          <a:fillRef idx="0">
-            <a:schemeClr val="accent1"/>
-          </a:fillRef>
-          <a:effectRef idx="0">
-            <a:schemeClr val="accent1"/>
-          </a:effectRef>
-          <a:fontRef idx="minor">
-            <a:schemeClr val="tx1"/>
-          </a:fontRef>
-        </p:style>
-      </p:cxnSp>
-      <p:cxnSp>
-        <p:nvCxnSpPr>
-          <p:cNvPr id="35" name="Straight Arrow Connector 34"/>
-          <p:cNvCxnSpPr>
-            <a:cxnSpLocks/>
-          </p:cNvCxnSpPr>
-          <p:nvPr/>
-        </p:nvCxnSpPr>
-        <p:spPr>
-          <a:xfrm flipV="1">
-            <a:off x="1635848" y="2903782"/>
-            <a:ext cx="1630852" cy="13156"/>
-          </a:xfrm>
-          <a:prstGeom prst="straightConnector1">
-            <a:avLst/>
-          </a:prstGeom>
-          <a:ln w="19050">
-            <a:solidFill>
-              <a:srgbClr val="0070C0"/>
-            </a:solidFill>
-            <a:prstDash val="sysDash"/>
-            <a:headEnd type="arrow" w="med" len="med"/>
-            <a:tailEnd type="none" w="med" len="med"/>
-          </a:ln>
-        </p:spPr>
-        <p:style>
-          <a:lnRef idx="1">
-            <a:schemeClr val="accent1"/>
-          </a:lnRef>
-          <a:fillRef idx="0">
-            <a:schemeClr val="accent1"/>
-          </a:fillRef>
-          <a:effectRef idx="0">
-            <a:schemeClr val="accent1"/>
-          </a:effectRef>
-          <a:fontRef idx="minor">
-            <a:schemeClr val="tx1"/>
-          </a:fontRef>
-        </p:style>
-      </p:cxnSp>
-      <p:cxnSp>
-        <p:nvCxnSpPr>
-          <p:cNvPr id="37" name="Straight Arrow Connector 36"/>
-          <p:cNvCxnSpPr>
-            <a:cxnSpLocks/>
-          </p:cNvCxnSpPr>
-          <p:nvPr/>
-        </p:nvCxnSpPr>
-        <p:spPr>
-          <a:xfrm>
-            <a:off x="327666" y="6073660"/>
-            <a:ext cx="1196051" cy="0"/>
-          </a:xfrm>
-          <a:prstGeom prst="straightConnector1">
-            <a:avLst/>
-          </a:prstGeom>
-          <a:ln w="19050">
-            <a:solidFill>
-              <a:schemeClr val="accent1"/>
-            </a:solidFill>
-            <a:prstDash val="sysDash"/>
-            <a:headEnd type="arrow" w="med" len="med"/>
-            <a:tailEnd type="none" w="med" len="med"/>
-          </a:ln>
-        </p:spPr>
-        <p:style>
-          <a:lnRef idx="1">
-            <a:schemeClr val="accent1"/>
-          </a:lnRef>
-          <a:fillRef idx="0">
-            <a:schemeClr val="accent1"/>
-          </a:fillRef>
-          <a:effectRef idx="0">
-            <a:schemeClr val="accent1"/>
-          </a:effectRef>
-          <a:fontRef idx="minor">
-            <a:schemeClr val="tx1"/>
-          </a:fontRef>
-        </p:style>
-      </p:cxnSp>
-      <p:sp>
-        <p:nvSpPr>
-          <p:cNvPr id="39" name="Rectangle 62"/>
-          <p:cNvSpPr/>
-          <p:nvPr/>
-        </p:nvSpPr>
-        <p:spPr>
-          <a:xfrm>
-            <a:off x="9808430" y="4945224"/>
-            <a:ext cx="878029" cy="228600"/>
-          </a:xfrm>
-          <a:prstGeom prst="rect">
-            <a:avLst/>
-          </a:prstGeom>
-          <a:solidFill>
-            <a:srgbClr val="7030A0"/>
-          </a:solidFill>
-          <a:ln w="19050">
-            <a:solidFill>
-              <a:schemeClr val="accent4">
-                <a:lumMod val="60000"/>
-                <a:lumOff val="40000"/>
-              </a:schemeClr>
-            </a:solidFill>
-          </a:ln>
-          <a:effectLst/>
-        </p:spPr>
-        <p:style>
-          <a:lnRef idx="1">
-            <a:schemeClr val="accent2"/>
-          </a:lnRef>
-          <a:fillRef idx="2">
-            <a:schemeClr val="accent2"/>
-          </a:fillRef>
-          <a:effectRef idx="1">
-            <a:schemeClr val="accent2"/>
-          </a:effectRef>
-          <a:fontRef idx="minor">
-            <a:schemeClr val="dk1"/>
-          </a:fontRef>
-        </p:style>
-        <p:txBody>
-          <a:bodyPr rtlCol="0" anchor="ctr"/>
-          <a:lstStyle/>
-          <a:p>
-            <a:pPr algn="ctr"/>
-            <a:r>
-              <a:rPr lang="en-US" sz="1600" dirty="0">
-                <a:solidFill>
-                  <a:prstClr val="white"/>
-                </a:solidFill>
-                <a:latin typeface="Calibri"/>
-              </a:rPr>
-              <a:t>:Model</a:t>
-            </a:r>
-            <a:endParaRPr lang="en-SG" sz="1600" dirty="0">
-              <a:solidFill>
-                <a:prstClr val="white"/>
-              </a:solidFill>
-              <a:latin typeface="Calibri"/>
-            </a:endParaRPr>
-          </a:p>
-        </p:txBody>
-      </p:sp>
-      <p:cxnSp>
-        <p:nvCxnSpPr>
-          <p:cNvPr id="64" name="Straight Arrow Connector 63"/>
-          <p:cNvCxnSpPr>
-            <a:cxnSpLocks/>
-          </p:cNvCxnSpPr>
-          <p:nvPr/>
-        </p:nvCxnSpPr>
-        <p:spPr>
-          <a:xfrm>
-            <a:off x="1622266" y="3156652"/>
-            <a:ext cx="3972124" cy="4742"/>
-          </a:xfrm>
-          <a:prstGeom prst="straightConnector1">
-            <a:avLst/>
-          </a:prstGeom>
-          <a:ln w="19050">
-            <a:solidFill>
-              <a:srgbClr val="0070C0"/>
-            </a:solidFill>
-            <a:tailEnd type="arrow"/>
-          </a:ln>
-        </p:spPr>
-        <p:style>
-          <a:lnRef idx="1">
-            <a:schemeClr val="accent1"/>
-          </a:lnRef>
-          <a:fillRef idx="0">
-            <a:schemeClr val="accent1"/>
-          </a:fillRef>
-          <a:effectRef idx="0">
-            <a:schemeClr val="accent1"/>
-          </a:effectRef>
-          <a:fontRef idx="minor">
-            <a:schemeClr val="tx1"/>
-          </a:fontRef>
-        </p:style>
-      </p:cxnSp>
-      <p:sp>
-        <p:nvSpPr>
-          <p:cNvPr id="65" name="Rectangle 64"/>
-          <p:cNvSpPr/>
-          <p:nvPr/>
-        </p:nvSpPr>
-        <p:spPr>
-          <a:xfrm>
-            <a:off x="5599895" y="3155974"/>
-            <a:ext cx="88177" cy="2662930"/>
-          </a:xfrm>
-          <a:prstGeom prst="rect">
-            <a:avLst/>
-          </a:prstGeom>
-          <a:solidFill>
-            <a:srgbClr val="0070C0"/>
-          </a:solidFill>
-          <a:ln>
-            <a:solidFill>
-              <a:srgbClr val="0070C0"/>
-            </a:solidFill>
-          </a:ln>
-          <a:effectLst/>
-        </p:spPr>
-        <p:style>
-          <a:lnRef idx="1">
-            <a:schemeClr val="accent3"/>
-          </a:lnRef>
-          <a:fillRef idx="2">
-            <a:schemeClr val="accent3"/>
-          </a:fillRef>
-          <a:effectRef idx="1">
-            <a:schemeClr val="accent3"/>
-          </a:effectRef>
-          <a:fontRef idx="minor">
-            <a:schemeClr val="dk1"/>
-          </a:fontRef>
-        </p:style>
-        <p:txBody>
-          <a:bodyPr rtlCol="0" anchor="ctr"/>
-          <a:lstStyle/>
-          <a:p>
-            <a:pPr algn="ctr"/>
-            <a:endParaRPr lang="en-SG" sz="1400">
-              <a:solidFill>
-                <a:prstClr val="black"/>
-              </a:solidFill>
-              <a:latin typeface="Calibri"/>
-            </a:endParaRPr>
-          </a:p>
-        </p:txBody>
-      </p:sp>
-      <p:cxnSp>
-        <p:nvCxnSpPr>
-          <p:cNvPr id="71" name="Straight Connector 70"/>
-          <p:cNvCxnSpPr>
-            <a:cxnSpLocks/>
-            <a:stCxn id="39" idx="2"/>
-          </p:cNvCxnSpPr>
-          <p:nvPr/>
-        </p:nvCxnSpPr>
-        <p:spPr>
-          <a:xfrm>
-            <a:off x="10247444" y="5173825"/>
-            <a:ext cx="13180" cy="904239"/>
-          </a:xfrm>
-          <a:prstGeom prst="line">
-            <a:avLst/>
-          </a:prstGeom>
-          <a:ln w="19050">
-            <a:solidFill>
-              <a:srgbClr val="7030A0"/>
-            </a:solidFill>
-            <a:prstDash val="sysDash"/>
-          </a:ln>
-          <a:effectLst/>
-        </p:spPr>
-        <p:style>
-          <a:lnRef idx="1">
-            <a:schemeClr val="accent1"/>
-          </a:lnRef>
-          <a:fillRef idx="2">
-            <a:schemeClr val="accent1"/>
-          </a:fillRef>
-          <a:effectRef idx="1">
-            <a:schemeClr val="accent1"/>
-          </a:effectRef>
-          <a:fontRef idx="minor">
-            <a:schemeClr val="dk1"/>
-          </a:fontRef>
-        </p:style>
-      </p:cxnSp>
-      <p:sp>
-        <p:nvSpPr>
-          <p:cNvPr id="73" name="Rectangle 72"/>
-          <p:cNvSpPr/>
-          <p:nvPr/>
-        </p:nvSpPr>
-        <p:spPr>
-          <a:xfrm>
-            <a:off x="10187717" y="5250693"/>
-            <a:ext cx="119322" cy="45719"/>
-          </a:xfrm>
-          <a:prstGeom prst="rect">
-            <a:avLst/>
-          </a:prstGeom>
-          <a:solidFill>
-            <a:srgbClr val="7030A0"/>
-          </a:solidFill>
-          <a:ln>
-            <a:solidFill>
-              <a:schemeClr val="accent4">
-                <a:lumMod val="60000"/>
-                <a:lumOff val="40000"/>
-              </a:schemeClr>
-            </a:solidFill>
-          </a:ln>
-          <a:effectLst/>
-        </p:spPr>
-        <p:style>
-          <a:lnRef idx="1">
-            <a:schemeClr val="accent3"/>
-          </a:lnRef>
-          <a:fillRef idx="2">
-            <a:schemeClr val="accent3"/>
-          </a:fillRef>
-          <a:effectRef idx="1">
-            <a:schemeClr val="accent3"/>
-          </a:effectRef>
-          <a:fontRef idx="minor">
-            <a:schemeClr val="dk1"/>
-          </a:fontRef>
-        </p:style>
-        <p:txBody>
-          <a:bodyPr rtlCol="0" anchor="ctr"/>
-          <a:lstStyle/>
-          <a:p>
-            <a:pPr algn="ctr"/>
-            <a:endParaRPr lang="en-SG" sz="1400">
-              <a:solidFill>
-                <a:prstClr val="black"/>
-              </a:solidFill>
-              <a:latin typeface="Calibri"/>
-            </a:endParaRPr>
-          </a:p>
-        </p:txBody>
-      </p:sp>
-      <p:cxnSp>
-        <p:nvCxnSpPr>
-          <p:cNvPr id="75" name="Straight Arrow Connector 74"/>
-          <p:cNvCxnSpPr>
-            <a:cxnSpLocks/>
-            <a:endCxn id="84" idx="1"/>
-          </p:cNvCxnSpPr>
-          <p:nvPr/>
-        </p:nvCxnSpPr>
-        <p:spPr>
-          <a:xfrm>
-            <a:off x="5678960" y="5475555"/>
-            <a:ext cx="183778" cy="5627"/>
-          </a:xfrm>
-          <a:prstGeom prst="straightConnector1">
-            <a:avLst/>
-          </a:prstGeom>
-          <a:ln w="19050">
-            <a:solidFill>
-              <a:srgbClr val="0070C0"/>
-            </a:solidFill>
-            <a:tailEnd type="arrow"/>
-          </a:ln>
-        </p:spPr>
-        <p:style>
-          <a:lnRef idx="1">
-            <a:schemeClr val="accent1"/>
-          </a:lnRef>
-          <a:fillRef idx="0">
-            <a:schemeClr val="accent1"/>
-          </a:fillRef>
-          <a:effectRef idx="0">
-            <a:schemeClr val="accent1"/>
-          </a:effectRef>
-          <a:fontRef idx="minor">
-            <a:schemeClr val="tx1"/>
-          </a:fontRef>
-        </p:style>
-      </p:cxnSp>
-      <p:cxnSp>
-        <p:nvCxnSpPr>
-          <p:cNvPr id="76" name="Straight Arrow Connector 75"/>
-          <p:cNvCxnSpPr>
-            <a:cxnSpLocks/>
-          </p:cNvCxnSpPr>
-          <p:nvPr/>
-        </p:nvCxnSpPr>
-        <p:spPr>
-          <a:xfrm>
-            <a:off x="5708424" y="5274037"/>
-            <a:ext cx="4538954" cy="0"/>
-          </a:xfrm>
-          <a:prstGeom prst="straightConnector1">
-            <a:avLst/>
-          </a:prstGeom>
-          <a:ln w="19050">
-            <a:solidFill>
-              <a:srgbClr val="7030A0"/>
-            </a:solidFill>
-            <a:prstDash val="sysDash"/>
-            <a:headEnd type="arrow" w="med" len="med"/>
-            <a:tailEnd type="none" w="med" len="med"/>
-          </a:ln>
-        </p:spPr>
-        <p:style>
-          <a:lnRef idx="1">
-            <a:schemeClr val="accent1"/>
-          </a:lnRef>
-          <a:fillRef idx="0">
-            <a:schemeClr val="accent1"/>
-          </a:fillRef>
-          <a:effectRef idx="0">
-            <a:schemeClr val="accent1"/>
-          </a:effectRef>
-          <a:fontRef idx="minor">
-            <a:schemeClr val="tx1"/>
-          </a:fontRef>
-        </p:style>
-      </p:cxnSp>
-      <p:cxnSp>
-        <p:nvCxnSpPr>
-          <p:cNvPr id="77" name="Straight Arrow Connector 76"/>
-          <p:cNvCxnSpPr>
-            <a:cxnSpLocks/>
-            <a:endCxn id="65" idx="2"/>
-          </p:cNvCxnSpPr>
-          <p:nvPr/>
-        </p:nvCxnSpPr>
-        <p:spPr>
-          <a:xfrm flipV="1">
-            <a:off x="1653251" y="5818904"/>
-            <a:ext cx="3990733" cy="31450"/>
-          </a:xfrm>
-          <a:prstGeom prst="straightConnector1">
-            <a:avLst/>
-          </a:prstGeom>
-          <a:ln w="19050">
-            <a:solidFill>
-              <a:srgbClr val="0070C0"/>
-            </a:solidFill>
-            <a:prstDash val="sysDash"/>
-            <a:headEnd type="arrow" w="med" len="med"/>
-            <a:tailEnd type="none" w="med" len="med"/>
-          </a:ln>
-        </p:spPr>
-        <p:style>
-          <a:lnRef idx="1">
-            <a:schemeClr val="accent1"/>
-          </a:lnRef>
-          <a:fillRef idx="0">
-            <a:schemeClr val="accent1"/>
-          </a:fillRef>
-          <a:effectRef idx="0">
-            <a:schemeClr val="accent1"/>
-          </a:effectRef>
-          <a:fontRef idx="minor">
-            <a:schemeClr val="tx1"/>
-          </a:fontRef>
-        </p:style>
-      </p:cxnSp>
-      <p:sp>
-        <p:nvSpPr>
-          <p:cNvPr id="78" name="TextBox 77"/>
-          <p:cNvSpPr txBox="1"/>
-          <p:nvPr/>
-        </p:nvSpPr>
-        <p:spPr>
-          <a:xfrm>
-            <a:off x="6136076" y="4927294"/>
-            <a:ext cx="1800153" cy="123111"/>
-          </a:xfrm>
-          <a:prstGeom prst="rect">
-            <a:avLst/>
-          </a:prstGeom>
-          <a:noFill/>
-        </p:spPr>
-        <p:txBody>
-          <a:bodyPr wrap="square" lIns="0" tIns="0" rIns="0" bIns="0" rtlCol="0">
-            <a:spAutoFit/>
-          </a:bodyPr>
-          <a:lstStyle>
-            <a:defPPr>
-              <a:defRPr lang="en-US"/>
-            </a:defPPr>
-            <a:lvl1pPr algn="r">
-              <a:defRPr sz="1400">
+              </a:ln>
+              <a:effectLst/>
+            </p:spPr>
+            <p:style>
+              <a:lnRef idx="1">
+                <a:schemeClr val="accent3"/>
+              </a:lnRef>
+              <a:fillRef idx="2">
+                <a:schemeClr val="accent3"/>
+              </a:fillRef>
+              <a:effectRef idx="1">
+                <a:schemeClr val="accent3"/>
+              </a:effectRef>
+              <a:fontRef idx="minor">
+                <a:schemeClr val="dk1"/>
+              </a:fontRef>
+            </p:style>
+            <p:txBody>
+              <a:bodyPr rtlCol="0" anchor="ctr"/>
+              <a:lstStyle/>
+              <a:p>
+                <a:pPr algn="ctr"/>
+                <a:endParaRPr lang="en-SG" sz="1400">
+                  <a:solidFill>
+                    <a:prstClr val="black"/>
+                  </a:solidFill>
+                  <a:latin typeface="Calibri"/>
+                </a:endParaRPr>
+              </a:p>
+            </p:txBody>
+          </p:sp>
+          <p:cxnSp>
+            <p:nvCxnSpPr>
+              <p:cNvPr id="90" name="Straight Arrow Connector 89"/>
+              <p:cNvCxnSpPr>
+                <a:cxnSpLocks/>
+              </p:cNvCxnSpPr>
+              <p:nvPr/>
+            </p:nvCxnSpPr>
+            <p:spPr>
+              <a:xfrm>
+                <a:off x="5713928" y="5719348"/>
+                <a:ext cx="910811" cy="0"/>
+              </a:xfrm>
+              <a:prstGeom prst="straightConnector1">
+                <a:avLst/>
+              </a:prstGeom>
+              <a:ln w="19050">
                 <a:solidFill>
                   <a:srgbClr val="0070C0"/>
                 </a:solidFill>
-              </a:defRPr>
-            </a:lvl1pPr>
-          </a:lstStyle>
-          <a:p>
-            <a:r>
-              <a:rPr lang="en-US" sz="800" dirty="0" err="1">
-                <a:solidFill>
-                  <a:srgbClr val="7030A0"/>
-                </a:solidFill>
-                <a:latin typeface="Calibri"/>
-              </a:rPr>
-              <a:t>updateStudentInternalField</a:t>
-            </a:r>
-            <a:r>
-              <a:rPr lang="en-US" sz="800" dirty="0">
-                <a:solidFill>
-                  <a:srgbClr val="7030A0"/>
-                </a:solidFill>
-                <a:latin typeface="Calibri"/>
-              </a:rPr>
-              <a:t>(t, edited)</a:t>
-            </a:r>
-          </a:p>
-        </p:txBody>
-      </p:sp>
-      <p:sp>
-        <p:nvSpPr>
-          <p:cNvPr id="79" name="TextBox 78"/>
-          <p:cNvSpPr txBox="1"/>
-          <p:nvPr/>
-        </p:nvSpPr>
-        <p:spPr>
-          <a:xfrm>
-            <a:off x="3552696" y="1620361"/>
-            <a:ext cx="884073" cy="369332"/>
-          </a:xfrm>
-          <a:prstGeom prst="rect">
-            <a:avLst/>
-          </a:prstGeom>
-          <a:noFill/>
-        </p:spPr>
-        <p:txBody>
-          <a:bodyPr wrap="square" lIns="0" tIns="0" rIns="0" bIns="0" rtlCol="0">
-            <a:spAutoFit/>
-          </a:bodyPr>
-          <a:lstStyle>
-            <a:defPPr>
-              <a:defRPr lang="en-US"/>
-            </a:defPPr>
-            <a:lvl1pPr algn="r">
-              <a:defRPr sz="1400">
+                <a:prstDash val="sysDash"/>
+                <a:headEnd type="arrow" w="med" len="med"/>
+                <a:tailEnd type="none" w="med" len="med"/>
+              </a:ln>
+            </p:spPr>
+            <p:style>
+              <a:lnRef idx="1">
+                <a:schemeClr val="accent1"/>
+              </a:lnRef>
+              <a:fillRef idx="0">
+                <a:schemeClr val="accent1"/>
+              </a:fillRef>
+              <a:effectRef idx="0">
+                <a:schemeClr val="accent1"/>
+              </a:effectRef>
+              <a:fontRef idx="minor">
+                <a:schemeClr val="tx1"/>
+              </a:fontRef>
+            </p:style>
+          </p:cxnSp>
+          <p:sp>
+            <p:nvSpPr>
+              <p:cNvPr id="93" name="TextBox 92"/>
+              <p:cNvSpPr txBox="1"/>
+              <p:nvPr/>
+            </p:nvSpPr>
+            <p:spPr>
+              <a:xfrm>
+                <a:off x="2673846" y="2688338"/>
+                <a:ext cx="220343" cy="215444"/>
+              </a:xfrm>
+              <a:prstGeom prst="rect">
+                <a:avLst/>
+              </a:prstGeom>
+              <a:noFill/>
+            </p:spPr>
+            <p:txBody>
+              <a:bodyPr wrap="square" lIns="0" tIns="0" rIns="0" bIns="0" rtlCol="0">
+                <a:spAutoFit/>
+              </a:bodyPr>
+              <a:lstStyle>
+                <a:defPPr>
+                  <a:defRPr lang="en-US"/>
+                </a:defPPr>
+                <a:lvl1pPr algn="r">
+                  <a:defRPr sz="1400">
+                    <a:solidFill>
+                      <a:srgbClr val="0070C0"/>
+                    </a:solidFill>
+                  </a:defRPr>
+                </a:lvl1pPr>
+              </a:lstStyle>
+              <a:p>
+                <a:r>
+                  <a:rPr lang="en-US" dirty="0">
+                    <a:latin typeface="Calibri"/>
+                  </a:rPr>
+                  <a:t>d</a:t>
+                </a:r>
+              </a:p>
+            </p:txBody>
+          </p:sp>
+          <p:sp>
+            <p:nvSpPr>
+              <p:cNvPr id="40" name="Rectangle 62"/>
+              <p:cNvSpPr/>
+              <p:nvPr/>
+            </p:nvSpPr>
+            <p:spPr>
+              <a:xfrm>
+                <a:off x="3784400" y="975205"/>
+                <a:ext cx="1778201" cy="432035"/>
+              </a:xfrm>
+              <a:prstGeom prst="rect">
+                <a:avLst/>
+              </a:prstGeom>
+              <a:solidFill>
+                <a:srgbClr val="0070C0"/>
+              </a:solidFill>
+              <a:ln w="19050">
                 <a:solidFill>
                   <a:srgbClr val="0070C0"/>
                 </a:solidFill>
-              </a:defRPr>
-            </a:lvl1pPr>
-          </a:lstStyle>
-          <a:p>
-            <a:r>
-              <a:rPr lang="en-US" sz="1200" dirty="0">
-                <a:latin typeface="Calibri"/>
-              </a:rPr>
-              <a:t>parse(“1 200 82018”)</a:t>
-            </a:r>
-          </a:p>
-        </p:txBody>
-      </p:sp>
-      <p:sp>
-        <p:nvSpPr>
-          <p:cNvPr id="80" name="TextBox 79"/>
-          <p:cNvSpPr txBox="1"/>
-          <p:nvPr/>
-        </p:nvSpPr>
-        <p:spPr>
-          <a:xfrm>
-            <a:off x="1742982" y="899005"/>
-            <a:ext cx="1424846" cy="430887"/>
-          </a:xfrm>
-          <a:prstGeom prst="rect">
-            <a:avLst/>
-          </a:prstGeom>
-          <a:noFill/>
-        </p:spPr>
-        <p:txBody>
-          <a:bodyPr wrap="square" lIns="0" tIns="0" rIns="0" bIns="0" rtlCol="0">
-            <a:spAutoFit/>
-          </a:bodyPr>
-          <a:lstStyle>
-            <a:defPPr>
-              <a:defRPr lang="en-US"/>
-            </a:defPPr>
-            <a:lvl1pPr algn="r">
-              <a:defRPr sz="1400">
+              </a:ln>
+              <a:effectLst/>
+            </p:spPr>
+            <p:style>
+              <a:lnRef idx="1">
+                <a:schemeClr val="accent2"/>
+              </a:lnRef>
+              <a:fillRef idx="2">
+                <a:schemeClr val="accent2"/>
+              </a:fillRef>
+              <a:effectRef idx="1">
+                <a:schemeClr val="accent2"/>
+              </a:effectRef>
+              <a:fontRef idx="minor">
+                <a:schemeClr val="dk1"/>
+              </a:fontRef>
+            </p:style>
+            <p:txBody>
+              <a:bodyPr rtlCol="0" anchor="ctr"/>
+              <a:lstStyle/>
+              <a:p>
+                <a:pPr algn="ctr"/>
+                <a:r>
+                  <a:rPr lang="en-US" sz="1600" dirty="0">
+                    <a:solidFill>
+                      <a:prstClr val="white"/>
+                    </a:solidFill>
+                    <a:latin typeface="Calibri"/>
+                  </a:rPr>
+                  <a:t>:</a:t>
+                </a:r>
+                <a:r>
+                  <a:rPr lang="en-US" sz="1600" dirty="0" err="1">
+                    <a:solidFill>
+                      <a:prstClr val="white"/>
+                    </a:solidFill>
+                    <a:latin typeface="Calibri"/>
+                  </a:rPr>
+                  <a:t>PayCommand</a:t>
+                </a:r>
+                <a:endParaRPr lang="en-US" sz="1600" dirty="0">
+                  <a:solidFill>
+                    <a:prstClr val="white"/>
+                  </a:solidFill>
+                  <a:latin typeface="Calibri"/>
+                </a:endParaRPr>
+              </a:p>
+              <a:p>
+                <a:pPr algn="ctr"/>
+                <a:r>
+                  <a:rPr lang="en-US" sz="1600" dirty="0">
+                    <a:solidFill>
+                      <a:prstClr val="white"/>
+                    </a:solidFill>
+                    <a:latin typeface="Calibri"/>
+                  </a:rPr>
+                  <a:t>Parser</a:t>
+                </a:r>
+                <a:endParaRPr lang="en-SG" sz="1600" dirty="0">
+                  <a:solidFill>
+                    <a:prstClr val="white"/>
+                  </a:solidFill>
+                  <a:latin typeface="Calibri"/>
+                </a:endParaRPr>
+              </a:p>
+            </p:txBody>
+          </p:sp>
+          <p:cxnSp>
+            <p:nvCxnSpPr>
+              <p:cNvPr id="8" name="Straight Arrow Connector 7"/>
+              <p:cNvCxnSpPr>
+                <a:cxnSpLocks/>
+              </p:cNvCxnSpPr>
+              <p:nvPr/>
+            </p:nvCxnSpPr>
+            <p:spPr>
+              <a:xfrm>
+                <a:off x="3429001" y="1633916"/>
+                <a:ext cx="1191295" cy="0"/>
+              </a:xfrm>
+              <a:prstGeom prst="straightConnector1">
+                <a:avLst/>
+              </a:prstGeom>
+              <a:ln w="19050">
+                <a:headEnd type="none" w="med" len="med"/>
+                <a:tailEnd type="arrow" w="med" len="med"/>
+              </a:ln>
+            </p:spPr>
+            <p:style>
+              <a:lnRef idx="1">
+                <a:schemeClr val="accent1"/>
+              </a:lnRef>
+              <a:fillRef idx="0">
+                <a:schemeClr val="accent1"/>
+              </a:fillRef>
+              <a:effectRef idx="0">
+                <a:schemeClr val="accent1"/>
+              </a:effectRef>
+              <a:fontRef idx="minor">
+                <a:schemeClr val="tx1"/>
+              </a:fontRef>
+            </p:style>
+          </p:cxnSp>
+          <p:sp>
+            <p:nvSpPr>
+              <p:cNvPr id="45" name="Rectangle 44"/>
+              <p:cNvSpPr/>
+              <p:nvPr/>
+            </p:nvSpPr>
+            <p:spPr>
+              <a:xfrm>
+                <a:off x="4612242" y="1406027"/>
+                <a:ext cx="205843" cy="123165"/>
+              </a:xfrm>
+              <a:prstGeom prst="rect">
+                <a:avLst/>
+              </a:prstGeom>
+              <a:solidFill>
+                <a:srgbClr val="0070C0"/>
+              </a:solidFill>
+              <a:ln>
                 <a:solidFill>
                   <a:srgbClr val="0070C0"/>
                 </a:solidFill>
-              </a:defRPr>
-            </a:lvl1pPr>
-          </a:lstStyle>
-          <a:p>
-            <a:r>
-              <a:rPr lang="en-US" dirty="0">
-                <a:latin typeface="Calibri"/>
-              </a:rPr>
-              <a:t>parse (“paid 1 200 8 2018”)</a:t>
-            </a:r>
-          </a:p>
-        </p:txBody>
-      </p:sp>
-      <p:sp>
-        <p:nvSpPr>
-          <p:cNvPr id="82" name="TextBox 81"/>
-          <p:cNvSpPr txBox="1"/>
-          <p:nvPr/>
-        </p:nvSpPr>
-        <p:spPr>
-          <a:xfrm>
-            <a:off x="4340137" y="5552347"/>
-            <a:ext cx="621216" cy="215444"/>
-          </a:xfrm>
-          <a:prstGeom prst="rect">
-            <a:avLst/>
-          </a:prstGeom>
-          <a:noFill/>
-        </p:spPr>
-        <p:txBody>
-          <a:bodyPr wrap="square" lIns="0" tIns="0" rIns="0" bIns="0" rtlCol="0">
-            <a:spAutoFit/>
-          </a:bodyPr>
-          <a:lstStyle>
-            <a:defPPr>
-              <a:defRPr lang="en-US"/>
-            </a:defPPr>
-            <a:lvl1pPr algn="r">
-              <a:defRPr sz="1400">
+              </a:ln>
+              <a:effectLst/>
+            </p:spPr>
+            <p:style>
+              <a:lnRef idx="1">
+                <a:schemeClr val="accent3"/>
+              </a:lnRef>
+              <a:fillRef idx="2">
+                <a:schemeClr val="accent3"/>
+              </a:fillRef>
+              <a:effectRef idx="1">
+                <a:schemeClr val="accent3"/>
+              </a:effectRef>
+              <a:fontRef idx="minor">
+                <a:schemeClr val="dk1"/>
+              </a:fontRef>
+            </p:style>
+            <p:txBody>
+              <a:bodyPr rtlCol="0" anchor="ctr"/>
+              <a:lstStyle/>
+              <a:p>
+                <a:pPr algn="ctr"/>
+                <a:endParaRPr lang="en-SG" sz="1400">
+                  <a:solidFill>
+                    <a:prstClr val="black"/>
+                  </a:solidFill>
+                  <a:latin typeface="Calibri"/>
+                </a:endParaRPr>
+              </a:p>
+            </p:txBody>
+          </p:sp>
+          <p:cxnSp>
+            <p:nvCxnSpPr>
+              <p:cNvPr id="46" name="Straight Connector 45"/>
+              <p:cNvCxnSpPr>
+                <a:cxnSpLocks/>
+              </p:cNvCxnSpPr>
+              <p:nvPr/>
+            </p:nvCxnSpPr>
+            <p:spPr>
+              <a:xfrm>
+                <a:off x="4715288" y="1408834"/>
+                <a:ext cx="0" cy="1657839"/>
+              </a:xfrm>
+              <a:prstGeom prst="line">
+                <a:avLst/>
+              </a:prstGeom>
+              <a:ln w="19050">
                 <a:solidFill>
                   <a:srgbClr val="0070C0"/>
                 </a:solidFill>
-              </a:defRPr>
-            </a:lvl1pPr>
-          </a:lstStyle>
-          <a:p>
-            <a:r>
-              <a:rPr lang="en-US" dirty="0">
-                <a:latin typeface="Calibri"/>
-              </a:rPr>
-              <a:t>result</a:t>
-            </a:r>
-          </a:p>
-        </p:txBody>
-      </p:sp>
-      <p:sp>
-        <p:nvSpPr>
-          <p:cNvPr id="83" name="TextBox 82"/>
-          <p:cNvSpPr txBox="1"/>
-          <p:nvPr/>
-        </p:nvSpPr>
-        <p:spPr>
-          <a:xfrm>
-            <a:off x="622848" y="5820948"/>
-            <a:ext cx="762000" cy="215444"/>
-          </a:xfrm>
-          <a:prstGeom prst="rect">
-            <a:avLst/>
-          </a:prstGeom>
-          <a:noFill/>
-        </p:spPr>
-        <p:txBody>
-          <a:bodyPr wrap="square" lIns="0" tIns="0" rIns="0" bIns="0" rtlCol="0">
-            <a:spAutoFit/>
-          </a:bodyPr>
-          <a:lstStyle>
-            <a:defPPr>
-              <a:defRPr lang="en-US"/>
-            </a:defPPr>
-            <a:lvl1pPr algn="r">
-              <a:defRPr sz="1400">
+                <a:prstDash val="sysDash"/>
+              </a:ln>
+              <a:effectLst/>
+            </p:spPr>
+            <p:style>
+              <a:lnRef idx="1">
+                <a:schemeClr val="accent1"/>
+              </a:lnRef>
+              <a:fillRef idx="2">
+                <a:schemeClr val="accent1"/>
+              </a:fillRef>
+              <a:effectRef idx="1">
+                <a:schemeClr val="accent1"/>
+              </a:effectRef>
+              <a:fontRef idx="minor">
+                <a:schemeClr val="dk1"/>
+              </a:fontRef>
+            </p:style>
+          </p:cxnSp>
+          <p:sp>
+            <p:nvSpPr>
+              <p:cNvPr id="49" name="Rectangle 48"/>
+              <p:cNvSpPr/>
+              <p:nvPr/>
+            </p:nvSpPr>
+            <p:spPr>
+              <a:xfrm>
+                <a:off x="4620592" y="1620202"/>
+                <a:ext cx="198331" cy="1290158"/>
+              </a:xfrm>
+              <a:prstGeom prst="rect">
+                <a:avLst/>
+              </a:prstGeom>
+              <a:solidFill>
+                <a:srgbClr val="0070C0"/>
+              </a:solidFill>
+              <a:ln>
                 <a:solidFill>
                   <a:srgbClr val="0070C0"/>
                 </a:solidFill>
-              </a:defRPr>
-            </a:lvl1pPr>
-          </a:lstStyle>
-          <a:p>
-            <a:r>
-              <a:rPr lang="en-US" dirty="0">
-                <a:latin typeface="Calibri"/>
-              </a:rPr>
-              <a:t>result</a:t>
-            </a:r>
-          </a:p>
-        </p:txBody>
-      </p:sp>
-      <p:sp>
-        <p:nvSpPr>
-          <p:cNvPr id="84" name="Rectangle 62"/>
-          <p:cNvSpPr/>
-          <p:nvPr/>
-        </p:nvSpPr>
-        <p:spPr>
-          <a:xfrm>
-            <a:off x="5862738" y="5364992"/>
-            <a:ext cx="1676400" cy="232379"/>
-          </a:xfrm>
-          <a:prstGeom prst="rect">
-            <a:avLst/>
-          </a:prstGeom>
-          <a:solidFill>
-            <a:srgbClr val="0070C0"/>
-          </a:solidFill>
-          <a:ln w="19050">
-            <a:solidFill>
-              <a:srgbClr val="0070C0"/>
-            </a:solidFill>
-          </a:ln>
-          <a:effectLst/>
-        </p:spPr>
-        <p:style>
-          <a:lnRef idx="1">
-            <a:schemeClr val="accent2"/>
-          </a:lnRef>
-          <a:fillRef idx="2">
-            <a:schemeClr val="accent2"/>
-          </a:fillRef>
-          <a:effectRef idx="1">
-            <a:schemeClr val="accent2"/>
-          </a:effectRef>
-          <a:fontRef idx="minor">
-            <a:schemeClr val="dk1"/>
-          </a:fontRef>
-        </p:style>
-        <p:txBody>
-          <a:bodyPr rtlCol="0" anchor="ctr"/>
-          <a:lstStyle/>
-          <a:p>
-            <a:pPr algn="ctr"/>
-            <a:r>
-              <a:rPr lang="en-US" sz="1200" dirty="0" err="1">
-                <a:solidFill>
-                  <a:prstClr val="white"/>
-                </a:solidFill>
-                <a:latin typeface="Calibri"/>
-              </a:rPr>
-              <a:t>result:CommandResult</a:t>
-            </a:r>
-            <a:endParaRPr lang="en-SG" sz="1200" dirty="0">
-              <a:solidFill>
-                <a:prstClr val="white"/>
-              </a:solidFill>
-              <a:latin typeface="Calibri"/>
-            </a:endParaRPr>
-          </a:p>
-        </p:txBody>
-      </p:sp>
-      <p:sp>
-        <p:nvSpPr>
-          <p:cNvPr id="86" name="Rectangle 85"/>
-          <p:cNvSpPr/>
-          <p:nvPr/>
-        </p:nvSpPr>
-        <p:spPr>
-          <a:xfrm>
-            <a:off x="6624738" y="5610087"/>
-            <a:ext cx="152400" cy="113636"/>
-          </a:xfrm>
-          <a:prstGeom prst="rect">
-            <a:avLst/>
-          </a:prstGeom>
-          <a:solidFill>
-            <a:srgbClr val="0070C0"/>
-          </a:solidFill>
-          <a:ln>
-            <a:solidFill>
-              <a:srgbClr val="0070C0"/>
-            </a:solidFill>
-          </a:ln>
-          <a:effectLst/>
-        </p:spPr>
-        <p:style>
-          <a:lnRef idx="1">
-            <a:schemeClr val="accent3"/>
-          </a:lnRef>
-          <a:fillRef idx="2">
-            <a:schemeClr val="accent3"/>
-          </a:fillRef>
-          <a:effectRef idx="1">
-            <a:schemeClr val="accent3"/>
-          </a:effectRef>
-          <a:fontRef idx="minor">
-            <a:schemeClr val="dk1"/>
-          </a:fontRef>
-        </p:style>
-        <p:txBody>
-          <a:bodyPr rtlCol="0" anchor="ctr"/>
-          <a:lstStyle/>
-          <a:p>
-            <a:pPr algn="ctr"/>
-            <a:endParaRPr lang="en-SG" sz="1400">
-              <a:solidFill>
-                <a:prstClr val="black"/>
-              </a:solidFill>
-              <a:latin typeface="Calibri"/>
-            </a:endParaRPr>
-          </a:p>
-        </p:txBody>
-      </p:sp>
-      <p:cxnSp>
-        <p:nvCxnSpPr>
-          <p:cNvPr id="90" name="Straight Arrow Connector 89"/>
-          <p:cNvCxnSpPr>
-            <a:cxnSpLocks/>
-          </p:cNvCxnSpPr>
-          <p:nvPr/>
-        </p:nvCxnSpPr>
-        <p:spPr>
-          <a:xfrm>
-            <a:off x="5713928" y="5719348"/>
-            <a:ext cx="910811" cy="0"/>
-          </a:xfrm>
-          <a:prstGeom prst="straightConnector1">
-            <a:avLst/>
-          </a:prstGeom>
-          <a:ln w="19050">
-            <a:solidFill>
-              <a:srgbClr val="0070C0"/>
-            </a:solidFill>
-            <a:prstDash val="sysDash"/>
-            <a:headEnd type="arrow" w="med" len="med"/>
-            <a:tailEnd type="none" w="med" len="med"/>
-          </a:ln>
-        </p:spPr>
-        <p:style>
-          <a:lnRef idx="1">
-            <a:schemeClr val="accent1"/>
-          </a:lnRef>
-          <a:fillRef idx="0">
-            <a:schemeClr val="accent1"/>
-          </a:fillRef>
-          <a:effectRef idx="0">
-            <a:schemeClr val="accent1"/>
-          </a:effectRef>
-          <a:fontRef idx="minor">
-            <a:schemeClr val="tx1"/>
-          </a:fontRef>
-        </p:style>
-      </p:cxnSp>
-      <p:sp>
-        <p:nvSpPr>
-          <p:cNvPr id="93" name="TextBox 92"/>
-          <p:cNvSpPr txBox="1"/>
-          <p:nvPr/>
-        </p:nvSpPr>
-        <p:spPr>
-          <a:xfrm>
-            <a:off x="2673846" y="2688338"/>
-            <a:ext cx="220343" cy="215444"/>
-          </a:xfrm>
-          <a:prstGeom prst="rect">
-            <a:avLst/>
-          </a:prstGeom>
-          <a:noFill/>
-        </p:spPr>
-        <p:txBody>
-          <a:bodyPr wrap="square" lIns="0" tIns="0" rIns="0" bIns="0" rtlCol="0">
-            <a:spAutoFit/>
-          </a:bodyPr>
-          <a:lstStyle>
-            <a:defPPr>
-              <a:defRPr lang="en-US"/>
-            </a:defPPr>
-            <a:lvl1pPr algn="r">
-              <a:defRPr sz="1400">
+              </a:ln>
+              <a:effectLst/>
+            </p:spPr>
+            <p:style>
+              <a:lnRef idx="1">
+                <a:schemeClr val="accent3"/>
+              </a:lnRef>
+              <a:fillRef idx="2">
+                <a:schemeClr val="accent3"/>
+              </a:fillRef>
+              <a:effectRef idx="1">
+                <a:schemeClr val="accent3"/>
+              </a:effectRef>
+              <a:fontRef idx="minor">
+                <a:schemeClr val="dk1"/>
+              </a:fontRef>
+            </p:style>
+            <p:txBody>
+              <a:bodyPr rtlCol="0" anchor="ctr"/>
+              <a:lstStyle/>
+              <a:p>
+                <a:pPr algn="ctr"/>
+                <a:endParaRPr lang="en-SG" sz="1400">
+                  <a:solidFill>
+                    <a:prstClr val="black"/>
+                  </a:solidFill>
+                  <a:latin typeface="Calibri"/>
+                </a:endParaRPr>
+              </a:p>
+            </p:txBody>
+          </p:sp>
+          <p:cxnSp>
+            <p:nvCxnSpPr>
+              <p:cNvPr id="51" name="Straight Arrow Connector 50"/>
+              <p:cNvCxnSpPr>
+                <a:cxnSpLocks/>
+              </p:cNvCxnSpPr>
+              <p:nvPr/>
+            </p:nvCxnSpPr>
+            <p:spPr>
+              <a:xfrm>
+                <a:off x="3459520" y="2903421"/>
+                <a:ext cx="1165315" cy="1"/>
+              </a:xfrm>
+              <a:prstGeom prst="straightConnector1">
+                <a:avLst/>
+              </a:prstGeom>
+              <a:ln w="19050">
                 <a:solidFill>
                   <a:srgbClr val="0070C0"/>
                 </a:solidFill>
-              </a:defRPr>
-            </a:lvl1pPr>
-          </a:lstStyle>
-          <a:p>
-            <a:r>
-              <a:rPr lang="en-US" dirty="0">
-                <a:latin typeface="Calibri"/>
-              </a:rPr>
-              <a:t>d</a:t>
-            </a:r>
-          </a:p>
-        </p:txBody>
-      </p:sp>
-      <p:sp>
-        <p:nvSpPr>
-          <p:cNvPr id="40" name="Rectangle 62"/>
-          <p:cNvSpPr/>
-          <p:nvPr/>
-        </p:nvSpPr>
-        <p:spPr>
-          <a:xfrm>
-            <a:off x="3784400" y="975205"/>
-            <a:ext cx="1778201" cy="432035"/>
-          </a:xfrm>
-          <a:prstGeom prst="rect">
-            <a:avLst/>
-          </a:prstGeom>
-          <a:solidFill>
-            <a:srgbClr val="0070C0"/>
-          </a:solidFill>
-          <a:ln w="19050">
-            <a:solidFill>
-              <a:srgbClr val="0070C0"/>
-            </a:solidFill>
-          </a:ln>
-          <a:effectLst/>
-        </p:spPr>
-        <p:style>
-          <a:lnRef idx="1">
-            <a:schemeClr val="accent2"/>
-          </a:lnRef>
-          <a:fillRef idx="2">
-            <a:schemeClr val="accent2"/>
-          </a:fillRef>
-          <a:effectRef idx="1">
-            <a:schemeClr val="accent2"/>
-          </a:effectRef>
-          <a:fontRef idx="minor">
-            <a:schemeClr val="dk1"/>
-          </a:fontRef>
-        </p:style>
-        <p:txBody>
-          <a:bodyPr rtlCol="0" anchor="ctr"/>
-          <a:lstStyle/>
-          <a:p>
-            <a:pPr algn="ctr"/>
-            <a:r>
-              <a:rPr lang="en-US" sz="1600" dirty="0">
-                <a:solidFill>
-                  <a:prstClr val="white"/>
-                </a:solidFill>
-                <a:latin typeface="Calibri"/>
-              </a:rPr>
-              <a:t>:</a:t>
-            </a:r>
-            <a:r>
-              <a:rPr lang="en-US" sz="1600" dirty="0" err="1">
-                <a:solidFill>
-                  <a:prstClr val="white"/>
-                </a:solidFill>
-                <a:latin typeface="Calibri"/>
-              </a:rPr>
-              <a:t>PayCommand</a:t>
-            </a:r>
-            <a:endParaRPr lang="en-US" sz="1600" dirty="0">
-              <a:solidFill>
-                <a:prstClr val="white"/>
-              </a:solidFill>
-              <a:latin typeface="Calibri"/>
-            </a:endParaRPr>
-          </a:p>
-          <a:p>
-            <a:pPr algn="ctr"/>
-            <a:r>
-              <a:rPr lang="en-US" sz="1600" dirty="0">
-                <a:solidFill>
-                  <a:prstClr val="white"/>
-                </a:solidFill>
-                <a:latin typeface="Calibri"/>
-              </a:rPr>
-              <a:t>Parser</a:t>
-            </a:r>
-            <a:endParaRPr lang="en-SG" sz="1600" dirty="0">
-              <a:solidFill>
-                <a:prstClr val="white"/>
-              </a:solidFill>
-              <a:latin typeface="Calibri"/>
-            </a:endParaRPr>
-          </a:p>
-        </p:txBody>
-      </p:sp>
-      <p:cxnSp>
-        <p:nvCxnSpPr>
-          <p:cNvPr id="8" name="Straight Arrow Connector 7"/>
-          <p:cNvCxnSpPr>
-            <a:cxnSpLocks/>
-          </p:cNvCxnSpPr>
-          <p:nvPr/>
-        </p:nvCxnSpPr>
-        <p:spPr>
-          <a:xfrm>
-            <a:off x="3429001" y="1633916"/>
-            <a:ext cx="1191295" cy="0"/>
-          </a:xfrm>
-          <a:prstGeom prst="straightConnector1">
-            <a:avLst/>
-          </a:prstGeom>
-          <a:ln w="19050">
-            <a:headEnd type="none" w="med" len="med"/>
-            <a:tailEnd type="arrow" w="med" len="med"/>
-          </a:ln>
-        </p:spPr>
-        <p:style>
-          <a:lnRef idx="1">
-            <a:schemeClr val="accent1"/>
-          </a:lnRef>
-          <a:fillRef idx="0">
-            <a:schemeClr val="accent1"/>
-          </a:fillRef>
-          <a:effectRef idx="0">
-            <a:schemeClr val="accent1"/>
-          </a:effectRef>
-          <a:fontRef idx="minor">
-            <a:schemeClr val="tx1"/>
-          </a:fontRef>
-        </p:style>
-      </p:cxnSp>
-      <p:sp>
-        <p:nvSpPr>
-          <p:cNvPr id="45" name="Rectangle 44"/>
-          <p:cNvSpPr/>
-          <p:nvPr/>
-        </p:nvSpPr>
-        <p:spPr>
-          <a:xfrm>
-            <a:off x="4612242" y="1406027"/>
-            <a:ext cx="205843" cy="123165"/>
-          </a:xfrm>
-          <a:prstGeom prst="rect">
-            <a:avLst/>
-          </a:prstGeom>
-          <a:solidFill>
-            <a:srgbClr val="0070C0"/>
-          </a:solidFill>
-          <a:ln>
-            <a:solidFill>
-              <a:srgbClr val="0070C0"/>
-            </a:solidFill>
-          </a:ln>
-          <a:effectLst/>
-        </p:spPr>
-        <p:style>
-          <a:lnRef idx="1">
-            <a:schemeClr val="accent3"/>
-          </a:lnRef>
-          <a:fillRef idx="2">
-            <a:schemeClr val="accent3"/>
-          </a:fillRef>
-          <a:effectRef idx="1">
-            <a:schemeClr val="accent3"/>
-          </a:effectRef>
-          <a:fontRef idx="minor">
-            <a:schemeClr val="dk1"/>
-          </a:fontRef>
-        </p:style>
-        <p:txBody>
-          <a:bodyPr rtlCol="0" anchor="ctr"/>
-          <a:lstStyle/>
-          <a:p>
-            <a:pPr algn="ctr"/>
-            <a:endParaRPr lang="en-SG" sz="1400">
-              <a:solidFill>
-                <a:prstClr val="black"/>
-              </a:solidFill>
-              <a:latin typeface="Calibri"/>
-            </a:endParaRPr>
-          </a:p>
-        </p:txBody>
-      </p:sp>
-      <p:cxnSp>
-        <p:nvCxnSpPr>
-          <p:cNvPr id="46" name="Straight Connector 45"/>
-          <p:cNvCxnSpPr>
-            <a:cxnSpLocks/>
-          </p:cNvCxnSpPr>
-          <p:nvPr/>
-        </p:nvCxnSpPr>
-        <p:spPr>
-          <a:xfrm>
-            <a:off x="4715288" y="1408834"/>
-            <a:ext cx="0" cy="1657839"/>
-          </a:xfrm>
-          <a:prstGeom prst="line">
-            <a:avLst/>
-          </a:prstGeom>
-          <a:ln w="19050">
-            <a:solidFill>
-              <a:srgbClr val="0070C0"/>
-            </a:solidFill>
-            <a:prstDash val="sysDash"/>
-          </a:ln>
-          <a:effectLst/>
-        </p:spPr>
-        <p:style>
-          <a:lnRef idx="1">
-            <a:schemeClr val="accent1"/>
-          </a:lnRef>
-          <a:fillRef idx="2">
-            <a:schemeClr val="accent1"/>
-          </a:fillRef>
-          <a:effectRef idx="1">
-            <a:schemeClr val="accent1"/>
-          </a:effectRef>
-          <a:fontRef idx="minor">
-            <a:schemeClr val="dk1"/>
-          </a:fontRef>
-        </p:style>
-      </p:cxnSp>
-      <p:sp>
-        <p:nvSpPr>
-          <p:cNvPr id="49" name="Rectangle 48"/>
-          <p:cNvSpPr/>
-          <p:nvPr/>
-        </p:nvSpPr>
-        <p:spPr>
-          <a:xfrm>
-            <a:off x="4620592" y="1620202"/>
-            <a:ext cx="198331" cy="1290158"/>
-          </a:xfrm>
-          <a:prstGeom prst="rect">
-            <a:avLst/>
-          </a:prstGeom>
-          <a:solidFill>
-            <a:srgbClr val="0070C0"/>
-          </a:solidFill>
-          <a:ln>
-            <a:solidFill>
-              <a:srgbClr val="0070C0"/>
-            </a:solidFill>
-          </a:ln>
-          <a:effectLst/>
-        </p:spPr>
-        <p:style>
-          <a:lnRef idx="1">
-            <a:schemeClr val="accent3"/>
-          </a:lnRef>
-          <a:fillRef idx="2">
-            <a:schemeClr val="accent3"/>
-          </a:fillRef>
-          <a:effectRef idx="1">
-            <a:schemeClr val="accent3"/>
-          </a:effectRef>
-          <a:fontRef idx="minor">
-            <a:schemeClr val="dk1"/>
-          </a:fontRef>
-        </p:style>
-        <p:txBody>
-          <a:bodyPr rtlCol="0" anchor="ctr"/>
-          <a:lstStyle/>
-          <a:p>
-            <a:pPr algn="ctr"/>
-            <a:endParaRPr lang="en-SG" sz="1400">
-              <a:solidFill>
-                <a:prstClr val="black"/>
-              </a:solidFill>
-              <a:latin typeface="Calibri"/>
-            </a:endParaRPr>
-          </a:p>
-        </p:txBody>
-      </p:sp>
-      <p:cxnSp>
-        <p:nvCxnSpPr>
-          <p:cNvPr id="51" name="Straight Arrow Connector 50"/>
-          <p:cNvCxnSpPr>
-            <a:cxnSpLocks/>
-          </p:cNvCxnSpPr>
-          <p:nvPr/>
-        </p:nvCxnSpPr>
-        <p:spPr>
-          <a:xfrm>
-            <a:off x="3459520" y="2903421"/>
-            <a:ext cx="1165315" cy="1"/>
-          </a:xfrm>
-          <a:prstGeom prst="straightConnector1">
-            <a:avLst/>
-          </a:prstGeom>
-          <a:ln w="19050">
-            <a:solidFill>
-              <a:srgbClr val="0070C0"/>
-            </a:solidFill>
-            <a:prstDash val="sysDash"/>
-            <a:headEnd type="arrow" w="med" len="med"/>
-            <a:tailEnd type="none" w="med" len="med"/>
-          </a:ln>
-        </p:spPr>
-        <p:style>
-          <a:lnRef idx="1">
-            <a:schemeClr val="accent1"/>
-          </a:lnRef>
-          <a:fillRef idx="0">
-            <a:schemeClr val="accent1"/>
-          </a:fillRef>
-          <a:effectRef idx="0">
-            <a:schemeClr val="accent1"/>
-          </a:effectRef>
-          <a:fontRef idx="minor">
-            <a:schemeClr val="tx1"/>
-          </a:fontRef>
-        </p:style>
-      </p:cxnSp>
-      <p:cxnSp>
-        <p:nvCxnSpPr>
-          <p:cNvPr id="50" name="Straight Arrow Connector 49"/>
-          <p:cNvCxnSpPr>
-            <a:cxnSpLocks/>
-          </p:cNvCxnSpPr>
-          <p:nvPr/>
-        </p:nvCxnSpPr>
-        <p:spPr>
-          <a:xfrm flipV="1">
-            <a:off x="3429001" y="1242355"/>
-            <a:ext cx="358137" cy="3411"/>
-          </a:xfrm>
-          <a:prstGeom prst="straightConnector1">
-            <a:avLst/>
-          </a:prstGeom>
-          <a:ln w="19050">
-            <a:solidFill>
-              <a:srgbClr val="0070C0"/>
-            </a:solidFill>
-            <a:tailEnd type="arrow"/>
-          </a:ln>
-        </p:spPr>
-        <p:style>
-          <a:lnRef idx="1">
-            <a:schemeClr val="accent1"/>
-          </a:lnRef>
-          <a:fillRef idx="0">
-            <a:schemeClr val="accent1"/>
-          </a:fillRef>
-          <a:effectRef idx="0">
-            <a:schemeClr val="accent1"/>
-          </a:effectRef>
-          <a:fontRef idx="minor">
-            <a:schemeClr val="tx1"/>
-          </a:fontRef>
-        </p:style>
-      </p:cxnSp>
-      <p:cxnSp>
-        <p:nvCxnSpPr>
-          <p:cNvPr id="52" name="Straight Arrow Connector 51"/>
-          <p:cNvCxnSpPr>
-            <a:cxnSpLocks/>
-          </p:cNvCxnSpPr>
-          <p:nvPr/>
-        </p:nvCxnSpPr>
-        <p:spPr>
-          <a:xfrm>
-            <a:off x="3439965" y="1521330"/>
-            <a:ext cx="1172400" cy="0"/>
-          </a:xfrm>
-          <a:prstGeom prst="straightConnector1">
-            <a:avLst/>
-          </a:prstGeom>
-          <a:ln w="19050">
-            <a:solidFill>
-              <a:srgbClr val="0070C0"/>
-            </a:solidFill>
-            <a:prstDash val="sysDash"/>
-            <a:headEnd type="arrow" w="med" len="med"/>
-            <a:tailEnd type="none" w="med" len="med"/>
-          </a:ln>
-        </p:spPr>
-        <p:style>
-          <a:lnRef idx="1">
-            <a:schemeClr val="accent1"/>
-          </a:lnRef>
-          <a:fillRef idx="0">
-            <a:schemeClr val="accent1"/>
-          </a:fillRef>
-          <a:effectRef idx="0">
-            <a:schemeClr val="accent1"/>
-          </a:effectRef>
-          <a:fontRef idx="minor">
-            <a:schemeClr val="tx1"/>
-          </a:fontRef>
-        </p:style>
-      </p:cxnSp>
-      <p:sp>
-        <p:nvSpPr>
-          <p:cNvPr id="4" name="TextBox 3"/>
-          <p:cNvSpPr txBox="1"/>
-          <p:nvPr/>
-        </p:nvSpPr>
-        <p:spPr>
-          <a:xfrm>
-            <a:off x="4500623" y="2916393"/>
-            <a:ext cx="463460" cy="261610"/>
-          </a:xfrm>
-          <a:prstGeom prst="rect">
-            <a:avLst/>
-          </a:prstGeom>
-          <a:noFill/>
-        </p:spPr>
-        <p:txBody>
-          <a:bodyPr wrap="square" rtlCol="0">
-            <a:spAutoFit/>
-          </a:bodyPr>
-          <a:lstStyle/>
-          <a:p>
-            <a:r>
-              <a:rPr lang="en-SG" sz="1100" dirty="0">
-                <a:solidFill>
-                  <a:srgbClr val="002060"/>
-                </a:solidFill>
-                <a:latin typeface="Calibri"/>
-              </a:rPr>
-              <a:t>   X</a:t>
-            </a:r>
-          </a:p>
-        </p:txBody>
-      </p:sp>
-      <p:sp>
-        <p:nvSpPr>
-          <p:cNvPr id="74" name="Rectangle 62">
-            <a:extLst>
-              <a:ext uri="{FF2B5EF4-FFF2-40B4-BE49-F238E27FC236}">
-                <a16:creationId xmlns:a16="http://schemas.microsoft.com/office/drawing/2014/main" id="{BA39474E-F597-4E14-95A8-87E16492EE8F}"/>
-              </a:ext>
-            </a:extLst>
-          </p:cNvPr>
-          <p:cNvSpPr/>
-          <p:nvPr/>
-        </p:nvSpPr>
-        <p:spPr>
-          <a:xfrm>
-            <a:off x="5219907" y="2165432"/>
-            <a:ext cx="850026" cy="335501"/>
-          </a:xfrm>
-          <a:prstGeom prst="rect">
-            <a:avLst/>
-          </a:prstGeom>
-          <a:solidFill>
-            <a:srgbClr val="0070C0"/>
-          </a:solidFill>
-          <a:ln w="19050">
-            <a:solidFill>
-              <a:srgbClr val="0070C0"/>
-            </a:solidFill>
-          </a:ln>
-          <a:effectLst/>
-        </p:spPr>
-        <p:style>
-          <a:lnRef idx="1">
-            <a:schemeClr val="accent2"/>
-          </a:lnRef>
-          <a:fillRef idx="2">
-            <a:schemeClr val="accent2"/>
-          </a:fillRef>
-          <a:effectRef idx="1">
-            <a:schemeClr val="accent2"/>
-          </a:effectRef>
-          <a:fontRef idx="minor">
-            <a:schemeClr val="dk1"/>
-          </a:fontRef>
-        </p:style>
-        <p:txBody>
-          <a:bodyPr rtlCol="0" anchor="ctr"/>
-          <a:lstStyle/>
-          <a:p>
-            <a:pPr algn="ctr"/>
-            <a:r>
-              <a:rPr lang="en-US" sz="1200" dirty="0">
-                <a:solidFill>
-                  <a:prstClr val="white"/>
-                </a:solidFill>
-                <a:latin typeface="Calibri"/>
-              </a:rPr>
-              <a:t>d:Pay </a:t>
-            </a:r>
-          </a:p>
-          <a:p>
-            <a:pPr algn="ctr"/>
-            <a:r>
-              <a:rPr lang="en-US" sz="1200" dirty="0">
-                <a:solidFill>
-                  <a:prstClr val="white"/>
-                </a:solidFill>
-                <a:latin typeface="Calibri"/>
-              </a:rPr>
-              <a:t>Command</a:t>
-            </a:r>
-            <a:endParaRPr lang="en-SG" sz="1200" dirty="0">
-              <a:solidFill>
-                <a:prstClr val="white"/>
-              </a:solidFill>
-              <a:latin typeface="Calibri"/>
-            </a:endParaRPr>
-          </a:p>
-        </p:txBody>
-      </p:sp>
-      <p:sp>
-        <p:nvSpPr>
-          <p:cNvPr id="85" name="Rectangle 84">
-            <a:extLst>
-              <a:ext uri="{FF2B5EF4-FFF2-40B4-BE49-F238E27FC236}">
-                <a16:creationId xmlns:a16="http://schemas.microsoft.com/office/drawing/2014/main" id="{9DDA8590-D36F-4FBD-868D-D18A142A6461}"/>
-              </a:ext>
-            </a:extLst>
-          </p:cNvPr>
-          <p:cNvSpPr/>
-          <p:nvPr/>
-        </p:nvSpPr>
-        <p:spPr>
-          <a:xfrm>
-            <a:off x="5584920" y="2591737"/>
-            <a:ext cx="100601" cy="318257"/>
-          </a:xfrm>
-          <a:prstGeom prst="rect">
-            <a:avLst/>
-          </a:prstGeom>
-          <a:solidFill>
-            <a:srgbClr val="0070C0"/>
-          </a:solidFill>
-          <a:ln>
-            <a:solidFill>
-              <a:srgbClr val="0070C0"/>
-            </a:solidFill>
-          </a:ln>
-          <a:effectLst/>
-        </p:spPr>
-        <p:style>
-          <a:lnRef idx="1">
-            <a:schemeClr val="accent3"/>
-          </a:lnRef>
-          <a:fillRef idx="2">
-            <a:schemeClr val="accent3"/>
-          </a:fillRef>
-          <a:effectRef idx="1">
-            <a:schemeClr val="accent3"/>
-          </a:effectRef>
-          <a:fontRef idx="minor">
-            <a:schemeClr val="dk1"/>
-          </a:fontRef>
-        </p:style>
-        <p:txBody>
-          <a:bodyPr rtlCol="0" anchor="ctr"/>
-          <a:lstStyle/>
-          <a:p>
-            <a:pPr algn="ctr"/>
-            <a:endParaRPr lang="en-SG" sz="1400">
-              <a:solidFill>
-                <a:prstClr val="black"/>
-              </a:solidFill>
-              <a:latin typeface="Calibri"/>
-            </a:endParaRPr>
-          </a:p>
-        </p:txBody>
-      </p:sp>
-      <p:cxnSp>
-        <p:nvCxnSpPr>
-          <p:cNvPr id="87" name="Straight Arrow Connector 86">
-            <a:extLst>
-              <a:ext uri="{FF2B5EF4-FFF2-40B4-BE49-F238E27FC236}">
-                <a16:creationId xmlns:a16="http://schemas.microsoft.com/office/drawing/2014/main" id="{C1F56654-5A16-4CE7-ADF7-F9BEB172A431}"/>
-              </a:ext>
-            </a:extLst>
-          </p:cNvPr>
-          <p:cNvCxnSpPr>
-            <a:cxnSpLocks/>
-          </p:cNvCxnSpPr>
-          <p:nvPr/>
-        </p:nvCxnSpPr>
-        <p:spPr>
-          <a:xfrm flipV="1">
-            <a:off x="4725418" y="2328883"/>
-            <a:ext cx="497670" cy="3325"/>
-          </a:xfrm>
-          <a:prstGeom prst="straightConnector1">
-            <a:avLst/>
-          </a:prstGeom>
-          <a:ln w="19050">
-            <a:solidFill>
-              <a:srgbClr val="0070C0"/>
-            </a:solidFill>
-            <a:tailEnd type="arrow"/>
-          </a:ln>
-        </p:spPr>
-        <p:style>
-          <a:lnRef idx="1">
-            <a:schemeClr val="accent1"/>
-          </a:lnRef>
-          <a:fillRef idx="0">
-            <a:schemeClr val="accent1"/>
-          </a:fillRef>
-          <a:effectRef idx="0">
-            <a:schemeClr val="accent1"/>
-          </a:effectRef>
-          <a:fontRef idx="minor">
-            <a:schemeClr val="tx1"/>
-          </a:fontRef>
-        </p:style>
-      </p:cxnSp>
-      <p:sp>
-        <p:nvSpPr>
-          <p:cNvPr id="88" name="TextBox 87">
-            <a:extLst>
-              <a:ext uri="{FF2B5EF4-FFF2-40B4-BE49-F238E27FC236}">
-                <a16:creationId xmlns:a16="http://schemas.microsoft.com/office/drawing/2014/main" id="{2B651A5F-1952-4628-979F-89973D058CC1}"/>
-              </a:ext>
-            </a:extLst>
-          </p:cNvPr>
-          <p:cNvSpPr txBox="1"/>
-          <p:nvPr/>
-        </p:nvSpPr>
-        <p:spPr>
-          <a:xfrm>
-            <a:off x="4426913" y="2319867"/>
-            <a:ext cx="621216" cy="215444"/>
-          </a:xfrm>
-          <a:prstGeom prst="rect">
-            <a:avLst/>
-          </a:prstGeom>
-          <a:noFill/>
-        </p:spPr>
-        <p:txBody>
-          <a:bodyPr wrap="square" lIns="0" tIns="0" rIns="0" bIns="0" rtlCol="0">
-            <a:spAutoFit/>
-          </a:bodyPr>
-          <a:lstStyle>
-            <a:defPPr>
-              <a:defRPr lang="en-US"/>
-            </a:defPPr>
-            <a:lvl1pPr algn="r">
-              <a:defRPr sz="1400">
+                <a:prstDash val="sysDash"/>
+                <a:headEnd type="arrow" w="med" len="med"/>
+                <a:tailEnd type="none" w="med" len="med"/>
+              </a:ln>
+            </p:spPr>
+            <p:style>
+              <a:lnRef idx="1">
+                <a:schemeClr val="accent1"/>
+              </a:lnRef>
+              <a:fillRef idx="0">
+                <a:schemeClr val="accent1"/>
+              </a:fillRef>
+              <a:effectRef idx="0">
+                <a:schemeClr val="accent1"/>
+              </a:effectRef>
+              <a:fontRef idx="minor">
+                <a:schemeClr val="tx1"/>
+              </a:fontRef>
+            </p:style>
+          </p:cxnSp>
+          <p:cxnSp>
+            <p:nvCxnSpPr>
+              <p:cNvPr id="50" name="Straight Arrow Connector 49"/>
+              <p:cNvCxnSpPr>
+                <a:cxnSpLocks/>
+              </p:cNvCxnSpPr>
+              <p:nvPr/>
+            </p:nvCxnSpPr>
+            <p:spPr>
+              <a:xfrm flipV="1">
+                <a:off x="3429001" y="1242355"/>
+                <a:ext cx="358137" cy="3411"/>
+              </a:xfrm>
+              <a:prstGeom prst="straightConnector1">
+                <a:avLst/>
+              </a:prstGeom>
+              <a:ln w="19050">
                 <a:solidFill>
                   <a:srgbClr val="0070C0"/>
                 </a:solidFill>
-              </a:defRPr>
-            </a:lvl1pPr>
-          </a:lstStyle>
-          <a:p>
-            <a:r>
-              <a:rPr lang="en-US" dirty="0">
-                <a:latin typeface="Calibri"/>
-              </a:rPr>
-              <a:t>P</a:t>
-            </a:r>
-          </a:p>
-        </p:txBody>
-      </p:sp>
-      <p:cxnSp>
-        <p:nvCxnSpPr>
-          <p:cNvPr id="106" name="Straight Arrow Connector 105">
-            <a:extLst>
-              <a:ext uri="{FF2B5EF4-FFF2-40B4-BE49-F238E27FC236}">
-                <a16:creationId xmlns:a16="http://schemas.microsoft.com/office/drawing/2014/main" id="{864F3666-358B-4E3C-8BA7-F4A36DAA2D3E}"/>
-              </a:ext>
-            </a:extLst>
-          </p:cNvPr>
-          <p:cNvCxnSpPr>
-            <a:cxnSpLocks/>
-            <a:endCxn id="39" idx="1"/>
-          </p:cNvCxnSpPr>
-          <p:nvPr/>
-        </p:nvCxnSpPr>
-        <p:spPr>
-          <a:xfrm flipV="1">
-            <a:off x="5678960" y="5059524"/>
-            <a:ext cx="4129470" cy="22620"/>
-          </a:xfrm>
-          <a:prstGeom prst="straightConnector1">
-            <a:avLst/>
-          </a:prstGeom>
-          <a:ln w="19050">
-            <a:solidFill>
-              <a:srgbClr val="0070C0"/>
-            </a:solidFill>
-            <a:tailEnd type="arrow"/>
-          </a:ln>
-        </p:spPr>
-        <p:style>
-          <a:lnRef idx="1">
-            <a:schemeClr val="accent1"/>
-          </a:lnRef>
-          <a:fillRef idx="0">
-            <a:schemeClr val="accent1"/>
-          </a:fillRef>
-          <a:effectRef idx="0">
-            <a:schemeClr val="accent1"/>
-          </a:effectRef>
-          <a:fontRef idx="minor">
-            <a:schemeClr val="tx1"/>
-          </a:fontRef>
-        </p:style>
-      </p:cxnSp>
-      <p:cxnSp>
-        <p:nvCxnSpPr>
-          <p:cNvPr id="113" name="Straight Arrow Connector 112">
-            <a:extLst>
-              <a:ext uri="{FF2B5EF4-FFF2-40B4-BE49-F238E27FC236}">
-                <a16:creationId xmlns:a16="http://schemas.microsoft.com/office/drawing/2014/main" id="{E9D9E9E0-6F9C-489E-BED1-EEBD1F163A1E}"/>
-              </a:ext>
-            </a:extLst>
-          </p:cNvPr>
-          <p:cNvCxnSpPr>
-            <a:cxnSpLocks/>
-          </p:cNvCxnSpPr>
-          <p:nvPr/>
-        </p:nvCxnSpPr>
-        <p:spPr>
-          <a:xfrm>
-            <a:off x="4837669" y="2903420"/>
-            <a:ext cx="733069" cy="6940"/>
-          </a:xfrm>
-          <a:prstGeom prst="straightConnector1">
-            <a:avLst/>
-          </a:prstGeom>
-          <a:ln w="19050">
-            <a:solidFill>
-              <a:srgbClr val="0070C0"/>
-            </a:solidFill>
-            <a:prstDash val="sysDash"/>
-            <a:headEnd type="arrow" w="med" len="med"/>
-            <a:tailEnd type="none" w="med" len="med"/>
-          </a:ln>
-        </p:spPr>
-        <p:style>
-          <a:lnRef idx="1">
-            <a:schemeClr val="accent1"/>
-          </a:lnRef>
-          <a:fillRef idx="0">
-            <a:schemeClr val="accent1"/>
-          </a:fillRef>
-          <a:effectRef idx="0">
-            <a:schemeClr val="accent1"/>
-          </a:effectRef>
-          <a:fontRef idx="minor">
-            <a:schemeClr val="tx1"/>
-          </a:fontRef>
-        </p:style>
-      </p:cxnSp>
-      <p:sp>
-        <p:nvSpPr>
-          <p:cNvPr id="110" name="Rectangle 62">
-            <a:extLst>
-              <a:ext uri="{FF2B5EF4-FFF2-40B4-BE49-F238E27FC236}">
-                <a16:creationId xmlns:a16="http://schemas.microsoft.com/office/drawing/2014/main" id="{6C968E01-7754-4342-9297-E2BA5581E60B}"/>
-              </a:ext>
-            </a:extLst>
-          </p:cNvPr>
-          <p:cNvSpPr/>
-          <p:nvPr/>
-        </p:nvSpPr>
-        <p:spPr>
-          <a:xfrm>
-            <a:off x="6637050" y="3089821"/>
-            <a:ext cx="926621" cy="230693"/>
-          </a:xfrm>
-          <a:prstGeom prst="rect">
-            <a:avLst/>
-          </a:prstGeom>
-          <a:solidFill>
-            <a:srgbClr val="0070C0"/>
-          </a:solidFill>
-          <a:ln w="19050">
-            <a:solidFill>
-              <a:srgbClr val="0070C0"/>
-            </a:solidFill>
-          </a:ln>
-          <a:effectLst/>
-        </p:spPr>
-        <p:style>
-          <a:lnRef idx="1">
-            <a:schemeClr val="accent2"/>
-          </a:lnRef>
-          <a:fillRef idx="2">
-            <a:schemeClr val="accent2"/>
-          </a:fillRef>
-          <a:effectRef idx="1">
-            <a:schemeClr val="accent2"/>
-          </a:effectRef>
-          <a:fontRef idx="minor">
-            <a:schemeClr val="dk1"/>
-          </a:fontRef>
-        </p:style>
-        <p:txBody>
-          <a:bodyPr rtlCol="0" anchor="ctr"/>
-          <a:lstStyle/>
-          <a:p>
-            <a:pPr algn="ctr"/>
-            <a:r>
-              <a:rPr lang="en-US" sz="1200" dirty="0">
-                <a:solidFill>
-                  <a:prstClr val="white"/>
-                </a:solidFill>
-                <a:latin typeface="Calibri"/>
-              </a:rPr>
-              <a:t>t:Student</a:t>
-            </a:r>
-            <a:endParaRPr lang="en-SG" sz="1200" dirty="0">
-              <a:solidFill>
-                <a:prstClr val="white"/>
-              </a:solidFill>
-              <a:latin typeface="Calibri"/>
-            </a:endParaRPr>
-          </a:p>
-        </p:txBody>
-      </p:sp>
-      <p:sp>
-        <p:nvSpPr>
-          <p:cNvPr id="111" name="Rectangle 110">
-            <a:extLst>
-              <a:ext uri="{FF2B5EF4-FFF2-40B4-BE49-F238E27FC236}">
-                <a16:creationId xmlns:a16="http://schemas.microsoft.com/office/drawing/2014/main" id="{A4F5D6F6-860A-4BB1-995A-ABEB11B7279E}"/>
-              </a:ext>
-            </a:extLst>
-          </p:cNvPr>
-          <p:cNvSpPr/>
-          <p:nvPr/>
-        </p:nvSpPr>
-        <p:spPr>
-          <a:xfrm>
-            <a:off x="7005165" y="3321056"/>
-            <a:ext cx="144923" cy="102175"/>
-          </a:xfrm>
-          <a:prstGeom prst="rect">
-            <a:avLst/>
-          </a:prstGeom>
-          <a:solidFill>
-            <a:srgbClr val="0070C0"/>
-          </a:solidFill>
-          <a:ln>
-            <a:solidFill>
-              <a:srgbClr val="0070C0"/>
-            </a:solidFill>
-          </a:ln>
-          <a:effectLst/>
-        </p:spPr>
-        <p:style>
-          <a:lnRef idx="1">
-            <a:schemeClr val="accent3"/>
-          </a:lnRef>
-          <a:fillRef idx="2">
-            <a:schemeClr val="accent3"/>
-          </a:fillRef>
-          <a:effectRef idx="1">
-            <a:schemeClr val="accent3"/>
-          </a:effectRef>
-          <a:fontRef idx="minor">
-            <a:schemeClr val="dk1"/>
-          </a:fontRef>
-        </p:style>
-        <p:txBody>
-          <a:bodyPr rtlCol="0" anchor="ctr"/>
-          <a:lstStyle/>
-          <a:p>
-            <a:pPr algn="ctr"/>
-            <a:endParaRPr lang="en-SG" sz="1400">
-              <a:solidFill>
-                <a:prstClr val="black"/>
-              </a:solidFill>
-              <a:latin typeface="Calibri"/>
-            </a:endParaRPr>
-          </a:p>
-        </p:txBody>
-      </p:sp>
-      <p:cxnSp>
-        <p:nvCxnSpPr>
-          <p:cNvPr id="112" name="Straight Arrow Connector 111">
-            <a:extLst>
-              <a:ext uri="{FF2B5EF4-FFF2-40B4-BE49-F238E27FC236}">
-                <a16:creationId xmlns:a16="http://schemas.microsoft.com/office/drawing/2014/main" id="{FEE17AA2-658D-481B-B7CA-63854583D595}"/>
-              </a:ext>
-            </a:extLst>
-          </p:cNvPr>
-          <p:cNvCxnSpPr>
-            <a:cxnSpLocks/>
-          </p:cNvCxnSpPr>
-          <p:nvPr/>
-        </p:nvCxnSpPr>
-        <p:spPr>
-          <a:xfrm>
-            <a:off x="5635220" y="3197778"/>
-            <a:ext cx="989518" cy="1090"/>
-          </a:xfrm>
-          <a:prstGeom prst="straightConnector1">
-            <a:avLst/>
-          </a:prstGeom>
-          <a:ln w="19050">
-            <a:solidFill>
-              <a:srgbClr val="0070C0"/>
-            </a:solidFill>
-            <a:tailEnd type="arrow"/>
-          </a:ln>
-        </p:spPr>
-        <p:style>
-          <a:lnRef idx="1">
-            <a:schemeClr val="accent1"/>
-          </a:lnRef>
-          <a:fillRef idx="0">
-            <a:schemeClr val="accent1"/>
-          </a:fillRef>
-          <a:effectRef idx="0">
-            <a:schemeClr val="accent1"/>
-          </a:effectRef>
-          <a:fontRef idx="minor">
-            <a:schemeClr val="tx1"/>
-          </a:fontRef>
-        </p:style>
-      </p:cxnSp>
-      <p:sp>
-        <p:nvSpPr>
-          <p:cNvPr id="117" name="TextBox 116">
-            <a:extLst>
-              <a:ext uri="{FF2B5EF4-FFF2-40B4-BE49-F238E27FC236}">
-                <a16:creationId xmlns:a16="http://schemas.microsoft.com/office/drawing/2014/main" id="{024BEC88-DBB1-4E3E-B95C-397D4C80ABF8}"/>
-              </a:ext>
-            </a:extLst>
-          </p:cNvPr>
-          <p:cNvSpPr txBox="1"/>
-          <p:nvPr/>
-        </p:nvSpPr>
-        <p:spPr>
-          <a:xfrm>
-            <a:off x="5465880" y="3035959"/>
-            <a:ext cx="1150818" cy="107722"/>
-          </a:xfrm>
-          <a:prstGeom prst="rect">
-            <a:avLst/>
-          </a:prstGeom>
-          <a:noFill/>
-        </p:spPr>
-        <p:txBody>
-          <a:bodyPr wrap="square" lIns="0" tIns="0" rIns="0" bIns="0" rtlCol="0">
-            <a:spAutoFit/>
-          </a:bodyPr>
-          <a:lstStyle>
-            <a:defPPr>
-              <a:defRPr lang="en-US"/>
-            </a:defPPr>
-            <a:lvl1pPr algn="r">
-              <a:defRPr sz="1400">
+                <a:tailEnd type="arrow"/>
+              </a:ln>
+            </p:spPr>
+            <p:style>
+              <a:lnRef idx="1">
+                <a:schemeClr val="accent1"/>
+              </a:lnRef>
+              <a:fillRef idx="0">
+                <a:schemeClr val="accent1"/>
+              </a:fillRef>
+              <a:effectRef idx="0">
+                <a:schemeClr val="accent1"/>
+              </a:effectRef>
+              <a:fontRef idx="minor">
+                <a:schemeClr val="tx1"/>
+              </a:fontRef>
+            </p:style>
+          </p:cxnSp>
+          <p:cxnSp>
+            <p:nvCxnSpPr>
+              <p:cNvPr id="52" name="Straight Arrow Connector 51"/>
+              <p:cNvCxnSpPr>
+                <a:cxnSpLocks/>
+              </p:cNvCxnSpPr>
+              <p:nvPr/>
+            </p:nvCxnSpPr>
+            <p:spPr>
+              <a:xfrm>
+                <a:off x="3439965" y="1521330"/>
+                <a:ext cx="1172400" cy="0"/>
+              </a:xfrm>
+              <a:prstGeom prst="straightConnector1">
+                <a:avLst/>
+              </a:prstGeom>
+              <a:ln w="19050">
                 <a:solidFill>
                   <a:srgbClr val="0070C0"/>
                 </a:solidFill>
-              </a:defRPr>
-            </a:lvl1pPr>
-          </a:lstStyle>
-          <a:p>
-            <a:r>
-              <a:rPr lang="en-US" sz="700" dirty="0" err="1">
-                <a:latin typeface="Calibri"/>
-              </a:rPr>
-              <a:t>lastShownList.get</a:t>
-            </a:r>
-            <a:r>
-              <a:rPr lang="en-US" sz="700" dirty="0">
-                <a:latin typeface="Calibri"/>
-              </a:rPr>
-              <a:t>(index)</a:t>
-            </a:r>
-          </a:p>
-        </p:txBody>
-      </p:sp>
-      <p:cxnSp>
-        <p:nvCxnSpPr>
-          <p:cNvPr id="120" name="Straight Arrow Connector 119">
-            <a:extLst>
-              <a:ext uri="{FF2B5EF4-FFF2-40B4-BE49-F238E27FC236}">
-                <a16:creationId xmlns:a16="http://schemas.microsoft.com/office/drawing/2014/main" id="{7589CB95-3C96-4E2E-A917-2029539A6549}"/>
-              </a:ext>
-            </a:extLst>
-          </p:cNvPr>
-          <p:cNvCxnSpPr>
-            <a:cxnSpLocks/>
-            <a:endCxn id="111" idx="2"/>
-          </p:cNvCxnSpPr>
-          <p:nvPr/>
-        </p:nvCxnSpPr>
-        <p:spPr>
-          <a:xfrm>
-            <a:off x="5685521" y="3418323"/>
-            <a:ext cx="1392106" cy="4908"/>
-          </a:xfrm>
-          <a:prstGeom prst="straightConnector1">
-            <a:avLst/>
-          </a:prstGeom>
-          <a:ln w="19050">
-            <a:solidFill>
-              <a:srgbClr val="0070C0"/>
-            </a:solidFill>
-            <a:prstDash val="sysDash"/>
-            <a:headEnd type="arrow" w="med" len="med"/>
-            <a:tailEnd type="none" w="med" len="med"/>
-          </a:ln>
-        </p:spPr>
-        <p:style>
-          <a:lnRef idx="1">
-            <a:schemeClr val="accent1"/>
-          </a:lnRef>
-          <a:fillRef idx="0">
-            <a:schemeClr val="accent1"/>
-          </a:fillRef>
-          <a:effectRef idx="0">
-            <a:schemeClr val="accent1"/>
-          </a:effectRef>
-          <a:fontRef idx="minor">
-            <a:schemeClr val="tx1"/>
-          </a:fontRef>
-        </p:style>
-      </p:cxnSp>
-      <p:sp>
-        <p:nvSpPr>
-          <p:cNvPr id="124" name="Rectangle 123">
-            <a:extLst>
-              <a:ext uri="{FF2B5EF4-FFF2-40B4-BE49-F238E27FC236}">
-                <a16:creationId xmlns:a16="http://schemas.microsoft.com/office/drawing/2014/main" id="{01771306-C7F0-43DF-8B5E-58AE678F2DD3}"/>
-              </a:ext>
-            </a:extLst>
-          </p:cNvPr>
-          <p:cNvSpPr/>
-          <p:nvPr/>
-        </p:nvSpPr>
-        <p:spPr>
-          <a:xfrm>
-            <a:off x="7024015" y="4723781"/>
-            <a:ext cx="187553" cy="102797"/>
-          </a:xfrm>
-          <a:prstGeom prst="rect">
-            <a:avLst/>
-          </a:prstGeom>
-          <a:solidFill>
-            <a:srgbClr val="0070C0"/>
-          </a:solidFill>
-          <a:ln>
-            <a:solidFill>
-              <a:srgbClr val="0070C0"/>
-            </a:solidFill>
-          </a:ln>
-          <a:effectLst/>
-        </p:spPr>
-        <p:style>
-          <a:lnRef idx="1">
-            <a:schemeClr val="accent3"/>
-          </a:lnRef>
-          <a:fillRef idx="2">
-            <a:schemeClr val="accent3"/>
-          </a:fillRef>
-          <a:effectRef idx="1">
-            <a:schemeClr val="accent3"/>
-          </a:effectRef>
-          <a:fontRef idx="minor">
-            <a:schemeClr val="dk1"/>
-          </a:fontRef>
-        </p:style>
-        <p:txBody>
-          <a:bodyPr rtlCol="0" anchor="ctr"/>
-          <a:lstStyle/>
-          <a:p>
-            <a:pPr algn="ctr"/>
-            <a:endParaRPr lang="en-SG" sz="1400">
+                <a:prstDash val="sysDash"/>
+                <a:headEnd type="arrow" w="med" len="med"/>
+                <a:tailEnd type="none" w="med" len="med"/>
+              </a:ln>
+            </p:spPr>
+            <p:style>
+              <a:lnRef idx="1">
+                <a:schemeClr val="accent1"/>
+              </a:lnRef>
+              <a:fillRef idx="0">
+                <a:schemeClr val="accent1"/>
+              </a:fillRef>
+              <a:effectRef idx="0">
+                <a:schemeClr val="accent1"/>
+              </a:effectRef>
+              <a:fontRef idx="minor">
+                <a:schemeClr val="tx1"/>
+              </a:fontRef>
+            </p:style>
+          </p:cxnSp>
+          <p:sp>
+            <p:nvSpPr>
+              <p:cNvPr id="4" name="TextBox 3"/>
+              <p:cNvSpPr txBox="1"/>
+              <p:nvPr/>
+            </p:nvSpPr>
+            <p:spPr>
+              <a:xfrm>
+                <a:off x="4500623" y="2916393"/>
+                <a:ext cx="463460" cy="261610"/>
+              </a:xfrm>
+              <a:prstGeom prst="rect">
+                <a:avLst/>
+              </a:prstGeom>
+              <a:noFill/>
+            </p:spPr>
+            <p:txBody>
+              <a:bodyPr wrap="square" rtlCol="0">
+                <a:spAutoFit/>
+              </a:bodyPr>
+              <a:lstStyle/>
+              <a:p>
+                <a:r>
+                  <a:rPr lang="en-SG" sz="1100" dirty="0">
+                    <a:solidFill>
+                      <a:srgbClr val="002060"/>
+                    </a:solidFill>
+                    <a:latin typeface="Calibri"/>
+                  </a:rPr>
+                  <a:t>   X</a:t>
+                </a:r>
+              </a:p>
+            </p:txBody>
+          </p:sp>
+          <p:sp>
+            <p:nvSpPr>
+              <p:cNvPr id="74" name="Rectangle 62">
+                <a:extLst>
+                  <a:ext uri="{FF2B5EF4-FFF2-40B4-BE49-F238E27FC236}">
+                    <a16:creationId xmlns:a16="http://schemas.microsoft.com/office/drawing/2014/main" id="{BA39474E-F597-4E14-95A8-87E16492EE8F}"/>
+                  </a:ext>
+                </a:extLst>
+              </p:cNvPr>
+              <p:cNvSpPr/>
+              <p:nvPr/>
+            </p:nvSpPr>
+            <p:spPr>
+              <a:xfrm>
+                <a:off x="5219907" y="2165432"/>
+                <a:ext cx="850026" cy="335501"/>
+              </a:xfrm>
+              <a:prstGeom prst="rect">
+                <a:avLst/>
+              </a:prstGeom>
               <a:solidFill>
-                <a:prstClr val="black"/>
+                <a:srgbClr val="0070C0"/>
               </a:solidFill>
-              <a:latin typeface="Calibri"/>
-            </a:endParaRPr>
-          </a:p>
-        </p:txBody>
-      </p:sp>
-      <p:cxnSp>
-        <p:nvCxnSpPr>
-          <p:cNvPr id="127" name="Straight Arrow Connector 126">
-            <a:extLst>
-              <a:ext uri="{FF2B5EF4-FFF2-40B4-BE49-F238E27FC236}">
-                <a16:creationId xmlns:a16="http://schemas.microsoft.com/office/drawing/2014/main" id="{A8591612-65D1-4A60-B224-1C58D3BA2529}"/>
-              </a:ext>
-            </a:extLst>
-          </p:cNvPr>
-          <p:cNvCxnSpPr>
-            <a:cxnSpLocks/>
-            <a:endCxn id="151" idx="1"/>
-          </p:cNvCxnSpPr>
-          <p:nvPr/>
-        </p:nvCxnSpPr>
-        <p:spPr>
-          <a:xfrm>
-            <a:off x="5655463" y="4620278"/>
-            <a:ext cx="981587" cy="0"/>
-          </a:xfrm>
-          <a:prstGeom prst="straightConnector1">
-            <a:avLst/>
-          </a:prstGeom>
-          <a:ln w="19050">
-            <a:solidFill>
-              <a:srgbClr val="0070C0"/>
-            </a:solidFill>
-            <a:tailEnd type="arrow"/>
-          </a:ln>
-        </p:spPr>
-        <p:style>
-          <a:lnRef idx="1">
-            <a:schemeClr val="accent1"/>
-          </a:lnRef>
-          <a:fillRef idx="0">
-            <a:schemeClr val="accent1"/>
-          </a:fillRef>
-          <a:effectRef idx="0">
-            <a:schemeClr val="accent1"/>
-          </a:effectRef>
-          <a:fontRef idx="minor">
-            <a:schemeClr val="tx1"/>
-          </a:fontRef>
-        </p:style>
-      </p:cxnSp>
-      <p:cxnSp>
-        <p:nvCxnSpPr>
-          <p:cNvPr id="128" name="Straight Arrow Connector 127">
-            <a:extLst>
-              <a:ext uri="{FF2B5EF4-FFF2-40B4-BE49-F238E27FC236}">
-                <a16:creationId xmlns:a16="http://schemas.microsoft.com/office/drawing/2014/main" id="{097DD719-DCCB-41D3-B322-B838EE20C18C}"/>
-              </a:ext>
-            </a:extLst>
-          </p:cNvPr>
-          <p:cNvCxnSpPr>
-            <a:cxnSpLocks/>
-            <a:endCxn id="124" idx="2"/>
-          </p:cNvCxnSpPr>
-          <p:nvPr/>
-        </p:nvCxnSpPr>
-        <p:spPr>
-          <a:xfrm>
-            <a:off x="5667212" y="4826578"/>
-            <a:ext cx="1450580" cy="0"/>
-          </a:xfrm>
-          <a:prstGeom prst="straightConnector1">
-            <a:avLst/>
-          </a:prstGeom>
-          <a:ln w="19050">
-            <a:solidFill>
-              <a:srgbClr val="0070C0"/>
-            </a:solidFill>
-            <a:prstDash val="sysDash"/>
-            <a:headEnd type="arrow" w="med" len="med"/>
-            <a:tailEnd type="none" w="med" len="med"/>
-          </a:ln>
-        </p:spPr>
-        <p:style>
-          <a:lnRef idx="1">
-            <a:schemeClr val="accent1"/>
-          </a:lnRef>
-          <a:fillRef idx="0">
-            <a:schemeClr val="accent1"/>
-          </a:fillRef>
-          <a:effectRef idx="0">
-            <a:schemeClr val="accent1"/>
-          </a:effectRef>
-          <a:fontRef idx="minor">
-            <a:schemeClr val="tx1"/>
-          </a:fontRef>
-        </p:style>
-      </p:cxnSp>
-      <p:sp>
-        <p:nvSpPr>
-          <p:cNvPr id="151" name="Rectangle 62">
-            <a:extLst>
-              <a:ext uri="{FF2B5EF4-FFF2-40B4-BE49-F238E27FC236}">
-                <a16:creationId xmlns:a16="http://schemas.microsoft.com/office/drawing/2014/main" id="{E6B25D8A-1B38-49D7-B8F6-23AAE389A47C}"/>
-              </a:ext>
-            </a:extLst>
-          </p:cNvPr>
-          <p:cNvSpPr/>
-          <p:nvPr/>
-        </p:nvSpPr>
-        <p:spPr>
-          <a:xfrm>
-            <a:off x="6637050" y="4504931"/>
-            <a:ext cx="989046" cy="230693"/>
-          </a:xfrm>
-          <a:prstGeom prst="rect">
-            <a:avLst/>
-          </a:prstGeom>
-          <a:solidFill>
-            <a:srgbClr val="0070C0"/>
-          </a:solidFill>
-          <a:ln w="19050">
-            <a:solidFill>
-              <a:srgbClr val="0070C0"/>
-            </a:solidFill>
-          </a:ln>
-          <a:effectLst/>
-        </p:spPr>
-        <p:style>
-          <a:lnRef idx="1">
-            <a:schemeClr val="accent2"/>
-          </a:lnRef>
-          <a:fillRef idx="2">
-            <a:schemeClr val="accent2"/>
-          </a:fillRef>
-          <a:effectRef idx="1">
-            <a:schemeClr val="accent2"/>
-          </a:effectRef>
-          <a:fontRef idx="minor">
-            <a:schemeClr val="dk1"/>
-          </a:fontRef>
-        </p:style>
-        <p:txBody>
-          <a:bodyPr rtlCol="0" anchor="ctr"/>
-          <a:lstStyle/>
-          <a:p>
-            <a:pPr algn="ctr"/>
-            <a:r>
-              <a:rPr lang="en-US" sz="1000" dirty="0" err="1">
-                <a:solidFill>
-                  <a:prstClr val="white"/>
-                </a:solidFill>
-                <a:latin typeface="Calibri"/>
-              </a:rPr>
-              <a:t>edited:Student</a:t>
-            </a:r>
-            <a:endParaRPr lang="en-SG" sz="1000" dirty="0">
-              <a:solidFill>
-                <a:prstClr val="white"/>
-              </a:solidFill>
-              <a:latin typeface="Calibri"/>
-            </a:endParaRPr>
-          </a:p>
-        </p:txBody>
-      </p:sp>
-      <p:cxnSp>
-        <p:nvCxnSpPr>
-          <p:cNvPr id="89" name="Straight Connector 88">
-            <a:extLst>
-              <a:ext uri="{FF2B5EF4-FFF2-40B4-BE49-F238E27FC236}">
-                <a16:creationId xmlns:a16="http://schemas.microsoft.com/office/drawing/2014/main" id="{3C52FF72-1AFF-4CFD-B58A-8AA853F51E06}"/>
-              </a:ext>
-            </a:extLst>
-          </p:cNvPr>
-          <p:cNvCxnSpPr>
-            <a:cxnSpLocks/>
-          </p:cNvCxnSpPr>
-          <p:nvPr/>
-        </p:nvCxnSpPr>
-        <p:spPr>
-          <a:xfrm>
-            <a:off x="7077627" y="3299962"/>
-            <a:ext cx="0" cy="728478"/>
-          </a:xfrm>
-          <a:prstGeom prst="line">
-            <a:avLst/>
-          </a:prstGeom>
-          <a:ln w="19050">
-            <a:solidFill>
-              <a:srgbClr val="0070C0"/>
-            </a:solidFill>
-            <a:prstDash val="sysDash"/>
-          </a:ln>
-          <a:effectLst/>
-        </p:spPr>
-        <p:style>
-          <a:lnRef idx="1">
-            <a:schemeClr val="accent1"/>
-          </a:lnRef>
-          <a:fillRef idx="2">
-            <a:schemeClr val="accent1"/>
-          </a:fillRef>
-          <a:effectRef idx="1">
-            <a:schemeClr val="accent1"/>
-          </a:effectRef>
-          <a:fontRef idx="minor">
-            <a:schemeClr val="dk1"/>
-          </a:fontRef>
-        </p:style>
-      </p:cxnSp>
-      <p:sp>
-        <p:nvSpPr>
-          <p:cNvPr id="91" name="Rectangle 90">
-            <a:extLst>
-              <a:ext uri="{FF2B5EF4-FFF2-40B4-BE49-F238E27FC236}">
-                <a16:creationId xmlns:a16="http://schemas.microsoft.com/office/drawing/2014/main" id="{27739D36-84D0-4EC7-99BB-3DC63996C25E}"/>
-              </a:ext>
-            </a:extLst>
-          </p:cNvPr>
-          <p:cNvSpPr/>
-          <p:nvPr/>
-        </p:nvSpPr>
-        <p:spPr>
-          <a:xfrm>
-            <a:off x="7014536" y="3533248"/>
-            <a:ext cx="124308" cy="402673"/>
-          </a:xfrm>
-          <a:prstGeom prst="rect">
-            <a:avLst/>
-          </a:prstGeom>
-          <a:solidFill>
-            <a:srgbClr val="0070C0"/>
-          </a:solidFill>
-          <a:ln>
-            <a:solidFill>
-              <a:srgbClr val="0070C0"/>
-            </a:solidFill>
-          </a:ln>
-          <a:effectLst/>
-        </p:spPr>
-        <p:style>
-          <a:lnRef idx="1">
-            <a:schemeClr val="accent3"/>
-          </a:lnRef>
-          <a:fillRef idx="2">
-            <a:schemeClr val="accent3"/>
-          </a:fillRef>
-          <a:effectRef idx="1">
-            <a:schemeClr val="accent3"/>
-          </a:effectRef>
-          <a:fontRef idx="minor">
-            <a:schemeClr val="dk1"/>
-          </a:fontRef>
-        </p:style>
-        <p:txBody>
-          <a:bodyPr rtlCol="0" anchor="ctr"/>
-          <a:lstStyle/>
-          <a:p>
-            <a:pPr algn="ctr"/>
-            <a:endParaRPr lang="en-SG" sz="1400">
-              <a:solidFill>
-                <a:prstClr val="black"/>
-              </a:solidFill>
-              <a:latin typeface="Calibri"/>
-            </a:endParaRPr>
-          </a:p>
-        </p:txBody>
-      </p:sp>
-      <p:cxnSp>
-        <p:nvCxnSpPr>
-          <p:cNvPr id="94" name="Straight Arrow Connector 93">
-            <a:extLst>
-              <a:ext uri="{FF2B5EF4-FFF2-40B4-BE49-F238E27FC236}">
-                <a16:creationId xmlns:a16="http://schemas.microsoft.com/office/drawing/2014/main" id="{42384EDF-EAEC-4D9B-B300-246D17B69F64}"/>
-              </a:ext>
-            </a:extLst>
-          </p:cNvPr>
-          <p:cNvCxnSpPr>
-            <a:cxnSpLocks/>
-          </p:cNvCxnSpPr>
-          <p:nvPr/>
-        </p:nvCxnSpPr>
-        <p:spPr>
-          <a:xfrm>
-            <a:off x="5673586" y="3925537"/>
-            <a:ext cx="1392106" cy="4908"/>
-          </a:xfrm>
-          <a:prstGeom prst="straightConnector1">
-            <a:avLst/>
-          </a:prstGeom>
-          <a:ln w="19050">
-            <a:solidFill>
-              <a:srgbClr val="0070C0"/>
-            </a:solidFill>
-            <a:prstDash val="sysDash"/>
-            <a:headEnd type="arrow" w="med" len="med"/>
-            <a:tailEnd type="none" w="med" len="med"/>
-          </a:ln>
-        </p:spPr>
-        <p:style>
-          <a:lnRef idx="1">
-            <a:schemeClr val="accent1"/>
-          </a:lnRef>
-          <a:fillRef idx="0">
-            <a:schemeClr val="accent1"/>
-          </a:fillRef>
-          <a:effectRef idx="0">
-            <a:schemeClr val="accent1"/>
-          </a:effectRef>
-          <a:fontRef idx="minor">
-            <a:schemeClr val="tx1"/>
-          </a:fontRef>
-        </p:style>
-      </p:cxnSp>
-      <p:cxnSp>
-        <p:nvCxnSpPr>
-          <p:cNvPr id="96" name="Straight Arrow Connector 95">
-            <a:extLst>
-              <a:ext uri="{FF2B5EF4-FFF2-40B4-BE49-F238E27FC236}">
-                <a16:creationId xmlns:a16="http://schemas.microsoft.com/office/drawing/2014/main" id="{5C148ACD-B02E-4E4C-A941-E725C5C105DF}"/>
-              </a:ext>
-            </a:extLst>
-          </p:cNvPr>
-          <p:cNvCxnSpPr>
-            <a:cxnSpLocks/>
-          </p:cNvCxnSpPr>
-          <p:nvPr/>
-        </p:nvCxnSpPr>
-        <p:spPr>
-          <a:xfrm>
-            <a:off x="7140720" y="3602424"/>
-            <a:ext cx="591040" cy="141"/>
-          </a:xfrm>
-          <a:prstGeom prst="straightConnector1">
-            <a:avLst/>
-          </a:prstGeom>
-          <a:ln w="19050">
-            <a:solidFill>
-              <a:srgbClr val="0070C0"/>
-            </a:solidFill>
-            <a:tailEnd type="arrow"/>
-          </a:ln>
-        </p:spPr>
-        <p:style>
-          <a:lnRef idx="1">
-            <a:schemeClr val="accent1"/>
-          </a:lnRef>
-          <a:fillRef idx="0">
-            <a:schemeClr val="accent1"/>
-          </a:fillRef>
-          <a:effectRef idx="0">
-            <a:schemeClr val="accent1"/>
-          </a:effectRef>
-          <a:fontRef idx="minor">
-            <a:schemeClr val="tx1"/>
-          </a:fontRef>
-        </p:style>
-      </p:cxnSp>
-      <p:cxnSp>
-        <p:nvCxnSpPr>
-          <p:cNvPr id="97" name="Straight Arrow Connector 96">
-            <a:extLst>
-              <a:ext uri="{FF2B5EF4-FFF2-40B4-BE49-F238E27FC236}">
-                <a16:creationId xmlns:a16="http://schemas.microsoft.com/office/drawing/2014/main" id="{19ADF5F6-152B-4A86-9E88-3F66FD422235}"/>
-              </a:ext>
-            </a:extLst>
-          </p:cNvPr>
-          <p:cNvCxnSpPr>
-            <a:cxnSpLocks/>
-          </p:cNvCxnSpPr>
-          <p:nvPr/>
-        </p:nvCxnSpPr>
-        <p:spPr>
-          <a:xfrm>
-            <a:off x="7138843" y="3820487"/>
-            <a:ext cx="972781" cy="0"/>
-          </a:xfrm>
-          <a:prstGeom prst="straightConnector1">
-            <a:avLst/>
-          </a:prstGeom>
-          <a:ln w="19050">
-            <a:solidFill>
-              <a:srgbClr val="0070C0"/>
-            </a:solidFill>
-            <a:prstDash val="sysDash"/>
-            <a:headEnd type="arrow" w="med" len="med"/>
-            <a:tailEnd type="none" w="med" len="med"/>
-          </a:ln>
-        </p:spPr>
-        <p:style>
-          <a:lnRef idx="1">
-            <a:schemeClr val="accent1"/>
-          </a:lnRef>
-          <a:fillRef idx="0">
-            <a:schemeClr val="accent1"/>
-          </a:fillRef>
-          <a:effectRef idx="0">
-            <a:schemeClr val="accent1"/>
-          </a:effectRef>
-          <a:fontRef idx="minor">
-            <a:schemeClr val="tx1"/>
-          </a:fontRef>
-        </p:style>
-      </p:cxnSp>
-      <p:sp>
-        <p:nvSpPr>
-          <p:cNvPr id="98" name="TextBox 97">
-            <a:extLst>
-              <a:ext uri="{FF2B5EF4-FFF2-40B4-BE49-F238E27FC236}">
-                <a16:creationId xmlns:a16="http://schemas.microsoft.com/office/drawing/2014/main" id="{6BF14BD3-52B4-486D-8DBE-D7B6178D4C1A}"/>
-              </a:ext>
-            </a:extLst>
-          </p:cNvPr>
-          <p:cNvSpPr txBox="1"/>
-          <p:nvPr/>
-        </p:nvSpPr>
-        <p:spPr>
-          <a:xfrm>
-            <a:off x="6584159" y="3435937"/>
-            <a:ext cx="1150818" cy="107722"/>
-          </a:xfrm>
-          <a:prstGeom prst="rect">
-            <a:avLst/>
-          </a:prstGeom>
-          <a:noFill/>
-        </p:spPr>
-        <p:txBody>
-          <a:bodyPr wrap="square" lIns="0" tIns="0" rIns="0" bIns="0" rtlCol="0">
-            <a:spAutoFit/>
-          </a:bodyPr>
-          <a:lstStyle>
-            <a:defPPr>
-              <a:defRPr lang="en-US"/>
-            </a:defPPr>
-            <a:lvl1pPr algn="r">
-              <a:defRPr sz="1400">
+              <a:ln w="19050">
                 <a:solidFill>
                   <a:srgbClr val="0070C0"/>
                 </a:solidFill>
-              </a:defRPr>
-            </a:lvl1pPr>
-          </a:lstStyle>
-          <a:p>
-            <a:r>
-              <a:rPr lang="en-US" sz="700" dirty="0" err="1">
-                <a:latin typeface="Calibri"/>
-              </a:rPr>
-              <a:t>getPayments</a:t>
-            </a:r>
-            <a:r>
-              <a:rPr lang="en-US" sz="700" dirty="0">
-                <a:latin typeface="Calibri"/>
-              </a:rPr>
-              <a:t>()</a:t>
-            </a:r>
-          </a:p>
-        </p:txBody>
-      </p:sp>
-      <p:sp>
-        <p:nvSpPr>
-          <p:cNvPr id="99" name="Rectangle 62">
-            <a:extLst>
-              <a:ext uri="{FF2B5EF4-FFF2-40B4-BE49-F238E27FC236}">
-                <a16:creationId xmlns:a16="http://schemas.microsoft.com/office/drawing/2014/main" id="{FBE52BE1-83B1-4044-832A-21CFA28B823E}"/>
-              </a:ext>
-            </a:extLst>
-          </p:cNvPr>
-          <p:cNvSpPr/>
-          <p:nvPr/>
-        </p:nvSpPr>
-        <p:spPr>
-          <a:xfrm>
-            <a:off x="7743509" y="3487077"/>
-            <a:ext cx="926621" cy="230693"/>
-          </a:xfrm>
-          <a:prstGeom prst="rect">
-            <a:avLst/>
-          </a:prstGeom>
-          <a:solidFill>
-            <a:srgbClr val="0070C0"/>
-          </a:solidFill>
-          <a:ln w="19050">
-            <a:solidFill>
-              <a:srgbClr val="0070C0"/>
-            </a:solidFill>
-          </a:ln>
-          <a:effectLst/>
-        </p:spPr>
-        <p:style>
-          <a:lnRef idx="1">
-            <a:schemeClr val="accent2"/>
-          </a:lnRef>
-          <a:fillRef idx="2">
-            <a:schemeClr val="accent2"/>
-          </a:fillRef>
-          <a:effectRef idx="1">
-            <a:schemeClr val="accent2"/>
-          </a:effectRef>
-          <a:fontRef idx="minor">
-            <a:schemeClr val="dk1"/>
-          </a:fontRef>
-        </p:style>
-        <p:txBody>
-          <a:bodyPr rtlCol="0" anchor="ctr"/>
-          <a:lstStyle/>
-          <a:p>
-            <a:pPr algn="ctr"/>
-            <a:r>
-              <a:rPr lang="en-US" sz="800" dirty="0">
-                <a:solidFill>
-                  <a:prstClr val="white"/>
-                </a:solidFill>
-                <a:latin typeface="Calibri"/>
-              </a:rPr>
-              <a:t>l:List&lt;Payments&gt;</a:t>
-            </a:r>
-            <a:endParaRPr lang="en-SG" sz="800" dirty="0">
+              </a:ln>
+              <a:effectLst/>
+            </p:spPr>
+            <p:style>
+              <a:lnRef idx="1">
+                <a:schemeClr val="accent2"/>
+              </a:lnRef>
+              <a:fillRef idx="2">
+                <a:schemeClr val="accent2"/>
+              </a:fillRef>
+              <a:effectRef idx="1">
+                <a:schemeClr val="accent2"/>
+              </a:effectRef>
+              <a:fontRef idx="minor">
+                <a:schemeClr val="dk1"/>
+              </a:fontRef>
+            </p:style>
+            <p:txBody>
+              <a:bodyPr rtlCol="0" anchor="ctr"/>
+              <a:lstStyle/>
+              <a:p>
+                <a:pPr algn="ctr"/>
+                <a:r>
+                  <a:rPr lang="en-US" sz="1200" dirty="0">
+                    <a:solidFill>
+                      <a:prstClr val="white"/>
+                    </a:solidFill>
+                    <a:latin typeface="Calibri"/>
+                  </a:rPr>
+                  <a:t>d:Pay </a:t>
+                </a:r>
+              </a:p>
+              <a:p>
+                <a:pPr algn="ctr"/>
+                <a:r>
+                  <a:rPr lang="en-US" sz="1200" dirty="0">
+                    <a:solidFill>
+                      <a:prstClr val="white"/>
+                    </a:solidFill>
+                    <a:latin typeface="Calibri"/>
+                  </a:rPr>
+                  <a:t>Command</a:t>
+                </a:r>
+                <a:endParaRPr lang="en-SG" sz="1200" dirty="0">
+                  <a:solidFill>
+                    <a:prstClr val="white"/>
+                  </a:solidFill>
+                  <a:latin typeface="Calibri"/>
+                </a:endParaRPr>
+              </a:p>
+            </p:txBody>
+          </p:sp>
+          <p:sp>
+            <p:nvSpPr>
+              <p:cNvPr id="85" name="Rectangle 84">
+                <a:extLst>
+                  <a:ext uri="{FF2B5EF4-FFF2-40B4-BE49-F238E27FC236}">
+                    <a16:creationId xmlns:a16="http://schemas.microsoft.com/office/drawing/2014/main" id="{9DDA8590-D36F-4FBD-868D-D18A142A6461}"/>
+                  </a:ext>
+                </a:extLst>
+              </p:cNvPr>
+              <p:cNvSpPr/>
+              <p:nvPr/>
+            </p:nvSpPr>
+            <p:spPr>
+              <a:xfrm>
+                <a:off x="5584920" y="2591737"/>
+                <a:ext cx="100601" cy="318257"/>
+              </a:xfrm>
+              <a:prstGeom prst="rect">
+                <a:avLst/>
+              </a:prstGeom>
               <a:solidFill>
-                <a:prstClr val="white"/>
+                <a:srgbClr val="0070C0"/>
               </a:solidFill>
-              <a:latin typeface="Calibri"/>
-            </a:endParaRPr>
-          </a:p>
-        </p:txBody>
-      </p:sp>
-      <p:sp>
-        <p:nvSpPr>
-          <p:cNvPr id="100" name="Rectangle 99">
-            <a:extLst>
-              <a:ext uri="{FF2B5EF4-FFF2-40B4-BE49-F238E27FC236}">
-                <a16:creationId xmlns:a16="http://schemas.microsoft.com/office/drawing/2014/main" id="{D229B755-5805-4A80-91B2-FEDEE15C495C}"/>
-              </a:ext>
-            </a:extLst>
-          </p:cNvPr>
-          <p:cNvSpPr/>
-          <p:nvPr/>
-        </p:nvSpPr>
-        <p:spPr>
-          <a:xfrm>
-            <a:off x="8111624" y="3718312"/>
-            <a:ext cx="144923" cy="102175"/>
-          </a:xfrm>
-          <a:prstGeom prst="rect">
-            <a:avLst/>
-          </a:prstGeom>
-          <a:solidFill>
-            <a:srgbClr val="0070C0"/>
-          </a:solidFill>
-          <a:ln>
-            <a:solidFill>
-              <a:srgbClr val="0070C0"/>
-            </a:solidFill>
-          </a:ln>
-          <a:effectLst/>
-        </p:spPr>
-        <p:style>
-          <a:lnRef idx="1">
-            <a:schemeClr val="accent3"/>
-          </a:lnRef>
-          <a:fillRef idx="2">
-            <a:schemeClr val="accent3"/>
-          </a:fillRef>
-          <a:effectRef idx="1">
-            <a:schemeClr val="accent3"/>
-          </a:effectRef>
-          <a:fontRef idx="minor">
-            <a:schemeClr val="dk1"/>
-          </a:fontRef>
-        </p:style>
-        <p:txBody>
-          <a:bodyPr rtlCol="0" anchor="ctr"/>
-          <a:lstStyle/>
-          <a:p>
-            <a:pPr algn="ctr"/>
-            <a:endParaRPr lang="en-SG" sz="1400">
-              <a:solidFill>
-                <a:prstClr val="black"/>
-              </a:solidFill>
-              <a:latin typeface="Calibri"/>
-            </a:endParaRPr>
-          </a:p>
-        </p:txBody>
-      </p:sp>
-      <p:sp>
-        <p:nvSpPr>
-          <p:cNvPr id="101" name="TextBox 100">
-            <a:extLst>
-              <a:ext uri="{FF2B5EF4-FFF2-40B4-BE49-F238E27FC236}">
-                <a16:creationId xmlns:a16="http://schemas.microsoft.com/office/drawing/2014/main" id="{4FFDA7D7-5B61-4979-83C4-DE0F52D01109}"/>
-              </a:ext>
-            </a:extLst>
-          </p:cNvPr>
-          <p:cNvSpPr txBox="1"/>
-          <p:nvPr/>
-        </p:nvSpPr>
-        <p:spPr>
-          <a:xfrm>
-            <a:off x="6197815" y="3712105"/>
-            <a:ext cx="220343" cy="215444"/>
-          </a:xfrm>
-          <a:prstGeom prst="rect">
-            <a:avLst/>
-          </a:prstGeom>
-          <a:noFill/>
-        </p:spPr>
-        <p:txBody>
-          <a:bodyPr wrap="square" lIns="0" tIns="0" rIns="0" bIns="0" rtlCol="0">
-            <a:spAutoFit/>
-          </a:bodyPr>
-          <a:lstStyle>
-            <a:defPPr>
-              <a:defRPr lang="en-US"/>
-            </a:defPPr>
-            <a:lvl1pPr algn="r">
-              <a:defRPr sz="1400">
+              <a:ln>
                 <a:solidFill>
                   <a:srgbClr val="0070C0"/>
                 </a:solidFill>
-              </a:defRPr>
-            </a:lvl1pPr>
-          </a:lstStyle>
-          <a:p>
-            <a:r>
-              <a:rPr lang="en-US" dirty="0">
-                <a:latin typeface="Calibri"/>
-              </a:rPr>
-              <a:t>l</a:t>
-            </a:r>
-          </a:p>
-        </p:txBody>
-      </p:sp>
-      <p:cxnSp>
-        <p:nvCxnSpPr>
-          <p:cNvPr id="102" name="Straight Connector 101">
-            <a:extLst>
-              <a:ext uri="{FF2B5EF4-FFF2-40B4-BE49-F238E27FC236}">
-                <a16:creationId xmlns:a16="http://schemas.microsoft.com/office/drawing/2014/main" id="{347EB980-93F3-4661-BFCE-7572AC377838}"/>
-              </a:ext>
-            </a:extLst>
-          </p:cNvPr>
-          <p:cNvCxnSpPr>
-            <a:cxnSpLocks/>
-          </p:cNvCxnSpPr>
-          <p:nvPr/>
-        </p:nvCxnSpPr>
-        <p:spPr>
-          <a:xfrm>
-            <a:off x="8180668" y="3640396"/>
-            <a:ext cx="0" cy="723324"/>
-          </a:xfrm>
-          <a:prstGeom prst="line">
-            <a:avLst/>
-          </a:prstGeom>
-          <a:ln w="19050">
-            <a:solidFill>
-              <a:srgbClr val="0070C0"/>
-            </a:solidFill>
-            <a:prstDash val="sysDash"/>
-          </a:ln>
-          <a:effectLst/>
-        </p:spPr>
-        <p:style>
-          <a:lnRef idx="1">
-            <a:schemeClr val="accent1"/>
-          </a:lnRef>
-          <a:fillRef idx="2">
-            <a:schemeClr val="accent1"/>
-          </a:fillRef>
-          <a:effectRef idx="1">
-            <a:schemeClr val="accent1"/>
-          </a:effectRef>
-          <a:fontRef idx="minor">
-            <a:schemeClr val="dk1"/>
-          </a:fontRef>
-        </p:style>
-      </p:cxnSp>
-      <p:sp>
-        <p:nvSpPr>
-          <p:cNvPr id="103" name="Rectangle 102">
-            <a:extLst>
-              <a:ext uri="{FF2B5EF4-FFF2-40B4-BE49-F238E27FC236}">
-                <a16:creationId xmlns:a16="http://schemas.microsoft.com/office/drawing/2014/main" id="{A13B574E-3DBC-4EE8-ACDD-D66B11DFF994}"/>
-              </a:ext>
-            </a:extLst>
-          </p:cNvPr>
-          <p:cNvSpPr/>
-          <p:nvPr/>
-        </p:nvSpPr>
-        <p:spPr>
-          <a:xfrm>
-            <a:off x="8117578" y="4097316"/>
-            <a:ext cx="138942" cy="266402"/>
-          </a:xfrm>
-          <a:prstGeom prst="rect">
-            <a:avLst/>
-          </a:prstGeom>
-          <a:solidFill>
-            <a:srgbClr val="0070C0"/>
-          </a:solidFill>
-          <a:ln>
-            <a:solidFill>
-              <a:srgbClr val="0070C0"/>
-            </a:solidFill>
-          </a:ln>
-          <a:effectLst/>
-        </p:spPr>
-        <p:style>
-          <a:lnRef idx="1">
-            <a:schemeClr val="accent3"/>
-          </a:lnRef>
-          <a:fillRef idx="2">
-            <a:schemeClr val="accent3"/>
-          </a:fillRef>
-          <a:effectRef idx="1">
-            <a:schemeClr val="accent3"/>
-          </a:effectRef>
-          <a:fontRef idx="minor">
-            <a:schemeClr val="dk1"/>
-          </a:fontRef>
-        </p:style>
-        <p:txBody>
-          <a:bodyPr rtlCol="0" anchor="ctr"/>
-          <a:lstStyle/>
-          <a:p>
-            <a:pPr algn="ctr"/>
-            <a:endParaRPr lang="en-SG" sz="1400">
-              <a:solidFill>
-                <a:prstClr val="black"/>
-              </a:solidFill>
-              <a:latin typeface="Calibri"/>
-            </a:endParaRPr>
-          </a:p>
-        </p:txBody>
-      </p:sp>
-      <p:cxnSp>
-        <p:nvCxnSpPr>
-          <p:cNvPr id="107" name="Straight Arrow Connector 106">
-            <a:extLst>
-              <a:ext uri="{FF2B5EF4-FFF2-40B4-BE49-F238E27FC236}">
-                <a16:creationId xmlns:a16="http://schemas.microsoft.com/office/drawing/2014/main" id="{4E152355-9291-4494-9655-286C83458D28}"/>
-              </a:ext>
-            </a:extLst>
-          </p:cNvPr>
-          <p:cNvCxnSpPr>
-            <a:cxnSpLocks/>
-          </p:cNvCxnSpPr>
-          <p:nvPr/>
-        </p:nvCxnSpPr>
-        <p:spPr>
-          <a:xfrm>
-            <a:off x="5689976" y="4097316"/>
-            <a:ext cx="2421648" cy="0"/>
-          </a:xfrm>
-          <a:prstGeom prst="straightConnector1">
-            <a:avLst/>
-          </a:prstGeom>
-          <a:ln w="19050">
-            <a:solidFill>
-              <a:srgbClr val="0070C0"/>
-            </a:solidFill>
-            <a:tailEnd type="arrow"/>
-          </a:ln>
-        </p:spPr>
-        <p:style>
-          <a:lnRef idx="1">
-            <a:schemeClr val="accent1"/>
-          </a:lnRef>
-          <a:fillRef idx="0">
-            <a:schemeClr val="accent1"/>
-          </a:fillRef>
-          <a:effectRef idx="0">
-            <a:schemeClr val="accent1"/>
-          </a:effectRef>
-          <a:fontRef idx="minor">
-            <a:schemeClr val="tx1"/>
-          </a:fontRef>
-        </p:style>
-      </p:cxnSp>
-      <p:sp>
-        <p:nvSpPr>
-          <p:cNvPr id="114" name="TextBox 113">
-            <a:extLst>
-              <a:ext uri="{FF2B5EF4-FFF2-40B4-BE49-F238E27FC236}">
-                <a16:creationId xmlns:a16="http://schemas.microsoft.com/office/drawing/2014/main" id="{CED1B44B-EFE6-42B0-8D8B-B466893BD71D}"/>
-              </a:ext>
-            </a:extLst>
-          </p:cNvPr>
-          <p:cNvSpPr txBox="1"/>
-          <p:nvPr/>
-        </p:nvSpPr>
-        <p:spPr>
-          <a:xfrm>
-            <a:off x="6821720" y="3966195"/>
-            <a:ext cx="1150818" cy="107722"/>
-          </a:xfrm>
-          <a:prstGeom prst="rect">
-            <a:avLst/>
-          </a:prstGeom>
-          <a:noFill/>
-        </p:spPr>
-        <p:txBody>
-          <a:bodyPr wrap="square" lIns="0" tIns="0" rIns="0" bIns="0" rtlCol="0">
-            <a:spAutoFit/>
-          </a:bodyPr>
-          <a:lstStyle>
-            <a:defPPr>
-              <a:defRPr lang="en-US"/>
-            </a:defPPr>
-            <a:lvl1pPr algn="r">
-              <a:defRPr sz="1400">
+              </a:ln>
+              <a:effectLst/>
+            </p:spPr>
+            <p:style>
+              <a:lnRef idx="1">
+                <a:schemeClr val="accent3"/>
+              </a:lnRef>
+              <a:fillRef idx="2">
+                <a:schemeClr val="accent3"/>
+              </a:fillRef>
+              <a:effectRef idx="1">
+                <a:schemeClr val="accent3"/>
+              </a:effectRef>
+              <a:fontRef idx="minor">
+                <a:schemeClr val="dk1"/>
+              </a:fontRef>
+            </p:style>
+            <p:txBody>
+              <a:bodyPr rtlCol="0" anchor="ctr"/>
+              <a:lstStyle/>
+              <a:p>
+                <a:pPr algn="ctr"/>
+                <a:endParaRPr lang="en-SG" sz="1400">
+                  <a:solidFill>
+                    <a:prstClr val="black"/>
+                  </a:solidFill>
+                  <a:latin typeface="Calibri"/>
+                </a:endParaRPr>
+              </a:p>
+            </p:txBody>
+          </p:sp>
+          <p:cxnSp>
+            <p:nvCxnSpPr>
+              <p:cNvPr id="87" name="Straight Arrow Connector 86">
+                <a:extLst>
+                  <a:ext uri="{FF2B5EF4-FFF2-40B4-BE49-F238E27FC236}">
+                    <a16:creationId xmlns:a16="http://schemas.microsoft.com/office/drawing/2014/main" id="{C1F56654-5A16-4CE7-ADF7-F9BEB172A431}"/>
+                  </a:ext>
+                </a:extLst>
+              </p:cNvPr>
+              <p:cNvCxnSpPr>
+                <a:cxnSpLocks/>
+              </p:cNvCxnSpPr>
+              <p:nvPr/>
+            </p:nvCxnSpPr>
+            <p:spPr>
+              <a:xfrm flipV="1">
+                <a:off x="4725418" y="2328883"/>
+                <a:ext cx="497670" cy="3325"/>
+              </a:xfrm>
+              <a:prstGeom prst="straightConnector1">
+                <a:avLst/>
+              </a:prstGeom>
+              <a:ln w="19050">
                 <a:solidFill>
                   <a:srgbClr val="0070C0"/>
                 </a:solidFill>
-              </a:defRPr>
-            </a:lvl1pPr>
-          </a:lstStyle>
-          <a:p>
-            <a:r>
-              <a:rPr lang="en-US" sz="700" dirty="0" err="1">
-                <a:latin typeface="Calibri"/>
-              </a:rPr>
-              <a:t>updatePayments</a:t>
-            </a:r>
-            <a:r>
-              <a:rPr lang="en-US" sz="700" dirty="0">
-                <a:latin typeface="Calibri"/>
-              </a:rPr>
-              <a:t>(l, p)</a:t>
-            </a:r>
-          </a:p>
-        </p:txBody>
-      </p:sp>
-      <p:cxnSp>
-        <p:nvCxnSpPr>
-          <p:cNvPr id="115" name="Straight Arrow Connector 114">
-            <a:extLst>
-              <a:ext uri="{FF2B5EF4-FFF2-40B4-BE49-F238E27FC236}">
-                <a16:creationId xmlns:a16="http://schemas.microsoft.com/office/drawing/2014/main" id="{2639CACC-CC7D-4331-AA72-1D1467FB44F6}"/>
-              </a:ext>
-            </a:extLst>
-          </p:cNvPr>
-          <p:cNvCxnSpPr>
-            <a:cxnSpLocks/>
-          </p:cNvCxnSpPr>
-          <p:nvPr/>
-        </p:nvCxnSpPr>
-        <p:spPr>
-          <a:xfrm>
-            <a:off x="5655463" y="4363718"/>
-            <a:ext cx="2456160" cy="0"/>
-          </a:xfrm>
-          <a:prstGeom prst="straightConnector1">
-            <a:avLst/>
-          </a:prstGeom>
-          <a:ln w="19050">
-            <a:solidFill>
-              <a:srgbClr val="0070C0"/>
-            </a:solidFill>
-            <a:prstDash val="sysDash"/>
-            <a:headEnd type="arrow" w="med" len="med"/>
-            <a:tailEnd type="none" w="med" len="med"/>
-          </a:ln>
-        </p:spPr>
-        <p:style>
-          <a:lnRef idx="1">
-            <a:schemeClr val="accent1"/>
-          </a:lnRef>
-          <a:fillRef idx="0">
-            <a:schemeClr val="accent1"/>
-          </a:fillRef>
-          <a:effectRef idx="0">
-            <a:schemeClr val="accent1"/>
-          </a:effectRef>
-          <a:fontRef idx="minor">
-            <a:schemeClr val="tx1"/>
-          </a:fontRef>
-        </p:style>
-      </p:cxnSp>
-      <p:sp>
-        <p:nvSpPr>
-          <p:cNvPr id="118" name="TextBox 117">
-            <a:extLst>
-              <a:ext uri="{FF2B5EF4-FFF2-40B4-BE49-F238E27FC236}">
-                <a16:creationId xmlns:a16="http://schemas.microsoft.com/office/drawing/2014/main" id="{B1018812-7701-4C64-9079-4B7D21DAB831}"/>
-              </a:ext>
-            </a:extLst>
-          </p:cNvPr>
-          <p:cNvSpPr txBox="1"/>
-          <p:nvPr/>
-        </p:nvSpPr>
-        <p:spPr>
-          <a:xfrm>
-            <a:off x="5956475" y="4421462"/>
-            <a:ext cx="220343" cy="215444"/>
-          </a:xfrm>
-          <a:prstGeom prst="rect">
-            <a:avLst/>
-          </a:prstGeom>
-          <a:noFill/>
-        </p:spPr>
-        <p:txBody>
-          <a:bodyPr wrap="square" lIns="0" tIns="0" rIns="0" bIns="0" rtlCol="0">
-            <a:spAutoFit/>
-          </a:bodyPr>
-          <a:lstStyle>
-            <a:defPPr>
-              <a:defRPr lang="en-US"/>
-            </a:defPPr>
-            <a:lvl1pPr algn="r">
-              <a:defRPr sz="1400">
+                <a:tailEnd type="arrow"/>
+              </a:ln>
+            </p:spPr>
+            <p:style>
+              <a:lnRef idx="1">
+                <a:schemeClr val="accent1"/>
+              </a:lnRef>
+              <a:fillRef idx="0">
+                <a:schemeClr val="accent1"/>
+              </a:fillRef>
+              <a:effectRef idx="0">
+                <a:schemeClr val="accent1"/>
+              </a:effectRef>
+              <a:fontRef idx="minor">
+                <a:schemeClr val="tx1"/>
+              </a:fontRef>
+            </p:style>
+          </p:cxnSp>
+          <p:sp>
+            <p:nvSpPr>
+              <p:cNvPr id="88" name="TextBox 87">
+                <a:extLst>
+                  <a:ext uri="{FF2B5EF4-FFF2-40B4-BE49-F238E27FC236}">
+                    <a16:creationId xmlns:a16="http://schemas.microsoft.com/office/drawing/2014/main" id="{2B651A5F-1952-4628-979F-89973D058CC1}"/>
+                  </a:ext>
+                </a:extLst>
+              </p:cNvPr>
+              <p:cNvSpPr txBox="1"/>
+              <p:nvPr/>
+            </p:nvSpPr>
+            <p:spPr>
+              <a:xfrm>
+                <a:off x="4426913" y="2319867"/>
+                <a:ext cx="621216" cy="215444"/>
+              </a:xfrm>
+              <a:prstGeom prst="rect">
+                <a:avLst/>
+              </a:prstGeom>
+              <a:noFill/>
+            </p:spPr>
+            <p:txBody>
+              <a:bodyPr wrap="square" lIns="0" tIns="0" rIns="0" bIns="0" rtlCol="0">
+                <a:spAutoFit/>
+              </a:bodyPr>
+              <a:lstStyle>
+                <a:defPPr>
+                  <a:defRPr lang="en-US"/>
+                </a:defPPr>
+                <a:lvl1pPr algn="r">
+                  <a:defRPr sz="1400">
+                    <a:solidFill>
+                      <a:srgbClr val="0070C0"/>
+                    </a:solidFill>
+                  </a:defRPr>
+                </a:lvl1pPr>
+              </a:lstStyle>
+              <a:p>
+                <a:r>
+                  <a:rPr lang="en-US" dirty="0">
+                    <a:latin typeface="Calibri"/>
+                  </a:rPr>
+                  <a:t>P</a:t>
+                </a:r>
+              </a:p>
+            </p:txBody>
+          </p:sp>
+          <p:cxnSp>
+            <p:nvCxnSpPr>
+              <p:cNvPr id="106" name="Straight Arrow Connector 105">
+                <a:extLst>
+                  <a:ext uri="{FF2B5EF4-FFF2-40B4-BE49-F238E27FC236}">
+                    <a16:creationId xmlns:a16="http://schemas.microsoft.com/office/drawing/2014/main" id="{864F3666-358B-4E3C-8BA7-F4A36DAA2D3E}"/>
+                  </a:ext>
+                </a:extLst>
+              </p:cNvPr>
+              <p:cNvCxnSpPr>
+                <a:cxnSpLocks/>
+                <a:endCxn id="39" idx="1"/>
+              </p:cNvCxnSpPr>
+              <p:nvPr/>
+            </p:nvCxnSpPr>
+            <p:spPr>
+              <a:xfrm flipV="1">
+                <a:off x="5678960" y="5059524"/>
+                <a:ext cx="4129470" cy="22620"/>
+              </a:xfrm>
+              <a:prstGeom prst="straightConnector1">
+                <a:avLst/>
+              </a:prstGeom>
+              <a:ln w="19050">
                 <a:solidFill>
                   <a:srgbClr val="0070C0"/>
                 </a:solidFill>
-              </a:defRPr>
-            </a:lvl1pPr>
-          </a:lstStyle>
-          <a:p>
-            <a:r>
-              <a:rPr lang="en-US" dirty="0">
-                <a:latin typeface="Calibri"/>
-              </a:rPr>
-              <a:t>l</a:t>
-            </a:r>
-          </a:p>
-        </p:txBody>
-      </p:sp>
+                <a:tailEnd type="arrow"/>
+              </a:ln>
+            </p:spPr>
+            <p:style>
+              <a:lnRef idx="1">
+                <a:schemeClr val="accent1"/>
+              </a:lnRef>
+              <a:fillRef idx="0">
+                <a:schemeClr val="accent1"/>
+              </a:fillRef>
+              <a:effectRef idx="0">
+                <a:schemeClr val="accent1"/>
+              </a:effectRef>
+              <a:fontRef idx="minor">
+                <a:schemeClr val="tx1"/>
+              </a:fontRef>
+            </p:style>
+          </p:cxnSp>
+          <p:cxnSp>
+            <p:nvCxnSpPr>
+              <p:cNvPr id="113" name="Straight Arrow Connector 112">
+                <a:extLst>
+                  <a:ext uri="{FF2B5EF4-FFF2-40B4-BE49-F238E27FC236}">
+                    <a16:creationId xmlns:a16="http://schemas.microsoft.com/office/drawing/2014/main" id="{E9D9E9E0-6F9C-489E-BED1-EEBD1F163A1E}"/>
+                  </a:ext>
+                </a:extLst>
+              </p:cNvPr>
+              <p:cNvCxnSpPr>
+                <a:cxnSpLocks/>
+              </p:cNvCxnSpPr>
+              <p:nvPr/>
+            </p:nvCxnSpPr>
+            <p:spPr>
+              <a:xfrm>
+                <a:off x="4837669" y="2903420"/>
+                <a:ext cx="733069" cy="6940"/>
+              </a:xfrm>
+              <a:prstGeom prst="straightConnector1">
+                <a:avLst/>
+              </a:prstGeom>
+              <a:ln w="19050">
+                <a:solidFill>
+                  <a:srgbClr val="0070C0"/>
+                </a:solidFill>
+                <a:prstDash val="sysDash"/>
+                <a:headEnd type="arrow" w="med" len="med"/>
+                <a:tailEnd type="none" w="med" len="med"/>
+              </a:ln>
+            </p:spPr>
+            <p:style>
+              <a:lnRef idx="1">
+                <a:schemeClr val="accent1"/>
+              </a:lnRef>
+              <a:fillRef idx="0">
+                <a:schemeClr val="accent1"/>
+              </a:fillRef>
+              <a:effectRef idx="0">
+                <a:schemeClr val="accent1"/>
+              </a:effectRef>
+              <a:fontRef idx="minor">
+                <a:schemeClr val="tx1"/>
+              </a:fontRef>
+            </p:style>
+          </p:cxnSp>
+          <p:sp>
+            <p:nvSpPr>
+              <p:cNvPr id="110" name="Rectangle 62">
+                <a:extLst>
+                  <a:ext uri="{FF2B5EF4-FFF2-40B4-BE49-F238E27FC236}">
+                    <a16:creationId xmlns:a16="http://schemas.microsoft.com/office/drawing/2014/main" id="{6C968E01-7754-4342-9297-E2BA5581E60B}"/>
+                  </a:ext>
+                </a:extLst>
+              </p:cNvPr>
+              <p:cNvSpPr/>
+              <p:nvPr/>
+            </p:nvSpPr>
+            <p:spPr>
+              <a:xfrm>
+                <a:off x="6637050" y="3089821"/>
+                <a:ext cx="926621" cy="230693"/>
+              </a:xfrm>
+              <a:prstGeom prst="rect">
+                <a:avLst/>
+              </a:prstGeom>
+              <a:solidFill>
+                <a:srgbClr val="0070C0"/>
+              </a:solidFill>
+              <a:ln w="19050">
+                <a:solidFill>
+                  <a:srgbClr val="0070C0"/>
+                </a:solidFill>
+              </a:ln>
+              <a:effectLst/>
+            </p:spPr>
+            <p:style>
+              <a:lnRef idx="1">
+                <a:schemeClr val="accent2"/>
+              </a:lnRef>
+              <a:fillRef idx="2">
+                <a:schemeClr val="accent2"/>
+              </a:fillRef>
+              <a:effectRef idx="1">
+                <a:schemeClr val="accent2"/>
+              </a:effectRef>
+              <a:fontRef idx="minor">
+                <a:schemeClr val="dk1"/>
+              </a:fontRef>
+            </p:style>
+            <p:txBody>
+              <a:bodyPr rtlCol="0" anchor="ctr"/>
+              <a:lstStyle/>
+              <a:p>
+                <a:pPr algn="ctr"/>
+                <a:r>
+                  <a:rPr lang="en-US" sz="1200" dirty="0">
+                    <a:solidFill>
+                      <a:prstClr val="white"/>
+                    </a:solidFill>
+                    <a:latin typeface="Calibri"/>
+                  </a:rPr>
+                  <a:t>t:Student</a:t>
+                </a:r>
+                <a:endParaRPr lang="en-SG" sz="1200" dirty="0">
+                  <a:solidFill>
+                    <a:prstClr val="white"/>
+                  </a:solidFill>
+                  <a:latin typeface="Calibri"/>
+                </a:endParaRPr>
+              </a:p>
+            </p:txBody>
+          </p:sp>
+          <p:sp>
+            <p:nvSpPr>
+              <p:cNvPr id="111" name="Rectangle 110">
+                <a:extLst>
+                  <a:ext uri="{FF2B5EF4-FFF2-40B4-BE49-F238E27FC236}">
+                    <a16:creationId xmlns:a16="http://schemas.microsoft.com/office/drawing/2014/main" id="{A4F5D6F6-860A-4BB1-995A-ABEB11B7279E}"/>
+                  </a:ext>
+                </a:extLst>
+              </p:cNvPr>
+              <p:cNvSpPr/>
+              <p:nvPr/>
+            </p:nvSpPr>
+            <p:spPr>
+              <a:xfrm>
+                <a:off x="7005165" y="3321056"/>
+                <a:ext cx="144923" cy="102175"/>
+              </a:xfrm>
+              <a:prstGeom prst="rect">
+                <a:avLst/>
+              </a:prstGeom>
+              <a:solidFill>
+                <a:srgbClr val="0070C0"/>
+              </a:solidFill>
+              <a:ln>
+                <a:solidFill>
+                  <a:srgbClr val="0070C0"/>
+                </a:solidFill>
+              </a:ln>
+              <a:effectLst/>
+            </p:spPr>
+            <p:style>
+              <a:lnRef idx="1">
+                <a:schemeClr val="accent3"/>
+              </a:lnRef>
+              <a:fillRef idx="2">
+                <a:schemeClr val="accent3"/>
+              </a:fillRef>
+              <a:effectRef idx="1">
+                <a:schemeClr val="accent3"/>
+              </a:effectRef>
+              <a:fontRef idx="minor">
+                <a:schemeClr val="dk1"/>
+              </a:fontRef>
+            </p:style>
+            <p:txBody>
+              <a:bodyPr rtlCol="0" anchor="ctr"/>
+              <a:lstStyle/>
+              <a:p>
+                <a:pPr algn="ctr"/>
+                <a:endParaRPr lang="en-SG" sz="1400">
+                  <a:solidFill>
+                    <a:prstClr val="black"/>
+                  </a:solidFill>
+                  <a:latin typeface="Calibri"/>
+                </a:endParaRPr>
+              </a:p>
+            </p:txBody>
+          </p:sp>
+          <p:cxnSp>
+            <p:nvCxnSpPr>
+              <p:cNvPr id="112" name="Straight Arrow Connector 111">
+                <a:extLst>
+                  <a:ext uri="{FF2B5EF4-FFF2-40B4-BE49-F238E27FC236}">
+                    <a16:creationId xmlns:a16="http://schemas.microsoft.com/office/drawing/2014/main" id="{FEE17AA2-658D-481B-B7CA-63854583D595}"/>
+                  </a:ext>
+                </a:extLst>
+              </p:cNvPr>
+              <p:cNvCxnSpPr>
+                <a:cxnSpLocks/>
+              </p:cNvCxnSpPr>
+              <p:nvPr/>
+            </p:nvCxnSpPr>
+            <p:spPr>
+              <a:xfrm>
+                <a:off x="5635220" y="3197778"/>
+                <a:ext cx="989518" cy="1090"/>
+              </a:xfrm>
+              <a:prstGeom prst="straightConnector1">
+                <a:avLst/>
+              </a:prstGeom>
+              <a:ln w="19050">
+                <a:solidFill>
+                  <a:srgbClr val="0070C0"/>
+                </a:solidFill>
+                <a:tailEnd type="arrow"/>
+              </a:ln>
+            </p:spPr>
+            <p:style>
+              <a:lnRef idx="1">
+                <a:schemeClr val="accent1"/>
+              </a:lnRef>
+              <a:fillRef idx="0">
+                <a:schemeClr val="accent1"/>
+              </a:fillRef>
+              <a:effectRef idx="0">
+                <a:schemeClr val="accent1"/>
+              </a:effectRef>
+              <a:fontRef idx="minor">
+                <a:schemeClr val="tx1"/>
+              </a:fontRef>
+            </p:style>
+          </p:cxnSp>
+          <p:sp>
+            <p:nvSpPr>
+              <p:cNvPr id="117" name="TextBox 116">
+                <a:extLst>
+                  <a:ext uri="{FF2B5EF4-FFF2-40B4-BE49-F238E27FC236}">
+                    <a16:creationId xmlns:a16="http://schemas.microsoft.com/office/drawing/2014/main" id="{024BEC88-DBB1-4E3E-B95C-397D4C80ABF8}"/>
+                  </a:ext>
+                </a:extLst>
+              </p:cNvPr>
+              <p:cNvSpPr txBox="1"/>
+              <p:nvPr/>
+            </p:nvSpPr>
+            <p:spPr>
+              <a:xfrm>
+                <a:off x="5465880" y="3035959"/>
+                <a:ext cx="1150818" cy="107722"/>
+              </a:xfrm>
+              <a:prstGeom prst="rect">
+                <a:avLst/>
+              </a:prstGeom>
+              <a:noFill/>
+            </p:spPr>
+            <p:txBody>
+              <a:bodyPr wrap="square" lIns="0" tIns="0" rIns="0" bIns="0" rtlCol="0">
+                <a:spAutoFit/>
+              </a:bodyPr>
+              <a:lstStyle>
+                <a:defPPr>
+                  <a:defRPr lang="en-US"/>
+                </a:defPPr>
+                <a:lvl1pPr algn="r">
+                  <a:defRPr sz="1400">
+                    <a:solidFill>
+                      <a:srgbClr val="0070C0"/>
+                    </a:solidFill>
+                  </a:defRPr>
+                </a:lvl1pPr>
+              </a:lstStyle>
+              <a:p>
+                <a:r>
+                  <a:rPr lang="en-US" sz="700" dirty="0" err="1">
+                    <a:latin typeface="Calibri"/>
+                  </a:rPr>
+                  <a:t>lastShownList.get</a:t>
+                </a:r>
+                <a:r>
+                  <a:rPr lang="en-US" sz="700" dirty="0">
+                    <a:latin typeface="Calibri"/>
+                  </a:rPr>
+                  <a:t>(index)</a:t>
+                </a:r>
+              </a:p>
+            </p:txBody>
+          </p:sp>
+          <p:cxnSp>
+            <p:nvCxnSpPr>
+              <p:cNvPr id="120" name="Straight Arrow Connector 119">
+                <a:extLst>
+                  <a:ext uri="{FF2B5EF4-FFF2-40B4-BE49-F238E27FC236}">
+                    <a16:creationId xmlns:a16="http://schemas.microsoft.com/office/drawing/2014/main" id="{7589CB95-3C96-4E2E-A917-2029539A6549}"/>
+                  </a:ext>
+                </a:extLst>
+              </p:cNvPr>
+              <p:cNvCxnSpPr>
+                <a:cxnSpLocks/>
+                <a:endCxn id="111" idx="2"/>
+              </p:cNvCxnSpPr>
+              <p:nvPr/>
+            </p:nvCxnSpPr>
+            <p:spPr>
+              <a:xfrm>
+                <a:off x="5685521" y="3418323"/>
+                <a:ext cx="1392106" cy="4908"/>
+              </a:xfrm>
+              <a:prstGeom prst="straightConnector1">
+                <a:avLst/>
+              </a:prstGeom>
+              <a:ln w="19050">
+                <a:solidFill>
+                  <a:srgbClr val="0070C0"/>
+                </a:solidFill>
+                <a:prstDash val="sysDash"/>
+                <a:headEnd type="arrow" w="med" len="med"/>
+                <a:tailEnd type="none" w="med" len="med"/>
+              </a:ln>
+            </p:spPr>
+            <p:style>
+              <a:lnRef idx="1">
+                <a:schemeClr val="accent1"/>
+              </a:lnRef>
+              <a:fillRef idx="0">
+                <a:schemeClr val="accent1"/>
+              </a:fillRef>
+              <a:effectRef idx="0">
+                <a:schemeClr val="accent1"/>
+              </a:effectRef>
+              <a:fontRef idx="minor">
+                <a:schemeClr val="tx1"/>
+              </a:fontRef>
+            </p:style>
+          </p:cxnSp>
+          <p:sp>
+            <p:nvSpPr>
+              <p:cNvPr id="124" name="Rectangle 123">
+                <a:extLst>
+                  <a:ext uri="{FF2B5EF4-FFF2-40B4-BE49-F238E27FC236}">
+                    <a16:creationId xmlns:a16="http://schemas.microsoft.com/office/drawing/2014/main" id="{01771306-C7F0-43DF-8B5E-58AE678F2DD3}"/>
+                  </a:ext>
+                </a:extLst>
+              </p:cNvPr>
+              <p:cNvSpPr/>
+              <p:nvPr/>
+            </p:nvSpPr>
+            <p:spPr>
+              <a:xfrm>
+                <a:off x="7024015" y="4723781"/>
+                <a:ext cx="187553" cy="102797"/>
+              </a:xfrm>
+              <a:prstGeom prst="rect">
+                <a:avLst/>
+              </a:prstGeom>
+              <a:solidFill>
+                <a:srgbClr val="0070C0"/>
+              </a:solidFill>
+              <a:ln>
+                <a:solidFill>
+                  <a:srgbClr val="0070C0"/>
+                </a:solidFill>
+              </a:ln>
+              <a:effectLst/>
+            </p:spPr>
+            <p:style>
+              <a:lnRef idx="1">
+                <a:schemeClr val="accent3"/>
+              </a:lnRef>
+              <a:fillRef idx="2">
+                <a:schemeClr val="accent3"/>
+              </a:fillRef>
+              <a:effectRef idx="1">
+                <a:schemeClr val="accent3"/>
+              </a:effectRef>
+              <a:fontRef idx="minor">
+                <a:schemeClr val="dk1"/>
+              </a:fontRef>
+            </p:style>
+            <p:txBody>
+              <a:bodyPr rtlCol="0" anchor="ctr"/>
+              <a:lstStyle/>
+              <a:p>
+                <a:pPr algn="ctr"/>
+                <a:endParaRPr lang="en-SG" sz="1400">
+                  <a:solidFill>
+                    <a:prstClr val="black"/>
+                  </a:solidFill>
+                  <a:latin typeface="Calibri"/>
+                </a:endParaRPr>
+              </a:p>
+            </p:txBody>
+          </p:sp>
+          <p:cxnSp>
+            <p:nvCxnSpPr>
+              <p:cNvPr id="127" name="Straight Arrow Connector 126">
+                <a:extLst>
+                  <a:ext uri="{FF2B5EF4-FFF2-40B4-BE49-F238E27FC236}">
+                    <a16:creationId xmlns:a16="http://schemas.microsoft.com/office/drawing/2014/main" id="{A8591612-65D1-4A60-B224-1C58D3BA2529}"/>
+                  </a:ext>
+                </a:extLst>
+              </p:cNvPr>
+              <p:cNvCxnSpPr>
+                <a:cxnSpLocks/>
+                <a:endCxn id="151" idx="1"/>
+              </p:cNvCxnSpPr>
+              <p:nvPr/>
+            </p:nvCxnSpPr>
+            <p:spPr>
+              <a:xfrm>
+                <a:off x="5655463" y="4620278"/>
+                <a:ext cx="981587" cy="0"/>
+              </a:xfrm>
+              <a:prstGeom prst="straightConnector1">
+                <a:avLst/>
+              </a:prstGeom>
+              <a:ln w="19050">
+                <a:solidFill>
+                  <a:srgbClr val="0070C0"/>
+                </a:solidFill>
+                <a:tailEnd type="arrow"/>
+              </a:ln>
+            </p:spPr>
+            <p:style>
+              <a:lnRef idx="1">
+                <a:schemeClr val="accent1"/>
+              </a:lnRef>
+              <a:fillRef idx="0">
+                <a:schemeClr val="accent1"/>
+              </a:fillRef>
+              <a:effectRef idx="0">
+                <a:schemeClr val="accent1"/>
+              </a:effectRef>
+              <a:fontRef idx="minor">
+                <a:schemeClr val="tx1"/>
+              </a:fontRef>
+            </p:style>
+          </p:cxnSp>
+          <p:cxnSp>
+            <p:nvCxnSpPr>
+              <p:cNvPr id="128" name="Straight Arrow Connector 127">
+                <a:extLst>
+                  <a:ext uri="{FF2B5EF4-FFF2-40B4-BE49-F238E27FC236}">
+                    <a16:creationId xmlns:a16="http://schemas.microsoft.com/office/drawing/2014/main" id="{097DD719-DCCB-41D3-B322-B838EE20C18C}"/>
+                  </a:ext>
+                </a:extLst>
+              </p:cNvPr>
+              <p:cNvCxnSpPr>
+                <a:cxnSpLocks/>
+                <a:endCxn id="124" idx="2"/>
+              </p:cNvCxnSpPr>
+              <p:nvPr/>
+            </p:nvCxnSpPr>
+            <p:spPr>
+              <a:xfrm>
+                <a:off x="5667212" y="4826578"/>
+                <a:ext cx="1450580" cy="0"/>
+              </a:xfrm>
+              <a:prstGeom prst="straightConnector1">
+                <a:avLst/>
+              </a:prstGeom>
+              <a:ln w="19050">
+                <a:solidFill>
+                  <a:srgbClr val="0070C0"/>
+                </a:solidFill>
+                <a:prstDash val="sysDash"/>
+                <a:headEnd type="arrow" w="med" len="med"/>
+                <a:tailEnd type="none" w="med" len="med"/>
+              </a:ln>
+            </p:spPr>
+            <p:style>
+              <a:lnRef idx="1">
+                <a:schemeClr val="accent1"/>
+              </a:lnRef>
+              <a:fillRef idx="0">
+                <a:schemeClr val="accent1"/>
+              </a:fillRef>
+              <a:effectRef idx="0">
+                <a:schemeClr val="accent1"/>
+              </a:effectRef>
+              <a:fontRef idx="minor">
+                <a:schemeClr val="tx1"/>
+              </a:fontRef>
+            </p:style>
+          </p:cxnSp>
+          <p:sp>
+            <p:nvSpPr>
+              <p:cNvPr id="151" name="Rectangle 62">
+                <a:extLst>
+                  <a:ext uri="{FF2B5EF4-FFF2-40B4-BE49-F238E27FC236}">
+                    <a16:creationId xmlns:a16="http://schemas.microsoft.com/office/drawing/2014/main" id="{E6B25D8A-1B38-49D7-B8F6-23AAE389A47C}"/>
+                  </a:ext>
+                </a:extLst>
+              </p:cNvPr>
+              <p:cNvSpPr/>
+              <p:nvPr/>
+            </p:nvSpPr>
+            <p:spPr>
+              <a:xfrm>
+                <a:off x="6637050" y="4504931"/>
+                <a:ext cx="989046" cy="230693"/>
+              </a:xfrm>
+              <a:prstGeom prst="rect">
+                <a:avLst/>
+              </a:prstGeom>
+              <a:solidFill>
+                <a:srgbClr val="0070C0"/>
+              </a:solidFill>
+              <a:ln w="19050">
+                <a:solidFill>
+                  <a:srgbClr val="0070C0"/>
+                </a:solidFill>
+              </a:ln>
+              <a:effectLst/>
+            </p:spPr>
+            <p:style>
+              <a:lnRef idx="1">
+                <a:schemeClr val="accent2"/>
+              </a:lnRef>
+              <a:fillRef idx="2">
+                <a:schemeClr val="accent2"/>
+              </a:fillRef>
+              <a:effectRef idx="1">
+                <a:schemeClr val="accent2"/>
+              </a:effectRef>
+              <a:fontRef idx="minor">
+                <a:schemeClr val="dk1"/>
+              </a:fontRef>
+            </p:style>
+            <p:txBody>
+              <a:bodyPr rtlCol="0" anchor="ctr"/>
+              <a:lstStyle/>
+              <a:p>
+                <a:pPr algn="ctr"/>
+                <a:r>
+                  <a:rPr lang="en-US" sz="1000" dirty="0" err="1">
+                    <a:solidFill>
+                      <a:prstClr val="white"/>
+                    </a:solidFill>
+                    <a:latin typeface="Calibri"/>
+                  </a:rPr>
+                  <a:t>edited:Student</a:t>
+                </a:r>
+                <a:endParaRPr lang="en-SG" sz="1000" dirty="0">
+                  <a:solidFill>
+                    <a:prstClr val="white"/>
+                  </a:solidFill>
+                  <a:latin typeface="Calibri"/>
+                </a:endParaRPr>
+              </a:p>
+            </p:txBody>
+          </p:sp>
+          <p:cxnSp>
+            <p:nvCxnSpPr>
+              <p:cNvPr id="89" name="Straight Connector 88">
+                <a:extLst>
+                  <a:ext uri="{FF2B5EF4-FFF2-40B4-BE49-F238E27FC236}">
+                    <a16:creationId xmlns:a16="http://schemas.microsoft.com/office/drawing/2014/main" id="{3C52FF72-1AFF-4CFD-B58A-8AA853F51E06}"/>
+                  </a:ext>
+                </a:extLst>
+              </p:cNvPr>
+              <p:cNvCxnSpPr>
+                <a:cxnSpLocks/>
+              </p:cNvCxnSpPr>
+              <p:nvPr/>
+            </p:nvCxnSpPr>
+            <p:spPr>
+              <a:xfrm>
+                <a:off x="7077627" y="3299962"/>
+                <a:ext cx="0" cy="728478"/>
+              </a:xfrm>
+              <a:prstGeom prst="line">
+                <a:avLst/>
+              </a:prstGeom>
+              <a:ln w="19050">
+                <a:solidFill>
+                  <a:srgbClr val="0070C0"/>
+                </a:solidFill>
+                <a:prstDash val="sysDash"/>
+              </a:ln>
+              <a:effectLst/>
+            </p:spPr>
+            <p:style>
+              <a:lnRef idx="1">
+                <a:schemeClr val="accent1"/>
+              </a:lnRef>
+              <a:fillRef idx="2">
+                <a:schemeClr val="accent1"/>
+              </a:fillRef>
+              <a:effectRef idx="1">
+                <a:schemeClr val="accent1"/>
+              </a:effectRef>
+              <a:fontRef idx="minor">
+                <a:schemeClr val="dk1"/>
+              </a:fontRef>
+            </p:style>
+          </p:cxnSp>
+          <p:sp>
+            <p:nvSpPr>
+              <p:cNvPr id="91" name="Rectangle 90">
+                <a:extLst>
+                  <a:ext uri="{FF2B5EF4-FFF2-40B4-BE49-F238E27FC236}">
+                    <a16:creationId xmlns:a16="http://schemas.microsoft.com/office/drawing/2014/main" id="{27739D36-84D0-4EC7-99BB-3DC63996C25E}"/>
+                  </a:ext>
+                </a:extLst>
+              </p:cNvPr>
+              <p:cNvSpPr/>
+              <p:nvPr/>
+            </p:nvSpPr>
+            <p:spPr>
+              <a:xfrm>
+                <a:off x="7014536" y="3533248"/>
+                <a:ext cx="124308" cy="402673"/>
+              </a:xfrm>
+              <a:prstGeom prst="rect">
+                <a:avLst/>
+              </a:prstGeom>
+              <a:solidFill>
+                <a:srgbClr val="0070C0"/>
+              </a:solidFill>
+              <a:ln>
+                <a:solidFill>
+                  <a:srgbClr val="0070C0"/>
+                </a:solidFill>
+              </a:ln>
+              <a:effectLst/>
+            </p:spPr>
+            <p:style>
+              <a:lnRef idx="1">
+                <a:schemeClr val="accent3"/>
+              </a:lnRef>
+              <a:fillRef idx="2">
+                <a:schemeClr val="accent3"/>
+              </a:fillRef>
+              <a:effectRef idx="1">
+                <a:schemeClr val="accent3"/>
+              </a:effectRef>
+              <a:fontRef idx="minor">
+                <a:schemeClr val="dk1"/>
+              </a:fontRef>
+            </p:style>
+            <p:txBody>
+              <a:bodyPr rtlCol="0" anchor="ctr"/>
+              <a:lstStyle/>
+              <a:p>
+                <a:pPr algn="ctr"/>
+                <a:endParaRPr lang="en-SG" sz="1400">
+                  <a:solidFill>
+                    <a:prstClr val="black"/>
+                  </a:solidFill>
+                  <a:latin typeface="Calibri"/>
+                </a:endParaRPr>
+              </a:p>
+            </p:txBody>
+          </p:sp>
+          <p:cxnSp>
+            <p:nvCxnSpPr>
+              <p:cNvPr id="94" name="Straight Arrow Connector 93">
+                <a:extLst>
+                  <a:ext uri="{FF2B5EF4-FFF2-40B4-BE49-F238E27FC236}">
+                    <a16:creationId xmlns:a16="http://schemas.microsoft.com/office/drawing/2014/main" id="{42384EDF-EAEC-4D9B-B300-246D17B69F64}"/>
+                  </a:ext>
+                </a:extLst>
+              </p:cNvPr>
+              <p:cNvCxnSpPr>
+                <a:cxnSpLocks/>
+              </p:cNvCxnSpPr>
+              <p:nvPr/>
+            </p:nvCxnSpPr>
+            <p:spPr>
+              <a:xfrm>
+                <a:off x="5673586" y="3925537"/>
+                <a:ext cx="1392106" cy="4908"/>
+              </a:xfrm>
+              <a:prstGeom prst="straightConnector1">
+                <a:avLst/>
+              </a:prstGeom>
+              <a:ln w="19050">
+                <a:solidFill>
+                  <a:srgbClr val="0070C0"/>
+                </a:solidFill>
+                <a:prstDash val="sysDash"/>
+                <a:headEnd type="arrow" w="med" len="med"/>
+                <a:tailEnd type="none" w="med" len="med"/>
+              </a:ln>
+            </p:spPr>
+            <p:style>
+              <a:lnRef idx="1">
+                <a:schemeClr val="accent1"/>
+              </a:lnRef>
+              <a:fillRef idx="0">
+                <a:schemeClr val="accent1"/>
+              </a:fillRef>
+              <a:effectRef idx="0">
+                <a:schemeClr val="accent1"/>
+              </a:effectRef>
+              <a:fontRef idx="minor">
+                <a:schemeClr val="tx1"/>
+              </a:fontRef>
+            </p:style>
+          </p:cxnSp>
+          <p:cxnSp>
+            <p:nvCxnSpPr>
+              <p:cNvPr id="96" name="Straight Arrow Connector 95">
+                <a:extLst>
+                  <a:ext uri="{FF2B5EF4-FFF2-40B4-BE49-F238E27FC236}">
+                    <a16:creationId xmlns:a16="http://schemas.microsoft.com/office/drawing/2014/main" id="{5C148ACD-B02E-4E4C-A941-E725C5C105DF}"/>
+                  </a:ext>
+                </a:extLst>
+              </p:cNvPr>
+              <p:cNvCxnSpPr>
+                <a:cxnSpLocks/>
+              </p:cNvCxnSpPr>
+              <p:nvPr/>
+            </p:nvCxnSpPr>
+            <p:spPr>
+              <a:xfrm>
+                <a:off x="7140720" y="3602424"/>
+                <a:ext cx="591040" cy="141"/>
+              </a:xfrm>
+              <a:prstGeom prst="straightConnector1">
+                <a:avLst/>
+              </a:prstGeom>
+              <a:ln w="19050">
+                <a:solidFill>
+                  <a:srgbClr val="0070C0"/>
+                </a:solidFill>
+                <a:tailEnd type="arrow"/>
+              </a:ln>
+            </p:spPr>
+            <p:style>
+              <a:lnRef idx="1">
+                <a:schemeClr val="accent1"/>
+              </a:lnRef>
+              <a:fillRef idx="0">
+                <a:schemeClr val="accent1"/>
+              </a:fillRef>
+              <a:effectRef idx="0">
+                <a:schemeClr val="accent1"/>
+              </a:effectRef>
+              <a:fontRef idx="minor">
+                <a:schemeClr val="tx1"/>
+              </a:fontRef>
+            </p:style>
+          </p:cxnSp>
+          <p:cxnSp>
+            <p:nvCxnSpPr>
+              <p:cNvPr id="97" name="Straight Arrow Connector 96">
+                <a:extLst>
+                  <a:ext uri="{FF2B5EF4-FFF2-40B4-BE49-F238E27FC236}">
+                    <a16:creationId xmlns:a16="http://schemas.microsoft.com/office/drawing/2014/main" id="{19ADF5F6-152B-4A86-9E88-3F66FD422235}"/>
+                  </a:ext>
+                </a:extLst>
+              </p:cNvPr>
+              <p:cNvCxnSpPr>
+                <a:cxnSpLocks/>
+              </p:cNvCxnSpPr>
+              <p:nvPr/>
+            </p:nvCxnSpPr>
+            <p:spPr>
+              <a:xfrm>
+                <a:off x="7138843" y="3820487"/>
+                <a:ext cx="972781" cy="0"/>
+              </a:xfrm>
+              <a:prstGeom prst="straightConnector1">
+                <a:avLst/>
+              </a:prstGeom>
+              <a:ln w="19050">
+                <a:solidFill>
+                  <a:srgbClr val="0070C0"/>
+                </a:solidFill>
+                <a:prstDash val="sysDash"/>
+                <a:headEnd type="arrow" w="med" len="med"/>
+                <a:tailEnd type="none" w="med" len="med"/>
+              </a:ln>
+            </p:spPr>
+            <p:style>
+              <a:lnRef idx="1">
+                <a:schemeClr val="accent1"/>
+              </a:lnRef>
+              <a:fillRef idx="0">
+                <a:schemeClr val="accent1"/>
+              </a:fillRef>
+              <a:effectRef idx="0">
+                <a:schemeClr val="accent1"/>
+              </a:effectRef>
+              <a:fontRef idx="minor">
+                <a:schemeClr val="tx1"/>
+              </a:fontRef>
+            </p:style>
+          </p:cxnSp>
+          <p:sp>
+            <p:nvSpPr>
+              <p:cNvPr id="98" name="TextBox 97">
+                <a:extLst>
+                  <a:ext uri="{FF2B5EF4-FFF2-40B4-BE49-F238E27FC236}">
+                    <a16:creationId xmlns:a16="http://schemas.microsoft.com/office/drawing/2014/main" id="{6BF14BD3-52B4-486D-8DBE-D7B6178D4C1A}"/>
+                  </a:ext>
+                </a:extLst>
+              </p:cNvPr>
+              <p:cNvSpPr txBox="1"/>
+              <p:nvPr/>
+            </p:nvSpPr>
+            <p:spPr>
+              <a:xfrm>
+                <a:off x="6584159" y="3435937"/>
+                <a:ext cx="1150818" cy="107722"/>
+              </a:xfrm>
+              <a:prstGeom prst="rect">
+                <a:avLst/>
+              </a:prstGeom>
+              <a:noFill/>
+            </p:spPr>
+            <p:txBody>
+              <a:bodyPr wrap="square" lIns="0" tIns="0" rIns="0" bIns="0" rtlCol="0">
+                <a:spAutoFit/>
+              </a:bodyPr>
+              <a:lstStyle>
+                <a:defPPr>
+                  <a:defRPr lang="en-US"/>
+                </a:defPPr>
+                <a:lvl1pPr algn="r">
+                  <a:defRPr sz="1400">
+                    <a:solidFill>
+                      <a:srgbClr val="0070C0"/>
+                    </a:solidFill>
+                  </a:defRPr>
+                </a:lvl1pPr>
+              </a:lstStyle>
+              <a:p>
+                <a:r>
+                  <a:rPr lang="en-US" sz="700" dirty="0" err="1">
+                    <a:latin typeface="Calibri"/>
+                  </a:rPr>
+                  <a:t>getPayments</a:t>
+                </a:r>
+                <a:r>
+                  <a:rPr lang="en-US" sz="700" dirty="0">
+                    <a:latin typeface="Calibri"/>
+                  </a:rPr>
+                  <a:t>()</a:t>
+                </a:r>
+              </a:p>
+            </p:txBody>
+          </p:sp>
+          <p:sp>
+            <p:nvSpPr>
+              <p:cNvPr id="99" name="Rectangle 62">
+                <a:extLst>
+                  <a:ext uri="{FF2B5EF4-FFF2-40B4-BE49-F238E27FC236}">
+                    <a16:creationId xmlns:a16="http://schemas.microsoft.com/office/drawing/2014/main" id="{FBE52BE1-83B1-4044-832A-21CFA28B823E}"/>
+                  </a:ext>
+                </a:extLst>
+              </p:cNvPr>
+              <p:cNvSpPr/>
+              <p:nvPr/>
+            </p:nvSpPr>
+            <p:spPr>
+              <a:xfrm>
+                <a:off x="7743509" y="3487077"/>
+                <a:ext cx="926621" cy="230693"/>
+              </a:xfrm>
+              <a:prstGeom prst="rect">
+                <a:avLst/>
+              </a:prstGeom>
+              <a:solidFill>
+                <a:srgbClr val="0070C0"/>
+              </a:solidFill>
+              <a:ln w="19050">
+                <a:solidFill>
+                  <a:srgbClr val="0070C0"/>
+                </a:solidFill>
+              </a:ln>
+              <a:effectLst/>
+            </p:spPr>
+            <p:style>
+              <a:lnRef idx="1">
+                <a:schemeClr val="accent2"/>
+              </a:lnRef>
+              <a:fillRef idx="2">
+                <a:schemeClr val="accent2"/>
+              </a:fillRef>
+              <a:effectRef idx="1">
+                <a:schemeClr val="accent2"/>
+              </a:effectRef>
+              <a:fontRef idx="minor">
+                <a:schemeClr val="dk1"/>
+              </a:fontRef>
+            </p:style>
+            <p:txBody>
+              <a:bodyPr rtlCol="0" anchor="ctr"/>
+              <a:lstStyle/>
+              <a:p>
+                <a:pPr algn="ctr"/>
+                <a:r>
+                  <a:rPr lang="en-US" sz="800" dirty="0">
+                    <a:solidFill>
+                      <a:prstClr val="white"/>
+                    </a:solidFill>
+                    <a:latin typeface="Calibri"/>
+                  </a:rPr>
+                  <a:t>l:List&lt;Payments&gt;</a:t>
+                </a:r>
+                <a:endParaRPr lang="en-SG" sz="800" dirty="0">
+                  <a:solidFill>
+                    <a:prstClr val="white"/>
+                  </a:solidFill>
+                  <a:latin typeface="Calibri"/>
+                </a:endParaRPr>
+              </a:p>
+            </p:txBody>
+          </p:sp>
+          <p:sp>
+            <p:nvSpPr>
+              <p:cNvPr id="100" name="Rectangle 99">
+                <a:extLst>
+                  <a:ext uri="{FF2B5EF4-FFF2-40B4-BE49-F238E27FC236}">
+                    <a16:creationId xmlns:a16="http://schemas.microsoft.com/office/drawing/2014/main" id="{D229B755-5805-4A80-91B2-FEDEE15C495C}"/>
+                  </a:ext>
+                </a:extLst>
+              </p:cNvPr>
+              <p:cNvSpPr/>
+              <p:nvPr/>
+            </p:nvSpPr>
+            <p:spPr>
+              <a:xfrm>
+                <a:off x="8111624" y="3718312"/>
+                <a:ext cx="144923" cy="102175"/>
+              </a:xfrm>
+              <a:prstGeom prst="rect">
+                <a:avLst/>
+              </a:prstGeom>
+              <a:solidFill>
+                <a:srgbClr val="0070C0"/>
+              </a:solidFill>
+              <a:ln>
+                <a:solidFill>
+                  <a:srgbClr val="0070C0"/>
+                </a:solidFill>
+              </a:ln>
+              <a:effectLst/>
+            </p:spPr>
+            <p:style>
+              <a:lnRef idx="1">
+                <a:schemeClr val="accent3"/>
+              </a:lnRef>
+              <a:fillRef idx="2">
+                <a:schemeClr val="accent3"/>
+              </a:fillRef>
+              <a:effectRef idx="1">
+                <a:schemeClr val="accent3"/>
+              </a:effectRef>
+              <a:fontRef idx="minor">
+                <a:schemeClr val="dk1"/>
+              </a:fontRef>
+            </p:style>
+            <p:txBody>
+              <a:bodyPr rtlCol="0" anchor="ctr"/>
+              <a:lstStyle/>
+              <a:p>
+                <a:pPr algn="ctr"/>
+                <a:endParaRPr lang="en-SG" sz="1400">
+                  <a:solidFill>
+                    <a:prstClr val="black"/>
+                  </a:solidFill>
+                  <a:latin typeface="Calibri"/>
+                </a:endParaRPr>
+              </a:p>
+            </p:txBody>
+          </p:sp>
+          <p:sp>
+            <p:nvSpPr>
+              <p:cNvPr id="101" name="TextBox 100">
+                <a:extLst>
+                  <a:ext uri="{FF2B5EF4-FFF2-40B4-BE49-F238E27FC236}">
+                    <a16:creationId xmlns:a16="http://schemas.microsoft.com/office/drawing/2014/main" id="{4FFDA7D7-5B61-4979-83C4-DE0F52D01109}"/>
+                  </a:ext>
+                </a:extLst>
+              </p:cNvPr>
+              <p:cNvSpPr txBox="1"/>
+              <p:nvPr/>
+            </p:nvSpPr>
+            <p:spPr>
+              <a:xfrm>
+                <a:off x="6197815" y="3712105"/>
+                <a:ext cx="220343" cy="215444"/>
+              </a:xfrm>
+              <a:prstGeom prst="rect">
+                <a:avLst/>
+              </a:prstGeom>
+              <a:noFill/>
+            </p:spPr>
+            <p:txBody>
+              <a:bodyPr wrap="square" lIns="0" tIns="0" rIns="0" bIns="0" rtlCol="0">
+                <a:spAutoFit/>
+              </a:bodyPr>
+              <a:lstStyle>
+                <a:defPPr>
+                  <a:defRPr lang="en-US"/>
+                </a:defPPr>
+                <a:lvl1pPr algn="r">
+                  <a:defRPr sz="1400">
+                    <a:solidFill>
+                      <a:srgbClr val="0070C0"/>
+                    </a:solidFill>
+                  </a:defRPr>
+                </a:lvl1pPr>
+              </a:lstStyle>
+              <a:p>
+                <a:r>
+                  <a:rPr lang="en-US" dirty="0">
+                    <a:latin typeface="Calibri"/>
+                  </a:rPr>
+                  <a:t>l</a:t>
+                </a:r>
+              </a:p>
+            </p:txBody>
+          </p:sp>
+          <p:cxnSp>
+            <p:nvCxnSpPr>
+              <p:cNvPr id="102" name="Straight Connector 101">
+                <a:extLst>
+                  <a:ext uri="{FF2B5EF4-FFF2-40B4-BE49-F238E27FC236}">
+                    <a16:creationId xmlns:a16="http://schemas.microsoft.com/office/drawing/2014/main" id="{347EB980-93F3-4661-BFCE-7572AC377838}"/>
+                  </a:ext>
+                </a:extLst>
+              </p:cNvPr>
+              <p:cNvCxnSpPr>
+                <a:cxnSpLocks/>
+              </p:cNvCxnSpPr>
+              <p:nvPr/>
+            </p:nvCxnSpPr>
+            <p:spPr>
+              <a:xfrm>
+                <a:off x="8180668" y="3640396"/>
+                <a:ext cx="0" cy="723324"/>
+              </a:xfrm>
+              <a:prstGeom prst="line">
+                <a:avLst/>
+              </a:prstGeom>
+              <a:ln w="19050">
+                <a:solidFill>
+                  <a:srgbClr val="0070C0"/>
+                </a:solidFill>
+                <a:prstDash val="sysDash"/>
+              </a:ln>
+              <a:effectLst/>
+            </p:spPr>
+            <p:style>
+              <a:lnRef idx="1">
+                <a:schemeClr val="accent1"/>
+              </a:lnRef>
+              <a:fillRef idx="2">
+                <a:schemeClr val="accent1"/>
+              </a:fillRef>
+              <a:effectRef idx="1">
+                <a:schemeClr val="accent1"/>
+              </a:effectRef>
+              <a:fontRef idx="minor">
+                <a:schemeClr val="dk1"/>
+              </a:fontRef>
+            </p:style>
+          </p:cxnSp>
+          <p:sp>
+            <p:nvSpPr>
+              <p:cNvPr id="103" name="Rectangle 102">
+                <a:extLst>
+                  <a:ext uri="{FF2B5EF4-FFF2-40B4-BE49-F238E27FC236}">
+                    <a16:creationId xmlns:a16="http://schemas.microsoft.com/office/drawing/2014/main" id="{A13B574E-3DBC-4EE8-ACDD-D66B11DFF994}"/>
+                  </a:ext>
+                </a:extLst>
+              </p:cNvPr>
+              <p:cNvSpPr/>
+              <p:nvPr/>
+            </p:nvSpPr>
+            <p:spPr>
+              <a:xfrm>
+                <a:off x="8117578" y="4097316"/>
+                <a:ext cx="138942" cy="266402"/>
+              </a:xfrm>
+              <a:prstGeom prst="rect">
+                <a:avLst/>
+              </a:prstGeom>
+              <a:solidFill>
+                <a:srgbClr val="0070C0"/>
+              </a:solidFill>
+              <a:ln>
+                <a:solidFill>
+                  <a:srgbClr val="0070C0"/>
+                </a:solidFill>
+              </a:ln>
+              <a:effectLst/>
+            </p:spPr>
+            <p:style>
+              <a:lnRef idx="1">
+                <a:schemeClr val="accent3"/>
+              </a:lnRef>
+              <a:fillRef idx="2">
+                <a:schemeClr val="accent3"/>
+              </a:fillRef>
+              <a:effectRef idx="1">
+                <a:schemeClr val="accent3"/>
+              </a:effectRef>
+              <a:fontRef idx="minor">
+                <a:schemeClr val="dk1"/>
+              </a:fontRef>
+            </p:style>
+            <p:txBody>
+              <a:bodyPr rtlCol="0" anchor="ctr"/>
+              <a:lstStyle/>
+              <a:p>
+                <a:pPr algn="ctr"/>
+                <a:endParaRPr lang="en-SG" sz="1400">
+                  <a:solidFill>
+                    <a:prstClr val="black"/>
+                  </a:solidFill>
+                  <a:latin typeface="Calibri"/>
+                </a:endParaRPr>
+              </a:p>
+            </p:txBody>
+          </p:sp>
+          <p:cxnSp>
+            <p:nvCxnSpPr>
+              <p:cNvPr id="107" name="Straight Arrow Connector 106">
+                <a:extLst>
+                  <a:ext uri="{FF2B5EF4-FFF2-40B4-BE49-F238E27FC236}">
+                    <a16:creationId xmlns:a16="http://schemas.microsoft.com/office/drawing/2014/main" id="{4E152355-9291-4494-9655-286C83458D28}"/>
+                  </a:ext>
+                </a:extLst>
+              </p:cNvPr>
+              <p:cNvCxnSpPr>
+                <a:cxnSpLocks/>
+              </p:cNvCxnSpPr>
+              <p:nvPr/>
+            </p:nvCxnSpPr>
+            <p:spPr>
+              <a:xfrm>
+                <a:off x="5689976" y="4097316"/>
+                <a:ext cx="2421648" cy="0"/>
+              </a:xfrm>
+              <a:prstGeom prst="straightConnector1">
+                <a:avLst/>
+              </a:prstGeom>
+              <a:ln w="19050">
+                <a:solidFill>
+                  <a:srgbClr val="0070C0"/>
+                </a:solidFill>
+                <a:tailEnd type="arrow"/>
+              </a:ln>
+            </p:spPr>
+            <p:style>
+              <a:lnRef idx="1">
+                <a:schemeClr val="accent1"/>
+              </a:lnRef>
+              <a:fillRef idx="0">
+                <a:schemeClr val="accent1"/>
+              </a:fillRef>
+              <a:effectRef idx="0">
+                <a:schemeClr val="accent1"/>
+              </a:effectRef>
+              <a:fontRef idx="minor">
+                <a:schemeClr val="tx1"/>
+              </a:fontRef>
+            </p:style>
+          </p:cxnSp>
+          <p:sp>
+            <p:nvSpPr>
+              <p:cNvPr id="114" name="TextBox 113">
+                <a:extLst>
+                  <a:ext uri="{FF2B5EF4-FFF2-40B4-BE49-F238E27FC236}">
+                    <a16:creationId xmlns:a16="http://schemas.microsoft.com/office/drawing/2014/main" id="{CED1B44B-EFE6-42B0-8D8B-B466893BD71D}"/>
+                  </a:ext>
+                </a:extLst>
+              </p:cNvPr>
+              <p:cNvSpPr txBox="1"/>
+              <p:nvPr/>
+            </p:nvSpPr>
+            <p:spPr>
+              <a:xfrm>
+                <a:off x="6821720" y="3966195"/>
+                <a:ext cx="1150818" cy="107722"/>
+              </a:xfrm>
+              <a:prstGeom prst="rect">
+                <a:avLst/>
+              </a:prstGeom>
+              <a:noFill/>
+            </p:spPr>
+            <p:txBody>
+              <a:bodyPr wrap="square" lIns="0" tIns="0" rIns="0" bIns="0" rtlCol="0">
+                <a:spAutoFit/>
+              </a:bodyPr>
+              <a:lstStyle>
+                <a:defPPr>
+                  <a:defRPr lang="en-US"/>
+                </a:defPPr>
+                <a:lvl1pPr algn="r">
+                  <a:defRPr sz="1400">
+                    <a:solidFill>
+                      <a:srgbClr val="0070C0"/>
+                    </a:solidFill>
+                  </a:defRPr>
+                </a:lvl1pPr>
+              </a:lstStyle>
+              <a:p>
+                <a:r>
+                  <a:rPr lang="en-US" sz="700" dirty="0" err="1">
+                    <a:latin typeface="Calibri"/>
+                  </a:rPr>
+                  <a:t>updatePayments</a:t>
+                </a:r>
+                <a:r>
+                  <a:rPr lang="en-US" sz="700" dirty="0">
+                    <a:latin typeface="Calibri"/>
+                  </a:rPr>
+                  <a:t>(l, p)</a:t>
+                </a:r>
+              </a:p>
+            </p:txBody>
+          </p:sp>
+          <p:cxnSp>
+            <p:nvCxnSpPr>
+              <p:cNvPr id="115" name="Straight Arrow Connector 114">
+                <a:extLst>
+                  <a:ext uri="{FF2B5EF4-FFF2-40B4-BE49-F238E27FC236}">
+                    <a16:creationId xmlns:a16="http://schemas.microsoft.com/office/drawing/2014/main" id="{2639CACC-CC7D-4331-AA72-1D1467FB44F6}"/>
+                  </a:ext>
+                </a:extLst>
+              </p:cNvPr>
+              <p:cNvCxnSpPr>
+                <a:cxnSpLocks/>
+              </p:cNvCxnSpPr>
+              <p:nvPr/>
+            </p:nvCxnSpPr>
+            <p:spPr>
+              <a:xfrm>
+                <a:off x="5655463" y="4363718"/>
+                <a:ext cx="2456160" cy="0"/>
+              </a:xfrm>
+              <a:prstGeom prst="straightConnector1">
+                <a:avLst/>
+              </a:prstGeom>
+              <a:ln w="19050">
+                <a:solidFill>
+                  <a:srgbClr val="0070C0"/>
+                </a:solidFill>
+                <a:prstDash val="sysDash"/>
+                <a:headEnd type="arrow" w="med" len="med"/>
+                <a:tailEnd type="none" w="med" len="med"/>
+              </a:ln>
+            </p:spPr>
+            <p:style>
+              <a:lnRef idx="1">
+                <a:schemeClr val="accent1"/>
+              </a:lnRef>
+              <a:fillRef idx="0">
+                <a:schemeClr val="accent1"/>
+              </a:fillRef>
+              <a:effectRef idx="0">
+                <a:schemeClr val="accent1"/>
+              </a:effectRef>
+              <a:fontRef idx="minor">
+                <a:schemeClr val="tx1"/>
+              </a:fontRef>
+            </p:style>
+          </p:cxnSp>
+          <p:sp>
+            <p:nvSpPr>
+              <p:cNvPr id="118" name="TextBox 117">
+                <a:extLst>
+                  <a:ext uri="{FF2B5EF4-FFF2-40B4-BE49-F238E27FC236}">
+                    <a16:creationId xmlns:a16="http://schemas.microsoft.com/office/drawing/2014/main" id="{B1018812-7701-4C64-9079-4B7D21DAB831}"/>
+                  </a:ext>
+                </a:extLst>
+              </p:cNvPr>
+              <p:cNvSpPr txBox="1"/>
+              <p:nvPr/>
+            </p:nvSpPr>
+            <p:spPr>
+              <a:xfrm>
+                <a:off x="5956475" y="4421462"/>
+                <a:ext cx="220343" cy="215444"/>
+              </a:xfrm>
+              <a:prstGeom prst="rect">
+                <a:avLst/>
+              </a:prstGeom>
+              <a:noFill/>
+            </p:spPr>
+            <p:txBody>
+              <a:bodyPr wrap="square" lIns="0" tIns="0" rIns="0" bIns="0" rtlCol="0">
+                <a:spAutoFit/>
+              </a:bodyPr>
+              <a:lstStyle>
+                <a:defPPr>
+                  <a:defRPr lang="en-US"/>
+                </a:defPPr>
+                <a:lvl1pPr algn="r">
+                  <a:defRPr sz="1400">
+                    <a:solidFill>
+                      <a:srgbClr val="0070C0"/>
+                    </a:solidFill>
+                  </a:defRPr>
+                </a:lvl1pPr>
+              </a:lstStyle>
+              <a:p>
+                <a:r>
+                  <a:rPr lang="en-US" dirty="0">
+                    <a:latin typeface="Calibri"/>
+                  </a:rPr>
+                  <a:t>l</a:t>
+                </a:r>
+              </a:p>
+            </p:txBody>
+          </p:sp>
+        </p:grpSp>
+        <p:sp>
+          <p:nvSpPr>
+            <p:cNvPr id="26" name="TextBox 25"/>
+            <p:cNvSpPr txBox="1"/>
+            <p:nvPr/>
+          </p:nvSpPr>
+          <p:spPr>
+            <a:xfrm>
+              <a:off x="1110419" y="1209407"/>
+              <a:ext cx="1424846" cy="369332"/>
+            </a:xfrm>
+            <a:prstGeom prst="rect">
+              <a:avLst/>
+            </a:prstGeom>
+            <a:noFill/>
+          </p:spPr>
+          <p:txBody>
+            <a:bodyPr wrap="square" lIns="0" tIns="0" rIns="0" bIns="0" rtlCol="0">
+              <a:spAutoFit/>
+            </a:bodyPr>
+            <a:lstStyle/>
+            <a:p>
+              <a:pPr algn="r"/>
+              <a:r>
+                <a:rPr lang="en-US" sz="1200" dirty="0">
+                  <a:solidFill>
+                    <a:srgbClr val="0070C0"/>
+                  </a:solidFill>
+                  <a:latin typeface="Calibri"/>
+                </a:rPr>
+                <a:t>execute(“paid 1 200 8 2018”)</a:t>
+              </a:r>
+            </a:p>
+          </p:txBody>
+        </p:sp>
+      </p:grpSp>
     </p:spTree>
     <p:extLst>
       <p:ext uri="{BB962C8B-B14F-4D97-AF65-F5344CB8AC3E}">

--- a/docs/diagrams/EditPaymentSequenceDiagram.pptx
+++ b/docs/diagrams/EditPaymentSequenceDiagram.pptx
@@ -197,7 +197,7 @@
           <a:p>
             <a:fld id="{62511F6D-3957-4073-A6EA-8AA084D57D2E}" type="datetimeFigureOut">
               <a:rPr lang="en-US" smtClean="0"/>
-              <a:t>11/10/2018</a:t>
+              <a:t>11/12/2018</a:t>
             </a:fld>
             <a:endParaRPr lang="en-US"/>
           </a:p>
@@ -795,7 +795,7 @@
           <a:p>
             <a:fld id="{78C97017-6FC3-485B-9764-EAC9E56C1D49}" type="datetimeFigureOut">
               <a:rPr lang="en-US" smtClean="0"/>
-              <a:t>11/10/2018</a:t>
+              <a:t>11/12/2018</a:t>
             </a:fld>
             <a:endParaRPr lang="en-US"/>
           </a:p>
@@ -963,7 +963,7 @@
           <a:p>
             <a:fld id="{78C97017-6FC3-485B-9764-EAC9E56C1D49}" type="datetimeFigureOut">
               <a:rPr lang="en-US" smtClean="0"/>
-              <a:t>11/10/2018</a:t>
+              <a:t>11/12/2018</a:t>
             </a:fld>
             <a:endParaRPr lang="en-US"/>
           </a:p>
@@ -1141,7 +1141,7 @@
           <a:p>
             <a:fld id="{78C97017-6FC3-485B-9764-EAC9E56C1D49}" type="datetimeFigureOut">
               <a:rPr lang="en-US" smtClean="0"/>
-              <a:t>11/10/2018</a:t>
+              <a:t>11/12/2018</a:t>
             </a:fld>
             <a:endParaRPr lang="en-US"/>
           </a:p>
@@ -1309,7 +1309,7 @@
           <a:p>
             <a:fld id="{78C97017-6FC3-485B-9764-EAC9E56C1D49}" type="datetimeFigureOut">
               <a:rPr lang="en-US" smtClean="0"/>
-              <a:t>11/10/2018</a:t>
+              <a:t>11/12/2018</a:t>
             </a:fld>
             <a:endParaRPr lang="en-US"/>
           </a:p>
@@ -1554,7 +1554,7 @@
           <a:p>
             <a:fld id="{78C97017-6FC3-485B-9764-EAC9E56C1D49}" type="datetimeFigureOut">
               <a:rPr lang="en-US" smtClean="0"/>
-              <a:t>11/10/2018</a:t>
+              <a:t>11/12/2018</a:t>
             </a:fld>
             <a:endParaRPr lang="en-US"/>
           </a:p>
@@ -1839,7 +1839,7 @@
           <a:p>
             <a:fld id="{78C97017-6FC3-485B-9764-EAC9E56C1D49}" type="datetimeFigureOut">
               <a:rPr lang="en-US" smtClean="0"/>
-              <a:t>11/10/2018</a:t>
+              <a:t>11/12/2018</a:t>
             </a:fld>
             <a:endParaRPr lang="en-US"/>
           </a:p>
@@ -2258,7 +2258,7 @@
           <a:p>
             <a:fld id="{78C97017-6FC3-485B-9764-EAC9E56C1D49}" type="datetimeFigureOut">
               <a:rPr lang="en-US" smtClean="0"/>
-              <a:t>11/10/2018</a:t>
+              <a:t>11/12/2018</a:t>
             </a:fld>
             <a:endParaRPr lang="en-US"/>
           </a:p>
@@ -2375,7 +2375,7 @@
           <a:p>
             <a:fld id="{78C97017-6FC3-485B-9764-EAC9E56C1D49}" type="datetimeFigureOut">
               <a:rPr lang="en-US" smtClean="0"/>
-              <a:t>11/10/2018</a:t>
+              <a:t>11/12/2018</a:t>
             </a:fld>
             <a:endParaRPr lang="en-US"/>
           </a:p>
@@ -2470,7 +2470,7 @@
           <a:p>
             <a:fld id="{78C97017-6FC3-485B-9764-EAC9E56C1D49}" type="datetimeFigureOut">
               <a:rPr lang="en-US" smtClean="0"/>
-              <a:t>11/10/2018</a:t>
+              <a:t>11/12/2018</a:t>
             </a:fld>
             <a:endParaRPr lang="en-US"/>
           </a:p>
@@ -2745,7 +2745,7 @@
           <a:p>
             <a:fld id="{78C97017-6FC3-485B-9764-EAC9E56C1D49}" type="datetimeFigureOut">
               <a:rPr lang="en-US" smtClean="0"/>
-              <a:t>11/10/2018</a:t>
+              <a:t>11/12/2018</a:t>
             </a:fld>
             <a:endParaRPr lang="en-US"/>
           </a:p>
@@ -2997,7 +2997,7 @@
           <a:p>
             <a:fld id="{78C97017-6FC3-485B-9764-EAC9E56C1D49}" type="datetimeFigureOut">
               <a:rPr lang="en-US" smtClean="0"/>
-              <a:t>11/10/2018</a:t>
+              <a:t>11/12/2018</a:t>
             </a:fld>
             <a:endParaRPr lang="en-US"/>
           </a:p>
@@ -3208,7 +3208,7 @@
           <a:p>
             <a:fld id="{78C97017-6FC3-485B-9764-EAC9E56C1D49}" type="datetimeFigureOut">
               <a:rPr lang="en-US" smtClean="0"/>
-              <a:t>11/10/2018</a:t>
+              <a:t>11/12/2018</a:t>
             </a:fld>
             <a:endParaRPr lang="en-US"/>
           </a:p>
@@ -3583,3706 +3583,3736 @@
           <a:chExt cx="0" cy="0"/>
         </a:xfrm>
       </p:grpSpPr>
-      <p:sp>
-        <p:nvSpPr>
-          <p:cNvPr id="105" name="Rectangle 65">
+      <p:grpSp>
+        <p:nvGrpSpPr>
+          <p:cNvPr id="7" name="Group 6">
             <a:extLst>
               <a:ext uri="{FF2B5EF4-FFF2-40B4-BE49-F238E27FC236}">
-                <a16:creationId xmlns:a16="http://schemas.microsoft.com/office/drawing/2014/main" id="{981BAB82-1001-4589-964D-BF49702CEBB9}"/>
+                <a16:creationId xmlns:a16="http://schemas.microsoft.com/office/drawing/2014/main" id="{CEB7CDA8-FD52-400E-AE7E-71CCE8A03A00}"/>
               </a:ext>
             </a:extLst>
           </p:cNvPr>
-          <p:cNvSpPr/>
+          <p:cNvGrpSpPr/>
           <p:nvPr/>
-        </p:nvSpPr>
-        <p:spPr>
+        </p:nvGrpSpPr>
+        <p:grpSpPr>
           <a:xfrm>
-            <a:off x="9513560" y="137181"/>
-            <a:ext cx="1357863" cy="6029200"/>
+            <a:off x="660240" y="323612"/>
+            <a:ext cx="10871520" cy="6029200"/>
+            <a:chOff x="1110419" y="296979"/>
+            <a:chExt cx="10871520" cy="6029200"/>
           </a:xfrm>
-          <a:prstGeom prst="roundRect">
-            <a:avLst>
-              <a:gd name="adj" fmla="val 3484"/>
-            </a:avLst>
-          </a:prstGeom>
-          <a:solidFill>
-            <a:srgbClr val="E6E0EC"/>
-          </a:solidFill>
-          <a:ln w="19050">
-            <a:noFill/>
-          </a:ln>
-          <a:effectLst/>
-        </p:spPr>
-        <p:style>
-          <a:lnRef idx="1">
-            <a:schemeClr val="accent2"/>
-          </a:lnRef>
-          <a:fillRef idx="2">
-            <a:schemeClr val="accent2"/>
-          </a:fillRef>
-          <a:effectRef idx="1">
-            <a:schemeClr val="accent2"/>
-          </a:effectRef>
-          <a:fontRef idx="minor">
-            <a:schemeClr val="dk1"/>
-          </a:fontRef>
-        </p:style>
-        <p:txBody>
-          <a:bodyPr rtlCol="0" anchor="t"/>
-          <a:lstStyle/>
-          <a:p>
-            <a:r>
-              <a:rPr lang="en-US" sz="1200" b="1" dirty="0">
+        </p:grpSpPr>
+        <p:grpSp>
+          <p:nvGrpSpPr>
+            <p:cNvPr id="3" name="Group 2">
+              <a:extLst>
+                <a:ext uri="{FF2B5EF4-FFF2-40B4-BE49-F238E27FC236}">
+                  <a16:creationId xmlns:a16="http://schemas.microsoft.com/office/drawing/2014/main" id="{F6CD77DF-2732-4663-8DFD-903D28CE4A43}"/>
+                </a:ext>
+              </a:extLst>
+            </p:cNvPr>
+            <p:cNvGrpSpPr/>
+            <p:nvPr/>
+          </p:nvGrpSpPr>
+          <p:grpSpPr>
+            <a:xfrm>
+              <a:off x="1438182" y="296979"/>
+              <a:ext cx="10543757" cy="6029200"/>
+              <a:chOff x="327666" y="137181"/>
+              <a:chExt cx="10543757" cy="6029200"/>
+            </a:xfrm>
+          </p:grpSpPr>
+          <p:sp>
+            <p:nvSpPr>
+              <p:cNvPr id="105" name="Rectangle 65">
+                <a:extLst>
+                  <a:ext uri="{FF2B5EF4-FFF2-40B4-BE49-F238E27FC236}">
+                    <a16:creationId xmlns:a16="http://schemas.microsoft.com/office/drawing/2014/main" id="{981BAB82-1001-4589-964D-BF49702CEBB9}"/>
+                  </a:ext>
+                </a:extLst>
+              </p:cNvPr>
+              <p:cNvSpPr/>
+              <p:nvPr/>
+            </p:nvSpPr>
+            <p:spPr>
+              <a:xfrm>
+                <a:off x="9513560" y="137181"/>
+                <a:ext cx="1357863" cy="6029200"/>
+              </a:xfrm>
+              <a:prstGeom prst="roundRect">
+                <a:avLst>
+                  <a:gd name="adj" fmla="val 3484"/>
+                </a:avLst>
+              </a:prstGeom>
+              <a:solidFill>
+                <a:srgbClr val="E6E0EC"/>
+              </a:solidFill>
+              <a:ln w="19050">
+                <a:noFill/>
+              </a:ln>
+              <a:effectLst/>
+            </p:spPr>
+            <p:style>
+              <a:lnRef idx="1">
+                <a:schemeClr val="accent2"/>
+              </a:lnRef>
+              <a:fillRef idx="2">
+                <a:schemeClr val="accent2"/>
+              </a:fillRef>
+              <a:effectRef idx="1">
+                <a:schemeClr val="accent2"/>
+              </a:effectRef>
+              <a:fontRef idx="minor">
+                <a:schemeClr val="dk1"/>
+              </a:fontRef>
+            </p:style>
+            <p:txBody>
+              <a:bodyPr rtlCol="0" anchor="t"/>
+              <a:lstStyle/>
+              <a:p>
+                <a:r>
+                  <a:rPr lang="en-US" sz="1200" b="1" dirty="0">
+                    <a:solidFill>
+                      <a:srgbClr val="7030A0"/>
+                    </a:solidFill>
+                    <a:latin typeface="Calibri"/>
+                  </a:rPr>
+                  <a:t>Model</a:t>
+                </a:r>
+                <a:endParaRPr lang="en-SG" sz="1200" b="1" dirty="0">
+                  <a:solidFill>
+                    <a:srgbClr val="7030A0"/>
+                  </a:solidFill>
+                  <a:latin typeface="Calibri"/>
+                </a:endParaRPr>
+              </a:p>
+            </p:txBody>
+          </p:sp>
+          <p:sp>
+            <p:nvSpPr>
+              <p:cNvPr id="81" name="Rectangle 65"/>
+              <p:cNvSpPr/>
+              <p:nvPr/>
+            </p:nvSpPr>
+            <p:spPr>
+              <a:xfrm>
+                <a:off x="611732" y="137181"/>
+                <a:ext cx="8837067" cy="6029200"/>
+              </a:xfrm>
+              <a:prstGeom prst="roundRect">
+                <a:avLst>
+                  <a:gd name="adj" fmla="val 3484"/>
+                </a:avLst>
+              </a:prstGeom>
+              <a:solidFill>
+                <a:schemeClr val="accent1">
+                  <a:lumMod val="20000"/>
+                  <a:lumOff val="80000"/>
+                </a:schemeClr>
+              </a:solidFill>
+              <a:ln w="19050">
+                <a:noFill/>
+              </a:ln>
+              <a:effectLst/>
+            </p:spPr>
+            <p:style>
+              <a:lnRef idx="1">
+                <a:schemeClr val="accent2"/>
+              </a:lnRef>
+              <a:fillRef idx="2">
+                <a:schemeClr val="accent2"/>
+              </a:fillRef>
+              <a:effectRef idx="1">
+                <a:schemeClr val="accent2"/>
+              </a:effectRef>
+              <a:fontRef idx="minor">
+                <a:schemeClr val="dk1"/>
+              </a:fontRef>
+            </p:style>
+            <p:txBody>
+              <a:bodyPr rtlCol="0" anchor="t"/>
+              <a:lstStyle/>
+              <a:p>
+                <a:r>
+                  <a:rPr lang="en-US" sz="1200" b="1" dirty="0">
+                    <a:solidFill>
+                      <a:srgbClr val="0070C0"/>
+                    </a:solidFill>
+                    <a:latin typeface="Calibri"/>
+                  </a:rPr>
+                  <a:t>Logic</a:t>
+                </a:r>
+                <a:endParaRPr lang="en-SG" sz="1200" b="1" dirty="0">
+                  <a:solidFill>
+                    <a:srgbClr val="0070C0"/>
+                  </a:solidFill>
+                  <a:latin typeface="Calibri"/>
+                </a:endParaRPr>
+              </a:p>
+            </p:txBody>
+          </p:sp>
+          <p:sp>
+            <p:nvSpPr>
+              <p:cNvPr id="2" name="Rectangle 62"/>
+              <p:cNvSpPr/>
+              <p:nvPr/>
+            </p:nvSpPr>
+            <p:spPr>
+              <a:xfrm>
+                <a:off x="845046" y="482841"/>
+                <a:ext cx="1455629" cy="346760"/>
+              </a:xfrm>
+              <a:prstGeom prst="rect">
+                <a:avLst/>
+              </a:prstGeom>
+              <a:solidFill>
+                <a:srgbClr val="0070C0"/>
+              </a:solidFill>
+              <a:ln w="19050">
+                <a:solidFill>
+                  <a:srgbClr val="0070C0"/>
+                </a:solidFill>
+              </a:ln>
+              <a:effectLst/>
+            </p:spPr>
+            <p:style>
+              <a:lnRef idx="1">
+                <a:schemeClr val="accent2"/>
+              </a:lnRef>
+              <a:fillRef idx="2">
+                <a:schemeClr val="accent2"/>
+              </a:fillRef>
+              <a:effectRef idx="1">
+                <a:schemeClr val="accent2"/>
+              </a:effectRef>
+              <a:fontRef idx="minor">
+                <a:schemeClr val="dk1"/>
+              </a:fontRef>
+            </p:style>
+            <p:txBody>
+              <a:bodyPr rtlCol="0" anchor="ctr"/>
+              <a:lstStyle/>
+              <a:p>
+                <a:pPr algn="ctr"/>
+                <a:r>
+                  <a:rPr lang="en-US" sz="1600" dirty="0">
+                    <a:solidFill>
+                      <a:prstClr val="white"/>
+                    </a:solidFill>
+                    <a:latin typeface="Calibri"/>
+                  </a:rPr>
+                  <a:t>:</a:t>
+                </a:r>
+                <a:r>
+                  <a:rPr lang="en-US" sz="1600" dirty="0" err="1">
+                    <a:solidFill>
+                      <a:prstClr val="white"/>
+                    </a:solidFill>
+                    <a:latin typeface="Calibri"/>
+                  </a:rPr>
+                  <a:t>LogicManager</a:t>
+                </a:r>
+                <a:endParaRPr lang="en-SG" sz="1600" dirty="0">
+                  <a:solidFill>
+                    <a:prstClr val="white"/>
+                  </a:solidFill>
+                  <a:latin typeface="Calibri"/>
+                </a:endParaRPr>
+              </a:p>
+            </p:txBody>
+          </p:sp>
+          <p:cxnSp>
+            <p:nvCxnSpPr>
+              <p:cNvPr id="5" name="Straight Connector 4"/>
+              <p:cNvCxnSpPr>
+                <a:cxnSpLocks/>
+                <a:stCxn id="2" idx="2"/>
+              </p:cNvCxnSpPr>
+              <p:nvPr/>
+            </p:nvCxnSpPr>
+            <p:spPr>
+              <a:xfrm>
+                <a:off x="1572860" y="829602"/>
+                <a:ext cx="0" cy="3650803"/>
+              </a:xfrm>
+              <a:prstGeom prst="line">
+                <a:avLst/>
+              </a:prstGeom>
+              <a:ln w="19050">
+                <a:solidFill>
+                  <a:srgbClr val="0070C0"/>
+                </a:solidFill>
+                <a:prstDash val="sysDash"/>
+              </a:ln>
+              <a:effectLst/>
+            </p:spPr>
+            <p:style>
+              <a:lnRef idx="1">
+                <a:schemeClr val="accent1"/>
+              </a:lnRef>
+              <a:fillRef idx="2">
+                <a:schemeClr val="accent1"/>
+              </a:fillRef>
+              <a:effectRef idx="1">
+                <a:schemeClr val="accent1"/>
+              </a:effectRef>
+              <a:fontRef idx="minor">
+                <a:schemeClr val="dk1"/>
+              </a:fontRef>
+            </p:style>
+          </p:cxnSp>
+          <p:sp>
+            <p:nvSpPr>
+              <p:cNvPr id="6" name="Rectangle 5"/>
+              <p:cNvSpPr/>
+              <p:nvPr/>
+            </p:nvSpPr>
+            <p:spPr>
+              <a:xfrm>
+                <a:off x="1500850" y="912164"/>
+                <a:ext cx="133093" cy="5165899"/>
+              </a:xfrm>
+              <a:prstGeom prst="rect">
+                <a:avLst/>
+              </a:prstGeom>
+              <a:solidFill>
+                <a:srgbClr val="0070C0"/>
+              </a:solidFill>
+              <a:ln>
+                <a:solidFill>
+                  <a:srgbClr val="0070C0"/>
+                </a:solidFill>
+              </a:ln>
+              <a:effectLst/>
+            </p:spPr>
+            <p:style>
+              <a:lnRef idx="1">
+                <a:schemeClr val="accent3"/>
+              </a:lnRef>
+              <a:fillRef idx="2">
+                <a:schemeClr val="accent3"/>
+              </a:fillRef>
+              <a:effectRef idx="1">
+                <a:schemeClr val="accent3"/>
+              </a:effectRef>
+              <a:fontRef idx="minor">
+                <a:schemeClr val="dk1"/>
+              </a:fontRef>
+            </p:style>
+            <p:txBody>
+              <a:bodyPr rtlCol="0" anchor="ctr"/>
+              <a:lstStyle/>
+              <a:p>
+                <a:pPr algn="ctr"/>
+                <a:endParaRPr lang="en-SG" sz="1400">
+                  <a:solidFill>
+                    <a:prstClr val="black"/>
+                  </a:solidFill>
+                  <a:latin typeface="Calibri"/>
+                </a:endParaRPr>
+              </a:p>
+            </p:txBody>
+          </p:sp>
+          <p:sp>
+            <p:nvSpPr>
+              <p:cNvPr id="16" name="Rectangle 62"/>
+              <p:cNvSpPr/>
+              <p:nvPr/>
+            </p:nvSpPr>
+            <p:spPr>
+              <a:xfrm>
+                <a:off x="2697186" y="357729"/>
+                <a:ext cx="1278289" cy="467684"/>
+              </a:xfrm>
+              <a:prstGeom prst="rect">
+                <a:avLst/>
+              </a:prstGeom>
+              <a:solidFill>
+                <a:srgbClr val="0070C0"/>
+              </a:solidFill>
+              <a:ln w="19050">
+                <a:solidFill>
+                  <a:srgbClr val="0070C0"/>
+                </a:solidFill>
+              </a:ln>
+              <a:effectLst/>
+            </p:spPr>
+            <p:style>
+              <a:lnRef idx="1">
+                <a:schemeClr val="accent2"/>
+              </a:lnRef>
+              <a:fillRef idx="2">
+                <a:schemeClr val="accent2"/>
+              </a:fillRef>
+              <a:effectRef idx="1">
+                <a:schemeClr val="accent2"/>
+              </a:effectRef>
+              <a:fontRef idx="minor">
+                <a:schemeClr val="dk1"/>
+              </a:fontRef>
+            </p:style>
+            <p:txBody>
+              <a:bodyPr rtlCol="0" anchor="ctr"/>
+              <a:lstStyle/>
+              <a:p>
+                <a:pPr algn="ctr"/>
+                <a:r>
+                  <a:rPr lang="en-US" sz="1600" dirty="0">
+                    <a:solidFill>
+                      <a:prstClr val="white"/>
+                    </a:solidFill>
+                    <a:latin typeface="Calibri"/>
+                  </a:rPr>
+                  <a:t>:</a:t>
+                </a:r>
+                <a:r>
+                  <a:rPr lang="en-US" sz="1600" dirty="0" err="1">
+                    <a:solidFill>
+                      <a:prstClr val="white"/>
+                    </a:solidFill>
+                    <a:latin typeface="Calibri"/>
+                  </a:rPr>
+                  <a:t>TutorHelperParser</a:t>
+                </a:r>
+                <a:endParaRPr lang="en-SG" sz="1600" dirty="0">
+                  <a:solidFill>
+                    <a:prstClr val="white"/>
+                  </a:solidFill>
+                  <a:latin typeface="Calibri"/>
+                </a:endParaRPr>
+              </a:p>
+            </p:txBody>
+          </p:sp>
+          <p:cxnSp>
+            <p:nvCxnSpPr>
+              <p:cNvPr id="17" name="Straight Connector 16"/>
+              <p:cNvCxnSpPr>
+                <a:cxnSpLocks/>
+              </p:cNvCxnSpPr>
+              <p:nvPr/>
+            </p:nvCxnSpPr>
+            <p:spPr>
+              <a:xfrm flipH="1">
+                <a:off x="3315939" y="825413"/>
+                <a:ext cx="29544" cy="2213910"/>
+              </a:xfrm>
+              <a:prstGeom prst="line">
+                <a:avLst/>
+              </a:prstGeom>
+              <a:ln w="19050">
+                <a:solidFill>
+                  <a:srgbClr val="0070C0"/>
+                </a:solidFill>
+                <a:prstDash val="sysDash"/>
+              </a:ln>
+              <a:effectLst/>
+            </p:spPr>
+            <p:style>
+              <a:lnRef idx="1">
+                <a:schemeClr val="accent1"/>
+              </a:lnRef>
+              <a:fillRef idx="2">
+                <a:schemeClr val="accent1"/>
+              </a:fillRef>
+              <a:effectRef idx="1">
+                <a:schemeClr val="accent1"/>
+              </a:effectRef>
+              <a:fontRef idx="minor">
+                <a:schemeClr val="dk1"/>
+              </a:fontRef>
+            </p:style>
+          </p:cxnSp>
+          <p:sp>
+            <p:nvSpPr>
+              <p:cNvPr id="18" name="Rectangle 17"/>
+              <p:cNvSpPr/>
+              <p:nvPr/>
+            </p:nvSpPr>
+            <p:spPr>
+              <a:xfrm>
+                <a:off x="3272374" y="917791"/>
+                <a:ext cx="155699" cy="1999143"/>
+              </a:xfrm>
+              <a:prstGeom prst="rect">
+                <a:avLst/>
+              </a:prstGeom>
+              <a:solidFill>
+                <a:srgbClr val="0070C0"/>
+              </a:solidFill>
+              <a:ln>
+                <a:solidFill>
+                  <a:srgbClr val="0070C0"/>
+                </a:solidFill>
+              </a:ln>
+              <a:effectLst/>
+            </p:spPr>
+            <p:style>
+              <a:lnRef idx="1">
+                <a:schemeClr val="accent3"/>
+              </a:lnRef>
+              <a:fillRef idx="2">
+                <a:schemeClr val="accent3"/>
+              </a:fillRef>
+              <a:effectRef idx="1">
+                <a:schemeClr val="accent3"/>
+              </a:effectRef>
+              <a:fontRef idx="minor">
+                <a:schemeClr val="dk1"/>
+              </a:fontRef>
+            </p:style>
+            <p:txBody>
+              <a:bodyPr rtlCol="0" anchor="ctr"/>
+              <a:lstStyle/>
+              <a:p>
+                <a:pPr algn="ctr"/>
+                <a:endParaRPr lang="en-SG" sz="1400">
+                  <a:solidFill>
+                    <a:prstClr val="black"/>
+                  </a:solidFill>
+                  <a:latin typeface="Calibri"/>
+                </a:endParaRPr>
+              </a:p>
+            </p:txBody>
+          </p:sp>
+          <p:sp>
+            <p:nvSpPr>
+              <p:cNvPr id="19" name="Rectangle 62"/>
+              <p:cNvSpPr/>
+              <p:nvPr/>
+            </p:nvSpPr>
+            <p:spPr>
+              <a:xfrm>
+                <a:off x="5213820" y="1566467"/>
+                <a:ext cx="852827" cy="317402"/>
+              </a:xfrm>
+              <a:prstGeom prst="rect">
+                <a:avLst/>
+              </a:prstGeom>
+              <a:solidFill>
+                <a:srgbClr val="0070C0"/>
+              </a:solidFill>
+              <a:ln w="19050">
+                <a:solidFill>
+                  <a:srgbClr val="0070C0"/>
+                </a:solidFill>
+              </a:ln>
+              <a:effectLst/>
+            </p:spPr>
+            <p:style>
+              <a:lnRef idx="1">
+                <a:schemeClr val="accent2"/>
+              </a:lnRef>
+              <a:fillRef idx="2">
+                <a:schemeClr val="accent2"/>
+              </a:fillRef>
+              <a:effectRef idx="1">
+                <a:schemeClr val="accent2"/>
+              </a:effectRef>
+              <a:fontRef idx="minor">
+                <a:schemeClr val="dk1"/>
+              </a:fontRef>
+            </p:style>
+            <p:txBody>
+              <a:bodyPr rtlCol="0" anchor="ctr"/>
+              <a:lstStyle/>
+              <a:p>
+                <a:pPr algn="ctr"/>
+                <a:r>
+                  <a:rPr lang="en-US" sz="1200" dirty="0">
+                    <a:solidFill>
+                      <a:prstClr val="white"/>
+                    </a:solidFill>
+                    <a:latin typeface="Calibri"/>
+                  </a:rPr>
+                  <a:t>p:Payment</a:t>
+                </a:r>
+                <a:endParaRPr lang="en-SG" sz="1200" dirty="0">
+                  <a:solidFill>
+                    <a:prstClr val="white"/>
+                  </a:solidFill>
+                  <a:latin typeface="Calibri"/>
+                </a:endParaRPr>
+              </a:p>
+            </p:txBody>
+          </p:sp>
+          <p:cxnSp>
+            <p:nvCxnSpPr>
+              <p:cNvPr id="20" name="Straight Connector 19"/>
+              <p:cNvCxnSpPr>
+                <a:cxnSpLocks/>
+              </p:cNvCxnSpPr>
+              <p:nvPr/>
+            </p:nvCxnSpPr>
+            <p:spPr>
+              <a:xfrm>
+                <a:off x="5627253" y="2140249"/>
+                <a:ext cx="28210" cy="2686588"/>
+              </a:xfrm>
+              <a:prstGeom prst="line">
+                <a:avLst/>
+              </a:prstGeom>
+              <a:ln w="19050">
+                <a:solidFill>
+                  <a:srgbClr val="0070C0"/>
+                </a:solidFill>
+                <a:prstDash val="sysDash"/>
+              </a:ln>
+              <a:effectLst/>
+            </p:spPr>
+            <p:style>
+              <a:lnRef idx="1">
+                <a:schemeClr val="accent1"/>
+              </a:lnRef>
+              <a:fillRef idx="2">
+                <a:schemeClr val="accent1"/>
+              </a:fillRef>
+              <a:effectRef idx="1">
+                <a:schemeClr val="accent1"/>
+              </a:effectRef>
+              <a:fontRef idx="minor">
+                <a:schemeClr val="dk1"/>
+              </a:fontRef>
+            </p:style>
+          </p:cxnSp>
+          <p:sp>
+            <p:nvSpPr>
+              <p:cNvPr id="21" name="Rectangle 20"/>
+              <p:cNvSpPr/>
+              <p:nvPr/>
+            </p:nvSpPr>
+            <p:spPr>
+              <a:xfrm>
+                <a:off x="5562601" y="1896584"/>
+                <a:ext cx="117613" cy="185051"/>
+              </a:xfrm>
+              <a:prstGeom prst="rect">
+                <a:avLst/>
+              </a:prstGeom>
+              <a:solidFill>
+                <a:srgbClr val="0070C0"/>
+              </a:solidFill>
+              <a:ln>
+                <a:solidFill>
+                  <a:srgbClr val="0070C0"/>
+                </a:solidFill>
+              </a:ln>
+              <a:effectLst/>
+            </p:spPr>
+            <p:style>
+              <a:lnRef idx="1">
+                <a:schemeClr val="accent3"/>
+              </a:lnRef>
+              <a:fillRef idx="2">
+                <a:schemeClr val="accent3"/>
+              </a:fillRef>
+              <a:effectRef idx="1">
+                <a:schemeClr val="accent3"/>
+              </a:effectRef>
+              <a:fontRef idx="minor">
+                <a:schemeClr val="dk1"/>
+              </a:fontRef>
+            </p:style>
+            <p:txBody>
+              <a:bodyPr rtlCol="0" anchor="ctr"/>
+              <a:lstStyle/>
+              <a:p>
+                <a:pPr algn="ctr"/>
+                <a:endParaRPr lang="en-SG" sz="1400">
+                  <a:solidFill>
+                    <a:prstClr val="black"/>
+                  </a:solidFill>
+                  <a:latin typeface="Calibri"/>
+                </a:endParaRPr>
+              </a:p>
+            </p:txBody>
+          </p:sp>
+          <p:cxnSp>
+            <p:nvCxnSpPr>
+              <p:cNvPr id="23" name="Straight Arrow Connector 22"/>
+              <p:cNvCxnSpPr>
+                <a:cxnSpLocks/>
+              </p:cNvCxnSpPr>
+              <p:nvPr/>
+            </p:nvCxnSpPr>
+            <p:spPr>
+              <a:xfrm>
+                <a:off x="380999" y="929330"/>
+                <a:ext cx="1119851" cy="0"/>
+              </a:xfrm>
+              <a:prstGeom prst="straightConnector1">
+                <a:avLst/>
+              </a:prstGeom>
+              <a:ln w="19050">
+                <a:solidFill>
+                  <a:srgbClr val="00B050"/>
+                </a:solidFill>
+                <a:tailEnd type="arrow"/>
+              </a:ln>
+            </p:spPr>
+            <p:style>
+              <a:lnRef idx="1">
+                <a:schemeClr val="accent1"/>
+              </a:lnRef>
+              <a:fillRef idx="0">
+                <a:schemeClr val="accent1"/>
+              </a:fillRef>
+              <a:effectRef idx="0">
+                <a:schemeClr val="accent1"/>
+              </a:effectRef>
+              <a:fontRef idx="minor">
+                <a:schemeClr val="tx1"/>
+              </a:fontRef>
+            </p:style>
+          </p:cxnSp>
+          <p:cxnSp>
+            <p:nvCxnSpPr>
+              <p:cNvPr id="25" name="Straight Arrow Connector 24"/>
+              <p:cNvCxnSpPr>
+                <a:cxnSpLocks/>
+              </p:cNvCxnSpPr>
+              <p:nvPr/>
+            </p:nvCxnSpPr>
+            <p:spPr>
+              <a:xfrm flipV="1">
+                <a:off x="1653251" y="1125503"/>
+                <a:ext cx="1619123" cy="1"/>
+              </a:xfrm>
+              <a:prstGeom prst="straightConnector1">
+                <a:avLst/>
+              </a:prstGeom>
+              <a:ln w="19050">
+                <a:solidFill>
+                  <a:srgbClr val="0070C0"/>
+                </a:solidFill>
+                <a:tailEnd type="arrow"/>
+              </a:ln>
+            </p:spPr>
+            <p:style>
+              <a:lnRef idx="1">
+                <a:schemeClr val="accent1"/>
+              </a:lnRef>
+              <a:fillRef idx="0">
+                <a:schemeClr val="accent1"/>
+              </a:fillRef>
+              <a:effectRef idx="0">
+                <a:schemeClr val="accent1"/>
+              </a:effectRef>
+              <a:fontRef idx="minor">
+                <a:schemeClr val="tx1"/>
+              </a:fontRef>
+            </p:style>
+          </p:cxnSp>
+          <p:cxnSp>
+            <p:nvCxnSpPr>
+              <p:cNvPr id="28" name="Straight Arrow Connector 27"/>
+              <p:cNvCxnSpPr>
+                <a:cxnSpLocks/>
+              </p:cNvCxnSpPr>
+              <p:nvPr/>
+            </p:nvCxnSpPr>
+            <p:spPr>
+              <a:xfrm>
+                <a:off x="4818085" y="1773916"/>
+                <a:ext cx="383077" cy="0"/>
+              </a:xfrm>
+              <a:prstGeom prst="straightConnector1">
+                <a:avLst/>
+              </a:prstGeom>
+              <a:ln w="19050">
+                <a:solidFill>
+                  <a:srgbClr val="0070C0"/>
+                </a:solidFill>
+                <a:tailEnd type="arrow"/>
+              </a:ln>
+            </p:spPr>
+            <p:style>
+              <a:lnRef idx="1">
+                <a:schemeClr val="accent1"/>
+              </a:lnRef>
+              <a:fillRef idx="0">
+                <a:schemeClr val="accent1"/>
+              </a:fillRef>
+              <a:effectRef idx="0">
+                <a:schemeClr val="accent1"/>
+              </a:effectRef>
+              <a:fontRef idx="minor">
+                <a:schemeClr val="tx1"/>
+              </a:fontRef>
+            </p:style>
+          </p:cxnSp>
+          <p:sp>
+            <p:nvSpPr>
+              <p:cNvPr id="29" name="TextBox 28"/>
+              <p:cNvSpPr txBox="1"/>
+              <p:nvPr/>
+            </p:nvSpPr>
+            <p:spPr>
+              <a:xfrm>
+                <a:off x="3352801" y="2918304"/>
+                <a:ext cx="855809" cy="215444"/>
+              </a:xfrm>
+              <a:prstGeom prst="rect">
+                <a:avLst/>
+              </a:prstGeom>
+              <a:noFill/>
+            </p:spPr>
+            <p:txBody>
+              <a:bodyPr wrap="square" lIns="0" tIns="0" rIns="0" bIns="0" rtlCol="0">
+                <a:spAutoFit/>
+              </a:bodyPr>
+              <a:lstStyle>
+                <a:defPPr>
+                  <a:defRPr lang="en-US"/>
+                </a:defPPr>
+                <a:lvl1pPr algn="r">
+                  <a:defRPr sz="1400">
+                    <a:solidFill>
+                      <a:srgbClr val="0070C0"/>
+                    </a:solidFill>
+                  </a:defRPr>
+                </a:lvl1pPr>
+              </a:lstStyle>
+              <a:p>
+                <a:r>
+                  <a:rPr lang="en-US" dirty="0">
+                    <a:latin typeface="Calibri"/>
+                  </a:rPr>
+                  <a:t>execute()</a:t>
+                </a:r>
+              </a:p>
+            </p:txBody>
+          </p:sp>
+          <p:cxnSp>
+            <p:nvCxnSpPr>
+              <p:cNvPr id="34" name="Straight Arrow Connector 33"/>
+              <p:cNvCxnSpPr>
+                <a:cxnSpLocks/>
+              </p:cNvCxnSpPr>
+              <p:nvPr/>
+            </p:nvCxnSpPr>
+            <p:spPr>
+              <a:xfrm>
+                <a:off x="4826241" y="2076935"/>
+                <a:ext cx="809294" cy="2043"/>
+              </a:xfrm>
+              <a:prstGeom prst="straightConnector1">
+                <a:avLst/>
+              </a:prstGeom>
+              <a:ln w="19050">
+                <a:solidFill>
+                  <a:srgbClr val="0070C0"/>
+                </a:solidFill>
+                <a:prstDash val="sysDash"/>
+                <a:headEnd type="arrow" w="med" len="med"/>
+                <a:tailEnd type="none" w="med" len="med"/>
+              </a:ln>
+            </p:spPr>
+            <p:style>
+              <a:lnRef idx="1">
+                <a:schemeClr val="accent1"/>
+              </a:lnRef>
+              <a:fillRef idx="0">
+                <a:schemeClr val="accent1"/>
+              </a:fillRef>
+              <a:effectRef idx="0">
+                <a:schemeClr val="accent1"/>
+              </a:effectRef>
+              <a:fontRef idx="minor">
+                <a:schemeClr val="tx1"/>
+              </a:fontRef>
+            </p:style>
+          </p:cxnSp>
+          <p:cxnSp>
+            <p:nvCxnSpPr>
+              <p:cNvPr id="35" name="Straight Arrow Connector 34"/>
+              <p:cNvCxnSpPr>
+                <a:cxnSpLocks/>
+              </p:cNvCxnSpPr>
+              <p:nvPr/>
+            </p:nvCxnSpPr>
+            <p:spPr>
+              <a:xfrm flipV="1">
+                <a:off x="1635848" y="2903782"/>
+                <a:ext cx="1630852" cy="13156"/>
+              </a:xfrm>
+              <a:prstGeom prst="straightConnector1">
+                <a:avLst/>
+              </a:prstGeom>
+              <a:ln w="19050">
+                <a:solidFill>
+                  <a:srgbClr val="0070C0"/>
+                </a:solidFill>
+                <a:prstDash val="sysDash"/>
+                <a:headEnd type="arrow" w="med" len="med"/>
+                <a:tailEnd type="none" w="med" len="med"/>
+              </a:ln>
+            </p:spPr>
+            <p:style>
+              <a:lnRef idx="1">
+                <a:schemeClr val="accent1"/>
+              </a:lnRef>
+              <a:fillRef idx="0">
+                <a:schemeClr val="accent1"/>
+              </a:fillRef>
+              <a:effectRef idx="0">
+                <a:schemeClr val="accent1"/>
+              </a:effectRef>
+              <a:fontRef idx="minor">
+                <a:schemeClr val="tx1"/>
+              </a:fontRef>
+            </p:style>
+          </p:cxnSp>
+          <p:cxnSp>
+            <p:nvCxnSpPr>
+              <p:cNvPr id="37" name="Straight Arrow Connector 36"/>
+              <p:cNvCxnSpPr>
+                <a:cxnSpLocks/>
+              </p:cNvCxnSpPr>
+              <p:nvPr/>
+            </p:nvCxnSpPr>
+            <p:spPr>
+              <a:xfrm>
+                <a:off x="327666" y="6073660"/>
+                <a:ext cx="1196051" cy="0"/>
+              </a:xfrm>
+              <a:prstGeom prst="straightConnector1">
+                <a:avLst/>
+              </a:prstGeom>
+              <a:ln w="19050">
+                <a:solidFill>
+                  <a:schemeClr val="accent1"/>
+                </a:solidFill>
+                <a:prstDash val="sysDash"/>
+                <a:headEnd type="arrow" w="med" len="med"/>
+                <a:tailEnd type="none" w="med" len="med"/>
+              </a:ln>
+            </p:spPr>
+            <p:style>
+              <a:lnRef idx="1">
+                <a:schemeClr val="accent1"/>
+              </a:lnRef>
+              <a:fillRef idx="0">
+                <a:schemeClr val="accent1"/>
+              </a:fillRef>
+              <a:effectRef idx="0">
+                <a:schemeClr val="accent1"/>
+              </a:effectRef>
+              <a:fontRef idx="minor">
+                <a:schemeClr val="tx1"/>
+              </a:fontRef>
+            </p:style>
+          </p:cxnSp>
+          <p:sp>
+            <p:nvSpPr>
+              <p:cNvPr id="39" name="Rectangle 62"/>
+              <p:cNvSpPr/>
+              <p:nvPr/>
+            </p:nvSpPr>
+            <p:spPr>
+              <a:xfrm>
+                <a:off x="9808430" y="4945224"/>
+                <a:ext cx="878029" cy="228600"/>
+              </a:xfrm>
+              <a:prstGeom prst="rect">
+                <a:avLst/>
+              </a:prstGeom>
+              <a:solidFill>
+                <a:srgbClr val="7030A0"/>
+              </a:solidFill>
+              <a:ln w="19050">
+                <a:solidFill>
+                  <a:schemeClr val="accent4">
+                    <a:lumMod val="60000"/>
+                    <a:lumOff val="40000"/>
+                  </a:schemeClr>
+                </a:solidFill>
+              </a:ln>
+              <a:effectLst/>
+            </p:spPr>
+            <p:style>
+              <a:lnRef idx="1">
+                <a:schemeClr val="accent2"/>
+              </a:lnRef>
+              <a:fillRef idx="2">
+                <a:schemeClr val="accent2"/>
+              </a:fillRef>
+              <a:effectRef idx="1">
+                <a:schemeClr val="accent2"/>
+              </a:effectRef>
+              <a:fontRef idx="minor">
+                <a:schemeClr val="dk1"/>
+              </a:fontRef>
+            </p:style>
+            <p:txBody>
+              <a:bodyPr rtlCol="0" anchor="ctr"/>
+              <a:lstStyle/>
+              <a:p>
+                <a:pPr algn="ctr"/>
+                <a:r>
+                  <a:rPr lang="en-US" sz="1600" dirty="0">
+                    <a:solidFill>
+                      <a:prstClr val="white"/>
+                    </a:solidFill>
+                    <a:latin typeface="Calibri"/>
+                  </a:rPr>
+                  <a:t>:Model</a:t>
+                </a:r>
+                <a:endParaRPr lang="en-SG" sz="1600" dirty="0">
+                  <a:solidFill>
+                    <a:prstClr val="white"/>
+                  </a:solidFill>
+                  <a:latin typeface="Calibri"/>
+                </a:endParaRPr>
+              </a:p>
+            </p:txBody>
+          </p:sp>
+          <p:cxnSp>
+            <p:nvCxnSpPr>
+              <p:cNvPr id="64" name="Straight Arrow Connector 63"/>
+              <p:cNvCxnSpPr>
+                <a:cxnSpLocks/>
+              </p:cNvCxnSpPr>
+              <p:nvPr/>
+            </p:nvCxnSpPr>
+            <p:spPr>
+              <a:xfrm>
+                <a:off x="1622266" y="3156652"/>
+                <a:ext cx="3972124" cy="4742"/>
+              </a:xfrm>
+              <a:prstGeom prst="straightConnector1">
+                <a:avLst/>
+              </a:prstGeom>
+              <a:ln w="19050">
+                <a:solidFill>
+                  <a:srgbClr val="0070C0"/>
+                </a:solidFill>
+                <a:tailEnd type="arrow"/>
+              </a:ln>
+            </p:spPr>
+            <p:style>
+              <a:lnRef idx="1">
+                <a:schemeClr val="accent1"/>
+              </a:lnRef>
+              <a:fillRef idx="0">
+                <a:schemeClr val="accent1"/>
+              </a:fillRef>
+              <a:effectRef idx="0">
+                <a:schemeClr val="accent1"/>
+              </a:effectRef>
+              <a:fontRef idx="minor">
+                <a:schemeClr val="tx1"/>
+              </a:fontRef>
+            </p:style>
+          </p:cxnSp>
+          <p:sp>
+            <p:nvSpPr>
+              <p:cNvPr id="65" name="Rectangle 64"/>
+              <p:cNvSpPr/>
+              <p:nvPr/>
+            </p:nvSpPr>
+            <p:spPr>
+              <a:xfrm>
+                <a:off x="5599895" y="3155974"/>
+                <a:ext cx="88177" cy="2662930"/>
+              </a:xfrm>
+              <a:prstGeom prst="rect">
+                <a:avLst/>
+              </a:prstGeom>
+              <a:solidFill>
+                <a:srgbClr val="0070C0"/>
+              </a:solidFill>
+              <a:ln>
+                <a:solidFill>
+                  <a:srgbClr val="0070C0"/>
+                </a:solidFill>
+              </a:ln>
+              <a:effectLst/>
+            </p:spPr>
+            <p:style>
+              <a:lnRef idx="1">
+                <a:schemeClr val="accent3"/>
+              </a:lnRef>
+              <a:fillRef idx="2">
+                <a:schemeClr val="accent3"/>
+              </a:fillRef>
+              <a:effectRef idx="1">
+                <a:schemeClr val="accent3"/>
+              </a:effectRef>
+              <a:fontRef idx="minor">
+                <a:schemeClr val="dk1"/>
+              </a:fontRef>
+            </p:style>
+            <p:txBody>
+              <a:bodyPr rtlCol="0" anchor="ctr"/>
+              <a:lstStyle/>
+              <a:p>
+                <a:pPr algn="ctr"/>
+                <a:endParaRPr lang="en-SG" sz="1400">
+                  <a:solidFill>
+                    <a:prstClr val="black"/>
+                  </a:solidFill>
+                  <a:latin typeface="Calibri"/>
+                </a:endParaRPr>
+              </a:p>
+            </p:txBody>
+          </p:sp>
+          <p:cxnSp>
+            <p:nvCxnSpPr>
+              <p:cNvPr id="71" name="Straight Connector 70"/>
+              <p:cNvCxnSpPr>
+                <a:cxnSpLocks/>
+                <a:stCxn id="39" idx="2"/>
+              </p:cNvCxnSpPr>
+              <p:nvPr/>
+            </p:nvCxnSpPr>
+            <p:spPr>
+              <a:xfrm>
+                <a:off x="10247444" y="5173825"/>
+                <a:ext cx="13180" cy="904239"/>
+              </a:xfrm>
+              <a:prstGeom prst="line">
+                <a:avLst/>
+              </a:prstGeom>
+              <a:ln w="19050">
                 <a:solidFill>
                   <a:srgbClr val="7030A0"/>
                 </a:solidFill>
-                <a:latin typeface="Calibri"/>
-              </a:rPr>
-              <a:t>Model</a:t>
-            </a:r>
-            <a:endParaRPr lang="en-SG" sz="1200" b="1" dirty="0">
+                <a:prstDash val="sysDash"/>
+              </a:ln>
+              <a:effectLst/>
+            </p:spPr>
+            <p:style>
+              <a:lnRef idx="1">
+                <a:schemeClr val="accent1"/>
+              </a:lnRef>
+              <a:fillRef idx="2">
+                <a:schemeClr val="accent1"/>
+              </a:fillRef>
+              <a:effectRef idx="1">
+                <a:schemeClr val="accent1"/>
+              </a:effectRef>
+              <a:fontRef idx="minor">
+                <a:schemeClr val="dk1"/>
+              </a:fontRef>
+            </p:style>
+          </p:cxnSp>
+          <p:sp>
+            <p:nvSpPr>
+              <p:cNvPr id="73" name="Rectangle 72"/>
+              <p:cNvSpPr/>
+              <p:nvPr/>
+            </p:nvSpPr>
+            <p:spPr>
+              <a:xfrm>
+                <a:off x="10187717" y="5250693"/>
+                <a:ext cx="119322" cy="45719"/>
+              </a:xfrm>
+              <a:prstGeom prst="rect">
+                <a:avLst/>
+              </a:prstGeom>
               <a:solidFill>
                 <a:srgbClr val="7030A0"/>
               </a:solidFill>
-              <a:latin typeface="Calibri"/>
-            </a:endParaRPr>
-          </a:p>
-        </p:txBody>
-      </p:sp>
-      <p:sp>
-        <p:nvSpPr>
-          <p:cNvPr id="81" name="Rectangle 65"/>
-          <p:cNvSpPr/>
-          <p:nvPr/>
-        </p:nvSpPr>
-        <p:spPr>
-          <a:xfrm>
-            <a:off x="611732" y="137181"/>
-            <a:ext cx="8837067" cy="6029200"/>
-          </a:xfrm>
-          <a:prstGeom prst="roundRect">
-            <a:avLst>
-              <a:gd name="adj" fmla="val 3484"/>
-            </a:avLst>
-          </a:prstGeom>
-          <a:solidFill>
-            <a:schemeClr val="accent1">
-              <a:lumMod val="20000"/>
-              <a:lumOff val="80000"/>
-            </a:schemeClr>
-          </a:solidFill>
-          <a:ln w="19050">
-            <a:noFill/>
-          </a:ln>
-          <a:effectLst/>
-        </p:spPr>
-        <p:style>
-          <a:lnRef idx="1">
-            <a:schemeClr val="accent2"/>
-          </a:lnRef>
-          <a:fillRef idx="2">
-            <a:schemeClr val="accent2"/>
-          </a:fillRef>
-          <a:effectRef idx="1">
-            <a:schemeClr val="accent2"/>
-          </a:effectRef>
-          <a:fontRef idx="minor">
-            <a:schemeClr val="dk1"/>
-          </a:fontRef>
-        </p:style>
-        <p:txBody>
-          <a:bodyPr rtlCol="0" anchor="t"/>
-          <a:lstStyle/>
-          <a:p>
-            <a:r>
-              <a:rPr lang="en-US" sz="1200" b="1" dirty="0">
+              <a:ln>
+                <a:solidFill>
+                  <a:schemeClr val="accent4">
+                    <a:lumMod val="60000"/>
+                    <a:lumOff val="40000"/>
+                  </a:schemeClr>
+                </a:solidFill>
+              </a:ln>
+              <a:effectLst/>
+            </p:spPr>
+            <p:style>
+              <a:lnRef idx="1">
+                <a:schemeClr val="accent3"/>
+              </a:lnRef>
+              <a:fillRef idx="2">
+                <a:schemeClr val="accent3"/>
+              </a:fillRef>
+              <a:effectRef idx="1">
+                <a:schemeClr val="accent3"/>
+              </a:effectRef>
+              <a:fontRef idx="minor">
+                <a:schemeClr val="dk1"/>
+              </a:fontRef>
+            </p:style>
+            <p:txBody>
+              <a:bodyPr rtlCol="0" anchor="ctr"/>
+              <a:lstStyle/>
+              <a:p>
+                <a:pPr algn="ctr"/>
+                <a:endParaRPr lang="en-SG" sz="1400">
+                  <a:solidFill>
+                    <a:prstClr val="black"/>
+                  </a:solidFill>
+                  <a:latin typeface="Calibri"/>
+                </a:endParaRPr>
+              </a:p>
+            </p:txBody>
+          </p:sp>
+          <p:cxnSp>
+            <p:nvCxnSpPr>
+              <p:cNvPr id="75" name="Straight Arrow Connector 74"/>
+              <p:cNvCxnSpPr>
+                <a:cxnSpLocks/>
+                <a:endCxn id="84" idx="1"/>
+              </p:cNvCxnSpPr>
+              <p:nvPr/>
+            </p:nvCxnSpPr>
+            <p:spPr>
+              <a:xfrm>
+                <a:off x="5678960" y="5475555"/>
+                <a:ext cx="183778" cy="5627"/>
+              </a:xfrm>
+              <a:prstGeom prst="straightConnector1">
+                <a:avLst/>
+              </a:prstGeom>
+              <a:ln w="19050">
                 <a:solidFill>
                   <a:srgbClr val="0070C0"/>
                 </a:solidFill>
-                <a:latin typeface="Calibri"/>
-              </a:rPr>
-              <a:t>Logic</a:t>
-            </a:r>
-            <a:endParaRPr lang="en-SG" sz="1200" b="1" dirty="0">
+                <a:tailEnd type="arrow"/>
+              </a:ln>
+            </p:spPr>
+            <p:style>
+              <a:lnRef idx="1">
+                <a:schemeClr val="accent1"/>
+              </a:lnRef>
+              <a:fillRef idx="0">
+                <a:schemeClr val="accent1"/>
+              </a:fillRef>
+              <a:effectRef idx="0">
+                <a:schemeClr val="accent1"/>
+              </a:effectRef>
+              <a:fontRef idx="minor">
+                <a:schemeClr val="tx1"/>
+              </a:fontRef>
+            </p:style>
+          </p:cxnSp>
+          <p:cxnSp>
+            <p:nvCxnSpPr>
+              <p:cNvPr id="76" name="Straight Arrow Connector 75"/>
+              <p:cNvCxnSpPr>
+                <a:cxnSpLocks/>
+              </p:cNvCxnSpPr>
+              <p:nvPr/>
+            </p:nvCxnSpPr>
+            <p:spPr>
+              <a:xfrm>
+                <a:off x="5708424" y="5274037"/>
+                <a:ext cx="4538954" cy="0"/>
+              </a:xfrm>
+              <a:prstGeom prst="straightConnector1">
+                <a:avLst/>
+              </a:prstGeom>
+              <a:ln w="19050">
+                <a:solidFill>
+                  <a:srgbClr val="7030A0"/>
+                </a:solidFill>
+                <a:prstDash val="sysDash"/>
+                <a:headEnd type="arrow" w="med" len="med"/>
+                <a:tailEnd type="none" w="med" len="med"/>
+              </a:ln>
+            </p:spPr>
+            <p:style>
+              <a:lnRef idx="1">
+                <a:schemeClr val="accent1"/>
+              </a:lnRef>
+              <a:fillRef idx="0">
+                <a:schemeClr val="accent1"/>
+              </a:fillRef>
+              <a:effectRef idx="0">
+                <a:schemeClr val="accent1"/>
+              </a:effectRef>
+              <a:fontRef idx="minor">
+                <a:schemeClr val="tx1"/>
+              </a:fontRef>
+            </p:style>
+          </p:cxnSp>
+          <p:cxnSp>
+            <p:nvCxnSpPr>
+              <p:cNvPr id="77" name="Straight Arrow Connector 76"/>
+              <p:cNvCxnSpPr>
+                <a:cxnSpLocks/>
+                <a:endCxn id="65" idx="2"/>
+              </p:cNvCxnSpPr>
+              <p:nvPr/>
+            </p:nvCxnSpPr>
+            <p:spPr>
+              <a:xfrm flipV="1">
+                <a:off x="1653251" y="5818904"/>
+                <a:ext cx="3990733" cy="31450"/>
+              </a:xfrm>
+              <a:prstGeom prst="straightConnector1">
+                <a:avLst/>
+              </a:prstGeom>
+              <a:ln w="19050">
+                <a:solidFill>
+                  <a:srgbClr val="0070C0"/>
+                </a:solidFill>
+                <a:prstDash val="sysDash"/>
+                <a:headEnd type="arrow" w="med" len="med"/>
+                <a:tailEnd type="none" w="med" len="med"/>
+              </a:ln>
+            </p:spPr>
+            <p:style>
+              <a:lnRef idx="1">
+                <a:schemeClr val="accent1"/>
+              </a:lnRef>
+              <a:fillRef idx="0">
+                <a:schemeClr val="accent1"/>
+              </a:fillRef>
+              <a:effectRef idx="0">
+                <a:schemeClr val="accent1"/>
+              </a:effectRef>
+              <a:fontRef idx="minor">
+                <a:schemeClr val="tx1"/>
+              </a:fontRef>
+            </p:style>
+          </p:cxnSp>
+          <p:sp>
+            <p:nvSpPr>
+              <p:cNvPr id="78" name="TextBox 77"/>
+              <p:cNvSpPr txBox="1"/>
+              <p:nvPr/>
+            </p:nvSpPr>
+            <p:spPr>
+              <a:xfrm>
+                <a:off x="6136076" y="4927294"/>
+                <a:ext cx="1800153" cy="123111"/>
+              </a:xfrm>
+              <a:prstGeom prst="rect">
+                <a:avLst/>
+              </a:prstGeom>
+              <a:noFill/>
+            </p:spPr>
+            <p:txBody>
+              <a:bodyPr wrap="square" lIns="0" tIns="0" rIns="0" bIns="0" rtlCol="0">
+                <a:spAutoFit/>
+              </a:bodyPr>
+              <a:lstStyle>
+                <a:defPPr>
+                  <a:defRPr lang="en-US"/>
+                </a:defPPr>
+                <a:lvl1pPr algn="r">
+                  <a:defRPr sz="1400">
+                    <a:solidFill>
+                      <a:srgbClr val="0070C0"/>
+                    </a:solidFill>
+                  </a:defRPr>
+                </a:lvl1pPr>
+              </a:lstStyle>
+              <a:p>
+                <a:r>
+                  <a:rPr lang="en-US" sz="800" dirty="0" err="1">
+                    <a:solidFill>
+                      <a:srgbClr val="7030A0"/>
+                    </a:solidFill>
+                    <a:latin typeface="Calibri"/>
+                  </a:rPr>
+                  <a:t>updateStudentInternalField</a:t>
+                </a:r>
+                <a:r>
+                  <a:rPr lang="en-US" sz="800" dirty="0">
+                    <a:solidFill>
+                      <a:srgbClr val="7030A0"/>
+                    </a:solidFill>
+                    <a:latin typeface="Calibri"/>
+                  </a:rPr>
+                  <a:t>(t, edited)</a:t>
+                </a:r>
+              </a:p>
+            </p:txBody>
+          </p:sp>
+          <p:sp>
+            <p:nvSpPr>
+              <p:cNvPr id="79" name="TextBox 78"/>
+              <p:cNvSpPr txBox="1"/>
+              <p:nvPr/>
+            </p:nvSpPr>
+            <p:spPr>
+              <a:xfrm>
+                <a:off x="3552696" y="1620361"/>
+                <a:ext cx="884073" cy="369332"/>
+              </a:xfrm>
+              <a:prstGeom prst="rect">
+                <a:avLst/>
+              </a:prstGeom>
+              <a:noFill/>
+            </p:spPr>
+            <p:txBody>
+              <a:bodyPr wrap="square" lIns="0" tIns="0" rIns="0" bIns="0" rtlCol="0">
+                <a:spAutoFit/>
+              </a:bodyPr>
+              <a:lstStyle>
+                <a:defPPr>
+                  <a:defRPr lang="en-US"/>
+                </a:defPPr>
+                <a:lvl1pPr algn="r">
+                  <a:defRPr sz="1400">
+                    <a:solidFill>
+                      <a:srgbClr val="0070C0"/>
+                    </a:solidFill>
+                  </a:defRPr>
+                </a:lvl1pPr>
+              </a:lstStyle>
+              <a:p>
+                <a:r>
+                  <a:rPr lang="en-US" sz="1200" dirty="0">
+                    <a:latin typeface="Calibri"/>
+                  </a:rPr>
+                  <a:t>parse(“1 200 82018”)</a:t>
+                </a:r>
+              </a:p>
+            </p:txBody>
+          </p:sp>
+          <p:sp>
+            <p:nvSpPr>
+              <p:cNvPr id="80" name="TextBox 79"/>
+              <p:cNvSpPr txBox="1"/>
+              <p:nvPr/>
+            </p:nvSpPr>
+            <p:spPr>
+              <a:xfrm>
+                <a:off x="1742982" y="899005"/>
+                <a:ext cx="1424846" cy="430887"/>
+              </a:xfrm>
+              <a:prstGeom prst="rect">
+                <a:avLst/>
+              </a:prstGeom>
+              <a:noFill/>
+            </p:spPr>
+            <p:txBody>
+              <a:bodyPr wrap="square" lIns="0" tIns="0" rIns="0" bIns="0" rtlCol="0">
+                <a:spAutoFit/>
+              </a:bodyPr>
+              <a:lstStyle>
+                <a:defPPr>
+                  <a:defRPr lang="en-US"/>
+                </a:defPPr>
+                <a:lvl1pPr algn="r">
+                  <a:defRPr sz="1400">
+                    <a:solidFill>
+                      <a:srgbClr val="0070C0"/>
+                    </a:solidFill>
+                  </a:defRPr>
+                </a:lvl1pPr>
+              </a:lstStyle>
+              <a:p>
+                <a:r>
+                  <a:rPr lang="en-US" dirty="0">
+                    <a:latin typeface="Calibri"/>
+                  </a:rPr>
+                  <a:t>parse (“paid 1 200 8 2018”)</a:t>
+                </a:r>
+              </a:p>
+            </p:txBody>
+          </p:sp>
+          <p:sp>
+            <p:nvSpPr>
+              <p:cNvPr id="82" name="TextBox 81"/>
+              <p:cNvSpPr txBox="1"/>
+              <p:nvPr/>
+            </p:nvSpPr>
+            <p:spPr>
+              <a:xfrm>
+                <a:off x="4340137" y="5552347"/>
+                <a:ext cx="621216" cy="215444"/>
+              </a:xfrm>
+              <a:prstGeom prst="rect">
+                <a:avLst/>
+              </a:prstGeom>
+              <a:noFill/>
+            </p:spPr>
+            <p:txBody>
+              <a:bodyPr wrap="square" lIns="0" tIns="0" rIns="0" bIns="0" rtlCol="0">
+                <a:spAutoFit/>
+              </a:bodyPr>
+              <a:lstStyle>
+                <a:defPPr>
+                  <a:defRPr lang="en-US"/>
+                </a:defPPr>
+                <a:lvl1pPr algn="r">
+                  <a:defRPr sz="1400">
+                    <a:solidFill>
+                      <a:srgbClr val="0070C0"/>
+                    </a:solidFill>
+                  </a:defRPr>
+                </a:lvl1pPr>
+              </a:lstStyle>
+              <a:p>
+                <a:r>
+                  <a:rPr lang="en-US" dirty="0">
+                    <a:latin typeface="Calibri"/>
+                  </a:rPr>
+                  <a:t>result</a:t>
+                </a:r>
+              </a:p>
+            </p:txBody>
+          </p:sp>
+          <p:sp>
+            <p:nvSpPr>
+              <p:cNvPr id="83" name="TextBox 82"/>
+              <p:cNvSpPr txBox="1"/>
+              <p:nvPr/>
+            </p:nvSpPr>
+            <p:spPr>
+              <a:xfrm>
+                <a:off x="622848" y="5820948"/>
+                <a:ext cx="762000" cy="215444"/>
+              </a:xfrm>
+              <a:prstGeom prst="rect">
+                <a:avLst/>
+              </a:prstGeom>
+              <a:noFill/>
+            </p:spPr>
+            <p:txBody>
+              <a:bodyPr wrap="square" lIns="0" tIns="0" rIns="0" bIns="0" rtlCol="0">
+                <a:spAutoFit/>
+              </a:bodyPr>
+              <a:lstStyle>
+                <a:defPPr>
+                  <a:defRPr lang="en-US"/>
+                </a:defPPr>
+                <a:lvl1pPr algn="r">
+                  <a:defRPr sz="1400">
+                    <a:solidFill>
+                      <a:srgbClr val="0070C0"/>
+                    </a:solidFill>
+                  </a:defRPr>
+                </a:lvl1pPr>
+              </a:lstStyle>
+              <a:p>
+                <a:r>
+                  <a:rPr lang="en-US" dirty="0">
+                    <a:latin typeface="Calibri"/>
+                  </a:rPr>
+                  <a:t>result</a:t>
+                </a:r>
+              </a:p>
+            </p:txBody>
+          </p:sp>
+          <p:sp>
+            <p:nvSpPr>
+              <p:cNvPr id="84" name="Rectangle 62"/>
+              <p:cNvSpPr/>
+              <p:nvPr/>
+            </p:nvSpPr>
+            <p:spPr>
+              <a:xfrm>
+                <a:off x="5862738" y="5364992"/>
+                <a:ext cx="1676400" cy="232379"/>
+              </a:xfrm>
+              <a:prstGeom prst="rect">
+                <a:avLst/>
+              </a:prstGeom>
               <a:solidFill>
                 <a:srgbClr val="0070C0"/>
               </a:solidFill>
-              <a:latin typeface="Calibri"/>
-            </a:endParaRPr>
-          </a:p>
-        </p:txBody>
-      </p:sp>
-      <p:sp>
-        <p:nvSpPr>
-          <p:cNvPr id="2" name="Rectangle 62"/>
-          <p:cNvSpPr/>
-          <p:nvPr/>
-        </p:nvSpPr>
-        <p:spPr>
-          <a:xfrm>
-            <a:off x="845046" y="482841"/>
-            <a:ext cx="1455629" cy="346760"/>
-          </a:xfrm>
-          <a:prstGeom prst="rect">
-            <a:avLst/>
-          </a:prstGeom>
-          <a:solidFill>
-            <a:srgbClr val="0070C0"/>
-          </a:solidFill>
-          <a:ln w="19050">
-            <a:solidFill>
-              <a:srgbClr val="0070C0"/>
-            </a:solidFill>
-          </a:ln>
-          <a:effectLst/>
-        </p:spPr>
-        <p:style>
-          <a:lnRef idx="1">
-            <a:schemeClr val="accent2"/>
-          </a:lnRef>
-          <a:fillRef idx="2">
-            <a:schemeClr val="accent2"/>
-          </a:fillRef>
-          <a:effectRef idx="1">
-            <a:schemeClr val="accent2"/>
-          </a:effectRef>
-          <a:fontRef idx="minor">
-            <a:schemeClr val="dk1"/>
-          </a:fontRef>
-        </p:style>
-        <p:txBody>
-          <a:bodyPr rtlCol="0" anchor="ctr"/>
-          <a:lstStyle/>
-          <a:p>
-            <a:pPr algn="ctr"/>
-            <a:r>
-              <a:rPr lang="en-US" sz="1600" dirty="0">
-                <a:solidFill>
-                  <a:prstClr val="white"/>
-                </a:solidFill>
-                <a:latin typeface="Calibri"/>
-              </a:rPr>
-              <a:t>:</a:t>
-            </a:r>
-            <a:r>
-              <a:rPr lang="en-US" sz="1600" dirty="0" err="1">
-                <a:solidFill>
-                  <a:prstClr val="white"/>
-                </a:solidFill>
-                <a:latin typeface="Calibri"/>
-              </a:rPr>
-              <a:t>LogicManager</a:t>
-            </a:r>
-            <a:endParaRPr lang="en-SG" sz="1600" dirty="0">
-              <a:solidFill>
-                <a:prstClr val="white"/>
-              </a:solidFill>
-              <a:latin typeface="Calibri"/>
-            </a:endParaRPr>
-          </a:p>
-        </p:txBody>
-      </p:sp>
-      <p:cxnSp>
-        <p:nvCxnSpPr>
-          <p:cNvPr id="5" name="Straight Connector 4"/>
-          <p:cNvCxnSpPr>
-            <a:cxnSpLocks/>
-            <a:stCxn id="2" idx="2"/>
-          </p:cNvCxnSpPr>
-          <p:nvPr/>
-        </p:nvCxnSpPr>
-        <p:spPr>
-          <a:xfrm>
-            <a:off x="1572860" y="829602"/>
-            <a:ext cx="0" cy="3650803"/>
-          </a:xfrm>
-          <a:prstGeom prst="line">
-            <a:avLst/>
-          </a:prstGeom>
-          <a:ln w="19050">
-            <a:solidFill>
-              <a:srgbClr val="0070C0"/>
-            </a:solidFill>
-            <a:prstDash val="sysDash"/>
-          </a:ln>
-          <a:effectLst/>
-        </p:spPr>
-        <p:style>
-          <a:lnRef idx="1">
-            <a:schemeClr val="accent1"/>
-          </a:lnRef>
-          <a:fillRef idx="2">
-            <a:schemeClr val="accent1"/>
-          </a:fillRef>
-          <a:effectRef idx="1">
-            <a:schemeClr val="accent1"/>
-          </a:effectRef>
-          <a:fontRef idx="minor">
-            <a:schemeClr val="dk1"/>
-          </a:fontRef>
-        </p:style>
-      </p:cxnSp>
-      <p:sp>
-        <p:nvSpPr>
-          <p:cNvPr id="6" name="Rectangle 5"/>
-          <p:cNvSpPr/>
-          <p:nvPr/>
-        </p:nvSpPr>
-        <p:spPr>
-          <a:xfrm>
-            <a:off x="1500850" y="912164"/>
-            <a:ext cx="133093" cy="5165899"/>
-          </a:xfrm>
-          <a:prstGeom prst="rect">
-            <a:avLst/>
-          </a:prstGeom>
-          <a:solidFill>
-            <a:srgbClr val="0070C0"/>
-          </a:solidFill>
-          <a:ln>
-            <a:solidFill>
-              <a:srgbClr val="0070C0"/>
-            </a:solidFill>
-          </a:ln>
-          <a:effectLst/>
-        </p:spPr>
-        <p:style>
-          <a:lnRef idx="1">
-            <a:schemeClr val="accent3"/>
-          </a:lnRef>
-          <a:fillRef idx="2">
-            <a:schemeClr val="accent3"/>
-          </a:fillRef>
-          <a:effectRef idx="1">
-            <a:schemeClr val="accent3"/>
-          </a:effectRef>
-          <a:fontRef idx="minor">
-            <a:schemeClr val="dk1"/>
-          </a:fontRef>
-        </p:style>
-        <p:txBody>
-          <a:bodyPr rtlCol="0" anchor="ctr"/>
-          <a:lstStyle/>
-          <a:p>
-            <a:pPr algn="ctr"/>
-            <a:endParaRPr lang="en-SG" sz="1400">
-              <a:solidFill>
-                <a:prstClr val="black"/>
-              </a:solidFill>
-              <a:latin typeface="Calibri"/>
-            </a:endParaRPr>
-          </a:p>
-        </p:txBody>
-      </p:sp>
-      <p:sp>
-        <p:nvSpPr>
-          <p:cNvPr id="16" name="Rectangle 62"/>
-          <p:cNvSpPr/>
-          <p:nvPr/>
-        </p:nvSpPr>
-        <p:spPr>
-          <a:xfrm>
-            <a:off x="2697186" y="357729"/>
-            <a:ext cx="1278289" cy="467684"/>
-          </a:xfrm>
-          <a:prstGeom prst="rect">
-            <a:avLst/>
-          </a:prstGeom>
-          <a:solidFill>
-            <a:srgbClr val="0070C0"/>
-          </a:solidFill>
-          <a:ln w="19050">
-            <a:solidFill>
-              <a:srgbClr val="0070C0"/>
-            </a:solidFill>
-          </a:ln>
-          <a:effectLst/>
-        </p:spPr>
-        <p:style>
-          <a:lnRef idx="1">
-            <a:schemeClr val="accent2"/>
-          </a:lnRef>
-          <a:fillRef idx="2">
-            <a:schemeClr val="accent2"/>
-          </a:fillRef>
-          <a:effectRef idx="1">
-            <a:schemeClr val="accent2"/>
-          </a:effectRef>
-          <a:fontRef idx="minor">
-            <a:schemeClr val="dk1"/>
-          </a:fontRef>
-        </p:style>
-        <p:txBody>
-          <a:bodyPr rtlCol="0" anchor="ctr"/>
-          <a:lstStyle/>
-          <a:p>
-            <a:pPr algn="ctr"/>
-            <a:r>
-              <a:rPr lang="en-US" sz="1600" dirty="0">
-                <a:solidFill>
-                  <a:prstClr val="white"/>
-                </a:solidFill>
-                <a:latin typeface="Calibri"/>
-              </a:rPr>
-              <a:t>:</a:t>
-            </a:r>
-            <a:r>
-              <a:rPr lang="en-US" sz="1600" dirty="0" err="1">
-                <a:solidFill>
-                  <a:prstClr val="white"/>
-                </a:solidFill>
-                <a:latin typeface="Calibri"/>
-              </a:rPr>
-              <a:t>TutorHelperParser</a:t>
-            </a:r>
-            <a:endParaRPr lang="en-SG" sz="1600" dirty="0">
-              <a:solidFill>
-                <a:prstClr val="white"/>
-              </a:solidFill>
-              <a:latin typeface="Calibri"/>
-            </a:endParaRPr>
-          </a:p>
-        </p:txBody>
-      </p:sp>
-      <p:cxnSp>
-        <p:nvCxnSpPr>
-          <p:cNvPr id="17" name="Straight Connector 16"/>
-          <p:cNvCxnSpPr>
-            <a:cxnSpLocks/>
-          </p:cNvCxnSpPr>
-          <p:nvPr/>
-        </p:nvCxnSpPr>
-        <p:spPr>
-          <a:xfrm flipH="1">
-            <a:off x="3315939" y="825413"/>
-            <a:ext cx="29544" cy="2213910"/>
-          </a:xfrm>
-          <a:prstGeom prst="line">
-            <a:avLst/>
-          </a:prstGeom>
-          <a:ln w="19050">
-            <a:solidFill>
-              <a:srgbClr val="0070C0"/>
-            </a:solidFill>
-            <a:prstDash val="sysDash"/>
-          </a:ln>
-          <a:effectLst/>
-        </p:spPr>
-        <p:style>
-          <a:lnRef idx="1">
-            <a:schemeClr val="accent1"/>
-          </a:lnRef>
-          <a:fillRef idx="2">
-            <a:schemeClr val="accent1"/>
-          </a:fillRef>
-          <a:effectRef idx="1">
-            <a:schemeClr val="accent1"/>
-          </a:effectRef>
-          <a:fontRef idx="minor">
-            <a:schemeClr val="dk1"/>
-          </a:fontRef>
-        </p:style>
-      </p:cxnSp>
-      <p:sp>
-        <p:nvSpPr>
-          <p:cNvPr id="18" name="Rectangle 17"/>
-          <p:cNvSpPr/>
-          <p:nvPr/>
-        </p:nvSpPr>
-        <p:spPr>
-          <a:xfrm>
-            <a:off x="3272374" y="917791"/>
-            <a:ext cx="155699" cy="1999143"/>
-          </a:xfrm>
-          <a:prstGeom prst="rect">
-            <a:avLst/>
-          </a:prstGeom>
-          <a:solidFill>
-            <a:srgbClr val="0070C0"/>
-          </a:solidFill>
-          <a:ln>
-            <a:solidFill>
-              <a:srgbClr val="0070C0"/>
-            </a:solidFill>
-          </a:ln>
-          <a:effectLst/>
-        </p:spPr>
-        <p:style>
-          <a:lnRef idx="1">
-            <a:schemeClr val="accent3"/>
-          </a:lnRef>
-          <a:fillRef idx="2">
-            <a:schemeClr val="accent3"/>
-          </a:fillRef>
-          <a:effectRef idx="1">
-            <a:schemeClr val="accent3"/>
-          </a:effectRef>
-          <a:fontRef idx="minor">
-            <a:schemeClr val="dk1"/>
-          </a:fontRef>
-        </p:style>
-        <p:txBody>
-          <a:bodyPr rtlCol="0" anchor="ctr"/>
-          <a:lstStyle/>
-          <a:p>
-            <a:pPr algn="ctr"/>
-            <a:endParaRPr lang="en-SG" sz="1400">
-              <a:solidFill>
-                <a:prstClr val="black"/>
-              </a:solidFill>
-              <a:latin typeface="Calibri"/>
-            </a:endParaRPr>
-          </a:p>
-        </p:txBody>
-      </p:sp>
-      <p:sp>
-        <p:nvSpPr>
-          <p:cNvPr id="19" name="Rectangle 62"/>
-          <p:cNvSpPr/>
-          <p:nvPr/>
-        </p:nvSpPr>
-        <p:spPr>
-          <a:xfrm>
-            <a:off x="5213820" y="1566467"/>
-            <a:ext cx="852827" cy="317402"/>
-          </a:xfrm>
-          <a:prstGeom prst="rect">
-            <a:avLst/>
-          </a:prstGeom>
-          <a:solidFill>
-            <a:srgbClr val="0070C0"/>
-          </a:solidFill>
-          <a:ln w="19050">
-            <a:solidFill>
-              <a:srgbClr val="0070C0"/>
-            </a:solidFill>
-          </a:ln>
-          <a:effectLst/>
-        </p:spPr>
-        <p:style>
-          <a:lnRef idx="1">
-            <a:schemeClr val="accent2"/>
-          </a:lnRef>
-          <a:fillRef idx="2">
-            <a:schemeClr val="accent2"/>
-          </a:fillRef>
-          <a:effectRef idx="1">
-            <a:schemeClr val="accent2"/>
-          </a:effectRef>
-          <a:fontRef idx="minor">
-            <a:schemeClr val="dk1"/>
-          </a:fontRef>
-        </p:style>
-        <p:txBody>
-          <a:bodyPr rtlCol="0" anchor="ctr"/>
-          <a:lstStyle/>
-          <a:p>
-            <a:pPr algn="ctr"/>
-            <a:r>
-              <a:rPr lang="en-US" sz="1200" dirty="0">
-                <a:solidFill>
-                  <a:prstClr val="white"/>
-                </a:solidFill>
-                <a:latin typeface="Calibri"/>
-              </a:rPr>
-              <a:t>p:Payment</a:t>
-            </a:r>
-            <a:endParaRPr lang="en-SG" sz="1200" dirty="0">
-              <a:solidFill>
-                <a:prstClr val="white"/>
-              </a:solidFill>
-              <a:latin typeface="Calibri"/>
-            </a:endParaRPr>
-          </a:p>
-        </p:txBody>
-      </p:sp>
-      <p:cxnSp>
-        <p:nvCxnSpPr>
-          <p:cNvPr id="20" name="Straight Connector 19"/>
-          <p:cNvCxnSpPr>
-            <a:cxnSpLocks/>
-          </p:cNvCxnSpPr>
-          <p:nvPr/>
-        </p:nvCxnSpPr>
-        <p:spPr>
-          <a:xfrm>
-            <a:off x="5627253" y="2140249"/>
-            <a:ext cx="28210" cy="2686588"/>
-          </a:xfrm>
-          <a:prstGeom prst="line">
-            <a:avLst/>
-          </a:prstGeom>
-          <a:ln w="19050">
-            <a:solidFill>
-              <a:srgbClr val="0070C0"/>
-            </a:solidFill>
-            <a:prstDash val="sysDash"/>
-          </a:ln>
-          <a:effectLst/>
-        </p:spPr>
-        <p:style>
-          <a:lnRef idx="1">
-            <a:schemeClr val="accent1"/>
-          </a:lnRef>
-          <a:fillRef idx="2">
-            <a:schemeClr val="accent1"/>
-          </a:fillRef>
-          <a:effectRef idx="1">
-            <a:schemeClr val="accent1"/>
-          </a:effectRef>
-          <a:fontRef idx="minor">
-            <a:schemeClr val="dk1"/>
-          </a:fontRef>
-        </p:style>
-      </p:cxnSp>
-      <p:sp>
-        <p:nvSpPr>
-          <p:cNvPr id="21" name="Rectangle 20"/>
-          <p:cNvSpPr/>
-          <p:nvPr/>
-        </p:nvSpPr>
-        <p:spPr>
-          <a:xfrm>
-            <a:off x="5562601" y="1896584"/>
-            <a:ext cx="117613" cy="185051"/>
-          </a:xfrm>
-          <a:prstGeom prst="rect">
-            <a:avLst/>
-          </a:prstGeom>
-          <a:solidFill>
-            <a:srgbClr val="0070C0"/>
-          </a:solidFill>
-          <a:ln>
-            <a:solidFill>
-              <a:srgbClr val="0070C0"/>
-            </a:solidFill>
-          </a:ln>
-          <a:effectLst/>
-        </p:spPr>
-        <p:style>
-          <a:lnRef idx="1">
-            <a:schemeClr val="accent3"/>
-          </a:lnRef>
-          <a:fillRef idx="2">
-            <a:schemeClr val="accent3"/>
-          </a:fillRef>
-          <a:effectRef idx="1">
-            <a:schemeClr val="accent3"/>
-          </a:effectRef>
-          <a:fontRef idx="minor">
-            <a:schemeClr val="dk1"/>
-          </a:fontRef>
-        </p:style>
-        <p:txBody>
-          <a:bodyPr rtlCol="0" anchor="ctr"/>
-          <a:lstStyle/>
-          <a:p>
-            <a:pPr algn="ctr"/>
-            <a:endParaRPr lang="en-SG" sz="1400">
-              <a:solidFill>
-                <a:prstClr val="black"/>
-              </a:solidFill>
-              <a:latin typeface="Calibri"/>
-            </a:endParaRPr>
-          </a:p>
-        </p:txBody>
-      </p:sp>
-      <p:cxnSp>
-        <p:nvCxnSpPr>
-          <p:cNvPr id="23" name="Straight Arrow Connector 22"/>
-          <p:cNvCxnSpPr>
-            <a:cxnSpLocks/>
-          </p:cNvCxnSpPr>
-          <p:nvPr/>
-        </p:nvCxnSpPr>
-        <p:spPr>
-          <a:xfrm>
-            <a:off x="380999" y="929330"/>
-            <a:ext cx="1119851" cy="0"/>
-          </a:xfrm>
-          <a:prstGeom prst="straightConnector1">
-            <a:avLst/>
-          </a:prstGeom>
-          <a:ln w="19050">
-            <a:solidFill>
-              <a:srgbClr val="00B050"/>
-            </a:solidFill>
-            <a:tailEnd type="arrow"/>
-          </a:ln>
-        </p:spPr>
-        <p:style>
-          <a:lnRef idx="1">
-            <a:schemeClr val="accent1"/>
-          </a:lnRef>
-          <a:fillRef idx="0">
-            <a:schemeClr val="accent1"/>
-          </a:fillRef>
-          <a:effectRef idx="0">
-            <a:schemeClr val="accent1"/>
-          </a:effectRef>
-          <a:fontRef idx="minor">
-            <a:schemeClr val="tx1"/>
-          </a:fontRef>
-        </p:style>
-      </p:cxnSp>
-      <p:cxnSp>
-        <p:nvCxnSpPr>
-          <p:cNvPr id="25" name="Straight Arrow Connector 24"/>
-          <p:cNvCxnSpPr>
-            <a:cxnSpLocks/>
-          </p:cNvCxnSpPr>
-          <p:nvPr/>
-        </p:nvCxnSpPr>
-        <p:spPr>
-          <a:xfrm flipV="1">
-            <a:off x="1653251" y="1125503"/>
-            <a:ext cx="1619123" cy="1"/>
-          </a:xfrm>
-          <a:prstGeom prst="straightConnector1">
-            <a:avLst/>
-          </a:prstGeom>
-          <a:ln w="19050">
-            <a:solidFill>
-              <a:srgbClr val="0070C0"/>
-            </a:solidFill>
-            <a:tailEnd type="arrow"/>
-          </a:ln>
-        </p:spPr>
-        <p:style>
-          <a:lnRef idx="1">
-            <a:schemeClr val="accent1"/>
-          </a:lnRef>
-          <a:fillRef idx="0">
-            <a:schemeClr val="accent1"/>
-          </a:fillRef>
-          <a:effectRef idx="0">
-            <a:schemeClr val="accent1"/>
-          </a:effectRef>
-          <a:fontRef idx="minor">
-            <a:schemeClr val="tx1"/>
-          </a:fontRef>
-        </p:style>
-      </p:cxnSp>
-      <p:sp>
-        <p:nvSpPr>
-          <p:cNvPr id="26" name="TextBox 25"/>
-          <p:cNvSpPr txBox="1"/>
-          <p:nvPr/>
-        </p:nvSpPr>
-        <p:spPr>
-          <a:xfrm>
-            <a:off x="13336" y="990595"/>
-            <a:ext cx="1424846" cy="369332"/>
-          </a:xfrm>
-          <a:prstGeom prst="rect">
-            <a:avLst/>
-          </a:prstGeom>
-          <a:noFill/>
-        </p:spPr>
-        <p:txBody>
-          <a:bodyPr wrap="square" lIns="0" tIns="0" rIns="0" bIns="0" rtlCol="0">
-            <a:spAutoFit/>
-          </a:bodyPr>
-          <a:lstStyle/>
-          <a:p>
-            <a:pPr algn="r"/>
-            <a:r>
-              <a:rPr lang="en-US" sz="1200" dirty="0">
+              <a:ln w="19050">
                 <a:solidFill>
                   <a:srgbClr val="0070C0"/>
                 </a:solidFill>
-                <a:latin typeface="Calibri"/>
-              </a:rPr>
-              <a:t>execute(“paid 1 200 8 2018”)</a:t>
-            </a:r>
-          </a:p>
-        </p:txBody>
-      </p:sp>
-      <p:cxnSp>
-        <p:nvCxnSpPr>
-          <p:cNvPr id="28" name="Straight Arrow Connector 27"/>
-          <p:cNvCxnSpPr>
-            <a:cxnSpLocks/>
-          </p:cNvCxnSpPr>
-          <p:nvPr/>
-        </p:nvCxnSpPr>
-        <p:spPr>
-          <a:xfrm>
-            <a:off x="4818085" y="1773916"/>
-            <a:ext cx="383077" cy="0"/>
-          </a:xfrm>
-          <a:prstGeom prst="straightConnector1">
-            <a:avLst/>
-          </a:prstGeom>
-          <a:ln w="19050">
-            <a:solidFill>
-              <a:srgbClr val="0070C0"/>
-            </a:solidFill>
-            <a:tailEnd type="arrow"/>
-          </a:ln>
-        </p:spPr>
-        <p:style>
-          <a:lnRef idx="1">
-            <a:schemeClr val="accent1"/>
-          </a:lnRef>
-          <a:fillRef idx="0">
-            <a:schemeClr val="accent1"/>
-          </a:fillRef>
-          <a:effectRef idx="0">
-            <a:schemeClr val="accent1"/>
-          </a:effectRef>
-          <a:fontRef idx="minor">
-            <a:schemeClr val="tx1"/>
-          </a:fontRef>
-        </p:style>
-      </p:cxnSp>
-      <p:sp>
-        <p:nvSpPr>
-          <p:cNvPr id="29" name="TextBox 28"/>
-          <p:cNvSpPr txBox="1"/>
-          <p:nvPr/>
-        </p:nvSpPr>
-        <p:spPr>
-          <a:xfrm>
-            <a:off x="3352801" y="2918304"/>
-            <a:ext cx="855809" cy="215444"/>
-          </a:xfrm>
-          <a:prstGeom prst="rect">
-            <a:avLst/>
-          </a:prstGeom>
-          <a:noFill/>
-        </p:spPr>
-        <p:txBody>
-          <a:bodyPr wrap="square" lIns="0" tIns="0" rIns="0" bIns="0" rtlCol="0">
-            <a:spAutoFit/>
-          </a:bodyPr>
-          <a:lstStyle>
-            <a:defPPr>
-              <a:defRPr lang="en-US"/>
-            </a:defPPr>
-            <a:lvl1pPr algn="r">
-              <a:defRPr sz="1400">
+              </a:ln>
+              <a:effectLst/>
+            </p:spPr>
+            <p:style>
+              <a:lnRef idx="1">
+                <a:schemeClr val="accent2"/>
+              </a:lnRef>
+              <a:fillRef idx="2">
+                <a:schemeClr val="accent2"/>
+              </a:fillRef>
+              <a:effectRef idx="1">
+                <a:schemeClr val="accent2"/>
+              </a:effectRef>
+              <a:fontRef idx="minor">
+                <a:schemeClr val="dk1"/>
+              </a:fontRef>
+            </p:style>
+            <p:txBody>
+              <a:bodyPr rtlCol="0" anchor="ctr"/>
+              <a:lstStyle/>
+              <a:p>
+                <a:pPr algn="ctr"/>
+                <a:r>
+                  <a:rPr lang="en-US" sz="1200" dirty="0" err="1">
+                    <a:solidFill>
+                      <a:prstClr val="white"/>
+                    </a:solidFill>
+                    <a:latin typeface="Calibri"/>
+                  </a:rPr>
+                  <a:t>result:CommandResult</a:t>
+                </a:r>
+                <a:endParaRPr lang="en-SG" sz="1200" dirty="0">
+                  <a:solidFill>
+                    <a:prstClr val="white"/>
+                  </a:solidFill>
+                  <a:latin typeface="Calibri"/>
+                </a:endParaRPr>
+              </a:p>
+            </p:txBody>
+          </p:sp>
+          <p:sp>
+            <p:nvSpPr>
+              <p:cNvPr id="86" name="Rectangle 85"/>
+              <p:cNvSpPr/>
+              <p:nvPr/>
+            </p:nvSpPr>
+            <p:spPr>
+              <a:xfrm>
+                <a:off x="6624738" y="5610087"/>
+                <a:ext cx="152400" cy="113636"/>
+              </a:xfrm>
+              <a:prstGeom prst="rect">
+                <a:avLst/>
+              </a:prstGeom>
+              <a:solidFill>
+                <a:srgbClr val="0070C0"/>
+              </a:solidFill>
+              <a:ln>
                 <a:solidFill>
                   <a:srgbClr val="0070C0"/>
                 </a:solidFill>
-              </a:defRPr>
-            </a:lvl1pPr>
-          </a:lstStyle>
-          <a:p>
-            <a:r>
-              <a:rPr lang="en-US" dirty="0">
-                <a:latin typeface="Calibri"/>
-              </a:rPr>
-              <a:t>execute()</a:t>
-            </a:r>
-          </a:p>
-        </p:txBody>
-      </p:sp>
-      <p:cxnSp>
-        <p:nvCxnSpPr>
-          <p:cNvPr id="34" name="Straight Arrow Connector 33"/>
-          <p:cNvCxnSpPr>
-            <a:cxnSpLocks/>
-          </p:cNvCxnSpPr>
-          <p:nvPr/>
-        </p:nvCxnSpPr>
-        <p:spPr>
-          <a:xfrm>
-            <a:off x="4826241" y="2076935"/>
-            <a:ext cx="809294" cy="2043"/>
-          </a:xfrm>
-          <a:prstGeom prst="straightConnector1">
-            <a:avLst/>
-          </a:prstGeom>
-          <a:ln w="19050">
-            <a:solidFill>
-              <a:srgbClr val="0070C0"/>
-            </a:solidFill>
-            <a:prstDash val="sysDash"/>
-            <a:headEnd type="arrow" w="med" len="med"/>
-            <a:tailEnd type="none" w="med" len="med"/>
-          </a:ln>
-        </p:spPr>
-        <p:style>
-          <a:lnRef idx="1">
-            <a:schemeClr val="accent1"/>
-          </a:lnRef>
-          <a:fillRef idx="0">
-            <a:schemeClr val="accent1"/>
-          </a:fillRef>
-          <a:effectRef idx="0">
-            <a:schemeClr val="accent1"/>
-          </a:effectRef>
-          <a:fontRef idx="minor">
-            <a:schemeClr val="tx1"/>
-          </a:fontRef>
-        </p:style>
-      </p:cxnSp>
-      <p:cxnSp>
-        <p:nvCxnSpPr>
-          <p:cNvPr id="35" name="Straight Arrow Connector 34"/>
-          <p:cNvCxnSpPr>
-            <a:cxnSpLocks/>
-          </p:cNvCxnSpPr>
-          <p:nvPr/>
-        </p:nvCxnSpPr>
-        <p:spPr>
-          <a:xfrm flipV="1">
-            <a:off x="1635848" y="2903782"/>
-            <a:ext cx="1630852" cy="13156"/>
-          </a:xfrm>
-          <a:prstGeom prst="straightConnector1">
-            <a:avLst/>
-          </a:prstGeom>
-          <a:ln w="19050">
-            <a:solidFill>
-              <a:srgbClr val="0070C0"/>
-            </a:solidFill>
-            <a:prstDash val="sysDash"/>
-            <a:headEnd type="arrow" w="med" len="med"/>
-            <a:tailEnd type="none" w="med" len="med"/>
-          </a:ln>
-        </p:spPr>
-        <p:style>
-          <a:lnRef idx="1">
-            <a:schemeClr val="accent1"/>
-          </a:lnRef>
-          <a:fillRef idx="0">
-            <a:schemeClr val="accent1"/>
-          </a:fillRef>
-          <a:effectRef idx="0">
-            <a:schemeClr val="accent1"/>
-          </a:effectRef>
-          <a:fontRef idx="minor">
-            <a:schemeClr val="tx1"/>
-          </a:fontRef>
-        </p:style>
-      </p:cxnSp>
-      <p:cxnSp>
-        <p:nvCxnSpPr>
-          <p:cNvPr id="37" name="Straight Arrow Connector 36"/>
-          <p:cNvCxnSpPr>
-            <a:cxnSpLocks/>
-          </p:cNvCxnSpPr>
-          <p:nvPr/>
-        </p:nvCxnSpPr>
-        <p:spPr>
-          <a:xfrm>
-            <a:off x="327666" y="6073660"/>
-            <a:ext cx="1196051" cy="0"/>
-          </a:xfrm>
-          <a:prstGeom prst="straightConnector1">
-            <a:avLst/>
-          </a:prstGeom>
-          <a:ln w="19050">
-            <a:solidFill>
-              <a:schemeClr val="accent1"/>
-            </a:solidFill>
-            <a:prstDash val="sysDash"/>
-            <a:headEnd type="arrow" w="med" len="med"/>
-            <a:tailEnd type="none" w="med" len="med"/>
-          </a:ln>
-        </p:spPr>
-        <p:style>
-          <a:lnRef idx="1">
-            <a:schemeClr val="accent1"/>
-          </a:lnRef>
-          <a:fillRef idx="0">
-            <a:schemeClr val="accent1"/>
-          </a:fillRef>
-          <a:effectRef idx="0">
-            <a:schemeClr val="accent1"/>
-          </a:effectRef>
-          <a:fontRef idx="minor">
-            <a:schemeClr val="tx1"/>
-          </a:fontRef>
-        </p:style>
-      </p:cxnSp>
-      <p:sp>
-        <p:nvSpPr>
-          <p:cNvPr id="39" name="Rectangle 62"/>
-          <p:cNvSpPr/>
-          <p:nvPr/>
-        </p:nvSpPr>
-        <p:spPr>
-          <a:xfrm>
-            <a:off x="9808430" y="4945224"/>
-            <a:ext cx="878029" cy="228600"/>
-          </a:xfrm>
-          <a:prstGeom prst="rect">
-            <a:avLst/>
-          </a:prstGeom>
-          <a:solidFill>
-            <a:schemeClr val="accent4">
-              <a:lumMod val="60000"/>
-              <a:lumOff val="40000"/>
-            </a:schemeClr>
-          </a:solidFill>
-          <a:ln w="19050">
-            <a:solidFill>
-              <a:schemeClr val="accent4">
-                <a:lumMod val="60000"/>
-                <a:lumOff val="40000"/>
-              </a:schemeClr>
-            </a:solidFill>
-          </a:ln>
-          <a:effectLst/>
-        </p:spPr>
-        <p:style>
-          <a:lnRef idx="1">
-            <a:schemeClr val="accent2"/>
-          </a:lnRef>
-          <a:fillRef idx="2">
-            <a:schemeClr val="accent2"/>
-          </a:fillRef>
-          <a:effectRef idx="1">
-            <a:schemeClr val="accent2"/>
-          </a:effectRef>
-          <a:fontRef idx="minor">
-            <a:schemeClr val="dk1"/>
-          </a:fontRef>
-        </p:style>
-        <p:txBody>
-          <a:bodyPr rtlCol="0" anchor="ctr"/>
-          <a:lstStyle/>
-          <a:p>
-            <a:pPr algn="ctr"/>
-            <a:r>
-              <a:rPr lang="en-US" sz="1600" dirty="0">
-                <a:solidFill>
-                  <a:prstClr val="white"/>
-                </a:solidFill>
-                <a:latin typeface="Calibri"/>
-              </a:rPr>
-              <a:t>:Model</a:t>
-            </a:r>
-            <a:endParaRPr lang="en-SG" sz="1600" dirty="0">
-              <a:solidFill>
-                <a:prstClr val="white"/>
-              </a:solidFill>
-              <a:latin typeface="Calibri"/>
-            </a:endParaRPr>
-          </a:p>
-        </p:txBody>
-      </p:sp>
-      <p:cxnSp>
-        <p:nvCxnSpPr>
-          <p:cNvPr id="64" name="Straight Arrow Connector 63"/>
-          <p:cNvCxnSpPr>
-            <a:cxnSpLocks/>
-          </p:cNvCxnSpPr>
-          <p:nvPr/>
-        </p:nvCxnSpPr>
-        <p:spPr>
-          <a:xfrm>
-            <a:off x="1622266" y="3156652"/>
-            <a:ext cx="3972124" cy="4742"/>
-          </a:xfrm>
-          <a:prstGeom prst="straightConnector1">
-            <a:avLst/>
-          </a:prstGeom>
-          <a:ln w="19050">
-            <a:solidFill>
-              <a:srgbClr val="0070C0"/>
-            </a:solidFill>
-            <a:tailEnd type="arrow"/>
-          </a:ln>
-        </p:spPr>
-        <p:style>
-          <a:lnRef idx="1">
-            <a:schemeClr val="accent1"/>
-          </a:lnRef>
-          <a:fillRef idx="0">
-            <a:schemeClr val="accent1"/>
-          </a:fillRef>
-          <a:effectRef idx="0">
-            <a:schemeClr val="accent1"/>
-          </a:effectRef>
-          <a:fontRef idx="minor">
-            <a:schemeClr val="tx1"/>
-          </a:fontRef>
-        </p:style>
-      </p:cxnSp>
-      <p:sp>
-        <p:nvSpPr>
-          <p:cNvPr id="65" name="Rectangle 64"/>
-          <p:cNvSpPr/>
-          <p:nvPr/>
-        </p:nvSpPr>
-        <p:spPr>
-          <a:xfrm>
-            <a:off x="5599895" y="3155974"/>
-            <a:ext cx="88177" cy="2662930"/>
-          </a:xfrm>
-          <a:prstGeom prst="rect">
-            <a:avLst/>
-          </a:prstGeom>
-          <a:solidFill>
-            <a:srgbClr val="0070C0"/>
-          </a:solidFill>
-          <a:ln>
-            <a:solidFill>
-              <a:srgbClr val="0070C0"/>
-            </a:solidFill>
-          </a:ln>
-          <a:effectLst/>
-        </p:spPr>
-        <p:style>
-          <a:lnRef idx="1">
-            <a:schemeClr val="accent3"/>
-          </a:lnRef>
-          <a:fillRef idx="2">
-            <a:schemeClr val="accent3"/>
-          </a:fillRef>
-          <a:effectRef idx="1">
-            <a:schemeClr val="accent3"/>
-          </a:effectRef>
-          <a:fontRef idx="minor">
-            <a:schemeClr val="dk1"/>
-          </a:fontRef>
-        </p:style>
-        <p:txBody>
-          <a:bodyPr rtlCol="0" anchor="ctr"/>
-          <a:lstStyle/>
-          <a:p>
-            <a:pPr algn="ctr"/>
-            <a:endParaRPr lang="en-SG" sz="1400">
-              <a:solidFill>
-                <a:prstClr val="black"/>
-              </a:solidFill>
-              <a:latin typeface="Calibri"/>
-            </a:endParaRPr>
-          </a:p>
-        </p:txBody>
-      </p:sp>
-      <p:cxnSp>
-        <p:nvCxnSpPr>
-          <p:cNvPr id="71" name="Straight Connector 70"/>
-          <p:cNvCxnSpPr>
-            <a:cxnSpLocks/>
-            <a:stCxn id="39" idx="2"/>
-          </p:cNvCxnSpPr>
-          <p:nvPr/>
-        </p:nvCxnSpPr>
-        <p:spPr>
-          <a:xfrm>
-            <a:off x="10247444" y="5173825"/>
-            <a:ext cx="13180" cy="904239"/>
-          </a:xfrm>
-          <a:prstGeom prst="line">
-            <a:avLst/>
-          </a:prstGeom>
-          <a:ln w="19050">
-            <a:solidFill>
-              <a:schemeClr val="accent4">
-                <a:lumMod val="60000"/>
-                <a:lumOff val="40000"/>
-              </a:schemeClr>
-            </a:solidFill>
-            <a:prstDash val="sysDash"/>
-          </a:ln>
-          <a:effectLst/>
-        </p:spPr>
-        <p:style>
-          <a:lnRef idx="1">
-            <a:schemeClr val="accent1"/>
-          </a:lnRef>
-          <a:fillRef idx="2">
-            <a:schemeClr val="accent1"/>
-          </a:fillRef>
-          <a:effectRef idx="1">
-            <a:schemeClr val="accent1"/>
-          </a:effectRef>
-          <a:fontRef idx="minor">
-            <a:schemeClr val="dk1"/>
-          </a:fontRef>
-        </p:style>
-      </p:cxnSp>
-      <p:sp>
-        <p:nvSpPr>
-          <p:cNvPr id="73" name="Rectangle 72"/>
-          <p:cNvSpPr/>
-          <p:nvPr/>
-        </p:nvSpPr>
-        <p:spPr>
-          <a:xfrm>
-            <a:off x="10187717" y="5250693"/>
-            <a:ext cx="119322" cy="45719"/>
-          </a:xfrm>
-          <a:prstGeom prst="rect">
-            <a:avLst/>
-          </a:prstGeom>
-          <a:solidFill>
-            <a:schemeClr val="accent4">
-              <a:lumMod val="60000"/>
-              <a:lumOff val="40000"/>
-            </a:schemeClr>
-          </a:solidFill>
-          <a:ln>
-            <a:solidFill>
-              <a:schemeClr val="accent4">
-                <a:lumMod val="60000"/>
-                <a:lumOff val="40000"/>
-              </a:schemeClr>
-            </a:solidFill>
-          </a:ln>
-          <a:effectLst/>
-        </p:spPr>
-        <p:style>
-          <a:lnRef idx="1">
-            <a:schemeClr val="accent3"/>
-          </a:lnRef>
-          <a:fillRef idx="2">
-            <a:schemeClr val="accent3"/>
-          </a:fillRef>
-          <a:effectRef idx="1">
-            <a:schemeClr val="accent3"/>
-          </a:effectRef>
-          <a:fontRef idx="minor">
-            <a:schemeClr val="dk1"/>
-          </a:fontRef>
-        </p:style>
-        <p:txBody>
-          <a:bodyPr rtlCol="0" anchor="ctr"/>
-          <a:lstStyle/>
-          <a:p>
-            <a:pPr algn="ctr"/>
-            <a:endParaRPr lang="en-SG" sz="1400">
-              <a:solidFill>
-                <a:prstClr val="black"/>
-              </a:solidFill>
-              <a:latin typeface="Calibri"/>
-            </a:endParaRPr>
-          </a:p>
-        </p:txBody>
-      </p:sp>
-      <p:cxnSp>
-        <p:nvCxnSpPr>
-          <p:cNvPr id="75" name="Straight Arrow Connector 74"/>
-          <p:cNvCxnSpPr>
-            <a:cxnSpLocks/>
-            <a:endCxn id="84" idx="1"/>
-          </p:cNvCxnSpPr>
-          <p:nvPr/>
-        </p:nvCxnSpPr>
-        <p:spPr>
-          <a:xfrm>
-            <a:off x="5678960" y="5475555"/>
-            <a:ext cx="183778" cy="5627"/>
-          </a:xfrm>
-          <a:prstGeom prst="straightConnector1">
-            <a:avLst/>
-          </a:prstGeom>
-          <a:ln w="19050">
-            <a:solidFill>
-              <a:srgbClr val="0070C0"/>
-            </a:solidFill>
-            <a:tailEnd type="arrow"/>
-          </a:ln>
-        </p:spPr>
-        <p:style>
-          <a:lnRef idx="1">
-            <a:schemeClr val="accent1"/>
-          </a:lnRef>
-          <a:fillRef idx="0">
-            <a:schemeClr val="accent1"/>
-          </a:fillRef>
-          <a:effectRef idx="0">
-            <a:schemeClr val="accent1"/>
-          </a:effectRef>
-          <a:fontRef idx="minor">
-            <a:schemeClr val="tx1"/>
-          </a:fontRef>
-        </p:style>
-      </p:cxnSp>
-      <p:cxnSp>
-        <p:nvCxnSpPr>
-          <p:cNvPr id="76" name="Straight Arrow Connector 75"/>
-          <p:cNvCxnSpPr>
-            <a:cxnSpLocks/>
-          </p:cNvCxnSpPr>
-          <p:nvPr/>
-        </p:nvCxnSpPr>
-        <p:spPr>
-          <a:xfrm>
-            <a:off x="5708424" y="5274037"/>
-            <a:ext cx="4538954" cy="0"/>
-          </a:xfrm>
-          <a:prstGeom prst="straightConnector1">
-            <a:avLst/>
-          </a:prstGeom>
-          <a:ln w="19050">
-            <a:solidFill>
-              <a:schemeClr val="accent4">
-                <a:lumMod val="60000"/>
-                <a:lumOff val="40000"/>
-              </a:schemeClr>
-            </a:solidFill>
-            <a:prstDash val="sysDash"/>
-            <a:headEnd type="arrow" w="med" len="med"/>
-            <a:tailEnd type="none" w="med" len="med"/>
-          </a:ln>
-        </p:spPr>
-        <p:style>
-          <a:lnRef idx="1">
-            <a:schemeClr val="accent1"/>
-          </a:lnRef>
-          <a:fillRef idx="0">
-            <a:schemeClr val="accent1"/>
-          </a:fillRef>
-          <a:effectRef idx="0">
-            <a:schemeClr val="accent1"/>
-          </a:effectRef>
-          <a:fontRef idx="minor">
-            <a:schemeClr val="tx1"/>
-          </a:fontRef>
-        </p:style>
-      </p:cxnSp>
-      <p:cxnSp>
-        <p:nvCxnSpPr>
-          <p:cNvPr id="77" name="Straight Arrow Connector 76"/>
-          <p:cNvCxnSpPr>
-            <a:cxnSpLocks/>
-            <a:endCxn id="65" idx="2"/>
-          </p:cNvCxnSpPr>
-          <p:nvPr/>
-        </p:nvCxnSpPr>
-        <p:spPr>
-          <a:xfrm flipV="1">
-            <a:off x="1653251" y="5818904"/>
-            <a:ext cx="3990733" cy="31450"/>
-          </a:xfrm>
-          <a:prstGeom prst="straightConnector1">
-            <a:avLst/>
-          </a:prstGeom>
-          <a:ln w="19050">
-            <a:solidFill>
-              <a:srgbClr val="0070C0"/>
-            </a:solidFill>
-            <a:prstDash val="sysDash"/>
-            <a:headEnd type="arrow" w="med" len="med"/>
-            <a:tailEnd type="none" w="med" len="med"/>
-          </a:ln>
-        </p:spPr>
-        <p:style>
-          <a:lnRef idx="1">
-            <a:schemeClr val="accent1"/>
-          </a:lnRef>
-          <a:fillRef idx="0">
-            <a:schemeClr val="accent1"/>
-          </a:fillRef>
-          <a:effectRef idx="0">
-            <a:schemeClr val="accent1"/>
-          </a:effectRef>
-          <a:fontRef idx="minor">
-            <a:schemeClr val="tx1"/>
-          </a:fontRef>
-        </p:style>
-      </p:cxnSp>
-      <p:sp>
-        <p:nvSpPr>
-          <p:cNvPr id="78" name="TextBox 77"/>
-          <p:cNvSpPr txBox="1"/>
-          <p:nvPr/>
-        </p:nvSpPr>
-        <p:spPr>
-          <a:xfrm>
-            <a:off x="6136076" y="4927294"/>
-            <a:ext cx="1800153" cy="123111"/>
-          </a:xfrm>
-          <a:prstGeom prst="rect">
-            <a:avLst/>
-          </a:prstGeom>
-          <a:noFill/>
-        </p:spPr>
-        <p:txBody>
-          <a:bodyPr wrap="square" lIns="0" tIns="0" rIns="0" bIns="0" rtlCol="0">
-            <a:spAutoFit/>
-          </a:bodyPr>
-          <a:lstStyle>
-            <a:defPPr>
-              <a:defRPr lang="en-US"/>
-            </a:defPPr>
-            <a:lvl1pPr algn="r">
-              <a:defRPr sz="1400">
+              </a:ln>
+              <a:effectLst/>
+            </p:spPr>
+            <p:style>
+              <a:lnRef idx="1">
+                <a:schemeClr val="accent3"/>
+              </a:lnRef>
+              <a:fillRef idx="2">
+                <a:schemeClr val="accent3"/>
+              </a:fillRef>
+              <a:effectRef idx="1">
+                <a:schemeClr val="accent3"/>
+              </a:effectRef>
+              <a:fontRef idx="minor">
+                <a:schemeClr val="dk1"/>
+              </a:fontRef>
+            </p:style>
+            <p:txBody>
+              <a:bodyPr rtlCol="0" anchor="ctr"/>
+              <a:lstStyle/>
+              <a:p>
+                <a:pPr algn="ctr"/>
+                <a:endParaRPr lang="en-SG" sz="1400">
+                  <a:solidFill>
+                    <a:prstClr val="black"/>
+                  </a:solidFill>
+                  <a:latin typeface="Calibri"/>
+                </a:endParaRPr>
+              </a:p>
+            </p:txBody>
+          </p:sp>
+          <p:cxnSp>
+            <p:nvCxnSpPr>
+              <p:cNvPr id="90" name="Straight Arrow Connector 89"/>
+              <p:cNvCxnSpPr>
+                <a:cxnSpLocks/>
+              </p:cNvCxnSpPr>
+              <p:nvPr/>
+            </p:nvCxnSpPr>
+            <p:spPr>
+              <a:xfrm>
+                <a:off x="5713928" y="5719348"/>
+                <a:ext cx="910811" cy="0"/>
+              </a:xfrm>
+              <a:prstGeom prst="straightConnector1">
+                <a:avLst/>
+              </a:prstGeom>
+              <a:ln w="19050">
                 <a:solidFill>
                   <a:srgbClr val="0070C0"/>
                 </a:solidFill>
-              </a:defRPr>
-            </a:lvl1pPr>
-          </a:lstStyle>
-          <a:p>
-            <a:r>
-              <a:rPr lang="en-US" sz="800" dirty="0" err="1">
-                <a:solidFill>
-                  <a:srgbClr val="7030A0"/>
-                </a:solidFill>
-                <a:latin typeface="Calibri"/>
-              </a:rPr>
-              <a:t>updateStudentInternalField</a:t>
-            </a:r>
-            <a:r>
-              <a:rPr lang="en-US" sz="800" dirty="0">
-                <a:solidFill>
-                  <a:srgbClr val="7030A0"/>
-                </a:solidFill>
-                <a:latin typeface="Calibri"/>
-              </a:rPr>
-              <a:t>(t, edited)</a:t>
-            </a:r>
-          </a:p>
-        </p:txBody>
-      </p:sp>
-      <p:sp>
-        <p:nvSpPr>
-          <p:cNvPr id="79" name="TextBox 78"/>
-          <p:cNvSpPr txBox="1"/>
-          <p:nvPr/>
-        </p:nvSpPr>
-        <p:spPr>
-          <a:xfrm>
-            <a:off x="3552696" y="1620361"/>
-            <a:ext cx="884073" cy="369332"/>
-          </a:xfrm>
-          <a:prstGeom prst="rect">
-            <a:avLst/>
-          </a:prstGeom>
-          <a:noFill/>
-        </p:spPr>
-        <p:txBody>
-          <a:bodyPr wrap="square" lIns="0" tIns="0" rIns="0" bIns="0" rtlCol="0">
-            <a:spAutoFit/>
-          </a:bodyPr>
-          <a:lstStyle>
-            <a:defPPr>
-              <a:defRPr lang="en-US"/>
-            </a:defPPr>
-            <a:lvl1pPr algn="r">
-              <a:defRPr sz="1400">
+                <a:prstDash val="sysDash"/>
+                <a:headEnd type="arrow" w="med" len="med"/>
+                <a:tailEnd type="none" w="med" len="med"/>
+              </a:ln>
+            </p:spPr>
+            <p:style>
+              <a:lnRef idx="1">
+                <a:schemeClr val="accent1"/>
+              </a:lnRef>
+              <a:fillRef idx="0">
+                <a:schemeClr val="accent1"/>
+              </a:fillRef>
+              <a:effectRef idx="0">
+                <a:schemeClr val="accent1"/>
+              </a:effectRef>
+              <a:fontRef idx="minor">
+                <a:schemeClr val="tx1"/>
+              </a:fontRef>
+            </p:style>
+          </p:cxnSp>
+          <p:sp>
+            <p:nvSpPr>
+              <p:cNvPr id="93" name="TextBox 92"/>
+              <p:cNvSpPr txBox="1"/>
+              <p:nvPr/>
+            </p:nvSpPr>
+            <p:spPr>
+              <a:xfrm>
+                <a:off x="2673846" y="2688338"/>
+                <a:ext cx="220343" cy="215444"/>
+              </a:xfrm>
+              <a:prstGeom prst="rect">
+                <a:avLst/>
+              </a:prstGeom>
+              <a:noFill/>
+            </p:spPr>
+            <p:txBody>
+              <a:bodyPr wrap="square" lIns="0" tIns="0" rIns="0" bIns="0" rtlCol="0">
+                <a:spAutoFit/>
+              </a:bodyPr>
+              <a:lstStyle>
+                <a:defPPr>
+                  <a:defRPr lang="en-US"/>
+                </a:defPPr>
+                <a:lvl1pPr algn="r">
+                  <a:defRPr sz="1400">
+                    <a:solidFill>
+                      <a:srgbClr val="0070C0"/>
+                    </a:solidFill>
+                  </a:defRPr>
+                </a:lvl1pPr>
+              </a:lstStyle>
+              <a:p>
+                <a:r>
+                  <a:rPr lang="en-US" dirty="0">
+                    <a:latin typeface="Calibri"/>
+                  </a:rPr>
+                  <a:t>d</a:t>
+                </a:r>
+              </a:p>
+            </p:txBody>
+          </p:sp>
+          <p:sp>
+            <p:nvSpPr>
+              <p:cNvPr id="40" name="Rectangle 62"/>
+              <p:cNvSpPr/>
+              <p:nvPr/>
+            </p:nvSpPr>
+            <p:spPr>
+              <a:xfrm>
+                <a:off x="3784400" y="975205"/>
+                <a:ext cx="1778201" cy="432035"/>
+              </a:xfrm>
+              <a:prstGeom prst="rect">
+                <a:avLst/>
+              </a:prstGeom>
+              <a:solidFill>
+                <a:srgbClr val="0070C0"/>
+              </a:solidFill>
+              <a:ln w="19050">
                 <a:solidFill>
                   <a:srgbClr val="0070C0"/>
                 </a:solidFill>
-              </a:defRPr>
-            </a:lvl1pPr>
-          </a:lstStyle>
-          <a:p>
-            <a:r>
-              <a:rPr lang="en-US" sz="1200" dirty="0">
-                <a:latin typeface="Calibri"/>
-              </a:rPr>
-              <a:t>parse(“1 200 82018”)</a:t>
-            </a:r>
-          </a:p>
-        </p:txBody>
-      </p:sp>
-      <p:sp>
-        <p:nvSpPr>
-          <p:cNvPr id="80" name="TextBox 79"/>
-          <p:cNvSpPr txBox="1"/>
-          <p:nvPr/>
-        </p:nvSpPr>
-        <p:spPr>
-          <a:xfrm>
-            <a:off x="1742982" y="899005"/>
-            <a:ext cx="1424846" cy="430887"/>
-          </a:xfrm>
-          <a:prstGeom prst="rect">
-            <a:avLst/>
-          </a:prstGeom>
-          <a:noFill/>
-        </p:spPr>
-        <p:txBody>
-          <a:bodyPr wrap="square" lIns="0" tIns="0" rIns="0" bIns="0" rtlCol="0">
-            <a:spAutoFit/>
-          </a:bodyPr>
-          <a:lstStyle>
-            <a:defPPr>
-              <a:defRPr lang="en-US"/>
-            </a:defPPr>
-            <a:lvl1pPr algn="r">
-              <a:defRPr sz="1400">
+              </a:ln>
+              <a:effectLst/>
+            </p:spPr>
+            <p:style>
+              <a:lnRef idx="1">
+                <a:schemeClr val="accent2"/>
+              </a:lnRef>
+              <a:fillRef idx="2">
+                <a:schemeClr val="accent2"/>
+              </a:fillRef>
+              <a:effectRef idx="1">
+                <a:schemeClr val="accent2"/>
+              </a:effectRef>
+              <a:fontRef idx="minor">
+                <a:schemeClr val="dk1"/>
+              </a:fontRef>
+            </p:style>
+            <p:txBody>
+              <a:bodyPr rtlCol="0" anchor="ctr"/>
+              <a:lstStyle/>
+              <a:p>
+                <a:pPr algn="ctr"/>
+                <a:r>
+                  <a:rPr lang="en-US" sz="1600" dirty="0">
+                    <a:solidFill>
+                      <a:prstClr val="white"/>
+                    </a:solidFill>
+                    <a:latin typeface="Calibri"/>
+                  </a:rPr>
+                  <a:t>:</a:t>
+                </a:r>
+                <a:r>
+                  <a:rPr lang="en-US" sz="1600" dirty="0" err="1">
+                    <a:solidFill>
+                      <a:prstClr val="white"/>
+                    </a:solidFill>
+                    <a:latin typeface="Calibri"/>
+                  </a:rPr>
+                  <a:t>PayCommand</a:t>
+                </a:r>
+                <a:endParaRPr lang="en-US" sz="1600" dirty="0">
+                  <a:solidFill>
+                    <a:prstClr val="white"/>
+                  </a:solidFill>
+                  <a:latin typeface="Calibri"/>
+                </a:endParaRPr>
+              </a:p>
+              <a:p>
+                <a:pPr algn="ctr"/>
+                <a:r>
+                  <a:rPr lang="en-US" sz="1600" dirty="0">
+                    <a:solidFill>
+                      <a:prstClr val="white"/>
+                    </a:solidFill>
+                    <a:latin typeface="Calibri"/>
+                  </a:rPr>
+                  <a:t>Parser</a:t>
+                </a:r>
+                <a:endParaRPr lang="en-SG" sz="1600" dirty="0">
+                  <a:solidFill>
+                    <a:prstClr val="white"/>
+                  </a:solidFill>
+                  <a:latin typeface="Calibri"/>
+                </a:endParaRPr>
+              </a:p>
+            </p:txBody>
+          </p:sp>
+          <p:cxnSp>
+            <p:nvCxnSpPr>
+              <p:cNvPr id="8" name="Straight Arrow Connector 7"/>
+              <p:cNvCxnSpPr>
+                <a:cxnSpLocks/>
+              </p:cNvCxnSpPr>
+              <p:nvPr/>
+            </p:nvCxnSpPr>
+            <p:spPr>
+              <a:xfrm>
+                <a:off x="3429001" y="1633916"/>
+                <a:ext cx="1191295" cy="0"/>
+              </a:xfrm>
+              <a:prstGeom prst="straightConnector1">
+                <a:avLst/>
+              </a:prstGeom>
+              <a:ln w="19050">
+                <a:headEnd type="none" w="med" len="med"/>
+                <a:tailEnd type="arrow" w="med" len="med"/>
+              </a:ln>
+            </p:spPr>
+            <p:style>
+              <a:lnRef idx="1">
+                <a:schemeClr val="accent1"/>
+              </a:lnRef>
+              <a:fillRef idx="0">
+                <a:schemeClr val="accent1"/>
+              </a:fillRef>
+              <a:effectRef idx="0">
+                <a:schemeClr val="accent1"/>
+              </a:effectRef>
+              <a:fontRef idx="minor">
+                <a:schemeClr val="tx1"/>
+              </a:fontRef>
+            </p:style>
+          </p:cxnSp>
+          <p:sp>
+            <p:nvSpPr>
+              <p:cNvPr id="45" name="Rectangle 44"/>
+              <p:cNvSpPr/>
+              <p:nvPr/>
+            </p:nvSpPr>
+            <p:spPr>
+              <a:xfrm>
+                <a:off x="4612242" y="1406027"/>
+                <a:ext cx="205843" cy="123165"/>
+              </a:xfrm>
+              <a:prstGeom prst="rect">
+                <a:avLst/>
+              </a:prstGeom>
+              <a:solidFill>
+                <a:srgbClr val="0070C0"/>
+              </a:solidFill>
+              <a:ln>
                 <a:solidFill>
                   <a:srgbClr val="0070C0"/>
                 </a:solidFill>
-              </a:defRPr>
-            </a:lvl1pPr>
-          </a:lstStyle>
-          <a:p>
-            <a:r>
-              <a:rPr lang="en-US" dirty="0">
-                <a:latin typeface="Calibri"/>
-              </a:rPr>
-              <a:t>parse (“paid 1 200 8 2018”)</a:t>
-            </a:r>
-          </a:p>
-        </p:txBody>
-      </p:sp>
-      <p:sp>
-        <p:nvSpPr>
-          <p:cNvPr id="82" name="TextBox 81"/>
-          <p:cNvSpPr txBox="1"/>
-          <p:nvPr/>
-        </p:nvSpPr>
-        <p:spPr>
-          <a:xfrm>
-            <a:off x="4340137" y="5552347"/>
-            <a:ext cx="621216" cy="215444"/>
-          </a:xfrm>
-          <a:prstGeom prst="rect">
-            <a:avLst/>
-          </a:prstGeom>
-          <a:noFill/>
-        </p:spPr>
-        <p:txBody>
-          <a:bodyPr wrap="square" lIns="0" tIns="0" rIns="0" bIns="0" rtlCol="0">
-            <a:spAutoFit/>
-          </a:bodyPr>
-          <a:lstStyle>
-            <a:defPPr>
-              <a:defRPr lang="en-US"/>
-            </a:defPPr>
-            <a:lvl1pPr algn="r">
-              <a:defRPr sz="1400">
+              </a:ln>
+              <a:effectLst/>
+            </p:spPr>
+            <p:style>
+              <a:lnRef idx="1">
+                <a:schemeClr val="accent3"/>
+              </a:lnRef>
+              <a:fillRef idx="2">
+                <a:schemeClr val="accent3"/>
+              </a:fillRef>
+              <a:effectRef idx="1">
+                <a:schemeClr val="accent3"/>
+              </a:effectRef>
+              <a:fontRef idx="minor">
+                <a:schemeClr val="dk1"/>
+              </a:fontRef>
+            </p:style>
+            <p:txBody>
+              <a:bodyPr rtlCol="0" anchor="ctr"/>
+              <a:lstStyle/>
+              <a:p>
+                <a:pPr algn="ctr"/>
+                <a:endParaRPr lang="en-SG" sz="1400">
+                  <a:solidFill>
+                    <a:prstClr val="black"/>
+                  </a:solidFill>
+                  <a:latin typeface="Calibri"/>
+                </a:endParaRPr>
+              </a:p>
+            </p:txBody>
+          </p:sp>
+          <p:cxnSp>
+            <p:nvCxnSpPr>
+              <p:cNvPr id="46" name="Straight Connector 45"/>
+              <p:cNvCxnSpPr>
+                <a:cxnSpLocks/>
+              </p:cNvCxnSpPr>
+              <p:nvPr/>
+            </p:nvCxnSpPr>
+            <p:spPr>
+              <a:xfrm>
+                <a:off x="4715288" y="1408834"/>
+                <a:ext cx="0" cy="1657839"/>
+              </a:xfrm>
+              <a:prstGeom prst="line">
+                <a:avLst/>
+              </a:prstGeom>
+              <a:ln w="19050">
                 <a:solidFill>
                   <a:srgbClr val="0070C0"/>
                 </a:solidFill>
-              </a:defRPr>
-            </a:lvl1pPr>
-          </a:lstStyle>
-          <a:p>
-            <a:r>
-              <a:rPr lang="en-US" dirty="0">
-                <a:latin typeface="Calibri"/>
-              </a:rPr>
-              <a:t>result</a:t>
-            </a:r>
-          </a:p>
-        </p:txBody>
-      </p:sp>
-      <p:sp>
-        <p:nvSpPr>
-          <p:cNvPr id="83" name="TextBox 82"/>
-          <p:cNvSpPr txBox="1"/>
-          <p:nvPr/>
-        </p:nvSpPr>
-        <p:spPr>
-          <a:xfrm>
-            <a:off x="622848" y="5820948"/>
-            <a:ext cx="762000" cy="215444"/>
-          </a:xfrm>
-          <a:prstGeom prst="rect">
-            <a:avLst/>
-          </a:prstGeom>
-          <a:noFill/>
-        </p:spPr>
-        <p:txBody>
-          <a:bodyPr wrap="square" lIns="0" tIns="0" rIns="0" bIns="0" rtlCol="0">
-            <a:spAutoFit/>
-          </a:bodyPr>
-          <a:lstStyle>
-            <a:defPPr>
-              <a:defRPr lang="en-US"/>
-            </a:defPPr>
-            <a:lvl1pPr algn="r">
-              <a:defRPr sz="1400">
+                <a:prstDash val="sysDash"/>
+              </a:ln>
+              <a:effectLst/>
+            </p:spPr>
+            <p:style>
+              <a:lnRef idx="1">
+                <a:schemeClr val="accent1"/>
+              </a:lnRef>
+              <a:fillRef idx="2">
+                <a:schemeClr val="accent1"/>
+              </a:fillRef>
+              <a:effectRef idx="1">
+                <a:schemeClr val="accent1"/>
+              </a:effectRef>
+              <a:fontRef idx="minor">
+                <a:schemeClr val="dk1"/>
+              </a:fontRef>
+            </p:style>
+          </p:cxnSp>
+          <p:sp>
+            <p:nvSpPr>
+              <p:cNvPr id="49" name="Rectangle 48"/>
+              <p:cNvSpPr/>
+              <p:nvPr/>
+            </p:nvSpPr>
+            <p:spPr>
+              <a:xfrm>
+                <a:off x="4620592" y="1620202"/>
+                <a:ext cx="198331" cy="1290158"/>
+              </a:xfrm>
+              <a:prstGeom prst="rect">
+                <a:avLst/>
+              </a:prstGeom>
+              <a:solidFill>
+                <a:srgbClr val="0070C0"/>
+              </a:solidFill>
+              <a:ln>
                 <a:solidFill>
                   <a:srgbClr val="0070C0"/>
                 </a:solidFill>
-              </a:defRPr>
-            </a:lvl1pPr>
-          </a:lstStyle>
-          <a:p>
-            <a:r>
-              <a:rPr lang="en-US" dirty="0">
-                <a:latin typeface="Calibri"/>
-              </a:rPr>
-              <a:t>result</a:t>
-            </a:r>
-          </a:p>
-        </p:txBody>
-      </p:sp>
-      <p:sp>
-        <p:nvSpPr>
-          <p:cNvPr id="84" name="Rectangle 62"/>
-          <p:cNvSpPr/>
-          <p:nvPr/>
-        </p:nvSpPr>
-        <p:spPr>
-          <a:xfrm>
-            <a:off x="5862738" y="5364992"/>
-            <a:ext cx="1676400" cy="232379"/>
-          </a:xfrm>
-          <a:prstGeom prst="rect">
-            <a:avLst/>
-          </a:prstGeom>
-          <a:solidFill>
-            <a:srgbClr val="0070C0"/>
-          </a:solidFill>
-          <a:ln w="19050">
-            <a:solidFill>
-              <a:srgbClr val="0070C0"/>
-            </a:solidFill>
-          </a:ln>
-          <a:effectLst/>
-        </p:spPr>
-        <p:style>
-          <a:lnRef idx="1">
-            <a:schemeClr val="accent2"/>
-          </a:lnRef>
-          <a:fillRef idx="2">
-            <a:schemeClr val="accent2"/>
-          </a:fillRef>
-          <a:effectRef idx="1">
-            <a:schemeClr val="accent2"/>
-          </a:effectRef>
-          <a:fontRef idx="minor">
-            <a:schemeClr val="dk1"/>
-          </a:fontRef>
-        </p:style>
-        <p:txBody>
-          <a:bodyPr rtlCol="0" anchor="ctr"/>
-          <a:lstStyle/>
-          <a:p>
-            <a:pPr algn="ctr"/>
-            <a:r>
-              <a:rPr lang="en-US" sz="1200" dirty="0" err="1">
-                <a:solidFill>
-                  <a:prstClr val="white"/>
-                </a:solidFill>
-                <a:latin typeface="Calibri"/>
-              </a:rPr>
-              <a:t>result:CommandResult</a:t>
-            </a:r>
-            <a:endParaRPr lang="en-SG" sz="1200" dirty="0">
-              <a:solidFill>
-                <a:prstClr val="white"/>
-              </a:solidFill>
-              <a:latin typeface="Calibri"/>
-            </a:endParaRPr>
-          </a:p>
-        </p:txBody>
-      </p:sp>
-      <p:sp>
-        <p:nvSpPr>
-          <p:cNvPr id="86" name="Rectangle 85"/>
-          <p:cNvSpPr/>
-          <p:nvPr/>
-        </p:nvSpPr>
-        <p:spPr>
-          <a:xfrm>
-            <a:off x="6624738" y="5610087"/>
-            <a:ext cx="152400" cy="113636"/>
-          </a:xfrm>
-          <a:prstGeom prst="rect">
-            <a:avLst/>
-          </a:prstGeom>
-          <a:solidFill>
-            <a:srgbClr val="0070C0"/>
-          </a:solidFill>
-          <a:ln>
-            <a:solidFill>
-              <a:srgbClr val="0070C0"/>
-            </a:solidFill>
-          </a:ln>
-          <a:effectLst/>
-        </p:spPr>
-        <p:style>
-          <a:lnRef idx="1">
-            <a:schemeClr val="accent3"/>
-          </a:lnRef>
-          <a:fillRef idx="2">
-            <a:schemeClr val="accent3"/>
-          </a:fillRef>
-          <a:effectRef idx="1">
-            <a:schemeClr val="accent3"/>
-          </a:effectRef>
-          <a:fontRef idx="minor">
-            <a:schemeClr val="dk1"/>
-          </a:fontRef>
-        </p:style>
-        <p:txBody>
-          <a:bodyPr rtlCol="0" anchor="ctr"/>
-          <a:lstStyle/>
-          <a:p>
-            <a:pPr algn="ctr"/>
-            <a:endParaRPr lang="en-SG" sz="1400">
-              <a:solidFill>
-                <a:prstClr val="black"/>
-              </a:solidFill>
-              <a:latin typeface="Calibri"/>
-            </a:endParaRPr>
-          </a:p>
-        </p:txBody>
-      </p:sp>
-      <p:cxnSp>
-        <p:nvCxnSpPr>
-          <p:cNvPr id="90" name="Straight Arrow Connector 89"/>
-          <p:cNvCxnSpPr>
-            <a:cxnSpLocks/>
-          </p:cNvCxnSpPr>
-          <p:nvPr/>
-        </p:nvCxnSpPr>
-        <p:spPr>
-          <a:xfrm>
-            <a:off x="5713928" y="5719348"/>
-            <a:ext cx="910811" cy="0"/>
-          </a:xfrm>
-          <a:prstGeom prst="straightConnector1">
-            <a:avLst/>
-          </a:prstGeom>
-          <a:ln w="19050">
-            <a:solidFill>
-              <a:srgbClr val="0070C0"/>
-            </a:solidFill>
-            <a:prstDash val="sysDash"/>
-            <a:headEnd type="arrow" w="med" len="med"/>
-            <a:tailEnd type="none" w="med" len="med"/>
-          </a:ln>
-        </p:spPr>
-        <p:style>
-          <a:lnRef idx="1">
-            <a:schemeClr val="accent1"/>
-          </a:lnRef>
-          <a:fillRef idx="0">
-            <a:schemeClr val="accent1"/>
-          </a:fillRef>
-          <a:effectRef idx="0">
-            <a:schemeClr val="accent1"/>
-          </a:effectRef>
-          <a:fontRef idx="minor">
-            <a:schemeClr val="tx1"/>
-          </a:fontRef>
-        </p:style>
-      </p:cxnSp>
-      <p:sp>
-        <p:nvSpPr>
-          <p:cNvPr id="93" name="TextBox 92"/>
-          <p:cNvSpPr txBox="1"/>
-          <p:nvPr/>
-        </p:nvSpPr>
-        <p:spPr>
-          <a:xfrm>
-            <a:off x="2673846" y="2688338"/>
-            <a:ext cx="220343" cy="215444"/>
-          </a:xfrm>
-          <a:prstGeom prst="rect">
-            <a:avLst/>
-          </a:prstGeom>
-          <a:noFill/>
-        </p:spPr>
-        <p:txBody>
-          <a:bodyPr wrap="square" lIns="0" tIns="0" rIns="0" bIns="0" rtlCol="0">
-            <a:spAutoFit/>
-          </a:bodyPr>
-          <a:lstStyle>
-            <a:defPPr>
-              <a:defRPr lang="en-US"/>
-            </a:defPPr>
-            <a:lvl1pPr algn="r">
-              <a:defRPr sz="1400">
+              </a:ln>
+              <a:effectLst/>
+            </p:spPr>
+            <p:style>
+              <a:lnRef idx="1">
+                <a:schemeClr val="accent3"/>
+              </a:lnRef>
+              <a:fillRef idx="2">
+                <a:schemeClr val="accent3"/>
+              </a:fillRef>
+              <a:effectRef idx="1">
+                <a:schemeClr val="accent3"/>
+              </a:effectRef>
+              <a:fontRef idx="minor">
+                <a:schemeClr val="dk1"/>
+              </a:fontRef>
+            </p:style>
+            <p:txBody>
+              <a:bodyPr rtlCol="0" anchor="ctr"/>
+              <a:lstStyle/>
+              <a:p>
+                <a:pPr algn="ctr"/>
+                <a:endParaRPr lang="en-SG" sz="1400">
+                  <a:solidFill>
+                    <a:prstClr val="black"/>
+                  </a:solidFill>
+                  <a:latin typeface="Calibri"/>
+                </a:endParaRPr>
+              </a:p>
+            </p:txBody>
+          </p:sp>
+          <p:cxnSp>
+            <p:nvCxnSpPr>
+              <p:cNvPr id="51" name="Straight Arrow Connector 50"/>
+              <p:cNvCxnSpPr>
+                <a:cxnSpLocks/>
+              </p:cNvCxnSpPr>
+              <p:nvPr/>
+            </p:nvCxnSpPr>
+            <p:spPr>
+              <a:xfrm>
+                <a:off x="3459520" y="2903421"/>
+                <a:ext cx="1165315" cy="1"/>
+              </a:xfrm>
+              <a:prstGeom prst="straightConnector1">
+                <a:avLst/>
+              </a:prstGeom>
+              <a:ln w="19050">
                 <a:solidFill>
                   <a:srgbClr val="0070C0"/>
                 </a:solidFill>
-              </a:defRPr>
-            </a:lvl1pPr>
-          </a:lstStyle>
-          <a:p>
-            <a:r>
-              <a:rPr lang="en-US" dirty="0">
-                <a:latin typeface="Calibri"/>
-              </a:rPr>
-              <a:t>d</a:t>
-            </a:r>
-          </a:p>
-        </p:txBody>
-      </p:sp>
-      <p:sp>
-        <p:nvSpPr>
-          <p:cNvPr id="40" name="Rectangle 62"/>
-          <p:cNvSpPr/>
-          <p:nvPr/>
-        </p:nvSpPr>
-        <p:spPr>
-          <a:xfrm>
-            <a:off x="3784400" y="975205"/>
-            <a:ext cx="1778201" cy="432035"/>
-          </a:xfrm>
-          <a:prstGeom prst="rect">
-            <a:avLst/>
-          </a:prstGeom>
-          <a:solidFill>
-            <a:srgbClr val="0070C0"/>
-          </a:solidFill>
-          <a:ln w="19050">
-            <a:solidFill>
-              <a:srgbClr val="0070C0"/>
-            </a:solidFill>
-          </a:ln>
-          <a:effectLst/>
-        </p:spPr>
-        <p:style>
-          <a:lnRef idx="1">
-            <a:schemeClr val="accent2"/>
-          </a:lnRef>
-          <a:fillRef idx="2">
-            <a:schemeClr val="accent2"/>
-          </a:fillRef>
-          <a:effectRef idx="1">
-            <a:schemeClr val="accent2"/>
-          </a:effectRef>
-          <a:fontRef idx="minor">
-            <a:schemeClr val="dk1"/>
-          </a:fontRef>
-        </p:style>
-        <p:txBody>
-          <a:bodyPr rtlCol="0" anchor="ctr"/>
-          <a:lstStyle/>
-          <a:p>
-            <a:pPr algn="ctr"/>
-            <a:r>
-              <a:rPr lang="en-US" sz="1600" dirty="0">
-                <a:solidFill>
-                  <a:prstClr val="white"/>
-                </a:solidFill>
-                <a:latin typeface="Calibri"/>
-              </a:rPr>
-              <a:t>:</a:t>
-            </a:r>
-            <a:r>
-              <a:rPr lang="en-US" sz="1600" dirty="0" err="1">
-                <a:solidFill>
-                  <a:prstClr val="white"/>
-                </a:solidFill>
-                <a:latin typeface="Calibri"/>
-              </a:rPr>
-              <a:t>PayCommand</a:t>
-            </a:r>
-            <a:endParaRPr lang="en-US" sz="1600" dirty="0">
-              <a:solidFill>
-                <a:prstClr val="white"/>
-              </a:solidFill>
-              <a:latin typeface="Calibri"/>
-            </a:endParaRPr>
-          </a:p>
-          <a:p>
-            <a:pPr algn="ctr"/>
-            <a:r>
-              <a:rPr lang="en-US" sz="1600" dirty="0">
-                <a:solidFill>
-                  <a:prstClr val="white"/>
-                </a:solidFill>
-                <a:latin typeface="Calibri"/>
-              </a:rPr>
-              <a:t>Parser</a:t>
-            </a:r>
-            <a:endParaRPr lang="en-SG" sz="1600" dirty="0">
-              <a:solidFill>
-                <a:prstClr val="white"/>
-              </a:solidFill>
-              <a:latin typeface="Calibri"/>
-            </a:endParaRPr>
-          </a:p>
-        </p:txBody>
-      </p:sp>
-      <p:cxnSp>
-        <p:nvCxnSpPr>
-          <p:cNvPr id="8" name="Straight Arrow Connector 7"/>
-          <p:cNvCxnSpPr>
-            <a:cxnSpLocks/>
-          </p:cNvCxnSpPr>
-          <p:nvPr/>
-        </p:nvCxnSpPr>
-        <p:spPr>
-          <a:xfrm>
-            <a:off x="3429001" y="1633916"/>
-            <a:ext cx="1191295" cy="0"/>
-          </a:xfrm>
-          <a:prstGeom prst="straightConnector1">
-            <a:avLst/>
-          </a:prstGeom>
-          <a:ln w="19050">
-            <a:headEnd type="none" w="med" len="med"/>
-            <a:tailEnd type="arrow" w="med" len="med"/>
-          </a:ln>
-        </p:spPr>
-        <p:style>
-          <a:lnRef idx="1">
-            <a:schemeClr val="accent1"/>
-          </a:lnRef>
-          <a:fillRef idx="0">
-            <a:schemeClr val="accent1"/>
-          </a:fillRef>
-          <a:effectRef idx="0">
-            <a:schemeClr val="accent1"/>
-          </a:effectRef>
-          <a:fontRef idx="minor">
-            <a:schemeClr val="tx1"/>
-          </a:fontRef>
-        </p:style>
-      </p:cxnSp>
-      <p:sp>
-        <p:nvSpPr>
-          <p:cNvPr id="45" name="Rectangle 44"/>
-          <p:cNvSpPr/>
-          <p:nvPr/>
-        </p:nvSpPr>
-        <p:spPr>
-          <a:xfrm>
-            <a:off x="4612242" y="1406027"/>
-            <a:ext cx="205843" cy="123165"/>
-          </a:xfrm>
-          <a:prstGeom prst="rect">
-            <a:avLst/>
-          </a:prstGeom>
-          <a:solidFill>
-            <a:srgbClr val="0070C0"/>
-          </a:solidFill>
-          <a:ln>
-            <a:solidFill>
-              <a:srgbClr val="0070C0"/>
-            </a:solidFill>
-          </a:ln>
-          <a:effectLst/>
-        </p:spPr>
-        <p:style>
-          <a:lnRef idx="1">
-            <a:schemeClr val="accent3"/>
-          </a:lnRef>
-          <a:fillRef idx="2">
-            <a:schemeClr val="accent3"/>
-          </a:fillRef>
-          <a:effectRef idx="1">
-            <a:schemeClr val="accent3"/>
-          </a:effectRef>
-          <a:fontRef idx="minor">
-            <a:schemeClr val="dk1"/>
-          </a:fontRef>
-        </p:style>
-        <p:txBody>
-          <a:bodyPr rtlCol="0" anchor="ctr"/>
-          <a:lstStyle/>
-          <a:p>
-            <a:pPr algn="ctr"/>
-            <a:endParaRPr lang="en-SG" sz="1400">
-              <a:solidFill>
-                <a:prstClr val="black"/>
-              </a:solidFill>
-              <a:latin typeface="Calibri"/>
-            </a:endParaRPr>
-          </a:p>
-        </p:txBody>
-      </p:sp>
-      <p:cxnSp>
-        <p:nvCxnSpPr>
-          <p:cNvPr id="46" name="Straight Connector 45"/>
-          <p:cNvCxnSpPr>
-            <a:cxnSpLocks/>
-          </p:cNvCxnSpPr>
-          <p:nvPr/>
-        </p:nvCxnSpPr>
-        <p:spPr>
-          <a:xfrm>
-            <a:off x="4715288" y="1408834"/>
-            <a:ext cx="0" cy="1657839"/>
-          </a:xfrm>
-          <a:prstGeom prst="line">
-            <a:avLst/>
-          </a:prstGeom>
-          <a:ln w="19050">
-            <a:solidFill>
-              <a:srgbClr val="0070C0"/>
-            </a:solidFill>
-            <a:prstDash val="sysDash"/>
-          </a:ln>
-          <a:effectLst/>
-        </p:spPr>
-        <p:style>
-          <a:lnRef idx="1">
-            <a:schemeClr val="accent1"/>
-          </a:lnRef>
-          <a:fillRef idx="2">
-            <a:schemeClr val="accent1"/>
-          </a:fillRef>
-          <a:effectRef idx="1">
-            <a:schemeClr val="accent1"/>
-          </a:effectRef>
-          <a:fontRef idx="minor">
-            <a:schemeClr val="dk1"/>
-          </a:fontRef>
-        </p:style>
-      </p:cxnSp>
-      <p:sp>
-        <p:nvSpPr>
-          <p:cNvPr id="49" name="Rectangle 48"/>
-          <p:cNvSpPr/>
-          <p:nvPr/>
-        </p:nvSpPr>
-        <p:spPr>
-          <a:xfrm>
-            <a:off x="4620592" y="1620202"/>
-            <a:ext cx="198331" cy="1290158"/>
-          </a:xfrm>
-          <a:prstGeom prst="rect">
-            <a:avLst/>
-          </a:prstGeom>
-          <a:solidFill>
-            <a:srgbClr val="0070C0"/>
-          </a:solidFill>
-          <a:ln>
-            <a:solidFill>
-              <a:srgbClr val="0070C0"/>
-            </a:solidFill>
-          </a:ln>
-          <a:effectLst/>
-        </p:spPr>
-        <p:style>
-          <a:lnRef idx="1">
-            <a:schemeClr val="accent3"/>
-          </a:lnRef>
-          <a:fillRef idx="2">
-            <a:schemeClr val="accent3"/>
-          </a:fillRef>
-          <a:effectRef idx="1">
-            <a:schemeClr val="accent3"/>
-          </a:effectRef>
-          <a:fontRef idx="minor">
-            <a:schemeClr val="dk1"/>
-          </a:fontRef>
-        </p:style>
-        <p:txBody>
-          <a:bodyPr rtlCol="0" anchor="ctr"/>
-          <a:lstStyle/>
-          <a:p>
-            <a:pPr algn="ctr"/>
-            <a:endParaRPr lang="en-SG" sz="1400">
-              <a:solidFill>
-                <a:prstClr val="black"/>
-              </a:solidFill>
-              <a:latin typeface="Calibri"/>
-            </a:endParaRPr>
-          </a:p>
-        </p:txBody>
-      </p:sp>
-      <p:cxnSp>
-        <p:nvCxnSpPr>
-          <p:cNvPr id="51" name="Straight Arrow Connector 50"/>
-          <p:cNvCxnSpPr>
-            <a:cxnSpLocks/>
-          </p:cNvCxnSpPr>
-          <p:nvPr/>
-        </p:nvCxnSpPr>
-        <p:spPr>
-          <a:xfrm>
-            <a:off x="3459520" y="2903421"/>
-            <a:ext cx="1165315" cy="1"/>
-          </a:xfrm>
-          <a:prstGeom prst="straightConnector1">
-            <a:avLst/>
-          </a:prstGeom>
-          <a:ln w="19050">
-            <a:solidFill>
-              <a:srgbClr val="0070C0"/>
-            </a:solidFill>
-            <a:prstDash val="sysDash"/>
-            <a:headEnd type="arrow" w="med" len="med"/>
-            <a:tailEnd type="none" w="med" len="med"/>
-          </a:ln>
-        </p:spPr>
-        <p:style>
-          <a:lnRef idx="1">
-            <a:schemeClr val="accent1"/>
-          </a:lnRef>
-          <a:fillRef idx="0">
-            <a:schemeClr val="accent1"/>
-          </a:fillRef>
-          <a:effectRef idx="0">
-            <a:schemeClr val="accent1"/>
-          </a:effectRef>
-          <a:fontRef idx="minor">
-            <a:schemeClr val="tx1"/>
-          </a:fontRef>
-        </p:style>
-      </p:cxnSp>
-      <p:cxnSp>
-        <p:nvCxnSpPr>
-          <p:cNvPr id="50" name="Straight Arrow Connector 49"/>
-          <p:cNvCxnSpPr>
-            <a:cxnSpLocks/>
-          </p:cNvCxnSpPr>
-          <p:nvPr/>
-        </p:nvCxnSpPr>
-        <p:spPr>
-          <a:xfrm flipV="1">
-            <a:off x="3429001" y="1242355"/>
-            <a:ext cx="358137" cy="3411"/>
-          </a:xfrm>
-          <a:prstGeom prst="straightConnector1">
-            <a:avLst/>
-          </a:prstGeom>
-          <a:ln w="19050">
-            <a:solidFill>
-              <a:srgbClr val="0070C0"/>
-            </a:solidFill>
-            <a:tailEnd type="arrow"/>
-          </a:ln>
-        </p:spPr>
-        <p:style>
-          <a:lnRef idx="1">
-            <a:schemeClr val="accent1"/>
-          </a:lnRef>
-          <a:fillRef idx="0">
-            <a:schemeClr val="accent1"/>
-          </a:fillRef>
-          <a:effectRef idx="0">
-            <a:schemeClr val="accent1"/>
-          </a:effectRef>
-          <a:fontRef idx="minor">
-            <a:schemeClr val="tx1"/>
-          </a:fontRef>
-        </p:style>
-      </p:cxnSp>
-      <p:cxnSp>
-        <p:nvCxnSpPr>
-          <p:cNvPr id="52" name="Straight Arrow Connector 51"/>
-          <p:cNvCxnSpPr>
-            <a:cxnSpLocks/>
-          </p:cNvCxnSpPr>
-          <p:nvPr/>
-        </p:nvCxnSpPr>
-        <p:spPr>
-          <a:xfrm>
-            <a:off x="3439965" y="1521330"/>
-            <a:ext cx="1172400" cy="0"/>
-          </a:xfrm>
-          <a:prstGeom prst="straightConnector1">
-            <a:avLst/>
-          </a:prstGeom>
-          <a:ln w="19050">
-            <a:solidFill>
-              <a:srgbClr val="0070C0"/>
-            </a:solidFill>
-            <a:prstDash val="sysDash"/>
-            <a:headEnd type="arrow" w="med" len="med"/>
-            <a:tailEnd type="none" w="med" len="med"/>
-          </a:ln>
-        </p:spPr>
-        <p:style>
-          <a:lnRef idx="1">
-            <a:schemeClr val="accent1"/>
-          </a:lnRef>
-          <a:fillRef idx="0">
-            <a:schemeClr val="accent1"/>
-          </a:fillRef>
-          <a:effectRef idx="0">
-            <a:schemeClr val="accent1"/>
-          </a:effectRef>
-          <a:fontRef idx="minor">
-            <a:schemeClr val="tx1"/>
-          </a:fontRef>
-        </p:style>
-      </p:cxnSp>
-      <p:sp>
-        <p:nvSpPr>
-          <p:cNvPr id="4" name="TextBox 3"/>
-          <p:cNvSpPr txBox="1"/>
-          <p:nvPr/>
-        </p:nvSpPr>
-        <p:spPr>
-          <a:xfrm>
-            <a:off x="4500623" y="2916393"/>
-            <a:ext cx="463460" cy="261610"/>
-          </a:xfrm>
-          <a:prstGeom prst="rect">
-            <a:avLst/>
-          </a:prstGeom>
-          <a:noFill/>
-        </p:spPr>
-        <p:txBody>
-          <a:bodyPr wrap="square" rtlCol="0">
-            <a:spAutoFit/>
-          </a:bodyPr>
-          <a:lstStyle/>
-          <a:p>
-            <a:r>
-              <a:rPr lang="en-SG" sz="1100" dirty="0">
-                <a:solidFill>
-                  <a:srgbClr val="002060"/>
-                </a:solidFill>
-                <a:latin typeface="Calibri"/>
-              </a:rPr>
-              <a:t>   X</a:t>
-            </a:r>
-          </a:p>
-        </p:txBody>
-      </p:sp>
-      <p:sp>
-        <p:nvSpPr>
-          <p:cNvPr id="74" name="Rectangle 62">
-            <a:extLst>
-              <a:ext uri="{FF2B5EF4-FFF2-40B4-BE49-F238E27FC236}">
-                <a16:creationId xmlns:a16="http://schemas.microsoft.com/office/drawing/2014/main" id="{BA39474E-F597-4E14-95A8-87E16492EE8F}"/>
-              </a:ext>
-            </a:extLst>
-          </p:cNvPr>
-          <p:cNvSpPr/>
-          <p:nvPr/>
-        </p:nvSpPr>
-        <p:spPr>
-          <a:xfrm>
-            <a:off x="5219907" y="2165432"/>
-            <a:ext cx="850026" cy="335501"/>
-          </a:xfrm>
-          <a:prstGeom prst="rect">
-            <a:avLst/>
-          </a:prstGeom>
-          <a:solidFill>
-            <a:srgbClr val="0070C0"/>
-          </a:solidFill>
-          <a:ln w="19050">
-            <a:solidFill>
-              <a:srgbClr val="0070C0"/>
-            </a:solidFill>
-          </a:ln>
-          <a:effectLst/>
-        </p:spPr>
-        <p:style>
-          <a:lnRef idx="1">
-            <a:schemeClr val="accent2"/>
-          </a:lnRef>
-          <a:fillRef idx="2">
-            <a:schemeClr val="accent2"/>
-          </a:fillRef>
-          <a:effectRef idx="1">
-            <a:schemeClr val="accent2"/>
-          </a:effectRef>
-          <a:fontRef idx="minor">
-            <a:schemeClr val="dk1"/>
-          </a:fontRef>
-        </p:style>
-        <p:txBody>
-          <a:bodyPr rtlCol="0" anchor="ctr"/>
-          <a:lstStyle/>
-          <a:p>
-            <a:pPr algn="ctr"/>
-            <a:r>
-              <a:rPr lang="en-US" sz="1200" dirty="0">
-                <a:solidFill>
-                  <a:prstClr val="white"/>
-                </a:solidFill>
-                <a:latin typeface="Calibri"/>
-              </a:rPr>
-              <a:t>d:Pay </a:t>
-            </a:r>
-          </a:p>
-          <a:p>
-            <a:pPr algn="ctr"/>
-            <a:r>
-              <a:rPr lang="en-US" sz="1200" dirty="0">
-                <a:solidFill>
-                  <a:prstClr val="white"/>
-                </a:solidFill>
-                <a:latin typeface="Calibri"/>
-              </a:rPr>
-              <a:t>Command</a:t>
-            </a:r>
-            <a:endParaRPr lang="en-SG" sz="1200" dirty="0">
-              <a:solidFill>
-                <a:prstClr val="white"/>
-              </a:solidFill>
-              <a:latin typeface="Calibri"/>
-            </a:endParaRPr>
-          </a:p>
-        </p:txBody>
-      </p:sp>
-      <p:sp>
-        <p:nvSpPr>
-          <p:cNvPr id="85" name="Rectangle 84">
-            <a:extLst>
-              <a:ext uri="{FF2B5EF4-FFF2-40B4-BE49-F238E27FC236}">
-                <a16:creationId xmlns:a16="http://schemas.microsoft.com/office/drawing/2014/main" id="{9DDA8590-D36F-4FBD-868D-D18A142A6461}"/>
-              </a:ext>
-            </a:extLst>
-          </p:cNvPr>
-          <p:cNvSpPr/>
-          <p:nvPr/>
-        </p:nvSpPr>
-        <p:spPr>
-          <a:xfrm>
-            <a:off x="5584920" y="2591737"/>
-            <a:ext cx="100601" cy="318257"/>
-          </a:xfrm>
-          <a:prstGeom prst="rect">
-            <a:avLst/>
-          </a:prstGeom>
-          <a:solidFill>
-            <a:srgbClr val="0070C0"/>
-          </a:solidFill>
-          <a:ln>
-            <a:solidFill>
-              <a:srgbClr val="0070C0"/>
-            </a:solidFill>
-          </a:ln>
-          <a:effectLst/>
-        </p:spPr>
-        <p:style>
-          <a:lnRef idx="1">
-            <a:schemeClr val="accent3"/>
-          </a:lnRef>
-          <a:fillRef idx="2">
-            <a:schemeClr val="accent3"/>
-          </a:fillRef>
-          <a:effectRef idx="1">
-            <a:schemeClr val="accent3"/>
-          </a:effectRef>
-          <a:fontRef idx="minor">
-            <a:schemeClr val="dk1"/>
-          </a:fontRef>
-        </p:style>
-        <p:txBody>
-          <a:bodyPr rtlCol="0" anchor="ctr"/>
-          <a:lstStyle/>
-          <a:p>
-            <a:pPr algn="ctr"/>
-            <a:endParaRPr lang="en-SG" sz="1400">
-              <a:solidFill>
-                <a:prstClr val="black"/>
-              </a:solidFill>
-              <a:latin typeface="Calibri"/>
-            </a:endParaRPr>
-          </a:p>
-        </p:txBody>
-      </p:sp>
-      <p:cxnSp>
-        <p:nvCxnSpPr>
-          <p:cNvPr id="87" name="Straight Arrow Connector 86">
-            <a:extLst>
-              <a:ext uri="{FF2B5EF4-FFF2-40B4-BE49-F238E27FC236}">
-                <a16:creationId xmlns:a16="http://schemas.microsoft.com/office/drawing/2014/main" id="{C1F56654-5A16-4CE7-ADF7-F9BEB172A431}"/>
-              </a:ext>
-            </a:extLst>
-          </p:cNvPr>
-          <p:cNvCxnSpPr>
-            <a:cxnSpLocks/>
-          </p:cNvCxnSpPr>
-          <p:nvPr/>
-        </p:nvCxnSpPr>
-        <p:spPr>
-          <a:xfrm flipV="1">
-            <a:off x="4725418" y="2328883"/>
-            <a:ext cx="497670" cy="3325"/>
-          </a:xfrm>
-          <a:prstGeom prst="straightConnector1">
-            <a:avLst/>
-          </a:prstGeom>
-          <a:ln w="19050">
-            <a:solidFill>
-              <a:srgbClr val="0070C0"/>
-            </a:solidFill>
-            <a:tailEnd type="arrow"/>
-          </a:ln>
-        </p:spPr>
-        <p:style>
-          <a:lnRef idx="1">
-            <a:schemeClr val="accent1"/>
-          </a:lnRef>
-          <a:fillRef idx="0">
-            <a:schemeClr val="accent1"/>
-          </a:fillRef>
-          <a:effectRef idx="0">
-            <a:schemeClr val="accent1"/>
-          </a:effectRef>
-          <a:fontRef idx="minor">
-            <a:schemeClr val="tx1"/>
-          </a:fontRef>
-        </p:style>
-      </p:cxnSp>
-      <p:sp>
-        <p:nvSpPr>
-          <p:cNvPr id="88" name="TextBox 87">
-            <a:extLst>
-              <a:ext uri="{FF2B5EF4-FFF2-40B4-BE49-F238E27FC236}">
-                <a16:creationId xmlns:a16="http://schemas.microsoft.com/office/drawing/2014/main" id="{2B651A5F-1952-4628-979F-89973D058CC1}"/>
-              </a:ext>
-            </a:extLst>
-          </p:cNvPr>
-          <p:cNvSpPr txBox="1"/>
-          <p:nvPr/>
-        </p:nvSpPr>
-        <p:spPr>
-          <a:xfrm>
-            <a:off x="4426913" y="2319867"/>
-            <a:ext cx="621216" cy="215444"/>
-          </a:xfrm>
-          <a:prstGeom prst="rect">
-            <a:avLst/>
-          </a:prstGeom>
-          <a:noFill/>
-        </p:spPr>
-        <p:txBody>
-          <a:bodyPr wrap="square" lIns="0" tIns="0" rIns="0" bIns="0" rtlCol="0">
-            <a:spAutoFit/>
-          </a:bodyPr>
-          <a:lstStyle>
-            <a:defPPr>
-              <a:defRPr lang="en-US"/>
-            </a:defPPr>
-            <a:lvl1pPr algn="r">
-              <a:defRPr sz="1400">
+                <a:prstDash val="sysDash"/>
+                <a:headEnd type="arrow" w="med" len="med"/>
+                <a:tailEnd type="none" w="med" len="med"/>
+              </a:ln>
+            </p:spPr>
+            <p:style>
+              <a:lnRef idx="1">
+                <a:schemeClr val="accent1"/>
+              </a:lnRef>
+              <a:fillRef idx="0">
+                <a:schemeClr val="accent1"/>
+              </a:fillRef>
+              <a:effectRef idx="0">
+                <a:schemeClr val="accent1"/>
+              </a:effectRef>
+              <a:fontRef idx="minor">
+                <a:schemeClr val="tx1"/>
+              </a:fontRef>
+            </p:style>
+          </p:cxnSp>
+          <p:cxnSp>
+            <p:nvCxnSpPr>
+              <p:cNvPr id="50" name="Straight Arrow Connector 49"/>
+              <p:cNvCxnSpPr>
+                <a:cxnSpLocks/>
+              </p:cNvCxnSpPr>
+              <p:nvPr/>
+            </p:nvCxnSpPr>
+            <p:spPr>
+              <a:xfrm flipV="1">
+                <a:off x="3429001" y="1242355"/>
+                <a:ext cx="358137" cy="3411"/>
+              </a:xfrm>
+              <a:prstGeom prst="straightConnector1">
+                <a:avLst/>
+              </a:prstGeom>
+              <a:ln w="19050">
                 <a:solidFill>
                   <a:srgbClr val="0070C0"/>
                 </a:solidFill>
-              </a:defRPr>
-            </a:lvl1pPr>
-          </a:lstStyle>
-          <a:p>
-            <a:r>
-              <a:rPr lang="en-US" dirty="0">
-                <a:latin typeface="Calibri"/>
-              </a:rPr>
-              <a:t>P</a:t>
-            </a:r>
-          </a:p>
-        </p:txBody>
-      </p:sp>
-      <p:cxnSp>
-        <p:nvCxnSpPr>
-          <p:cNvPr id="106" name="Straight Arrow Connector 105">
-            <a:extLst>
-              <a:ext uri="{FF2B5EF4-FFF2-40B4-BE49-F238E27FC236}">
-                <a16:creationId xmlns:a16="http://schemas.microsoft.com/office/drawing/2014/main" id="{864F3666-358B-4E3C-8BA7-F4A36DAA2D3E}"/>
-              </a:ext>
-            </a:extLst>
-          </p:cNvPr>
-          <p:cNvCxnSpPr>
-            <a:cxnSpLocks/>
-            <a:endCxn id="39" idx="1"/>
-          </p:cNvCxnSpPr>
-          <p:nvPr/>
-        </p:nvCxnSpPr>
-        <p:spPr>
-          <a:xfrm flipV="1">
-            <a:off x="5678960" y="5059524"/>
-            <a:ext cx="4129470" cy="22620"/>
-          </a:xfrm>
-          <a:prstGeom prst="straightConnector1">
-            <a:avLst/>
-          </a:prstGeom>
-          <a:ln w="19050">
-            <a:solidFill>
-              <a:srgbClr val="0070C0"/>
-            </a:solidFill>
-            <a:tailEnd type="arrow"/>
-          </a:ln>
-        </p:spPr>
-        <p:style>
-          <a:lnRef idx="1">
-            <a:schemeClr val="accent1"/>
-          </a:lnRef>
-          <a:fillRef idx="0">
-            <a:schemeClr val="accent1"/>
-          </a:fillRef>
-          <a:effectRef idx="0">
-            <a:schemeClr val="accent1"/>
-          </a:effectRef>
-          <a:fontRef idx="minor">
-            <a:schemeClr val="tx1"/>
-          </a:fontRef>
-        </p:style>
-      </p:cxnSp>
-      <p:cxnSp>
-        <p:nvCxnSpPr>
-          <p:cNvPr id="113" name="Straight Arrow Connector 112">
-            <a:extLst>
-              <a:ext uri="{FF2B5EF4-FFF2-40B4-BE49-F238E27FC236}">
-                <a16:creationId xmlns:a16="http://schemas.microsoft.com/office/drawing/2014/main" id="{E9D9E9E0-6F9C-489E-BED1-EEBD1F163A1E}"/>
-              </a:ext>
-            </a:extLst>
-          </p:cNvPr>
-          <p:cNvCxnSpPr>
-            <a:cxnSpLocks/>
-          </p:cNvCxnSpPr>
-          <p:nvPr/>
-        </p:nvCxnSpPr>
-        <p:spPr>
-          <a:xfrm>
-            <a:off x="4837669" y="2903420"/>
-            <a:ext cx="733069" cy="6940"/>
-          </a:xfrm>
-          <a:prstGeom prst="straightConnector1">
-            <a:avLst/>
-          </a:prstGeom>
-          <a:ln w="19050">
-            <a:solidFill>
-              <a:srgbClr val="0070C0"/>
-            </a:solidFill>
-            <a:prstDash val="sysDash"/>
-            <a:headEnd type="arrow" w="med" len="med"/>
-            <a:tailEnd type="none" w="med" len="med"/>
-          </a:ln>
-        </p:spPr>
-        <p:style>
-          <a:lnRef idx="1">
-            <a:schemeClr val="accent1"/>
-          </a:lnRef>
-          <a:fillRef idx="0">
-            <a:schemeClr val="accent1"/>
-          </a:fillRef>
-          <a:effectRef idx="0">
-            <a:schemeClr val="accent1"/>
-          </a:effectRef>
-          <a:fontRef idx="minor">
-            <a:schemeClr val="tx1"/>
-          </a:fontRef>
-        </p:style>
-      </p:cxnSp>
-      <p:sp>
-        <p:nvSpPr>
-          <p:cNvPr id="110" name="Rectangle 62">
-            <a:extLst>
-              <a:ext uri="{FF2B5EF4-FFF2-40B4-BE49-F238E27FC236}">
-                <a16:creationId xmlns:a16="http://schemas.microsoft.com/office/drawing/2014/main" id="{6C968E01-7754-4342-9297-E2BA5581E60B}"/>
-              </a:ext>
-            </a:extLst>
-          </p:cNvPr>
-          <p:cNvSpPr/>
-          <p:nvPr/>
-        </p:nvSpPr>
-        <p:spPr>
-          <a:xfrm>
-            <a:off x="6637050" y="3089821"/>
-            <a:ext cx="926621" cy="230693"/>
-          </a:xfrm>
-          <a:prstGeom prst="rect">
-            <a:avLst/>
-          </a:prstGeom>
-          <a:solidFill>
-            <a:srgbClr val="0070C0"/>
-          </a:solidFill>
-          <a:ln w="19050">
-            <a:solidFill>
-              <a:srgbClr val="0070C0"/>
-            </a:solidFill>
-          </a:ln>
-          <a:effectLst/>
-        </p:spPr>
-        <p:style>
-          <a:lnRef idx="1">
-            <a:schemeClr val="accent2"/>
-          </a:lnRef>
-          <a:fillRef idx="2">
-            <a:schemeClr val="accent2"/>
-          </a:fillRef>
-          <a:effectRef idx="1">
-            <a:schemeClr val="accent2"/>
-          </a:effectRef>
-          <a:fontRef idx="minor">
-            <a:schemeClr val="dk1"/>
-          </a:fontRef>
-        </p:style>
-        <p:txBody>
-          <a:bodyPr rtlCol="0" anchor="ctr"/>
-          <a:lstStyle/>
-          <a:p>
-            <a:pPr algn="ctr"/>
-            <a:r>
-              <a:rPr lang="en-US" sz="1200" dirty="0">
-                <a:solidFill>
-                  <a:prstClr val="white"/>
-                </a:solidFill>
-                <a:latin typeface="Calibri"/>
-              </a:rPr>
-              <a:t>t:Student</a:t>
-            </a:r>
-            <a:endParaRPr lang="en-SG" sz="1200" dirty="0">
-              <a:solidFill>
-                <a:prstClr val="white"/>
-              </a:solidFill>
-              <a:latin typeface="Calibri"/>
-            </a:endParaRPr>
-          </a:p>
-        </p:txBody>
-      </p:sp>
-      <p:sp>
-        <p:nvSpPr>
-          <p:cNvPr id="111" name="Rectangle 110">
-            <a:extLst>
-              <a:ext uri="{FF2B5EF4-FFF2-40B4-BE49-F238E27FC236}">
-                <a16:creationId xmlns:a16="http://schemas.microsoft.com/office/drawing/2014/main" id="{A4F5D6F6-860A-4BB1-995A-ABEB11B7279E}"/>
-              </a:ext>
-            </a:extLst>
-          </p:cNvPr>
-          <p:cNvSpPr/>
-          <p:nvPr/>
-        </p:nvSpPr>
-        <p:spPr>
-          <a:xfrm>
-            <a:off x="7005165" y="3321056"/>
-            <a:ext cx="144923" cy="102175"/>
-          </a:xfrm>
-          <a:prstGeom prst="rect">
-            <a:avLst/>
-          </a:prstGeom>
-          <a:solidFill>
-            <a:srgbClr val="0070C0"/>
-          </a:solidFill>
-          <a:ln>
-            <a:solidFill>
-              <a:srgbClr val="0070C0"/>
-            </a:solidFill>
-          </a:ln>
-          <a:effectLst/>
-        </p:spPr>
-        <p:style>
-          <a:lnRef idx="1">
-            <a:schemeClr val="accent3"/>
-          </a:lnRef>
-          <a:fillRef idx="2">
-            <a:schemeClr val="accent3"/>
-          </a:fillRef>
-          <a:effectRef idx="1">
-            <a:schemeClr val="accent3"/>
-          </a:effectRef>
-          <a:fontRef idx="minor">
-            <a:schemeClr val="dk1"/>
-          </a:fontRef>
-        </p:style>
-        <p:txBody>
-          <a:bodyPr rtlCol="0" anchor="ctr"/>
-          <a:lstStyle/>
-          <a:p>
-            <a:pPr algn="ctr"/>
-            <a:endParaRPr lang="en-SG" sz="1400">
-              <a:solidFill>
-                <a:prstClr val="black"/>
-              </a:solidFill>
-              <a:latin typeface="Calibri"/>
-            </a:endParaRPr>
-          </a:p>
-        </p:txBody>
-      </p:sp>
-      <p:cxnSp>
-        <p:nvCxnSpPr>
-          <p:cNvPr id="112" name="Straight Arrow Connector 111">
-            <a:extLst>
-              <a:ext uri="{FF2B5EF4-FFF2-40B4-BE49-F238E27FC236}">
-                <a16:creationId xmlns:a16="http://schemas.microsoft.com/office/drawing/2014/main" id="{FEE17AA2-658D-481B-B7CA-63854583D595}"/>
-              </a:ext>
-            </a:extLst>
-          </p:cNvPr>
-          <p:cNvCxnSpPr>
-            <a:cxnSpLocks/>
-          </p:cNvCxnSpPr>
-          <p:nvPr/>
-        </p:nvCxnSpPr>
-        <p:spPr>
-          <a:xfrm>
-            <a:off x="5635220" y="3197778"/>
-            <a:ext cx="989518" cy="1090"/>
-          </a:xfrm>
-          <a:prstGeom prst="straightConnector1">
-            <a:avLst/>
-          </a:prstGeom>
-          <a:ln w="19050">
-            <a:solidFill>
-              <a:srgbClr val="0070C0"/>
-            </a:solidFill>
-            <a:tailEnd type="arrow"/>
-          </a:ln>
-        </p:spPr>
-        <p:style>
-          <a:lnRef idx="1">
-            <a:schemeClr val="accent1"/>
-          </a:lnRef>
-          <a:fillRef idx="0">
-            <a:schemeClr val="accent1"/>
-          </a:fillRef>
-          <a:effectRef idx="0">
-            <a:schemeClr val="accent1"/>
-          </a:effectRef>
-          <a:fontRef idx="minor">
-            <a:schemeClr val="tx1"/>
-          </a:fontRef>
-        </p:style>
-      </p:cxnSp>
-      <p:sp>
-        <p:nvSpPr>
-          <p:cNvPr id="117" name="TextBox 116">
-            <a:extLst>
-              <a:ext uri="{FF2B5EF4-FFF2-40B4-BE49-F238E27FC236}">
-                <a16:creationId xmlns:a16="http://schemas.microsoft.com/office/drawing/2014/main" id="{024BEC88-DBB1-4E3E-B95C-397D4C80ABF8}"/>
-              </a:ext>
-            </a:extLst>
-          </p:cNvPr>
-          <p:cNvSpPr txBox="1"/>
-          <p:nvPr/>
-        </p:nvSpPr>
-        <p:spPr>
-          <a:xfrm>
-            <a:off x="5465880" y="3035959"/>
-            <a:ext cx="1150818" cy="107722"/>
-          </a:xfrm>
-          <a:prstGeom prst="rect">
-            <a:avLst/>
-          </a:prstGeom>
-          <a:noFill/>
-        </p:spPr>
-        <p:txBody>
-          <a:bodyPr wrap="square" lIns="0" tIns="0" rIns="0" bIns="0" rtlCol="0">
-            <a:spAutoFit/>
-          </a:bodyPr>
-          <a:lstStyle>
-            <a:defPPr>
-              <a:defRPr lang="en-US"/>
-            </a:defPPr>
-            <a:lvl1pPr algn="r">
-              <a:defRPr sz="1400">
+                <a:tailEnd type="arrow"/>
+              </a:ln>
+            </p:spPr>
+            <p:style>
+              <a:lnRef idx="1">
+                <a:schemeClr val="accent1"/>
+              </a:lnRef>
+              <a:fillRef idx="0">
+                <a:schemeClr val="accent1"/>
+              </a:fillRef>
+              <a:effectRef idx="0">
+                <a:schemeClr val="accent1"/>
+              </a:effectRef>
+              <a:fontRef idx="minor">
+                <a:schemeClr val="tx1"/>
+              </a:fontRef>
+            </p:style>
+          </p:cxnSp>
+          <p:cxnSp>
+            <p:nvCxnSpPr>
+              <p:cNvPr id="52" name="Straight Arrow Connector 51"/>
+              <p:cNvCxnSpPr>
+                <a:cxnSpLocks/>
+              </p:cNvCxnSpPr>
+              <p:nvPr/>
+            </p:nvCxnSpPr>
+            <p:spPr>
+              <a:xfrm>
+                <a:off x="3439965" y="1521330"/>
+                <a:ext cx="1172400" cy="0"/>
+              </a:xfrm>
+              <a:prstGeom prst="straightConnector1">
+                <a:avLst/>
+              </a:prstGeom>
+              <a:ln w="19050">
                 <a:solidFill>
                   <a:srgbClr val="0070C0"/>
                 </a:solidFill>
-              </a:defRPr>
-            </a:lvl1pPr>
-          </a:lstStyle>
-          <a:p>
-            <a:r>
-              <a:rPr lang="en-US" sz="700" dirty="0" err="1">
-                <a:latin typeface="Calibri"/>
-              </a:rPr>
-              <a:t>lastShownList.get</a:t>
-            </a:r>
-            <a:r>
-              <a:rPr lang="en-US" sz="700" dirty="0">
-                <a:latin typeface="Calibri"/>
-              </a:rPr>
-              <a:t>(index)</a:t>
-            </a:r>
-          </a:p>
-        </p:txBody>
-      </p:sp>
-      <p:cxnSp>
-        <p:nvCxnSpPr>
-          <p:cNvPr id="120" name="Straight Arrow Connector 119">
-            <a:extLst>
-              <a:ext uri="{FF2B5EF4-FFF2-40B4-BE49-F238E27FC236}">
-                <a16:creationId xmlns:a16="http://schemas.microsoft.com/office/drawing/2014/main" id="{7589CB95-3C96-4E2E-A917-2029539A6549}"/>
-              </a:ext>
-            </a:extLst>
-          </p:cNvPr>
-          <p:cNvCxnSpPr>
-            <a:cxnSpLocks/>
-            <a:endCxn id="111" idx="2"/>
-          </p:cNvCxnSpPr>
-          <p:nvPr/>
-        </p:nvCxnSpPr>
-        <p:spPr>
-          <a:xfrm>
-            <a:off x="5685521" y="3418323"/>
-            <a:ext cx="1392106" cy="4908"/>
-          </a:xfrm>
-          <a:prstGeom prst="straightConnector1">
-            <a:avLst/>
-          </a:prstGeom>
-          <a:ln w="19050">
-            <a:solidFill>
-              <a:srgbClr val="0070C0"/>
-            </a:solidFill>
-            <a:prstDash val="sysDash"/>
-            <a:headEnd type="arrow" w="med" len="med"/>
-            <a:tailEnd type="none" w="med" len="med"/>
-          </a:ln>
-        </p:spPr>
-        <p:style>
-          <a:lnRef idx="1">
-            <a:schemeClr val="accent1"/>
-          </a:lnRef>
-          <a:fillRef idx="0">
-            <a:schemeClr val="accent1"/>
-          </a:fillRef>
-          <a:effectRef idx="0">
-            <a:schemeClr val="accent1"/>
-          </a:effectRef>
-          <a:fontRef idx="minor">
-            <a:schemeClr val="tx1"/>
-          </a:fontRef>
-        </p:style>
-      </p:cxnSp>
-      <p:sp>
-        <p:nvSpPr>
-          <p:cNvPr id="124" name="Rectangle 123">
-            <a:extLst>
-              <a:ext uri="{FF2B5EF4-FFF2-40B4-BE49-F238E27FC236}">
-                <a16:creationId xmlns:a16="http://schemas.microsoft.com/office/drawing/2014/main" id="{01771306-C7F0-43DF-8B5E-58AE678F2DD3}"/>
-              </a:ext>
-            </a:extLst>
-          </p:cNvPr>
-          <p:cNvSpPr/>
-          <p:nvPr/>
-        </p:nvSpPr>
-        <p:spPr>
-          <a:xfrm>
-            <a:off x="7024015" y="4723781"/>
-            <a:ext cx="187553" cy="102797"/>
-          </a:xfrm>
-          <a:prstGeom prst="rect">
-            <a:avLst/>
-          </a:prstGeom>
-          <a:solidFill>
-            <a:srgbClr val="0070C0"/>
-          </a:solidFill>
-          <a:ln>
-            <a:solidFill>
-              <a:srgbClr val="0070C0"/>
-            </a:solidFill>
-          </a:ln>
-          <a:effectLst/>
-        </p:spPr>
-        <p:style>
-          <a:lnRef idx="1">
-            <a:schemeClr val="accent3"/>
-          </a:lnRef>
-          <a:fillRef idx="2">
-            <a:schemeClr val="accent3"/>
-          </a:fillRef>
-          <a:effectRef idx="1">
-            <a:schemeClr val="accent3"/>
-          </a:effectRef>
-          <a:fontRef idx="minor">
-            <a:schemeClr val="dk1"/>
-          </a:fontRef>
-        </p:style>
-        <p:txBody>
-          <a:bodyPr rtlCol="0" anchor="ctr"/>
-          <a:lstStyle/>
-          <a:p>
-            <a:pPr algn="ctr"/>
-            <a:endParaRPr lang="en-SG" sz="1400">
+                <a:prstDash val="sysDash"/>
+                <a:headEnd type="arrow" w="med" len="med"/>
+                <a:tailEnd type="none" w="med" len="med"/>
+              </a:ln>
+            </p:spPr>
+            <p:style>
+              <a:lnRef idx="1">
+                <a:schemeClr val="accent1"/>
+              </a:lnRef>
+              <a:fillRef idx="0">
+                <a:schemeClr val="accent1"/>
+              </a:fillRef>
+              <a:effectRef idx="0">
+                <a:schemeClr val="accent1"/>
+              </a:effectRef>
+              <a:fontRef idx="minor">
+                <a:schemeClr val="tx1"/>
+              </a:fontRef>
+            </p:style>
+          </p:cxnSp>
+          <p:sp>
+            <p:nvSpPr>
+              <p:cNvPr id="4" name="TextBox 3"/>
+              <p:cNvSpPr txBox="1"/>
+              <p:nvPr/>
+            </p:nvSpPr>
+            <p:spPr>
+              <a:xfrm>
+                <a:off x="4500623" y="2916393"/>
+                <a:ext cx="463460" cy="261610"/>
+              </a:xfrm>
+              <a:prstGeom prst="rect">
+                <a:avLst/>
+              </a:prstGeom>
+              <a:noFill/>
+            </p:spPr>
+            <p:txBody>
+              <a:bodyPr wrap="square" rtlCol="0">
+                <a:spAutoFit/>
+              </a:bodyPr>
+              <a:lstStyle/>
+              <a:p>
+                <a:r>
+                  <a:rPr lang="en-SG" sz="1100" dirty="0">
+                    <a:solidFill>
+                      <a:srgbClr val="002060"/>
+                    </a:solidFill>
+                    <a:latin typeface="Calibri"/>
+                  </a:rPr>
+                  <a:t>   X</a:t>
+                </a:r>
+              </a:p>
+            </p:txBody>
+          </p:sp>
+          <p:sp>
+            <p:nvSpPr>
+              <p:cNvPr id="74" name="Rectangle 62">
+                <a:extLst>
+                  <a:ext uri="{FF2B5EF4-FFF2-40B4-BE49-F238E27FC236}">
+                    <a16:creationId xmlns:a16="http://schemas.microsoft.com/office/drawing/2014/main" id="{BA39474E-F597-4E14-95A8-87E16492EE8F}"/>
+                  </a:ext>
+                </a:extLst>
+              </p:cNvPr>
+              <p:cNvSpPr/>
+              <p:nvPr/>
+            </p:nvSpPr>
+            <p:spPr>
+              <a:xfrm>
+                <a:off x="5219907" y="2165432"/>
+                <a:ext cx="850026" cy="335501"/>
+              </a:xfrm>
+              <a:prstGeom prst="rect">
+                <a:avLst/>
+              </a:prstGeom>
               <a:solidFill>
-                <a:prstClr val="black"/>
+                <a:srgbClr val="0070C0"/>
               </a:solidFill>
-              <a:latin typeface="Calibri"/>
-            </a:endParaRPr>
-          </a:p>
-        </p:txBody>
-      </p:sp>
-      <p:cxnSp>
-        <p:nvCxnSpPr>
-          <p:cNvPr id="127" name="Straight Arrow Connector 126">
-            <a:extLst>
-              <a:ext uri="{FF2B5EF4-FFF2-40B4-BE49-F238E27FC236}">
-                <a16:creationId xmlns:a16="http://schemas.microsoft.com/office/drawing/2014/main" id="{A8591612-65D1-4A60-B224-1C58D3BA2529}"/>
-              </a:ext>
-            </a:extLst>
-          </p:cNvPr>
-          <p:cNvCxnSpPr>
-            <a:cxnSpLocks/>
-            <a:endCxn id="151" idx="1"/>
-          </p:cNvCxnSpPr>
-          <p:nvPr/>
-        </p:nvCxnSpPr>
-        <p:spPr>
-          <a:xfrm>
-            <a:off x="5655463" y="4620278"/>
-            <a:ext cx="981587" cy="0"/>
-          </a:xfrm>
-          <a:prstGeom prst="straightConnector1">
-            <a:avLst/>
-          </a:prstGeom>
-          <a:ln w="19050">
-            <a:solidFill>
-              <a:srgbClr val="0070C0"/>
-            </a:solidFill>
-            <a:tailEnd type="arrow"/>
-          </a:ln>
-        </p:spPr>
-        <p:style>
-          <a:lnRef idx="1">
-            <a:schemeClr val="accent1"/>
-          </a:lnRef>
-          <a:fillRef idx="0">
-            <a:schemeClr val="accent1"/>
-          </a:fillRef>
-          <a:effectRef idx="0">
-            <a:schemeClr val="accent1"/>
-          </a:effectRef>
-          <a:fontRef idx="minor">
-            <a:schemeClr val="tx1"/>
-          </a:fontRef>
-        </p:style>
-      </p:cxnSp>
-      <p:cxnSp>
-        <p:nvCxnSpPr>
-          <p:cNvPr id="128" name="Straight Arrow Connector 127">
-            <a:extLst>
-              <a:ext uri="{FF2B5EF4-FFF2-40B4-BE49-F238E27FC236}">
-                <a16:creationId xmlns:a16="http://schemas.microsoft.com/office/drawing/2014/main" id="{097DD719-DCCB-41D3-B322-B838EE20C18C}"/>
-              </a:ext>
-            </a:extLst>
-          </p:cNvPr>
-          <p:cNvCxnSpPr>
-            <a:cxnSpLocks/>
-            <a:endCxn id="124" idx="2"/>
-          </p:cNvCxnSpPr>
-          <p:nvPr/>
-        </p:nvCxnSpPr>
-        <p:spPr>
-          <a:xfrm>
-            <a:off x="5667212" y="4826578"/>
-            <a:ext cx="1450580" cy="0"/>
-          </a:xfrm>
-          <a:prstGeom prst="straightConnector1">
-            <a:avLst/>
-          </a:prstGeom>
-          <a:ln w="19050">
-            <a:solidFill>
-              <a:srgbClr val="0070C0"/>
-            </a:solidFill>
-            <a:prstDash val="sysDash"/>
-            <a:headEnd type="arrow" w="med" len="med"/>
-            <a:tailEnd type="none" w="med" len="med"/>
-          </a:ln>
-        </p:spPr>
-        <p:style>
-          <a:lnRef idx="1">
-            <a:schemeClr val="accent1"/>
-          </a:lnRef>
-          <a:fillRef idx="0">
-            <a:schemeClr val="accent1"/>
-          </a:fillRef>
-          <a:effectRef idx="0">
-            <a:schemeClr val="accent1"/>
-          </a:effectRef>
-          <a:fontRef idx="minor">
-            <a:schemeClr val="tx1"/>
-          </a:fontRef>
-        </p:style>
-      </p:cxnSp>
-      <p:sp>
-        <p:nvSpPr>
-          <p:cNvPr id="151" name="Rectangle 62">
-            <a:extLst>
-              <a:ext uri="{FF2B5EF4-FFF2-40B4-BE49-F238E27FC236}">
-                <a16:creationId xmlns:a16="http://schemas.microsoft.com/office/drawing/2014/main" id="{E6B25D8A-1B38-49D7-B8F6-23AAE389A47C}"/>
-              </a:ext>
-            </a:extLst>
-          </p:cNvPr>
-          <p:cNvSpPr/>
-          <p:nvPr/>
-        </p:nvSpPr>
-        <p:spPr>
-          <a:xfrm>
-            <a:off x="6637050" y="4504931"/>
-            <a:ext cx="989046" cy="230693"/>
-          </a:xfrm>
-          <a:prstGeom prst="rect">
-            <a:avLst/>
-          </a:prstGeom>
-          <a:solidFill>
-            <a:srgbClr val="0070C0"/>
-          </a:solidFill>
-          <a:ln w="19050">
-            <a:solidFill>
-              <a:srgbClr val="0070C0"/>
-            </a:solidFill>
-          </a:ln>
-          <a:effectLst/>
-        </p:spPr>
-        <p:style>
-          <a:lnRef idx="1">
-            <a:schemeClr val="accent2"/>
-          </a:lnRef>
-          <a:fillRef idx="2">
-            <a:schemeClr val="accent2"/>
-          </a:fillRef>
-          <a:effectRef idx="1">
-            <a:schemeClr val="accent2"/>
-          </a:effectRef>
-          <a:fontRef idx="minor">
-            <a:schemeClr val="dk1"/>
-          </a:fontRef>
-        </p:style>
-        <p:txBody>
-          <a:bodyPr rtlCol="0" anchor="ctr"/>
-          <a:lstStyle/>
-          <a:p>
-            <a:pPr algn="ctr"/>
-            <a:r>
-              <a:rPr lang="en-US" sz="1000" dirty="0" err="1">
-                <a:solidFill>
-                  <a:prstClr val="white"/>
-                </a:solidFill>
-                <a:latin typeface="Calibri"/>
-              </a:rPr>
-              <a:t>edited:Student</a:t>
-            </a:r>
-            <a:endParaRPr lang="en-SG" sz="1000" dirty="0">
-              <a:solidFill>
-                <a:prstClr val="white"/>
-              </a:solidFill>
-              <a:latin typeface="Calibri"/>
-            </a:endParaRPr>
-          </a:p>
-        </p:txBody>
-      </p:sp>
-      <p:cxnSp>
-        <p:nvCxnSpPr>
-          <p:cNvPr id="89" name="Straight Connector 88">
-            <a:extLst>
-              <a:ext uri="{FF2B5EF4-FFF2-40B4-BE49-F238E27FC236}">
-                <a16:creationId xmlns:a16="http://schemas.microsoft.com/office/drawing/2014/main" id="{3C52FF72-1AFF-4CFD-B58A-8AA853F51E06}"/>
-              </a:ext>
-            </a:extLst>
-          </p:cNvPr>
-          <p:cNvCxnSpPr>
-            <a:cxnSpLocks/>
-          </p:cNvCxnSpPr>
-          <p:nvPr/>
-        </p:nvCxnSpPr>
-        <p:spPr>
-          <a:xfrm>
-            <a:off x="7077627" y="3299962"/>
-            <a:ext cx="0" cy="728478"/>
-          </a:xfrm>
-          <a:prstGeom prst="line">
-            <a:avLst/>
-          </a:prstGeom>
-          <a:ln w="19050">
-            <a:solidFill>
-              <a:srgbClr val="0070C0"/>
-            </a:solidFill>
-            <a:prstDash val="sysDash"/>
-          </a:ln>
-          <a:effectLst/>
-        </p:spPr>
-        <p:style>
-          <a:lnRef idx="1">
-            <a:schemeClr val="accent1"/>
-          </a:lnRef>
-          <a:fillRef idx="2">
-            <a:schemeClr val="accent1"/>
-          </a:fillRef>
-          <a:effectRef idx="1">
-            <a:schemeClr val="accent1"/>
-          </a:effectRef>
-          <a:fontRef idx="minor">
-            <a:schemeClr val="dk1"/>
-          </a:fontRef>
-        </p:style>
-      </p:cxnSp>
-      <p:sp>
-        <p:nvSpPr>
-          <p:cNvPr id="91" name="Rectangle 90">
-            <a:extLst>
-              <a:ext uri="{FF2B5EF4-FFF2-40B4-BE49-F238E27FC236}">
-                <a16:creationId xmlns:a16="http://schemas.microsoft.com/office/drawing/2014/main" id="{27739D36-84D0-4EC7-99BB-3DC63996C25E}"/>
-              </a:ext>
-            </a:extLst>
-          </p:cNvPr>
-          <p:cNvSpPr/>
-          <p:nvPr/>
-        </p:nvSpPr>
-        <p:spPr>
-          <a:xfrm>
-            <a:off x="7014536" y="3533248"/>
-            <a:ext cx="124308" cy="402673"/>
-          </a:xfrm>
-          <a:prstGeom prst="rect">
-            <a:avLst/>
-          </a:prstGeom>
-          <a:solidFill>
-            <a:srgbClr val="0070C0"/>
-          </a:solidFill>
-          <a:ln>
-            <a:solidFill>
-              <a:srgbClr val="0070C0"/>
-            </a:solidFill>
-          </a:ln>
-          <a:effectLst/>
-        </p:spPr>
-        <p:style>
-          <a:lnRef idx="1">
-            <a:schemeClr val="accent3"/>
-          </a:lnRef>
-          <a:fillRef idx="2">
-            <a:schemeClr val="accent3"/>
-          </a:fillRef>
-          <a:effectRef idx="1">
-            <a:schemeClr val="accent3"/>
-          </a:effectRef>
-          <a:fontRef idx="minor">
-            <a:schemeClr val="dk1"/>
-          </a:fontRef>
-        </p:style>
-        <p:txBody>
-          <a:bodyPr rtlCol="0" anchor="ctr"/>
-          <a:lstStyle/>
-          <a:p>
-            <a:pPr algn="ctr"/>
-            <a:endParaRPr lang="en-SG" sz="1400">
-              <a:solidFill>
-                <a:prstClr val="black"/>
-              </a:solidFill>
-              <a:latin typeface="Calibri"/>
-            </a:endParaRPr>
-          </a:p>
-        </p:txBody>
-      </p:sp>
-      <p:cxnSp>
-        <p:nvCxnSpPr>
-          <p:cNvPr id="94" name="Straight Arrow Connector 93">
-            <a:extLst>
-              <a:ext uri="{FF2B5EF4-FFF2-40B4-BE49-F238E27FC236}">
-                <a16:creationId xmlns:a16="http://schemas.microsoft.com/office/drawing/2014/main" id="{42384EDF-EAEC-4D9B-B300-246D17B69F64}"/>
-              </a:ext>
-            </a:extLst>
-          </p:cNvPr>
-          <p:cNvCxnSpPr>
-            <a:cxnSpLocks/>
-          </p:cNvCxnSpPr>
-          <p:nvPr/>
-        </p:nvCxnSpPr>
-        <p:spPr>
-          <a:xfrm>
-            <a:off x="5673586" y="3925537"/>
-            <a:ext cx="1392106" cy="4908"/>
-          </a:xfrm>
-          <a:prstGeom prst="straightConnector1">
-            <a:avLst/>
-          </a:prstGeom>
-          <a:ln w="19050">
-            <a:solidFill>
-              <a:srgbClr val="0070C0"/>
-            </a:solidFill>
-            <a:prstDash val="sysDash"/>
-            <a:headEnd type="arrow" w="med" len="med"/>
-            <a:tailEnd type="none" w="med" len="med"/>
-          </a:ln>
-        </p:spPr>
-        <p:style>
-          <a:lnRef idx="1">
-            <a:schemeClr val="accent1"/>
-          </a:lnRef>
-          <a:fillRef idx="0">
-            <a:schemeClr val="accent1"/>
-          </a:fillRef>
-          <a:effectRef idx="0">
-            <a:schemeClr val="accent1"/>
-          </a:effectRef>
-          <a:fontRef idx="minor">
-            <a:schemeClr val="tx1"/>
-          </a:fontRef>
-        </p:style>
-      </p:cxnSp>
-      <p:cxnSp>
-        <p:nvCxnSpPr>
-          <p:cNvPr id="96" name="Straight Arrow Connector 95">
-            <a:extLst>
-              <a:ext uri="{FF2B5EF4-FFF2-40B4-BE49-F238E27FC236}">
-                <a16:creationId xmlns:a16="http://schemas.microsoft.com/office/drawing/2014/main" id="{5C148ACD-B02E-4E4C-A941-E725C5C105DF}"/>
-              </a:ext>
-            </a:extLst>
-          </p:cNvPr>
-          <p:cNvCxnSpPr>
-            <a:cxnSpLocks/>
-          </p:cNvCxnSpPr>
-          <p:nvPr/>
-        </p:nvCxnSpPr>
-        <p:spPr>
-          <a:xfrm>
-            <a:off x="7140720" y="3602424"/>
-            <a:ext cx="591040" cy="141"/>
-          </a:xfrm>
-          <a:prstGeom prst="straightConnector1">
-            <a:avLst/>
-          </a:prstGeom>
-          <a:ln w="19050">
-            <a:solidFill>
-              <a:srgbClr val="0070C0"/>
-            </a:solidFill>
-            <a:tailEnd type="arrow"/>
-          </a:ln>
-        </p:spPr>
-        <p:style>
-          <a:lnRef idx="1">
-            <a:schemeClr val="accent1"/>
-          </a:lnRef>
-          <a:fillRef idx="0">
-            <a:schemeClr val="accent1"/>
-          </a:fillRef>
-          <a:effectRef idx="0">
-            <a:schemeClr val="accent1"/>
-          </a:effectRef>
-          <a:fontRef idx="minor">
-            <a:schemeClr val="tx1"/>
-          </a:fontRef>
-        </p:style>
-      </p:cxnSp>
-      <p:cxnSp>
-        <p:nvCxnSpPr>
-          <p:cNvPr id="97" name="Straight Arrow Connector 96">
-            <a:extLst>
-              <a:ext uri="{FF2B5EF4-FFF2-40B4-BE49-F238E27FC236}">
-                <a16:creationId xmlns:a16="http://schemas.microsoft.com/office/drawing/2014/main" id="{19ADF5F6-152B-4A86-9E88-3F66FD422235}"/>
-              </a:ext>
-            </a:extLst>
-          </p:cNvPr>
-          <p:cNvCxnSpPr>
-            <a:cxnSpLocks/>
-          </p:cNvCxnSpPr>
-          <p:nvPr/>
-        </p:nvCxnSpPr>
-        <p:spPr>
-          <a:xfrm>
-            <a:off x="7138843" y="3820487"/>
-            <a:ext cx="972781" cy="0"/>
-          </a:xfrm>
-          <a:prstGeom prst="straightConnector1">
-            <a:avLst/>
-          </a:prstGeom>
-          <a:ln w="19050">
-            <a:solidFill>
-              <a:srgbClr val="0070C0"/>
-            </a:solidFill>
-            <a:prstDash val="sysDash"/>
-            <a:headEnd type="arrow" w="med" len="med"/>
-            <a:tailEnd type="none" w="med" len="med"/>
-          </a:ln>
-        </p:spPr>
-        <p:style>
-          <a:lnRef idx="1">
-            <a:schemeClr val="accent1"/>
-          </a:lnRef>
-          <a:fillRef idx="0">
-            <a:schemeClr val="accent1"/>
-          </a:fillRef>
-          <a:effectRef idx="0">
-            <a:schemeClr val="accent1"/>
-          </a:effectRef>
-          <a:fontRef idx="minor">
-            <a:schemeClr val="tx1"/>
-          </a:fontRef>
-        </p:style>
-      </p:cxnSp>
-      <p:sp>
-        <p:nvSpPr>
-          <p:cNvPr id="98" name="TextBox 97">
-            <a:extLst>
-              <a:ext uri="{FF2B5EF4-FFF2-40B4-BE49-F238E27FC236}">
-                <a16:creationId xmlns:a16="http://schemas.microsoft.com/office/drawing/2014/main" id="{6BF14BD3-52B4-486D-8DBE-D7B6178D4C1A}"/>
-              </a:ext>
-            </a:extLst>
-          </p:cNvPr>
-          <p:cNvSpPr txBox="1"/>
-          <p:nvPr/>
-        </p:nvSpPr>
-        <p:spPr>
-          <a:xfrm>
-            <a:off x="6584159" y="3435937"/>
-            <a:ext cx="1150818" cy="107722"/>
-          </a:xfrm>
-          <a:prstGeom prst="rect">
-            <a:avLst/>
-          </a:prstGeom>
-          <a:noFill/>
-        </p:spPr>
-        <p:txBody>
-          <a:bodyPr wrap="square" lIns="0" tIns="0" rIns="0" bIns="0" rtlCol="0">
-            <a:spAutoFit/>
-          </a:bodyPr>
-          <a:lstStyle>
-            <a:defPPr>
-              <a:defRPr lang="en-US"/>
-            </a:defPPr>
-            <a:lvl1pPr algn="r">
-              <a:defRPr sz="1400">
+              <a:ln w="19050">
                 <a:solidFill>
                   <a:srgbClr val="0070C0"/>
                 </a:solidFill>
-              </a:defRPr>
-            </a:lvl1pPr>
-          </a:lstStyle>
-          <a:p>
-            <a:r>
-              <a:rPr lang="en-US" sz="700" dirty="0" err="1">
-                <a:latin typeface="Calibri"/>
-              </a:rPr>
-              <a:t>getPayments</a:t>
-            </a:r>
-            <a:r>
-              <a:rPr lang="en-US" sz="700" dirty="0">
-                <a:latin typeface="Calibri"/>
-              </a:rPr>
-              <a:t>()</a:t>
-            </a:r>
-          </a:p>
-        </p:txBody>
-      </p:sp>
-      <p:sp>
-        <p:nvSpPr>
-          <p:cNvPr id="99" name="Rectangle 62">
-            <a:extLst>
-              <a:ext uri="{FF2B5EF4-FFF2-40B4-BE49-F238E27FC236}">
-                <a16:creationId xmlns:a16="http://schemas.microsoft.com/office/drawing/2014/main" id="{FBE52BE1-83B1-4044-832A-21CFA28B823E}"/>
-              </a:ext>
-            </a:extLst>
-          </p:cNvPr>
-          <p:cNvSpPr/>
-          <p:nvPr/>
-        </p:nvSpPr>
-        <p:spPr>
-          <a:xfrm>
-            <a:off x="7743509" y="3487077"/>
-            <a:ext cx="926621" cy="230693"/>
-          </a:xfrm>
-          <a:prstGeom prst="rect">
-            <a:avLst/>
-          </a:prstGeom>
-          <a:solidFill>
-            <a:srgbClr val="0070C0"/>
-          </a:solidFill>
-          <a:ln w="19050">
-            <a:solidFill>
-              <a:srgbClr val="0070C0"/>
-            </a:solidFill>
-          </a:ln>
-          <a:effectLst/>
-        </p:spPr>
-        <p:style>
-          <a:lnRef idx="1">
-            <a:schemeClr val="accent2"/>
-          </a:lnRef>
-          <a:fillRef idx="2">
-            <a:schemeClr val="accent2"/>
-          </a:fillRef>
-          <a:effectRef idx="1">
-            <a:schemeClr val="accent2"/>
-          </a:effectRef>
-          <a:fontRef idx="minor">
-            <a:schemeClr val="dk1"/>
-          </a:fontRef>
-        </p:style>
-        <p:txBody>
-          <a:bodyPr rtlCol="0" anchor="ctr"/>
-          <a:lstStyle/>
-          <a:p>
-            <a:pPr algn="ctr"/>
-            <a:r>
-              <a:rPr lang="en-US" sz="800" dirty="0">
-                <a:solidFill>
-                  <a:prstClr val="white"/>
-                </a:solidFill>
-                <a:latin typeface="Calibri"/>
-              </a:rPr>
-              <a:t>l:List&lt;Payments&gt;</a:t>
-            </a:r>
-            <a:endParaRPr lang="en-SG" sz="800" dirty="0">
+              </a:ln>
+              <a:effectLst/>
+            </p:spPr>
+            <p:style>
+              <a:lnRef idx="1">
+                <a:schemeClr val="accent2"/>
+              </a:lnRef>
+              <a:fillRef idx="2">
+                <a:schemeClr val="accent2"/>
+              </a:fillRef>
+              <a:effectRef idx="1">
+                <a:schemeClr val="accent2"/>
+              </a:effectRef>
+              <a:fontRef idx="minor">
+                <a:schemeClr val="dk1"/>
+              </a:fontRef>
+            </p:style>
+            <p:txBody>
+              <a:bodyPr rtlCol="0" anchor="ctr"/>
+              <a:lstStyle/>
+              <a:p>
+                <a:pPr algn="ctr"/>
+                <a:r>
+                  <a:rPr lang="en-US" sz="1200" dirty="0">
+                    <a:solidFill>
+                      <a:prstClr val="white"/>
+                    </a:solidFill>
+                    <a:latin typeface="Calibri"/>
+                  </a:rPr>
+                  <a:t>d:Pay </a:t>
+                </a:r>
+              </a:p>
+              <a:p>
+                <a:pPr algn="ctr"/>
+                <a:r>
+                  <a:rPr lang="en-US" sz="1200" dirty="0">
+                    <a:solidFill>
+                      <a:prstClr val="white"/>
+                    </a:solidFill>
+                    <a:latin typeface="Calibri"/>
+                  </a:rPr>
+                  <a:t>Command</a:t>
+                </a:r>
+                <a:endParaRPr lang="en-SG" sz="1200" dirty="0">
+                  <a:solidFill>
+                    <a:prstClr val="white"/>
+                  </a:solidFill>
+                  <a:latin typeface="Calibri"/>
+                </a:endParaRPr>
+              </a:p>
+            </p:txBody>
+          </p:sp>
+          <p:sp>
+            <p:nvSpPr>
+              <p:cNvPr id="85" name="Rectangle 84">
+                <a:extLst>
+                  <a:ext uri="{FF2B5EF4-FFF2-40B4-BE49-F238E27FC236}">
+                    <a16:creationId xmlns:a16="http://schemas.microsoft.com/office/drawing/2014/main" id="{9DDA8590-D36F-4FBD-868D-D18A142A6461}"/>
+                  </a:ext>
+                </a:extLst>
+              </p:cNvPr>
+              <p:cNvSpPr/>
+              <p:nvPr/>
+            </p:nvSpPr>
+            <p:spPr>
+              <a:xfrm>
+                <a:off x="5584920" y="2591737"/>
+                <a:ext cx="100601" cy="318257"/>
+              </a:xfrm>
+              <a:prstGeom prst="rect">
+                <a:avLst/>
+              </a:prstGeom>
               <a:solidFill>
-                <a:prstClr val="white"/>
+                <a:srgbClr val="0070C0"/>
               </a:solidFill>
-              <a:latin typeface="Calibri"/>
-            </a:endParaRPr>
-          </a:p>
-        </p:txBody>
-      </p:sp>
-      <p:sp>
-        <p:nvSpPr>
-          <p:cNvPr id="100" name="Rectangle 99">
-            <a:extLst>
-              <a:ext uri="{FF2B5EF4-FFF2-40B4-BE49-F238E27FC236}">
-                <a16:creationId xmlns:a16="http://schemas.microsoft.com/office/drawing/2014/main" id="{D229B755-5805-4A80-91B2-FEDEE15C495C}"/>
-              </a:ext>
-            </a:extLst>
-          </p:cNvPr>
-          <p:cNvSpPr/>
-          <p:nvPr/>
-        </p:nvSpPr>
-        <p:spPr>
-          <a:xfrm>
-            <a:off x="8111624" y="3718312"/>
-            <a:ext cx="144923" cy="102175"/>
-          </a:xfrm>
-          <a:prstGeom prst="rect">
-            <a:avLst/>
-          </a:prstGeom>
-          <a:solidFill>
-            <a:srgbClr val="0070C0"/>
-          </a:solidFill>
-          <a:ln>
-            <a:solidFill>
-              <a:srgbClr val="0070C0"/>
-            </a:solidFill>
-          </a:ln>
-          <a:effectLst/>
-        </p:spPr>
-        <p:style>
-          <a:lnRef idx="1">
-            <a:schemeClr val="accent3"/>
-          </a:lnRef>
-          <a:fillRef idx="2">
-            <a:schemeClr val="accent3"/>
-          </a:fillRef>
-          <a:effectRef idx="1">
-            <a:schemeClr val="accent3"/>
-          </a:effectRef>
-          <a:fontRef idx="minor">
-            <a:schemeClr val="dk1"/>
-          </a:fontRef>
-        </p:style>
-        <p:txBody>
-          <a:bodyPr rtlCol="0" anchor="ctr"/>
-          <a:lstStyle/>
-          <a:p>
-            <a:pPr algn="ctr"/>
-            <a:endParaRPr lang="en-SG" sz="1400">
-              <a:solidFill>
-                <a:prstClr val="black"/>
-              </a:solidFill>
-              <a:latin typeface="Calibri"/>
-            </a:endParaRPr>
-          </a:p>
-        </p:txBody>
-      </p:sp>
-      <p:sp>
-        <p:nvSpPr>
-          <p:cNvPr id="101" name="TextBox 100">
-            <a:extLst>
-              <a:ext uri="{FF2B5EF4-FFF2-40B4-BE49-F238E27FC236}">
-                <a16:creationId xmlns:a16="http://schemas.microsoft.com/office/drawing/2014/main" id="{4FFDA7D7-5B61-4979-83C4-DE0F52D01109}"/>
-              </a:ext>
-            </a:extLst>
-          </p:cNvPr>
-          <p:cNvSpPr txBox="1"/>
-          <p:nvPr/>
-        </p:nvSpPr>
-        <p:spPr>
-          <a:xfrm>
-            <a:off x="6197815" y="3712105"/>
-            <a:ext cx="220343" cy="215444"/>
-          </a:xfrm>
-          <a:prstGeom prst="rect">
-            <a:avLst/>
-          </a:prstGeom>
-          <a:noFill/>
-        </p:spPr>
-        <p:txBody>
-          <a:bodyPr wrap="square" lIns="0" tIns="0" rIns="0" bIns="0" rtlCol="0">
-            <a:spAutoFit/>
-          </a:bodyPr>
-          <a:lstStyle>
-            <a:defPPr>
-              <a:defRPr lang="en-US"/>
-            </a:defPPr>
-            <a:lvl1pPr algn="r">
-              <a:defRPr sz="1400">
+              <a:ln>
                 <a:solidFill>
                   <a:srgbClr val="0070C0"/>
                 </a:solidFill>
-              </a:defRPr>
-            </a:lvl1pPr>
-          </a:lstStyle>
-          <a:p>
-            <a:r>
-              <a:rPr lang="en-US" dirty="0">
-                <a:latin typeface="Calibri"/>
-              </a:rPr>
-              <a:t>l</a:t>
-            </a:r>
-          </a:p>
-        </p:txBody>
-      </p:sp>
-      <p:cxnSp>
-        <p:nvCxnSpPr>
-          <p:cNvPr id="102" name="Straight Connector 101">
-            <a:extLst>
-              <a:ext uri="{FF2B5EF4-FFF2-40B4-BE49-F238E27FC236}">
-                <a16:creationId xmlns:a16="http://schemas.microsoft.com/office/drawing/2014/main" id="{347EB980-93F3-4661-BFCE-7572AC377838}"/>
-              </a:ext>
-            </a:extLst>
-          </p:cNvPr>
-          <p:cNvCxnSpPr>
-            <a:cxnSpLocks/>
-          </p:cNvCxnSpPr>
-          <p:nvPr/>
-        </p:nvCxnSpPr>
-        <p:spPr>
-          <a:xfrm>
-            <a:off x="8180668" y="3640396"/>
-            <a:ext cx="0" cy="723324"/>
-          </a:xfrm>
-          <a:prstGeom prst="line">
-            <a:avLst/>
-          </a:prstGeom>
-          <a:ln w="19050">
-            <a:solidFill>
-              <a:srgbClr val="0070C0"/>
-            </a:solidFill>
-            <a:prstDash val="sysDash"/>
-          </a:ln>
-          <a:effectLst/>
-        </p:spPr>
-        <p:style>
-          <a:lnRef idx="1">
-            <a:schemeClr val="accent1"/>
-          </a:lnRef>
-          <a:fillRef idx="2">
-            <a:schemeClr val="accent1"/>
-          </a:fillRef>
-          <a:effectRef idx="1">
-            <a:schemeClr val="accent1"/>
-          </a:effectRef>
-          <a:fontRef idx="minor">
-            <a:schemeClr val="dk1"/>
-          </a:fontRef>
-        </p:style>
-      </p:cxnSp>
-      <p:sp>
-        <p:nvSpPr>
-          <p:cNvPr id="103" name="Rectangle 102">
-            <a:extLst>
-              <a:ext uri="{FF2B5EF4-FFF2-40B4-BE49-F238E27FC236}">
-                <a16:creationId xmlns:a16="http://schemas.microsoft.com/office/drawing/2014/main" id="{A13B574E-3DBC-4EE8-ACDD-D66B11DFF994}"/>
-              </a:ext>
-            </a:extLst>
-          </p:cNvPr>
-          <p:cNvSpPr/>
-          <p:nvPr/>
-        </p:nvSpPr>
-        <p:spPr>
-          <a:xfrm>
-            <a:off x="8117578" y="4097316"/>
-            <a:ext cx="138942" cy="266402"/>
-          </a:xfrm>
-          <a:prstGeom prst="rect">
-            <a:avLst/>
-          </a:prstGeom>
-          <a:solidFill>
-            <a:srgbClr val="0070C0"/>
-          </a:solidFill>
-          <a:ln>
-            <a:solidFill>
-              <a:srgbClr val="0070C0"/>
-            </a:solidFill>
-          </a:ln>
-          <a:effectLst/>
-        </p:spPr>
-        <p:style>
-          <a:lnRef idx="1">
-            <a:schemeClr val="accent3"/>
-          </a:lnRef>
-          <a:fillRef idx="2">
-            <a:schemeClr val="accent3"/>
-          </a:fillRef>
-          <a:effectRef idx="1">
-            <a:schemeClr val="accent3"/>
-          </a:effectRef>
-          <a:fontRef idx="minor">
-            <a:schemeClr val="dk1"/>
-          </a:fontRef>
-        </p:style>
-        <p:txBody>
-          <a:bodyPr rtlCol="0" anchor="ctr"/>
-          <a:lstStyle/>
-          <a:p>
-            <a:pPr algn="ctr"/>
-            <a:endParaRPr lang="en-SG" sz="1400">
-              <a:solidFill>
-                <a:prstClr val="black"/>
-              </a:solidFill>
-              <a:latin typeface="Calibri"/>
-            </a:endParaRPr>
-          </a:p>
-        </p:txBody>
-      </p:sp>
-      <p:cxnSp>
-        <p:nvCxnSpPr>
-          <p:cNvPr id="107" name="Straight Arrow Connector 106">
-            <a:extLst>
-              <a:ext uri="{FF2B5EF4-FFF2-40B4-BE49-F238E27FC236}">
-                <a16:creationId xmlns:a16="http://schemas.microsoft.com/office/drawing/2014/main" id="{4E152355-9291-4494-9655-286C83458D28}"/>
-              </a:ext>
-            </a:extLst>
-          </p:cNvPr>
-          <p:cNvCxnSpPr>
-            <a:cxnSpLocks/>
-          </p:cNvCxnSpPr>
-          <p:nvPr/>
-        </p:nvCxnSpPr>
-        <p:spPr>
-          <a:xfrm>
-            <a:off x="5689976" y="4097316"/>
-            <a:ext cx="2421648" cy="0"/>
-          </a:xfrm>
-          <a:prstGeom prst="straightConnector1">
-            <a:avLst/>
-          </a:prstGeom>
-          <a:ln w="19050">
-            <a:solidFill>
-              <a:srgbClr val="0070C0"/>
-            </a:solidFill>
-            <a:tailEnd type="arrow"/>
-          </a:ln>
-        </p:spPr>
-        <p:style>
-          <a:lnRef idx="1">
-            <a:schemeClr val="accent1"/>
-          </a:lnRef>
-          <a:fillRef idx="0">
-            <a:schemeClr val="accent1"/>
-          </a:fillRef>
-          <a:effectRef idx="0">
-            <a:schemeClr val="accent1"/>
-          </a:effectRef>
-          <a:fontRef idx="minor">
-            <a:schemeClr val="tx1"/>
-          </a:fontRef>
-        </p:style>
-      </p:cxnSp>
-      <p:sp>
-        <p:nvSpPr>
-          <p:cNvPr id="114" name="TextBox 113">
-            <a:extLst>
-              <a:ext uri="{FF2B5EF4-FFF2-40B4-BE49-F238E27FC236}">
-                <a16:creationId xmlns:a16="http://schemas.microsoft.com/office/drawing/2014/main" id="{CED1B44B-EFE6-42B0-8D8B-B466893BD71D}"/>
-              </a:ext>
-            </a:extLst>
-          </p:cNvPr>
-          <p:cNvSpPr txBox="1"/>
-          <p:nvPr/>
-        </p:nvSpPr>
-        <p:spPr>
-          <a:xfrm>
-            <a:off x="6821720" y="3966195"/>
-            <a:ext cx="1150818" cy="107722"/>
-          </a:xfrm>
-          <a:prstGeom prst="rect">
-            <a:avLst/>
-          </a:prstGeom>
-          <a:noFill/>
-        </p:spPr>
-        <p:txBody>
-          <a:bodyPr wrap="square" lIns="0" tIns="0" rIns="0" bIns="0" rtlCol="0">
-            <a:spAutoFit/>
-          </a:bodyPr>
-          <a:lstStyle>
-            <a:defPPr>
-              <a:defRPr lang="en-US"/>
-            </a:defPPr>
-            <a:lvl1pPr algn="r">
-              <a:defRPr sz="1400">
+              </a:ln>
+              <a:effectLst/>
+            </p:spPr>
+            <p:style>
+              <a:lnRef idx="1">
+                <a:schemeClr val="accent3"/>
+              </a:lnRef>
+              <a:fillRef idx="2">
+                <a:schemeClr val="accent3"/>
+              </a:fillRef>
+              <a:effectRef idx="1">
+                <a:schemeClr val="accent3"/>
+              </a:effectRef>
+              <a:fontRef idx="minor">
+                <a:schemeClr val="dk1"/>
+              </a:fontRef>
+            </p:style>
+            <p:txBody>
+              <a:bodyPr rtlCol="0" anchor="ctr"/>
+              <a:lstStyle/>
+              <a:p>
+                <a:pPr algn="ctr"/>
+                <a:endParaRPr lang="en-SG" sz="1400">
+                  <a:solidFill>
+                    <a:prstClr val="black"/>
+                  </a:solidFill>
+                  <a:latin typeface="Calibri"/>
+                </a:endParaRPr>
+              </a:p>
+            </p:txBody>
+          </p:sp>
+          <p:cxnSp>
+            <p:nvCxnSpPr>
+              <p:cNvPr id="87" name="Straight Arrow Connector 86">
+                <a:extLst>
+                  <a:ext uri="{FF2B5EF4-FFF2-40B4-BE49-F238E27FC236}">
+                    <a16:creationId xmlns:a16="http://schemas.microsoft.com/office/drawing/2014/main" id="{C1F56654-5A16-4CE7-ADF7-F9BEB172A431}"/>
+                  </a:ext>
+                </a:extLst>
+              </p:cNvPr>
+              <p:cNvCxnSpPr>
+                <a:cxnSpLocks/>
+              </p:cNvCxnSpPr>
+              <p:nvPr/>
+            </p:nvCxnSpPr>
+            <p:spPr>
+              <a:xfrm flipV="1">
+                <a:off x="4725418" y="2328883"/>
+                <a:ext cx="497670" cy="3325"/>
+              </a:xfrm>
+              <a:prstGeom prst="straightConnector1">
+                <a:avLst/>
+              </a:prstGeom>
+              <a:ln w="19050">
                 <a:solidFill>
                   <a:srgbClr val="0070C0"/>
                 </a:solidFill>
-              </a:defRPr>
-            </a:lvl1pPr>
-          </a:lstStyle>
-          <a:p>
-            <a:r>
-              <a:rPr lang="en-US" sz="700" dirty="0" err="1">
-                <a:latin typeface="Calibri"/>
-              </a:rPr>
-              <a:t>updatePayments</a:t>
-            </a:r>
-            <a:r>
-              <a:rPr lang="en-US" sz="700" dirty="0">
-                <a:latin typeface="Calibri"/>
-              </a:rPr>
-              <a:t>(l, p)</a:t>
-            </a:r>
-          </a:p>
-        </p:txBody>
-      </p:sp>
-      <p:cxnSp>
-        <p:nvCxnSpPr>
-          <p:cNvPr id="115" name="Straight Arrow Connector 114">
-            <a:extLst>
-              <a:ext uri="{FF2B5EF4-FFF2-40B4-BE49-F238E27FC236}">
-                <a16:creationId xmlns:a16="http://schemas.microsoft.com/office/drawing/2014/main" id="{2639CACC-CC7D-4331-AA72-1D1467FB44F6}"/>
-              </a:ext>
-            </a:extLst>
-          </p:cNvPr>
-          <p:cNvCxnSpPr>
-            <a:cxnSpLocks/>
-          </p:cNvCxnSpPr>
-          <p:nvPr/>
-        </p:nvCxnSpPr>
-        <p:spPr>
-          <a:xfrm>
-            <a:off x="5655463" y="4363718"/>
-            <a:ext cx="2456160" cy="0"/>
-          </a:xfrm>
-          <a:prstGeom prst="straightConnector1">
-            <a:avLst/>
-          </a:prstGeom>
-          <a:ln w="19050">
-            <a:solidFill>
-              <a:srgbClr val="0070C0"/>
-            </a:solidFill>
-            <a:prstDash val="sysDash"/>
-            <a:headEnd type="arrow" w="med" len="med"/>
-            <a:tailEnd type="none" w="med" len="med"/>
-          </a:ln>
-        </p:spPr>
-        <p:style>
-          <a:lnRef idx="1">
-            <a:schemeClr val="accent1"/>
-          </a:lnRef>
-          <a:fillRef idx="0">
-            <a:schemeClr val="accent1"/>
-          </a:fillRef>
-          <a:effectRef idx="0">
-            <a:schemeClr val="accent1"/>
-          </a:effectRef>
-          <a:fontRef idx="minor">
-            <a:schemeClr val="tx1"/>
-          </a:fontRef>
-        </p:style>
-      </p:cxnSp>
-      <p:sp>
-        <p:nvSpPr>
-          <p:cNvPr id="118" name="TextBox 117">
-            <a:extLst>
-              <a:ext uri="{FF2B5EF4-FFF2-40B4-BE49-F238E27FC236}">
-                <a16:creationId xmlns:a16="http://schemas.microsoft.com/office/drawing/2014/main" id="{B1018812-7701-4C64-9079-4B7D21DAB831}"/>
-              </a:ext>
-            </a:extLst>
-          </p:cNvPr>
-          <p:cNvSpPr txBox="1"/>
-          <p:nvPr/>
-        </p:nvSpPr>
-        <p:spPr>
-          <a:xfrm>
-            <a:off x="5956475" y="4421462"/>
-            <a:ext cx="220343" cy="215444"/>
-          </a:xfrm>
-          <a:prstGeom prst="rect">
-            <a:avLst/>
-          </a:prstGeom>
-          <a:noFill/>
-        </p:spPr>
-        <p:txBody>
-          <a:bodyPr wrap="square" lIns="0" tIns="0" rIns="0" bIns="0" rtlCol="0">
-            <a:spAutoFit/>
-          </a:bodyPr>
-          <a:lstStyle>
-            <a:defPPr>
-              <a:defRPr lang="en-US"/>
-            </a:defPPr>
-            <a:lvl1pPr algn="r">
-              <a:defRPr sz="1400">
+                <a:tailEnd type="arrow"/>
+              </a:ln>
+            </p:spPr>
+            <p:style>
+              <a:lnRef idx="1">
+                <a:schemeClr val="accent1"/>
+              </a:lnRef>
+              <a:fillRef idx="0">
+                <a:schemeClr val="accent1"/>
+              </a:fillRef>
+              <a:effectRef idx="0">
+                <a:schemeClr val="accent1"/>
+              </a:effectRef>
+              <a:fontRef idx="minor">
+                <a:schemeClr val="tx1"/>
+              </a:fontRef>
+            </p:style>
+          </p:cxnSp>
+          <p:sp>
+            <p:nvSpPr>
+              <p:cNvPr id="88" name="TextBox 87">
+                <a:extLst>
+                  <a:ext uri="{FF2B5EF4-FFF2-40B4-BE49-F238E27FC236}">
+                    <a16:creationId xmlns:a16="http://schemas.microsoft.com/office/drawing/2014/main" id="{2B651A5F-1952-4628-979F-89973D058CC1}"/>
+                  </a:ext>
+                </a:extLst>
+              </p:cNvPr>
+              <p:cNvSpPr txBox="1"/>
+              <p:nvPr/>
+            </p:nvSpPr>
+            <p:spPr>
+              <a:xfrm>
+                <a:off x="4426913" y="2319867"/>
+                <a:ext cx="621216" cy="215444"/>
+              </a:xfrm>
+              <a:prstGeom prst="rect">
+                <a:avLst/>
+              </a:prstGeom>
+              <a:noFill/>
+            </p:spPr>
+            <p:txBody>
+              <a:bodyPr wrap="square" lIns="0" tIns="0" rIns="0" bIns="0" rtlCol="0">
+                <a:spAutoFit/>
+              </a:bodyPr>
+              <a:lstStyle>
+                <a:defPPr>
+                  <a:defRPr lang="en-US"/>
+                </a:defPPr>
+                <a:lvl1pPr algn="r">
+                  <a:defRPr sz="1400">
+                    <a:solidFill>
+                      <a:srgbClr val="0070C0"/>
+                    </a:solidFill>
+                  </a:defRPr>
+                </a:lvl1pPr>
+              </a:lstStyle>
+              <a:p>
+                <a:r>
+                  <a:rPr lang="en-US" dirty="0">
+                    <a:latin typeface="Calibri"/>
+                  </a:rPr>
+                  <a:t>P</a:t>
+                </a:r>
+              </a:p>
+            </p:txBody>
+          </p:sp>
+          <p:cxnSp>
+            <p:nvCxnSpPr>
+              <p:cNvPr id="106" name="Straight Arrow Connector 105">
+                <a:extLst>
+                  <a:ext uri="{FF2B5EF4-FFF2-40B4-BE49-F238E27FC236}">
+                    <a16:creationId xmlns:a16="http://schemas.microsoft.com/office/drawing/2014/main" id="{864F3666-358B-4E3C-8BA7-F4A36DAA2D3E}"/>
+                  </a:ext>
+                </a:extLst>
+              </p:cNvPr>
+              <p:cNvCxnSpPr>
+                <a:cxnSpLocks/>
+                <a:endCxn id="39" idx="1"/>
+              </p:cNvCxnSpPr>
+              <p:nvPr/>
+            </p:nvCxnSpPr>
+            <p:spPr>
+              <a:xfrm flipV="1">
+                <a:off x="5678960" y="5059524"/>
+                <a:ext cx="4129470" cy="22620"/>
+              </a:xfrm>
+              <a:prstGeom prst="straightConnector1">
+                <a:avLst/>
+              </a:prstGeom>
+              <a:ln w="19050">
                 <a:solidFill>
                   <a:srgbClr val="0070C0"/>
                 </a:solidFill>
-              </a:defRPr>
-            </a:lvl1pPr>
-          </a:lstStyle>
-          <a:p>
-            <a:r>
-              <a:rPr lang="en-US" dirty="0">
-                <a:latin typeface="Calibri"/>
-              </a:rPr>
-              <a:t>l</a:t>
-            </a:r>
-          </a:p>
-        </p:txBody>
-      </p:sp>
+                <a:tailEnd type="arrow"/>
+              </a:ln>
+            </p:spPr>
+            <p:style>
+              <a:lnRef idx="1">
+                <a:schemeClr val="accent1"/>
+              </a:lnRef>
+              <a:fillRef idx="0">
+                <a:schemeClr val="accent1"/>
+              </a:fillRef>
+              <a:effectRef idx="0">
+                <a:schemeClr val="accent1"/>
+              </a:effectRef>
+              <a:fontRef idx="minor">
+                <a:schemeClr val="tx1"/>
+              </a:fontRef>
+            </p:style>
+          </p:cxnSp>
+          <p:cxnSp>
+            <p:nvCxnSpPr>
+              <p:cNvPr id="113" name="Straight Arrow Connector 112">
+                <a:extLst>
+                  <a:ext uri="{FF2B5EF4-FFF2-40B4-BE49-F238E27FC236}">
+                    <a16:creationId xmlns:a16="http://schemas.microsoft.com/office/drawing/2014/main" id="{E9D9E9E0-6F9C-489E-BED1-EEBD1F163A1E}"/>
+                  </a:ext>
+                </a:extLst>
+              </p:cNvPr>
+              <p:cNvCxnSpPr>
+                <a:cxnSpLocks/>
+              </p:cNvCxnSpPr>
+              <p:nvPr/>
+            </p:nvCxnSpPr>
+            <p:spPr>
+              <a:xfrm>
+                <a:off x="4837669" y="2903420"/>
+                <a:ext cx="733069" cy="6940"/>
+              </a:xfrm>
+              <a:prstGeom prst="straightConnector1">
+                <a:avLst/>
+              </a:prstGeom>
+              <a:ln w="19050">
+                <a:solidFill>
+                  <a:srgbClr val="0070C0"/>
+                </a:solidFill>
+                <a:prstDash val="sysDash"/>
+                <a:headEnd type="arrow" w="med" len="med"/>
+                <a:tailEnd type="none" w="med" len="med"/>
+              </a:ln>
+            </p:spPr>
+            <p:style>
+              <a:lnRef idx="1">
+                <a:schemeClr val="accent1"/>
+              </a:lnRef>
+              <a:fillRef idx="0">
+                <a:schemeClr val="accent1"/>
+              </a:fillRef>
+              <a:effectRef idx="0">
+                <a:schemeClr val="accent1"/>
+              </a:effectRef>
+              <a:fontRef idx="minor">
+                <a:schemeClr val="tx1"/>
+              </a:fontRef>
+            </p:style>
+          </p:cxnSp>
+          <p:sp>
+            <p:nvSpPr>
+              <p:cNvPr id="110" name="Rectangle 62">
+                <a:extLst>
+                  <a:ext uri="{FF2B5EF4-FFF2-40B4-BE49-F238E27FC236}">
+                    <a16:creationId xmlns:a16="http://schemas.microsoft.com/office/drawing/2014/main" id="{6C968E01-7754-4342-9297-E2BA5581E60B}"/>
+                  </a:ext>
+                </a:extLst>
+              </p:cNvPr>
+              <p:cNvSpPr/>
+              <p:nvPr/>
+            </p:nvSpPr>
+            <p:spPr>
+              <a:xfrm>
+                <a:off x="6637050" y="3089821"/>
+                <a:ext cx="926621" cy="230693"/>
+              </a:xfrm>
+              <a:prstGeom prst="rect">
+                <a:avLst/>
+              </a:prstGeom>
+              <a:solidFill>
+                <a:srgbClr val="0070C0"/>
+              </a:solidFill>
+              <a:ln w="19050">
+                <a:solidFill>
+                  <a:srgbClr val="0070C0"/>
+                </a:solidFill>
+              </a:ln>
+              <a:effectLst/>
+            </p:spPr>
+            <p:style>
+              <a:lnRef idx="1">
+                <a:schemeClr val="accent2"/>
+              </a:lnRef>
+              <a:fillRef idx="2">
+                <a:schemeClr val="accent2"/>
+              </a:fillRef>
+              <a:effectRef idx="1">
+                <a:schemeClr val="accent2"/>
+              </a:effectRef>
+              <a:fontRef idx="minor">
+                <a:schemeClr val="dk1"/>
+              </a:fontRef>
+            </p:style>
+            <p:txBody>
+              <a:bodyPr rtlCol="0" anchor="ctr"/>
+              <a:lstStyle/>
+              <a:p>
+                <a:pPr algn="ctr"/>
+                <a:r>
+                  <a:rPr lang="en-US" sz="1200" dirty="0">
+                    <a:solidFill>
+                      <a:prstClr val="white"/>
+                    </a:solidFill>
+                    <a:latin typeface="Calibri"/>
+                  </a:rPr>
+                  <a:t>t:Student</a:t>
+                </a:r>
+                <a:endParaRPr lang="en-SG" sz="1200" dirty="0">
+                  <a:solidFill>
+                    <a:prstClr val="white"/>
+                  </a:solidFill>
+                  <a:latin typeface="Calibri"/>
+                </a:endParaRPr>
+              </a:p>
+            </p:txBody>
+          </p:sp>
+          <p:sp>
+            <p:nvSpPr>
+              <p:cNvPr id="111" name="Rectangle 110">
+                <a:extLst>
+                  <a:ext uri="{FF2B5EF4-FFF2-40B4-BE49-F238E27FC236}">
+                    <a16:creationId xmlns:a16="http://schemas.microsoft.com/office/drawing/2014/main" id="{A4F5D6F6-860A-4BB1-995A-ABEB11B7279E}"/>
+                  </a:ext>
+                </a:extLst>
+              </p:cNvPr>
+              <p:cNvSpPr/>
+              <p:nvPr/>
+            </p:nvSpPr>
+            <p:spPr>
+              <a:xfrm>
+                <a:off x="7005165" y="3321056"/>
+                <a:ext cx="144923" cy="102175"/>
+              </a:xfrm>
+              <a:prstGeom prst="rect">
+                <a:avLst/>
+              </a:prstGeom>
+              <a:solidFill>
+                <a:srgbClr val="0070C0"/>
+              </a:solidFill>
+              <a:ln>
+                <a:solidFill>
+                  <a:srgbClr val="0070C0"/>
+                </a:solidFill>
+              </a:ln>
+              <a:effectLst/>
+            </p:spPr>
+            <p:style>
+              <a:lnRef idx="1">
+                <a:schemeClr val="accent3"/>
+              </a:lnRef>
+              <a:fillRef idx="2">
+                <a:schemeClr val="accent3"/>
+              </a:fillRef>
+              <a:effectRef idx="1">
+                <a:schemeClr val="accent3"/>
+              </a:effectRef>
+              <a:fontRef idx="minor">
+                <a:schemeClr val="dk1"/>
+              </a:fontRef>
+            </p:style>
+            <p:txBody>
+              <a:bodyPr rtlCol="0" anchor="ctr"/>
+              <a:lstStyle/>
+              <a:p>
+                <a:pPr algn="ctr"/>
+                <a:endParaRPr lang="en-SG" sz="1400">
+                  <a:solidFill>
+                    <a:prstClr val="black"/>
+                  </a:solidFill>
+                  <a:latin typeface="Calibri"/>
+                </a:endParaRPr>
+              </a:p>
+            </p:txBody>
+          </p:sp>
+          <p:cxnSp>
+            <p:nvCxnSpPr>
+              <p:cNvPr id="112" name="Straight Arrow Connector 111">
+                <a:extLst>
+                  <a:ext uri="{FF2B5EF4-FFF2-40B4-BE49-F238E27FC236}">
+                    <a16:creationId xmlns:a16="http://schemas.microsoft.com/office/drawing/2014/main" id="{FEE17AA2-658D-481B-B7CA-63854583D595}"/>
+                  </a:ext>
+                </a:extLst>
+              </p:cNvPr>
+              <p:cNvCxnSpPr>
+                <a:cxnSpLocks/>
+              </p:cNvCxnSpPr>
+              <p:nvPr/>
+            </p:nvCxnSpPr>
+            <p:spPr>
+              <a:xfrm>
+                <a:off x="5635220" y="3197778"/>
+                <a:ext cx="989518" cy="1090"/>
+              </a:xfrm>
+              <a:prstGeom prst="straightConnector1">
+                <a:avLst/>
+              </a:prstGeom>
+              <a:ln w="19050">
+                <a:solidFill>
+                  <a:srgbClr val="0070C0"/>
+                </a:solidFill>
+                <a:tailEnd type="arrow"/>
+              </a:ln>
+            </p:spPr>
+            <p:style>
+              <a:lnRef idx="1">
+                <a:schemeClr val="accent1"/>
+              </a:lnRef>
+              <a:fillRef idx="0">
+                <a:schemeClr val="accent1"/>
+              </a:fillRef>
+              <a:effectRef idx="0">
+                <a:schemeClr val="accent1"/>
+              </a:effectRef>
+              <a:fontRef idx="minor">
+                <a:schemeClr val="tx1"/>
+              </a:fontRef>
+            </p:style>
+          </p:cxnSp>
+          <p:sp>
+            <p:nvSpPr>
+              <p:cNvPr id="117" name="TextBox 116">
+                <a:extLst>
+                  <a:ext uri="{FF2B5EF4-FFF2-40B4-BE49-F238E27FC236}">
+                    <a16:creationId xmlns:a16="http://schemas.microsoft.com/office/drawing/2014/main" id="{024BEC88-DBB1-4E3E-B95C-397D4C80ABF8}"/>
+                  </a:ext>
+                </a:extLst>
+              </p:cNvPr>
+              <p:cNvSpPr txBox="1"/>
+              <p:nvPr/>
+            </p:nvSpPr>
+            <p:spPr>
+              <a:xfrm>
+                <a:off x="5465880" y="3035959"/>
+                <a:ext cx="1150818" cy="107722"/>
+              </a:xfrm>
+              <a:prstGeom prst="rect">
+                <a:avLst/>
+              </a:prstGeom>
+              <a:noFill/>
+            </p:spPr>
+            <p:txBody>
+              <a:bodyPr wrap="square" lIns="0" tIns="0" rIns="0" bIns="0" rtlCol="0">
+                <a:spAutoFit/>
+              </a:bodyPr>
+              <a:lstStyle>
+                <a:defPPr>
+                  <a:defRPr lang="en-US"/>
+                </a:defPPr>
+                <a:lvl1pPr algn="r">
+                  <a:defRPr sz="1400">
+                    <a:solidFill>
+                      <a:srgbClr val="0070C0"/>
+                    </a:solidFill>
+                  </a:defRPr>
+                </a:lvl1pPr>
+              </a:lstStyle>
+              <a:p>
+                <a:r>
+                  <a:rPr lang="en-US" sz="700" dirty="0" err="1">
+                    <a:latin typeface="Calibri"/>
+                  </a:rPr>
+                  <a:t>lastShownList.get</a:t>
+                </a:r>
+                <a:r>
+                  <a:rPr lang="en-US" sz="700" dirty="0">
+                    <a:latin typeface="Calibri"/>
+                  </a:rPr>
+                  <a:t>(index)</a:t>
+                </a:r>
+              </a:p>
+            </p:txBody>
+          </p:sp>
+          <p:cxnSp>
+            <p:nvCxnSpPr>
+              <p:cNvPr id="120" name="Straight Arrow Connector 119">
+                <a:extLst>
+                  <a:ext uri="{FF2B5EF4-FFF2-40B4-BE49-F238E27FC236}">
+                    <a16:creationId xmlns:a16="http://schemas.microsoft.com/office/drawing/2014/main" id="{7589CB95-3C96-4E2E-A917-2029539A6549}"/>
+                  </a:ext>
+                </a:extLst>
+              </p:cNvPr>
+              <p:cNvCxnSpPr>
+                <a:cxnSpLocks/>
+                <a:endCxn id="111" idx="2"/>
+              </p:cNvCxnSpPr>
+              <p:nvPr/>
+            </p:nvCxnSpPr>
+            <p:spPr>
+              <a:xfrm>
+                <a:off x="5685521" y="3418323"/>
+                <a:ext cx="1392106" cy="4908"/>
+              </a:xfrm>
+              <a:prstGeom prst="straightConnector1">
+                <a:avLst/>
+              </a:prstGeom>
+              <a:ln w="19050">
+                <a:solidFill>
+                  <a:srgbClr val="0070C0"/>
+                </a:solidFill>
+                <a:prstDash val="sysDash"/>
+                <a:headEnd type="arrow" w="med" len="med"/>
+                <a:tailEnd type="none" w="med" len="med"/>
+              </a:ln>
+            </p:spPr>
+            <p:style>
+              <a:lnRef idx="1">
+                <a:schemeClr val="accent1"/>
+              </a:lnRef>
+              <a:fillRef idx="0">
+                <a:schemeClr val="accent1"/>
+              </a:fillRef>
+              <a:effectRef idx="0">
+                <a:schemeClr val="accent1"/>
+              </a:effectRef>
+              <a:fontRef idx="minor">
+                <a:schemeClr val="tx1"/>
+              </a:fontRef>
+            </p:style>
+          </p:cxnSp>
+          <p:sp>
+            <p:nvSpPr>
+              <p:cNvPr id="124" name="Rectangle 123">
+                <a:extLst>
+                  <a:ext uri="{FF2B5EF4-FFF2-40B4-BE49-F238E27FC236}">
+                    <a16:creationId xmlns:a16="http://schemas.microsoft.com/office/drawing/2014/main" id="{01771306-C7F0-43DF-8B5E-58AE678F2DD3}"/>
+                  </a:ext>
+                </a:extLst>
+              </p:cNvPr>
+              <p:cNvSpPr/>
+              <p:nvPr/>
+            </p:nvSpPr>
+            <p:spPr>
+              <a:xfrm>
+                <a:off x="7024015" y="4723781"/>
+                <a:ext cx="187553" cy="102797"/>
+              </a:xfrm>
+              <a:prstGeom prst="rect">
+                <a:avLst/>
+              </a:prstGeom>
+              <a:solidFill>
+                <a:srgbClr val="0070C0"/>
+              </a:solidFill>
+              <a:ln>
+                <a:solidFill>
+                  <a:srgbClr val="0070C0"/>
+                </a:solidFill>
+              </a:ln>
+              <a:effectLst/>
+            </p:spPr>
+            <p:style>
+              <a:lnRef idx="1">
+                <a:schemeClr val="accent3"/>
+              </a:lnRef>
+              <a:fillRef idx="2">
+                <a:schemeClr val="accent3"/>
+              </a:fillRef>
+              <a:effectRef idx="1">
+                <a:schemeClr val="accent3"/>
+              </a:effectRef>
+              <a:fontRef idx="minor">
+                <a:schemeClr val="dk1"/>
+              </a:fontRef>
+            </p:style>
+            <p:txBody>
+              <a:bodyPr rtlCol="0" anchor="ctr"/>
+              <a:lstStyle/>
+              <a:p>
+                <a:pPr algn="ctr"/>
+                <a:endParaRPr lang="en-SG" sz="1400">
+                  <a:solidFill>
+                    <a:prstClr val="black"/>
+                  </a:solidFill>
+                  <a:latin typeface="Calibri"/>
+                </a:endParaRPr>
+              </a:p>
+            </p:txBody>
+          </p:sp>
+          <p:cxnSp>
+            <p:nvCxnSpPr>
+              <p:cNvPr id="127" name="Straight Arrow Connector 126">
+                <a:extLst>
+                  <a:ext uri="{FF2B5EF4-FFF2-40B4-BE49-F238E27FC236}">
+                    <a16:creationId xmlns:a16="http://schemas.microsoft.com/office/drawing/2014/main" id="{A8591612-65D1-4A60-B224-1C58D3BA2529}"/>
+                  </a:ext>
+                </a:extLst>
+              </p:cNvPr>
+              <p:cNvCxnSpPr>
+                <a:cxnSpLocks/>
+                <a:endCxn id="151" idx="1"/>
+              </p:cNvCxnSpPr>
+              <p:nvPr/>
+            </p:nvCxnSpPr>
+            <p:spPr>
+              <a:xfrm>
+                <a:off x="5655463" y="4620278"/>
+                <a:ext cx="981587" cy="0"/>
+              </a:xfrm>
+              <a:prstGeom prst="straightConnector1">
+                <a:avLst/>
+              </a:prstGeom>
+              <a:ln w="19050">
+                <a:solidFill>
+                  <a:srgbClr val="0070C0"/>
+                </a:solidFill>
+                <a:tailEnd type="arrow"/>
+              </a:ln>
+            </p:spPr>
+            <p:style>
+              <a:lnRef idx="1">
+                <a:schemeClr val="accent1"/>
+              </a:lnRef>
+              <a:fillRef idx="0">
+                <a:schemeClr val="accent1"/>
+              </a:fillRef>
+              <a:effectRef idx="0">
+                <a:schemeClr val="accent1"/>
+              </a:effectRef>
+              <a:fontRef idx="minor">
+                <a:schemeClr val="tx1"/>
+              </a:fontRef>
+            </p:style>
+          </p:cxnSp>
+          <p:cxnSp>
+            <p:nvCxnSpPr>
+              <p:cNvPr id="128" name="Straight Arrow Connector 127">
+                <a:extLst>
+                  <a:ext uri="{FF2B5EF4-FFF2-40B4-BE49-F238E27FC236}">
+                    <a16:creationId xmlns:a16="http://schemas.microsoft.com/office/drawing/2014/main" id="{097DD719-DCCB-41D3-B322-B838EE20C18C}"/>
+                  </a:ext>
+                </a:extLst>
+              </p:cNvPr>
+              <p:cNvCxnSpPr>
+                <a:cxnSpLocks/>
+                <a:endCxn id="124" idx="2"/>
+              </p:cNvCxnSpPr>
+              <p:nvPr/>
+            </p:nvCxnSpPr>
+            <p:spPr>
+              <a:xfrm>
+                <a:off x="5667212" y="4826578"/>
+                <a:ext cx="1450580" cy="0"/>
+              </a:xfrm>
+              <a:prstGeom prst="straightConnector1">
+                <a:avLst/>
+              </a:prstGeom>
+              <a:ln w="19050">
+                <a:solidFill>
+                  <a:srgbClr val="0070C0"/>
+                </a:solidFill>
+                <a:prstDash val="sysDash"/>
+                <a:headEnd type="arrow" w="med" len="med"/>
+                <a:tailEnd type="none" w="med" len="med"/>
+              </a:ln>
+            </p:spPr>
+            <p:style>
+              <a:lnRef idx="1">
+                <a:schemeClr val="accent1"/>
+              </a:lnRef>
+              <a:fillRef idx="0">
+                <a:schemeClr val="accent1"/>
+              </a:fillRef>
+              <a:effectRef idx="0">
+                <a:schemeClr val="accent1"/>
+              </a:effectRef>
+              <a:fontRef idx="minor">
+                <a:schemeClr val="tx1"/>
+              </a:fontRef>
+            </p:style>
+          </p:cxnSp>
+          <p:sp>
+            <p:nvSpPr>
+              <p:cNvPr id="151" name="Rectangle 62">
+                <a:extLst>
+                  <a:ext uri="{FF2B5EF4-FFF2-40B4-BE49-F238E27FC236}">
+                    <a16:creationId xmlns:a16="http://schemas.microsoft.com/office/drawing/2014/main" id="{E6B25D8A-1B38-49D7-B8F6-23AAE389A47C}"/>
+                  </a:ext>
+                </a:extLst>
+              </p:cNvPr>
+              <p:cNvSpPr/>
+              <p:nvPr/>
+            </p:nvSpPr>
+            <p:spPr>
+              <a:xfrm>
+                <a:off x="6637050" y="4504931"/>
+                <a:ext cx="989046" cy="230693"/>
+              </a:xfrm>
+              <a:prstGeom prst="rect">
+                <a:avLst/>
+              </a:prstGeom>
+              <a:solidFill>
+                <a:srgbClr val="0070C0"/>
+              </a:solidFill>
+              <a:ln w="19050">
+                <a:solidFill>
+                  <a:srgbClr val="0070C0"/>
+                </a:solidFill>
+              </a:ln>
+              <a:effectLst/>
+            </p:spPr>
+            <p:style>
+              <a:lnRef idx="1">
+                <a:schemeClr val="accent2"/>
+              </a:lnRef>
+              <a:fillRef idx="2">
+                <a:schemeClr val="accent2"/>
+              </a:fillRef>
+              <a:effectRef idx="1">
+                <a:schemeClr val="accent2"/>
+              </a:effectRef>
+              <a:fontRef idx="minor">
+                <a:schemeClr val="dk1"/>
+              </a:fontRef>
+            </p:style>
+            <p:txBody>
+              <a:bodyPr rtlCol="0" anchor="ctr"/>
+              <a:lstStyle/>
+              <a:p>
+                <a:pPr algn="ctr"/>
+                <a:r>
+                  <a:rPr lang="en-US" sz="1000" dirty="0" err="1">
+                    <a:solidFill>
+                      <a:prstClr val="white"/>
+                    </a:solidFill>
+                    <a:latin typeface="Calibri"/>
+                  </a:rPr>
+                  <a:t>edited:Student</a:t>
+                </a:r>
+                <a:endParaRPr lang="en-SG" sz="1000" dirty="0">
+                  <a:solidFill>
+                    <a:prstClr val="white"/>
+                  </a:solidFill>
+                  <a:latin typeface="Calibri"/>
+                </a:endParaRPr>
+              </a:p>
+            </p:txBody>
+          </p:sp>
+          <p:cxnSp>
+            <p:nvCxnSpPr>
+              <p:cNvPr id="89" name="Straight Connector 88">
+                <a:extLst>
+                  <a:ext uri="{FF2B5EF4-FFF2-40B4-BE49-F238E27FC236}">
+                    <a16:creationId xmlns:a16="http://schemas.microsoft.com/office/drawing/2014/main" id="{3C52FF72-1AFF-4CFD-B58A-8AA853F51E06}"/>
+                  </a:ext>
+                </a:extLst>
+              </p:cNvPr>
+              <p:cNvCxnSpPr>
+                <a:cxnSpLocks/>
+              </p:cNvCxnSpPr>
+              <p:nvPr/>
+            </p:nvCxnSpPr>
+            <p:spPr>
+              <a:xfrm>
+                <a:off x="7077627" y="3299962"/>
+                <a:ext cx="0" cy="728478"/>
+              </a:xfrm>
+              <a:prstGeom prst="line">
+                <a:avLst/>
+              </a:prstGeom>
+              <a:ln w="19050">
+                <a:solidFill>
+                  <a:srgbClr val="0070C0"/>
+                </a:solidFill>
+                <a:prstDash val="sysDash"/>
+              </a:ln>
+              <a:effectLst/>
+            </p:spPr>
+            <p:style>
+              <a:lnRef idx="1">
+                <a:schemeClr val="accent1"/>
+              </a:lnRef>
+              <a:fillRef idx="2">
+                <a:schemeClr val="accent1"/>
+              </a:fillRef>
+              <a:effectRef idx="1">
+                <a:schemeClr val="accent1"/>
+              </a:effectRef>
+              <a:fontRef idx="minor">
+                <a:schemeClr val="dk1"/>
+              </a:fontRef>
+            </p:style>
+          </p:cxnSp>
+          <p:sp>
+            <p:nvSpPr>
+              <p:cNvPr id="91" name="Rectangle 90">
+                <a:extLst>
+                  <a:ext uri="{FF2B5EF4-FFF2-40B4-BE49-F238E27FC236}">
+                    <a16:creationId xmlns:a16="http://schemas.microsoft.com/office/drawing/2014/main" id="{27739D36-84D0-4EC7-99BB-3DC63996C25E}"/>
+                  </a:ext>
+                </a:extLst>
+              </p:cNvPr>
+              <p:cNvSpPr/>
+              <p:nvPr/>
+            </p:nvSpPr>
+            <p:spPr>
+              <a:xfrm>
+                <a:off x="7014536" y="3533248"/>
+                <a:ext cx="124308" cy="402673"/>
+              </a:xfrm>
+              <a:prstGeom prst="rect">
+                <a:avLst/>
+              </a:prstGeom>
+              <a:solidFill>
+                <a:srgbClr val="0070C0"/>
+              </a:solidFill>
+              <a:ln>
+                <a:solidFill>
+                  <a:srgbClr val="0070C0"/>
+                </a:solidFill>
+              </a:ln>
+              <a:effectLst/>
+            </p:spPr>
+            <p:style>
+              <a:lnRef idx="1">
+                <a:schemeClr val="accent3"/>
+              </a:lnRef>
+              <a:fillRef idx="2">
+                <a:schemeClr val="accent3"/>
+              </a:fillRef>
+              <a:effectRef idx="1">
+                <a:schemeClr val="accent3"/>
+              </a:effectRef>
+              <a:fontRef idx="minor">
+                <a:schemeClr val="dk1"/>
+              </a:fontRef>
+            </p:style>
+            <p:txBody>
+              <a:bodyPr rtlCol="0" anchor="ctr"/>
+              <a:lstStyle/>
+              <a:p>
+                <a:pPr algn="ctr"/>
+                <a:endParaRPr lang="en-SG" sz="1400">
+                  <a:solidFill>
+                    <a:prstClr val="black"/>
+                  </a:solidFill>
+                  <a:latin typeface="Calibri"/>
+                </a:endParaRPr>
+              </a:p>
+            </p:txBody>
+          </p:sp>
+          <p:cxnSp>
+            <p:nvCxnSpPr>
+              <p:cNvPr id="94" name="Straight Arrow Connector 93">
+                <a:extLst>
+                  <a:ext uri="{FF2B5EF4-FFF2-40B4-BE49-F238E27FC236}">
+                    <a16:creationId xmlns:a16="http://schemas.microsoft.com/office/drawing/2014/main" id="{42384EDF-EAEC-4D9B-B300-246D17B69F64}"/>
+                  </a:ext>
+                </a:extLst>
+              </p:cNvPr>
+              <p:cNvCxnSpPr>
+                <a:cxnSpLocks/>
+              </p:cNvCxnSpPr>
+              <p:nvPr/>
+            </p:nvCxnSpPr>
+            <p:spPr>
+              <a:xfrm>
+                <a:off x="5673586" y="3925537"/>
+                <a:ext cx="1392106" cy="4908"/>
+              </a:xfrm>
+              <a:prstGeom prst="straightConnector1">
+                <a:avLst/>
+              </a:prstGeom>
+              <a:ln w="19050">
+                <a:solidFill>
+                  <a:srgbClr val="0070C0"/>
+                </a:solidFill>
+                <a:prstDash val="sysDash"/>
+                <a:headEnd type="arrow" w="med" len="med"/>
+                <a:tailEnd type="none" w="med" len="med"/>
+              </a:ln>
+            </p:spPr>
+            <p:style>
+              <a:lnRef idx="1">
+                <a:schemeClr val="accent1"/>
+              </a:lnRef>
+              <a:fillRef idx="0">
+                <a:schemeClr val="accent1"/>
+              </a:fillRef>
+              <a:effectRef idx="0">
+                <a:schemeClr val="accent1"/>
+              </a:effectRef>
+              <a:fontRef idx="minor">
+                <a:schemeClr val="tx1"/>
+              </a:fontRef>
+            </p:style>
+          </p:cxnSp>
+          <p:cxnSp>
+            <p:nvCxnSpPr>
+              <p:cNvPr id="96" name="Straight Arrow Connector 95">
+                <a:extLst>
+                  <a:ext uri="{FF2B5EF4-FFF2-40B4-BE49-F238E27FC236}">
+                    <a16:creationId xmlns:a16="http://schemas.microsoft.com/office/drawing/2014/main" id="{5C148ACD-B02E-4E4C-A941-E725C5C105DF}"/>
+                  </a:ext>
+                </a:extLst>
+              </p:cNvPr>
+              <p:cNvCxnSpPr>
+                <a:cxnSpLocks/>
+              </p:cNvCxnSpPr>
+              <p:nvPr/>
+            </p:nvCxnSpPr>
+            <p:spPr>
+              <a:xfrm>
+                <a:off x="7140720" y="3602424"/>
+                <a:ext cx="591040" cy="141"/>
+              </a:xfrm>
+              <a:prstGeom prst="straightConnector1">
+                <a:avLst/>
+              </a:prstGeom>
+              <a:ln w="19050">
+                <a:solidFill>
+                  <a:srgbClr val="0070C0"/>
+                </a:solidFill>
+                <a:tailEnd type="arrow"/>
+              </a:ln>
+            </p:spPr>
+            <p:style>
+              <a:lnRef idx="1">
+                <a:schemeClr val="accent1"/>
+              </a:lnRef>
+              <a:fillRef idx="0">
+                <a:schemeClr val="accent1"/>
+              </a:fillRef>
+              <a:effectRef idx="0">
+                <a:schemeClr val="accent1"/>
+              </a:effectRef>
+              <a:fontRef idx="minor">
+                <a:schemeClr val="tx1"/>
+              </a:fontRef>
+            </p:style>
+          </p:cxnSp>
+          <p:cxnSp>
+            <p:nvCxnSpPr>
+              <p:cNvPr id="97" name="Straight Arrow Connector 96">
+                <a:extLst>
+                  <a:ext uri="{FF2B5EF4-FFF2-40B4-BE49-F238E27FC236}">
+                    <a16:creationId xmlns:a16="http://schemas.microsoft.com/office/drawing/2014/main" id="{19ADF5F6-152B-4A86-9E88-3F66FD422235}"/>
+                  </a:ext>
+                </a:extLst>
+              </p:cNvPr>
+              <p:cNvCxnSpPr>
+                <a:cxnSpLocks/>
+              </p:cNvCxnSpPr>
+              <p:nvPr/>
+            </p:nvCxnSpPr>
+            <p:spPr>
+              <a:xfrm>
+                <a:off x="7138843" y="3820487"/>
+                <a:ext cx="972781" cy="0"/>
+              </a:xfrm>
+              <a:prstGeom prst="straightConnector1">
+                <a:avLst/>
+              </a:prstGeom>
+              <a:ln w="19050">
+                <a:solidFill>
+                  <a:srgbClr val="0070C0"/>
+                </a:solidFill>
+                <a:prstDash val="sysDash"/>
+                <a:headEnd type="arrow" w="med" len="med"/>
+                <a:tailEnd type="none" w="med" len="med"/>
+              </a:ln>
+            </p:spPr>
+            <p:style>
+              <a:lnRef idx="1">
+                <a:schemeClr val="accent1"/>
+              </a:lnRef>
+              <a:fillRef idx="0">
+                <a:schemeClr val="accent1"/>
+              </a:fillRef>
+              <a:effectRef idx="0">
+                <a:schemeClr val="accent1"/>
+              </a:effectRef>
+              <a:fontRef idx="minor">
+                <a:schemeClr val="tx1"/>
+              </a:fontRef>
+            </p:style>
+          </p:cxnSp>
+          <p:sp>
+            <p:nvSpPr>
+              <p:cNvPr id="98" name="TextBox 97">
+                <a:extLst>
+                  <a:ext uri="{FF2B5EF4-FFF2-40B4-BE49-F238E27FC236}">
+                    <a16:creationId xmlns:a16="http://schemas.microsoft.com/office/drawing/2014/main" id="{6BF14BD3-52B4-486D-8DBE-D7B6178D4C1A}"/>
+                  </a:ext>
+                </a:extLst>
+              </p:cNvPr>
+              <p:cNvSpPr txBox="1"/>
+              <p:nvPr/>
+            </p:nvSpPr>
+            <p:spPr>
+              <a:xfrm>
+                <a:off x="6584159" y="3435937"/>
+                <a:ext cx="1150818" cy="107722"/>
+              </a:xfrm>
+              <a:prstGeom prst="rect">
+                <a:avLst/>
+              </a:prstGeom>
+              <a:noFill/>
+            </p:spPr>
+            <p:txBody>
+              <a:bodyPr wrap="square" lIns="0" tIns="0" rIns="0" bIns="0" rtlCol="0">
+                <a:spAutoFit/>
+              </a:bodyPr>
+              <a:lstStyle>
+                <a:defPPr>
+                  <a:defRPr lang="en-US"/>
+                </a:defPPr>
+                <a:lvl1pPr algn="r">
+                  <a:defRPr sz="1400">
+                    <a:solidFill>
+                      <a:srgbClr val="0070C0"/>
+                    </a:solidFill>
+                  </a:defRPr>
+                </a:lvl1pPr>
+              </a:lstStyle>
+              <a:p>
+                <a:r>
+                  <a:rPr lang="en-US" sz="700" dirty="0" err="1">
+                    <a:latin typeface="Calibri"/>
+                  </a:rPr>
+                  <a:t>getPayments</a:t>
+                </a:r>
+                <a:r>
+                  <a:rPr lang="en-US" sz="700" dirty="0">
+                    <a:latin typeface="Calibri"/>
+                  </a:rPr>
+                  <a:t>()</a:t>
+                </a:r>
+              </a:p>
+            </p:txBody>
+          </p:sp>
+          <p:sp>
+            <p:nvSpPr>
+              <p:cNvPr id="99" name="Rectangle 62">
+                <a:extLst>
+                  <a:ext uri="{FF2B5EF4-FFF2-40B4-BE49-F238E27FC236}">
+                    <a16:creationId xmlns:a16="http://schemas.microsoft.com/office/drawing/2014/main" id="{FBE52BE1-83B1-4044-832A-21CFA28B823E}"/>
+                  </a:ext>
+                </a:extLst>
+              </p:cNvPr>
+              <p:cNvSpPr/>
+              <p:nvPr/>
+            </p:nvSpPr>
+            <p:spPr>
+              <a:xfrm>
+                <a:off x="7743509" y="3487077"/>
+                <a:ext cx="926621" cy="230693"/>
+              </a:xfrm>
+              <a:prstGeom prst="rect">
+                <a:avLst/>
+              </a:prstGeom>
+              <a:solidFill>
+                <a:srgbClr val="0070C0"/>
+              </a:solidFill>
+              <a:ln w="19050">
+                <a:solidFill>
+                  <a:srgbClr val="0070C0"/>
+                </a:solidFill>
+              </a:ln>
+              <a:effectLst/>
+            </p:spPr>
+            <p:style>
+              <a:lnRef idx="1">
+                <a:schemeClr val="accent2"/>
+              </a:lnRef>
+              <a:fillRef idx="2">
+                <a:schemeClr val="accent2"/>
+              </a:fillRef>
+              <a:effectRef idx="1">
+                <a:schemeClr val="accent2"/>
+              </a:effectRef>
+              <a:fontRef idx="minor">
+                <a:schemeClr val="dk1"/>
+              </a:fontRef>
+            </p:style>
+            <p:txBody>
+              <a:bodyPr rtlCol="0" anchor="ctr"/>
+              <a:lstStyle/>
+              <a:p>
+                <a:pPr algn="ctr"/>
+                <a:r>
+                  <a:rPr lang="en-US" sz="800" dirty="0">
+                    <a:solidFill>
+                      <a:prstClr val="white"/>
+                    </a:solidFill>
+                    <a:latin typeface="Calibri"/>
+                  </a:rPr>
+                  <a:t>l:List&lt;Payments&gt;</a:t>
+                </a:r>
+                <a:endParaRPr lang="en-SG" sz="800" dirty="0">
+                  <a:solidFill>
+                    <a:prstClr val="white"/>
+                  </a:solidFill>
+                  <a:latin typeface="Calibri"/>
+                </a:endParaRPr>
+              </a:p>
+            </p:txBody>
+          </p:sp>
+          <p:sp>
+            <p:nvSpPr>
+              <p:cNvPr id="100" name="Rectangle 99">
+                <a:extLst>
+                  <a:ext uri="{FF2B5EF4-FFF2-40B4-BE49-F238E27FC236}">
+                    <a16:creationId xmlns:a16="http://schemas.microsoft.com/office/drawing/2014/main" id="{D229B755-5805-4A80-91B2-FEDEE15C495C}"/>
+                  </a:ext>
+                </a:extLst>
+              </p:cNvPr>
+              <p:cNvSpPr/>
+              <p:nvPr/>
+            </p:nvSpPr>
+            <p:spPr>
+              <a:xfrm>
+                <a:off x="8111624" y="3718312"/>
+                <a:ext cx="144923" cy="102175"/>
+              </a:xfrm>
+              <a:prstGeom prst="rect">
+                <a:avLst/>
+              </a:prstGeom>
+              <a:solidFill>
+                <a:srgbClr val="0070C0"/>
+              </a:solidFill>
+              <a:ln>
+                <a:solidFill>
+                  <a:srgbClr val="0070C0"/>
+                </a:solidFill>
+              </a:ln>
+              <a:effectLst/>
+            </p:spPr>
+            <p:style>
+              <a:lnRef idx="1">
+                <a:schemeClr val="accent3"/>
+              </a:lnRef>
+              <a:fillRef idx="2">
+                <a:schemeClr val="accent3"/>
+              </a:fillRef>
+              <a:effectRef idx="1">
+                <a:schemeClr val="accent3"/>
+              </a:effectRef>
+              <a:fontRef idx="minor">
+                <a:schemeClr val="dk1"/>
+              </a:fontRef>
+            </p:style>
+            <p:txBody>
+              <a:bodyPr rtlCol="0" anchor="ctr"/>
+              <a:lstStyle/>
+              <a:p>
+                <a:pPr algn="ctr"/>
+                <a:endParaRPr lang="en-SG" sz="1400">
+                  <a:solidFill>
+                    <a:prstClr val="black"/>
+                  </a:solidFill>
+                  <a:latin typeface="Calibri"/>
+                </a:endParaRPr>
+              </a:p>
+            </p:txBody>
+          </p:sp>
+          <p:sp>
+            <p:nvSpPr>
+              <p:cNvPr id="101" name="TextBox 100">
+                <a:extLst>
+                  <a:ext uri="{FF2B5EF4-FFF2-40B4-BE49-F238E27FC236}">
+                    <a16:creationId xmlns:a16="http://schemas.microsoft.com/office/drawing/2014/main" id="{4FFDA7D7-5B61-4979-83C4-DE0F52D01109}"/>
+                  </a:ext>
+                </a:extLst>
+              </p:cNvPr>
+              <p:cNvSpPr txBox="1"/>
+              <p:nvPr/>
+            </p:nvSpPr>
+            <p:spPr>
+              <a:xfrm>
+                <a:off x="6197815" y="3712105"/>
+                <a:ext cx="220343" cy="215444"/>
+              </a:xfrm>
+              <a:prstGeom prst="rect">
+                <a:avLst/>
+              </a:prstGeom>
+              <a:noFill/>
+            </p:spPr>
+            <p:txBody>
+              <a:bodyPr wrap="square" lIns="0" tIns="0" rIns="0" bIns="0" rtlCol="0">
+                <a:spAutoFit/>
+              </a:bodyPr>
+              <a:lstStyle>
+                <a:defPPr>
+                  <a:defRPr lang="en-US"/>
+                </a:defPPr>
+                <a:lvl1pPr algn="r">
+                  <a:defRPr sz="1400">
+                    <a:solidFill>
+                      <a:srgbClr val="0070C0"/>
+                    </a:solidFill>
+                  </a:defRPr>
+                </a:lvl1pPr>
+              </a:lstStyle>
+              <a:p>
+                <a:r>
+                  <a:rPr lang="en-US" dirty="0">
+                    <a:latin typeface="Calibri"/>
+                  </a:rPr>
+                  <a:t>l</a:t>
+                </a:r>
+              </a:p>
+            </p:txBody>
+          </p:sp>
+          <p:cxnSp>
+            <p:nvCxnSpPr>
+              <p:cNvPr id="102" name="Straight Connector 101">
+                <a:extLst>
+                  <a:ext uri="{FF2B5EF4-FFF2-40B4-BE49-F238E27FC236}">
+                    <a16:creationId xmlns:a16="http://schemas.microsoft.com/office/drawing/2014/main" id="{347EB980-93F3-4661-BFCE-7572AC377838}"/>
+                  </a:ext>
+                </a:extLst>
+              </p:cNvPr>
+              <p:cNvCxnSpPr>
+                <a:cxnSpLocks/>
+              </p:cNvCxnSpPr>
+              <p:nvPr/>
+            </p:nvCxnSpPr>
+            <p:spPr>
+              <a:xfrm>
+                <a:off x="8180668" y="3640396"/>
+                <a:ext cx="0" cy="723324"/>
+              </a:xfrm>
+              <a:prstGeom prst="line">
+                <a:avLst/>
+              </a:prstGeom>
+              <a:ln w="19050">
+                <a:solidFill>
+                  <a:srgbClr val="0070C0"/>
+                </a:solidFill>
+                <a:prstDash val="sysDash"/>
+              </a:ln>
+              <a:effectLst/>
+            </p:spPr>
+            <p:style>
+              <a:lnRef idx="1">
+                <a:schemeClr val="accent1"/>
+              </a:lnRef>
+              <a:fillRef idx="2">
+                <a:schemeClr val="accent1"/>
+              </a:fillRef>
+              <a:effectRef idx="1">
+                <a:schemeClr val="accent1"/>
+              </a:effectRef>
+              <a:fontRef idx="minor">
+                <a:schemeClr val="dk1"/>
+              </a:fontRef>
+            </p:style>
+          </p:cxnSp>
+          <p:sp>
+            <p:nvSpPr>
+              <p:cNvPr id="103" name="Rectangle 102">
+                <a:extLst>
+                  <a:ext uri="{FF2B5EF4-FFF2-40B4-BE49-F238E27FC236}">
+                    <a16:creationId xmlns:a16="http://schemas.microsoft.com/office/drawing/2014/main" id="{A13B574E-3DBC-4EE8-ACDD-D66B11DFF994}"/>
+                  </a:ext>
+                </a:extLst>
+              </p:cNvPr>
+              <p:cNvSpPr/>
+              <p:nvPr/>
+            </p:nvSpPr>
+            <p:spPr>
+              <a:xfrm>
+                <a:off x="8117578" y="4097316"/>
+                <a:ext cx="138942" cy="266402"/>
+              </a:xfrm>
+              <a:prstGeom prst="rect">
+                <a:avLst/>
+              </a:prstGeom>
+              <a:solidFill>
+                <a:srgbClr val="0070C0"/>
+              </a:solidFill>
+              <a:ln>
+                <a:solidFill>
+                  <a:srgbClr val="0070C0"/>
+                </a:solidFill>
+              </a:ln>
+              <a:effectLst/>
+            </p:spPr>
+            <p:style>
+              <a:lnRef idx="1">
+                <a:schemeClr val="accent3"/>
+              </a:lnRef>
+              <a:fillRef idx="2">
+                <a:schemeClr val="accent3"/>
+              </a:fillRef>
+              <a:effectRef idx="1">
+                <a:schemeClr val="accent3"/>
+              </a:effectRef>
+              <a:fontRef idx="minor">
+                <a:schemeClr val="dk1"/>
+              </a:fontRef>
+            </p:style>
+            <p:txBody>
+              <a:bodyPr rtlCol="0" anchor="ctr"/>
+              <a:lstStyle/>
+              <a:p>
+                <a:pPr algn="ctr"/>
+                <a:endParaRPr lang="en-SG" sz="1400">
+                  <a:solidFill>
+                    <a:prstClr val="black"/>
+                  </a:solidFill>
+                  <a:latin typeface="Calibri"/>
+                </a:endParaRPr>
+              </a:p>
+            </p:txBody>
+          </p:sp>
+          <p:cxnSp>
+            <p:nvCxnSpPr>
+              <p:cNvPr id="107" name="Straight Arrow Connector 106">
+                <a:extLst>
+                  <a:ext uri="{FF2B5EF4-FFF2-40B4-BE49-F238E27FC236}">
+                    <a16:creationId xmlns:a16="http://schemas.microsoft.com/office/drawing/2014/main" id="{4E152355-9291-4494-9655-286C83458D28}"/>
+                  </a:ext>
+                </a:extLst>
+              </p:cNvPr>
+              <p:cNvCxnSpPr>
+                <a:cxnSpLocks/>
+              </p:cNvCxnSpPr>
+              <p:nvPr/>
+            </p:nvCxnSpPr>
+            <p:spPr>
+              <a:xfrm>
+                <a:off x="5689976" y="4097316"/>
+                <a:ext cx="2421648" cy="0"/>
+              </a:xfrm>
+              <a:prstGeom prst="straightConnector1">
+                <a:avLst/>
+              </a:prstGeom>
+              <a:ln w="19050">
+                <a:solidFill>
+                  <a:srgbClr val="0070C0"/>
+                </a:solidFill>
+                <a:tailEnd type="arrow"/>
+              </a:ln>
+            </p:spPr>
+            <p:style>
+              <a:lnRef idx="1">
+                <a:schemeClr val="accent1"/>
+              </a:lnRef>
+              <a:fillRef idx="0">
+                <a:schemeClr val="accent1"/>
+              </a:fillRef>
+              <a:effectRef idx="0">
+                <a:schemeClr val="accent1"/>
+              </a:effectRef>
+              <a:fontRef idx="minor">
+                <a:schemeClr val="tx1"/>
+              </a:fontRef>
+            </p:style>
+          </p:cxnSp>
+          <p:sp>
+            <p:nvSpPr>
+              <p:cNvPr id="114" name="TextBox 113">
+                <a:extLst>
+                  <a:ext uri="{FF2B5EF4-FFF2-40B4-BE49-F238E27FC236}">
+                    <a16:creationId xmlns:a16="http://schemas.microsoft.com/office/drawing/2014/main" id="{CED1B44B-EFE6-42B0-8D8B-B466893BD71D}"/>
+                  </a:ext>
+                </a:extLst>
+              </p:cNvPr>
+              <p:cNvSpPr txBox="1"/>
+              <p:nvPr/>
+            </p:nvSpPr>
+            <p:spPr>
+              <a:xfrm>
+                <a:off x="6821720" y="3966195"/>
+                <a:ext cx="1150818" cy="107722"/>
+              </a:xfrm>
+              <a:prstGeom prst="rect">
+                <a:avLst/>
+              </a:prstGeom>
+              <a:noFill/>
+            </p:spPr>
+            <p:txBody>
+              <a:bodyPr wrap="square" lIns="0" tIns="0" rIns="0" bIns="0" rtlCol="0">
+                <a:spAutoFit/>
+              </a:bodyPr>
+              <a:lstStyle>
+                <a:defPPr>
+                  <a:defRPr lang="en-US"/>
+                </a:defPPr>
+                <a:lvl1pPr algn="r">
+                  <a:defRPr sz="1400">
+                    <a:solidFill>
+                      <a:srgbClr val="0070C0"/>
+                    </a:solidFill>
+                  </a:defRPr>
+                </a:lvl1pPr>
+              </a:lstStyle>
+              <a:p>
+                <a:r>
+                  <a:rPr lang="en-US" sz="700" dirty="0" err="1">
+                    <a:latin typeface="Calibri"/>
+                  </a:rPr>
+                  <a:t>updatePayments</a:t>
+                </a:r>
+                <a:r>
+                  <a:rPr lang="en-US" sz="700" dirty="0">
+                    <a:latin typeface="Calibri"/>
+                  </a:rPr>
+                  <a:t>(l, p)</a:t>
+                </a:r>
+              </a:p>
+            </p:txBody>
+          </p:sp>
+          <p:cxnSp>
+            <p:nvCxnSpPr>
+              <p:cNvPr id="115" name="Straight Arrow Connector 114">
+                <a:extLst>
+                  <a:ext uri="{FF2B5EF4-FFF2-40B4-BE49-F238E27FC236}">
+                    <a16:creationId xmlns:a16="http://schemas.microsoft.com/office/drawing/2014/main" id="{2639CACC-CC7D-4331-AA72-1D1467FB44F6}"/>
+                  </a:ext>
+                </a:extLst>
+              </p:cNvPr>
+              <p:cNvCxnSpPr>
+                <a:cxnSpLocks/>
+              </p:cNvCxnSpPr>
+              <p:nvPr/>
+            </p:nvCxnSpPr>
+            <p:spPr>
+              <a:xfrm>
+                <a:off x="5655463" y="4363718"/>
+                <a:ext cx="2456160" cy="0"/>
+              </a:xfrm>
+              <a:prstGeom prst="straightConnector1">
+                <a:avLst/>
+              </a:prstGeom>
+              <a:ln w="19050">
+                <a:solidFill>
+                  <a:srgbClr val="0070C0"/>
+                </a:solidFill>
+                <a:prstDash val="sysDash"/>
+                <a:headEnd type="arrow" w="med" len="med"/>
+                <a:tailEnd type="none" w="med" len="med"/>
+              </a:ln>
+            </p:spPr>
+            <p:style>
+              <a:lnRef idx="1">
+                <a:schemeClr val="accent1"/>
+              </a:lnRef>
+              <a:fillRef idx="0">
+                <a:schemeClr val="accent1"/>
+              </a:fillRef>
+              <a:effectRef idx="0">
+                <a:schemeClr val="accent1"/>
+              </a:effectRef>
+              <a:fontRef idx="minor">
+                <a:schemeClr val="tx1"/>
+              </a:fontRef>
+            </p:style>
+          </p:cxnSp>
+          <p:sp>
+            <p:nvSpPr>
+              <p:cNvPr id="118" name="TextBox 117">
+                <a:extLst>
+                  <a:ext uri="{FF2B5EF4-FFF2-40B4-BE49-F238E27FC236}">
+                    <a16:creationId xmlns:a16="http://schemas.microsoft.com/office/drawing/2014/main" id="{B1018812-7701-4C64-9079-4B7D21DAB831}"/>
+                  </a:ext>
+                </a:extLst>
+              </p:cNvPr>
+              <p:cNvSpPr txBox="1"/>
+              <p:nvPr/>
+            </p:nvSpPr>
+            <p:spPr>
+              <a:xfrm>
+                <a:off x="5956475" y="4421462"/>
+                <a:ext cx="220343" cy="215444"/>
+              </a:xfrm>
+              <a:prstGeom prst="rect">
+                <a:avLst/>
+              </a:prstGeom>
+              <a:noFill/>
+            </p:spPr>
+            <p:txBody>
+              <a:bodyPr wrap="square" lIns="0" tIns="0" rIns="0" bIns="0" rtlCol="0">
+                <a:spAutoFit/>
+              </a:bodyPr>
+              <a:lstStyle>
+                <a:defPPr>
+                  <a:defRPr lang="en-US"/>
+                </a:defPPr>
+                <a:lvl1pPr algn="r">
+                  <a:defRPr sz="1400">
+                    <a:solidFill>
+                      <a:srgbClr val="0070C0"/>
+                    </a:solidFill>
+                  </a:defRPr>
+                </a:lvl1pPr>
+              </a:lstStyle>
+              <a:p>
+                <a:r>
+                  <a:rPr lang="en-US" dirty="0">
+                    <a:latin typeface="Calibri"/>
+                  </a:rPr>
+                  <a:t>l</a:t>
+                </a:r>
+              </a:p>
+            </p:txBody>
+          </p:sp>
+        </p:grpSp>
+        <p:sp>
+          <p:nvSpPr>
+            <p:cNvPr id="26" name="TextBox 25"/>
+            <p:cNvSpPr txBox="1"/>
+            <p:nvPr/>
+          </p:nvSpPr>
+          <p:spPr>
+            <a:xfrm>
+              <a:off x="1110419" y="1209407"/>
+              <a:ext cx="1424846" cy="369332"/>
+            </a:xfrm>
+            <a:prstGeom prst="rect">
+              <a:avLst/>
+            </a:prstGeom>
+            <a:noFill/>
+          </p:spPr>
+          <p:txBody>
+            <a:bodyPr wrap="square" lIns="0" tIns="0" rIns="0" bIns="0" rtlCol="0">
+              <a:spAutoFit/>
+            </a:bodyPr>
+            <a:lstStyle/>
+            <a:p>
+              <a:pPr algn="r"/>
+              <a:r>
+                <a:rPr lang="en-US" sz="1200" dirty="0">
+                  <a:solidFill>
+                    <a:srgbClr val="0070C0"/>
+                  </a:solidFill>
+                  <a:latin typeface="Calibri"/>
+                </a:rPr>
+                <a:t>execute(“paid 1 200 8 2018”)</a:t>
+              </a:r>
+            </a:p>
+          </p:txBody>
+        </p:sp>
+      </p:grpSp>
     </p:spTree>
     <p:extLst>
       <p:ext uri="{BB962C8B-B14F-4D97-AF65-F5344CB8AC3E}">
